--- a/kubernetes/04_networking_services.pptx
+++ b/kubernetes/04_networking_services.pptx
@@ -5,10 +5,10 @@
     <p:sldMasterId id="2147483733" r:id="rId1"/>
   </p:sldMasterIdLst>
   <p:notesMasterIdLst>
-    <p:notesMasterId r:id="rId9"/>
+    <p:notesMasterId r:id="rId11"/>
   </p:notesMasterIdLst>
   <p:handoutMasterIdLst>
-    <p:handoutMasterId r:id="rId10"/>
+    <p:handoutMasterId r:id="rId12"/>
   </p:handoutMasterIdLst>
   <p:sldIdLst>
     <p:sldId id="433" r:id="rId2"/>
@@ -17,7 +17,9 @@
     <p:sldId id="446" r:id="rId5"/>
     <p:sldId id="442" r:id="rId6"/>
     <p:sldId id="447" r:id="rId7"/>
-    <p:sldId id="265" r:id="rId8"/>
+    <p:sldId id="448" r:id="rId8"/>
+    <p:sldId id="450" r:id="rId9"/>
+    <p:sldId id="265" r:id="rId10"/>
   </p:sldIdLst>
   <p:sldSz cx="12195175" cy="6858000"/>
   <p:notesSz cx="6858000" cy="9144000"/>
@@ -556,7 +558,7 @@
             <a:fld id="{7D8C2C35-2B8A-446E-BEC0-FD36716C29AC}" type="slidenum">
               <a:rPr lang="de-DE" smtClean="0"/>
               <a:pPr/>
-              <a:t>7</a:t>
+              <a:t>9</a:t>
             </a:fld>
             <a:endParaRPr lang="de-DE" dirty="0"/>
           </a:p>
@@ -8311,7 +8313,6 @@
               <a:rPr lang="en-US" dirty="0"/>
               <a:t>External-to-Service communications: this is covered by services.</a:t>
             </a:r>
-            <a:endParaRPr lang="en-US" dirty="0"/>
           </a:p>
         </p:txBody>
       </p:sp>
@@ -9360,7 +9361,7 @@
         <p:spPr>
           <a:xfrm>
             <a:off x="504000" y="1223190"/>
-            <a:ext cx="10590719" cy="3000821"/>
+            <a:ext cx="10590719" cy="3323987"/>
           </a:xfrm>
           <a:prstGeom prst="rect">
             <a:avLst/>
@@ -9458,6 +9459,18 @@
                 <a:sym typeface="Wingdings" panose="05000000000000000000" pitchFamily="2" charset="2"/>
               </a:rPr>
               <a:t>Services are a logical abstraction of a set of pods serving the purpose (like 3 pods with a webserver). </a:t>
+            </a:r>
+          </a:p>
+          <a:p>
+            <a:pPr marL="342900" indent="-342900">
+              <a:buFont typeface="Wingdings" panose="05000000000000000000" pitchFamily="2" charset="2"/>
+              <a:buChar char="§"/>
+            </a:pPr>
+            <a:r>
+              <a:rPr lang="en-US" dirty="0">
+                <a:sym typeface="Wingdings" panose="05000000000000000000" pitchFamily="2" charset="2"/>
+              </a:rPr>
+              <a:t>Services provide cluster-internal as well as external connectivity </a:t>
             </a:r>
           </a:p>
         </p:txBody>
@@ -9697,6 +9710,1717 @@
 </file>
 
 <file path=ppt/slides/slide7.xml><?xml version="1.0" encoding="utf-8"?>
+<p:sld xmlns:a="http://schemas.openxmlformats.org/drawingml/2006/main" xmlns:r="http://schemas.openxmlformats.org/officeDocument/2006/relationships" xmlns:p="http://schemas.openxmlformats.org/presentationml/2006/main">
+  <p:cSld>
+    <p:spTree>
+      <p:nvGrpSpPr>
+        <p:cNvPr id="1" name=""/>
+        <p:cNvGrpSpPr/>
+        <p:nvPr/>
+      </p:nvGrpSpPr>
+      <p:grpSpPr>
+        <a:xfrm>
+          <a:off x="0" y="0"/>
+          <a:ext cx="0" cy="0"/>
+          <a:chOff x="0" y="0"/>
+          <a:chExt cx="0" cy="0"/>
+        </a:xfrm>
+      </p:grpSpPr>
+      <p:sp>
+        <p:nvSpPr>
+          <p:cNvPr id="2" name="Title 1"/>
+          <p:cNvSpPr>
+            <a:spLocks noGrp="1"/>
+          </p:cNvSpPr>
+          <p:nvPr>
+            <p:ph type="title"/>
+          </p:nvPr>
+        </p:nvSpPr>
+        <p:spPr/>
+        <p:txBody>
+          <a:bodyPr/>
+          <a:lstStyle/>
+          <a:p>
+            <a:r>
+              <a:rPr lang="en-US" dirty="0"/>
+              <a:t>Service types: Cluster IP, </a:t>
+            </a:r>
+            <a:r>
+              <a:rPr lang="en-US" dirty="0" err="1"/>
+              <a:t>NodePort</a:t>
+            </a:r>
+            <a:r>
+              <a:rPr lang="en-US" dirty="0"/>
+              <a:t>, </a:t>
+            </a:r>
+            <a:r>
+              <a:rPr lang="en-US" dirty="0" err="1"/>
+              <a:t>Loadbalancer</a:t>
+            </a:r>
+            <a:endParaRPr lang="en-US" dirty="0"/>
+          </a:p>
+        </p:txBody>
+      </p:sp>
+      <p:sp>
+        <p:nvSpPr>
+          <p:cNvPr id="3" name="Rectangle 2"/>
+          <p:cNvSpPr/>
+          <p:nvPr/>
+        </p:nvSpPr>
+        <p:spPr>
+          <a:xfrm>
+            <a:off x="504001" y="1139987"/>
+            <a:ext cx="10430699" cy="3970318"/>
+          </a:xfrm>
+          <a:prstGeom prst="rect">
+            <a:avLst/>
+          </a:prstGeom>
+        </p:spPr>
+        <p:txBody>
+          <a:bodyPr wrap="square">
+            <a:spAutoFit/>
+          </a:bodyPr>
+          <a:lstStyle/>
+          <a:p>
+            <a:pPr marL="342900" indent="-342900">
+              <a:buFont typeface="Wingdings" panose="05000000000000000000" pitchFamily="2" charset="2"/>
+              <a:buChar char="§"/>
+            </a:pPr>
+            <a:r>
+              <a:rPr lang="en-US" dirty="0">
+                <a:sym typeface="Wingdings" panose="05000000000000000000" pitchFamily="2" charset="2"/>
+              </a:rPr>
+              <a:t>Cluster IP </a:t>
+            </a:r>
+          </a:p>
+          <a:p>
+            <a:pPr marL="887288" lvl="1" indent="-342900">
+              <a:buClr>
+                <a:schemeClr val="tx1"/>
+              </a:buClr>
+              <a:buFont typeface="Symbol" panose="05050102010706020507" pitchFamily="18" charset="2"/>
+              <a:buChar char="-"/>
+            </a:pPr>
+            <a:r>
+              <a:rPr lang="en-US" dirty="0">
+                <a:sym typeface="Wingdings" panose="05000000000000000000" pitchFamily="2" charset="2"/>
+              </a:rPr>
+              <a:t>service is only routable inside the Kubernetes cluster’s subnet</a:t>
+            </a:r>
+          </a:p>
+          <a:p>
+            <a:pPr marL="887288" lvl="1" indent="-342900">
+              <a:buClr>
+                <a:schemeClr val="tx1"/>
+              </a:buClr>
+              <a:buFont typeface="Symbol" panose="05050102010706020507" pitchFamily="18" charset="2"/>
+              <a:buChar char="-"/>
+            </a:pPr>
+            <a:r>
+              <a:rPr lang="en-US" dirty="0">
+                <a:sym typeface="Wingdings" panose="05000000000000000000" pitchFamily="2" charset="2"/>
+              </a:rPr>
+              <a:t>Default service type, every service regardless of its type gets a cluster </a:t>
+            </a:r>
+            <a:r>
+              <a:rPr lang="en-US" dirty="0" err="1">
+                <a:sym typeface="Wingdings" panose="05000000000000000000" pitchFamily="2" charset="2"/>
+              </a:rPr>
+              <a:t>ip</a:t>
+            </a:r>
+            <a:endParaRPr lang="en-US" dirty="0">
+              <a:sym typeface="Wingdings" panose="05000000000000000000" pitchFamily="2" charset="2"/>
+            </a:endParaRPr>
+          </a:p>
+          <a:p>
+            <a:pPr marL="342900" indent="-342900">
+              <a:buFont typeface="Wingdings" panose="05000000000000000000" pitchFamily="2" charset="2"/>
+              <a:buChar char="§"/>
+            </a:pPr>
+            <a:r>
+              <a:rPr lang="en-US" dirty="0" err="1">
+                <a:sym typeface="Wingdings" panose="05000000000000000000" pitchFamily="2" charset="2"/>
+              </a:rPr>
+              <a:t>LoadBalancer</a:t>
+            </a:r>
+            <a:endParaRPr lang="en-US" dirty="0">
+              <a:sym typeface="Wingdings" panose="05000000000000000000" pitchFamily="2" charset="2"/>
+            </a:endParaRPr>
+          </a:p>
+          <a:p>
+            <a:pPr marL="887288" lvl="1" indent="-342900">
+              <a:buClr>
+                <a:schemeClr val="tx1"/>
+              </a:buClr>
+              <a:buFont typeface="Symbol" panose="05050102010706020507" pitchFamily="18" charset="2"/>
+              <a:buChar char="-"/>
+            </a:pPr>
+            <a:r>
+              <a:rPr lang="en-US" dirty="0">
+                <a:sym typeface="Wingdings" panose="05000000000000000000" pitchFamily="2" charset="2"/>
+              </a:rPr>
+              <a:t>Allocates a publicly routable IP address and forwards incoming requests to the respective service</a:t>
+            </a:r>
+          </a:p>
+          <a:p>
+            <a:pPr marL="887288" lvl="1" indent="-342900">
+              <a:buClr>
+                <a:schemeClr val="tx1"/>
+              </a:buClr>
+              <a:buFont typeface="Symbol" panose="05050102010706020507" pitchFamily="18" charset="2"/>
+              <a:buChar char="-"/>
+            </a:pPr>
+            <a:r>
+              <a:rPr lang="en-US" dirty="0">
+                <a:sym typeface="Wingdings" panose="05000000000000000000" pitchFamily="2" charset="2"/>
+              </a:rPr>
+              <a:t>Dependent on infrastructure provider – might not be available everywhere</a:t>
+            </a:r>
+          </a:p>
+          <a:p>
+            <a:pPr marL="342900" indent="-342900">
+              <a:buFont typeface="Wingdings" panose="05000000000000000000" pitchFamily="2" charset="2"/>
+              <a:buChar char="§"/>
+            </a:pPr>
+            <a:r>
+              <a:rPr lang="en-US" dirty="0" err="1">
+                <a:sym typeface="Wingdings" panose="05000000000000000000" pitchFamily="2" charset="2"/>
+              </a:rPr>
+              <a:t>NodePort</a:t>
+            </a:r>
+            <a:endParaRPr lang="en-US" dirty="0">
+              <a:sym typeface="Wingdings" panose="05000000000000000000" pitchFamily="2" charset="2"/>
+            </a:endParaRPr>
+          </a:p>
+          <a:p>
+            <a:pPr marL="887288" lvl="1" indent="-342900">
+              <a:buClr>
+                <a:schemeClr val="tx1"/>
+              </a:buClr>
+              <a:buFont typeface="Symbol" panose="05050102010706020507" pitchFamily="18" charset="2"/>
+              <a:buChar char="-"/>
+            </a:pPr>
+            <a:r>
+              <a:rPr lang="en-US" dirty="0">
+                <a:sym typeface="Wingdings" panose="05000000000000000000" pitchFamily="2" charset="2"/>
+              </a:rPr>
+              <a:t>Allocates a free port from range 30000 – 32767</a:t>
+            </a:r>
+          </a:p>
+          <a:p>
+            <a:pPr marL="887288" lvl="1" indent="-342900">
+              <a:buClr>
+                <a:schemeClr val="tx1"/>
+              </a:buClr>
+              <a:buFont typeface="Symbol" panose="05050102010706020507" pitchFamily="18" charset="2"/>
+              <a:buChar char="-"/>
+            </a:pPr>
+            <a:r>
+              <a:rPr lang="en-US" dirty="0">
+                <a:sym typeface="Wingdings" panose="05000000000000000000" pitchFamily="2" charset="2"/>
+              </a:rPr>
+              <a:t>The port is opened on all nodes of the cluster, incoming traffic is routed to the respective service</a:t>
+            </a:r>
+          </a:p>
+          <a:p>
+            <a:pPr lvl="1">
+              <a:buNone/>
+            </a:pPr>
+            <a:endParaRPr lang="en-US" dirty="0">
+              <a:sym typeface="Wingdings" panose="05000000000000000000" pitchFamily="2" charset="2"/>
+            </a:endParaRPr>
+          </a:p>
+        </p:txBody>
+      </p:sp>
+    </p:spTree>
+    <p:extLst>
+      <p:ext uri="{BB962C8B-B14F-4D97-AF65-F5344CB8AC3E}">
+        <p14:creationId xmlns:p14="http://schemas.microsoft.com/office/powerpoint/2010/main" val="4264671960"/>
+      </p:ext>
+    </p:extLst>
+  </p:cSld>
+  <p:clrMapOvr>
+    <a:masterClrMapping/>
+  </p:clrMapOvr>
+</p:sld>
+</file>
+
+<file path=ppt/slides/slide8.xml><?xml version="1.0" encoding="utf-8"?>
+<p:sld xmlns:a="http://schemas.openxmlformats.org/drawingml/2006/main" xmlns:r="http://schemas.openxmlformats.org/officeDocument/2006/relationships" xmlns:p="http://schemas.openxmlformats.org/presentationml/2006/main">
+  <p:cSld>
+    <p:spTree>
+      <p:nvGrpSpPr>
+        <p:cNvPr id="1" name=""/>
+        <p:cNvGrpSpPr/>
+        <p:nvPr/>
+      </p:nvGrpSpPr>
+      <p:grpSpPr>
+        <a:xfrm>
+          <a:off x="0" y="0"/>
+          <a:ext cx="0" cy="0"/>
+          <a:chOff x="0" y="0"/>
+          <a:chExt cx="0" cy="0"/>
+        </a:xfrm>
+      </p:grpSpPr>
+      <p:sp>
+        <p:nvSpPr>
+          <p:cNvPr id="21" name="Rectangle 20"/>
+          <p:cNvSpPr/>
+          <p:nvPr/>
+        </p:nvSpPr>
+        <p:spPr bwMode="gray">
+          <a:xfrm>
+            <a:off x="6141720" y="3390899"/>
+            <a:ext cx="4960620" cy="2865121"/>
+          </a:xfrm>
+          <a:prstGeom prst="rect">
+            <a:avLst/>
+          </a:prstGeom>
+          <a:ln>
+            <a:headEnd/>
+            <a:tailEnd/>
+          </a:ln>
+        </p:spPr>
+        <p:style>
+          <a:lnRef idx="2">
+            <a:schemeClr val="accent2"/>
+          </a:lnRef>
+          <a:fillRef idx="1">
+            <a:schemeClr val="lt1"/>
+          </a:fillRef>
+          <a:effectRef idx="0">
+            <a:schemeClr val="accent2"/>
+          </a:effectRef>
+          <a:fontRef idx="minor">
+            <a:schemeClr val="dk1"/>
+          </a:fontRef>
+        </p:style>
+        <p:txBody>
+          <a:bodyPr lIns="90000" tIns="72000" rIns="90000" bIns="72000" rtlCol="0" anchor="t"/>
+          <a:lstStyle/>
+          <a:p>
+            <a:pPr marR="0" algn="ctr" defTabSz="914400" eaLnBrk="1" fontAlgn="base" latinLnBrk="0" hangingPunct="1">
+              <a:lnSpc>
+                <a:spcPct val="100000"/>
+              </a:lnSpc>
+              <a:spcBef>
+                <a:spcPct val="50000"/>
+              </a:spcBef>
+              <a:spcAft>
+                <a:spcPct val="0"/>
+              </a:spcAft>
+              <a:buClr>
+                <a:srgbClr val="F0AB00"/>
+              </a:buClr>
+              <a:buSzPct val="80000"/>
+              <a:tabLst/>
+            </a:pPr>
+            <a:r>
+              <a:rPr kumimoji="0" lang="en-US" sz="1800" b="1" i="0" u="none" strike="noStrike" kern="0" cap="none" spc="0" normalizeH="0" baseline="0" noProof="0" dirty="0">
+                <a:ln>
+                  <a:noFill/>
+                </a:ln>
+                <a:effectLst/>
+                <a:uLnTx/>
+                <a:uFillTx/>
+                <a:ea typeface="Arial Unicode MS" pitchFamily="34" charset="-128"/>
+                <a:cs typeface="Arial Unicode MS" pitchFamily="34" charset="-128"/>
+              </a:rPr>
+              <a:t>Node B</a:t>
+            </a:r>
+          </a:p>
+        </p:txBody>
+      </p:sp>
+      <p:sp>
+        <p:nvSpPr>
+          <p:cNvPr id="2" name="Title 1"/>
+          <p:cNvSpPr>
+            <a:spLocks noGrp="1"/>
+          </p:cNvSpPr>
+          <p:nvPr>
+            <p:ph type="title"/>
+          </p:nvPr>
+        </p:nvSpPr>
+        <p:spPr/>
+        <p:txBody>
+          <a:bodyPr/>
+          <a:lstStyle/>
+          <a:p>
+            <a:r>
+              <a:rPr lang="en-US" dirty="0"/>
+              <a:t>How </a:t>
+            </a:r>
+            <a:r>
+              <a:rPr lang="en-US" dirty="0" err="1"/>
+              <a:t>NodePorts</a:t>
+            </a:r>
+            <a:r>
+              <a:rPr lang="en-US" dirty="0"/>
+              <a:t> work</a:t>
+            </a:r>
+          </a:p>
+        </p:txBody>
+      </p:sp>
+      <p:sp>
+        <p:nvSpPr>
+          <p:cNvPr id="4" name="Rectangle 3"/>
+          <p:cNvSpPr/>
+          <p:nvPr/>
+        </p:nvSpPr>
+        <p:spPr bwMode="gray">
+          <a:xfrm>
+            <a:off x="952500" y="3390900"/>
+            <a:ext cx="4960620" cy="2865120"/>
+          </a:xfrm>
+          <a:prstGeom prst="rect">
+            <a:avLst/>
+          </a:prstGeom>
+          <a:ln>
+            <a:headEnd/>
+            <a:tailEnd/>
+          </a:ln>
+        </p:spPr>
+        <p:style>
+          <a:lnRef idx="2">
+            <a:schemeClr val="accent2"/>
+          </a:lnRef>
+          <a:fillRef idx="1">
+            <a:schemeClr val="lt1"/>
+          </a:fillRef>
+          <a:effectRef idx="0">
+            <a:schemeClr val="accent2"/>
+          </a:effectRef>
+          <a:fontRef idx="minor">
+            <a:schemeClr val="dk1"/>
+          </a:fontRef>
+        </p:style>
+        <p:txBody>
+          <a:bodyPr lIns="90000" tIns="72000" rIns="90000" bIns="72000" rtlCol="0" anchor="t"/>
+          <a:lstStyle/>
+          <a:p>
+            <a:pPr marR="0" algn="ctr" defTabSz="914400" eaLnBrk="1" fontAlgn="base" latinLnBrk="0" hangingPunct="1">
+              <a:lnSpc>
+                <a:spcPct val="100000"/>
+              </a:lnSpc>
+              <a:spcBef>
+                <a:spcPct val="50000"/>
+              </a:spcBef>
+              <a:spcAft>
+                <a:spcPct val="0"/>
+              </a:spcAft>
+              <a:buClr>
+                <a:srgbClr val="F0AB00"/>
+              </a:buClr>
+              <a:buSzPct val="80000"/>
+              <a:tabLst/>
+            </a:pPr>
+            <a:r>
+              <a:rPr kumimoji="0" lang="en-US" sz="1800" b="1" i="0" u="none" strike="noStrike" kern="0" cap="none" spc="0" normalizeH="0" baseline="0" noProof="0" dirty="0">
+                <a:ln>
+                  <a:noFill/>
+                </a:ln>
+                <a:effectLst/>
+                <a:uLnTx/>
+                <a:uFillTx/>
+                <a:ea typeface="Arial Unicode MS" pitchFamily="34" charset="-128"/>
+                <a:cs typeface="Arial Unicode MS" pitchFamily="34" charset="-128"/>
+              </a:rPr>
+              <a:t>Node A</a:t>
+            </a:r>
+          </a:p>
+        </p:txBody>
+      </p:sp>
+      <p:sp>
+        <p:nvSpPr>
+          <p:cNvPr id="6" name="Rectangle 5"/>
+          <p:cNvSpPr/>
+          <p:nvPr/>
+        </p:nvSpPr>
+        <p:spPr bwMode="gray">
+          <a:xfrm>
+            <a:off x="2337562" y="4439970"/>
+            <a:ext cx="1815338" cy="1160859"/>
+          </a:xfrm>
+          <a:prstGeom prst="rect">
+            <a:avLst/>
+          </a:prstGeom>
+          <a:ln>
+            <a:headEnd/>
+            <a:tailEnd/>
+          </a:ln>
+        </p:spPr>
+        <p:style>
+          <a:lnRef idx="2">
+            <a:schemeClr val="accent2">
+              <a:shade val="50000"/>
+            </a:schemeClr>
+          </a:lnRef>
+          <a:fillRef idx="1">
+            <a:schemeClr val="accent2"/>
+          </a:fillRef>
+          <a:effectRef idx="0">
+            <a:schemeClr val="accent2"/>
+          </a:effectRef>
+          <a:fontRef idx="minor">
+            <a:schemeClr val="lt1"/>
+          </a:fontRef>
+        </p:style>
+        <p:txBody>
+          <a:bodyPr lIns="90000" tIns="72000" rIns="90000" bIns="72000" rtlCol="0" anchor="ctr"/>
+          <a:lstStyle/>
+          <a:p>
+            <a:pPr marR="0" algn="ctr" defTabSz="914400" eaLnBrk="1" fontAlgn="base" latinLnBrk="0" hangingPunct="1">
+              <a:lnSpc>
+                <a:spcPct val="100000"/>
+              </a:lnSpc>
+              <a:spcBef>
+                <a:spcPct val="50000"/>
+              </a:spcBef>
+              <a:spcAft>
+                <a:spcPct val="0"/>
+              </a:spcAft>
+              <a:buClr>
+                <a:srgbClr val="F0AB00"/>
+              </a:buClr>
+              <a:buSzPct val="80000"/>
+              <a:tabLst/>
+            </a:pPr>
+            <a:r>
+              <a:rPr lang="de-DE" sz="1600" b="1" kern="0" noProof="0" dirty="0" err="1">
+                <a:ea typeface="Arial Unicode MS" pitchFamily="34" charset="-128"/>
+                <a:cs typeface="Arial Unicode MS" pitchFamily="34" charset="-128"/>
+              </a:rPr>
+              <a:t>Pod</a:t>
+            </a:r>
+            <a:endParaRPr kumimoji="0" lang="de-DE" sz="1600" b="1" i="0" u="none" strike="noStrike" kern="0" cap="none" spc="0" normalizeH="0" baseline="0" noProof="0" dirty="0">
+              <a:ln>
+                <a:noFill/>
+              </a:ln>
+              <a:effectLst/>
+              <a:uLnTx/>
+              <a:uFillTx/>
+              <a:ea typeface="Arial Unicode MS" pitchFamily="34" charset="-128"/>
+              <a:cs typeface="Arial Unicode MS" pitchFamily="34" charset="-128"/>
+            </a:endParaRPr>
+          </a:p>
+        </p:txBody>
+      </p:sp>
+      <p:sp>
+        <p:nvSpPr>
+          <p:cNvPr id="11" name="Rectangle 10"/>
+          <p:cNvSpPr/>
+          <p:nvPr/>
+        </p:nvSpPr>
+        <p:spPr bwMode="gray">
+          <a:xfrm>
+            <a:off x="2422271" y="4205839"/>
+            <a:ext cx="1645920" cy="365760"/>
+          </a:xfrm>
+          <a:prstGeom prst="rect">
+            <a:avLst/>
+          </a:prstGeom>
+          <a:ln>
+            <a:headEnd/>
+            <a:tailEnd/>
+          </a:ln>
+        </p:spPr>
+        <p:style>
+          <a:lnRef idx="2">
+            <a:schemeClr val="accent2"/>
+          </a:lnRef>
+          <a:fillRef idx="1">
+            <a:schemeClr val="lt1"/>
+          </a:fillRef>
+          <a:effectRef idx="0">
+            <a:schemeClr val="accent2"/>
+          </a:effectRef>
+          <a:fontRef idx="minor">
+            <a:schemeClr val="dk1"/>
+          </a:fontRef>
+        </p:style>
+        <p:txBody>
+          <a:bodyPr lIns="90000" tIns="72000" rIns="90000" bIns="72000" rtlCol="0" anchor="ctr"/>
+          <a:lstStyle/>
+          <a:p>
+            <a:pPr marR="0" algn="ctr" defTabSz="914400" eaLnBrk="1" fontAlgn="base" latinLnBrk="0" hangingPunct="1">
+              <a:lnSpc>
+                <a:spcPct val="100000"/>
+              </a:lnSpc>
+              <a:spcBef>
+                <a:spcPct val="50000"/>
+              </a:spcBef>
+              <a:spcAft>
+                <a:spcPct val="0"/>
+              </a:spcAft>
+              <a:buClr>
+                <a:srgbClr val="F0AB00"/>
+              </a:buClr>
+              <a:buSzPct val="80000"/>
+              <a:tabLst/>
+            </a:pPr>
+            <a:r>
+              <a:rPr kumimoji="0" lang="de-DE" sz="1800" b="0" i="0" u="none" strike="noStrike" kern="0" cap="none" spc="0" normalizeH="0" baseline="0" noProof="0" dirty="0">
+                <a:ln>
+                  <a:noFill/>
+                </a:ln>
+                <a:effectLst/>
+                <a:uLnTx/>
+                <a:uFillTx/>
+                <a:ea typeface="Arial Unicode MS" pitchFamily="34" charset="-128"/>
+                <a:cs typeface="Arial Unicode MS" pitchFamily="34" charset="-128"/>
+              </a:rPr>
+              <a:t>IP: 10.10.10.1</a:t>
+            </a:r>
+          </a:p>
+        </p:txBody>
+      </p:sp>
+      <p:sp>
+        <p:nvSpPr>
+          <p:cNvPr id="14" name="Rectangle: Single Corner Snipped 13"/>
+          <p:cNvSpPr/>
+          <p:nvPr/>
+        </p:nvSpPr>
+        <p:spPr bwMode="gray">
+          <a:xfrm>
+            <a:off x="4806733" y="2743200"/>
+            <a:ext cx="2474332" cy="2346559"/>
+          </a:xfrm>
+          <a:prstGeom prst="snip1Rect">
+            <a:avLst/>
+          </a:prstGeom>
+          <a:ln>
+            <a:headEnd/>
+            <a:tailEnd/>
+          </a:ln>
+        </p:spPr>
+        <p:style>
+          <a:lnRef idx="3">
+            <a:schemeClr val="lt1"/>
+          </a:lnRef>
+          <a:fillRef idx="1">
+            <a:schemeClr val="accent2"/>
+          </a:fillRef>
+          <a:effectRef idx="1">
+            <a:schemeClr val="accent2"/>
+          </a:effectRef>
+          <a:fontRef idx="minor">
+            <a:schemeClr val="lt1"/>
+          </a:fontRef>
+        </p:style>
+        <p:txBody>
+          <a:bodyPr lIns="90000" tIns="72000" rIns="90000" bIns="72000" rtlCol="0" anchor="ctr"/>
+          <a:lstStyle/>
+          <a:p>
+            <a:pPr marR="0" algn="ctr" defTabSz="914400" eaLnBrk="1" fontAlgn="base" latinLnBrk="0" hangingPunct="1">
+              <a:lnSpc>
+                <a:spcPct val="100000"/>
+              </a:lnSpc>
+              <a:spcBef>
+                <a:spcPct val="50000"/>
+              </a:spcBef>
+              <a:spcAft>
+                <a:spcPct val="0"/>
+              </a:spcAft>
+              <a:buClr>
+                <a:srgbClr val="F0AB00"/>
+              </a:buClr>
+              <a:buSzPct val="80000"/>
+              <a:tabLst/>
+            </a:pPr>
+            <a:r>
+              <a:rPr kumimoji="0" lang="en-US" sz="1800" b="0" i="0" u="none" strike="noStrike" kern="0" cap="none" spc="0" normalizeH="0" baseline="0" noProof="0" dirty="0">
+                <a:ln>
+                  <a:noFill/>
+                </a:ln>
+                <a:effectLst/>
+                <a:uLnTx/>
+                <a:uFillTx/>
+                <a:ea typeface="Arial Unicode MS" pitchFamily="34" charset="-128"/>
+                <a:cs typeface="Arial Unicode MS" pitchFamily="34" charset="-128"/>
+              </a:rPr>
+              <a:t>Service</a:t>
+            </a:r>
+          </a:p>
+          <a:p>
+            <a:pPr marR="0" algn="ctr" defTabSz="914400" eaLnBrk="1" fontAlgn="base" latinLnBrk="0" hangingPunct="1">
+              <a:lnSpc>
+                <a:spcPct val="100000"/>
+              </a:lnSpc>
+              <a:spcBef>
+                <a:spcPct val="50000"/>
+              </a:spcBef>
+              <a:spcAft>
+                <a:spcPct val="0"/>
+              </a:spcAft>
+              <a:buClr>
+                <a:srgbClr val="F0AB00"/>
+              </a:buClr>
+              <a:buSzPct val="80000"/>
+              <a:tabLst/>
+            </a:pPr>
+            <a:r>
+              <a:rPr lang="en-US" sz="1800" kern="0" dirty="0">
+                <a:ea typeface="Arial Unicode MS" pitchFamily="34" charset="-128"/>
+                <a:cs typeface="Arial Unicode MS" pitchFamily="34" charset="-128"/>
+              </a:rPr>
+              <a:t>Label: app= </a:t>
+            </a:r>
+            <a:r>
+              <a:rPr lang="en-US" sz="1800" kern="0" dirty="0" err="1">
+                <a:ea typeface="Arial Unicode MS" pitchFamily="34" charset="-128"/>
+                <a:cs typeface="Arial Unicode MS" pitchFamily="34" charset="-128"/>
+              </a:rPr>
+              <a:t>nginx</a:t>
+            </a:r>
+            <a:endParaRPr kumimoji="0" lang="en-US" sz="1800" b="0" i="0" u="none" strike="noStrike" kern="0" cap="none" spc="0" normalizeH="0" baseline="0" noProof="0" dirty="0">
+              <a:ln>
+                <a:noFill/>
+              </a:ln>
+              <a:effectLst/>
+              <a:uLnTx/>
+              <a:uFillTx/>
+              <a:ea typeface="Arial Unicode MS" pitchFamily="34" charset="-128"/>
+              <a:cs typeface="Arial Unicode MS" pitchFamily="34" charset="-128"/>
+            </a:endParaRPr>
+          </a:p>
+          <a:p>
+            <a:pPr marL="285750" marR="0" indent="-285750" defTabSz="914400" eaLnBrk="1" fontAlgn="base" latinLnBrk="0" hangingPunct="1">
+              <a:lnSpc>
+                <a:spcPct val="100000"/>
+              </a:lnSpc>
+              <a:spcBef>
+                <a:spcPct val="50000"/>
+              </a:spcBef>
+              <a:spcAft>
+                <a:spcPct val="0"/>
+              </a:spcAft>
+              <a:buClr>
+                <a:srgbClr val="F0AB00"/>
+              </a:buClr>
+              <a:buSzPct val="80000"/>
+              <a:buFontTx/>
+              <a:buChar char="-"/>
+              <a:tabLst/>
+            </a:pPr>
+            <a:r>
+              <a:rPr lang="en-US" sz="1800" kern="0" dirty="0" err="1">
+                <a:ea typeface="Arial Unicode MS" pitchFamily="34" charset="-128"/>
+                <a:cs typeface="Arial Unicode MS" pitchFamily="34" charset="-128"/>
+              </a:rPr>
+              <a:t>NodePort</a:t>
+            </a:r>
+            <a:r>
+              <a:rPr lang="en-US" sz="1800" kern="0" dirty="0">
+                <a:ea typeface="Arial Unicode MS" pitchFamily="34" charset="-128"/>
+                <a:cs typeface="Arial Unicode MS" pitchFamily="34" charset="-128"/>
+              </a:rPr>
+              <a:t>: 30021</a:t>
+            </a:r>
+          </a:p>
+          <a:p>
+            <a:pPr marL="285750" marR="0" indent="-285750" defTabSz="914400" eaLnBrk="1" fontAlgn="base" latinLnBrk="0" hangingPunct="1">
+              <a:lnSpc>
+                <a:spcPct val="100000"/>
+              </a:lnSpc>
+              <a:spcBef>
+                <a:spcPct val="50000"/>
+              </a:spcBef>
+              <a:spcAft>
+                <a:spcPct val="0"/>
+              </a:spcAft>
+              <a:buClr>
+                <a:srgbClr val="F0AB00"/>
+              </a:buClr>
+              <a:buSzPct val="80000"/>
+              <a:buFontTx/>
+              <a:buChar char="-"/>
+              <a:tabLst/>
+            </a:pPr>
+            <a:r>
+              <a:rPr lang="en-US" sz="1800" kern="0" dirty="0">
+                <a:ea typeface="Arial Unicode MS" pitchFamily="34" charset="-128"/>
+                <a:cs typeface="Arial Unicode MS" pitchFamily="34" charset="-128"/>
+              </a:rPr>
+              <a:t> </a:t>
+            </a:r>
+            <a:r>
+              <a:rPr lang="en-US" sz="1800" kern="0" dirty="0" err="1">
+                <a:ea typeface="Arial Unicode MS" pitchFamily="34" charset="-128"/>
+                <a:cs typeface="Arial Unicode MS" pitchFamily="34" charset="-128"/>
+              </a:rPr>
+              <a:t>TargetPort</a:t>
+            </a:r>
+            <a:r>
+              <a:rPr lang="en-US" sz="1800" kern="0" dirty="0">
+                <a:ea typeface="Arial Unicode MS" pitchFamily="34" charset="-128"/>
+                <a:cs typeface="Arial Unicode MS" pitchFamily="34" charset="-128"/>
+              </a:rPr>
+              <a:t>: 80</a:t>
+            </a:r>
+          </a:p>
+          <a:p>
+            <a:pPr marL="285750" marR="0" indent="-285750" defTabSz="914400" eaLnBrk="1" fontAlgn="base" latinLnBrk="0" hangingPunct="1">
+              <a:lnSpc>
+                <a:spcPct val="100000"/>
+              </a:lnSpc>
+              <a:spcBef>
+                <a:spcPct val="50000"/>
+              </a:spcBef>
+              <a:spcAft>
+                <a:spcPct val="0"/>
+              </a:spcAft>
+              <a:buClr>
+                <a:srgbClr val="F0AB00"/>
+              </a:buClr>
+              <a:buSzPct val="80000"/>
+              <a:buFontTx/>
+              <a:buChar char="-"/>
+              <a:tabLst/>
+            </a:pPr>
+            <a:r>
+              <a:rPr kumimoji="0" lang="en-US" sz="1800" b="0" i="0" u="none" strike="noStrike" kern="0" cap="none" spc="0" normalizeH="0" baseline="0" noProof="0" dirty="0">
+                <a:ln>
+                  <a:noFill/>
+                </a:ln>
+                <a:effectLst/>
+                <a:uLnTx/>
+                <a:uFillTx/>
+                <a:ea typeface="Arial Unicode MS" pitchFamily="34" charset="-128"/>
+                <a:cs typeface="Arial Unicode MS" pitchFamily="34" charset="-128"/>
+              </a:rPr>
+              <a:t>Port: 80</a:t>
+            </a:r>
+          </a:p>
+        </p:txBody>
+      </p:sp>
+      <p:sp>
+        <p:nvSpPr>
+          <p:cNvPr id="15" name="Rectangle 14"/>
+          <p:cNvSpPr/>
+          <p:nvPr/>
+        </p:nvSpPr>
+        <p:spPr bwMode="gray">
+          <a:xfrm>
+            <a:off x="1459043" y="5386537"/>
+            <a:ext cx="1319714" cy="428584"/>
+          </a:xfrm>
+          <a:prstGeom prst="rect">
+            <a:avLst/>
+          </a:prstGeom>
+          <a:ln>
+            <a:headEnd/>
+            <a:tailEnd/>
+          </a:ln>
+        </p:spPr>
+        <p:style>
+          <a:lnRef idx="2">
+            <a:schemeClr val="accent2"/>
+          </a:lnRef>
+          <a:fillRef idx="1">
+            <a:schemeClr val="lt1"/>
+          </a:fillRef>
+          <a:effectRef idx="0">
+            <a:schemeClr val="accent2"/>
+          </a:effectRef>
+          <a:fontRef idx="minor">
+            <a:schemeClr val="dk1"/>
+          </a:fontRef>
+        </p:style>
+        <p:txBody>
+          <a:bodyPr lIns="90000" tIns="72000" rIns="90000" bIns="72000" rtlCol="0" anchor="ctr"/>
+          <a:lstStyle/>
+          <a:p>
+            <a:pPr marR="0" algn="ctr" defTabSz="914400" eaLnBrk="1" fontAlgn="base" latinLnBrk="0" hangingPunct="1">
+              <a:lnSpc>
+                <a:spcPct val="100000"/>
+              </a:lnSpc>
+              <a:spcBef>
+                <a:spcPct val="50000"/>
+              </a:spcBef>
+              <a:spcAft>
+                <a:spcPct val="0"/>
+              </a:spcAft>
+              <a:buClr>
+                <a:srgbClr val="F0AB00"/>
+              </a:buClr>
+              <a:buSzPct val="80000"/>
+              <a:tabLst/>
+            </a:pPr>
+            <a:r>
+              <a:rPr lang="de-DE" sz="1800" kern="0" dirty="0">
+                <a:ea typeface="Arial Unicode MS" pitchFamily="34" charset="-128"/>
+                <a:cs typeface="Arial Unicode MS" pitchFamily="34" charset="-128"/>
+              </a:rPr>
+              <a:t>a</a:t>
+            </a:r>
+            <a:r>
+              <a:rPr kumimoji="0" lang="de-DE" sz="1800" b="0" i="0" u="none" strike="noStrike" kern="0" cap="none" spc="0" normalizeH="0" baseline="0" noProof="0" dirty="0">
+                <a:ln>
+                  <a:noFill/>
+                </a:ln>
+                <a:effectLst/>
+                <a:uLnTx/>
+                <a:uFillTx/>
+                <a:ea typeface="Arial Unicode MS" pitchFamily="34" charset="-128"/>
+                <a:cs typeface="Arial Unicode MS" pitchFamily="34" charset="-128"/>
+              </a:rPr>
+              <a:t>pp=</a:t>
+            </a:r>
+            <a:r>
+              <a:rPr kumimoji="0" lang="de-DE" sz="1800" b="0" i="0" u="none" strike="noStrike" kern="0" cap="none" spc="0" normalizeH="0" baseline="0" noProof="0" dirty="0" err="1">
+                <a:ln>
+                  <a:noFill/>
+                </a:ln>
+                <a:effectLst/>
+                <a:uLnTx/>
+                <a:uFillTx/>
+                <a:ea typeface="Arial Unicode MS" pitchFamily="34" charset="-128"/>
+                <a:cs typeface="Arial Unicode MS" pitchFamily="34" charset="-128"/>
+              </a:rPr>
+              <a:t>nginx</a:t>
+            </a:r>
+            <a:endParaRPr kumimoji="0" lang="de-DE" sz="1800" b="0" i="0" u="none" strike="noStrike" kern="0" cap="none" spc="0" normalizeH="0" baseline="0" noProof="0" dirty="0">
+              <a:ln>
+                <a:noFill/>
+              </a:ln>
+              <a:effectLst/>
+              <a:uLnTx/>
+              <a:uFillTx/>
+              <a:ea typeface="Arial Unicode MS" pitchFamily="34" charset="-128"/>
+              <a:cs typeface="Arial Unicode MS" pitchFamily="34" charset="-128"/>
+            </a:endParaRPr>
+          </a:p>
+        </p:txBody>
+      </p:sp>
+      <p:sp>
+        <p:nvSpPr>
+          <p:cNvPr id="18" name="Rectangle 17"/>
+          <p:cNvSpPr/>
+          <p:nvPr/>
+        </p:nvSpPr>
+        <p:spPr bwMode="gray">
+          <a:xfrm>
+            <a:off x="8045976" y="4446544"/>
+            <a:ext cx="1815338" cy="1160859"/>
+          </a:xfrm>
+          <a:prstGeom prst="rect">
+            <a:avLst/>
+          </a:prstGeom>
+          <a:ln>
+            <a:headEnd/>
+            <a:tailEnd/>
+          </a:ln>
+        </p:spPr>
+        <p:style>
+          <a:lnRef idx="2">
+            <a:schemeClr val="accent2">
+              <a:shade val="50000"/>
+            </a:schemeClr>
+          </a:lnRef>
+          <a:fillRef idx="1">
+            <a:schemeClr val="accent2"/>
+          </a:fillRef>
+          <a:effectRef idx="0">
+            <a:schemeClr val="accent2"/>
+          </a:effectRef>
+          <a:fontRef idx="minor">
+            <a:schemeClr val="lt1"/>
+          </a:fontRef>
+        </p:style>
+        <p:txBody>
+          <a:bodyPr lIns="90000" tIns="72000" rIns="90000" bIns="72000" rtlCol="0" anchor="ctr"/>
+          <a:lstStyle/>
+          <a:p>
+            <a:pPr marR="0" algn="ctr" defTabSz="914400" eaLnBrk="1" fontAlgn="base" latinLnBrk="0" hangingPunct="1">
+              <a:lnSpc>
+                <a:spcPct val="100000"/>
+              </a:lnSpc>
+              <a:spcBef>
+                <a:spcPct val="50000"/>
+              </a:spcBef>
+              <a:spcAft>
+                <a:spcPct val="0"/>
+              </a:spcAft>
+              <a:buClr>
+                <a:srgbClr val="F0AB00"/>
+              </a:buClr>
+              <a:buSzPct val="80000"/>
+              <a:tabLst/>
+            </a:pPr>
+            <a:r>
+              <a:rPr lang="de-DE" sz="1600" b="1" kern="0" noProof="0" dirty="0" err="1">
+                <a:ea typeface="Arial Unicode MS" pitchFamily="34" charset="-128"/>
+                <a:cs typeface="Arial Unicode MS" pitchFamily="34" charset="-128"/>
+              </a:rPr>
+              <a:t>Pod</a:t>
+            </a:r>
+            <a:endParaRPr kumimoji="0" lang="de-DE" sz="1600" b="1" i="0" u="none" strike="noStrike" kern="0" cap="none" spc="0" normalizeH="0" baseline="0" noProof="0" dirty="0">
+              <a:ln>
+                <a:noFill/>
+              </a:ln>
+              <a:effectLst/>
+              <a:uLnTx/>
+              <a:uFillTx/>
+              <a:ea typeface="Arial Unicode MS" pitchFamily="34" charset="-128"/>
+              <a:cs typeface="Arial Unicode MS" pitchFamily="34" charset="-128"/>
+            </a:endParaRPr>
+          </a:p>
+        </p:txBody>
+      </p:sp>
+      <p:sp>
+        <p:nvSpPr>
+          <p:cNvPr id="19" name="Rectangle 18"/>
+          <p:cNvSpPr/>
+          <p:nvPr/>
+        </p:nvSpPr>
+        <p:spPr bwMode="gray">
+          <a:xfrm>
+            <a:off x="7208370" y="5386537"/>
+            <a:ext cx="1319714" cy="428584"/>
+          </a:xfrm>
+          <a:prstGeom prst="rect">
+            <a:avLst/>
+          </a:prstGeom>
+          <a:ln>
+            <a:headEnd/>
+            <a:tailEnd/>
+          </a:ln>
+        </p:spPr>
+        <p:style>
+          <a:lnRef idx="2">
+            <a:schemeClr val="accent2"/>
+          </a:lnRef>
+          <a:fillRef idx="1">
+            <a:schemeClr val="lt1"/>
+          </a:fillRef>
+          <a:effectRef idx="0">
+            <a:schemeClr val="accent2"/>
+          </a:effectRef>
+          <a:fontRef idx="minor">
+            <a:schemeClr val="dk1"/>
+          </a:fontRef>
+        </p:style>
+        <p:txBody>
+          <a:bodyPr lIns="90000" tIns="72000" rIns="90000" bIns="72000" rtlCol="0" anchor="ctr"/>
+          <a:lstStyle/>
+          <a:p>
+            <a:pPr marR="0" algn="ctr" defTabSz="914400" eaLnBrk="1" fontAlgn="base" latinLnBrk="0" hangingPunct="1">
+              <a:lnSpc>
+                <a:spcPct val="100000"/>
+              </a:lnSpc>
+              <a:spcBef>
+                <a:spcPct val="50000"/>
+              </a:spcBef>
+              <a:spcAft>
+                <a:spcPct val="0"/>
+              </a:spcAft>
+              <a:buClr>
+                <a:srgbClr val="F0AB00"/>
+              </a:buClr>
+              <a:buSzPct val="80000"/>
+              <a:tabLst/>
+            </a:pPr>
+            <a:r>
+              <a:rPr lang="de-DE" sz="1800" kern="0" dirty="0">
+                <a:ea typeface="Arial Unicode MS" pitchFamily="34" charset="-128"/>
+                <a:cs typeface="Arial Unicode MS" pitchFamily="34" charset="-128"/>
+              </a:rPr>
+              <a:t>a</a:t>
+            </a:r>
+            <a:r>
+              <a:rPr kumimoji="0" lang="de-DE" sz="1800" b="0" i="0" u="none" strike="noStrike" kern="0" cap="none" spc="0" normalizeH="0" baseline="0" noProof="0" dirty="0">
+                <a:ln>
+                  <a:noFill/>
+                </a:ln>
+                <a:effectLst/>
+                <a:uLnTx/>
+                <a:uFillTx/>
+                <a:ea typeface="Arial Unicode MS" pitchFamily="34" charset="-128"/>
+                <a:cs typeface="Arial Unicode MS" pitchFamily="34" charset="-128"/>
+              </a:rPr>
+              <a:t>pp=</a:t>
+            </a:r>
+            <a:r>
+              <a:rPr kumimoji="0" lang="de-DE" sz="1800" b="0" i="0" u="none" strike="noStrike" kern="0" cap="none" spc="0" normalizeH="0" baseline="0" noProof="0" dirty="0" err="1">
+                <a:ln>
+                  <a:noFill/>
+                </a:ln>
+                <a:effectLst/>
+                <a:uLnTx/>
+                <a:uFillTx/>
+                <a:ea typeface="Arial Unicode MS" pitchFamily="34" charset="-128"/>
+                <a:cs typeface="Arial Unicode MS" pitchFamily="34" charset="-128"/>
+              </a:rPr>
+              <a:t>client</a:t>
+            </a:r>
+            <a:endParaRPr kumimoji="0" lang="de-DE" sz="1800" b="0" i="0" u="none" strike="noStrike" kern="0" cap="none" spc="0" normalizeH="0" baseline="0" noProof="0" dirty="0">
+              <a:ln>
+                <a:noFill/>
+              </a:ln>
+              <a:effectLst/>
+              <a:uLnTx/>
+              <a:uFillTx/>
+              <a:ea typeface="Arial Unicode MS" pitchFamily="34" charset="-128"/>
+              <a:cs typeface="Arial Unicode MS" pitchFamily="34" charset="-128"/>
+            </a:endParaRPr>
+          </a:p>
+        </p:txBody>
+      </p:sp>
+      <p:sp>
+        <p:nvSpPr>
+          <p:cNvPr id="20" name="Rectangle 19"/>
+          <p:cNvSpPr/>
+          <p:nvPr/>
+        </p:nvSpPr>
+        <p:spPr bwMode="gray">
+          <a:xfrm>
+            <a:off x="9575331" y="5386537"/>
+            <a:ext cx="1073656" cy="428584"/>
+          </a:xfrm>
+          <a:prstGeom prst="rect">
+            <a:avLst/>
+          </a:prstGeom>
+          <a:ln>
+            <a:headEnd/>
+            <a:tailEnd/>
+          </a:ln>
+        </p:spPr>
+        <p:style>
+          <a:lnRef idx="2">
+            <a:schemeClr val="accent2"/>
+          </a:lnRef>
+          <a:fillRef idx="1">
+            <a:schemeClr val="lt1"/>
+          </a:fillRef>
+          <a:effectRef idx="0">
+            <a:schemeClr val="accent2"/>
+          </a:effectRef>
+          <a:fontRef idx="minor">
+            <a:schemeClr val="dk1"/>
+          </a:fontRef>
+        </p:style>
+        <p:txBody>
+          <a:bodyPr lIns="90000" tIns="72000" rIns="90000" bIns="72000" rtlCol="0" anchor="ctr"/>
+          <a:lstStyle/>
+          <a:p>
+            <a:pPr marR="0" algn="ctr" defTabSz="914400" eaLnBrk="1" fontAlgn="base" latinLnBrk="0" hangingPunct="1">
+              <a:lnSpc>
+                <a:spcPct val="100000"/>
+              </a:lnSpc>
+              <a:spcBef>
+                <a:spcPct val="50000"/>
+              </a:spcBef>
+              <a:spcAft>
+                <a:spcPct val="0"/>
+              </a:spcAft>
+              <a:buClr>
+                <a:srgbClr val="F0AB00"/>
+              </a:buClr>
+              <a:buSzPct val="80000"/>
+              <a:tabLst/>
+            </a:pPr>
+            <a:r>
+              <a:rPr lang="de-DE" sz="1800" kern="0" dirty="0">
+                <a:ea typeface="Arial Unicode MS" pitchFamily="34" charset="-128"/>
+                <a:cs typeface="Arial Unicode MS" pitchFamily="34" charset="-128"/>
+              </a:rPr>
+              <a:t>Port: 80</a:t>
+            </a:r>
+            <a:endParaRPr kumimoji="0" lang="de-DE" sz="1800" b="0" i="0" u="none" strike="noStrike" kern="0" cap="none" spc="0" normalizeH="0" baseline="0" noProof="0" dirty="0">
+              <a:ln>
+                <a:noFill/>
+              </a:ln>
+              <a:effectLst/>
+              <a:uLnTx/>
+              <a:uFillTx/>
+              <a:ea typeface="Arial Unicode MS" pitchFamily="34" charset="-128"/>
+              <a:cs typeface="Arial Unicode MS" pitchFamily="34" charset="-128"/>
+            </a:endParaRPr>
+          </a:p>
+        </p:txBody>
+      </p:sp>
+      <p:sp>
+        <p:nvSpPr>
+          <p:cNvPr id="17" name="Rectangle 16"/>
+          <p:cNvSpPr/>
+          <p:nvPr/>
+        </p:nvSpPr>
+        <p:spPr bwMode="gray">
+          <a:xfrm>
+            <a:off x="3826004" y="5386537"/>
+            <a:ext cx="1073656" cy="428584"/>
+          </a:xfrm>
+          <a:prstGeom prst="rect">
+            <a:avLst/>
+          </a:prstGeom>
+          <a:ln>
+            <a:headEnd/>
+            <a:tailEnd/>
+          </a:ln>
+        </p:spPr>
+        <p:style>
+          <a:lnRef idx="2">
+            <a:schemeClr val="accent2"/>
+          </a:lnRef>
+          <a:fillRef idx="1">
+            <a:schemeClr val="lt1"/>
+          </a:fillRef>
+          <a:effectRef idx="0">
+            <a:schemeClr val="accent2"/>
+          </a:effectRef>
+          <a:fontRef idx="minor">
+            <a:schemeClr val="dk1"/>
+          </a:fontRef>
+        </p:style>
+        <p:txBody>
+          <a:bodyPr lIns="90000" tIns="72000" rIns="90000" bIns="72000" rtlCol="0" anchor="ctr"/>
+          <a:lstStyle/>
+          <a:p>
+            <a:pPr marR="0" algn="ctr" defTabSz="914400" eaLnBrk="1" fontAlgn="base" latinLnBrk="0" hangingPunct="1">
+              <a:lnSpc>
+                <a:spcPct val="100000"/>
+              </a:lnSpc>
+              <a:spcBef>
+                <a:spcPct val="50000"/>
+              </a:spcBef>
+              <a:spcAft>
+                <a:spcPct val="0"/>
+              </a:spcAft>
+              <a:buClr>
+                <a:srgbClr val="F0AB00"/>
+              </a:buClr>
+              <a:buSzPct val="80000"/>
+              <a:tabLst/>
+            </a:pPr>
+            <a:r>
+              <a:rPr lang="de-DE" sz="1800" kern="0" dirty="0">
+                <a:ea typeface="Arial Unicode MS" pitchFamily="34" charset="-128"/>
+                <a:cs typeface="Arial Unicode MS" pitchFamily="34" charset="-128"/>
+              </a:rPr>
+              <a:t>Port: 80</a:t>
+            </a:r>
+            <a:endParaRPr kumimoji="0" lang="de-DE" sz="1800" b="0" i="0" u="none" strike="noStrike" kern="0" cap="none" spc="0" normalizeH="0" baseline="0" noProof="0" dirty="0">
+              <a:ln>
+                <a:noFill/>
+              </a:ln>
+              <a:effectLst/>
+              <a:uLnTx/>
+              <a:uFillTx/>
+              <a:ea typeface="Arial Unicode MS" pitchFamily="34" charset="-128"/>
+              <a:cs typeface="Arial Unicode MS" pitchFamily="34" charset="-128"/>
+            </a:endParaRPr>
+          </a:p>
+        </p:txBody>
+      </p:sp>
+      <p:sp>
+        <p:nvSpPr>
+          <p:cNvPr id="13" name="Rectangle 12"/>
+          <p:cNvSpPr/>
+          <p:nvPr/>
+        </p:nvSpPr>
+        <p:spPr bwMode="gray">
+          <a:xfrm>
+            <a:off x="8130685" y="4205839"/>
+            <a:ext cx="1645920" cy="365760"/>
+          </a:xfrm>
+          <a:prstGeom prst="rect">
+            <a:avLst/>
+          </a:prstGeom>
+          <a:ln>
+            <a:headEnd/>
+            <a:tailEnd/>
+          </a:ln>
+        </p:spPr>
+        <p:style>
+          <a:lnRef idx="2">
+            <a:schemeClr val="accent2"/>
+          </a:lnRef>
+          <a:fillRef idx="1">
+            <a:schemeClr val="lt1"/>
+          </a:fillRef>
+          <a:effectRef idx="0">
+            <a:schemeClr val="accent2"/>
+          </a:effectRef>
+          <a:fontRef idx="minor">
+            <a:schemeClr val="dk1"/>
+          </a:fontRef>
+        </p:style>
+        <p:txBody>
+          <a:bodyPr lIns="90000" tIns="72000" rIns="90000" bIns="72000" rtlCol="0" anchor="ctr"/>
+          <a:lstStyle/>
+          <a:p>
+            <a:pPr marR="0" algn="ctr" defTabSz="914400" eaLnBrk="1" fontAlgn="base" latinLnBrk="0" hangingPunct="1">
+              <a:lnSpc>
+                <a:spcPct val="100000"/>
+              </a:lnSpc>
+              <a:spcBef>
+                <a:spcPct val="50000"/>
+              </a:spcBef>
+              <a:spcAft>
+                <a:spcPct val="0"/>
+              </a:spcAft>
+              <a:buClr>
+                <a:srgbClr val="F0AB00"/>
+              </a:buClr>
+              <a:buSzPct val="80000"/>
+              <a:tabLst/>
+            </a:pPr>
+            <a:r>
+              <a:rPr kumimoji="0" lang="de-DE" sz="1800" b="0" i="0" u="none" strike="noStrike" kern="0" cap="none" spc="0" normalizeH="0" baseline="0" noProof="0" dirty="0">
+                <a:ln>
+                  <a:noFill/>
+                </a:ln>
+                <a:effectLst/>
+                <a:uLnTx/>
+                <a:uFillTx/>
+                <a:ea typeface="Arial Unicode MS" pitchFamily="34" charset="-128"/>
+                <a:cs typeface="Arial Unicode MS" pitchFamily="34" charset="-128"/>
+              </a:rPr>
+              <a:t>IP: 10.10.10.3</a:t>
+            </a:r>
+          </a:p>
+        </p:txBody>
+      </p:sp>
+      <p:sp>
+        <p:nvSpPr>
+          <p:cNvPr id="22" name="Rectangle 21"/>
+          <p:cNvSpPr/>
+          <p:nvPr/>
+        </p:nvSpPr>
+        <p:spPr bwMode="gray">
+          <a:xfrm>
+            <a:off x="341121" y="3227860"/>
+            <a:ext cx="2124327" cy="428584"/>
+          </a:xfrm>
+          <a:prstGeom prst="rect">
+            <a:avLst/>
+          </a:prstGeom>
+          <a:ln>
+            <a:headEnd/>
+            <a:tailEnd/>
+          </a:ln>
+        </p:spPr>
+        <p:style>
+          <a:lnRef idx="2">
+            <a:schemeClr val="accent5"/>
+          </a:lnRef>
+          <a:fillRef idx="1">
+            <a:schemeClr val="lt1"/>
+          </a:fillRef>
+          <a:effectRef idx="0">
+            <a:schemeClr val="accent5"/>
+          </a:effectRef>
+          <a:fontRef idx="minor">
+            <a:schemeClr val="dk1"/>
+          </a:fontRef>
+        </p:style>
+        <p:txBody>
+          <a:bodyPr lIns="90000" tIns="72000" rIns="90000" bIns="72000" rtlCol="0" anchor="ctr"/>
+          <a:lstStyle/>
+          <a:p>
+            <a:pPr marR="0" algn="ctr" defTabSz="914400" eaLnBrk="1" fontAlgn="base" latinLnBrk="0" hangingPunct="1">
+              <a:lnSpc>
+                <a:spcPct val="100000"/>
+              </a:lnSpc>
+              <a:spcBef>
+                <a:spcPct val="50000"/>
+              </a:spcBef>
+              <a:spcAft>
+                <a:spcPct val="0"/>
+              </a:spcAft>
+              <a:buClr>
+                <a:srgbClr val="F0AB00"/>
+              </a:buClr>
+              <a:buSzPct val="80000"/>
+              <a:tabLst/>
+            </a:pPr>
+            <a:r>
+              <a:rPr lang="de-DE" sz="1800" kern="0" dirty="0" err="1">
+                <a:ea typeface="Arial Unicode MS" pitchFamily="34" charset="-128"/>
+                <a:cs typeface="Arial Unicode MS" pitchFamily="34" charset="-128"/>
+              </a:rPr>
+              <a:t>NodePort</a:t>
+            </a:r>
+            <a:r>
+              <a:rPr lang="de-DE" sz="1800" kern="0" dirty="0">
+                <a:ea typeface="Arial Unicode MS" pitchFamily="34" charset="-128"/>
+                <a:cs typeface="Arial Unicode MS" pitchFamily="34" charset="-128"/>
+              </a:rPr>
+              <a:t>: 30021</a:t>
+            </a:r>
+            <a:endParaRPr kumimoji="0" lang="de-DE" sz="1800" b="0" i="0" u="none" strike="noStrike" kern="0" cap="none" spc="0" normalizeH="0" baseline="0" noProof="0" dirty="0">
+              <a:ln>
+                <a:noFill/>
+              </a:ln>
+              <a:effectLst/>
+              <a:uLnTx/>
+              <a:uFillTx/>
+              <a:ea typeface="Arial Unicode MS" pitchFamily="34" charset="-128"/>
+              <a:cs typeface="Arial Unicode MS" pitchFamily="34" charset="-128"/>
+            </a:endParaRPr>
+          </a:p>
+        </p:txBody>
+      </p:sp>
+      <p:sp>
+        <p:nvSpPr>
+          <p:cNvPr id="23" name="Rectangle 22"/>
+          <p:cNvSpPr/>
+          <p:nvPr/>
+        </p:nvSpPr>
+        <p:spPr bwMode="gray">
+          <a:xfrm>
+            <a:off x="9566150" y="3227860"/>
+            <a:ext cx="2124327" cy="428584"/>
+          </a:xfrm>
+          <a:prstGeom prst="rect">
+            <a:avLst/>
+          </a:prstGeom>
+          <a:ln>
+            <a:headEnd/>
+            <a:tailEnd/>
+          </a:ln>
+        </p:spPr>
+        <p:style>
+          <a:lnRef idx="2">
+            <a:schemeClr val="accent5"/>
+          </a:lnRef>
+          <a:fillRef idx="1">
+            <a:schemeClr val="lt1"/>
+          </a:fillRef>
+          <a:effectRef idx="0">
+            <a:schemeClr val="accent5"/>
+          </a:effectRef>
+          <a:fontRef idx="minor">
+            <a:schemeClr val="dk1"/>
+          </a:fontRef>
+        </p:style>
+        <p:txBody>
+          <a:bodyPr lIns="90000" tIns="72000" rIns="90000" bIns="72000" rtlCol="0" anchor="ctr"/>
+          <a:lstStyle/>
+          <a:p>
+            <a:pPr marR="0" algn="ctr" defTabSz="914400" eaLnBrk="1" fontAlgn="base" latinLnBrk="0" hangingPunct="1">
+              <a:lnSpc>
+                <a:spcPct val="100000"/>
+              </a:lnSpc>
+              <a:spcBef>
+                <a:spcPct val="50000"/>
+              </a:spcBef>
+              <a:spcAft>
+                <a:spcPct val="0"/>
+              </a:spcAft>
+              <a:buClr>
+                <a:srgbClr val="F0AB00"/>
+              </a:buClr>
+              <a:buSzPct val="80000"/>
+              <a:tabLst/>
+            </a:pPr>
+            <a:r>
+              <a:rPr lang="de-DE" sz="1800" kern="0" dirty="0" err="1">
+                <a:ea typeface="Arial Unicode MS" pitchFamily="34" charset="-128"/>
+                <a:cs typeface="Arial Unicode MS" pitchFamily="34" charset="-128"/>
+              </a:rPr>
+              <a:t>NodePort</a:t>
+            </a:r>
+            <a:r>
+              <a:rPr lang="de-DE" sz="1800" kern="0" dirty="0">
+                <a:ea typeface="Arial Unicode MS" pitchFamily="34" charset="-128"/>
+                <a:cs typeface="Arial Unicode MS" pitchFamily="34" charset="-128"/>
+              </a:rPr>
+              <a:t>: 30021</a:t>
+            </a:r>
+            <a:endParaRPr kumimoji="0" lang="de-DE" sz="1800" b="0" i="0" u="none" strike="noStrike" kern="0" cap="none" spc="0" normalizeH="0" baseline="0" noProof="0" dirty="0">
+              <a:ln>
+                <a:noFill/>
+              </a:ln>
+              <a:effectLst/>
+              <a:uLnTx/>
+              <a:uFillTx/>
+              <a:ea typeface="Arial Unicode MS" pitchFamily="34" charset="-128"/>
+              <a:cs typeface="Arial Unicode MS" pitchFamily="34" charset="-128"/>
+            </a:endParaRPr>
+          </a:p>
+        </p:txBody>
+      </p:sp>
+      <p:sp>
+        <p:nvSpPr>
+          <p:cNvPr id="24" name="Cloud 23"/>
+          <p:cNvSpPr/>
+          <p:nvPr/>
+        </p:nvSpPr>
+        <p:spPr bwMode="gray">
+          <a:xfrm>
+            <a:off x="4348821" y="1057695"/>
+            <a:ext cx="3496836" cy="1074420"/>
+          </a:xfrm>
+          <a:prstGeom prst="cloud">
+            <a:avLst/>
+          </a:prstGeom>
+          <a:solidFill>
+            <a:schemeClr val="accent1"/>
+          </a:solidFill>
+          <a:ln w="6350" algn="ctr">
+            <a:noFill/>
+            <a:miter lim="800000"/>
+            <a:headEnd/>
+            <a:tailEnd/>
+          </a:ln>
+        </p:spPr>
+        <p:txBody>
+          <a:bodyPr lIns="90000" tIns="72000" rIns="90000" bIns="72000" rtlCol="0" anchor="ctr"/>
+          <a:lstStyle/>
+          <a:p>
+            <a:pPr marR="0" algn="ctr" defTabSz="914400" eaLnBrk="1" fontAlgn="base" latinLnBrk="0" hangingPunct="1">
+              <a:lnSpc>
+                <a:spcPct val="100000"/>
+              </a:lnSpc>
+              <a:spcBef>
+                <a:spcPct val="50000"/>
+              </a:spcBef>
+              <a:spcAft>
+                <a:spcPct val="0"/>
+              </a:spcAft>
+              <a:buClr>
+                <a:srgbClr val="F0AB00"/>
+              </a:buClr>
+              <a:buSzPct val="80000"/>
+              <a:tabLst/>
+            </a:pPr>
+            <a:r>
+              <a:rPr lang="en-US" sz="1800" kern="0" dirty="0">
+                <a:ea typeface="Arial Unicode MS" pitchFamily="34" charset="-128"/>
+                <a:cs typeface="Arial Unicode MS" pitchFamily="34" charset="-128"/>
+              </a:rPr>
+              <a:t>GET: nginx:30021</a:t>
+            </a:r>
+            <a:endParaRPr kumimoji="0" lang="en-US" sz="1800" b="0" i="0" u="none" strike="noStrike" kern="0" cap="none" spc="0" normalizeH="0" baseline="0" noProof="0" dirty="0" err="1">
+              <a:ln>
+                <a:noFill/>
+              </a:ln>
+              <a:effectLst/>
+              <a:uLnTx/>
+              <a:uFillTx/>
+              <a:ea typeface="Arial Unicode MS" pitchFamily="34" charset="-128"/>
+              <a:cs typeface="Arial Unicode MS" pitchFamily="34" charset="-128"/>
+            </a:endParaRPr>
+          </a:p>
+        </p:txBody>
+      </p:sp>
+      <p:cxnSp>
+        <p:nvCxnSpPr>
+          <p:cNvPr id="26" name="Connector: Elbow 25"/>
+          <p:cNvCxnSpPr>
+            <a:stCxn id="24" idx="2"/>
+            <a:endCxn id="22" idx="0"/>
+          </p:cNvCxnSpPr>
+          <p:nvPr/>
+        </p:nvCxnSpPr>
+        <p:spPr>
+          <a:xfrm rot="10800000" flipV="1">
+            <a:off x="1403286" y="1594904"/>
+            <a:ext cx="2956383" cy="1632955"/>
+          </a:xfrm>
+          <a:prstGeom prst="bentConnector2">
+            <a:avLst/>
+          </a:prstGeom>
+          <a:ln w="57150">
+            <a:solidFill>
+              <a:schemeClr val="tx2"/>
+            </a:solidFill>
+            <a:headEnd type="none" w="med" len="med"/>
+            <a:tailEnd type="triangle"/>
+          </a:ln>
+        </p:spPr>
+        <p:style>
+          <a:lnRef idx="1">
+            <a:schemeClr val="accent1"/>
+          </a:lnRef>
+          <a:fillRef idx="0">
+            <a:schemeClr val="accent1"/>
+          </a:fillRef>
+          <a:effectRef idx="0">
+            <a:schemeClr val="accent1"/>
+          </a:effectRef>
+          <a:fontRef idx="minor">
+            <a:schemeClr val="tx1"/>
+          </a:fontRef>
+        </p:style>
+      </p:cxnSp>
+      <p:cxnSp>
+        <p:nvCxnSpPr>
+          <p:cNvPr id="27" name="Connector: Elbow 26"/>
+          <p:cNvCxnSpPr>
+            <a:stCxn id="24" idx="0"/>
+            <a:endCxn id="23" idx="0"/>
+          </p:cNvCxnSpPr>
+          <p:nvPr/>
+        </p:nvCxnSpPr>
+        <p:spPr>
+          <a:xfrm>
+            <a:off x="7842743" y="1594905"/>
+            <a:ext cx="2785571" cy="1632955"/>
+          </a:xfrm>
+          <a:prstGeom prst="bentConnector2">
+            <a:avLst/>
+          </a:prstGeom>
+          <a:ln w="57150">
+            <a:solidFill>
+              <a:schemeClr val="tx2"/>
+            </a:solidFill>
+            <a:headEnd type="none" w="med" len="med"/>
+            <a:tailEnd type="triangle"/>
+          </a:ln>
+        </p:spPr>
+        <p:style>
+          <a:lnRef idx="1">
+            <a:schemeClr val="accent1"/>
+          </a:lnRef>
+          <a:fillRef idx="0">
+            <a:schemeClr val="accent1"/>
+          </a:fillRef>
+          <a:effectRef idx="0">
+            <a:schemeClr val="accent1"/>
+          </a:effectRef>
+          <a:fontRef idx="minor">
+            <a:schemeClr val="tx1"/>
+          </a:fontRef>
+        </p:style>
+      </p:cxnSp>
+      <p:cxnSp>
+        <p:nvCxnSpPr>
+          <p:cNvPr id="30" name="Connector: Elbow 29"/>
+          <p:cNvCxnSpPr>
+            <a:stCxn id="23" idx="2"/>
+            <a:endCxn id="14" idx="0"/>
+          </p:cNvCxnSpPr>
+          <p:nvPr/>
+        </p:nvCxnSpPr>
+        <p:spPr>
+          <a:xfrm rot="5400000">
+            <a:off x="8824672" y="2112838"/>
+            <a:ext cx="260036" cy="3347249"/>
+          </a:xfrm>
+          <a:prstGeom prst="bentConnector2">
+            <a:avLst/>
+          </a:prstGeom>
+          <a:ln w="57150">
+            <a:solidFill>
+              <a:schemeClr val="tx2"/>
+            </a:solidFill>
+            <a:headEnd type="none" w="med" len="med"/>
+            <a:tailEnd type="triangle"/>
+          </a:ln>
+        </p:spPr>
+        <p:style>
+          <a:lnRef idx="1">
+            <a:schemeClr val="accent1"/>
+          </a:lnRef>
+          <a:fillRef idx="0">
+            <a:schemeClr val="accent1"/>
+          </a:fillRef>
+          <a:effectRef idx="0">
+            <a:schemeClr val="accent1"/>
+          </a:effectRef>
+          <a:fontRef idx="minor">
+            <a:schemeClr val="tx1"/>
+          </a:fontRef>
+        </p:style>
+      </p:cxnSp>
+      <p:cxnSp>
+        <p:nvCxnSpPr>
+          <p:cNvPr id="33" name="Connector: Elbow 32"/>
+          <p:cNvCxnSpPr>
+            <a:stCxn id="22" idx="2"/>
+            <a:endCxn id="14" idx="2"/>
+          </p:cNvCxnSpPr>
+          <p:nvPr/>
+        </p:nvCxnSpPr>
+        <p:spPr>
+          <a:xfrm rot="16200000" flipH="1">
+            <a:off x="2974991" y="2084738"/>
+            <a:ext cx="260036" cy="3403448"/>
+          </a:xfrm>
+          <a:prstGeom prst="bentConnector2">
+            <a:avLst/>
+          </a:prstGeom>
+          <a:ln w="57150">
+            <a:solidFill>
+              <a:schemeClr val="tx2"/>
+            </a:solidFill>
+            <a:headEnd type="none" w="med" len="med"/>
+            <a:tailEnd type="triangle"/>
+          </a:ln>
+        </p:spPr>
+        <p:style>
+          <a:lnRef idx="1">
+            <a:schemeClr val="accent1"/>
+          </a:lnRef>
+          <a:fillRef idx="0">
+            <a:schemeClr val="accent1"/>
+          </a:fillRef>
+          <a:effectRef idx="0">
+            <a:schemeClr val="accent1"/>
+          </a:effectRef>
+          <a:fontRef idx="minor">
+            <a:schemeClr val="tx1"/>
+          </a:fontRef>
+        </p:style>
+      </p:cxnSp>
+      <p:cxnSp>
+        <p:nvCxnSpPr>
+          <p:cNvPr id="36" name="Connector: Elbow 35"/>
+          <p:cNvCxnSpPr>
+            <a:stCxn id="14" idx="1"/>
+            <a:endCxn id="15" idx="2"/>
+          </p:cNvCxnSpPr>
+          <p:nvPr/>
+        </p:nvCxnSpPr>
+        <p:spPr>
+          <a:xfrm rot="5400000">
+            <a:off x="3718719" y="3489941"/>
+            <a:ext cx="725362" cy="3924999"/>
+          </a:xfrm>
+          <a:prstGeom prst="bentConnector3">
+            <a:avLst>
+              <a:gd name="adj1" fmla="val 137818"/>
+            </a:avLst>
+          </a:prstGeom>
+          <a:ln w="57150">
+            <a:solidFill>
+              <a:schemeClr val="tx2"/>
+            </a:solidFill>
+            <a:headEnd type="none" w="med" len="med"/>
+            <a:tailEnd type="triangle"/>
+          </a:ln>
+        </p:spPr>
+        <p:style>
+          <a:lnRef idx="1">
+            <a:schemeClr val="accent1"/>
+          </a:lnRef>
+          <a:fillRef idx="0">
+            <a:schemeClr val="accent1"/>
+          </a:fillRef>
+          <a:effectRef idx="0">
+            <a:schemeClr val="accent1"/>
+          </a:effectRef>
+          <a:fontRef idx="minor">
+            <a:schemeClr val="tx1"/>
+          </a:fontRef>
+        </p:style>
+      </p:cxnSp>
+    </p:spTree>
+    <p:extLst>
+      <p:ext uri="{BB962C8B-B14F-4D97-AF65-F5344CB8AC3E}">
+        <p14:creationId xmlns:p14="http://schemas.microsoft.com/office/powerpoint/2010/main" val="2098045799"/>
+      </p:ext>
+    </p:extLst>
+  </p:cSld>
+  <p:clrMapOvr>
+    <a:masterClrMapping/>
+  </p:clrMapOvr>
+</p:sld>
+</file>
+
+<file path=ppt/slides/slide9.xml><?xml version="1.0" encoding="utf-8"?>
 <p:sld xmlns:a="http://schemas.openxmlformats.org/drawingml/2006/main" xmlns:r="http://schemas.openxmlformats.org/officeDocument/2006/relationships" xmlns:p="http://schemas.openxmlformats.org/presentationml/2006/main" show="0">
   <p:cSld>
     <p:spTree>

--- a/kubernetes/04_networking_services.pptx
+++ b/kubernetes/04_networking_services.pptx
@@ -10507,6 +10507,12 @@
           <a:prstGeom prst="rect">
             <a:avLst/>
           </a:prstGeom>
+          <a:solidFill>
+            <a:schemeClr val="accent1">
+              <a:lumMod val="40000"/>
+              <a:lumOff val="60000"/>
+            </a:schemeClr>
+          </a:solidFill>
           <a:ln>
             <a:headEnd/>
             <a:tailEnd/>

--- a/kubernetes/04_networking_services.pptx
+++ b/kubernetes/04_networking_services.pptx
@@ -5,10 +5,10 @@
     <p:sldMasterId id="2147483733" r:id="rId1"/>
   </p:sldMasterIdLst>
   <p:notesMasterIdLst>
-    <p:notesMasterId r:id="rId11"/>
+    <p:notesMasterId r:id="rId12"/>
   </p:notesMasterIdLst>
   <p:handoutMasterIdLst>
-    <p:handoutMasterId r:id="rId12"/>
+    <p:handoutMasterId r:id="rId13"/>
   </p:handoutMasterIdLst>
   <p:sldIdLst>
     <p:sldId id="433" r:id="rId2"/>
@@ -19,7 +19,8 @@
     <p:sldId id="447" r:id="rId7"/>
     <p:sldId id="448" r:id="rId8"/>
     <p:sldId id="450" r:id="rId9"/>
-    <p:sldId id="265" r:id="rId10"/>
+    <p:sldId id="451" r:id="rId10"/>
+    <p:sldId id="265" r:id="rId11"/>
   </p:sldIdLst>
   <p:sldSz cx="12195175" cy="6858000"/>
   <p:notesSz cx="6858000" cy="9144000"/>
@@ -558,7 +559,7 @@
             <a:fld id="{7D8C2C35-2B8A-446E-BEC0-FD36716C29AC}" type="slidenum">
               <a:rPr lang="de-DE" smtClean="0"/>
               <a:pPr/>
-              <a:t>9</a:t>
+              <a:t>10</a:t>
             </a:fld>
             <a:endParaRPr lang="de-DE" dirty="0"/>
           </a:p>
@@ -8189,6 +8190,32 @@
 </p:sld>
 </file>
 
+<file path=ppt/slides/slide10.xml><?xml version="1.0" encoding="utf-8"?>
+<p:sld xmlns:a="http://schemas.openxmlformats.org/drawingml/2006/main" xmlns:r="http://schemas.openxmlformats.org/officeDocument/2006/relationships" xmlns:p="http://schemas.openxmlformats.org/presentationml/2006/main" show="0">
+  <p:cSld>
+    <p:spTree>
+      <p:nvGrpSpPr>
+        <p:cNvPr id="1" name=""/>
+        <p:cNvGrpSpPr/>
+        <p:nvPr/>
+      </p:nvGrpSpPr>
+      <p:grpSpPr>
+        <a:xfrm>
+          <a:off x="0" y="0"/>
+          <a:ext cx="0" cy="0"/>
+          <a:chOff x="0" y="0"/>
+          <a:chExt cx="0" cy="0"/>
+        </a:xfrm>
+      </p:grpSpPr>
+    </p:spTree>
+  </p:cSld>
+  <p:clrMapOvr>
+    <a:masterClrMapping/>
+  </p:clrMapOvr>
+  <p:transition spd="med"/>
+</p:sld>
+</file>
+
 <file path=ppt/slides/slide2.xml><?xml version="1.0" encoding="utf-8"?>
 <p:sld xmlns:a="http://schemas.openxmlformats.org/drawingml/2006/main" xmlns:r="http://schemas.openxmlformats.org/officeDocument/2006/relationships" xmlns:p="http://schemas.openxmlformats.org/presentationml/2006/main">
   <p:cSld>
@@ -11427,7 +11454,7 @@
 </file>
 
 <file path=ppt/slides/slide9.xml><?xml version="1.0" encoding="utf-8"?>
-<p:sld xmlns:a="http://schemas.openxmlformats.org/drawingml/2006/main" xmlns:r="http://schemas.openxmlformats.org/officeDocument/2006/relationships" xmlns:p="http://schemas.openxmlformats.org/presentationml/2006/main" show="0">
+<p:sld xmlns:a="http://schemas.openxmlformats.org/drawingml/2006/main" xmlns:r="http://schemas.openxmlformats.org/officeDocument/2006/relationships" xmlns:p="http://schemas.openxmlformats.org/presentationml/2006/main">
   <p:cSld>
     <p:spTree>
       <p:nvGrpSpPr>
@@ -11443,12 +11470,834 @@
           <a:chExt cx="0" cy="0"/>
         </a:xfrm>
       </p:grpSpPr>
+      <p:sp>
+        <p:nvSpPr>
+          <p:cNvPr id="3" name="Title 2"/>
+          <p:cNvSpPr>
+            <a:spLocks noGrp="1"/>
+          </p:cNvSpPr>
+          <p:nvPr>
+            <p:ph type="title"/>
+          </p:nvPr>
+        </p:nvSpPr>
+        <p:spPr/>
+        <p:txBody>
+          <a:bodyPr/>
+          <a:lstStyle/>
+          <a:p>
+            <a:r>
+              <a:rPr lang="en-US" dirty="0"/>
+              <a:t>What YOU will do during the next exercise…</a:t>
+            </a:r>
+          </a:p>
+        </p:txBody>
+      </p:sp>
+      <p:grpSp>
+        <p:nvGrpSpPr>
+          <p:cNvPr id="13" name="Group 12"/>
+          <p:cNvGrpSpPr/>
+          <p:nvPr/>
+        </p:nvGrpSpPr>
+        <p:grpSpPr>
+          <a:xfrm>
+            <a:off x="2674620" y="2948940"/>
+            <a:ext cx="6187440" cy="1752600"/>
+            <a:chOff x="2697480" y="2743200"/>
+            <a:chExt cx="6187440" cy="2034540"/>
+          </a:xfrm>
+        </p:grpSpPr>
+        <p:sp>
+          <p:nvSpPr>
+            <p:cNvPr id="12" name="Rectangle: Rounded Corners 11"/>
+            <p:cNvSpPr/>
+            <p:nvPr/>
+          </p:nvSpPr>
+          <p:spPr bwMode="gray">
+            <a:xfrm>
+              <a:off x="2697480" y="2743200"/>
+              <a:ext cx="6187440" cy="2034540"/>
+            </a:xfrm>
+            <a:prstGeom prst="roundRect">
+              <a:avLst/>
+            </a:prstGeom>
+            <a:ln>
+              <a:headEnd/>
+              <a:tailEnd/>
+            </a:ln>
+          </p:spPr>
+          <p:style>
+            <a:lnRef idx="2">
+              <a:schemeClr val="accent1"/>
+            </a:lnRef>
+            <a:fillRef idx="1">
+              <a:schemeClr val="lt1"/>
+            </a:fillRef>
+            <a:effectRef idx="0">
+              <a:schemeClr val="accent1"/>
+            </a:effectRef>
+            <a:fontRef idx="minor">
+              <a:schemeClr val="dk1"/>
+            </a:fontRef>
+          </p:style>
+          <p:txBody>
+            <a:bodyPr lIns="90000" tIns="72000" rIns="90000" bIns="72000" rtlCol="0" anchor="ctr"/>
+            <a:lstStyle/>
+            <a:p>
+              <a:pPr marR="0" algn="ctr" defTabSz="914400" eaLnBrk="1" fontAlgn="base" latinLnBrk="0" hangingPunct="1">
+                <a:lnSpc>
+                  <a:spcPct val="100000"/>
+                </a:lnSpc>
+                <a:spcBef>
+                  <a:spcPct val="50000"/>
+                </a:spcBef>
+                <a:spcAft>
+                  <a:spcPct val="0"/>
+                </a:spcAft>
+                <a:buClr>
+                  <a:srgbClr val="F0AB00"/>
+                </a:buClr>
+                <a:buSzPct val="80000"/>
+                <a:tabLst/>
+              </a:pPr>
+              <a:endParaRPr kumimoji="0" lang="en-US" sz="1800" b="0" i="0" u="none" strike="noStrike" kern="0" cap="none" spc="0" normalizeH="0" baseline="0" noProof="0" dirty="0" err="1">
+                <a:ln>
+                  <a:noFill/>
+                </a:ln>
+                <a:effectLst/>
+                <a:uLnTx/>
+                <a:uFillTx/>
+                <a:ea typeface="Arial Unicode MS" pitchFamily="34" charset="-128"/>
+                <a:cs typeface="Arial Unicode MS" pitchFamily="34" charset="-128"/>
+              </a:endParaRPr>
+            </a:p>
+          </p:txBody>
+        </p:sp>
+        <p:sp>
+          <p:nvSpPr>
+            <p:cNvPr id="4" name="Rectangle 3"/>
+            <p:cNvSpPr/>
+            <p:nvPr/>
+          </p:nvSpPr>
+          <p:spPr bwMode="gray">
+            <a:xfrm>
+              <a:off x="2989653" y="3164976"/>
+              <a:ext cx="1627931" cy="1156258"/>
+            </a:xfrm>
+            <a:prstGeom prst="rect">
+              <a:avLst/>
+            </a:prstGeom>
+            <a:solidFill>
+              <a:schemeClr val="bg2"/>
+            </a:solidFill>
+            <a:ln>
+              <a:headEnd/>
+              <a:tailEnd/>
+            </a:ln>
+          </p:spPr>
+          <p:style>
+            <a:lnRef idx="2">
+              <a:schemeClr val="accent2"/>
+            </a:lnRef>
+            <a:fillRef idx="1">
+              <a:schemeClr val="lt1"/>
+            </a:fillRef>
+            <a:effectRef idx="0">
+              <a:schemeClr val="accent2"/>
+            </a:effectRef>
+            <a:fontRef idx="minor">
+              <a:schemeClr val="dk1"/>
+            </a:fontRef>
+          </p:style>
+          <p:txBody>
+            <a:bodyPr lIns="90000" tIns="72000" rIns="90000" bIns="72000" rtlCol="0" anchor="ctr"/>
+            <a:lstStyle/>
+            <a:p>
+              <a:pPr algn="ctr" defTabSz="914400" fontAlgn="base">
+                <a:spcBef>
+                  <a:spcPct val="50000"/>
+                </a:spcBef>
+                <a:spcAft>
+                  <a:spcPct val="0"/>
+                </a:spcAft>
+                <a:buClr>
+                  <a:srgbClr val="F0AB00"/>
+                </a:buClr>
+                <a:buSzPct val="80000"/>
+              </a:pPr>
+              <a:r>
+                <a:rPr lang="de-DE" sz="1800" kern="0" dirty="0" err="1">
+                  <a:ea typeface="Arial Unicode MS" pitchFamily="34" charset="-128"/>
+                  <a:cs typeface="Arial Unicode MS" pitchFamily="34" charset="-128"/>
+                </a:rPr>
+                <a:t>nginx</a:t>
+              </a:r>
+              <a:endParaRPr lang="de-DE" sz="1800" kern="0" dirty="0">
+                <a:ea typeface="Arial Unicode MS" pitchFamily="34" charset="-128"/>
+                <a:cs typeface="Arial Unicode MS" pitchFamily="34" charset="-128"/>
+              </a:endParaRPr>
+            </a:p>
+          </p:txBody>
+        </p:sp>
+        <p:sp>
+          <p:nvSpPr>
+            <p:cNvPr id="6" name="Rectangle 5"/>
+            <p:cNvSpPr/>
+            <p:nvPr/>
+          </p:nvSpPr>
+          <p:spPr bwMode="gray">
+            <a:xfrm>
+              <a:off x="6855115" y="3164976"/>
+              <a:ext cx="1627931" cy="1156258"/>
+            </a:xfrm>
+            <a:prstGeom prst="rect">
+              <a:avLst/>
+            </a:prstGeom>
+            <a:solidFill>
+              <a:schemeClr val="bg2"/>
+            </a:solidFill>
+            <a:ln>
+              <a:headEnd/>
+              <a:tailEnd/>
+            </a:ln>
+          </p:spPr>
+          <p:style>
+            <a:lnRef idx="2">
+              <a:schemeClr val="accent2"/>
+            </a:lnRef>
+            <a:fillRef idx="1">
+              <a:schemeClr val="lt1"/>
+            </a:fillRef>
+            <a:effectRef idx="0">
+              <a:schemeClr val="accent2"/>
+            </a:effectRef>
+            <a:fontRef idx="minor">
+              <a:schemeClr val="dk1"/>
+            </a:fontRef>
+          </p:style>
+          <p:txBody>
+            <a:bodyPr lIns="90000" tIns="72000" rIns="90000" bIns="72000" rtlCol="0" anchor="ctr"/>
+            <a:lstStyle/>
+            <a:p>
+              <a:pPr marR="0" algn="ctr" defTabSz="914400" eaLnBrk="1" fontAlgn="base" latinLnBrk="0" hangingPunct="1">
+                <a:lnSpc>
+                  <a:spcPct val="100000"/>
+                </a:lnSpc>
+                <a:spcBef>
+                  <a:spcPct val="50000"/>
+                </a:spcBef>
+                <a:spcAft>
+                  <a:spcPct val="0"/>
+                </a:spcAft>
+                <a:buClr>
+                  <a:srgbClr val="F0AB00"/>
+                </a:buClr>
+                <a:buSzPct val="80000"/>
+                <a:tabLst/>
+              </a:pPr>
+              <a:r>
+                <a:rPr lang="de-DE" sz="1800" kern="0" dirty="0" err="1">
+                  <a:ea typeface="Arial Unicode MS" pitchFamily="34" charset="-128"/>
+                  <a:cs typeface="Arial Unicode MS" pitchFamily="34" charset="-128"/>
+                </a:rPr>
+                <a:t>nginx</a:t>
+              </a:r>
+              <a:endParaRPr kumimoji="0" lang="de-DE" sz="1800" b="0" i="0" u="none" strike="noStrike" kern="0" cap="none" spc="0" normalizeH="0" baseline="0" noProof="0" dirty="0">
+                <a:ln>
+                  <a:noFill/>
+                </a:ln>
+                <a:effectLst/>
+                <a:uLnTx/>
+                <a:uFillTx/>
+                <a:ea typeface="Arial Unicode MS" pitchFamily="34" charset="-128"/>
+                <a:cs typeface="Arial Unicode MS" pitchFamily="34" charset="-128"/>
+              </a:endParaRPr>
+            </a:p>
+          </p:txBody>
+        </p:sp>
+        <p:sp>
+          <p:nvSpPr>
+            <p:cNvPr id="7" name="Rectangle 6"/>
+            <p:cNvSpPr/>
+            <p:nvPr/>
+          </p:nvSpPr>
+          <p:spPr bwMode="gray">
+            <a:xfrm>
+              <a:off x="4922384" y="3164976"/>
+              <a:ext cx="1627931" cy="1156258"/>
+            </a:xfrm>
+            <a:prstGeom prst="rect">
+              <a:avLst/>
+            </a:prstGeom>
+            <a:solidFill>
+              <a:schemeClr val="bg2"/>
+            </a:solidFill>
+            <a:ln>
+              <a:headEnd/>
+              <a:tailEnd/>
+            </a:ln>
+          </p:spPr>
+          <p:style>
+            <a:lnRef idx="2">
+              <a:schemeClr val="accent2"/>
+            </a:lnRef>
+            <a:fillRef idx="1">
+              <a:schemeClr val="lt1"/>
+            </a:fillRef>
+            <a:effectRef idx="0">
+              <a:schemeClr val="accent2"/>
+            </a:effectRef>
+            <a:fontRef idx="minor">
+              <a:schemeClr val="dk1"/>
+            </a:fontRef>
+          </p:style>
+          <p:txBody>
+            <a:bodyPr lIns="90000" tIns="72000" rIns="90000" bIns="72000" rtlCol="0" anchor="ctr"/>
+            <a:lstStyle/>
+            <a:p>
+              <a:pPr marR="0" algn="ctr" defTabSz="914400" eaLnBrk="1" fontAlgn="base" latinLnBrk="0" hangingPunct="1">
+                <a:lnSpc>
+                  <a:spcPct val="100000"/>
+                </a:lnSpc>
+                <a:spcBef>
+                  <a:spcPct val="50000"/>
+                </a:spcBef>
+                <a:spcAft>
+                  <a:spcPct val="0"/>
+                </a:spcAft>
+                <a:buClr>
+                  <a:srgbClr val="F0AB00"/>
+                </a:buClr>
+                <a:buSzPct val="80000"/>
+                <a:tabLst/>
+              </a:pPr>
+              <a:r>
+                <a:rPr lang="de-DE" sz="1800" kern="0" dirty="0" err="1">
+                  <a:ea typeface="Arial Unicode MS" pitchFamily="34" charset="-128"/>
+                  <a:cs typeface="Arial Unicode MS" pitchFamily="34" charset="-128"/>
+                </a:rPr>
+                <a:t>nginx</a:t>
+              </a:r>
+              <a:endParaRPr kumimoji="0" lang="de-DE" sz="1800" b="0" i="0" u="none" strike="noStrike" kern="0" cap="none" spc="0" normalizeH="0" baseline="0" noProof="0" dirty="0">
+                <a:ln>
+                  <a:noFill/>
+                </a:ln>
+                <a:effectLst/>
+                <a:uLnTx/>
+                <a:uFillTx/>
+                <a:ea typeface="Arial Unicode MS" pitchFamily="34" charset="-128"/>
+                <a:cs typeface="Arial Unicode MS" pitchFamily="34" charset="-128"/>
+              </a:endParaRPr>
+            </a:p>
+          </p:txBody>
+        </p:sp>
+      </p:grpSp>
+      <p:grpSp>
+        <p:nvGrpSpPr>
+          <p:cNvPr id="15" name="Group 14"/>
+          <p:cNvGrpSpPr/>
+          <p:nvPr/>
+        </p:nvGrpSpPr>
+        <p:grpSpPr>
+          <a:xfrm>
+            <a:off x="3482340" y="5176656"/>
+            <a:ext cx="4572000" cy="1363980"/>
+            <a:chOff x="3421380" y="5067300"/>
+            <a:chExt cx="4572000" cy="1363980"/>
+          </a:xfrm>
+        </p:grpSpPr>
+        <p:sp>
+          <p:nvSpPr>
+            <p:cNvPr id="14" name="Rectangle: Rounded Corners 13"/>
+            <p:cNvSpPr/>
+            <p:nvPr/>
+          </p:nvSpPr>
+          <p:spPr bwMode="gray">
+            <a:xfrm>
+              <a:off x="3421380" y="5067300"/>
+              <a:ext cx="4572000" cy="1363980"/>
+            </a:xfrm>
+            <a:prstGeom prst="roundRect">
+              <a:avLst/>
+            </a:prstGeom>
+            <a:ln>
+              <a:headEnd/>
+              <a:tailEnd/>
+            </a:ln>
+          </p:spPr>
+          <p:style>
+            <a:lnRef idx="2">
+              <a:schemeClr val="accent1"/>
+            </a:lnRef>
+            <a:fillRef idx="1">
+              <a:schemeClr val="lt1"/>
+            </a:fillRef>
+            <a:effectRef idx="0">
+              <a:schemeClr val="accent1"/>
+            </a:effectRef>
+            <a:fontRef idx="minor">
+              <a:schemeClr val="dk1"/>
+            </a:fontRef>
+          </p:style>
+          <p:txBody>
+            <a:bodyPr lIns="90000" tIns="72000" rIns="90000" bIns="72000" rtlCol="0" anchor="ctr"/>
+            <a:lstStyle/>
+            <a:p>
+              <a:pPr marR="0" algn="ctr" defTabSz="914400" eaLnBrk="1" fontAlgn="base" latinLnBrk="0" hangingPunct="1">
+                <a:lnSpc>
+                  <a:spcPct val="100000"/>
+                </a:lnSpc>
+                <a:spcBef>
+                  <a:spcPct val="50000"/>
+                </a:spcBef>
+                <a:spcAft>
+                  <a:spcPct val="0"/>
+                </a:spcAft>
+                <a:buClr>
+                  <a:srgbClr val="F0AB00"/>
+                </a:buClr>
+                <a:buSzPct val="80000"/>
+                <a:tabLst/>
+              </a:pPr>
+              <a:endParaRPr kumimoji="0" lang="en-US" sz="1800" b="0" i="0" u="none" strike="noStrike" kern="0" cap="none" spc="0" normalizeH="0" baseline="0" noProof="0" dirty="0" err="1">
+                <a:ln>
+                  <a:noFill/>
+                </a:ln>
+                <a:effectLst/>
+                <a:uLnTx/>
+                <a:uFillTx/>
+                <a:ea typeface="Arial Unicode MS" pitchFamily="34" charset="-128"/>
+                <a:cs typeface="Arial Unicode MS" pitchFamily="34" charset="-128"/>
+              </a:endParaRPr>
+            </a:p>
+          </p:txBody>
+        </p:sp>
+        <p:sp>
+          <p:nvSpPr>
+            <p:cNvPr id="8" name="Cylinder 7"/>
+            <p:cNvSpPr/>
+            <p:nvPr/>
+          </p:nvSpPr>
+          <p:spPr bwMode="gray">
+            <a:xfrm>
+              <a:off x="3946888" y="5248563"/>
+              <a:ext cx="998220" cy="1004248"/>
+            </a:xfrm>
+            <a:prstGeom prst="can">
+              <a:avLst/>
+            </a:prstGeom>
+            <a:ln>
+              <a:headEnd/>
+              <a:tailEnd/>
+            </a:ln>
+          </p:spPr>
+          <p:style>
+            <a:lnRef idx="2">
+              <a:schemeClr val="accent2"/>
+            </a:lnRef>
+            <a:fillRef idx="1">
+              <a:schemeClr val="lt1"/>
+            </a:fillRef>
+            <a:effectRef idx="0">
+              <a:schemeClr val="accent2"/>
+            </a:effectRef>
+            <a:fontRef idx="minor">
+              <a:schemeClr val="dk1"/>
+            </a:fontRef>
+          </p:style>
+          <p:txBody>
+            <a:bodyPr lIns="90000" tIns="72000" rIns="90000" bIns="72000" rtlCol="0" anchor="ctr"/>
+            <a:lstStyle/>
+            <a:p>
+              <a:pPr marR="0" algn="ctr" defTabSz="914400" eaLnBrk="1" fontAlgn="base" latinLnBrk="0" hangingPunct="1">
+                <a:lnSpc>
+                  <a:spcPct val="100000"/>
+                </a:lnSpc>
+                <a:spcBef>
+                  <a:spcPct val="50000"/>
+                </a:spcBef>
+                <a:spcAft>
+                  <a:spcPct val="0"/>
+                </a:spcAft>
+                <a:buClr>
+                  <a:srgbClr val="F0AB00"/>
+                </a:buClr>
+                <a:buSzPct val="80000"/>
+                <a:tabLst/>
+              </a:pPr>
+              <a:r>
+                <a:rPr kumimoji="0" lang="de-DE" sz="1800" b="0" i="0" u="none" strike="noStrike" kern="0" cap="none" spc="0" normalizeH="0" baseline="0" noProof="0" dirty="0" err="1">
+                  <a:ln>
+                    <a:noFill/>
+                  </a:ln>
+                  <a:effectLst/>
+                  <a:uLnTx/>
+                  <a:uFillTx/>
+                  <a:ea typeface="Arial Unicode MS" pitchFamily="34" charset="-128"/>
+                  <a:cs typeface="Arial Unicode MS" pitchFamily="34" charset="-128"/>
+                </a:rPr>
+                <a:t>content</a:t>
+              </a:r>
+              <a:endParaRPr kumimoji="0" lang="de-DE" sz="1800" b="0" i="0" u="none" strike="noStrike" kern="0" cap="none" spc="0" normalizeH="0" baseline="0" noProof="0" dirty="0">
+                <a:ln>
+                  <a:noFill/>
+                </a:ln>
+                <a:effectLst/>
+                <a:uLnTx/>
+                <a:uFillTx/>
+                <a:ea typeface="Arial Unicode MS" pitchFamily="34" charset="-128"/>
+                <a:cs typeface="Arial Unicode MS" pitchFamily="34" charset="-128"/>
+              </a:endParaRPr>
+            </a:p>
+          </p:txBody>
+        </p:sp>
+        <p:sp>
+          <p:nvSpPr>
+            <p:cNvPr id="9" name="Cylinder 8"/>
+            <p:cNvSpPr/>
+            <p:nvPr/>
+          </p:nvSpPr>
+          <p:spPr bwMode="gray">
+            <a:xfrm>
+              <a:off x="5214379" y="5248563"/>
+              <a:ext cx="998220" cy="1004248"/>
+            </a:xfrm>
+            <a:prstGeom prst="can">
+              <a:avLst/>
+            </a:prstGeom>
+            <a:ln>
+              <a:headEnd/>
+              <a:tailEnd/>
+            </a:ln>
+          </p:spPr>
+          <p:style>
+            <a:lnRef idx="2">
+              <a:schemeClr val="accent2"/>
+            </a:lnRef>
+            <a:fillRef idx="1">
+              <a:schemeClr val="lt1"/>
+            </a:fillRef>
+            <a:effectRef idx="0">
+              <a:schemeClr val="accent2"/>
+            </a:effectRef>
+            <a:fontRef idx="minor">
+              <a:schemeClr val="dk1"/>
+            </a:fontRef>
+          </p:style>
+          <p:txBody>
+            <a:bodyPr lIns="90000" tIns="72000" rIns="90000" bIns="72000" rtlCol="0" anchor="ctr"/>
+            <a:lstStyle/>
+            <a:p>
+              <a:pPr marR="0" algn="ctr" defTabSz="914400" eaLnBrk="1" fontAlgn="base" latinLnBrk="0" hangingPunct="1">
+                <a:lnSpc>
+                  <a:spcPct val="100000"/>
+                </a:lnSpc>
+                <a:spcBef>
+                  <a:spcPct val="50000"/>
+                </a:spcBef>
+                <a:spcAft>
+                  <a:spcPct val="0"/>
+                </a:spcAft>
+                <a:buClr>
+                  <a:srgbClr val="F0AB00"/>
+                </a:buClr>
+                <a:buSzPct val="80000"/>
+                <a:tabLst/>
+              </a:pPr>
+              <a:r>
+                <a:rPr kumimoji="0" lang="de-DE" sz="1800" b="0" i="0" u="none" strike="noStrike" kern="0" cap="none" spc="0" normalizeH="0" baseline="0" noProof="0" dirty="0" err="1">
+                  <a:ln>
+                    <a:noFill/>
+                  </a:ln>
+                  <a:effectLst/>
+                  <a:uLnTx/>
+                  <a:uFillTx/>
+                  <a:ea typeface="Arial Unicode MS" pitchFamily="34" charset="-128"/>
+                  <a:cs typeface="Arial Unicode MS" pitchFamily="34" charset="-128"/>
+                </a:rPr>
+                <a:t>config</a:t>
+              </a:r>
+              <a:endParaRPr kumimoji="0" lang="de-DE" sz="1800" b="0" i="0" u="none" strike="noStrike" kern="0" cap="none" spc="0" normalizeH="0" baseline="0" noProof="0" dirty="0">
+                <a:ln>
+                  <a:noFill/>
+                </a:ln>
+                <a:effectLst/>
+                <a:uLnTx/>
+                <a:uFillTx/>
+                <a:ea typeface="Arial Unicode MS" pitchFamily="34" charset="-128"/>
+                <a:cs typeface="Arial Unicode MS" pitchFamily="34" charset="-128"/>
+              </a:endParaRPr>
+            </a:p>
+          </p:txBody>
+        </p:sp>
+        <p:sp>
+          <p:nvSpPr>
+            <p:cNvPr id="10" name="Cylinder 9"/>
+            <p:cNvSpPr/>
+            <p:nvPr/>
+          </p:nvSpPr>
+          <p:spPr bwMode="gray">
+            <a:xfrm>
+              <a:off x="6481870" y="5248563"/>
+              <a:ext cx="998220" cy="1004248"/>
+            </a:xfrm>
+            <a:prstGeom prst="can">
+              <a:avLst/>
+            </a:prstGeom>
+            <a:ln>
+              <a:headEnd/>
+              <a:tailEnd/>
+            </a:ln>
+          </p:spPr>
+          <p:style>
+            <a:lnRef idx="2">
+              <a:schemeClr val="accent2"/>
+            </a:lnRef>
+            <a:fillRef idx="1">
+              <a:schemeClr val="lt1"/>
+            </a:fillRef>
+            <a:effectRef idx="0">
+              <a:schemeClr val="accent2"/>
+            </a:effectRef>
+            <a:fontRef idx="minor">
+              <a:schemeClr val="dk1"/>
+            </a:fontRef>
+          </p:style>
+          <p:txBody>
+            <a:bodyPr lIns="90000" tIns="72000" rIns="90000" bIns="72000" rtlCol="0" anchor="ctr"/>
+            <a:lstStyle/>
+            <a:p>
+              <a:pPr marR="0" algn="ctr" defTabSz="914400" eaLnBrk="1" fontAlgn="base" latinLnBrk="0" hangingPunct="1">
+                <a:lnSpc>
+                  <a:spcPct val="100000"/>
+                </a:lnSpc>
+                <a:spcBef>
+                  <a:spcPct val="50000"/>
+                </a:spcBef>
+                <a:spcAft>
+                  <a:spcPct val="0"/>
+                </a:spcAft>
+                <a:buClr>
+                  <a:srgbClr val="F0AB00"/>
+                </a:buClr>
+                <a:buSzPct val="80000"/>
+                <a:tabLst/>
+              </a:pPr>
+              <a:r>
+                <a:rPr lang="de-DE" sz="1800" kern="0" dirty="0" err="1">
+                  <a:ea typeface="Arial Unicode MS" pitchFamily="34" charset="-128"/>
+                  <a:cs typeface="Arial Unicode MS" pitchFamily="34" charset="-128"/>
+                </a:rPr>
+                <a:t>tls</a:t>
+              </a:r>
+              <a:r>
+                <a:rPr lang="de-DE" sz="1800" kern="0" dirty="0">
+                  <a:ea typeface="Arial Unicode MS" pitchFamily="34" charset="-128"/>
+                  <a:cs typeface="Arial Unicode MS" pitchFamily="34" charset="-128"/>
+                </a:rPr>
+                <a:t> </a:t>
+              </a:r>
+              <a:r>
+                <a:rPr lang="de-DE" sz="1800" kern="0" dirty="0" err="1">
+                  <a:ea typeface="Arial Unicode MS" pitchFamily="34" charset="-128"/>
+                  <a:cs typeface="Arial Unicode MS" pitchFamily="34" charset="-128"/>
+                </a:rPr>
+                <a:t>certs</a:t>
+              </a:r>
+              <a:endParaRPr kumimoji="0" lang="de-DE" sz="1800" b="0" i="0" u="none" strike="noStrike" kern="0" cap="none" spc="0" normalizeH="0" baseline="0" noProof="0" dirty="0">
+                <a:ln>
+                  <a:noFill/>
+                </a:ln>
+                <a:effectLst/>
+                <a:uLnTx/>
+                <a:uFillTx/>
+                <a:ea typeface="Arial Unicode MS" pitchFamily="34" charset="-128"/>
+                <a:cs typeface="Arial Unicode MS" pitchFamily="34" charset="-128"/>
+              </a:endParaRPr>
+            </a:p>
+          </p:txBody>
+        </p:sp>
+      </p:grpSp>
+      <p:sp>
+        <p:nvSpPr>
+          <p:cNvPr id="16" name="Arrow: Up-Down 15"/>
+          <p:cNvSpPr/>
+          <p:nvPr/>
+        </p:nvSpPr>
+        <p:spPr bwMode="gray">
+          <a:xfrm>
+            <a:off x="5657231" y="4400550"/>
+            <a:ext cx="222219" cy="845820"/>
+          </a:xfrm>
+          <a:prstGeom prst="upDownArrow">
+            <a:avLst/>
+          </a:prstGeom>
+          <a:solidFill>
+            <a:schemeClr val="accent1"/>
+          </a:solidFill>
+          <a:ln w="6350" algn="ctr">
+            <a:noFill/>
+            <a:miter lim="800000"/>
+            <a:headEnd/>
+            <a:tailEnd/>
+          </a:ln>
+        </p:spPr>
+        <p:txBody>
+          <a:bodyPr lIns="90000" tIns="72000" rIns="90000" bIns="72000" rtlCol="0" anchor="ctr"/>
+          <a:lstStyle/>
+          <a:p>
+            <a:pPr marR="0" algn="ctr" defTabSz="914400" eaLnBrk="1" fontAlgn="base" latinLnBrk="0" hangingPunct="1">
+              <a:lnSpc>
+                <a:spcPct val="100000"/>
+              </a:lnSpc>
+              <a:spcBef>
+                <a:spcPct val="50000"/>
+              </a:spcBef>
+              <a:spcAft>
+                <a:spcPct val="0"/>
+              </a:spcAft>
+              <a:buClr>
+                <a:srgbClr val="F0AB00"/>
+              </a:buClr>
+              <a:buSzPct val="80000"/>
+              <a:tabLst/>
+            </a:pPr>
+            <a:endParaRPr kumimoji="0" lang="en-US" sz="1800" b="0" i="0" u="none" strike="noStrike" kern="0" cap="none" spc="0" normalizeH="0" baseline="0" noProof="0" dirty="0" err="1">
+              <a:ln>
+                <a:noFill/>
+              </a:ln>
+              <a:effectLst/>
+              <a:uLnTx/>
+              <a:uFillTx/>
+              <a:ea typeface="Arial Unicode MS" pitchFamily="34" charset="-128"/>
+              <a:cs typeface="Arial Unicode MS" pitchFamily="34" charset="-128"/>
+            </a:endParaRPr>
+          </a:p>
+        </p:txBody>
+      </p:sp>
+      <p:sp>
+        <p:nvSpPr>
+          <p:cNvPr id="17" name="Cloud 16"/>
+          <p:cNvSpPr/>
+          <p:nvPr/>
+        </p:nvSpPr>
+        <p:spPr bwMode="gray">
+          <a:xfrm>
+            <a:off x="4077319" y="1126276"/>
+            <a:ext cx="3382042" cy="914400"/>
+          </a:xfrm>
+          <a:prstGeom prst="cloud">
+            <a:avLst/>
+          </a:prstGeom>
+          <a:solidFill>
+            <a:schemeClr val="accent4"/>
+          </a:solidFill>
+          <a:ln w="6350" algn="ctr">
+            <a:noFill/>
+            <a:miter lim="800000"/>
+            <a:headEnd/>
+            <a:tailEnd/>
+          </a:ln>
+        </p:spPr>
+        <p:txBody>
+          <a:bodyPr lIns="90000" tIns="72000" rIns="90000" bIns="72000" rtlCol="0" anchor="ctr"/>
+          <a:lstStyle/>
+          <a:p>
+            <a:pPr marR="0" algn="ctr" defTabSz="914400" eaLnBrk="1" fontAlgn="base" latinLnBrk="0" hangingPunct="1">
+              <a:lnSpc>
+                <a:spcPct val="100000"/>
+              </a:lnSpc>
+              <a:spcBef>
+                <a:spcPct val="50000"/>
+              </a:spcBef>
+              <a:spcAft>
+                <a:spcPct val="0"/>
+              </a:spcAft>
+              <a:buClr>
+                <a:srgbClr val="F0AB00"/>
+              </a:buClr>
+              <a:buSzPct val="80000"/>
+              <a:tabLst/>
+            </a:pPr>
+            <a:endParaRPr kumimoji="0" lang="en-US" sz="1800" b="0" i="0" u="none" strike="noStrike" kern="0" cap="none" spc="0" normalizeH="0" baseline="0" noProof="0" dirty="0" err="1">
+              <a:ln>
+                <a:noFill/>
+              </a:ln>
+              <a:effectLst/>
+              <a:uLnTx/>
+              <a:uFillTx/>
+              <a:ea typeface="Arial Unicode MS" pitchFamily="34" charset="-128"/>
+              <a:cs typeface="Arial Unicode MS" pitchFamily="34" charset="-128"/>
+            </a:endParaRPr>
+          </a:p>
+        </p:txBody>
+      </p:sp>
+      <p:sp>
+        <p:nvSpPr>
+          <p:cNvPr id="18" name="Arrow: Up-Down 17"/>
+          <p:cNvSpPr/>
+          <p:nvPr/>
+        </p:nvSpPr>
+        <p:spPr bwMode="gray">
+          <a:xfrm>
+            <a:off x="5657231" y="2071898"/>
+            <a:ext cx="222219" cy="845820"/>
+          </a:xfrm>
+          <a:prstGeom prst="upDownArrow">
+            <a:avLst/>
+          </a:prstGeom>
+          <a:solidFill>
+            <a:schemeClr val="accent4"/>
+          </a:solidFill>
+          <a:ln w="6350" algn="ctr">
+            <a:noFill/>
+            <a:miter lim="800000"/>
+            <a:headEnd/>
+            <a:tailEnd/>
+          </a:ln>
+        </p:spPr>
+        <p:txBody>
+          <a:bodyPr lIns="90000" tIns="72000" rIns="90000" bIns="72000" rtlCol="0" anchor="ctr"/>
+          <a:lstStyle/>
+          <a:p>
+            <a:pPr marR="0" algn="ctr" defTabSz="914400" eaLnBrk="1" fontAlgn="base" latinLnBrk="0" hangingPunct="1">
+              <a:lnSpc>
+                <a:spcPct val="100000"/>
+              </a:lnSpc>
+              <a:spcBef>
+                <a:spcPct val="50000"/>
+              </a:spcBef>
+              <a:spcAft>
+                <a:spcPct val="0"/>
+              </a:spcAft>
+              <a:buClr>
+                <a:srgbClr val="F0AB00"/>
+              </a:buClr>
+              <a:buSzPct val="80000"/>
+              <a:tabLst/>
+            </a:pPr>
+            <a:endParaRPr kumimoji="0" lang="en-US" sz="1800" b="0" i="0" u="none" strike="noStrike" kern="0" cap="none" spc="0" normalizeH="0" baseline="0" noProof="0" dirty="0" err="1">
+              <a:ln>
+                <a:noFill/>
+              </a:ln>
+              <a:effectLst/>
+              <a:uLnTx/>
+              <a:uFillTx/>
+              <a:ea typeface="Arial Unicode MS" pitchFamily="34" charset="-128"/>
+              <a:cs typeface="Arial Unicode MS" pitchFamily="34" charset="-128"/>
+            </a:endParaRPr>
+          </a:p>
+        </p:txBody>
+      </p:sp>
     </p:spTree>
+    <p:extLst>
+      <p:ext uri="{BB962C8B-B14F-4D97-AF65-F5344CB8AC3E}">
+        <p14:creationId xmlns:p14="http://schemas.microsoft.com/office/powerpoint/2010/main" val="4085581448"/>
+      </p:ext>
+    </p:extLst>
   </p:cSld>
   <p:clrMapOvr>
     <a:masterClrMapping/>
   </p:clrMapOvr>
-  <p:transition spd="med"/>
 </p:sld>
 </file>
 

--- a/kubernetes/04_networking_services.pptx
+++ b/kubernetes/04_networking_services.pptx
@@ -5,10 +5,10 @@
     <p:sldMasterId id="2147483733" r:id="rId1"/>
   </p:sldMasterIdLst>
   <p:notesMasterIdLst>
-    <p:notesMasterId r:id="rId12"/>
+    <p:notesMasterId r:id="rId13"/>
   </p:notesMasterIdLst>
   <p:handoutMasterIdLst>
-    <p:handoutMasterId r:id="rId13"/>
+    <p:handoutMasterId r:id="rId14"/>
   </p:handoutMasterIdLst>
   <p:sldIdLst>
     <p:sldId id="433" r:id="rId2"/>
@@ -18,9 +18,10 @@
     <p:sldId id="442" r:id="rId6"/>
     <p:sldId id="447" r:id="rId7"/>
     <p:sldId id="448" r:id="rId8"/>
-    <p:sldId id="450" r:id="rId9"/>
-    <p:sldId id="451" r:id="rId10"/>
-    <p:sldId id="265" r:id="rId11"/>
+    <p:sldId id="452" r:id="rId9"/>
+    <p:sldId id="450" r:id="rId10"/>
+    <p:sldId id="451" r:id="rId11"/>
+    <p:sldId id="265" r:id="rId12"/>
   </p:sldIdLst>
   <p:sldSz cx="12195175" cy="6858000"/>
   <p:notesSz cx="6858000" cy="9144000"/>
@@ -543,6 +544,101 @@
       </p:grpSpPr>
       <p:sp>
         <p:nvSpPr>
+          <p:cNvPr id="2" name="Slide Image Placeholder 1"/>
+          <p:cNvSpPr>
+            <a:spLocks noGrp="1" noRot="1" noChangeAspect="1"/>
+          </p:cNvSpPr>
+          <p:nvPr>
+            <p:ph type="sldImg"/>
+          </p:nvPr>
+        </p:nvSpPr>
+        <p:spPr/>
+      </p:sp>
+      <p:sp>
+        <p:nvSpPr>
+          <p:cNvPr id="3" name="Notes Placeholder 2"/>
+          <p:cNvSpPr>
+            <a:spLocks noGrp="1"/>
+          </p:cNvSpPr>
+          <p:nvPr>
+            <p:ph type="body" idx="1"/>
+          </p:nvPr>
+        </p:nvSpPr>
+        <p:spPr/>
+        <p:txBody>
+          <a:bodyPr/>
+          <a:lstStyle/>
+          <a:p>
+            <a:r>
+              <a:rPr lang="en-US" dirty="0"/>
+              <a:t>Demo:</a:t>
+            </a:r>
+            <a:r>
+              <a:rPr lang="en-US" baseline="0" dirty="0"/>
+              <a:t> get a pod + shell session with “</a:t>
+            </a:r>
+            <a:r>
+              <a:rPr lang="en-US" baseline="0" dirty="0" err="1"/>
+              <a:t>kubectl</a:t>
+            </a:r>
+            <a:r>
+              <a:rPr lang="en-US" baseline="0" dirty="0"/>
+              <a:t> run --</a:t>
+            </a:r>
+            <a:r>
+              <a:rPr lang="en-US" baseline="0" dirty="0" err="1"/>
+              <a:t>rm</a:t>
+            </a:r>
+            <a:r>
+              <a:rPr lang="en-US" baseline="0" dirty="0"/>
+              <a:t> -</a:t>
+            </a:r>
+            <a:r>
+              <a:rPr lang="en-US" baseline="0" dirty="0" err="1"/>
+              <a:t>ti</a:t>
+            </a:r>
+            <a:r>
+              <a:rPr lang="en-US" baseline="0" dirty="0"/>
+              <a:t> --image=</a:t>
+            </a:r>
+            <a:r>
+              <a:rPr lang="en-US" baseline="0" dirty="0" err="1"/>
+              <a:t>busybox</a:t>
+            </a:r>
+            <a:r>
+              <a:rPr lang="en-US" baseline="0" dirty="0"/>
+              <a:t> /</a:t>
+            </a:r>
+            <a:r>
+              <a:rPr lang="en-US" baseline="0"/>
+              <a:t>bin/sh</a:t>
+            </a:r>
+            <a:r>
+              <a:rPr lang="en-US" baseline="0" dirty="0"/>
+              <a:t>”; use the DNS name of a service to download an index.html (i.e. “</a:t>
+            </a:r>
+            <a:r>
+              <a:rPr lang="en-US" baseline="0" dirty="0" err="1"/>
+              <a:t>wget</a:t>
+            </a:r>
+            <a:r>
+              <a:rPr lang="en-US" baseline="0" dirty="0"/>
+              <a:t> </a:t>
+            </a:r>
+            <a:r>
+              <a:rPr lang="en-US" baseline="0" dirty="0" err="1"/>
+              <a:t>nginx</a:t>
+            </a:r>
+            <a:r>
+              <a:rPr lang="en-US" baseline="0" dirty="0"/>
+              <a:t>”)</a:t>
+            </a:r>
+            <a:endParaRPr lang="en-US" dirty="0"/>
+          </a:p>
+        </p:txBody>
+      </p:sp>
+      <p:sp>
+        <p:nvSpPr>
           <p:cNvPr id="4" name="Slide Number Placeholder 3"/>
           <p:cNvSpPr>
             <a:spLocks noGrp="1"/>
@@ -559,7 +655,61 @@
             <a:fld id="{7D8C2C35-2B8A-446E-BEC0-FD36716C29AC}" type="slidenum">
               <a:rPr lang="de-DE" smtClean="0"/>
               <a:pPr/>
-              <a:t>10</a:t>
+              <a:t>8</a:t>
+            </a:fld>
+            <a:endParaRPr lang="de-DE" dirty="0"/>
+          </a:p>
+        </p:txBody>
+      </p:sp>
+    </p:spTree>
+    <p:extLst>
+      <p:ext uri="{BB962C8B-B14F-4D97-AF65-F5344CB8AC3E}">
+        <p14:creationId xmlns:p14="http://schemas.microsoft.com/office/powerpoint/2010/main" val="4218195921"/>
+      </p:ext>
+    </p:extLst>
+  </p:cSld>
+  <p:clrMapOvr>
+    <a:masterClrMapping/>
+  </p:clrMapOvr>
+</p:notes>
+</file>
+
+<file path=ppt/notesSlides/notesSlide2.xml><?xml version="1.0" encoding="utf-8"?>
+<p:notes xmlns:a="http://schemas.openxmlformats.org/drawingml/2006/main" xmlns:r="http://schemas.openxmlformats.org/officeDocument/2006/relationships" xmlns:p="http://schemas.openxmlformats.org/presentationml/2006/main">
+  <p:cSld>
+    <p:spTree>
+      <p:nvGrpSpPr>
+        <p:cNvPr id="1" name=""/>
+        <p:cNvGrpSpPr/>
+        <p:nvPr/>
+      </p:nvGrpSpPr>
+      <p:grpSpPr>
+        <a:xfrm>
+          <a:off x="0" y="0"/>
+          <a:ext cx="0" cy="0"/>
+          <a:chOff x="0" y="0"/>
+          <a:chExt cx="0" cy="0"/>
+        </a:xfrm>
+      </p:grpSpPr>
+      <p:sp>
+        <p:nvSpPr>
+          <p:cNvPr id="4" name="Slide Number Placeholder 3"/>
+          <p:cNvSpPr>
+            <a:spLocks noGrp="1"/>
+          </p:cNvSpPr>
+          <p:nvPr>
+            <p:ph type="sldNum" sz="quarter" idx="10"/>
+          </p:nvPr>
+        </p:nvSpPr>
+        <p:spPr/>
+        <p:txBody>
+          <a:bodyPr/>
+          <a:lstStyle/>
+          <a:p>
+            <a:fld id="{7D8C2C35-2B8A-446E-BEC0-FD36716C29AC}" type="slidenum">
+              <a:rPr lang="de-DE" smtClean="0"/>
+              <a:pPr/>
+              <a:t>11</a:t>
             </a:fld>
             <a:endParaRPr lang="de-DE" dirty="0"/>
           </a:p>
@@ -8191,3269 +8341,6 @@
 </file>
 
 <file path=ppt/slides/slide10.xml><?xml version="1.0" encoding="utf-8"?>
-<p:sld xmlns:a="http://schemas.openxmlformats.org/drawingml/2006/main" xmlns:r="http://schemas.openxmlformats.org/officeDocument/2006/relationships" xmlns:p="http://schemas.openxmlformats.org/presentationml/2006/main" show="0">
-  <p:cSld>
-    <p:spTree>
-      <p:nvGrpSpPr>
-        <p:cNvPr id="1" name=""/>
-        <p:cNvGrpSpPr/>
-        <p:nvPr/>
-      </p:nvGrpSpPr>
-      <p:grpSpPr>
-        <a:xfrm>
-          <a:off x="0" y="0"/>
-          <a:ext cx="0" cy="0"/>
-          <a:chOff x="0" y="0"/>
-          <a:chExt cx="0" cy="0"/>
-        </a:xfrm>
-      </p:grpSpPr>
-    </p:spTree>
-  </p:cSld>
-  <p:clrMapOvr>
-    <a:masterClrMapping/>
-  </p:clrMapOvr>
-  <p:transition spd="med"/>
-</p:sld>
-</file>
-
-<file path=ppt/slides/slide2.xml><?xml version="1.0" encoding="utf-8"?>
-<p:sld xmlns:a="http://schemas.openxmlformats.org/drawingml/2006/main" xmlns:r="http://schemas.openxmlformats.org/officeDocument/2006/relationships" xmlns:p="http://schemas.openxmlformats.org/presentationml/2006/main">
-  <p:cSld>
-    <p:spTree>
-      <p:nvGrpSpPr>
-        <p:cNvPr id="1" name=""/>
-        <p:cNvGrpSpPr/>
-        <p:nvPr/>
-      </p:nvGrpSpPr>
-      <p:grpSpPr>
-        <a:xfrm>
-          <a:off x="0" y="0"/>
-          <a:ext cx="0" cy="0"/>
-          <a:chOff x="0" y="0"/>
-          <a:chExt cx="0" cy="0"/>
-        </a:xfrm>
-      </p:grpSpPr>
-      <p:sp>
-        <p:nvSpPr>
-          <p:cNvPr id="5" name="Title 4"/>
-          <p:cNvSpPr>
-            <a:spLocks noGrp="1"/>
-          </p:cNvSpPr>
-          <p:nvPr>
-            <p:ph type="title"/>
-          </p:nvPr>
-        </p:nvSpPr>
-        <p:spPr/>
-        <p:txBody>
-          <a:bodyPr/>
-          <a:lstStyle/>
-          <a:p>
-            <a:r>
-              <a:rPr lang="en-US" dirty="0"/>
-              <a:t>Networking scenarios in </a:t>
-            </a:r>
-            <a:r>
-              <a:rPr lang="en-US" dirty="0" err="1"/>
-              <a:t>Kuberentes</a:t>
-            </a:r>
-            <a:endParaRPr lang="en-US" dirty="0"/>
-          </a:p>
-        </p:txBody>
-      </p:sp>
-      <p:sp>
-        <p:nvSpPr>
-          <p:cNvPr id="8" name="Rectangle 7"/>
-          <p:cNvSpPr/>
-          <p:nvPr/>
-        </p:nvSpPr>
-        <p:spPr>
-          <a:xfrm>
-            <a:off x="504000" y="1449619"/>
-            <a:ext cx="10590719" cy="2677656"/>
-          </a:xfrm>
-          <a:prstGeom prst="rect">
-            <a:avLst/>
-          </a:prstGeom>
-        </p:spPr>
-        <p:txBody>
-          <a:bodyPr wrap="square">
-            <a:spAutoFit/>
-          </a:bodyPr>
-          <a:lstStyle/>
-          <a:p>
-            <a:pPr marL="457200" indent="-457200">
-              <a:buFont typeface="+mj-lt"/>
-              <a:buAutoNum type="arabicPeriod"/>
-            </a:pPr>
-            <a:r>
-              <a:rPr lang="en-US" dirty="0"/>
-              <a:t>Highly-coupled container-to-container communications: this is solved by pods and localhost communications.</a:t>
-            </a:r>
-          </a:p>
-          <a:p>
-            <a:pPr marL="457200" indent="-457200">
-              <a:buFont typeface="+mj-lt"/>
-              <a:buAutoNum type="arabicPeriod"/>
-            </a:pPr>
-            <a:endParaRPr lang="en-US" dirty="0"/>
-          </a:p>
-          <a:p>
-            <a:pPr marL="457200" indent="-457200">
-              <a:buFont typeface="+mj-lt"/>
-              <a:buAutoNum type="arabicPeriod"/>
-            </a:pPr>
-            <a:r>
-              <a:rPr lang="en-US" dirty="0"/>
-              <a:t>Pod-to-Pod communications: served by overlay network. </a:t>
-            </a:r>
-          </a:p>
-          <a:p>
-            <a:pPr marL="457200" indent="-457200">
-              <a:buFont typeface="+mj-lt"/>
-              <a:buAutoNum type="arabicPeriod"/>
-            </a:pPr>
-            <a:endParaRPr lang="en-US" dirty="0"/>
-          </a:p>
-          <a:p>
-            <a:pPr marL="457200" indent="-457200">
-              <a:buFont typeface="+mj-lt"/>
-              <a:buAutoNum type="arabicPeriod"/>
-            </a:pPr>
-            <a:r>
-              <a:rPr lang="en-US" dirty="0"/>
-              <a:t>Pod-to-Service communications: this is covered by services.</a:t>
-            </a:r>
-          </a:p>
-          <a:p>
-            <a:pPr marL="457200" indent="-457200">
-              <a:buFont typeface="+mj-lt"/>
-              <a:buAutoNum type="arabicPeriod"/>
-            </a:pPr>
-            <a:endParaRPr lang="en-US" dirty="0"/>
-          </a:p>
-          <a:p>
-            <a:pPr marL="457200" indent="-457200">
-              <a:buFont typeface="+mj-lt"/>
-              <a:buAutoNum type="arabicPeriod"/>
-            </a:pPr>
-            <a:r>
-              <a:rPr lang="en-US" dirty="0"/>
-              <a:t>External-to-Service communications: this is covered by services.</a:t>
-            </a:r>
-          </a:p>
-        </p:txBody>
-      </p:sp>
-    </p:spTree>
-    <p:extLst>
-      <p:ext uri="{BB962C8B-B14F-4D97-AF65-F5344CB8AC3E}">
-        <p14:creationId xmlns:p14="http://schemas.microsoft.com/office/powerpoint/2010/main" val="1320105370"/>
-      </p:ext>
-    </p:extLst>
-  </p:cSld>
-  <p:clrMapOvr>
-    <a:masterClrMapping/>
-  </p:clrMapOvr>
-</p:sld>
-</file>
-
-<file path=ppt/slides/slide3.xml><?xml version="1.0" encoding="utf-8"?>
-<p:sld xmlns:a="http://schemas.openxmlformats.org/drawingml/2006/main" xmlns:r="http://schemas.openxmlformats.org/officeDocument/2006/relationships" xmlns:p="http://schemas.openxmlformats.org/presentationml/2006/main">
-  <p:cSld>
-    <p:spTree>
-      <p:nvGrpSpPr>
-        <p:cNvPr id="1" name=""/>
-        <p:cNvGrpSpPr/>
-        <p:nvPr/>
-      </p:nvGrpSpPr>
-      <p:grpSpPr>
-        <a:xfrm>
-          <a:off x="0" y="0"/>
-          <a:ext cx="0" cy="0"/>
-          <a:chOff x="0" y="0"/>
-          <a:chExt cx="0" cy="0"/>
-        </a:xfrm>
-      </p:grpSpPr>
-      <p:sp>
-        <p:nvSpPr>
-          <p:cNvPr id="27" name="Rectangle 26"/>
-          <p:cNvSpPr/>
-          <p:nvPr/>
-        </p:nvSpPr>
-        <p:spPr bwMode="gray">
-          <a:xfrm>
-            <a:off x="7598228" y="4676503"/>
-            <a:ext cx="2111829" cy="1785256"/>
-          </a:xfrm>
-          <a:prstGeom prst="rect">
-            <a:avLst/>
-          </a:prstGeom>
-          <a:ln>
-            <a:headEnd/>
-            <a:tailEnd/>
-          </a:ln>
-        </p:spPr>
-        <p:style>
-          <a:lnRef idx="2">
-            <a:schemeClr val="accent2"/>
-          </a:lnRef>
-          <a:fillRef idx="1">
-            <a:schemeClr val="lt1"/>
-          </a:fillRef>
-          <a:effectRef idx="0">
-            <a:schemeClr val="accent2"/>
-          </a:effectRef>
-          <a:fontRef idx="minor">
-            <a:schemeClr val="dk1"/>
-          </a:fontRef>
-        </p:style>
-        <p:txBody>
-          <a:bodyPr lIns="90000" tIns="72000" rIns="90000" bIns="72000" rtlCol="0" anchor="t"/>
-          <a:lstStyle/>
-          <a:p>
-            <a:pPr algn="ctr" defTabSz="914400" fontAlgn="base">
-              <a:spcBef>
-                <a:spcPct val="50000"/>
-              </a:spcBef>
-              <a:spcAft>
-                <a:spcPct val="0"/>
-              </a:spcAft>
-              <a:buClr>
-                <a:srgbClr val="F0AB00"/>
-              </a:buClr>
-              <a:buSzPct val="80000"/>
-            </a:pPr>
-            <a:r>
-              <a:rPr lang="en-US" sz="1800" b="1" kern="0" dirty="0">
-                <a:ea typeface="Arial Unicode MS" pitchFamily="34" charset="-128"/>
-                <a:cs typeface="Arial Unicode MS" pitchFamily="34" charset="-128"/>
-              </a:rPr>
-              <a:t>Node B</a:t>
-            </a:r>
-            <a:endParaRPr kumimoji="0" lang="en-US" sz="1800" b="0" i="0" u="none" strike="noStrike" kern="0" cap="none" spc="0" normalizeH="0" baseline="0" noProof="0" dirty="0" err="1">
-              <a:ln>
-                <a:noFill/>
-              </a:ln>
-              <a:effectLst/>
-              <a:uLnTx/>
-              <a:uFillTx/>
-              <a:ea typeface="Arial Unicode MS" pitchFamily="34" charset="-128"/>
-              <a:cs typeface="Arial Unicode MS" pitchFamily="34" charset="-128"/>
-            </a:endParaRPr>
-          </a:p>
-        </p:txBody>
-      </p:sp>
-      <p:sp>
-        <p:nvSpPr>
-          <p:cNvPr id="24" name="Title 23"/>
-          <p:cNvSpPr>
-            <a:spLocks noGrp="1"/>
-          </p:cNvSpPr>
-          <p:nvPr>
-            <p:ph type="title"/>
-          </p:nvPr>
-        </p:nvSpPr>
-        <p:spPr>
-          <a:xfrm>
-            <a:off x="504001" y="504000"/>
-            <a:ext cx="11186476" cy="369332"/>
-          </a:xfrm>
-        </p:spPr>
-        <p:txBody>
-          <a:bodyPr/>
-          <a:lstStyle/>
-          <a:p>
-            <a:r>
-              <a:rPr lang="en-US" dirty="0"/>
-              <a:t>Pod communication</a:t>
-            </a:r>
-          </a:p>
-        </p:txBody>
-      </p:sp>
-      <p:sp>
-        <p:nvSpPr>
-          <p:cNvPr id="4" name="Rectangle 3"/>
-          <p:cNvSpPr/>
-          <p:nvPr/>
-        </p:nvSpPr>
-        <p:spPr bwMode="gray">
-          <a:xfrm>
-            <a:off x="2629988" y="4676503"/>
-            <a:ext cx="4868092" cy="1785256"/>
-          </a:xfrm>
-          <a:prstGeom prst="rect">
-            <a:avLst/>
-          </a:prstGeom>
-          <a:ln>
-            <a:headEnd/>
-            <a:tailEnd/>
-          </a:ln>
-        </p:spPr>
-        <p:style>
-          <a:lnRef idx="2">
-            <a:schemeClr val="accent2"/>
-          </a:lnRef>
-          <a:fillRef idx="1">
-            <a:schemeClr val="lt1"/>
-          </a:fillRef>
-          <a:effectRef idx="0">
-            <a:schemeClr val="accent2"/>
-          </a:effectRef>
-          <a:fontRef idx="minor">
-            <a:schemeClr val="dk1"/>
-          </a:fontRef>
-        </p:style>
-        <p:txBody>
-          <a:bodyPr lIns="90000" tIns="72000" rIns="90000" bIns="72000" rtlCol="0" anchor="t"/>
-          <a:lstStyle/>
-          <a:p>
-            <a:pPr marR="0" algn="ctr" defTabSz="914400" eaLnBrk="1" fontAlgn="base" latinLnBrk="0" hangingPunct="1">
-              <a:lnSpc>
-                <a:spcPct val="100000"/>
-              </a:lnSpc>
-              <a:spcBef>
-                <a:spcPct val="50000"/>
-              </a:spcBef>
-              <a:spcAft>
-                <a:spcPct val="0"/>
-              </a:spcAft>
-              <a:buClr>
-                <a:srgbClr val="F0AB00"/>
-              </a:buClr>
-              <a:buSzPct val="80000"/>
-              <a:tabLst/>
-            </a:pPr>
-            <a:r>
-              <a:rPr kumimoji="0" lang="en-US" sz="1800" b="1" i="0" u="none" strike="noStrike" kern="0" cap="none" spc="0" normalizeH="0" baseline="0" noProof="0" dirty="0">
-                <a:ln>
-                  <a:noFill/>
-                </a:ln>
-                <a:effectLst/>
-                <a:uLnTx/>
-                <a:uFillTx/>
-                <a:ea typeface="Arial Unicode MS" pitchFamily="34" charset="-128"/>
-                <a:cs typeface="Arial Unicode MS" pitchFamily="34" charset="-128"/>
-              </a:rPr>
-              <a:t>Node A</a:t>
-            </a:r>
-          </a:p>
-        </p:txBody>
-      </p:sp>
-      <p:grpSp>
-        <p:nvGrpSpPr>
-          <p:cNvPr id="6" name="Group 5"/>
-          <p:cNvGrpSpPr/>
-          <p:nvPr/>
-        </p:nvGrpSpPr>
-        <p:grpSpPr>
-          <a:xfrm>
-            <a:off x="2952789" y="5306984"/>
-            <a:ext cx="6271481" cy="773906"/>
-            <a:chOff x="2386981" y="4488375"/>
-            <a:chExt cx="6271481" cy="773906"/>
-          </a:xfrm>
-        </p:grpSpPr>
-        <p:sp>
-          <p:nvSpPr>
-            <p:cNvPr id="42" name="Rectangle 41"/>
-            <p:cNvSpPr/>
-            <p:nvPr/>
-          </p:nvSpPr>
-          <p:spPr bwMode="gray">
-            <a:xfrm>
-              <a:off x="2386981" y="4488375"/>
-              <a:ext cx="1208595" cy="773906"/>
-            </a:xfrm>
-            <a:prstGeom prst="rect">
-              <a:avLst/>
-            </a:prstGeom>
-            <a:ln>
-              <a:headEnd/>
-              <a:tailEnd/>
-            </a:ln>
-          </p:spPr>
-          <p:style>
-            <a:lnRef idx="2">
-              <a:schemeClr val="accent2">
-                <a:shade val="50000"/>
-              </a:schemeClr>
-            </a:lnRef>
-            <a:fillRef idx="1">
-              <a:schemeClr val="accent2"/>
-            </a:fillRef>
-            <a:effectRef idx="0">
-              <a:schemeClr val="accent2"/>
-            </a:effectRef>
-            <a:fontRef idx="minor">
-              <a:schemeClr val="lt1"/>
-            </a:fontRef>
-          </p:style>
-          <p:txBody>
-            <a:bodyPr lIns="90000" tIns="72000" rIns="90000" bIns="72000" rtlCol="0" anchor="ctr"/>
-            <a:lstStyle/>
-            <a:p>
-              <a:pPr marR="0" algn="ctr" defTabSz="914400" eaLnBrk="1" fontAlgn="base" latinLnBrk="0" hangingPunct="1">
-                <a:lnSpc>
-                  <a:spcPct val="100000"/>
-                </a:lnSpc>
-                <a:spcBef>
-                  <a:spcPct val="50000"/>
-                </a:spcBef>
-                <a:spcAft>
-                  <a:spcPct val="0"/>
-                </a:spcAft>
-                <a:buClr>
-                  <a:srgbClr val="F0AB00"/>
-                </a:buClr>
-                <a:buSzPct val="80000"/>
-                <a:tabLst/>
-              </a:pPr>
-              <a:r>
-                <a:rPr lang="de-DE" sz="1600" b="1" kern="0" noProof="0" dirty="0" err="1">
-                  <a:ea typeface="Arial Unicode MS" pitchFamily="34" charset="-128"/>
-                  <a:cs typeface="Arial Unicode MS" pitchFamily="34" charset="-128"/>
-                </a:rPr>
-                <a:t>Pod</a:t>
-              </a:r>
-              <a:endParaRPr kumimoji="0" lang="de-DE" sz="1600" b="1" i="0" u="none" strike="noStrike" kern="0" cap="none" spc="0" normalizeH="0" baseline="0" noProof="0" dirty="0">
-                <a:ln>
-                  <a:noFill/>
-                </a:ln>
-                <a:effectLst/>
-                <a:uLnTx/>
-                <a:uFillTx/>
-                <a:ea typeface="Arial Unicode MS" pitchFamily="34" charset="-128"/>
-                <a:cs typeface="Arial Unicode MS" pitchFamily="34" charset="-128"/>
-              </a:endParaRPr>
-            </a:p>
-          </p:txBody>
-        </p:sp>
-        <p:sp>
-          <p:nvSpPr>
-            <p:cNvPr id="11" name="Rectangle 10"/>
-            <p:cNvSpPr/>
-            <p:nvPr/>
-          </p:nvSpPr>
-          <p:spPr bwMode="gray">
-            <a:xfrm>
-              <a:off x="4918424" y="4488375"/>
-              <a:ext cx="1208595" cy="773906"/>
-            </a:xfrm>
-            <a:prstGeom prst="rect">
-              <a:avLst/>
-            </a:prstGeom>
-            <a:ln>
-              <a:headEnd/>
-              <a:tailEnd/>
-            </a:ln>
-          </p:spPr>
-          <p:style>
-            <a:lnRef idx="2">
-              <a:schemeClr val="accent2">
-                <a:shade val="50000"/>
-              </a:schemeClr>
-            </a:lnRef>
-            <a:fillRef idx="1">
-              <a:schemeClr val="accent2"/>
-            </a:fillRef>
-            <a:effectRef idx="0">
-              <a:schemeClr val="accent2"/>
-            </a:effectRef>
-            <a:fontRef idx="minor">
-              <a:schemeClr val="lt1"/>
-            </a:fontRef>
-          </p:style>
-          <p:txBody>
-            <a:bodyPr lIns="90000" tIns="72000" rIns="90000" bIns="72000" rtlCol="0" anchor="ctr"/>
-            <a:lstStyle/>
-            <a:p>
-              <a:pPr marR="0" algn="ctr" defTabSz="914400" eaLnBrk="1" fontAlgn="base" latinLnBrk="0" hangingPunct="1">
-                <a:lnSpc>
-                  <a:spcPct val="100000"/>
-                </a:lnSpc>
-                <a:spcBef>
-                  <a:spcPct val="50000"/>
-                </a:spcBef>
-                <a:spcAft>
-                  <a:spcPct val="0"/>
-                </a:spcAft>
-                <a:buClr>
-                  <a:srgbClr val="F0AB00"/>
-                </a:buClr>
-                <a:buSzPct val="80000"/>
-                <a:tabLst/>
-              </a:pPr>
-              <a:r>
-                <a:rPr lang="de-DE" sz="1600" b="1" kern="0" noProof="0" dirty="0" err="1">
-                  <a:ea typeface="Arial Unicode MS" pitchFamily="34" charset="-128"/>
-                  <a:cs typeface="Arial Unicode MS" pitchFamily="34" charset="-128"/>
-                </a:rPr>
-                <a:t>Pod</a:t>
-              </a:r>
-              <a:endParaRPr kumimoji="0" lang="de-DE" sz="1600" b="1" i="0" u="none" strike="noStrike" kern="0" cap="none" spc="0" normalizeH="0" baseline="0" noProof="0" dirty="0">
-                <a:ln>
-                  <a:noFill/>
-                </a:ln>
-                <a:effectLst/>
-                <a:uLnTx/>
-                <a:uFillTx/>
-                <a:ea typeface="Arial Unicode MS" pitchFamily="34" charset="-128"/>
-                <a:cs typeface="Arial Unicode MS" pitchFamily="34" charset="-128"/>
-              </a:endParaRPr>
-            </a:p>
-          </p:txBody>
-        </p:sp>
-        <p:sp>
-          <p:nvSpPr>
-            <p:cNvPr id="15" name="Rectangle 14"/>
-            <p:cNvSpPr/>
-            <p:nvPr/>
-          </p:nvSpPr>
-          <p:spPr bwMode="gray">
-            <a:xfrm>
-              <a:off x="7449867" y="4488375"/>
-              <a:ext cx="1208595" cy="773906"/>
-            </a:xfrm>
-            <a:prstGeom prst="rect">
-              <a:avLst/>
-            </a:prstGeom>
-            <a:ln>
-              <a:headEnd/>
-              <a:tailEnd/>
-            </a:ln>
-          </p:spPr>
-          <p:style>
-            <a:lnRef idx="2">
-              <a:schemeClr val="accent2">
-                <a:shade val="50000"/>
-              </a:schemeClr>
-            </a:lnRef>
-            <a:fillRef idx="1">
-              <a:schemeClr val="accent2"/>
-            </a:fillRef>
-            <a:effectRef idx="0">
-              <a:schemeClr val="accent2"/>
-            </a:effectRef>
-            <a:fontRef idx="minor">
-              <a:schemeClr val="lt1"/>
-            </a:fontRef>
-          </p:style>
-          <p:txBody>
-            <a:bodyPr lIns="90000" tIns="72000" rIns="90000" bIns="72000" rtlCol="0" anchor="ctr"/>
-            <a:lstStyle/>
-            <a:p>
-              <a:pPr marR="0" algn="ctr" defTabSz="914400" eaLnBrk="1" fontAlgn="base" latinLnBrk="0" hangingPunct="1">
-                <a:lnSpc>
-                  <a:spcPct val="100000"/>
-                </a:lnSpc>
-                <a:spcBef>
-                  <a:spcPct val="50000"/>
-                </a:spcBef>
-                <a:spcAft>
-                  <a:spcPct val="0"/>
-                </a:spcAft>
-                <a:buClr>
-                  <a:srgbClr val="F0AB00"/>
-                </a:buClr>
-                <a:buSzPct val="80000"/>
-                <a:tabLst/>
-              </a:pPr>
-              <a:r>
-                <a:rPr lang="de-DE" sz="1600" b="1" kern="0" noProof="0" dirty="0" err="1">
-                  <a:ea typeface="Arial Unicode MS" pitchFamily="34" charset="-128"/>
-                  <a:cs typeface="Arial Unicode MS" pitchFamily="34" charset="-128"/>
-                </a:rPr>
-                <a:t>Pod</a:t>
-              </a:r>
-              <a:endParaRPr kumimoji="0" lang="de-DE" sz="1600" b="1" i="0" u="none" strike="noStrike" kern="0" cap="none" spc="0" normalizeH="0" baseline="0" noProof="0" dirty="0">
-                <a:ln>
-                  <a:noFill/>
-                </a:ln>
-                <a:effectLst/>
-                <a:uLnTx/>
-                <a:uFillTx/>
-                <a:ea typeface="Arial Unicode MS" pitchFamily="34" charset="-128"/>
-                <a:cs typeface="Arial Unicode MS" pitchFamily="34" charset="-128"/>
-              </a:endParaRPr>
-            </a:p>
-          </p:txBody>
-        </p:sp>
-      </p:grpSp>
-      <p:sp>
-        <p:nvSpPr>
-          <p:cNvPr id="22" name="Rectangle 21"/>
-          <p:cNvSpPr/>
-          <p:nvPr/>
-        </p:nvSpPr>
-        <p:spPr>
-          <a:xfrm>
-            <a:off x="504000" y="1223190"/>
-            <a:ext cx="10590719" cy="3323987"/>
-          </a:xfrm>
-          <a:prstGeom prst="rect">
-            <a:avLst/>
-          </a:prstGeom>
-        </p:spPr>
-        <p:txBody>
-          <a:bodyPr wrap="square">
-            <a:spAutoFit/>
-          </a:bodyPr>
-          <a:lstStyle/>
-          <a:p>
-            <a:pPr marL="342900" indent="-342900">
-              <a:buFont typeface="Wingdings" panose="05000000000000000000" pitchFamily="2" charset="2"/>
-              <a:buChar char="§"/>
-            </a:pPr>
-            <a:r>
-              <a:rPr lang="en-US" dirty="0"/>
-              <a:t>Docker </a:t>
-            </a:r>
-          </a:p>
-          <a:p>
-            <a:pPr marL="887288" lvl="1" indent="-342900">
-              <a:buFont typeface="Wingdings" panose="05000000000000000000" pitchFamily="2" charset="2"/>
-              <a:buChar char="§"/>
-            </a:pPr>
-            <a:r>
-              <a:rPr lang="en-US" dirty="0"/>
-              <a:t>bridge into host network &amp; local subnet per host</a:t>
-            </a:r>
-          </a:p>
-          <a:p>
-            <a:pPr marL="887288" lvl="1" indent="-342900">
-              <a:buFont typeface="Wingdings" panose="05000000000000000000" pitchFamily="2" charset="2"/>
-              <a:buChar char="§"/>
-            </a:pPr>
-            <a:r>
-              <a:rPr lang="en-US" dirty="0"/>
-              <a:t>host port mapping required to communicate with container on different host</a:t>
-            </a:r>
-          </a:p>
-          <a:p>
-            <a:pPr marL="342900" indent="-342900">
-              <a:buFont typeface="Wingdings" panose="05000000000000000000" pitchFamily="2" charset="2"/>
-              <a:buChar char="§"/>
-            </a:pPr>
-            <a:r>
-              <a:rPr lang="en-US" dirty="0"/>
-              <a:t>Kubernetes – need to communicate regardless of host</a:t>
-            </a:r>
-          </a:p>
-          <a:p>
-            <a:pPr marL="342900" indent="-342900">
-              <a:buFont typeface="Wingdings" panose="05000000000000000000" pitchFamily="2" charset="2"/>
-              <a:buChar char="§"/>
-            </a:pPr>
-            <a:r>
-              <a:rPr lang="en-US" dirty="0"/>
-              <a:t>Solution: </a:t>
-            </a:r>
-          </a:p>
-          <a:p>
-            <a:pPr marL="887288" lvl="1" indent="-342900">
-              <a:buFont typeface="Wingdings" panose="05000000000000000000" pitchFamily="2" charset="2"/>
-              <a:buChar char="§"/>
-            </a:pPr>
-            <a:r>
-              <a:rPr lang="en-US" dirty="0"/>
-              <a:t>one subnet for cluster</a:t>
-            </a:r>
-          </a:p>
-          <a:p>
-            <a:pPr marL="887288" lvl="1" indent="-342900">
-              <a:buFont typeface="Wingdings" panose="05000000000000000000" pitchFamily="2" charset="2"/>
-              <a:buChar char="§"/>
-            </a:pPr>
-            <a:r>
-              <a:rPr lang="en-US" dirty="0"/>
-              <a:t>every pod gets an unique IP from subnet range</a:t>
-            </a:r>
-          </a:p>
-          <a:p>
-            <a:pPr marL="887288" lvl="1" indent="-342900">
-              <a:buFont typeface="Wingdings" panose="05000000000000000000" pitchFamily="2" charset="2"/>
-              <a:buChar char="§"/>
-            </a:pPr>
-            <a:r>
-              <a:rPr lang="en-US" dirty="0"/>
-              <a:t>All containers in a pod share network namespace (=&gt; get same IP) and communicate via localhost interface with each other</a:t>
-            </a:r>
-          </a:p>
-          <a:p>
-            <a:pPr marL="887288" lvl="1" indent="-342900">
-              <a:buFont typeface="Wingdings" panose="05000000000000000000" pitchFamily="2" charset="2"/>
-              <a:buChar char="§"/>
-            </a:pPr>
-            <a:r>
-              <a:rPr lang="en-US" dirty="0"/>
-              <a:t>Benefits: no port mapping, every pod can expose default ports (e.g. 80, 443)</a:t>
-            </a:r>
-          </a:p>
-        </p:txBody>
-      </p:sp>
-      <p:cxnSp>
-        <p:nvCxnSpPr>
-          <p:cNvPr id="9" name="Straight Arrow Connector 8"/>
-          <p:cNvCxnSpPr>
-            <a:stCxn id="11" idx="1"/>
-            <a:endCxn id="42" idx="3"/>
-          </p:cNvCxnSpPr>
-          <p:nvPr/>
-        </p:nvCxnSpPr>
-        <p:spPr>
-          <a:xfrm flipH="1">
-            <a:off x="4161384" y="5693937"/>
-            <a:ext cx="1322848" cy="0"/>
-          </a:xfrm>
-          <a:prstGeom prst="straightConnector1">
-            <a:avLst/>
-          </a:prstGeom>
-          <a:ln w="57150">
-            <a:headEnd type="none" w="med" len="med"/>
-            <a:tailEnd type="triangle"/>
-          </a:ln>
-        </p:spPr>
-        <p:style>
-          <a:lnRef idx="2">
-            <a:schemeClr val="accent2"/>
-          </a:lnRef>
-          <a:fillRef idx="0">
-            <a:schemeClr val="accent2"/>
-          </a:fillRef>
-          <a:effectRef idx="1">
-            <a:schemeClr val="accent2"/>
-          </a:effectRef>
-          <a:fontRef idx="minor">
-            <a:schemeClr val="tx1"/>
-          </a:fontRef>
-        </p:style>
-      </p:cxnSp>
-      <p:cxnSp>
-        <p:nvCxnSpPr>
-          <p:cNvPr id="25" name="Straight Arrow Connector 24"/>
-          <p:cNvCxnSpPr>
-            <a:endCxn id="15" idx="1"/>
-          </p:cNvCxnSpPr>
-          <p:nvPr/>
-        </p:nvCxnSpPr>
-        <p:spPr>
-          <a:xfrm>
-            <a:off x="6692827" y="5693937"/>
-            <a:ext cx="1322848" cy="0"/>
-          </a:xfrm>
-          <a:prstGeom prst="straightConnector1">
-            <a:avLst/>
-          </a:prstGeom>
-          <a:ln w="57150">
-            <a:headEnd type="none" w="med" len="med"/>
-            <a:tailEnd type="triangle"/>
-          </a:ln>
-        </p:spPr>
-        <p:style>
-          <a:lnRef idx="2">
-            <a:schemeClr val="accent2"/>
-          </a:lnRef>
-          <a:fillRef idx="0">
-            <a:schemeClr val="accent2"/>
-          </a:fillRef>
-          <a:effectRef idx="1">
-            <a:schemeClr val="accent2"/>
-          </a:effectRef>
-          <a:fontRef idx="minor">
-            <a:schemeClr val="tx1"/>
-          </a:fontRef>
-        </p:style>
-      </p:cxnSp>
-      <p:sp>
-        <p:nvSpPr>
-          <p:cNvPr id="28" name="Rectangle 27"/>
-          <p:cNvSpPr/>
-          <p:nvPr/>
-        </p:nvSpPr>
-        <p:spPr bwMode="gray">
-          <a:xfrm>
-            <a:off x="2734126" y="5089923"/>
-            <a:ext cx="1645920" cy="365760"/>
-          </a:xfrm>
-          <a:prstGeom prst="rect">
-            <a:avLst/>
-          </a:prstGeom>
-          <a:ln>
-            <a:headEnd/>
-            <a:tailEnd/>
-          </a:ln>
-        </p:spPr>
-        <p:style>
-          <a:lnRef idx="2">
-            <a:schemeClr val="accent2"/>
-          </a:lnRef>
-          <a:fillRef idx="1">
-            <a:schemeClr val="lt1"/>
-          </a:fillRef>
-          <a:effectRef idx="0">
-            <a:schemeClr val="accent2"/>
-          </a:effectRef>
-          <a:fontRef idx="minor">
-            <a:schemeClr val="dk1"/>
-          </a:fontRef>
-        </p:style>
-        <p:txBody>
-          <a:bodyPr lIns="90000" tIns="72000" rIns="90000" bIns="72000" rtlCol="0" anchor="ctr"/>
-          <a:lstStyle/>
-          <a:p>
-            <a:pPr marR="0" algn="ctr" defTabSz="914400" eaLnBrk="1" fontAlgn="base" latinLnBrk="0" hangingPunct="1">
-              <a:lnSpc>
-                <a:spcPct val="100000"/>
-              </a:lnSpc>
-              <a:spcBef>
-                <a:spcPct val="50000"/>
-              </a:spcBef>
-              <a:spcAft>
-                <a:spcPct val="0"/>
-              </a:spcAft>
-              <a:buClr>
-                <a:srgbClr val="F0AB00"/>
-              </a:buClr>
-              <a:buSzPct val="80000"/>
-              <a:tabLst/>
-            </a:pPr>
-            <a:r>
-              <a:rPr kumimoji="0" lang="de-DE" sz="1800" b="0" i="0" u="none" strike="noStrike" kern="0" cap="none" spc="0" normalizeH="0" baseline="0" noProof="0" dirty="0">
-                <a:ln>
-                  <a:noFill/>
-                </a:ln>
-                <a:effectLst/>
-                <a:uLnTx/>
-                <a:uFillTx/>
-                <a:ea typeface="Arial Unicode MS" pitchFamily="34" charset="-128"/>
-                <a:cs typeface="Arial Unicode MS" pitchFamily="34" charset="-128"/>
-              </a:rPr>
-              <a:t>IP: 10.10.10.1</a:t>
-            </a:r>
-          </a:p>
-        </p:txBody>
-      </p:sp>
-      <p:sp>
-        <p:nvSpPr>
-          <p:cNvPr id="29" name="Rectangle 28"/>
-          <p:cNvSpPr/>
-          <p:nvPr/>
-        </p:nvSpPr>
-        <p:spPr bwMode="gray">
-          <a:xfrm>
-            <a:off x="5274279" y="5084426"/>
-            <a:ext cx="1645920" cy="365760"/>
-          </a:xfrm>
-          <a:prstGeom prst="rect">
-            <a:avLst/>
-          </a:prstGeom>
-          <a:ln>
-            <a:headEnd/>
-            <a:tailEnd/>
-          </a:ln>
-        </p:spPr>
-        <p:style>
-          <a:lnRef idx="2">
-            <a:schemeClr val="accent2"/>
-          </a:lnRef>
-          <a:fillRef idx="1">
-            <a:schemeClr val="lt1"/>
-          </a:fillRef>
-          <a:effectRef idx="0">
-            <a:schemeClr val="accent2"/>
-          </a:effectRef>
-          <a:fontRef idx="minor">
-            <a:schemeClr val="dk1"/>
-          </a:fontRef>
-        </p:style>
-        <p:txBody>
-          <a:bodyPr lIns="90000" tIns="72000" rIns="90000" bIns="72000" rtlCol="0" anchor="ctr"/>
-          <a:lstStyle/>
-          <a:p>
-            <a:pPr marR="0" algn="ctr" defTabSz="914400" eaLnBrk="1" fontAlgn="base" latinLnBrk="0" hangingPunct="1">
-              <a:lnSpc>
-                <a:spcPct val="100000"/>
-              </a:lnSpc>
-              <a:spcBef>
-                <a:spcPct val="50000"/>
-              </a:spcBef>
-              <a:spcAft>
-                <a:spcPct val="0"/>
-              </a:spcAft>
-              <a:buClr>
-                <a:srgbClr val="F0AB00"/>
-              </a:buClr>
-              <a:buSzPct val="80000"/>
-              <a:tabLst/>
-            </a:pPr>
-            <a:r>
-              <a:rPr kumimoji="0" lang="de-DE" sz="1800" b="0" i="0" u="none" strike="noStrike" kern="0" cap="none" spc="0" normalizeH="0" baseline="0" noProof="0" dirty="0">
-                <a:ln>
-                  <a:noFill/>
-                </a:ln>
-                <a:effectLst/>
-                <a:uLnTx/>
-                <a:uFillTx/>
-                <a:ea typeface="Arial Unicode MS" pitchFamily="34" charset="-128"/>
-                <a:cs typeface="Arial Unicode MS" pitchFamily="34" charset="-128"/>
-              </a:rPr>
-              <a:t>IP: 10.10.10.2</a:t>
-            </a:r>
-          </a:p>
-        </p:txBody>
-      </p:sp>
-      <p:sp>
-        <p:nvSpPr>
-          <p:cNvPr id="30" name="Rectangle 29"/>
-          <p:cNvSpPr/>
-          <p:nvPr/>
-        </p:nvSpPr>
-        <p:spPr bwMode="gray">
-          <a:xfrm>
-            <a:off x="7831182" y="5084426"/>
-            <a:ext cx="1645920" cy="365760"/>
-          </a:xfrm>
-          <a:prstGeom prst="rect">
-            <a:avLst/>
-          </a:prstGeom>
-          <a:ln>
-            <a:headEnd/>
-            <a:tailEnd/>
-          </a:ln>
-        </p:spPr>
-        <p:style>
-          <a:lnRef idx="2">
-            <a:schemeClr val="accent2"/>
-          </a:lnRef>
-          <a:fillRef idx="1">
-            <a:schemeClr val="lt1"/>
-          </a:fillRef>
-          <a:effectRef idx="0">
-            <a:schemeClr val="accent2"/>
-          </a:effectRef>
-          <a:fontRef idx="minor">
-            <a:schemeClr val="dk1"/>
-          </a:fontRef>
-        </p:style>
-        <p:txBody>
-          <a:bodyPr lIns="90000" tIns="72000" rIns="90000" bIns="72000" rtlCol="0" anchor="ctr"/>
-          <a:lstStyle/>
-          <a:p>
-            <a:pPr marR="0" algn="ctr" defTabSz="914400" eaLnBrk="1" fontAlgn="base" latinLnBrk="0" hangingPunct="1">
-              <a:lnSpc>
-                <a:spcPct val="100000"/>
-              </a:lnSpc>
-              <a:spcBef>
-                <a:spcPct val="50000"/>
-              </a:spcBef>
-              <a:spcAft>
-                <a:spcPct val="0"/>
-              </a:spcAft>
-              <a:buClr>
-                <a:srgbClr val="F0AB00"/>
-              </a:buClr>
-              <a:buSzPct val="80000"/>
-              <a:tabLst/>
-            </a:pPr>
-            <a:r>
-              <a:rPr kumimoji="0" lang="de-DE" sz="1800" b="0" i="0" u="none" strike="noStrike" kern="0" cap="none" spc="0" normalizeH="0" baseline="0" noProof="0" dirty="0">
-                <a:ln>
-                  <a:noFill/>
-                </a:ln>
-                <a:effectLst/>
-                <a:uLnTx/>
-                <a:uFillTx/>
-                <a:ea typeface="Arial Unicode MS" pitchFamily="34" charset="-128"/>
-                <a:cs typeface="Arial Unicode MS" pitchFamily="34" charset="-128"/>
-              </a:rPr>
-              <a:t>IP: 10.10.10.3</a:t>
-            </a:r>
-          </a:p>
-        </p:txBody>
-      </p:sp>
-    </p:spTree>
-    <p:extLst>
-      <p:ext uri="{BB962C8B-B14F-4D97-AF65-F5344CB8AC3E}">
-        <p14:creationId xmlns:p14="http://schemas.microsoft.com/office/powerpoint/2010/main" val="4207945497"/>
-      </p:ext>
-    </p:extLst>
-  </p:cSld>
-  <p:clrMapOvr>
-    <a:masterClrMapping/>
-  </p:clrMapOvr>
-</p:sld>
-</file>
-
-<file path=ppt/slides/slide4.xml><?xml version="1.0" encoding="utf-8"?>
-<p:sld xmlns:a="http://schemas.openxmlformats.org/drawingml/2006/main" xmlns:r="http://schemas.openxmlformats.org/officeDocument/2006/relationships" xmlns:p="http://schemas.openxmlformats.org/presentationml/2006/main">
-  <p:cSld>
-    <p:spTree>
-      <p:nvGrpSpPr>
-        <p:cNvPr id="1" name=""/>
-        <p:cNvGrpSpPr/>
-        <p:nvPr/>
-      </p:nvGrpSpPr>
-      <p:grpSpPr>
-        <a:xfrm>
-          <a:off x="0" y="0"/>
-          <a:ext cx="0" cy="0"/>
-          <a:chOff x="0" y="0"/>
-          <a:chExt cx="0" cy="0"/>
-        </a:xfrm>
-      </p:grpSpPr>
-      <p:sp>
-        <p:nvSpPr>
-          <p:cNvPr id="2" name="Title 1"/>
-          <p:cNvSpPr>
-            <a:spLocks noGrp="1"/>
-          </p:cNvSpPr>
-          <p:nvPr>
-            <p:ph type="title"/>
-          </p:nvPr>
-        </p:nvSpPr>
-        <p:spPr/>
-        <p:txBody>
-          <a:bodyPr/>
-          <a:lstStyle/>
-          <a:p>
-            <a:r>
-              <a:rPr lang="en-US" dirty="0"/>
-              <a:t>How to achieve this?</a:t>
-            </a:r>
-          </a:p>
-        </p:txBody>
-      </p:sp>
-      <p:sp>
-        <p:nvSpPr>
-          <p:cNvPr id="3" name="Rectangle 2"/>
-          <p:cNvSpPr/>
-          <p:nvPr/>
-        </p:nvSpPr>
-        <p:spPr>
-          <a:xfrm>
-            <a:off x="504000" y="1223190"/>
-            <a:ext cx="10590719" cy="2677656"/>
-          </a:xfrm>
-          <a:prstGeom prst="rect">
-            <a:avLst/>
-          </a:prstGeom>
-        </p:spPr>
-        <p:txBody>
-          <a:bodyPr wrap="square">
-            <a:spAutoFit/>
-          </a:bodyPr>
-          <a:lstStyle/>
-          <a:p>
-            <a:pPr marL="342900" indent="-342900">
-              <a:buFont typeface="Wingdings" panose="05000000000000000000" pitchFamily="2" charset="2"/>
-              <a:buChar char="§"/>
-            </a:pPr>
-            <a:r>
-              <a:rPr lang="en-US" dirty="0"/>
-              <a:t>Setup an overlay network (software defined networking)</a:t>
-            </a:r>
-          </a:p>
-          <a:p>
-            <a:pPr marL="342900" indent="-342900">
-              <a:buFont typeface="Wingdings" panose="05000000000000000000" pitchFamily="2" charset="2"/>
-              <a:buChar char="§"/>
-            </a:pPr>
-            <a:r>
-              <a:rPr lang="en-US" dirty="0"/>
-              <a:t>Most common tools:</a:t>
-            </a:r>
-          </a:p>
-          <a:p>
-            <a:pPr marL="887288" lvl="1" indent="-342900">
-              <a:buFont typeface="Wingdings" panose="05000000000000000000" pitchFamily="2" charset="2"/>
-              <a:buChar char="§"/>
-            </a:pPr>
-            <a:r>
-              <a:rPr lang="en-US" dirty="0"/>
-              <a:t>flannel</a:t>
-            </a:r>
-          </a:p>
-          <a:p>
-            <a:pPr marL="887288" lvl="1" indent="-342900">
-              <a:buFont typeface="Wingdings" panose="05000000000000000000" pitchFamily="2" charset="2"/>
-              <a:buChar char="§"/>
-            </a:pPr>
-            <a:r>
-              <a:rPr lang="en-US" dirty="0"/>
-              <a:t>weave net</a:t>
-            </a:r>
-          </a:p>
-          <a:p>
-            <a:pPr marL="887288" lvl="1" indent="-342900">
-              <a:buFont typeface="Wingdings" panose="05000000000000000000" pitchFamily="2" charset="2"/>
-              <a:buChar char="§"/>
-            </a:pPr>
-            <a:r>
-              <a:rPr lang="en-US" dirty="0"/>
-              <a:t>calico</a:t>
-            </a:r>
-          </a:p>
-          <a:p>
-            <a:pPr marL="887288" lvl="1" indent="-342900">
-              <a:buFont typeface="Wingdings" panose="05000000000000000000" pitchFamily="2" charset="2"/>
-              <a:buChar char="§"/>
-            </a:pPr>
-            <a:r>
-              <a:rPr lang="en-US" dirty="0"/>
-              <a:t>GCP custom routing</a:t>
-            </a:r>
-          </a:p>
-          <a:p>
-            <a:pPr marL="342900" indent="-342900">
-              <a:buFont typeface="Wingdings" panose="05000000000000000000" pitchFamily="2" charset="2"/>
-              <a:buChar char="§"/>
-            </a:pPr>
-            <a:r>
-              <a:rPr lang="en-US" dirty="0">
-                <a:hlinkClick r:id="rId2"/>
-              </a:rPr>
-              <a:t>https://kubernetes.io/docs/concepts/cluster-administration/networking/</a:t>
-            </a:r>
-            <a:r>
-              <a:rPr lang="en-US" dirty="0"/>
-              <a:t> </a:t>
-            </a:r>
-          </a:p>
-          <a:p>
-            <a:pPr marL="342900" indent="-342900">
-              <a:buFont typeface="Wingdings" panose="05000000000000000000" pitchFamily="2" charset="2"/>
-              <a:buChar char="§"/>
-            </a:pPr>
-            <a:endParaRPr lang="en-US" dirty="0"/>
-          </a:p>
-        </p:txBody>
-      </p:sp>
-    </p:spTree>
-    <p:extLst>
-      <p:ext uri="{BB962C8B-B14F-4D97-AF65-F5344CB8AC3E}">
-        <p14:creationId xmlns:p14="http://schemas.microsoft.com/office/powerpoint/2010/main" val="2128206214"/>
-      </p:ext>
-    </p:extLst>
-  </p:cSld>
-  <p:clrMapOvr>
-    <a:masterClrMapping/>
-  </p:clrMapOvr>
-</p:sld>
-</file>
-
-<file path=ppt/slides/slide5.xml><?xml version="1.0" encoding="utf-8"?>
-<p:sld xmlns:a="http://schemas.openxmlformats.org/drawingml/2006/main" xmlns:r="http://schemas.openxmlformats.org/officeDocument/2006/relationships" xmlns:p="http://schemas.openxmlformats.org/presentationml/2006/main">
-  <p:cSld>
-    <p:spTree>
-      <p:nvGrpSpPr>
-        <p:cNvPr id="1" name=""/>
-        <p:cNvGrpSpPr/>
-        <p:nvPr/>
-      </p:nvGrpSpPr>
-      <p:grpSpPr>
-        <a:xfrm>
-          <a:off x="0" y="0"/>
-          <a:ext cx="0" cy="0"/>
-          <a:chOff x="0" y="0"/>
-          <a:chExt cx="0" cy="0"/>
-        </a:xfrm>
-      </p:grpSpPr>
-      <p:sp>
-        <p:nvSpPr>
-          <p:cNvPr id="2" name="Title 1"/>
-          <p:cNvSpPr>
-            <a:spLocks noGrp="1"/>
-          </p:cNvSpPr>
-          <p:nvPr>
-            <p:ph type="title"/>
-          </p:nvPr>
-        </p:nvSpPr>
-        <p:spPr/>
-        <p:txBody>
-          <a:bodyPr/>
-          <a:lstStyle/>
-          <a:p>
-            <a:r>
-              <a:rPr lang="de-DE" dirty="0"/>
-              <a:t>Services</a:t>
-            </a:r>
-          </a:p>
-        </p:txBody>
-      </p:sp>
-      <p:sp>
-        <p:nvSpPr>
-          <p:cNvPr id="8" name="Rectangle 7"/>
-          <p:cNvSpPr/>
-          <p:nvPr/>
-        </p:nvSpPr>
-        <p:spPr>
-          <a:xfrm>
-            <a:off x="504000" y="1223190"/>
-            <a:ext cx="10590719" cy="3323987"/>
-          </a:xfrm>
-          <a:prstGeom prst="rect">
-            <a:avLst/>
-          </a:prstGeom>
-        </p:spPr>
-        <p:txBody>
-          <a:bodyPr wrap="square">
-            <a:spAutoFit/>
-          </a:bodyPr>
-          <a:lstStyle/>
-          <a:p>
-            <a:r>
-              <a:rPr lang="en-US" dirty="0"/>
-              <a:t>Motivation: </a:t>
-            </a:r>
-          </a:p>
-          <a:p>
-            <a:pPr marL="342900" indent="-342900">
-              <a:buFont typeface="Wingdings" panose="05000000000000000000" pitchFamily="2" charset="2"/>
-              <a:buChar char="§"/>
-            </a:pPr>
-            <a:r>
-              <a:rPr lang="en-US" dirty="0"/>
-              <a:t>Pods are mortal </a:t>
-            </a:r>
-            <a:r>
-              <a:rPr lang="en-US" dirty="0">
-                <a:sym typeface="Wingdings" panose="05000000000000000000" pitchFamily="2" charset="2"/>
-              </a:rPr>
-              <a:t> no suitable endpoints for communication</a:t>
-            </a:r>
-          </a:p>
-          <a:p>
-            <a:pPr marL="342900" indent="-342900">
-              <a:buFont typeface="Wingdings" panose="05000000000000000000" pitchFamily="2" charset="2"/>
-              <a:buChar char="§"/>
-            </a:pPr>
-            <a:r>
-              <a:rPr lang="en-US" dirty="0"/>
-              <a:t>IP address of a pod might change </a:t>
-            </a:r>
-            <a:r>
-              <a:rPr lang="en-US" dirty="0">
-                <a:sym typeface="Wingdings" panose="05000000000000000000" pitchFamily="2" charset="2"/>
-              </a:rPr>
-              <a:t> efforts to maintain routing tables increases</a:t>
-            </a:r>
-            <a:endParaRPr lang="en-US" dirty="0"/>
-          </a:p>
-          <a:p>
-            <a:pPr marL="342900" indent="-342900">
-              <a:buFont typeface="Wingdings" panose="05000000000000000000" pitchFamily="2" charset="2"/>
-              <a:buChar char="§"/>
-            </a:pPr>
-            <a:r>
-              <a:rPr lang="en-US" dirty="0"/>
-              <a:t>Need for reliable &amp; stable endpoint</a:t>
-            </a:r>
-          </a:p>
-          <a:p>
-            <a:pPr marL="342900" indent="-342900">
-              <a:buFont typeface="Wingdings" panose="05000000000000000000" pitchFamily="2" charset="2"/>
-              <a:buChar char="§"/>
-            </a:pPr>
-            <a:endParaRPr lang="en-US" dirty="0"/>
-          </a:p>
-          <a:p>
-            <a:pPr marL="342900" indent="-342900">
-              <a:buFont typeface="Wingdings" panose="05000000000000000000" pitchFamily="2" charset="2"/>
-              <a:buChar char="è"/>
-            </a:pPr>
-            <a:r>
-              <a:rPr lang="en-US" dirty="0">
-                <a:sym typeface="Wingdings" panose="05000000000000000000" pitchFamily="2" charset="2"/>
-              </a:rPr>
-              <a:t>Resource type: service</a:t>
-            </a:r>
-          </a:p>
-          <a:p>
-            <a:pPr marL="342900" indent="-342900">
-              <a:buFont typeface="Wingdings" panose="05000000000000000000" pitchFamily="2" charset="2"/>
-              <a:buChar char="è"/>
-            </a:pPr>
-            <a:endParaRPr lang="en-US" dirty="0">
-              <a:sym typeface="Wingdings" panose="05000000000000000000" pitchFamily="2" charset="2"/>
-            </a:endParaRPr>
-          </a:p>
-          <a:p>
-            <a:pPr marL="342900" indent="-342900">
-              <a:buFont typeface="Wingdings" panose="05000000000000000000" pitchFamily="2" charset="2"/>
-              <a:buChar char="§"/>
-            </a:pPr>
-            <a:r>
-              <a:rPr lang="en-US" dirty="0">
-                <a:sym typeface="Wingdings" panose="05000000000000000000" pitchFamily="2" charset="2"/>
-              </a:rPr>
-              <a:t>Services are a logical abstraction of a set of pods serving the purpose (like 3 pods with a webserver). </a:t>
-            </a:r>
-          </a:p>
-          <a:p>
-            <a:pPr marL="342900" indent="-342900">
-              <a:buFont typeface="Wingdings" panose="05000000000000000000" pitchFamily="2" charset="2"/>
-              <a:buChar char="§"/>
-            </a:pPr>
-            <a:r>
-              <a:rPr lang="en-US" dirty="0">
-                <a:sym typeface="Wingdings" panose="05000000000000000000" pitchFamily="2" charset="2"/>
-              </a:rPr>
-              <a:t>Services provide cluster-internal as well as external connectivity </a:t>
-            </a:r>
-          </a:p>
-        </p:txBody>
-      </p:sp>
-    </p:spTree>
-    <p:extLst>
-      <p:ext uri="{BB962C8B-B14F-4D97-AF65-F5344CB8AC3E}">
-        <p14:creationId xmlns:p14="http://schemas.microsoft.com/office/powerpoint/2010/main" val="864191870"/>
-      </p:ext>
-    </p:extLst>
-  </p:cSld>
-  <p:clrMapOvr>
-    <a:masterClrMapping/>
-  </p:clrMapOvr>
-</p:sld>
-</file>
-
-<file path=ppt/slides/slide6.xml><?xml version="1.0" encoding="utf-8"?>
-<p:sld xmlns:a="http://schemas.openxmlformats.org/drawingml/2006/main" xmlns:r="http://schemas.openxmlformats.org/officeDocument/2006/relationships" xmlns:p="http://schemas.openxmlformats.org/presentationml/2006/main">
-  <p:cSld>
-    <p:spTree>
-      <p:nvGrpSpPr>
-        <p:cNvPr id="1" name=""/>
-        <p:cNvGrpSpPr/>
-        <p:nvPr/>
-      </p:nvGrpSpPr>
-      <p:grpSpPr>
-        <a:xfrm>
-          <a:off x="0" y="0"/>
-          <a:ext cx="0" cy="0"/>
-          <a:chOff x="0" y="0"/>
-          <a:chExt cx="0" cy="0"/>
-        </a:xfrm>
-      </p:grpSpPr>
-      <p:sp>
-        <p:nvSpPr>
-          <p:cNvPr id="2" name="Title 1"/>
-          <p:cNvSpPr>
-            <a:spLocks noGrp="1"/>
-          </p:cNvSpPr>
-          <p:nvPr>
-            <p:ph type="title"/>
-          </p:nvPr>
-        </p:nvSpPr>
-        <p:spPr/>
-        <p:txBody>
-          <a:bodyPr/>
-          <a:lstStyle/>
-          <a:p>
-            <a:r>
-              <a:rPr lang="de-DE" dirty="0"/>
-              <a:t>Services</a:t>
-            </a:r>
-          </a:p>
-        </p:txBody>
-      </p:sp>
-      <p:pic>
-        <p:nvPicPr>
-          <p:cNvPr id="4" name="Picture 3"/>
-          <p:cNvPicPr>
-            <a:picLocks noChangeAspect="1"/>
-          </p:cNvPicPr>
-          <p:nvPr/>
-        </p:nvPicPr>
-        <p:blipFill>
-          <a:blip r:embed="rId2"/>
-          <a:stretch>
-            <a:fillRect/>
-          </a:stretch>
-        </p:blipFill>
-        <p:spPr>
-          <a:xfrm>
-            <a:off x="956846" y="1549677"/>
-            <a:ext cx="2095238" cy="3723809"/>
-          </a:xfrm>
-          <a:prstGeom prst="rect">
-            <a:avLst/>
-          </a:prstGeom>
-        </p:spPr>
-      </p:pic>
-      <p:sp>
-        <p:nvSpPr>
-          <p:cNvPr id="6" name="Rectangle 5"/>
-          <p:cNvSpPr/>
-          <p:nvPr/>
-        </p:nvSpPr>
-        <p:spPr>
-          <a:xfrm>
-            <a:off x="3641769" y="1749587"/>
-            <a:ext cx="7923213" cy="3000821"/>
-          </a:xfrm>
-          <a:prstGeom prst="rect">
-            <a:avLst/>
-          </a:prstGeom>
-        </p:spPr>
-        <p:txBody>
-          <a:bodyPr wrap="square">
-            <a:spAutoFit/>
-          </a:bodyPr>
-          <a:lstStyle/>
-          <a:p>
-            <a:pPr marL="342900" indent="-342900">
-              <a:buFont typeface="Wingdings" panose="05000000000000000000" pitchFamily="2" charset="2"/>
-              <a:buChar char="§"/>
-            </a:pPr>
-            <a:r>
-              <a:rPr lang="en-US" dirty="0">
-                <a:sym typeface="Wingdings" panose="05000000000000000000" pitchFamily="2" charset="2"/>
-              </a:rPr>
-              <a:t>Route traffic via services to talk to a set (1..n) of pods</a:t>
-            </a:r>
-          </a:p>
-          <a:p>
-            <a:pPr marL="342900" indent="-342900">
-              <a:buFont typeface="Wingdings" panose="05000000000000000000" pitchFamily="2" charset="2"/>
-              <a:buChar char="§"/>
-            </a:pPr>
-            <a:r>
-              <a:rPr lang="en-US" dirty="0">
-                <a:sym typeface="Wingdings" panose="05000000000000000000" pitchFamily="2" charset="2"/>
-              </a:rPr>
-              <a:t>Target pods are determined by </a:t>
-            </a:r>
-            <a:r>
-              <a:rPr lang="en-US" dirty="0" err="1">
-                <a:sym typeface="Wingdings" panose="05000000000000000000" pitchFamily="2" charset="2"/>
-              </a:rPr>
-              <a:t>label.selctors</a:t>
-            </a:r>
-            <a:r>
-              <a:rPr lang="en-US" dirty="0">
-                <a:sym typeface="Wingdings" panose="05000000000000000000" pitchFamily="2" charset="2"/>
-              </a:rPr>
-              <a:t> similar to deployment &lt;&gt; pods</a:t>
-            </a:r>
-          </a:p>
-          <a:p>
-            <a:pPr marL="342900" indent="-342900">
-              <a:buFont typeface="Wingdings" panose="05000000000000000000" pitchFamily="2" charset="2"/>
-              <a:buChar char="§"/>
-            </a:pPr>
-            <a:r>
-              <a:rPr lang="en-US" dirty="0">
-                <a:sym typeface="Wingdings" panose="05000000000000000000" pitchFamily="2" charset="2"/>
-              </a:rPr>
-              <a:t>Services expose ports and forward traffic to mapped target ports of pods</a:t>
-            </a:r>
-          </a:p>
-          <a:p>
-            <a:pPr marL="342900" indent="-342900">
-              <a:buFont typeface="Wingdings" panose="05000000000000000000" pitchFamily="2" charset="2"/>
-              <a:buChar char="§"/>
-            </a:pPr>
-            <a:r>
-              <a:rPr lang="en-US" dirty="0" err="1">
-                <a:sym typeface="Wingdings" panose="05000000000000000000" pitchFamily="2" charset="2"/>
-              </a:rPr>
-              <a:t>kube</a:t>
-            </a:r>
-            <a:r>
-              <a:rPr lang="en-US" dirty="0">
-                <a:sym typeface="Wingdings" panose="05000000000000000000" pitchFamily="2" charset="2"/>
-              </a:rPr>
-              <a:t>-proxy &amp; </a:t>
-            </a:r>
-            <a:r>
-              <a:rPr lang="en-US" dirty="0" err="1">
-                <a:sym typeface="Wingdings" panose="05000000000000000000" pitchFamily="2" charset="2"/>
-              </a:rPr>
-              <a:t>kube-dns</a:t>
-            </a:r>
-            <a:r>
-              <a:rPr lang="en-US" dirty="0">
-                <a:sym typeface="Wingdings" panose="05000000000000000000" pitchFamily="2" charset="2"/>
-              </a:rPr>
-              <a:t> create </a:t>
-            </a:r>
-            <a:r>
-              <a:rPr lang="en-US" dirty="0" err="1">
-                <a:sym typeface="Wingdings" panose="05000000000000000000" pitchFamily="2" charset="2"/>
-              </a:rPr>
-              <a:t>iptables</a:t>
-            </a:r>
-            <a:r>
-              <a:rPr lang="en-US" dirty="0">
-                <a:sym typeface="Wingdings" panose="05000000000000000000" pitchFamily="2" charset="2"/>
-              </a:rPr>
-              <a:t> rules and allow service discovery</a:t>
-            </a:r>
-          </a:p>
-          <a:p>
-            <a:pPr marL="342900" indent="-342900">
-              <a:buFont typeface="Wingdings" panose="05000000000000000000" pitchFamily="2" charset="2"/>
-              <a:buChar char="§"/>
-            </a:pPr>
-            <a:r>
-              <a:rPr lang="en-US" dirty="0">
-                <a:sym typeface="Wingdings" panose="05000000000000000000" pitchFamily="2" charset="2"/>
-              </a:rPr>
-              <a:t>To expose a service externally either create allocate a </a:t>
-            </a:r>
-            <a:r>
-              <a:rPr lang="en-US" dirty="0" err="1">
-                <a:sym typeface="Wingdings" panose="05000000000000000000" pitchFamily="2" charset="2"/>
-              </a:rPr>
-              <a:t>NodePort</a:t>
-            </a:r>
-            <a:r>
-              <a:rPr lang="en-US" dirty="0">
-                <a:sym typeface="Wingdings" panose="05000000000000000000" pitchFamily="2" charset="2"/>
-              </a:rPr>
-              <a:t> or use a </a:t>
-            </a:r>
-            <a:r>
-              <a:rPr lang="en-US" dirty="0" err="1">
-                <a:sym typeface="Wingdings" panose="05000000000000000000" pitchFamily="2" charset="2"/>
-              </a:rPr>
-              <a:t>LoadBalancer</a:t>
-            </a:r>
-            <a:endParaRPr lang="en-US" dirty="0">
-              <a:sym typeface="Wingdings" panose="05000000000000000000" pitchFamily="2" charset="2"/>
-            </a:endParaRPr>
-          </a:p>
-        </p:txBody>
-      </p:sp>
-    </p:spTree>
-    <p:extLst>
-      <p:ext uri="{BB962C8B-B14F-4D97-AF65-F5344CB8AC3E}">
-        <p14:creationId xmlns:p14="http://schemas.microsoft.com/office/powerpoint/2010/main" val="1691088734"/>
-      </p:ext>
-    </p:extLst>
-  </p:cSld>
-  <p:clrMapOvr>
-    <a:masterClrMapping/>
-  </p:clrMapOvr>
-</p:sld>
-</file>
-
-<file path=ppt/slides/slide7.xml><?xml version="1.0" encoding="utf-8"?>
-<p:sld xmlns:a="http://schemas.openxmlformats.org/drawingml/2006/main" xmlns:r="http://schemas.openxmlformats.org/officeDocument/2006/relationships" xmlns:p="http://schemas.openxmlformats.org/presentationml/2006/main">
-  <p:cSld>
-    <p:spTree>
-      <p:nvGrpSpPr>
-        <p:cNvPr id="1" name=""/>
-        <p:cNvGrpSpPr/>
-        <p:nvPr/>
-      </p:nvGrpSpPr>
-      <p:grpSpPr>
-        <a:xfrm>
-          <a:off x="0" y="0"/>
-          <a:ext cx="0" cy="0"/>
-          <a:chOff x="0" y="0"/>
-          <a:chExt cx="0" cy="0"/>
-        </a:xfrm>
-      </p:grpSpPr>
-      <p:sp>
-        <p:nvSpPr>
-          <p:cNvPr id="2" name="Title 1"/>
-          <p:cNvSpPr>
-            <a:spLocks noGrp="1"/>
-          </p:cNvSpPr>
-          <p:nvPr>
-            <p:ph type="title"/>
-          </p:nvPr>
-        </p:nvSpPr>
-        <p:spPr/>
-        <p:txBody>
-          <a:bodyPr/>
-          <a:lstStyle/>
-          <a:p>
-            <a:r>
-              <a:rPr lang="en-US" dirty="0"/>
-              <a:t>Service types: Cluster IP, </a:t>
-            </a:r>
-            <a:r>
-              <a:rPr lang="en-US" dirty="0" err="1"/>
-              <a:t>NodePort</a:t>
-            </a:r>
-            <a:r>
-              <a:rPr lang="en-US" dirty="0"/>
-              <a:t>, </a:t>
-            </a:r>
-            <a:r>
-              <a:rPr lang="en-US" dirty="0" err="1"/>
-              <a:t>Loadbalancer</a:t>
-            </a:r>
-            <a:endParaRPr lang="en-US" dirty="0"/>
-          </a:p>
-        </p:txBody>
-      </p:sp>
-      <p:sp>
-        <p:nvSpPr>
-          <p:cNvPr id="3" name="Rectangle 2"/>
-          <p:cNvSpPr/>
-          <p:nvPr/>
-        </p:nvSpPr>
-        <p:spPr>
-          <a:xfrm>
-            <a:off x="504001" y="1139987"/>
-            <a:ext cx="10430699" cy="3970318"/>
-          </a:xfrm>
-          <a:prstGeom prst="rect">
-            <a:avLst/>
-          </a:prstGeom>
-        </p:spPr>
-        <p:txBody>
-          <a:bodyPr wrap="square">
-            <a:spAutoFit/>
-          </a:bodyPr>
-          <a:lstStyle/>
-          <a:p>
-            <a:pPr marL="342900" indent="-342900">
-              <a:buFont typeface="Wingdings" panose="05000000000000000000" pitchFamily="2" charset="2"/>
-              <a:buChar char="§"/>
-            </a:pPr>
-            <a:r>
-              <a:rPr lang="en-US" dirty="0">
-                <a:sym typeface="Wingdings" panose="05000000000000000000" pitchFamily="2" charset="2"/>
-              </a:rPr>
-              <a:t>Cluster IP </a:t>
-            </a:r>
-          </a:p>
-          <a:p>
-            <a:pPr marL="887288" lvl="1" indent="-342900">
-              <a:buClr>
-                <a:schemeClr val="tx1"/>
-              </a:buClr>
-              <a:buFont typeface="Symbol" panose="05050102010706020507" pitchFamily="18" charset="2"/>
-              <a:buChar char="-"/>
-            </a:pPr>
-            <a:r>
-              <a:rPr lang="en-US" dirty="0">
-                <a:sym typeface="Wingdings" panose="05000000000000000000" pitchFamily="2" charset="2"/>
-              </a:rPr>
-              <a:t>service is only routable inside the Kubernetes cluster’s subnet</a:t>
-            </a:r>
-          </a:p>
-          <a:p>
-            <a:pPr marL="887288" lvl="1" indent="-342900">
-              <a:buClr>
-                <a:schemeClr val="tx1"/>
-              </a:buClr>
-              <a:buFont typeface="Symbol" panose="05050102010706020507" pitchFamily="18" charset="2"/>
-              <a:buChar char="-"/>
-            </a:pPr>
-            <a:r>
-              <a:rPr lang="en-US" dirty="0">
-                <a:sym typeface="Wingdings" panose="05000000000000000000" pitchFamily="2" charset="2"/>
-              </a:rPr>
-              <a:t>Default service type, every service regardless of its type gets a cluster </a:t>
-            </a:r>
-            <a:r>
-              <a:rPr lang="en-US" dirty="0" err="1">
-                <a:sym typeface="Wingdings" panose="05000000000000000000" pitchFamily="2" charset="2"/>
-              </a:rPr>
-              <a:t>ip</a:t>
-            </a:r>
-            <a:endParaRPr lang="en-US" dirty="0">
-              <a:sym typeface="Wingdings" panose="05000000000000000000" pitchFamily="2" charset="2"/>
-            </a:endParaRPr>
-          </a:p>
-          <a:p>
-            <a:pPr marL="342900" indent="-342900">
-              <a:buFont typeface="Wingdings" panose="05000000000000000000" pitchFamily="2" charset="2"/>
-              <a:buChar char="§"/>
-            </a:pPr>
-            <a:r>
-              <a:rPr lang="en-US" dirty="0" err="1">
-                <a:sym typeface="Wingdings" panose="05000000000000000000" pitchFamily="2" charset="2"/>
-              </a:rPr>
-              <a:t>LoadBalancer</a:t>
-            </a:r>
-            <a:endParaRPr lang="en-US" dirty="0">
-              <a:sym typeface="Wingdings" panose="05000000000000000000" pitchFamily="2" charset="2"/>
-            </a:endParaRPr>
-          </a:p>
-          <a:p>
-            <a:pPr marL="887288" lvl="1" indent="-342900">
-              <a:buClr>
-                <a:schemeClr val="tx1"/>
-              </a:buClr>
-              <a:buFont typeface="Symbol" panose="05050102010706020507" pitchFamily="18" charset="2"/>
-              <a:buChar char="-"/>
-            </a:pPr>
-            <a:r>
-              <a:rPr lang="en-US" dirty="0">
-                <a:sym typeface="Wingdings" panose="05000000000000000000" pitchFamily="2" charset="2"/>
-              </a:rPr>
-              <a:t>Allocates a publicly routable IP address and forwards incoming requests to the respective service</a:t>
-            </a:r>
-          </a:p>
-          <a:p>
-            <a:pPr marL="887288" lvl="1" indent="-342900">
-              <a:buClr>
-                <a:schemeClr val="tx1"/>
-              </a:buClr>
-              <a:buFont typeface="Symbol" panose="05050102010706020507" pitchFamily="18" charset="2"/>
-              <a:buChar char="-"/>
-            </a:pPr>
-            <a:r>
-              <a:rPr lang="en-US" dirty="0">
-                <a:sym typeface="Wingdings" panose="05000000000000000000" pitchFamily="2" charset="2"/>
-              </a:rPr>
-              <a:t>Dependent on infrastructure provider – might not be available everywhere</a:t>
-            </a:r>
-          </a:p>
-          <a:p>
-            <a:pPr marL="342900" indent="-342900">
-              <a:buFont typeface="Wingdings" panose="05000000000000000000" pitchFamily="2" charset="2"/>
-              <a:buChar char="§"/>
-            </a:pPr>
-            <a:r>
-              <a:rPr lang="en-US" dirty="0" err="1">
-                <a:sym typeface="Wingdings" panose="05000000000000000000" pitchFamily="2" charset="2"/>
-              </a:rPr>
-              <a:t>NodePort</a:t>
-            </a:r>
-            <a:endParaRPr lang="en-US" dirty="0">
-              <a:sym typeface="Wingdings" panose="05000000000000000000" pitchFamily="2" charset="2"/>
-            </a:endParaRPr>
-          </a:p>
-          <a:p>
-            <a:pPr marL="887288" lvl="1" indent="-342900">
-              <a:buClr>
-                <a:schemeClr val="tx1"/>
-              </a:buClr>
-              <a:buFont typeface="Symbol" panose="05050102010706020507" pitchFamily="18" charset="2"/>
-              <a:buChar char="-"/>
-            </a:pPr>
-            <a:r>
-              <a:rPr lang="en-US" dirty="0">
-                <a:sym typeface="Wingdings" panose="05000000000000000000" pitchFamily="2" charset="2"/>
-              </a:rPr>
-              <a:t>Allocates a free port from range 30000 – 32767</a:t>
-            </a:r>
-          </a:p>
-          <a:p>
-            <a:pPr marL="887288" lvl="1" indent="-342900">
-              <a:buClr>
-                <a:schemeClr val="tx1"/>
-              </a:buClr>
-              <a:buFont typeface="Symbol" panose="05050102010706020507" pitchFamily="18" charset="2"/>
-              <a:buChar char="-"/>
-            </a:pPr>
-            <a:r>
-              <a:rPr lang="en-US" dirty="0">
-                <a:sym typeface="Wingdings" panose="05000000000000000000" pitchFamily="2" charset="2"/>
-              </a:rPr>
-              <a:t>The port is opened on all nodes of the cluster, incoming traffic is routed to the respective service</a:t>
-            </a:r>
-          </a:p>
-          <a:p>
-            <a:pPr lvl="1">
-              <a:buNone/>
-            </a:pPr>
-            <a:endParaRPr lang="en-US" dirty="0">
-              <a:sym typeface="Wingdings" panose="05000000000000000000" pitchFamily="2" charset="2"/>
-            </a:endParaRPr>
-          </a:p>
-        </p:txBody>
-      </p:sp>
-    </p:spTree>
-    <p:extLst>
-      <p:ext uri="{BB962C8B-B14F-4D97-AF65-F5344CB8AC3E}">
-        <p14:creationId xmlns:p14="http://schemas.microsoft.com/office/powerpoint/2010/main" val="4264671960"/>
-      </p:ext>
-    </p:extLst>
-  </p:cSld>
-  <p:clrMapOvr>
-    <a:masterClrMapping/>
-  </p:clrMapOvr>
-</p:sld>
-</file>
-
-<file path=ppt/slides/slide8.xml><?xml version="1.0" encoding="utf-8"?>
-<p:sld xmlns:a="http://schemas.openxmlformats.org/drawingml/2006/main" xmlns:r="http://schemas.openxmlformats.org/officeDocument/2006/relationships" xmlns:p="http://schemas.openxmlformats.org/presentationml/2006/main">
-  <p:cSld>
-    <p:spTree>
-      <p:nvGrpSpPr>
-        <p:cNvPr id="1" name=""/>
-        <p:cNvGrpSpPr/>
-        <p:nvPr/>
-      </p:nvGrpSpPr>
-      <p:grpSpPr>
-        <a:xfrm>
-          <a:off x="0" y="0"/>
-          <a:ext cx="0" cy="0"/>
-          <a:chOff x="0" y="0"/>
-          <a:chExt cx="0" cy="0"/>
-        </a:xfrm>
-      </p:grpSpPr>
-      <p:sp>
-        <p:nvSpPr>
-          <p:cNvPr id="21" name="Rectangle 20"/>
-          <p:cNvSpPr/>
-          <p:nvPr/>
-        </p:nvSpPr>
-        <p:spPr bwMode="gray">
-          <a:xfrm>
-            <a:off x="6141720" y="3390899"/>
-            <a:ext cx="4960620" cy="2865121"/>
-          </a:xfrm>
-          <a:prstGeom prst="rect">
-            <a:avLst/>
-          </a:prstGeom>
-          <a:ln>
-            <a:headEnd/>
-            <a:tailEnd/>
-          </a:ln>
-        </p:spPr>
-        <p:style>
-          <a:lnRef idx="2">
-            <a:schemeClr val="accent2"/>
-          </a:lnRef>
-          <a:fillRef idx="1">
-            <a:schemeClr val="lt1"/>
-          </a:fillRef>
-          <a:effectRef idx="0">
-            <a:schemeClr val="accent2"/>
-          </a:effectRef>
-          <a:fontRef idx="minor">
-            <a:schemeClr val="dk1"/>
-          </a:fontRef>
-        </p:style>
-        <p:txBody>
-          <a:bodyPr lIns="90000" tIns="72000" rIns="90000" bIns="72000" rtlCol="0" anchor="t"/>
-          <a:lstStyle/>
-          <a:p>
-            <a:pPr marR="0" algn="ctr" defTabSz="914400" eaLnBrk="1" fontAlgn="base" latinLnBrk="0" hangingPunct="1">
-              <a:lnSpc>
-                <a:spcPct val="100000"/>
-              </a:lnSpc>
-              <a:spcBef>
-                <a:spcPct val="50000"/>
-              </a:spcBef>
-              <a:spcAft>
-                <a:spcPct val="0"/>
-              </a:spcAft>
-              <a:buClr>
-                <a:srgbClr val="F0AB00"/>
-              </a:buClr>
-              <a:buSzPct val="80000"/>
-              <a:tabLst/>
-            </a:pPr>
-            <a:r>
-              <a:rPr kumimoji="0" lang="en-US" sz="1800" b="1" i="0" u="none" strike="noStrike" kern="0" cap="none" spc="0" normalizeH="0" baseline="0" noProof="0" dirty="0">
-                <a:ln>
-                  <a:noFill/>
-                </a:ln>
-                <a:effectLst/>
-                <a:uLnTx/>
-                <a:uFillTx/>
-                <a:ea typeface="Arial Unicode MS" pitchFamily="34" charset="-128"/>
-                <a:cs typeface="Arial Unicode MS" pitchFamily="34" charset="-128"/>
-              </a:rPr>
-              <a:t>Node B</a:t>
-            </a:r>
-          </a:p>
-        </p:txBody>
-      </p:sp>
-      <p:sp>
-        <p:nvSpPr>
-          <p:cNvPr id="2" name="Title 1"/>
-          <p:cNvSpPr>
-            <a:spLocks noGrp="1"/>
-          </p:cNvSpPr>
-          <p:nvPr>
-            <p:ph type="title"/>
-          </p:nvPr>
-        </p:nvSpPr>
-        <p:spPr/>
-        <p:txBody>
-          <a:bodyPr/>
-          <a:lstStyle/>
-          <a:p>
-            <a:r>
-              <a:rPr lang="en-US" dirty="0"/>
-              <a:t>How </a:t>
-            </a:r>
-            <a:r>
-              <a:rPr lang="en-US" dirty="0" err="1"/>
-              <a:t>NodePorts</a:t>
-            </a:r>
-            <a:r>
-              <a:rPr lang="en-US" dirty="0"/>
-              <a:t> work</a:t>
-            </a:r>
-          </a:p>
-        </p:txBody>
-      </p:sp>
-      <p:sp>
-        <p:nvSpPr>
-          <p:cNvPr id="4" name="Rectangle 3"/>
-          <p:cNvSpPr/>
-          <p:nvPr/>
-        </p:nvSpPr>
-        <p:spPr bwMode="gray">
-          <a:xfrm>
-            <a:off x="952500" y="3390900"/>
-            <a:ext cx="4960620" cy="2865120"/>
-          </a:xfrm>
-          <a:prstGeom prst="rect">
-            <a:avLst/>
-          </a:prstGeom>
-          <a:ln>
-            <a:headEnd/>
-            <a:tailEnd/>
-          </a:ln>
-        </p:spPr>
-        <p:style>
-          <a:lnRef idx="2">
-            <a:schemeClr val="accent2"/>
-          </a:lnRef>
-          <a:fillRef idx="1">
-            <a:schemeClr val="lt1"/>
-          </a:fillRef>
-          <a:effectRef idx="0">
-            <a:schemeClr val="accent2"/>
-          </a:effectRef>
-          <a:fontRef idx="minor">
-            <a:schemeClr val="dk1"/>
-          </a:fontRef>
-        </p:style>
-        <p:txBody>
-          <a:bodyPr lIns="90000" tIns="72000" rIns="90000" bIns="72000" rtlCol="0" anchor="t"/>
-          <a:lstStyle/>
-          <a:p>
-            <a:pPr marR="0" algn="ctr" defTabSz="914400" eaLnBrk="1" fontAlgn="base" latinLnBrk="0" hangingPunct="1">
-              <a:lnSpc>
-                <a:spcPct val="100000"/>
-              </a:lnSpc>
-              <a:spcBef>
-                <a:spcPct val="50000"/>
-              </a:spcBef>
-              <a:spcAft>
-                <a:spcPct val="0"/>
-              </a:spcAft>
-              <a:buClr>
-                <a:srgbClr val="F0AB00"/>
-              </a:buClr>
-              <a:buSzPct val="80000"/>
-              <a:tabLst/>
-            </a:pPr>
-            <a:r>
-              <a:rPr kumimoji="0" lang="en-US" sz="1800" b="1" i="0" u="none" strike="noStrike" kern="0" cap="none" spc="0" normalizeH="0" baseline="0" noProof="0" dirty="0">
-                <a:ln>
-                  <a:noFill/>
-                </a:ln>
-                <a:effectLst/>
-                <a:uLnTx/>
-                <a:uFillTx/>
-                <a:ea typeface="Arial Unicode MS" pitchFamily="34" charset="-128"/>
-                <a:cs typeface="Arial Unicode MS" pitchFamily="34" charset="-128"/>
-              </a:rPr>
-              <a:t>Node A</a:t>
-            </a:r>
-          </a:p>
-        </p:txBody>
-      </p:sp>
-      <p:sp>
-        <p:nvSpPr>
-          <p:cNvPr id="6" name="Rectangle 5"/>
-          <p:cNvSpPr/>
-          <p:nvPr/>
-        </p:nvSpPr>
-        <p:spPr bwMode="gray">
-          <a:xfrm>
-            <a:off x="2337562" y="4439970"/>
-            <a:ext cx="1815338" cy="1160859"/>
-          </a:xfrm>
-          <a:prstGeom prst="rect">
-            <a:avLst/>
-          </a:prstGeom>
-          <a:ln>
-            <a:headEnd/>
-            <a:tailEnd/>
-          </a:ln>
-        </p:spPr>
-        <p:style>
-          <a:lnRef idx="2">
-            <a:schemeClr val="accent2">
-              <a:shade val="50000"/>
-            </a:schemeClr>
-          </a:lnRef>
-          <a:fillRef idx="1">
-            <a:schemeClr val="accent2"/>
-          </a:fillRef>
-          <a:effectRef idx="0">
-            <a:schemeClr val="accent2"/>
-          </a:effectRef>
-          <a:fontRef idx="minor">
-            <a:schemeClr val="lt1"/>
-          </a:fontRef>
-        </p:style>
-        <p:txBody>
-          <a:bodyPr lIns="90000" tIns="72000" rIns="90000" bIns="72000" rtlCol="0" anchor="ctr"/>
-          <a:lstStyle/>
-          <a:p>
-            <a:pPr marR="0" algn="ctr" defTabSz="914400" eaLnBrk="1" fontAlgn="base" latinLnBrk="0" hangingPunct="1">
-              <a:lnSpc>
-                <a:spcPct val="100000"/>
-              </a:lnSpc>
-              <a:spcBef>
-                <a:spcPct val="50000"/>
-              </a:spcBef>
-              <a:spcAft>
-                <a:spcPct val="0"/>
-              </a:spcAft>
-              <a:buClr>
-                <a:srgbClr val="F0AB00"/>
-              </a:buClr>
-              <a:buSzPct val="80000"/>
-              <a:tabLst/>
-            </a:pPr>
-            <a:r>
-              <a:rPr lang="de-DE" sz="1600" b="1" kern="0" noProof="0" dirty="0" err="1">
-                <a:ea typeface="Arial Unicode MS" pitchFamily="34" charset="-128"/>
-                <a:cs typeface="Arial Unicode MS" pitchFamily="34" charset="-128"/>
-              </a:rPr>
-              <a:t>Pod</a:t>
-            </a:r>
-            <a:endParaRPr kumimoji="0" lang="de-DE" sz="1600" b="1" i="0" u="none" strike="noStrike" kern="0" cap="none" spc="0" normalizeH="0" baseline="0" noProof="0" dirty="0">
-              <a:ln>
-                <a:noFill/>
-              </a:ln>
-              <a:effectLst/>
-              <a:uLnTx/>
-              <a:uFillTx/>
-              <a:ea typeface="Arial Unicode MS" pitchFamily="34" charset="-128"/>
-              <a:cs typeface="Arial Unicode MS" pitchFamily="34" charset="-128"/>
-            </a:endParaRPr>
-          </a:p>
-        </p:txBody>
-      </p:sp>
-      <p:sp>
-        <p:nvSpPr>
-          <p:cNvPr id="11" name="Rectangle 10"/>
-          <p:cNvSpPr/>
-          <p:nvPr/>
-        </p:nvSpPr>
-        <p:spPr bwMode="gray">
-          <a:xfrm>
-            <a:off x="2422271" y="4205839"/>
-            <a:ext cx="1645920" cy="365760"/>
-          </a:xfrm>
-          <a:prstGeom prst="rect">
-            <a:avLst/>
-          </a:prstGeom>
-          <a:ln>
-            <a:headEnd/>
-            <a:tailEnd/>
-          </a:ln>
-        </p:spPr>
-        <p:style>
-          <a:lnRef idx="2">
-            <a:schemeClr val="accent2"/>
-          </a:lnRef>
-          <a:fillRef idx="1">
-            <a:schemeClr val="lt1"/>
-          </a:fillRef>
-          <a:effectRef idx="0">
-            <a:schemeClr val="accent2"/>
-          </a:effectRef>
-          <a:fontRef idx="minor">
-            <a:schemeClr val="dk1"/>
-          </a:fontRef>
-        </p:style>
-        <p:txBody>
-          <a:bodyPr lIns="90000" tIns="72000" rIns="90000" bIns="72000" rtlCol="0" anchor="ctr"/>
-          <a:lstStyle/>
-          <a:p>
-            <a:pPr marR="0" algn="ctr" defTabSz="914400" eaLnBrk="1" fontAlgn="base" latinLnBrk="0" hangingPunct="1">
-              <a:lnSpc>
-                <a:spcPct val="100000"/>
-              </a:lnSpc>
-              <a:spcBef>
-                <a:spcPct val="50000"/>
-              </a:spcBef>
-              <a:spcAft>
-                <a:spcPct val="0"/>
-              </a:spcAft>
-              <a:buClr>
-                <a:srgbClr val="F0AB00"/>
-              </a:buClr>
-              <a:buSzPct val="80000"/>
-              <a:tabLst/>
-            </a:pPr>
-            <a:r>
-              <a:rPr kumimoji="0" lang="de-DE" sz="1800" b="0" i="0" u="none" strike="noStrike" kern="0" cap="none" spc="0" normalizeH="0" baseline="0" noProof="0" dirty="0">
-                <a:ln>
-                  <a:noFill/>
-                </a:ln>
-                <a:effectLst/>
-                <a:uLnTx/>
-                <a:uFillTx/>
-                <a:ea typeface="Arial Unicode MS" pitchFamily="34" charset="-128"/>
-                <a:cs typeface="Arial Unicode MS" pitchFamily="34" charset="-128"/>
-              </a:rPr>
-              <a:t>IP: 10.10.10.1</a:t>
-            </a:r>
-          </a:p>
-        </p:txBody>
-      </p:sp>
-      <p:sp>
-        <p:nvSpPr>
-          <p:cNvPr id="14" name="Rectangle: Single Corner Snipped 13"/>
-          <p:cNvSpPr/>
-          <p:nvPr/>
-        </p:nvSpPr>
-        <p:spPr bwMode="gray">
-          <a:xfrm>
-            <a:off x="4806733" y="2743200"/>
-            <a:ext cx="2474332" cy="2346559"/>
-          </a:xfrm>
-          <a:prstGeom prst="snip1Rect">
-            <a:avLst/>
-          </a:prstGeom>
-          <a:ln>
-            <a:headEnd/>
-            <a:tailEnd/>
-          </a:ln>
-        </p:spPr>
-        <p:style>
-          <a:lnRef idx="3">
-            <a:schemeClr val="lt1"/>
-          </a:lnRef>
-          <a:fillRef idx="1">
-            <a:schemeClr val="accent2"/>
-          </a:fillRef>
-          <a:effectRef idx="1">
-            <a:schemeClr val="accent2"/>
-          </a:effectRef>
-          <a:fontRef idx="minor">
-            <a:schemeClr val="lt1"/>
-          </a:fontRef>
-        </p:style>
-        <p:txBody>
-          <a:bodyPr lIns="90000" tIns="72000" rIns="90000" bIns="72000" rtlCol="0" anchor="ctr"/>
-          <a:lstStyle/>
-          <a:p>
-            <a:pPr marR="0" algn="ctr" defTabSz="914400" eaLnBrk="1" fontAlgn="base" latinLnBrk="0" hangingPunct="1">
-              <a:lnSpc>
-                <a:spcPct val="100000"/>
-              </a:lnSpc>
-              <a:spcBef>
-                <a:spcPct val="50000"/>
-              </a:spcBef>
-              <a:spcAft>
-                <a:spcPct val="0"/>
-              </a:spcAft>
-              <a:buClr>
-                <a:srgbClr val="F0AB00"/>
-              </a:buClr>
-              <a:buSzPct val="80000"/>
-              <a:tabLst/>
-            </a:pPr>
-            <a:r>
-              <a:rPr kumimoji="0" lang="en-US" sz="1800" b="0" i="0" u="none" strike="noStrike" kern="0" cap="none" spc="0" normalizeH="0" baseline="0" noProof="0" dirty="0">
-                <a:ln>
-                  <a:noFill/>
-                </a:ln>
-                <a:effectLst/>
-                <a:uLnTx/>
-                <a:uFillTx/>
-                <a:ea typeface="Arial Unicode MS" pitchFamily="34" charset="-128"/>
-                <a:cs typeface="Arial Unicode MS" pitchFamily="34" charset="-128"/>
-              </a:rPr>
-              <a:t>Service</a:t>
-            </a:r>
-          </a:p>
-          <a:p>
-            <a:pPr marR="0" algn="ctr" defTabSz="914400" eaLnBrk="1" fontAlgn="base" latinLnBrk="0" hangingPunct="1">
-              <a:lnSpc>
-                <a:spcPct val="100000"/>
-              </a:lnSpc>
-              <a:spcBef>
-                <a:spcPct val="50000"/>
-              </a:spcBef>
-              <a:spcAft>
-                <a:spcPct val="0"/>
-              </a:spcAft>
-              <a:buClr>
-                <a:srgbClr val="F0AB00"/>
-              </a:buClr>
-              <a:buSzPct val="80000"/>
-              <a:tabLst/>
-            </a:pPr>
-            <a:r>
-              <a:rPr lang="en-US" sz="1800" kern="0" dirty="0">
-                <a:ea typeface="Arial Unicode MS" pitchFamily="34" charset="-128"/>
-                <a:cs typeface="Arial Unicode MS" pitchFamily="34" charset="-128"/>
-              </a:rPr>
-              <a:t>Label: app= </a:t>
-            </a:r>
-            <a:r>
-              <a:rPr lang="en-US" sz="1800" kern="0" dirty="0" err="1">
-                <a:ea typeface="Arial Unicode MS" pitchFamily="34" charset="-128"/>
-                <a:cs typeface="Arial Unicode MS" pitchFamily="34" charset="-128"/>
-              </a:rPr>
-              <a:t>nginx</a:t>
-            </a:r>
-            <a:endParaRPr kumimoji="0" lang="en-US" sz="1800" b="0" i="0" u="none" strike="noStrike" kern="0" cap="none" spc="0" normalizeH="0" baseline="0" noProof="0" dirty="0">
-              <a:ln>
-                <a:noFill/>
-              </a:ln>
-              <a:effectLst/>
-              <a:uLnTx/>
-              <a:uFillTx/>
-              <a:ea typeface="Arial Unicode MS" pitchFamily="34" charset="-128"/>
-              <a:cs typeface="Arial Unicode MS" pitchFamily="34" charset="-128"/>
-            </a:endParaRPr>
-          </a:p>
-          <a:p>
-            <a:pPr marL="285750" marR="0" indent="-285750" defTabSz="914400" eaLnBrk="1" fontAlgn="base" latinLnBrk="0" hangingPunct="1">
-              <a:lnSpc>
-                <a:spcPct val="100000"/>
-              </a:lnSpc>
-              <a:spcBef>
-                <a:spcPct val="50000"/>
-              </a:spcBef>
-              <a:spcAft>
-                <a:spcPct val="0"/>
-              </a:spcAft>
-              <a:buClr>
-                <a:srgbClr val="F0AB00"/>
-              </a:buClr>
-              <a:buSzPct val="80000"/>
-              <a:buFontTx/>
-              <a:buChar char="-"/>
-              <a:tabLst/>
-            </a:pPr>
-            <a:r>
-              <a:rPr lang="en-US" sz="1800" kern="0" dirty="0" err="1">
-                <a:ea typeface="Arial Unicode MS" pitchFamily="34" charset="-128"/>
-                <a:cs typeface="Arial Unicode MS" pitchFamily="34" charset="-128"/>
-              </a:rPr>
-              <a:t>NodePort</a:t>
-            </a:r>
-            <a:r>
-              <a:rPr lang="en-US" sz="1800" kern="0" dirty="0">
-                <a:ea typeface="Arial Unicode MS" pitchFamily="34" charset="-128"/>
-                <a:cs typeface="Arial Unicode MS" pitchFamily="34" charset="-128"/>
-              </a:rPr>
-              <a:t>: 30021</a:t>
-            </a:r>
-          </a:p>
-          <a:p>
-            <a:pPr marL="285750" marR="0" indent="-285750" defTabSz="914400" eaLnBrk="1" fontAlgn="base" latinLnBrk="0" hangingPunct="1">
-              <a:lnSpc>
-                <a:spcPct val="100000"/>
-              </a:lnSpc>
-              <a:spcBef>
-                <a:spcPct val="50000"/>
-              </a:spcBef>
-              <a:spcAft>
-                <a:spcPct val="0"/>
-              </a:spcAft>
-              <a:buClr>
-                <a:srgbClr val="F0AB00"/>
-              </a:buClr>
-              <a:buSzPct val="80000"/>
-              <a:buFontTx/>
-              <a:buChar char="-"/>
-              <a:tabLst/>
-            </a:pPr>
-            <a:r>
-              <a:rPr lang="en-US" sz="1800" kern="0" dirty="0">
-                <a:ea typeface="Arial Unicode MS" pitchFamily="34" charset="-128"/>
-                <a:cs typeface="Arial Unicode MS" pitchFamily="34" charset="-128"/>
-              </a:rPr>
-              <a:t> </a:t>
-            </a:r>
-            <a:r>
-              <a:rPr lang="en-US" sz="1800" kern="0" dirty="0" err="1">
-                <a:ea typeface="Arial Unicode MS" pitchFamily="34" charset="-128"/>
-                <a:cs typeface="Arial Unicode MS" pitchFamily="34" charset="-128"/>
-              </a:rPr>
-              <a:t>TargetPort</a:t>
-            </a:r>
-            <a:r>
-              <a:rPr lang="en-US" sz="1800" kern="0" dirty="0">
-                <a:ea typeface="Arial Unicode MS" pitchFamily="34" charset="-128"/>
-                <a:cs typeface="Arial Unicode MS" pitchFamily="34" charset="-128"/>
-              </a:rPr>
-              <a:t>: 80</a:t>
-            </a:r>
-          </a:p>
-          <a:p>
-            <a:pPr marL="285750" marR="0" indent="-285750" defTabSz="914400" eaLnBrk="1" fontAlgn="base" latinLnBrk="0" hangingPunct="1">
-              <a:lnSpc>
-                <a:spcPct val="100000"/>
-              </a:lnSpc>
-              <a:spcBef>
-                <a:spcPct val="50000"/>
-              </a:spcBef>
-              <a:spcAft>
-                <a:spcPct val="0"/>
-              </a:spcAft>
-              <a:buClr>
-                <a:srgbClr val="F0AB00"/>
-              </a:buClr>
-              <a:buSzPct val="80000"/>
-              <a:buFontTx/>
-              <a:buChar char="-"/>
-              <a:tabLst/>
-            </a:pPr>
-            <a:r>
-              <a:rPr kumimoji="0" lang="en-US" sz="1800" b="0" i="0" u="none" strike="noStrike" kern="0" cap="none" spc="0" normalizeH="0" baseline="0" noProof="0" dirty="0">
-                <a:ln>
-                  <a:noFill/>
-                </a:ln>
-                <a:effectLst/>
-                <a:uLnTx/>
-                <a:uFillTx/>
-                <a:ea typeface="Arial Unicode MS" pitchFamily="34" charset="-128"/>
-                <a:cs typeface="Arial Unicode MS" pitchFamily="34" charset="-128"/>
-              </a:rPr>
-              <a:t>Port: 80</a:t>
-            </a:r>
-          </a:p>
-        </p:txBody>
-      </p:sp>
-      <p:sp>
-        <p:nvSpPr>
-          <p:cNvPr id="15" name="Rectangle 14"/>
-          <p:cNvSpPr/>
-          <p:nvPr/>
-        </p:nvSpPr>
-        <p:spPr bwMode="gray">
-          <a:xfrm>
-            <a:off x="1459043" y="5386537"/>
-            <a:ext cx="1319714" cy="428584"/>
-          </a:xfrm>
-          <a:prstGeom prst="rect">
-            <a:avLst/>
-          </a:prstGeom>
-          <a:solidFill>
-            <a:schemeClr val="accent1">
-              <a:lumMod val="40000"/>
-              <a:lumOff val="60000"/>
-            </a:schemeClr>
-          </a:solidFill>
-          <a:ln>
-            <a:headEnd/>
-            <a:tailEnd/>
-          </a:ln>
-        </p:spPr>
-        <p:style>
-          <a:lnRef idx="2">
-            <a:schemeClr val="accent2"/>
-          </a:lnRef>
-          <a:fillRef idx="1">
-            <a:schemeClr val="lt1"/>
-          </a:fillRef>
-          <a:effectRef idx="0">
-            <a:schemeClr val="accent2"/>
-          </a:effectRef>
-          <a:fontRef idx="minor">
-            <a:schemeClr val="dk1"/>
-          </a:fontRef>
-        </p:style>
-        <p:txBody>
-          <a:bodyPr lIns="90000" tIns="72000" rIns="90000" bIns="72000" rtlCol="0" anchor="ctr"/>
-          <a:lstStyle/>
-          <a:p>
-            <a:pPr marR="0" algn="ctr" defTabSz="914400" eaLnBrk="1" fontAlgn="base" latinLnBrk="0" hangingPunct="1">
-              <a:lnSpc>
-                <a:spcPct val="100000"/>
-              </a:lnSpc>
-              <a:spcBef>
-                <a:spcPct val="50000"/>
-              </a:spcBef>
-              <a:spcAft>
-                <a:spcPct val="0"/>
-              </a:spcAft>
-              <a:buClr>
-                <a:srgbClr val="F0AB00"/>
-              </a:buClr>
-              <a:buSzPct val="80000"/>
-              <a:tabLst/>
-            </a:pPr>
-            <a:r>
-              <a:rPr lang="de-DE" sz="1800" kern="0" dirty="0">
-                <a:ea typeface="Arial Unicode MS" pitchFamily="34" charset="-128"/>
-                <a:cs typeface="Arial Unicode MS" pitchFamily="34" charset="-128"/>
-              </a:rPr>
-              <a:t>a</a:t>
-            </a:r>
-            <a:r>
-              <a:rPr kumimoji="0" lang="de-DE" sz="1800" b="0" i="0" u="none" strike="noStrike" kern="0" cap="none" spc="0" normalizeH="0" baseline="0" noProof="0" dirty="0">
-                <a:ln>
-                  <a:noFill/>
-                </a:ln>
-                <a:effectLst/>
-                <a:uLnTx/>
-                <a:uFillTx/>
-                <a:ea typeface="Arial Unicode MS" pitchFamily="34" charset="-128"/>
-                <a:cs typeface="Arial Unicode MS" pitchFamily="34" charset="-128"/>
-              </a:rPr>
-              <a:t>pp=</a:t>
-            </a:r>
-            <a:r>
-              <a:rPr kumimoji="0" lang="de-DE" sz="1800" b="0" i="0" u="none" strike="noStrike" kern="0" cap="none" spc="0" normalizeH="0" baseline="0" noProof="0" dirty="0" err="1">
-                <a:ln>
-                  <a:noFill/>
-                </a:ln>
-                <a:effectLst/>
-                <a:uLnTx/>
-                <a:uFillTx/>
-                <a:ea typeface="Arial Unicode MS" pitchFamily="34" charset="-128"/>
-                <a:cs typeface="Arial Unicode MS" pitchFamily="34" charset="-128"/>
-              </a:rPr>
-              <a:t>nginx</a:t>
-            </a:r>
-            <a:endParaRPr kumimoji="0" lang="de-DE" sz="1800" b="0" i="0" u="none" strike="noStrike" kern="0" cap="none" spc="0" normalizeH="0" baseline="0" noProof="0" dirty="0">
-              <a:ln>
-                <a:noFill/>
-              </a:ln>
-              <a:effectLst/>
-              <a:uLnTx/>
-              <a:uFillTx/>
-              <a:ea typeface="Arial Unicode MS" pitchFamily="34" charset="-128"/>
-              <a:cs typeface="Arial Unicode MS" pitchFamily="34" charset="-128"/>
-            </a:endParaRPr>
-          </a:p>
-        </p:txBody>
-      </p:sp>
-      <p:sp>
-        <p:nvSpPr>
-          <p:cNvPr id="18" name="Rectangle 17"/>
-          <p:cNvSpPr/>
-          <p:nvPr/>
-        </p:nvSpPr>
-        <p:spPr bwMode="gray">
-          <a:xfrm>
-            <a:off x="8045976" y="4446544"/>
-            <a:ext cx="1815338" cy="1160859"/>
-          </a:xfrm>
-          <a:prstGeom prst="rect">
-            <a:avLst/>
-          </a:prstGeom>
-          <a:ln>
-            <a:headEnd/>
-            <a:tailEnd/>
-          </a:ln>
-        </p:spPr>
-        <p:style>
-          <a:lnRef idx="2">
-            <a:schemeClr val="accent2">
-              <a:shade val="50000"/>
-            </a:schemeClr>
-          </a:lnRef>
-          <a:fillRef idx="1">
-            <a:schemeClr val="accent2"/>
-          </a:fillRef>
-          <a:effectRef idx="0">
-            <a:schemeClr val="accent2"/>
-          </a:effectRef>
-          <a:fontRef idx="minor">
-            <a:schemeClr val="lt1"/>
-          </a:fontRef>
-        </p:style>
-        <p:txBody>
-          <a:bodyPr lIns="90000" tIns="72000" rIns="90000" bIns="72000" rtlCol="0" anchor="ctr"/>
-          <a:lstStyle/>
-          <a:p>
-            <a:pPr marR="0" algn="ctr" defTabSz="914400" eaLnBrk="1" fontAlgn="base" latinLnBrk="0" hangingPunct="1">
-              <a:lnSpc>
-                <a:spcPct val="100000"/>
-              </a:lnSpc>
-              <a:spcBef>
-                <a:spcPct val="50000"/>
-              </a:spcBef>
-              <a:spcAft>
-                <a:spcPct val="0"/>
-              </a:spcAft>
-              <a:buClr>
-                <a:srgbClr val="F0AB00"/>
-              </a:buClr>
-              <a:buSzPct val="80000"/>
-              <a:tabLst/>
-            </a:pPr>
-            <a:r>
-              <a:rPr lang="de-DE" sz="1600" b="1" kern="0" noProof="0" dirty="0" err="1">
-                <a:ea typeface="Arial Unicode MS" pitchFamily="34" charset="-128"/>
-                <a:cs typeface="Arial Unicode MS" pitchFamily="34" charset="-128"/>
-              </a:rPr>
-              <a:t>Pod</a:t>
-            </a:r>
-            <a:endParaRPr kumimoji="0" lang="de-DE" sz="1600" b="1" i="0" u="none" strike="noStrike" kern="0" cap="none" spc="0" normalizeH="0" baseline="0" noProof="0" dirty="0">
-              <a:ln>
-                <a:noFill/>
-              </a:ln>
-              <a:effectLst/>
-              <a:uLnTx/>
-              <a:uFillTx/>
-              <a:ea typeface="Arial Unicode MS" pitchFamily="34" charset="-128"/>
-              <a:cs typeface="Arial Unicode MS" pitchFamily="34" charset="-128"/>
-            </a:endParaRPr>
-          </a:p>
-        </p:txBody>
-      </p:sp>
-      <p:sp>
-        <p:nvSpPr>
-          <p:cNvPr id="19" name="Rectangle 18"/>
-          <p:cNvSpPr/>
-          <p:nvPr/>
-        </p:nvSpPr>
-        <p:spPr bwMode="gray">
-          <a:xfrm>
-            <a:off x="7208370" y="5386537"/>
-            <a:ext cx="1319714" cy="428584"/>
-          </a:xfrm>
-          <a:prstGeom prst="rect">
-            <a:avLst/>
-          </a:prstGeom>
-          <a:ln>
-            <a:headEnd/>
-            <a:tailEnd/>
-          </a:ln>
-        </p:spPr>
-        <p:style>
-          <a:lnRef idx="2">
-            <a:schemeClr val="accent2"/>
-          </a:lnRef>
-          <a:fillRef idx="1">
-            <a:schemeClr val="lt1"/>
-          </a:fillRef>
-          <a:effectRef idx="0">
-            <a:schemeClr val="accent2"/>
-          </a:effectRef>
-          <a:fontRef idx="minor">
-            <a:schemeClr val="dk1"/>
-          </a:fontRef>
-        </p:style>
-        <p:txBody>
-          <a:bodyPr lIns="90000" tIns="72000" rIns="90000" bIns="72000" rtlCol="0" anchor="ctr"/>
-          <a:lstStyle/>
-          <a:p>
-            <a:pPr marR="0" algn="ctr" defTabSz="914400" eaLnBrk="1" fontAlgn="base" latinLnBrk="0" hangingPunct="1">
-              <a:lnSpc>
-                <a:spcPct val="100000"/>
-              </a:lnSpc>
-              <a:spcBef>
-                <a:spcPct val="50000"/>
-              </a:spcBef>
-              <a:spcAft>
-                <a:spcPct val="0"/>
-              </a:spcAft>
-              <a:buClr>
-                <a:srgbClr val="F0AB00"/>
-              </a:buClr>
-              <a:buSzPct val="80000"/>
-              <a:tabLst/>
-            </a:pPr>
-            <a:r>
-              <a:rPr lang="de-DE" sz="1800" kern="0" dirty="0">
-                <a:ea typeface="Arial Unicode MS" pitchFamily="34" charset="-128"/>
-                <a:cs typeface="Arial Unicode MS" pitchFamily="34" charset="-128"/>
-              </a:rPr>
-              <a:t>a</a:t>
-            </a:r>
-            <a:r>
-              <a:rPr kumimoji="0" lang="de-DE" sz="1800" b="0" i="0" u="none" strike="noStrike" kern="0" cap="none" spc="0" normalizeH="0" baseline="0" noProof="0" dirty="0">
-                <a:ln>
-                  <a:noFill/>
-                </a:ln>
-                <a:effectLst/>
-                <a:uLnTx/>
-                <a:uFillTx/>
-                <a:ea typeface="Arial Unicode MS" pitchFamily="34" charset="-128"/>
-                <a:cs typeface="Arial Unicode MS" pitchFamily="34" charset="-128"/>
-              </a:rPr>
-              <a:t>pp=</a:t>
-            </a:r>
-            <a:r>
-              <a:rPr kumimoji="0" lang="de-DE" sz="1800" b="0" i="0" u="none" strike="noStrike" kern="0" cap="none" spc="0" normalizeH="0" baseline="0" noProof="0" dirty="0" err="1">
-                <a:ln>
-                  <a:noFill/>
-                </a:ln>
-                <a:effectLst/>
-                <a:uLnTx/>
-                <a:uFillTx/>
-                <a:ea typeface="Arial Unicode MS" pitchFamily="34" charset="-128"/>
-                <a:cs typeface="Arial Unicode MS" pitchFamily="34" charset="-128"/>
-              </a:rPr>
-              <a:t>client</a:t>
-            </a:r>
-            <a:endParaRPr kumimoji="0" lang="de-DE" sz="1800" b="0" i="0" u="none" strike="noStrike" kern="0" cap="none" spc="0" normalizeH="0" baseline="0" noProof="0" dirty="0">
-              <a:ln>
-                <a:noFill/>
-              </a:ln>
-              <a:effectLst/>
-              <a:uLnTx/>
-              <a:uFillTx/>
-              <a:ea typeface="Arial Unicode MS" pitchFamily="34" charset="-128"/>
-              <a:cs typeface="Arial Unicode MS" pitchFamily="34" charset="-128"/>
-            </a:endParaRPr>
-          </a:p>
-        </p:txBody>
-      </p:sp>
-      <p:sp>
-        <p:nvSpPr>
-          <p:cNvPr id="20" name="Rectangle 19"/>
-          <p:cNvSpPr/>
-          <p:nvPr/>
-        </p:nvSpPr>
-        <p:spPr bwMode="gray">
-          <a:xfrm>
-            <a:off x="9575331" y="5386537"/>
-            <a:ext cx="1073656" cy="428584"/>
-          </a:xfrm>
-          <a:prstGeom prst="rect">
-            <a:avLst/>
-          </a:prstGeom>
-          <a:ln>
-            <a:headEnd/>
-            <a:tailEnd/>
-          </a:ln>
-        </p:spPr>
-        <p:style>
-          <a:lnRef idx="2">
-            <a:schemeClr val="accent2"/>
-          </a:lnRef>
-          <a:fillRef idx="1">
-            <a:schemeClr val="lt1"/>
-          </a:fillRef>
-          <a:effectRef idx="0">
-            <a:schemeClr val="accent2"/>
-          </a:effectRef>
-          <a:fontRef idx="minor">
-            <a:schemeClr val="dk1"/>
-          </a:fontRef>
-        </p:style>
-        <p:txBody>
-          <a:bodyPr lIns="90000" tIns="72000" rIns="90000" bIns="72000" rtlCol="0" anchor="ctr"/>
-          <a:lstStyle/>
-          <a:p>
-            <a:pPr marR="0" algn="ctr" defTabSz="914400" eaLnBrk="1" fontAlgn="base" latinLnBrk="0" hangingPunct="1">
-              <a:lnSpc>
-                <a:spcPct val="100000"/>
-              </a:lnSpc>
-              <a:spcBef>
-                <a:spcPct val="50000"/>
-              </a:spcBef>
-              <a:spcAft>
-                <a:spcPct val="0"/>
-              </a:spcAft>
-              <a:buClr>
-                <a:srgbClr val="F0AB00"/>
-              </a:buClr>
-              <a:buSzPct val="80000"/>
-              <a:tabLst/>
-            </a:pPr>
-            <a:r>
-              <a:rPr lang="de-DE" sz="1800" kern="0" dirty="0">
-                <a:ea typeface="Arial Unicode MS" pitchFamily="34" charset="-128"/>
-                <a:cs typeface="Arial Unicode MS" pitchFamily="34" charset="-128"/>
-              </a:rPr>
-              <a:t>Port: 80</a:t>
-            </a:r>
-            <a:endParaRPr kumimoji="0" lang="de-DE" sz="1800" b="0" i="0" u="none" strike="noStrike" kern="0" cap="none" spc="0" normalizeH="0" baseline="0" noProof="0" dirty="0">
-              <a:ln>
-                <a:noFill/>
-              </a:ln>
-              <a:effectLst/>
-              <a:uLnTx/>
-              <a:uFillTx/>
-              <a:ea typeface="Arial Unicode MS" pitchFamily="34" charset="-128"/>
-              <a:cs typeface="Arial Unicode MS" pitchFamily="34" charset="-128"/>
-            </a:endParaRPr>
-          </a:p>
-        </p:txBody>
-      </p:sp>
-      <p:sp>
-        <p:nvSpPr>
-          <p:cNvPr id="17" name="Rectangle 16"/>
-          <p:cNvSpPr/>
-          <p:nvPr/>
-        </p:nvSpPr>
-        <p:spPr bwMode="gray">
-          <a:xfrm>
-            <a:off x="3826004" y="5386537"/>
-            <a:ext cx="1073656" cy="428584"/>
-          </a:xfrm>
-          <a:prstGeom prst="rect">
-            <a:avLst/>
-          </a:prstGeom>
-          <a:ln>
-            <a:headEnd/>
-            <a:tailEnd/>
-          </a:ln>
-        </p:spPr>
-        <p:style>
-          <a:lnRef idx="2">
-            <a:schemeClr val="accent2"/>
-          </a:lnRef>
-          <a:fillRef idx="1">
-            <a:schemeClr val="lt1"/>
-          </a:fillRef>
-          <a:effectRef idx="0">
-            <a:schemeClr val="accent2"/>
-          </a:effectRef>
-          <a:fontRef idx="minor">
-            <a:schemeClr val="dk1"/>
-          </a:fontRef>
-        </p:style>
-        <p:txBody>
-          <a:bodyPr lIns="90000" tIns="72000" rIns="90000" bIns="72000" rtlCol="0" anchor="ctr"/>
-          <a:lstStyle/>
-          <a:p>
-            <a:pPr marR="0" algn="ctr" defTabSz="914400" eaLnBrk="1" fontAlgn="base" latinLnBrk="0" hangingPunct="1">
-              <a:lnSpc>
-                <a:spcPct val="100000"/>
-              </a:lnSpc>
-              <a:spcBef>
-                <a:spcPct val="50000"/>
-              </a:spcBef>
-              <a:spcAft>
-                <a:spcPct val="0"/>
-              </a:spcAft>
-              <a:buClr>
-                <a:srgbClr val="F0AB00"/>
-              </a:buClr>
-              <a:buSzPct val="80000"/>
-              <a:tabLst/>
-            </a:pPr>
-            <a:r>
-              <a:rPr lang="de-DE" sz="1800" kern="0" dirty="0">
-                <a:ea typeface="Arial Unicode MS" pitchFamily="34" charset="-128"/>
-                <a:cs typeface="Arial Unicode MS" pitchFamily="34" charset="-128"/>
-              </a:rPr>
-              <a:t>Port: 80</a:t>
-            </a:r>
-            <a:endParaRPr kumimoji="0" lang="de-DE" sz="1800" b="0" i="0" u="none" strike="noStrike" kern="0" cap="none" spc="0" normalizeH="0" baseline="0" noProof="0" dirty="0">
-              <a:ln>
-                <a:noFill/>
-              </a:ln>
-              <a:effectLst/>
-              <a:uLnTx/>
-              <a:uFillTx/>
-              <a:ea typeface="Arial Unicode MS" pitchFamily="34" charset="-128"/>
-              <a:cs typeface="Arial Unicode MS" pitchFamily="34" charset="-128"/>
-            </a:endParaRPr>
-          </a:p>
-        </p:txBody>
-      </p:sp>
-      <p:sp>
-        <p:nvSpPr>
-          <p:cNvPr id="13" name="Rectangle 12"/>
-          <p:cNvSpPr/>
-          <p:nvPr/>
-        </p:nvSpPr>
-        <p:spPr bwMode="gray">
-          <a:xfrm>
-            <a:off x="8130685" y="4205839"/>
-            <a:ext cx="1645920" cy="365760"/>
-          </a:xfrm>
-          <a:prstGeom prst="rect">
-            <a:avLst/>
-          </a:prstGeom>
-          <a:ln>
-            <a:headEnd/>
-            <a:tailEnd/>
-          </a:ln>
-        </p:spPr>
-        <p:style>
-          <a:lnRef idx="2">
-            <a:schemeClr val="accent2"/>
-          </a:lnRef>
-          <a:fillRef idx="1">
-            <a:schemeClr val="lt1"/>
-          </a:fillRef>
-          <a:effectRef idx="0">
-            <a:schemeClr val="accent2"/>
-          </a:effectRef>
-          <a:fontRef idx="minor">
-            <a:schemeClr val="dk1"/>
-          </a:fontRef>
-        </p:style>
-        <p:txBody>
-          <a:bodyPr lIns="90000" tIns="72000" rIns="90000" bIns="72000" rtlCol="0" anchor="ctr"/>
-          <a:lstStyle/>
-          <a:p>
-            <a:pPr marR="0" algn="ctr" defTabSz="914400" eaLnBrk="1" fontAlgn="base" latinLnBrk="0" hangingPunct="1">
-              <a:lnSpc>
-                <a:spcPct val="100000"/>
-              </a:lnSpc>
-              <a:spcBef>
-                <a:spcPct val="50000"/>
-              </a:spcBef>
-              <a:spcAft>
-                <a:spcPct val="0"/>
-              </a:spcAft>
-              <a:buClr>
-                <a:srgbClr val="F0AB00"/>
-              </a:buClr>
-              <a:buSzPct val="80000"/>
-              <a:tabLst/>
-            </a:pPr>
-            <a:r>
-              <a:rPr kumimoji="0" lang="de-DE" sz="1800" b="0" i="0" u="none" strike="noStrike" kern="0" cap="none" spc="0" normalizeH="0" baseline="0" noProof="0" dirty="0">
-                <a:ln>
-                  <a:noFill/>
-                </a:ln>
-                <a:effectLst/>
-                <a:uLnTx/>
-                <a:uFillTx/>
-                <a:ea typeface="Arial Unicode MS" pitchFamily="34" charset="-128"/>
-                <a:cs typeface="Arial Unicode MS" pitchFamily="34" charset="-128"/>
-              </a:rPr>
-              <a:t>IP: 10.10.10.3</a:t>
-            </a:r>
-          </a:p>
-        </p:txBody>
-      </p:sp>
-      <p:sp>
-        <p:nvSpPr>
-          <p:cNvPr id="22" name="Rectangle 21"/>
-          <p:cNvSpPr/>
-          <p:nvPr/>
-        </p:nvSpPr>
-        <p:spPr bwMode="gray">
-          <a:xfrm>
-            <a:off x="341121" y="3227860"/>
-            <a:ext cx="2124327" cy="428584"/>
-          </a:xfrm>
-          <a:prstGeom prst="rect">
-            <a:avLst/>
-          </a:prstGeom>
-          <a:ln>
-            <a:headEnd/>
-            <a:tailEnd/>
-          </a:ln>
-        </p:spPr>
-        <p:style>
-          <a:lnRef idx="2">
-            <a:schemeClr val="accent5"/>
-          </a:lnRef>
-          <a:fillRef idx="1">
-            <a:schemeClr val="lt1"/>
-          </a:fillRef>
-          <a:effectRef idx="0">
-            <a:schemeClr val="accent5"/>
-          </a:effectRef>
-          <a:fontRef idx="minor">
-            <a:schemeClr val="dk1"/>
-          </a:fontRef>
-        </p:style>
-        <p:txBody>
-          <a:bodyPr lIns="90000" tIns="72000" rIns="90000" bIns="72000" rtlCol="0" anchor="ctr"/>
-          <a:lstStyle/>
-          <a:p>
-            <a:pPr marR="0" algn="ctr" defTabSz="914400" eaLnBrk="1" fontAlgn="base" latinLnBrk="0" hangingPunct="1">
-              <a:lnSpc>
-                <a:spcPct val="100000"/>
-              </a:lnSpc>
-              <a:spcBef>
-                <a:spcPct val="50000"/>
-              </a:spcBef>
-              <a:spcAft>
-                <a:spcPct val="0"/>
-              </a:spcAft>
-              <a:buClr>
-                <a:srgbClr val="F0AB00"/>
-              </a:buClr>
-              <a:buSzPct val="80000"/>
-              <a:tabLst/>
-            </a:pPr>
-            <a:r>
-              <a:rPr lang="de-DE" sz="1800" kern="0" dirty="0" err="1">
-                <a:ea typeface="Arial Unicode MS" pitchFamily="34" charset="-128"/>
-                <a:cs typeface="Arial Unicode MS" pitchFamily="34" charset="-128"/>
-              </a:rPr>
-              <a:t>NodePort</a:t>
-            </a:r>
-            <a:r>
-              <a:rPr lang="de-DE" sz="1800" kern="0" dirty="0">
-                <a:ea typeface="Arial Unicode MS" pitchFamily="34" charset="-128"/>
-                <a:cs typeface="Arial Unicode MS" pitchFamily="34" charset="-128"/>
-              </a:rPr>
-              <a:t>: 30021</a:t>
-            </a:r>
-            <a:endParaRPr kumimoji="0" lang="de-DE" sz="1800" b="0" i="0" u="none" strike="noStrike" kern="0" cap="none" spc="0" normalizeH="0" baseline="0" noProof="0" dirty="0">
-              <a:ln>
-                <a:noFill/>
-              </a:ln>
-              <a:effectLst/>
-              <a:uLnTx/>
-              <a:uFillTx/>
-              <a:ea typeface="Arial Unicode MS" pitchFamily="34" charset="-128"/>
-              <a:cs typeface="Arial Unicode MS" pitchFamily="34" charset="-128"/>
-            </a:endParaRPr>
-          </a:p>
-        </p:txBody>
-      </p:sp>
-      <p:sp>
-        <p:nvSpPr>
-          <p:cNvPr id="23" name="Rectangle 22"/>
-          <p:cNvSpPr/>
-          <p:nvPr/>
-        </p:nvSpPr>
-        <p:spPr bwMode="gray">
-          <a:xfrm>
-            <a:off x="9566150" y="3227860"/>
-            <a:ext cx="2124327" cy="428584"/>
-          </a:xfrm>
-          <a:prstGeom prst="rect">
-            <a:avLst/>
-          </a:prstGeom>
-          <a:ln>
-            <a:headEnd/>
-            <a:tailEnd/>
-          </a:ln>
-        </p:spPr>
-        <p:style>
-          <a:lnRef idx="2">
-            <a:schemeClr val="accent5"/>
-          </a:lnRef>
-          <a:fillRef idx="1">
-            <a:schemeClr val="lt1"/>
-          </a:fillRef>
-          <a:effectRef idx="0">
-            <a:schemeClr val="accent5"/>
-          </a:effectRef>
-          <a:fontRef idx="minor">
-            <a:schemeClr val="dk1"/>
-          </a:fontRef>
-        </p:style>
-        <p:txBody>
-          <a:bodyPr lIns="90000" tIns="72000" rIns="90000" bIns="72000" rtlCol="0" anchor="ctr"/>
-          <a:lstStyle/>
-          <a:p>
-            <a:pPr marR="0" algn="ctr" defTabSz="914400" eaLnBrk="1" fontAlgn="base" latinLnBrk="0" hangingPunct="1">
-              <a:lnSpc>
-                <a:spcPct val="100000"/>
-              </a:lnSpc>
-              <a:spcBef>
-                <a:spcPct val="50000"/>
-              </a:spcBef>
-              <a:spcAft>
-                <a:spcPct val="0"/>
-              </a:spcAft>
-              <a:buClr>
-                <a:srgbClr val="F0AB00"/>
-              </a:buClr>
-              <a:buSzPct val="80000"/>
-              <a:tabLst/>
-            </a:pPr>
-            <a:r>
-              <a:rPr lang="de-DE" sz="1800" kern="0" dirty="0" err="1">
-                <a:ea typeface="Arial Unicode MS" pitchFamily="34" charset="-128"/>
-                <a:cs typeface="Arial Unicode MS" pitchFamily="34" charset="-128"/>
-              </a:rPr>
-              <a:t>NodePort</a:t>
-            </a:r>
-            <a:r>
-              <a:rPr lang="de-DE" sz="1800" kern="0" dirty="0">
-                <a:ea typeface="Arial Unicode MS" pitchFamily="34" charset="-128"/>
-                <a:cs typeface="Arial Unicode MS" pitchFamily="34" charset="-128"/>
-              </a:rPr>
-              <a:t>: 30021</a:t>
-            </a:r>
-            <a:endParaRPr kumimoji="0" lang="de-DE" sz="1800" b="0" i="0" u="none" strike="noStrike" kern="0" cap="none" spc="0" normalizeH="0" baseline="0" noProof="0" dirty="0">
-              <a:ln>
-                <a:noFill/>
-              </a:ln>
-              <a:effectLst/>
-              <a:uLnTx/>
-              <a:uFillTx/>
-              <a:ea typeface="Arial Unicode MS" pitchFamily="34" charset="-128"/>
-              <a:cs typeface="Arial Unicode MS" pitchFamily="34" charset="-128"/>
-            </a:endParaRPr>
-          </a:p>
-        </p:txBody>
-      </p:sp>
-      <p:sp>
-        <p:nvSpPr>
-          <p:cNvPr id="24" name="Cloud 23"/>
-          <p:cNvSpPr/>
-          <p:nvPr/>
-        </p:nvSpPr>
-        <p:spPr bwMode="gray">
-          <a:xfrm>
-            <a:off x="4348821" y="1057695"/>
-            <a:ext cx="3496836" cy="1074420"/>
-          </a:xfrm>
-          <a:prstGeom prst="cloud">
-            <a:avLst/>
-          </a:prstGeom>
-          <a:solidFill>
-            <a:schemeClr val="accent1"/>
-          </a:solidFill>
-          <a:ln w="6350" algn="ctr">
-            <a:noFill/>
-            <a:miter lim="800000"/>
-            <a:headEnd/>
-            <a:tailEnd/>
-          </a:ln>
-        </p:spPr>
-        <p:txBody>
-          <a:bodyPr lIns="90000" tIns="72000" rIns="90000" bIns="72000" rtlCol="0" anchor="ctr"/>
-          <a:lstStyle/>
-          <a:p>
-            <a:pPr marR="0" algn="ctr" defTabSz="914400" eaLnBrk="1" fontAlgn="base" latinLnBrk="0" hangingPunct="1">
-              <a:lnSpc>
-                <a:spcPct val="100000"/>
-              </a:lnSpc>
-              <a:spcBef>
-                <a:spcPct val="50000"/>
-              </a:spcBef>
-              <a:spcAft>
-                <a:spcPct val="0"/>
-              </a:spcAft>
-              <a:buClr>
-                <a:srgbClr val="F0AB00"/>
-              </a:buClr>
-              <a:buSzPct val="80000"/>
-              <a:tabLst/>
-            </a:pPr>
-            <a:r>
-              <a:rPr lang="en-US" sz="1800" kern="0" dirty="0">
-                <a:ea typeface="Arial Unicode MS" pitchFamily="34" charset="-128"/>
-                <a:cs typeface="Arial Unicode MS" pitchFamily="34" charset="-128"/>
-              </a:rPr>
-              <a:t>GET: nginx:30021</a:t>
-            </a:r>
-            <a:endParaRPr kumimoji="0" lang="en-US" sz="1800" b="0" i="0" u="none" strike="noStrike" kern="0" cap="none" spc="0" normalizeH="0" baseline="0" noProof="0" dirty="0" err="1">
-              <a:ln>
-                <a:noFill/>
-              </a:ln>
-              <a:effectLst/>
-              <a:uLnTx/>
-              <a:uFillTx/>
-              <a:ea typeface="Arial Unicode MS" pitchFamily="34" charset="-128"/>
-              <a:cs typeface="Arial Unicode MS" pitchFamily="34" charset="-128"/>
-            </a:endParaRPr>
-          </a:p>
-        </p:txBody>
-      </p:sp>
-      <p:cxnSp>
-        <p:nvCxnSpPr>
-          <p:cNvPr id="26" name="Connector: Elbow 25"/>
-          <p:cNvCxnSpPr>
-            <a:stCxn id="24" idx="2"/>
-            <a:endCxn id="22" idx="0"/>
-          </p:cNvCxnSpPr>
-          <p:nvPr/>
-        </p:nvCxnSpPr>
-        <p:spPr>
-          <a:xfrm rot="10800000" flipV="1">
-            <a:off x="1403286" y="1594904"/>
-            <a:ext cx="2956383" cy="1632955"/>
-          </a:xfrm>
-          <a:prstGeom prst="bentConnector2">
-            <a:avLst/>
-          </a:prstGeom>
-          <a:ln w="57150">
-            <a:solidFill>
-              <a:schemeClr val="tx2"/>
-            </a:solidFill>
-            <a:headEnd type="none" w="med" len="med"/>
-            <a:tailEnd type="triangle"/>
-          </a:ln>
-        </p:spPr>
-        <p:style>
-          <a:lnRef idx="1">
-            <a:schemeClr val="accent1"/>
-          </a:lnRef>
-          <a:fillRef idx="0">
-            <a:schemeClr val="accent1"/>
-          </a:fillRef>
-          <a:effectRef idx="0">
-            <a:schemeClr val="accent1"/>
-          </a:effectRef>
-          <a:fontRef idx="minor">
-            <a:schemeClr val="tx1"/>
-          </a:fontRef>
-        </p:style>
-      </p:cxnSp>
-      <p:cxnSp>
-        <p:nvCxnSpPr>
-          <p:cNvPr id="27" name="Connector: Elbow 26"/>
-          <p:cNvCxnSpPr>
-            <a:stCxn id="24" idx="0"/>
-            <a:endCxn id="23" idx="0"/>
-          </p:cNvCxnSpPr>
-          <p:nvPr/>
-        </p:nvCxnSpPr>
-        <p:spPr>
-          <a:xfrm>
-            <a:off x="7842743" y="1594905"/>
-            <a:ext cx="2785571" cy="1632955"/>
-          </a:xfrm>
-          <a:prstGeom prst="bentConnector2">
-            <a:avLst/>
-          </a:prstGeom>
-          <a:ln w="57150">
-            <a:solidFill>
-              <a:schemeClr val="tx2"/>
-            </a:solidFill>
-            <a:headEnd type="none" w="med" len="med"/>
-            <a:tailEnd type="triangle"/>
-          </a:ln>
-        </p:spPr>
-        <p:style>
-          <a:lnRef idx="1">
-            <a:schemeClr val="accent1"/>
-          </a:lnRef>
-          <a:fillRef idx="0">
-            <a:schemeClr val="accent1"/>
-          </a:fillRef>
-          <a:effectRef idx="0">
-            <a:schemeClr val="accent1"/>
-          </a:effectRef>
-          <a:fontRef idx="minor">
-            <a:schemeClr val="tx1"/>
-          </a:fontRef>
-        </p:style>
-      </p:cxnSp>
-      <p:cxnSp>
-        <p:nvCxnSpPr>
-          <p:cNvPr id="30" name="Connector: Elbow 29"/>
-          <p:cNvCxnSpPr>
-            <a:stCxn id="23" idx="2"/>
-            <a:endCxn id="14" idx="0"/>
-          </p:cNvCxnSpPr>
-          <p:nvPr/>
-        </p:nvCxnSpPr>
-        <p:spPr>
-          <a:xfrm rot="5400000">
-            <a:off x="8824672" y="2112838"/>
-            <a:ext cx="260036" cy="3347249"/>
-          </a:xfrm>
-          <a:prstGeom prst="bentConnector2">
-            <a:avLst/>
-          </a:prstGeom>
-          <a:ln w="57150">
-            <a:solidFill>
-              <a:schemeClr val="tx2"/>
-            </a:solidFill>
-            <a:headEnd type="none" w="med" len="med"/>
-            <a:tailEnd type="triangle"/>
-          </a:ln>
-        </p:spPr>
-        <p:style>
-          <a:lnRef idx="1">
-            <a:schemeClr val="accent1"/>
-          </a:lnRef>
-          <a:fillRef idx="0">
-            <a:schemeClr val="accent1"/>
-          </a:fillRef>
-          <a:effectRef idx="0">
-            <a:schemeClr val="accent1"/>
-          </a:effectRef>
-          <a:fontRef idx="minor">
-            <a:schemeClr val="tx1"/>
-          </a:fontRef>
-        </p:style>
-      </p:cxnSp>
-      <p:cxnSp>
-        <p:nvCxnSpPr>
-          <p:cNvPr id="33" name="Connector: Elbow 32"/>
-          <p:cNvCxnSpPr>
-            <a:stCxn id="22" idx="2"/>
-            <a:endCxn id="14" idx="2"/>
-          </p:cNvCxnSpPr>
-          <p:nvPr/>
-        </p:nvCxnSpPr>
-        <p:spPr>
-          <a:xfrm rot="16200000" flipH="1">
-            <a:off x="2974991" y="2084738"/>
-            <a:ext cx="260036" cy="3403448"/>
-          </a:xfrm>
-          <a:prstGeom prst="bentConnector2">
-            <a:avLst/>
-          </a:prstGeom>
-          <a:ln w="57150">
-            <a:solidFill>
-              <a:schemeClr val="tx2"/>
-            </a:solidFill>
-            <a:headEnd type="none" w="med" len="med"/>
-            <a:tailEnd type="triangle"/>
-          </a:ln>
-        </p:spPr>
-        <p:style>
-          <a:lnRef idx="1">
-            <a:schemeClr val="accent1"/>
-          </a:lnRef>
-          <a:fillRef idx="0">
-            <a:schemeClr val="accent1"/>
-          </a:fillRef>
-          <a:effectRef idx="0">
-            <a:schemeClr val="accent1"/>
-          </a:effectRef>
-          <a:fontRef idx="minor">
-            <a:schemeClr val="tx1"/>
-          </a:fontRef>
-        </p:style>
-      </p:cxnSp>
-      <p:cxnSp>
-        <p:nvCxnSpPr>
-          <p:cNvPr id="36" name="Connector: Elbow 35"/>
-          <p:cNvCxnSpPr>
-            <a:stCxn id="14" idx="1"/>
-            <a:endCxn id="15" idx="2"/>
-          </p:cNvCxnSpPr>
-          <p:nvPr/>
-        </p:nvCxnSpPr>
-        <p:spPr>
-          <a:xfrm rot="5400000">
-            <a:off x="3718719" y="3489941"/>
-            <a:ext cx="725362" cy="3924999"/>
-          </a:xfrm>
-          <a:prstGeom prst="bentConnector3">
-            <a:avLst>
-              <a:gd name="adj1" fmla="val 137818"/>
-            </a:avLst>
-          </a:prstGeom>
-          <a:ln w="57150">
-            <a:solidFill>
-              <a:schemeClr val="tx2"/>
-            </a:solidFill>
-            <a:headEnd type="none" w="med" len="med"/>
-            <a:tailEnd type="triangle"/>
-          </a:ln>
-        </p:spPr>
-        <p:style>
-          <a:lnRef idx="1">
-            <a:schemeClr val="accent1"/>
-          </a:lnRef>
-          <a:fillRef idx="0">
-            <a:schemeClr val="accent1"/>
-          </a:fillRef>
-          <a:effectRef idx="0">
-            <a:schemeClr val="accent1"/>
-          </a:effectRef>
-          <a:fontRef idx="minor">
-            <a:schemeClr val="tx1"/>
-          </a:fontRef>
-        </p:style>
-      </p:cxnSp>
-    </p:spTree>
-    <p:extLst>
-      <p:ext uri="{BB962C8B-B14F-4D97-AF65-F5344CB8AC3E}">
-        <p14:creationId xmlns:p14="http://schemas.microsoft.com/office/powerpoint/2010/main" val="2098045799"/>
-      </p:ext>
-    </p:extLst>
-  </p:cSld>
-  <p:clrMapOvr>
-    <a:masterClrMapping/>
-  </p:clrMapOvr>
-</p:sld>
-</file>
-
-<file path=ppt/slides/slide9.xml><?xml version="1.0" encoding="utf-8"?>
 <p:sld xmlns:a="http://schemas.openxmlformats.org/drawingml/2006/main" xmlns:r="http://schemas.openxmlformats.org/officeDocument/2006/relationships" xmlns:p="http://schemas.openxmlformats.org/presentationml/2006/main">
   <p:cSld>
     <p:spTree>
@@ -12292,6 +9179,5105 @@
     <p:extLst>
       <p:ext uri="{BB962C8B-B14F-4D97-AF65-F5344CB8AC3E}">
         <p14:creationId xmlns:p14="http://schemas.microsoft.com/office/powerpoint/2010/main" val="4085581448"/>
+      </p:ext>
+    </p:extLst>
+  </p:cSld>
+  <p:clrMapOvr>
+    <a:masterClrMapping/>
+  </p:clrMapOvr>
+</p:sld>
+</file>
+
+<file path=ppt/slides/slide11.xml><?xml version="1.0" encoding="utf-8"?>
+<p:sld xmlns:a="http://schemas.openxmlformats.org/drawingml/2006/main" xmlns:r="http://schemas.openxmlformats.org/officeDocument/2006/relationships" xmlns:p="http://schemas.openxmlformats.org/presentationml/2006/main" show="0">
+  <p:cSld>
+    <p:spTree>
+      <p:nvGrpSpPr>
+        <p:cNvPr id="1" name=""/>
+        <p:cNvGrpSpPr/>
+        <p:nvPr/>
+      </p:nvGrpSpPr>
+      <p:grpSpPr>
+        <a:xfrm>
+          <a:off x="0" y="0"/>
+          <a:ext cx="0" cy="0"/>
+          <a:chOff x="0" y="0"/>
+          <a:chExt cx="0" cy="0"/>
+        </a:xfrm>
+      </p:grpSpPr>
+    </p:spTree>
+  </p:cSld>
+  <p:clrMapOvr>
+    <a:masterClrMapping/>
+  </p:clrMapOvr>
+  <p:transition spd="med"/>
+</p:sld>
+</file>
+
+<file path=ppt/slides/slide2.xml><?xml version="1.0" encoding="utf-8"?>
+<p:sld xmlns:a="http://schemas.openxmlformats.org/drawingml/2006/main" xmlns:r="http://schemas.openxmlformats.org/officeDocument/2006/relationships" xmlns:p="http://schemas.openxmlformats.org/presentationml/2006/main">
+  <p:cSld>
+    <p:spTree>
+      <p:nvGrpSpPr>
+        <p:cNvPr id="1" name=""/>
+        <p:cNvGrpSpPr/>
+        <p:nvPr/>
+      </p:nvGrpSpPr>
+      <p:grpSpPr>
+        <a:xfrm>
+          <a:off x="0" y="0"/>
+          <a:ext cx="0" cy="0"/>
+          <a:chOff x="0" y="0"/>
+          <a:chExt cx="0" cy="0"/>
+        </a:xfrm>
+      </p:grpSpPr>
+      <p:sp>
+        <p:nvSpPr>
+          <p:cNvPr id="5" name="Title 4"/>
+          <p:cNvSpPr>
+            <a:spLocks noGrp="1"/>
+          </p:cNvSpPr>
+          <p:nvPr>
+            <p:ph type="title"/>
+          </p:nvPr>
+        </p:nvSpPr>
+        <p:spPr/>
+        <p:txBody>
+          <a:bodyPr/>
+          <a:lstStyle/>
+          <a:p>
+            <a:r>
+              <a:rPr lang="en-US" dirty="0"/>
+              <a:t>Networking scenarios in </a:t>
+            </a:r>
+            <a:r>
+              <a:rPr lang="en-US" dirty="0" err="1"/>
+              <a:t>Kuberentes</a:t>
+            </a:r>
+            <a:endParaRPr lang="en-US" dirty="0"/>
+          </a:p>
+        </p:txBody>
+      </p:sp>
+      <p:sp>
+        <p:nvSpPr>
+          <p:cNvPr id="8" name="Rectangle 7"/>
+          <p:cNvSpPr/>
+          <p:nvPr/>
+        </p:nvSpPr>
+        <p:spPr>
+          <a:xfrm>
+            <a:off x="504000" y="1449619"/>
+            <a:ext cx="10590719" cy="2677656"/>
+          </a:xfrm>
+          <a:prstGeom prst="rect">
+            <a:avLst/>
+          </a:prstGeom>
+        </p:spPr>
+        <p:txBody>
+          <a:bodyPr wrap="square">
+            <a:spAutoFit/>
+          </a:bodyPr>
+          <a:lstStyle/>
+          <a:p>
+            <a:pPr marL="457200" indent="-457200">
+              <a:buFont typeface="+mj-lt"/>
+              <a:buAutoNum type="arabicPeriod"/>
+            </a:pPr>
+            <a:r>
+              <a:rPr lang="en-US" dirty="0"/>
+              <a:t>Highly-coupled container-to-container communications: this is solved by pods and localhost communications.</a:t>
+            </a:r>
+          </a:p>
+          <a:p>
+            <a:pPr marL="457200" indent="-457200">
+              <a:buFont typeface="+mj-lt"/>
+              <a:buAutoNum type="arabicPeriod"/>
+            </a:pPr>
+            <a:endParaRPr lang="en-US" dirty="0"/>
+          </a:p>
+          <a:p>
+            <a:pPr marL="457200" indent="-457200">
+              <a:buFont typeface="+mj-lt"/>
+              <a:buAutoNum type="arabicPeriod"/>
+            </a:pPr>
+            <a:r>
+              <a:rPr lang="en-US" dirty="0"/>
+              <a:t>Pod-to-Pod communications: served by overlay network. </a:t>
+            </a:r>
+          </a:p>
+          <a:p>
+            <a:pPr marL="457200" indent="-457200">
+              <a:buFont typeface="+mj-lt"/>
+              <a:buAutoNum type="arabicPeriod"/>
+            </a:pPr>
+            <a:endParaRPr lang="en-US" dirty="0"/>
+          </a:p>
+          <a:p>
+            <a:pPr marL="457200" indent="-457200">
+              <a:buFont typeface="+mj-lt"/>
+              <a:buAutoNum type="arabicPeriod"/>
+            </a:pPr>
+            <a:r>
+              <a:rPr lang="en-US" dirty="0"/>
+              <a:t>Pod-to-Service communications: this is covered by services.</a:t>
+            </a:r>
+          </a:p>
+          <a:p>
+            <a:pPr marL="457200" indent="-457200">
+              <a:buFont typeface="+mj-lt"/>
+              <a:buAutoNum type="arabicPeriod"/>
+            </a:pPr>
+            <a:endParaRPr lang="en-US" dirty="0"/>
+          </a:p>
+          <a:p>
+            <a:pPr marL="457200" indent="-457200">
+              <a:buFont typeface="+mj-lt"/>
+              <a:buAutoNum type="arabicPeriod"/>
+            </a:pPr>
+            <a:r>
+              <a:rPr lang="en-US" dirty="0"/>
+              <a:t>External-to-Service communications: this is covered by services.</a:t>
+            </a:r>
+          </a:p>
+        </p:txBody>
+      </p:sp>
+    </p:spTree>
+    <p:extLst>
+      <p:ext uri="{BB962C8B-B14F-4D97-AF65-F5344CB8AC3E}">
+        <p14:creationId xmlns:p14="http://schemas.microsoft.com/office/powerpoint/2010/main" val="1320105370"/>
+      </p:ext>
+    </p:extLst>
+  </p:cSld>
+  <p:clrMapOvr>
+    <a:masterClrMapping/>
+  </p:clrMapOvr>
+</p:sld>
+</file>
+
+<file path=ppt/slides/slide3.xml><?xml version="1.0" encoding="utf-8"?>
+<p:sld xmlns:a="http://schemas.openxmlformats.org/drawingml/2006/main" xmlns:r="http://schemas.openxmlformats.org/officeDocument/2006/relationships" xmlns:p="http://schemas.openxmlformats.org/presentationml/2006/main">
+  <p:cSld>
+    <p:spTree>
+      <p:nvGrpSpPr>
+        <p:cNvPr id="1" name=""/>
+        <p:cNvGrpSpPr/>
+        <p:nvPr/>
+      </p:nvGrpSpPr>
+      <p:grpSpPr>
+        <a:xfrm>
+          <a:off x="0" y="0"/>
+          <a:ext cx="0" cy="0"/>
+          <a:chOff x="0" y="0"/>
+          <a:chExt cx="0" cy="0"/>
+        </a:xfrm>
+      </p:grpSpPr>
+      <p:sp>
+        <p:nvSpPr>
+          <p:cNvPr id="27" name="Rectangle 26"/>
+          <p:cNvSpPr/>
+          <p:nvPr/>
+        </p:nvSpPr>
+        <p:spPr bwMode="gray">
+          <a:xfrm>
+            <a:off x="7598228" y="4676503"/>
+            <a:ext cx="2111829" cy="1785256"/>
+          </a:xfrm>
+          <a:prstGeom prst="rect">
+            <a:avLst/>
+          </a:prstGeom>
+          <a:ln>
+            <a:headEnd/>
+            <a:tailEnd/>
+          </a:ln>
+        </p:spPr>
+        <p:style>
+          <a:lnRef idx="2">
+            <a:schemeClr val="accent2"/>
+          </a:lnRef>
+          <a:fillRef idx="1">
+            <a:schemeClr val="lt1"/>
+          </a:fillRef>
+          <a:effectRef idx="0">
+            <a:schemeClr val="accent2"/>
+          </a:effectRef>
+          <a:fontRef idx="minor">
+            <a:schemeClr val="dk1"/>
+          </a:fontRef>
+        </p:style>
+        <p:txBody>
+          <a:bodyPr lIns="90000" tIns="72000" rIns="90000" bIns="72000" rtlCol="0" anchor="t"/>
+          <a:lstStyle/>
+          <a:p>
+            <a:pPr algn="ctr" defTabSz="914400" fontAlgn="base">
+              <a:spcBef>
+                <a:spcPct val="50000"/>
+              </a:spcBef>
+              <a:spcAft>
+                <a:spcPct val="0"/>
+              </a:spcAft>
+              <a:buClr>
+                <a:srgbClr val="F0AB00"/>
+              </a:buClr>
+              <a:buSzPct val="80000"/>
+            </a:pPr>
+            <a:r>
+              <a:rPr lang="en-US" sz="1800" b="1" kern="0" dirty="0">
+                <a:ea typeface="Arial Unicode MS" pitchFamily="34" charset="-128"/>
+                <a:cs typeface="Arial Unicode MS" pitchFamily="34" charset="-128"/>
+              </a:rPr>
+              <a:t>Node B</a:t>
+            </a:r>
+            <a:endParaRPr kumimoji="0" lang="en-US" sz="1800" b="0" i="0" u="none" strike="noStrike" kern="0" cap="none" spc="0" normalizeH="0" baseline="0" noProof="0" dirty="0" err="1">
+              <a:ln>
+                <a:noFill/>
+              </a:ln>
+              <a:effectLst/>
+              <a:uLnTx/>
+              <a:uFillTx/>
+              <a:ea typeface="Arial Unicode MS" pitchFamily="34" charset="-128"/>
+              <a:cs typeface="Arial Unicode MS" pitchFamily="34" charset="-128"/>
+            </a:endParaRPr>
+          </a:p>
+        </p:txBody>
+      </p:sp>
+      <p:sp>
+        <p:nvSpPr>
+          <p:cNvPr id="24" name="Title 23"/>
+          <p:cNvSpPr>
+            <a:spLocks noGrp="1"/>
+          </p:cNvSpPr>
+          <p:nvPr>
+            <p:ph type="title"/>
+          </p:nvPr>
+        </p:nvSpPr>
+        <p:spPr>
+          <a:xfrm>
+            <a:off x="504001" y="504000"/>
+            <a:ext cx="11186476" cy="369332"/>
+          </a:xfrm>
+        </p:spPr>
+        <p:txBody>
+          <a:bodyPr/>
+          <a:lstStyle/>
+          <a:p>
+            <a:r>
+              <a:rPr lang="en-US" dirty="0"/>
+              <a:t>Pod communication</a:t>
+            </a:r>
+          </a:p>
+        </p:txBody>
+      </p:sp>
+      <p:sp>
+        <p:nvSpPr>
+          <p:cNvPr id="4" name="Rectangle 3"/>
+          <p:cNvSpPr/>
+          <p:nvPr/>
+        </p:nvSpPr>
+        <p:spPr bwMode="gray">
+          <a:xfrm>
+            <a:off x="2629988" y="4676503"/>
+            <a:ext cx="4868092" cy="1785256"/>
+          </a:xfrm>
+          <a:prstGeom prst="rect">
+            <a:avLst/>
+          </a:prstGeom>
+          <a:ln>
+            <a:headEnd/>
+            <a:tailEnd/>
+          </a:ln>
+        </p:spPr>
+        <p:style>
+          <a:lnRef idx="2">
+            <a:schemeClr val="accent2"/>
+          </a:lnRef>
+          <a:fillRef idx="1">
+            <a:schemeClr val="lt1"/>
+          </a:fillRef>
+          <a:effectRef idx="0">
+            <a:schemeClr val="accent2"/>
+          </a:effectRef>
+          <a:fontRef idx="minor">
+            <a:schemeClr val="dk1"/>
+          </a:fontRef>
+        </p:style>
+        <p:txBody>
+          <a:bodyPr lIns="90000" tIns="72000" rIns="90000" bIns="72000" rtlCol="0" anchor="t"/>
+          <a:lstStyle/>
+          <a:p>
+            <a:pPr marR="0" algn="ctr" defTabSz="914400" eaLnBrk="1" fontAlgn="base" latinLnBrk="0" hangingPunct="1">
+              <a:lnSpc>
+                <a:spcPct val="100000"/>
+              </a:lnSpc>
+              <a:spcBef>
+                <a:spcPct val="50000"/>
+              </a:spcBef>
+              <a:spcAft>
+                <a:spcPct val="0"/>
+              </a:spcAft>
+              <a:buClr>
+                <a:srgbClr val="F0AB00"/>
+              </a:buClr>
+              <a:buSzPct val="80000"/>
+              <a:tabLst/>
+            </a:pPr>
+            <a:r>
+              <a:rPr kumimoji="0" lang="en-US" sz="1800" b="1" i="0" u="none" strike="noStrike" kern="0" cap="none" spc="0" normalizeH="0" baseline="0" noProof="0" dirty="0">
+                <a:ln>
+                  <a:noFill/>
+                </a:ln>
+                <a:effectLst/>
+                <a:uLnTx/>
+                <a:uFillTx/>
+                <a:ea typeface="Arial Unicode MS" pitchFamily="34" charset="-128"/>
+                <a:cs typeface="Arial Unicode MS" pitchFamily="34" charset="-128"/>
+              </a:rPr>
+              <a:t>Node A</a:t>
+            </a:r>
+          </a:p>
+        </p:txBody>
+      </p:sp>
+      <p:grpSp>
+        <p:nvGrpSpPr>
+          <p:cNvPr id="6" name="Group 5"/>
+          <p:cNvGrpSpPr/>
+          <p:nvPr/>
+        </p:nvGrpSpPr>
+        <p:grpSpPr>
+          <a:xfrm>
+            <a:off x="2952789" y="5306984"/>
+            <a:ext cx="6271481" cy="773906"/>
+            <a:chOff x="2386981" y="4488375"/>
+            <a:chExt cx="6271481" cy="773906"/>
+          </a:xfrm>
+        </p:grpSpPr>
+        <p:sp>
+          <p:nvSpPr>
+            <p:cNvPr id="42" name="Rectangle 41"/>
+            <p:cNvSpPr/>
+            <p:nvPr/>
+          </p:nvSpPr>
+          <p:spPr bwMode="gray">
+            <a:xfrm>
+              <a:off x="2386981" y="4488375"/>
+              <a:ext cx="1208595" cy="773906"/>
+            </a:xfrm>
+            <a:prstGeom prst="rect">
+              <a:avLst/>
+            </a:prstGeom>
+            <a:ln>
+              <a:headEnd/>
+              <a:tailEnd/>
+            </a:ln>
+          </p:spPr>
+          <p:style>
+            <a:lnRef idx="2">
+              <a:schemeClr val="accent2">
+                <a:shade val="50000"/>
+              </a:schemeClr>
+            </a:lnRef>
+            <a:fillRef idx="1">
+              <a:schemeClr val="accent2"/>
+            </a:fillRef>
+            <a:effectRef idx="0">
+              <a:schemeClr val="accent2"/>
+            </a:effectRef>
+            <a:fontRef idx="minor">
+              <a:schemeClr val="lt1"/>
+            </a:fontRef>
+          </p:style>
+          <p:txBody>
+            <a:bodyPr lIns="90000" tIns="72000" rIns="90000" bIns="72000" rtlCol="0" anchor="ctr"/>
+            <a:lstStyle/>
+            <a:p>
+              <a:pPr marR="0" algn="ctr" defTabSz="914400" eaLnBrk="1" fontAlgn="base" latinLnBrk="0" hangingPunct="1">
+                <a:lnSpc>
+                  <a:spcPct val="100000"/>
+                </a:lnSpc>
+                <a:spcBef>
+                  <a:spcPct val="50000"/>
+                </a:spcBef>
+                <a:spcAft>
+                  <a:spcPct val="0"/>
+                </a:spcAft>
+                <a:buClr>
+                  <a:srgbClr val="F0AB00"/>
+                </a:buClr>
+                <a:buSzPct val="80000"/>
+                <a:tabLst/>
+              </a:pPr>
+              <a:r>
+                <a:rPr lang="de-DE" sz="1600" b="1" kern="0" noProof="0" dirty="0" err="1">
+                  <a:ea typeface="Arial Unicode MS" pitchFamily="34" charset="-128"/>
+                  <a:cs typeface="Arial Unicode MS" pitchFamily="34" charset="-128"/>
+                </a:rPr>
+                <a:t>Pod</a:t>
+              </a:r>
+              <a:endParaRPr kumimoji="0" lang="de-DE" sz="1600" b="1" i="0" u="none" strike="noStrike" kern="0" cap="none" spc="0" normalizeH="0" baseline="0" noProof="0" dirty="0">
+                <a:ln>
+                  <a:noFill/>
+                </a:ln>
+                <a:effectLst/>
+                <a:uLnTx/>
+                <a:uFillTx/>
+                <a:ea typeface="Arial Unicode MS" pitchFamily="34" charset="-128"/>
+                <a:cs typeface="Arial Unicode MS" pitchFamily="34" charset="-128"/>
+              </a:endParaRPr>
+            </a:p>
+          </p:txBody>
+        </p:sp>
+        <p:sp>
+          <p:nvSpPr>
+            <p:cNvPr id="11" name="Rectangle 10"/>
+            <p:cNvSpPr/>
+            <p:nvPr/>
+          </p:nvSpPr>
+          <p:spPr bwMode="gray">
+            <a:xfrm>
+              <a:off x="4918424" y="4488375"/>
+              <a:ext cx="1208595" cy="773906"/>
+            </a:xfrm>
+            <a:prstGeom prst="rect">
+              <a:avLst/>
+            </a:prstGeom>
+            <a:ln>
+              <a:headEnd/>
+              <a:tailEnd/>
+            </a:ln>
+          </p:spPr>
+          <p:style>
+            <a:lnRef idx="2">
+              <a:schemeClr val="accent2">
+                <a:shade val="50000"/>
+              </a:schemeClr>
+            </a:lnRef>
+            <a:fillRef idx="1">
+              <a:schemeClr val="accent2"/>
+            </a:fillRef>
+            <a:effectRef idx="0">
+              <a:schemeClr val="accent2"/>
+            </a:effectRef>
+            <a:fontRef idx="minor">
+              <a:schemeClr val="lt1"/>
+            </a:fontRef>
+          </p:style>
+          <p:txBody>
+            <a:bodyPr lIns="90000" tIns="72000" rIns="90000" bIns="72000" rtlCol="0" anchor="ctr"/>
+            <a:lstStyle/>
+            <a:p>
+              <a:pPr marR="0" algn="ctr" defTabSz="914400" eaLnBrk="1" fontAlgn="base" latinLnBrk="0" hangingPunct="1">
+                <a:lnSpc>
+                  <a:spcPct val="100000"/>
+                </a:lnSpc>
+                <a:spcBef>
+                  <a:spcPct val="50000"/>
+                </a:spcBef>
+                <a:spcAft>
+                  <a:spcPct val="0"/>
+                </a:spcAft>
+                <a:buClr>
+                  <a:srgbClr val="F0AB00"/>
+                </a:buClr>
+                <a:buSzPct val="80000"/>
+                <a:tabLst/>
+              </a:pPr>
+              <a:r>
+                <a:rPr lang="de-DE" sz="1600" b="1" kern="0" noProof="0" dirty="0" err="1">
+                  <a:ea typeface="Arial Unicode MS" pitchFamily="34" charset="-128"/>
+                  <a:cs typeface="Arial Unicode MS" pitchFamily="34" charset="-128"/>
+                </a:rPr>
+                <a:t>Pod</a:t>
+              </a:r>
+              <a:endParaRPr kumimoji="0" lang="de-DE" sz="1600" b="1" i="0" u="none" strike="noStrike" kern="0" cap="none" spc="0" normalizeH="0" baseline="0" noProof="0" dirty="0">
+                <a:ln>
+                  <a:noFill/>
+                </a:ln>
+                <a:effectLst/>
+                <a:uLnTx/>
+                <a:uFillTx/>
+                <a:ea typeface="Arial Unicode MS" pitchFamily="34" charset="-128"/>
+                <a:cs typeface="Arial Unicode MS" pitchFamily="34" charset="-128"/>
+              </a:endParaRPr>
+            </a:p>
+          </p:txBody>
+        </p:sp>
+        <p:sp>
+          <p:nvSpPr>
+            <p:cNvPr id="15" name="Rectangle 14"/>
+            <p:cNvSpPr/>
+            <p:nvPr/>
+          </p:nvSpPr>
+          <p:spPr bwMode="gray">
+            <a:xfrm>
+              <a:off x="7449867" y="4488375"/>
+              <a:ext cx="1208595" cy="773906"/>
+            </a:xfrm>
+            <a:prstGeom prst="rect">
+              <a:avLst/>
+            </a:prstGeom>
+            <a:ln>
+              <a:headEnd/>
+              <a:tailEnd/>
+            </a:ln>
+          </p:spPr>
+          <p:style>
+            <a:lnRef idx="2">
+              <a:schemeClr val="accent2">
+                <a:shade val="50000"/>
+              </a:schemeClr>
+            </a:lnRef>
+            <a:fillRef idx="1">
+              <a:schemeClr val="accent2"/>
+            </a:fillRef>
+            <a:effectRef idx="0">
+              <a:schemeClr val="accent2"/>
+            </a:effectRef>
+            <a:fontRef idx="minor">
+              <a:schemeClr val="lt1"/>
+            </a:fontRef>
+          </p:style>
+          <p:txBody>
+            <a:bodyPr lIns="90000" tIns="72000" rIns="90000" bIns="72000" rtlCol="0" anchor="ctr"/>
+            <a:lstStyle/>
+            <a:p>
+              <a:pPr marR="0" algn="ctr" defTabSz="914400" eaLnBrk="1" fontAlgn="base" latinLnBrk="0" hangingPunct="1">
+                <a:lnSpc>
+                  <a:spcPct val="100000"/>
+                </a:lnSpc>
+                <a:spcBef>
+                  <a:spcPct val="50000"/>
+                </a:spcBef>
+                <a:spcAft>
+                  <a:spcPct val="0"/>
+                </a:spcAft>
+                <a:buClr>
+                  <a:srgbClr val="F0AB00"/>
+                </a:buClr>
+                <a:buSzPct val="80000"/>
+                <a:tabLst/>
+              </a:pPr>
+              <a:r>
+                <a:rPr lang="de-DE" sz="1600" b="1" kern="0" noProof="0" dirty="0" err="1">
+                  <a:ea typeface="Arial Unicode MS" pitchFamily="34" charset="-128"/>
+                  <a:cs typeface="Arial Unicode MS" pitchFamily="34" charset="-128"/>
+                </a:rPr>
+                <a:t>Pod</a:t>
+              </a:r>
+              <a:endParaRPr kumimoji="0" lang="de-DE" sz="1600" b="1" i="0" u="none" strike="noStrike" kern="0" cap="none" spc="0" normalizeH="0" baseline="0" noProof="0" dirty="0">
+                <a:ln>
+                  <a:noFill/>
+                </a:ln>
+                <a:effectLst/>
+                <a:uLnTx/>
+                <a:uFillTx/>
+                <a:ea typeface="Arial Unicode MS" pitchFamily="34" charset="-128"/>
+                <a:cs typeface="Arial Unicode MS" pitchFamily="34" charset="-128"/>
+              </a:endParaRPr>
+            </a:p>
+          </p:txBody>
+        </p:sp>
+      </p:grpSp>
+      <p:sp>
+        <p:nvSpPr>
+          <p:cNvPr id="22" name="Rectangle 21"/>
+          <p:cNvSpPr/>
+          <p:nvPr/>
+        </p:nvSpPr>
+        <p:spPr>
+          <a:xfrm>
+            <a:off x="504000" y="1223190"/>
+            <a:ext cx="10590719" cy="3323987"/>
+          </a:xfrm>
+          <a:prstGeom prst="rect">
+            <a:avLst/>
+          </a:prstGeom>
+        </p:spPr>
+        <p:txBody>
+          <a:bodyPr wrap="square">
+            <a:spAutoFit/>
+          </a:bodyPr>
+          <a:lstStyle/>
+          <a:p>
+            <a:pPr marL="342900" indent="-342900">
+              <a:buFont typeface="Wingdings" panose="05000000000000000000" pitchFamily="2" charset="2"/>
+              <a:buChar char="§"/>
+            </a:pPr>
+            <a:r>
+              <a:rPr lang="en-US" dirty="0"/>
+              <a:t>Docker </a:t>
+            </a:r>
+          </a:p>
+          <a:p>
+            <a:pPr marL="887288" lvl="1" indent="-342900">
+              <a:buFont typeface="Wingdings" panose="05000000000000000000" pitchFamily="2" charset="2"/>
+              <a:buChar char="§"/>
+            </a:pPr>
+            <a:r>
+              <a:rPr lang="en-US" dirty="0"/>
+              <a:t>bridge into host network &amp; local subnet per host</a:t>
+            </a:r>
+          </a:p>
+          <a:p>
+            <a:pPr marL="887288" lvl="1" indent="-342900">
+              <a:buFont typeface="Wingdings" panose="05000000000000000000" pitchFamily="2" charset="2"/>
+              <a:buChar char="§"/>
+            </a:pPr>
+            <a:r>
+              <a:rPr lang="en-US" dirty="0"/>
+              <a:t>host port mapping required to communicate with container on different host</a:t>
+            </a:r>
+          </a:p>
+          <a:p>
+            <a:pPr marL="342900" indent="-342900">
+              <a:buFont typeface="Wingdings" panose="05000000000000000000" pitchFamily="2" charset="2"/>
+              <a:buChar char="§"/>
+            </a:pPr>
+            <a:r>
+              <a:rPr lang="en-US" dirty="0"/>
+              <a:t>Kubernetes – need to communicate regardless of host</a:t>
+            </a:r>
+          </a:p>
+          <a:p>
+            <a:pPr marL="342900" indent="-342900">
+              <a:buFont typeface="Wingdings" panose="05000000000000000000" pitchFamily="2" charset="2"/>
+              <a:buChar char="§"/>
+            </a:pPr>
+            <a:r>
+              <a:rPr lang="en-US" dirty="0"/>
+              <a:t>Solution: </a:t>
+            </a:r>
+          </a:p>
+          <a:p>
+            <a:pPr marL="887288" lvl="1" indent="-342900">
+              <a:buFont typeface="Wingdings" panose="05000000000000000000" pitchFamily="2" charset="2"/>
+              <a:buChar char="§"/>
+            </a:pPr>
+            <a:r>
+              <a:rPr lang="en-US" dirty="0"/>
+              <a:t>one subnet for cluster</a:t>
+            </a:r>
+          </a:p>
+          <a:p>
+            <a:pPr marL="887288" lvl="1" indent="-342900">
+              <a:buFont typeface="Wingdings" panose="05000000000000000000" pitchFamily="2" charset="2"/>
+              <a:buChar char="§"/>
+            </a:pPr>
+            <a:r>
+              <a:rPr lang="en-US" dirty="0"/>
+              <a:t>every pod gets an unique IP from subnet range</a:t>
+            </a:r>
+          </a:p>
+          <a:p>
+            <a:pPr marL="887288" lvl="1" indent="-342900">
+              <a:buFont typeface="Wingdings" panose="05000000000000000000" pitchFamily="2" charset="2"/>
+              <a:buChar char="§"/>
+            </a:pPr>
+            <a:r>
+              <a:rPr lang="en-US" dirty="0"/>
+              <a:t>All containers in a pod share network namespace (=&gt; get same IP) and communicate via localhost interface with each other</a:t>
+            </a:r>
+          </a:p>
+          <a:p>
+            <a:pPr marL="887288" lvl="1" indent="-342900">
+              <a:buFont typeface="Wingdings" panose="05000000000000000000" pitchFamily="2" charset="2"/>
+              <a:buChar char="§"/>
+            </a:pPr>
+            <a:r>
+              <a:rPr lang="en-US" dirty="0"/>
+              <a:t>Benefits: no port mapping, every pod can expose default ports (e.g. 80, 443)</a:t>
+            </a:r>
+          </a:p>
+        </p:txBody>
+      </p:sp>
+      <p:cxnSp>
+        <p:nvCxnSpPr>
+          <p:cNvPr id="9" name="Straight Arrow Connector 8"/>
+          <p:cNvCxnSpPr>
+            <a:stCxn id="11" idx="1"/>
+            <a:endCxn id="42" idx="3"/>
+          </p:cNvCxnSpPr>
+          <p:nvPr/>
+        </p:nvCxnSpPr>
+        <p:spPr>
+          <a:xfrm flipH="1">
+            <a:off x="4161384" y="5693937"/>
+            <a:ext cx="1322848" cy="0"/>
+          </a:xfrm>
+          <a:prstGeom prst="straightConnector1">
+            <a:avLst/>
+          </a:prstGeom>
+          <a:ln w="57150">
+            <a:headEnd type="none" w="med" len="med"/>
+            <a:tailEnd type="triangle"/>
+          </a:ln>
+        </p:spPr>
+        <p:style>
+          <a:lnRef idx="2">
+            <a:schemeClr val="accent2"/>
+          </a:lnRef>
+          <a:fillRef idx="0">
+            <a:schemeClr val="accent2"/>
+          </a:fillRef>
+          <a:effectRef idx="1">
+            <a:schemeClr val="accent2"/>
+          </a:effectRef>
+          <a:fontRef idx="minor">
+            <a:schemeClr val="tx1"/>
+          </a:fontRef>
+        </p:style>
+      </p:cxnSp>
+      <p:cxnSp>
+        <p:nvCxnSpPr>
+          <p:cNvPr id="25" name="Straight Arrow Connector 24"/>
+          <p:cNvCxnSpPr>
+            <a:endCxn id="15" idx="1"/>
+          </p:cNvCxnSpPr>
+          <p:nvPr/>
+        </p:nvCxnSpPr>
+        <p:spPr>
+          <a:xfrm>
+            <a:off x="6692827" y="5693937"/>
+            <a:ext cx="1322848" cy="0"/>
+          </a:xfrm>
+          <a:prstGeom prst="straightConnector1">
+            <a:avLst/>
+          </a:prstGeom>
+          <a:ln w="57150">
+            <a:headEnd type="none" w="med" len="med"/>
+            <a:tailEnd type="triangle"/>
+          </a:ln>
+        </p:spPr>
+        <p:style>
+          <a:lnRef idx="2">
+            <a:schemeClr val="accent2"/>
+          </a:lnRef>
+          <a:fillRef idx="0">
+            <a:schemeClr val="accent2"/>
+          </a:fillRef>
+          <a:effectRef idx="1">
+            <a:schemeClr val="accent2"/>
+          </a:effectRef>
+          <a:fontRef idx="minor">
+            <a:schemeClr val="tx1"/>
+          </a:fontRef>
+        </p:style>
+      </p:cxnSp>
+      <p:sp>
+        <p:nvSpPr>
+          <p:cNvPr id="28" name="Rectangle 27"/>
+          <p:cNvSpPr/>
+          <p:nvPr/>
+        </p:nvSpPr>
+        <p:spPr bwMode="gray">
+          <a:xfrm>
+            <a:off x="2734126" y="5089923"/>
+            <a:ext cx="1645920" cy="365760"/>
+          </a:xfrm>
+          <a:prstGeom prst="rect">
+            <a:avLst/>
+          </a:prstGeom>
+          <a:ln>
+            <a:headEnd/>
+            <a:tailEnd/>
+          </a:ln>
+        </p:spPr>
+        <p:style>
+          <a:lnRef idx="2">
+            <a:schemeClr val="accent2"/>
+          </a:lnRef>
+          <a:fillRef idx="1">
+            <a:schemeClr val="lt1"/>
+          </a:fillRef>
+          <a:effectRef idx="0">
+            <a:schemeClr val="accent2"/>
+          </a:effectRef>
+          <a:fontRef idx="minor">
+            <a:schemeClr val="dk1"/>
+          </a:fontRef>
+        </p:style>
+        <p:txBody>
+          <a:bodyPr lIns="90000" tIns="72000" rIns="90000" bIns="72000" rtlCol="0" anchor="ctr"/>
+          <a:lstStyle/>
+          <a:p>
+            <a:pPr marR="0" algn="ctr" defTabSz="914400" eaLnBrk="1" fontAlgn="base" latinLnBrk="0" hangingPunct="1">
+              <a:lnSpc>
+                <a:spcPct val="100000"/>
+              </a:lnSpc>
+              <a:spcBef>
+                <a:spcPct val="50000"/>
+              </a:spcBef>
+              <a:spcAft>
+                <a:spcPct val="0"/>
+              </a:spcAft>
+              <a:buClr>
+                <a:srgbClr val="F0AB00"/>
+              </a:buClr>
+              <a:buSzPct val="80000"/>
+              <a:tabLst/>
+            </a:pPr>
+            <a:r>
+              <a:rPr kumimoji="0" lang="de-DE" sz="1800" b="0" i="0" u="none" strike="noStrike" kern="0" cap="none" spc="0" normalizeH="0" baseline="0" noProof="0" dirty="0">
+                <a:ln>
+                  <a:noFill/>
+                </a:ln>
+                <a:effectLst/>
+                <a:uLnTx/>
+                <a:uFillTx/>
+                <a:ea typeface="Arial Unicode MS" pitchFamily="34" charset="-128"/>
+                <a:cs typeface="Arial Unicode MS" pitchFamily="34" charset="-128"/>
+              </a:rPr>
+              <a:t>IP: 10.10.10.1</a:t>
+            </a:r>
+          </a:p>
+        </p:txBody>
+      </p:sp>
+      <p:sp>
+        <p:nvSpPr>
+          <p:cNvPr id="29" name="Rectangle 28"/>
+          <p:cNvSpPr/>
+          <p:nvPr/>
+        </p:nvSpPr>
+        <p:spPr bwMode="gray">
+          <a:xfrm>
+            <a:off x="5274279" y="5084426"/>
+            <a:ext cx="1645920" cy="365760"/>
+          </a:xfrm>
+          <a:prstGeom prst="rect">
+            <a:avLst/>
+          </a:prstGeom>
+          <a:ln>
+            <a:headEnd/>
+            <a:tailEnd/>
+          </a:ln>
+        </p:spPr>
+        <p:style>
+          <a:lnRef idx="2">
+            <a:schemeClr val="accent2"/>
+          </a:lnRef>
+          <a:fillRef idx="1">
+            <a:schemeClr val="lt1"/>
+          </a:fillRef>
+          <a:effectRef idx="0">
+            <a:schemeClr val="accent2"/>
+          </a:effectRef>
+          <a:fontRef idx="minor">
+            <a:schemeClr val="dk1"/>
+          </a:fontRef>
+        </p:style>
+        <p:txBody>
+          <a:bodyPr lIns="90000" tIns="72000" rIns="90000" bIns="72000" rtlCol="0" anchor="ctr"/>
+          <a:lstStyle/>
+          <a:p>
+            <a:pPr marR="0" algn="ctr" defTabSz="914400" eaLnBrk="1" fontAlgn="base" latinLnBrk="0" hangingPunct="1">
+              <a:lnSpc>
+                <a:spcPct val="100000"/>
+              </a:lnSpc>
+              <a:spcBef>
+                <a:spcPct val="50000"/>
+              </a:spcBef>
+              <a:spcAft>
+                <a:spcPct val="0"/>
+              </a:spcAft>
+              <a:buClr>
+                <a:srgbClr val="F0AB00"/>
+              </a:buClr>
+              <a:buSzPct val="80000"/>
+              <a:tabLst/>
+            </a:pPr>
+            <a:r>
+              <a:rPr kumimoji="0" lang="de-DE" sz="1800" b="0" i="0" u="none" strike="noStrike" kern="0" cap="none" spc="0" normalizeH="0" baseline="0" noProof="0" dirty="0">
+                <a:ln>
+                  <a:noFill/>
+                </a:ln>
+                <a:effectLst/>
+                <a:uLnTx/>
+                <a:uFillTx/>
+                <a:ea typeface="Arial Unicode MS" pitchFamily="34" charset="-128"/>
+                <a:cs typeface="Arial Unicode MS" pitchFamily="34" charset="-128"/>
+              </a:rPr>
+              <a:t>IP: 10.10.10.2</a:t>
+            </a:r>
+          </a:p>
+        </p:txBody>
+      </p:sp>
+      <p:sp>
+        <p:nvSpPr>
+          <p:cNvPr id="30" name="Rectangle 29"/>
+          <p:cNvSpPr/>
+          <p:nvPr/>
+        </p:nvSpPr>
+        <p:spPr bwMode="gray">
+          <a:xfrm>
+            <a:off x="7831182" y="5084426"/>
+            <a:ext cx="1645920" cy="365760"/>
+          </a:xfrm>
+          <a:prstGeom prst="rect">
+            <a:avLst/>
+          </a:prstGeom>
+          <a:ln>
+            <a:headEnd/>
+            <a:tailEnd/>
+          </a:ln>
+        </p:spPr>
+        <p:style>
+          <a:lnRef idx="2">
+            <a:schemeClr val="accent2"/>
+          </a:lnRef>
+          <a:fillRef idx="1">
+            <a:schemeClr val="lt1"/>
+          </a:fillRef>
+          <a:effectRef idx="0">
+            <a:schemeClr val="accent2"/>
+          </a:effectRef>
+          <a:fontRef idx="minor">
+            <a:schemeClr val="dk1"/>
+          </a:fontRef>
+        </p:style>
+        <p:txBody>
+          <a:bodyPr lIns="90000" tIns="72000" rIns="90000" bIns="72000" rtlCol="0" anchor="ctr"/>
+          <a:lstStyle/>
+          <a:p>
+            <a:pPr marR="0" algn="ctr" defTabSz="914400" eaLnBrk="1" fontAlgn="base" latinLnBrk="0" hangingPunct="1">
+              <a:lnSpc>
+                <a:spcPct val="100000"/>
+              </a:lnSpc>
+              <a:spcBef>
+                <a:spcPct val="50000"/>
+              </a:spcBef>
+              <a:spcAft>
+                <a:spcPct val="0"/>
+              </a:spcAft>
+              <a:buClr>
+                <a:srgbClr val="F0AB00"/>
+              </a:buClr>
+              <a:buSzPct val="80000"/>
+              <a:tabLst/>
+            </a:pPr>
+            <a:r>
+              <a:rPr kumimoji="0" lang="de-DE" sz="1800" b="0" i="0" u="none" strike="noStrike" kern="0" cap="none" spc="0" normalizeH="0" baseline="0" noProof="0" dirty="0">
+                <a:ln>
+                  <a:noFill/>
+                </a:ln>
+                <a:effectLst/>
+                <a:uLnTx/>
+                <a:uFillTx/>
+                <a:ea typeface="Arial Unicode MS" pitchFamily="34" charset="-128"/>
+                <a:cs typeface="Arial Unicode MS" pitchFamily="34" charset="-128"/>
+              </a:rPr>
+              <a:t>IP: 10.10.10.3</a:t>
+            </a:r>
+          </a:p>
+        </p:txBody>
+      </p:sp>
+    </p:spTree>
+    <p:extLst>
+      <p:ext uri="{BB962C8B-B14F-4D97-AF65-F5344CB8AC3E}">
+        <p14:creationId xmlns:p14="http://schemas.microsoft.com/office/powerpoint/2010/main" val="4207945497"/>
+      </p:ext>
+    </p:extLst>
+  </p:cSld>
+  <p:clrMapOvr>
+    <a:masterClrMapping/>
+  </p:clrMapOvr>
+</p:sld>
+</file>
+
+<file path=ppt/slides/slide4.xml><?xml version="1.0" encoding="utf-8"?>
+<p:sld xmlns:a="http://schemas.openxmlformats.org/drawingml/2006/main" xmlns:r="http://schemas.openxmlformats.org/officeDocument/2006/relationships" xmlns:p="http://schemas.openxmlformats.org/presentationml/2006/main">
+  <p:cSld>
+    <p:spTree>
+      <p:nvGrpSpPr>
+        <p:cNvPr id="1" name=""/>
+        <p:cNvGrpSpPr/>
+        <p:nvPr/>
+      </p:nvGrpSpPr>
+      <p:grpSpPr>
+        <a:xfrm>
+          <a:off x="0" y="0"/>
+          <a:ext cx="0" cy="0"/>
+          <a:chOff x="0" y="0"/>
+          <a:chExt cx="0" cy="0"/>
+        </a:xfrm>
+      </p:grpSpPr>
+      <p:sp>
+        <p:nvSpPr>
+          <p:cNvPr id="2" name="Title 1"/>
+          <p:cNvSpPr>
+            <a:spLocks noGrp="1"/>
+          </p:cNvSpPr>
+          <p:nvPr>
+            <p:ph type="title"/>
+          </p:nvPr>
+        </p:nvSpPr>
+        <p:spPr/>
+        <p:txBody>
+          <a:bodyPr/>
+          <a:lstStyle/>
+          <a:p>
+            <a:r>
+              <a:rPr lang="en-US" dirty="0"/>
+              <a:t>How to achieve this?</a:t>
+            </a:r>
+          </a:p>
+        </p:txBody>
+      </p:sp>
+      <p:sp>
+        <p:nvSpPr>
+          <p:cNvPr id="3" name="Rectangle 2"/>
+          <p:cNvSpPr/>
+          <p:nvPr/>
+        </p:nvSpPr>
+        <p:spPr>
+          <a:xfrm>
+            <a:off x="504000" y="1223190"/>
+            <a:ext cx="10590719" cy="2677656"/>
+          </a:xfrm>
+          <a:prstGeom prst="rect">
+            <a:avLst/>
+          </a:prstGeom>
+        </p:spPr>
+        <p:txBody>
+          <a:bodyPr wrap="square">
+            <a:spAutoFit/>
+          </a:bodyPr>
+          <a:lstStyle/>
+          <a:p>
+            <a:pPr marL="342900" indent="-342900">
+              <a:buFont typeface="Wingdings" panose="05000000000000000000" pitchFamily="2" charset="2"/>
+              <a:buChar char="§"/>
+            </a:pPr>
+            <a:r>
+              <a:rPr lang="en-US" dirty="0"/>
+              <a:t>Setup an overlay network (software defined networking)</a:t>
+            </a:r>
+          </a:p>
+          <a:p>
+            <a:pPr marL="342900" indent="-342900">
+              <a:buFont typeface="Wingdings" panose="05000000000000000000" pitchFamily="2" charset="2"/>
+              <a:buChar char="§"/>
+            </a:pPr>
+            <a:r>
+              <a:rPr lang="en-US" dirty="0"/>
+              <a:t>Most common tools:</a:t>
+            </a:r>
+          </a:p>
+          <a:p>
+            <a:pPr marL="887288" lvl="1" indent="-342900">
+              <a:buFont typeface="Wingdings" panose="05000000000000000000" pitchFamily="2" charset="2"/>
+              <a:buChar char="§"/>
+            </a:pPr>
+            <a:r>
+              <a:rPr lang="en-US" dirty="0"/>
+              <a:t>flannel</a:t>
+            </a:r>
+          </a:p>
+          <a:p>
+            <a:pPr marL="887288" lvl="1" indent="-342900">
+              <a:buFont typeface="Wingdings" panose="05000000000000000000" pitchFamily="2" charset="2"/>
+              <a:buChar char="§"/>
+            </a:pPr>
+            <a:r>
+              <a:rPr lang="en-US" dirty="0"/>
+              <a:t>weave net</a:t>
+            </a:r>
+          </a:p>
+          <a:p>
+            <a:pPr marL="887288" lvl="1" indent="-342900">
+              <a:buFont typeface="Wingdings" panose="05000000000000000000" pitchFamily="2" charset="2"/>
+              <a:buChar char="§"/>
+            </a:pPr>
+            <a:r>
+              <a:rPr lang="en-US" dirty="0"/>
+              <a:t>calico</a:t>
+            </a:r>
+          </a:p>
+          <a:p>
+            <a:pPr marL="887288" lvl="1" indent="-342900">
+              <a:buFont typeface="Wingdings" panose="05000000000000000000" pitchFamily="2" charset="2"/>
+              <a:buChar char="§"/>
+            </a:pPr>
+            <a:r>
+              <a:rPr lang="en-US" dirty="0"/>
+              <a:t>GCP custom routing</a:t>
+            </a:r>
+          </a:p>
+          <a:p>
+            <a:pPr marL="342900" indent="-342900">
+              <a:buFont typeface="Wingdings" panose="05000000000000000000" pitchFamily="2" charset="2"/>
+              <a:buChar char="§"/>
+            </a:pPr>
+            <a:r>
+              <a:rPr lang="en-US" dirty="0">
+                <a:hlinkClick r:id="rId2"/>
+              </a:rPr>
+              <a:t>https://kubernetes.io/docs/concepts/cluster-administration/networking/</a:t>
+            </a:r>
+            <a:r>
+              <a:rPr lang="en-US" dirty="0"/>
+              <a:t> </a:t>
+            </a:r>
+          </a:p>
+          <a:p>
+            <a:pPr marL="342900" indent="-342900">
+              <a:buFont typeface="Wingdings" panose="05000000000000000000" pitchFamily="2" charset="2"/>
+              <a:buChar char="§"/>
+            </a:pPr>
+            <a:endParaRPr lang="en-US" dirty="0"/>
+          </a:p>
+        </p:txBody>
+      </p:sp>
+    </p:spTree>
+    <p:extLst>
+      <p:ext uri="{BB962C8B-B14F-4D97-AF65-F5344CB8AC3E}">
+        <p14:creationId xmlns:p14="http://schemas.microsoft.com/office/powerpoint/2010/main" val="2128206214"/>
+      </p:ext>
+    </p:extLst>
+  </p:cSld>
+  <p:clrMapOvr>
+    <a:masterClrMapping/>
+  </p:clrMapOvr>
+</p:sld>
+</file>
+
+<file path=ppt/slides/slide5.xml><?xml version="1.0" encoding="utf-8"?>
+<p:sld xmlns:a="http://schemas.openxmlformats.org/drawingml/2006/main" xmlns:r="http://schemas.openxmlformats.org/officeDocument/2006/relationships" xmlns:p="http://schemas.openxmlformats.org/presentationml/2006/main">
+  <p:cSld>
+    <p:spTree>
+      <p:nvGrpSpPr>
+        <p:cNvPr id="1" name=""/>
+        <p:cNvGrpSpPr/>
+        <p:nvPr/>
+      </p:nvGrpSpPr>
+      <p:grpSpPr>
+        <a:xfrm>
+          <a:off x="0" y="0"/>
+          <a:ext cx="0" cy="0"/>
+          <a:chOff x="0" y="0"/>
+          <a:chExt cx="0" cy="0"/>
+        </a:xfrm>
+      </p:grpSpPr>
+      <p:sp>
+        <p:nvSpPr>
+          <p:cNvPr id="2" name="Title 1"/>
+          <p:cNvSpPr>
+            <a:spLocks noGrp="1"/>
+          </p:cNvSpPr>
+          <p:nvPr>
+            <p:ph type="title"/>
+          </p:nvPr>
+        </p:nvSpPr>
+        <p:spPr/>
+        <p:txBody>
+          <a:bodyPr/>
+          <a:lstStyle/>
+          <a:p>
+            <a:r>
+              <a:rPr lang="de-DE" dirty="0"/>
+              <a:t>Services</a:t>
+            </a:r>
+          </a:p>
+        </p:txBody>
+      </p:sp>
+      <p:sp>
+        <p:nvSpPr>
+          <p:cNvPr id="8" name="Rectangle 7"/>
+          <p:cNvSpPr/>
+          <p:nvPr/>
+        </p:nvSpPr>
+        <p:spPr>
+          <a:xfrm>
+            <a:off x="504000" y="1223190"/>
+            <a:ext cx="10590719" cy="3647152"/>
+          </a:xfrm>
+          <a:prstGeom prst="rect">
+            <a:avLst/>
+          </a:prstGeom>
+        </p:spPr>
+        <p:txBody>
+          <a:bodyPr wrap="square">
+            <a:spAutoFit/>
+          </a:bodyPr>
+          <a:lstStyle/>
+          <a:p>
+            <a:r>
+              <a:rPr lang="en-US" dirty="0"/>
+              <a:t>Motivation: </a:t>
+            </a:r>
+          </a:p>
+          <a:p>
+            <a:pPr marL="342900" indent="-342900">
+              <a:buFont typeface="Wingdings" panose="05000000000000000000" pitchFamily="2" charset="2"/>
+              <a:buChar char="§"/>
+            </a:pPr>
+            <a:r>
+              <a:rPr lang="en-US" dirty="0"/>
+              <a:t>Pods are mortal </a:t>
+            </a:r>
+            <a:r>
+              <a:rPr lang="en-US" dirty="0">
+                <a:sym typeface="Wingdings" panose="05000000000000000000" pitchFamily="2" charset="2"/>
+              </a:rPr>
+              <a:t> no suitable endpoints for communication</a:t>
+            </a:r>
+          </a:p>
+          <a:p>
+            <a:pPr marL="342900" indent="-342900">
+              <a:buFont typeface="Wingdings" panose="05000000000000000000" pitchFamily="2" charset="2"/>
+              <a:buChar char="§"/>
+            </a:pPr>
+            <a:r>
+              <a:rPr lang="en-US" dirty="0"/>
+              <a:t>IP address of a pod might change </a:t>
+            </a:r>
+            <a:r>
+              <a:rPr lang="en-US" dirty="0">
+                <a:sym typeface="Wingdings" panose="05000000000000000000" pitchFamily="2" charset="2"/>
+              </a:rPr>
+              <a:t> efforts to maintain routing tables increases</a:t>
+            </a:r>
+            <a:endParaRPr lang="en-US" dirty="0"/>
+          </a:p>
+          <a:p>
+            <a:pPr marL="342900" indent="-342900">
+              <a:buFont typeface="Wingdings" panose="05000000000000000000" pitchFamily="2" charset="2"/>
+              <a:buChar char="§"/>
+            </a:pPr>
+            <a:r>
+              <a:rPr lang="en-US" dirty="0"/>
+              <a:t>Need for reliable &amp; stable endpoint</a:t>
+            </a:r>
+          </a:p>
+          <a:p>
+            <a:pPr marL="342900" indent="-342900">
+              <a:buFont typeface="Wingdings" panose="05000000000000000000" pitchFamily="2" charset="2"/>
+              <a:buChar char="§"/>
+            </a:pPr>
+            <a:endParaRPr lang="en-US" dirty="0"/>
+          </a:p>
+          <a:p>
+            <a:pPr marL="342900" indent="-342900">
+              <a:buFont typeface="Wingdings" panose="05000000000000000000" pitchFamily="2" charset="2"/>
+              <a:buChar char="è"/>
+            </a:pPr>
+            <a:r>
+              <a:rPr lang="en-US" dirty="0">
+                <a:sym typeface="Wingdings" panose="05000000000000000000" pitchFamily="2" charset="2"/>
+              </a:rPr>
+              <a:t>Resource type: service</a:t>
+            </a:r>
+          </a:p>
+          <a:p>
+            <a:pPr marL="342900" indent="-342900">
+              <a:buFont typeface="Wingdings" panose="05000000000000000000" pitchFamily="2" charset="2"/>
+              <a:buChar char="è"/>
+            </a:pPr>
+            <a:endParaRPr lang="en-US" dirty="0">
+              <a:sym typeface="Wingdings" panose="05000000000000000000" pitchFamily="2" charset="2"/>
+            </a:endParaRPr>
+          </a:p>
+          <a:p>
+            <a:pPr marL="342900" indent="-342900">
+              <a:buFont typeface="Wingdings" panose="05000000000000000000" pitchFamily="2" charset="2"/>
+              <a:buChar char="§"/>
+            </a:pPr>
+            <a:r>
+              <a:rPr lang="en-US" dirty="0">
+                <a:sym typeface="Wingdings" panose="05000000000000000000" pitchFamily="2" charset="2"/>
+              </a:rPr>
+              <a:t>Services are a logical abstraction of a set of pods serving the purpose (like 3 pods with a webserver). </a:t>
+            </a:r>
+          </a:p>
+          <a:p>
+            <a:pPr marL="342900" indent="-342900">
+              <a:buFont typeface="Wingdings" panose="05000000000000000000" pitchFamily="2" charset="2"/>
+              <a:buChar char="§"/>
+            </a:pPr>
+            <a:r>
+              <a:rPr lang="en-US" dirty="0">
+                <a:sym typeface="Wingdings" panose="05000000000000000000" pitchFamily="2" charset="2"/>
+              </a:rPr>
+              <a:t>Services provide cluster-internal as well as external connectivity </a:t>
+            </a:r>
+          </a:p>
+          <a:p>
+            <a:pPr marL="342900" indent="-342900">
+              <a:buFont typeface="Wingdings" panose="05000000000000000000" pitchFamily="2" charset="2"/>
+              <a:buChar char="§"/>
+            </a:pPr>
+            <a:r>
+              <a:rPr lang="en-US" dirty="0">
+                <a:sym typeface="Wingdings" panose="05000000000000000000" pitchFamily="2" charset="2"/>
+              </a:rPr>
+              <a:t>Cluster internally, DNS entries are created for services</a:t>
+            </a:r>
+          </a:p>
+        </p:txBody>
+      </p:sp>
+    </p:spTree>
+    <p:extLst>
+      <p:ext uri="{BB962C8B-B14F-4D97-AF65-F5344CB8AC3E}">
+        <p14:creationId xmlns:p14="http://schemas.microsoft.com/office/powerpoint/2010/main" val="864191870"/>
+      </p:ext>
+    </p:extLst>
+  </p:cSld>
+  <p:clrMapOvr>
+    <a:masterClrMapping/>
+  </p:clrMapOvr>
+</p:sld>
+</file>
+
+<file path=ppt/slides/slide6.xml><?xml version="1.0" encoding="utf-8"?>
+<p:sld xmlns:a="http://schemas.openxmlformats.org/drawingml/2006/main" xmlns:r="http://schemas.openxmlformats.org/officeDocument/2006/relationships" xmlns:p="http://schemas.openxmlformats.org/presentationml/2006/main">
+  <p:cSld>
+    <p:spTree>
+      <p:nvGrpSpPr>
+        <p:cNvPr id="1" name=""/>
+        <p:cNvGrpSpPr/>
+        <p:nvPr/>
+      </p:nvGrpSpPr>
+      <p:grpSpPr>
+        <a:xfrm>
+          <a:off x="0" y="0"/>
+          <a:ext cx="0" cy="0"/>
+          <a:chOff x="0" y="0"/>
+          <a:chExt cx="0" cy="0"/>
+        </a:xfrm>
+      </p:grpSpPr>
+      <p:sp>
+        <p:nvSpPr>
+          <p:cNvPr id="2" name="Title 1"/>
+          <p:cNvSpPr>
+            <a:spLocks noGrp="1"/>
+          </p:cNvSpPr>
+          <p:nvPr>
+            <p:ph type="title"/>
+          </p:nvPr>
+        </p:nvSpPr>
+        <p:spPr/>
+        <p:txBody>
+          <a:bodyPr/>
+          <a:lstStyle/>
+          <a:p>
+            <a:r>
+              <a:rPr lang="de-DE" dirty="0"/>
+              <a:t>Services</a:t>
+            </a:r>
+          </a:p>
+        </p:txBody>
+      </p:sp>
+      <p:pic>
+        <p:nvPicPr>
+          <p:cNvPr id="4" name="Picture 3"/>
+          <p:cNvPicPr>
+            <a:picLocks noChangeAspect="1"/>
+          </p:cNvPicPr>
+          <p:nvPr/>
+        </p:nvPicPr>
+        <p:blipFill>
+          <a:blip r:embed="rId2"/>
+          <a:stretch>
+            <a:fillRect/>
+          </a:stretch>
+        </p:blipFill>
+        <p:spPr>
+          <a:xfrm>
+            <a:off x="956846" y="1549677"/>
+            <a:ext cx="2095238" cy="3723809"/>
+          </a:xfrm>
+          <a:prstGeom prst="rect">
+            <a:avLst/>
+          </a:prstGeom>
+        </p:spPr>
+      </p:pic>
+      <p:sp>
+        <p:nvSpPr>
+          <p:cNvPr id="6" name="Rectangle 5"/>
+          <p:cNvSpPr/>
+          <p:nvPr/>
+        </p:nvSpPr>
+        <p:spPr>
+          <a:xfrm>
+            <a:off x="3641769" y="1749587"/>
+            <a:ext cx="7923213" cy="3000821"/>
+          </a:xfrm>
+          <a:prstGeom prst="rect">
+            <a:avLst/>
+          </a:prstGeom>
+        </p:spPr>
+        <p:txBody>
+          <a:bodyPr wrap="square">
+            <a:spAutoFit/>
+          </a:bodyPr>
+          <a:lstStyle/>
+          <a:p>
+            <a:pPr marL="342900" indent="-342900">
+              <a:buFont typeface="Wingdings" panose="05000000000000000000" pitchFamily="2" charset="2"/>
+              <a:buChar char="§"/>
+            </a:pPr>
+            <a:r>
+              <a:rPr lang="en-US" dirty="0">
+                <a:sym typeface="Wingdings" panose="05000000000000000000" pitchFamily="2" charset="2"/>
+              </a:rPr>
+              <a:t>Route traffic via services to talk to a set (1..n) of pods</a:t>
+            </a:r>
+          </a:p>
+          <a:p>
+            <a:pPr marL="342900" indent="-342900">
+              <a:buFont typeface="Wingdings" panose="05000000000000000000" pitchFamily="2" charset="2"/>
+              <a:buChar char="§"/>
+            </a:pPr>
+            <a:r>
+              <a:rPr lang="en-US" dirty="0">
+                <a:sym typeface="Wingdings" panose="05000000000000000000" pitchFamily="2" charset="2"/>
+              </a:rPr>
+              <a:t>Target pods are determined by </a:t>
+            </a:r>
+            <a:r>
+              <a:rPr lang="en-US" dirty="0" err="1">
+                <a:sym typeface="Wingdings" panose="05000000000000000000" pitchFamily="2" charset="2"/>
+              </a:rPr>
+              <a:t>label.selctors</a:t>
+            </a:r>
+            <a:r>
+              <a:rPr lang="en-US" dirty="0">
+                <a:sym typeface="Wingdings" panose="05000000000000000000" pitchFamily="2" charset="2"/>
+              </a:rPr>
+              <a:t> similar to deployment &lt;&gt; pods</a:t>
+            </a:r>
+          </a:p>
+          <a:p>
+            <a:pPr marL="342900" indent="-342900">
+              <a:buFont typeface="Wingdings" panose="05000000000000000000" pitchFamily="2" charset="2"/>
+              <a:buChar char="§"/>
+            </a:pPr>
+            <a:r>
+              <a:rPr lang="en-US" dirty="0">
+                <a:sym typeface="Wingdings" panose="05000000000000000000" pitchFamily="2" charset="2"/>
+              </a:rPr>
+              <a:t>Services expose ports and forward traffic to mapped target ports of pods</a:t>
+            </a:r>
+          </a:p>
+          <a:p>
+            <a:pPr marL="342900" indent="-342900">
+              <a:buFont typeface="Wingdings" panose="05000000000000000000" pitchFamily="2" charset="2"/>
+              <a:buChar char="§"/>
+            </a:pPr>
+            <a:r>
+              <a:rPr lang="en-US" dirty="0" err="1">
+                <a:sym typeface="Wingdings" panose="05000000000000000000" pitchFamily="2" charset="2"/>
+              </a:rPr>
+              <a:t>kube</a:t>
+            </a:r>
+            <a:r>
+              <a:rPr lang="en-US" dirty="0">
+                <a:sym typeface="Wingdings" panose="05000000000000000000" pitchFamily="2" charset="2"/>
+              </a:rPr>
+              <a:t>-proxy &amp; </a:t>
+            </a:r>
+            <a:r>
+              <a:rPr lang="en-US" dirty="0" err="1">
+                <a:sym typeface="Wingdings" panose="05000000000000000000" pitchFamily="2" charset="2"/>
+              </a:rPr>
+              <a:t>kube-dns</a:t>
+            </a:r>
+            <a:r>
+              <a:rPr lang="en-US" dirty="0">
+                <a:sym typeface="Wingdings" panose="05000000000000000000" pitchFamily="2" charset="2"/>
+              </a:rPr>
+              <a:t> create </a:t>
+            </a:r>
+            <a:r>
+              <a:rPr lang="en-US" dirty="0" err="1">
+                <a:sym typeface="Wingdings" panose="05000000000000000000" pitchFamily="2" charset="2"/>
+              </a:rPr>
+              <a:t>iptables</a:t>
+            </a:r>
+            <a:r>
+              <a:rPr lang="en-US" dirty="0">
+                <a:sym typeface="Wingdings" panose="05000000000000000000" pitchFamily="2" charset="2"/>
+              </a:rPr>
+              <a:t> rules and allow service discovery</a:t>
+            </a:r>
+          </a:p>
+          <a:p>
+            <a:pPr marL="342900" indent="-342900">
+              <a:buFont typeface="Wingdings" panose="05000000000000000000" pitchFamily="2" charset="2"/>
+              <a:buChar char="§"/>
+            </a:pPr>
+            <a:r>
+              <a:rPr lang="en-US" dirty="0">
+                <a:sym typeface="Wingdings" panose="05000000000000000000" pitchFamily="2" charset="2"/>
+              </a:rPr>
+              <a:t>To expose a service externally either create allocate a </a:t>
+            </a:r>
+            <a:r>
+              <a:rPr lang="en-US" dirty="0" err="1">
+                <a:sym typeface="Wingdings" panose="05000000000000000000" pitchFamily="2" charset="2"/>
+              </a:rPr>
+              <a:t>NodePort</a:t>
+            </a:r>
+            <a:r>
+              <a:rPr lang="en-US" dirty="0">
+                <a:sym typeface="Wingdings" panose="05000000000000000000" pitchFamily="2" charset="2"/>
+              </a:rPr>
+              <a:t> or use a </a:t>
+            </a:r>
+            <a:r>
+              <a:rPr lang="en-US" dirty="0" err="1">
+                <a:sym typeface="Wingdings" panose="05000000000000000000" pitchFamily="2" charset="2"/>
+              </a:rPr>
+              <a:t>LoadBalancer</a:t>
+            </a:r>
+            <a:endParaRPr lang="en-US" dirty="0">
+              <a:sym typeface="Wingdings" panose="05000000000000000000" pitchFamily="2" charset="2"/>
+            </a:endParaRPr>
+          </a:p>
+        </p:txBody>
+      </p:sp>
+    </p:spTree>
+    <p:extLst>
+      <p:ext uri="{BB962C8B-B14F-4D97-AF65-F5344CB8AC3E}">
+        <p14:creationId xmlns:p14="http://schemas.microsoft.com/office/powerpoint/2010/main" val="1691088734"/>
+      </p:ext>
+    </p:extLst>
+  </p:cSld>
+  <p:clrMapOvr>
+    <a:masterClrMapping/>
+  </p:clrMapOvr>
+</p:sld>
+</file>
+
+<file path=ppt/slides/slide7.xml><?xml version="1.0" encoding="utf-8"?>
+<p:sld xmlns:a="http://schemas.openxmlformats.org/drawingml/2006/main" xmlns:r="http://schemas.openxmlformats.org/officeDocument/2006/relationships" xmlns:p="http://schemas.openxmlformats.org/presentationml/2006/main">
+  <p:cSld>
+    <p:spTree>
+      <p:nvGrpSpPr>
+        <p:cNvPr id="1" name=""/>
+        <p:cNvGrpSpPr/>
+        <p:nvPr/>
+      </p:nvGrpSpPr>
+      <p:grpSpPr>
+        <a:xfrm>
+          <a:off x="0" y="0"/>
+          <a:ext cx="0" cy="0"/>
+          <a:chOff x="0" y="0"/>
+          <a:chExt cx="0" cy="0"/>
+        </a:xfrm>
+      </p:grpSpPr>
+      <p:sp>
+        <p:nvSpPr>
+          <p:cNvPr id="2" name="Title 1"/>
+          <p:cNvSpPr>
+            <a:spLocks noGrp="1"/>
+          </p:cNvSpPr>
+          <p:nvPr>
+            <p:ph type="title"/>
+          </p:nvPr>
+        </p:nvSpPr>
+        <p:spPr/>
+        <p:txBody>
+          <a:bodyPr/>
+          <a:lstStyle/>
+          <a:p>
+            <a:r>
+              <a:rPr lang="en-US" dirty="0"/>
+              <a:t>Service types: Cluster IP, </a:t>
+            </a:r>
+            <a:r>
+              <a:rPr lang="en-US" dirty="0" err="1"/>
+              <a:t>NodePort</a:t>
+            </a:r>
+            <a:r>
+              <a:rPr lang="en-US" dirty="0"/>
+              <a:t>, </a:t>
+            </a:r>
+            <a:r>
+              <a:rPr lang="en-US" dirty="0" err="1"/>
+              <a:t>Loadbalancer</a:t>
+            </a:r>
+            <a:endParaRPr lang="en-US" dirty="0"/>
+          </a:p>
+        </p:txBody>
+      </p:sp>
+      <p:sp>
+        <p:nvSpPr>
+          <p:cNvPr id="3" name="Rectangle 2"/>
+          <p:cNvSpPr/>
+          <p:nvPr/>
+        </p:nvSpPr>
+        <p:spPr>
+          <a:xfrm>
+            <a:off x="504001" y="1139987"/>
+            <a:ext cx="10430699" cy="3970318"/>
+          </a:xfrm>
+          <a:prstGeom prst="rect">
+            <a:avLst/>
+          </a:prstGeom>
+        </p:spPr>
+        <p:txBody>
+          <a:bodyPr wrap="square">
+            <a:spAutoFit/>
+          </a:bodyPr>
+          <a:lstStyle/>
+          <a:p>
+            <a:pPr marL="342900" indent="-342900">
+              <a:buFont typeface="Wingdings" panose="05000000000000000000" pitchFamily="2" charset="2"/>
+              <a:buChar char="§"/>
+            </a:pPr>
+            <a:r>
+              <a:rPr lang="en-US" dirty="0">
+                <a:sym typeface="Wingdings" panose="05000000000000000000" pitchFamily="2" charset="2"/>
+              </a:rPr>
+              <a:t>Cluster IP </a:t>
+            </a:r>
+          </a:p>
+          <a:p>
+            <a:pPr marL="887288" lvl="1" indent="-342900">
+              <a:buClr>
+                <a:schemeClr val="tx1"/>
+              </a:buClr>
+              <a:buFont typeface="Symbol" panose="05050102010706020507" pitchFamily="18" charset="2"/>
+              <a:buChar char="-"/>
+            </a:pPr>
+            <a:r>
+              <a:rPr lang="en-US" dirty="0">
+                <a:sym typeface="Wingdings" panose="05000000000000000000" pitchFamily="2" charset="2"/>
+              </a:rPr>
+              <a:t>service is only routable inside the Kubernetes cluster’s subnet</a:t>
+            </a:r>
+          </a:p>
+          <a:p>
+            <a:pPr marL="887288" lvl="1" indent="-342900">
+              <a:buClr>
+                <a:schemeClr val="tx1"/>
+              </a:buClr>
+              <a:buFont typeface="Symbol" panose="05050102010706020507" pitchFamily="18" charset="2"/>
+              <a:buChar char="-"/>
+            </a:pPr>
+            <a:r>
+              <a:rPr lang="en-US" dirty="0">
+                <a:sym typeface="Wingdings" panose="05000000000000000000" pitchFamily="2" charset="2"/>
+              </a:rPr>
+              <a:t>Default service type, every service regardless of its type gets a cluster </a:t>
+            </a:r>
+            <a:r>
+              <a:rPr lang="en-US" dirty="0" err="1">
+                <a:sym typeface="Wingdings" panose="05000000000000000000" pitchFamily="2" charset="2"/>
+              </a:rPr>
+              <a:t>ip</a:t>
+            </a:r>
+            <a:endParaRPr lang="en-US" dirty="0">
+              <a:sym typeface="Wingdings" panose="05000000000000000000" pitchFamily="2" charset="2"/>
+            </a:endParaRPr>
+          </a:p>
+          <a:p>
+            <a:pPr marL="342900" indent="-342900">
+              <a:buFont typeface="Wingdings" panose="05000000000000000000" pitchFamily="2" charset="2"/>
+              <a:buChar char="§"/>
+            </a:pPr>
+            <a:r>
+              <a:rPr lang="en-US" dirty="0" err="1">
+                <a:sym typeface="Wingdings" panose="05000000000000000000" pitchFamily="2" charset="2"/>
+              </a:rPr>
+              <a:t>LoadBalancer</a:t>
+            </a:r>
+            <a:endParaRPr lang="en-US" dirty="0">
+              <a:sym typeface="Wingdings" panose="05000000000000000000" pitchFamily="2" charset="2"/>
+            </a:endParaRPr>
+          </a:p>
+          <a:p>
+            <a:pPr marL="887288" lvl="1" indent="-342900">
+              <a:buClr>
+                <a:schemeClr val="tx1"/>
+              </a:buClr>
+              <a:buFont typeface="Symbol" panose="05050102010706020507" pitchFamily="18" charset="2"/>
+              <a:buChar char="-"/>
+            </a:pPr>
+            <a:r>
+              <a:rPr lang="en-US" dirty="0">
+                <a:sym typeface="Wingdings" panose="05000000000000000000" pitchFamily="2" charset="2"/>
+              </a:rPr>
+              <a:t>Allocates a publicly routable IP address and forwards incoming requests to the respective service</a:t>
+            </a:r>
+          </a:p>
+          <a:p>
+            <a:pPr marL="887288" lvl="1" indent="-342900">
+              <a:buClr>
+                <a:schemeClr val="tx1"/>
+              </a:buClr>
+              <a:buFont typeface="Symbol" panose="05050102010706020507" pitchFamily="18" charset="2"/>
+              <a:buChar char="-"/>
+            </a:pPr>
+            <a:r>
+              <a:rPr lang="en-US" dirty="0">
+                <a:sym typeface="Wingdings" panose="05000000000000000000" pitchFamily="2" charset="2"/>
+              </a:rPr>
+              <a:t>Dependent on infrastructure provider – might not be available everywhere</a:t>
+            </a:r>
+          </a:p>
+          <a:p>
+            <a:pPr marL="342900" indent="-342900">
+              <a:buFont typeface="Wingdings" panose="05000000000000000000" pitchFamily="2" charset="2"/>
+              <a:buChar char="§"/>
+            </a:pPr>
+            <a:r>
+              <a:rPr lang="en-US" dirty="0" err="1">
+                <a:sym typeface="Wingdings" panose="05000000000000000000" pitchFamily="2" charset="2"/>
+              </a:rPr>
+              <a:t>NodePort</a:t>
+            </a:r>
+            <a:endParaRPr lang="en-US" dirty="0">
+              <a:sym typeface="Wingdings" panose="05000000000000000000" pitchFamily="2" charset="2"/>
+            </a:endParaRPr>
+          </a:p>
+          <a:p>
+            <a:pPr marL="887288" lvl="1" indent="-342900">
+              <a:buClr>
+                <a:schemeClr val="tx1"/>
+              </a:buClr>
+              <a:buFont typeface="Symbol" panose="05050102010706020507" pitchFamily="18" charset="2"/>
+              <a:buChar char="-"/>
+            </a:pPr>
+            <a:r>
+              <a:rPr lang="en-US" dirty="0">
+                <a:sym typeface="Wingdings" panose="05000000000000000000" pitchFamily="2" charset="2"/>
+              </a:rPr>
+              <a:t>Allocates a free port from range 30000 – 32767</a:t>
+            </a:r>
+          </a:p>
+          <a:p>
+            <a:pPr marL="887288" lvl="1" indent="-342900">
+              <a:buClr>
+                <a:schemeClr val="tx1"/>
+              </a:buClr>
+              <a:buFont typeface="Symbol" panose="05050102010706020507" pitchFamily="18" charset="2"/>
+              <a:buChar char="-"/>
+            </a:pPr>
+            <a:r>
+              <a:rPr lang="en-US" dirty="0">
+                <a:sym typeface="Wingdings" panose="05000000000000000000" pitchFamily="2" charset="2"/>
+              </a:rPr>
+              <a:t>The port is opened on all nodes of the cluster, incoming traffic is routed to the respective service</a:t>
+            </a:r>
+          </a:p>
+          <a:p>
+            <a:pPr lvl="1">
+              <a:buNone/>
+            </a:pPr>
+            <a:endParaRPr lang="en-US" dirty="0">
+              <a:sym typeface="Wingdings" panose="05000000000000000000" pitchFamily="2" charset="2"/>
+            </a:endParaRPr>
+          </a:p>
+        </p:txBody>
+      </p:sp>
+    </p:spTree>
+    <p:extLst>
+      <p:ext uri="{BB962C8B-B14F-4D97-AF65-F5344CB8AC3E}">
+        <p14:creationId xmlns:p14="http://schemas.microsoft.com/office/powerpoint/2010/main" val="4264671960"/>
+      </p:ext>
+    </p:extLst>
+  </p:cSld>
+  <p:clrMapOvr>
+    <a:masterClrMapping/>
+  </p:clrMapOvr>
+</p:sld>
+</file>
+
+<file path=ppt/slides/slide8.xml><?xml version="1.0" encoding="utf-8"?>
+<p:sld xmlns:a="http://schemas.openxmlformats.org/drawingml/2006/main" xmlns:r="http://schemas.openxmlformats.org/officeDocument/2006/relationships" xmlns:p="http://schemas.openxmlformats.org/presentationml/2006/main">
+  <p:cSld>
+    <p:spTree>
+      <p:nvGrpSpPr>
+        <p:cNvPr id="1" name=""/>
+        <p:cNvGrpSpPr/>
+        <p:nvPr/>
+      </p:nvGrpSpPr>
+      <p:grpSpPr>
+        <a:xfrm>
+          <a:off x="0" y="0"/>
+          <a:ext cx="0" cy="0"/>
+          <a:chOff x="0" y="0"/>
+          <a:chExt cx="0" cy="0"/>
+        </a:xfrm>
+      </p:grpSpPr>
+      <p:sp>
+        <p:nvSpPr>
+          <p:cNvPr id="38" name="Rectangle 37"/>
+          <p:cNvSpPr/>
+          <p:nvPr/>
+        </p:nvSpPr>
+        <p:spPr bwMode="gray">
+          <a:xfrm>
+            <a:off x="8353098" y="2668940"/>
+            <a:ext cx="2542902" cy="1994263"/>
+          </a:xfrm>
+          <a:prstGeom prst="rect">
+            <a:avLst/>
+          </a:prstGeom>
+          <a:noFill/>
+          <a:ln w="76200" cap="flat" cmpd="sng" algn="ctr">
+            <a:solidFill>
+              <a:schemeClr val="accent5"/>
+            </a:solidFill>
+            <a:prstDash val="solid"/>
+            <a:round/>
+            <a:headEnd type="none" w="med" len="med"/>
+            <a:tailEnd type="none" w="med" len="med"/>
+          </a:ln>
+        </p:spPr>
+        <p:style>
+          <a:lnRef idx="0">
+            <a:scrgbClr r="0" g="0" b="0"/>
+          </a:lnRef>
+          <a:fillRef idx="0">
+            <a:scrgbClr r="0" g="0" b="0"/>
+          </a:fillRef>
+          <a:effectRef idx="0">
+            <a:scrgbClr r="0" g="0" b="0"/>
+          </a:effectRef>
+          <a:fontRef idx="minor">
+            <a:schemeClr val="accent5"/>
+          </a:fontRef>
+        </p:style>
+        <p:txBody>
+          <a:bodyPr lIns="90000" tIns="72000" rIns="90000" bIns="72000" rtlCol="0" anchor="ctr"/>
+          <a:lstStyle/>
+          <a:p>
+            <a:pPr marR="0" algn="ctr" defTabSz="914400" eaLnBrk="1" fontAlgn="base" latinLnBrk="0" hangingPunct="1">
+              <a:lnSpc>
+                <a:spcPct val="100000"/>
+              </a:lnSpc>
+              <a:spcBef>
+                <a:spcPct val="50000"/>
+              </a:spcBef>
+              <a:spcAft>
+                <a:spcPct val="0"/>
+              </a:spcAft>
+              <a:buClr>
+                <a:srgbClr val="F0AB00"/>
+              </a:buClr>
+              <a:buSzPct val="80000"/>
+              <a:tabLst/>
+            </a:pPr>
+            <a:endParaRPr kumimoji="0" lang="en-US" sz="1800" b="0" i="0" u="none" strike="noStrike" kern="0" cap="none" spc="0" normalizeH="0" baseline="0" noProof="0" dirty="0" err="1">
+              <a:ln>
+                <a:noFill/>
+              </a:ln>
+              <a:effectLst/>
+              <a:uLnTx/>
+              <a:uFillTx/>
+              <a:ea typeface="Arial Unicode MS" pitchFamily="34" charset="-128"/>
+              <a:cs typeface="Arial Unicode MS" pitchFamily="34" charset="-128"/>
+            </a:endParaRPr>
+          </a:p>
+        </p:txBody>
+      </p:sp>
+      <p:sp>
+        <p:nvSpPr>
+          <p:cNvPr id="37" name="Rectangle 36"/>
+          <p:cNvSpPr/>
+          <p:nvPr/>
+        </p:nvSpPr>
+        <p:spPr bwMode="gray">
+          <a:xfrm>
+            <a:off x="1234440" y="1321321"/>
+            <a:ext cx="2786743" cy="4667794"/>
+          </a:xfrm>
+          <a:prstGeom prst="rect">
+            <a:avLst/>
+          </a:prstGeom>
+          <a:noFill/>
+          <a:ln w="76200" cap="flat" cmpd="sng" algn="ctr">
+            <a:solidFill>
+              <a:srgbClr val="00B050"/>
+            </a:solidFill>
+            <a:prstDash val="solid"/>
+            <a:round/>
+            <a:headEnd type="none" w="med" len="med"/>
+            <a:tailEnd type="none" w="med" len="med"/>
+          </a:ln>
+        </p:spPr>
+        <p:style>
+          <a:lnRef idx="0">
+            <a:scrgbClr r="0" g="0" b="0"/>
+          </a:lnRef>
+          <a:fillRef idx="0">
+            <a:scrgbClr r="0" g="0" b="0"/>
+          </a:fillRef>
+          <a:effectRef idx="0">
+            <a:scrgbClr r="0" g="0" b="0"/>
+          </a:effectRef>
+          <a:fontRef idx="minor">
+            <a:schemeClr val="accent5"/>
+          </a:fontRef>
+        </p:style>
+        <p:txBody>
+          <a:bodyPr lIns="90000" tIns="72000" rIns="90000" bIns="72000" rtlCol="0" anchor="ctr"/>
+          <a:lstStyle/>
+          <a:p>
+            <a:pPr algn="ctr" defTabSz="914400" fontAlgn="base">
+              <a:spcBef>
+                <a:spcPct val="50000"/>
+              </a:spcBef>
+              <a:spcAft>
+                <a:spcPct val="0"/>
+              </a:spcAft>
+              <a:buClr>
+                <a:srgbClr val="F0AB00"/>
+              </a:buClr>
+              <a:buSzPct val="80000"/>
+            </a:pPr>
+            <a:endParaRPr lang="en-US" sz="1800" kern="0" dirty="0" err="1">
+              <a:solidFill>
+                <a:schemeClr val="accent5"/>
+              </a:solidFill>
+              <a:latin typeface="+mn-lt"/>
+              <a:ea typeface="Arial Unicode MS" pitchFamily="34" charset="-128"/>
+              <a:cs typeface="Arial Unicode MS" pitchFamily="34" charset="-128"/>
+            </a:endParaRPr>
+          </a:p>
+        </p:txBody>
+      </p:sp>
+      <p:sp>
+        <p:nvSpPr>
+          <p:cNvPr id="2" name="Title 1"/>
+          <p:cNvSpPr>
+            <a:spLocks noGrp="1"/>
+          </p:cNvSpPr>
+          <p:nvPr>
+            <p:ph type="title"/>
+          </p:nvPr>
+        </p:nvSpPr>
+        <p:spPr/>
+        <p:txBody>
+          <a:bodyPr/>
+          <a:lstStyle/>
+          <a:p>
+            <a:r>
+              <a:rPr lang="en-US" dirty="0" err="1"/>
+              <a:t>ClusterIP</a:t>
+            </a:r>
+            <a:r>
+              <a:rPr lang="en-US" dirty="0"/>
+              <a:t> Services – cluster internal communication</a:t>
+            </a:r>
+          </a:p>
+        </p:txBody>
+      </p:sp>
+      <p:sp>
+        <p:nvSpPr>
+          <p:cNvPr id="3" name="Rectangle: Single Corner Snipped 2"/>
+          <p:cNvSpPr/>
+          <p:nvPr/>
+        </p:nvSpPr>
+        <p:spPr bwMode="gray">
+          <a:xfrm>
+            <a:off x="4266503" y="3172065"/>
+            <a:ext cx="1776947" cy="988022"/>
+          </a:xfrm>
+          <a:prstGeom prst="snip1Rect">
+            <a:avLst/>
+          </a:prstGeom>
+          <a:ln>
+            <a:headEnd/>
+            <a:tailEnd/>
+          </a:ln>
+        </p:spPr>
+        <p:style>
+          <a:lnRef idx="3">
+            <a:schemeClr val="lt1"/>
+          </a:lnRef>
+          <a:fillRef idx="1">
+            <a:schemeClr val="accent2"/>
+          </a:fillRef>
+          <a:effectRef idx="1">
+            <a:schemeClr val="accent2"/>
+          </a:effectRef>
+          <a:fontRef idx="minor">
+            <a:schemeClr val="lt1"/>
+          </a:fontRef>
+        </p:style>
+        <p:txBody>
+          <a:bodyPr lIns="90000" tIns="72000" rIns="90000" bIns="72000" rtlCol="0" anchor="ctr"/>
+          <a:lstStyle/>
+          <a:p>
+            <a:pPr marR="0" algn="ctr" defTabSz="914400" eaLnBrk="1" fontAlgn="base" latinLnBrk="0" hangingPunct="1">
+              <a:lnSpc>
+                <a:spcPct val="100000"/>
+              </a:lnSpc>
+              <a:spcBef>
+                <a:spcPct val="50000"/>
+              </a:spcBef>
+              <a:spcAft>
+                <a:spcPct val="0"/>
+              </a:spcAft>
+              <a:buClr>
+                <a:srgbClr val="F0AB00"/>
+              </a:buClr>
+              <a:buSzPct val="80000"/>
+              <a:tabLst/>
+            </a:pPr>
+            <a:r>
+              <a:rPr lang="en-US" sz="1800" kern="0" dirty="0">
+                <a:ea typeface="Arial Unicode MS" pitchFamily="34" charset="-128"/>
+                <a:cs typeface="Arial Unicode MS" pitchFamily="34" charset="-128"/>
+              </a:rPr>
+              <a:t>s</a:t>
+            </a:r>
+            <a:r>
+              <a:rPr kumimoji="0" lang="en-US" sz="1800" b="0" i="0" u="none" strike="noStrike" kern="0" cap="none" spc="0" normalizeH="0" baseline="0" noProof="0" dirty="0" err="1">
+                <a:ln>
+                  <a:noFill/>
+                </a:ln>
+                <a:effectLst/>
+                <a:uLnTx/>
+                <a:uFillTx/>
+                <a:ea typeface="Arial Unicode MS" pitchFamily="34" charset="-128"/>
+                <a:cs typeface="Arial Unicode MS" pitchFamily="34" charset="-128"/>
+              </a:rPr>
+              <a:t>ervice</a:t>
+            </a:r>
+            <a:r>
+              <a:rPr kumimoji="0" lang="en-US" sz="1800" b="0" i="0" u="none" strike="noStrike" kern="0" cap="none" spc="0" normalizeH="0" baseline="0" noProof="0" dirty="0">
+                <a:ln>
+                  <a:noFill/>
+                </a:ln>
+                <a:effectLst/>
+                <a:uLnTx/>
+                <a:uFillTx/>
+                <a:ea typeface="Arial Unicode MS" pitchFamily="34" charset="-128"/>
+                <a:cs typeface="Arial Unicode MS" pitchFamily="34" charset="-128"/>
+              </a:rPr>
+              <a:t>-a</a:t>
+            </a:r>
+          </a:p>
+        </p:txBody>
+      </p:sp>
+      <p:sp>
+        <p:nvSpPr>
+          <p:cNvPr id="5" name="Rectangle 4"/>
+          <p:cNvSpPr/>
+          <p:nvPr/>
+        </p:nvSpPr>
+        <p:spPr bwMode="gray">
+          <a:xfrm>
+            <a:off x="1552504" y="3074792"/>
+            <a:ext cx="1815338" cy="1160859"/>
+          </a:xfrm>
+          <a:prstGeom prst="rect">
+            <a:avLst/>
+          </a:prstGeom>
+          <a:ln>
+            <a:headEnd/>
+            <a:tailEnd/>
+          </a:ln>
+        </p:spPr>
+        <p:style>
+          <a:lnRef idx="2">
+            <a:schemeClr val="accent2">
+              <a:shade val="50000"/>
+            </a:schemeClr>
+          </a:lnRef>
+          <a:fillRef idx="1">
+            <a:schemeClr val="accent2"/>
+          </a:fillRef>
+          <a:effectRef idx="0">
+            <a:schemeClr val="accent2"/>
+          </a:effectRef>
+          <a:fontRef idx="minor">
+            <a:schemeClr val="lt1"/>
+          </a:fontRef>
+        </p:style>
+        <p:txBody>
+          <a:bodyPr lIns="90000" tIns="72000" rIns="90000" bIns="72000" rtlCol="0" anchor="ctr"/>
+          <a:lstStyle/>
+          <a:p>
+            <a:pPr marR="0" algn="ctr" defTabSz="914400" eaLnBrk="1" fontAlgn="base" latinLnBrk="0" hangingPunct="1">
+              <a:lnSpc>
+                <a:spcPct val="100000"/>
+              </a:lnSpc>
+              <a:spcBef>
+                <a:spcPct val="50000"/>
+              </a:spcBef>
+              <a:spcAft>
+                <a:spcPct val="0"/>
+              </a:spcAft>
+              <a:buClr>
+                <a:srgbClr val="F0AB00"/>
+              </a:buClr>
+              <a:buSzPct val="80000"/>
+              <a:tabLst/>
+            </a:pPr>
+            <a:endParaRPr lang="de-DE" sz="1600" b="1" kern="0" noProof="0" dirty="0">
+              <a:ea typeface="Arial Unicode MS" pitchFamily="34" charset="-128"/>
+              <a:cs typeface="Arial Unicode MS" pitchFamily="34" charset="-128"/>
+            </a:endParaRPr>
+          </a:p>
+          <a:p>
+            <a:pPr marR="0" algn="ctr" defTabSz="914400" eaLnBrk="1" fontAlgn="base" latinLnBrk="0" hangingPunct="1">
+              <a:lnSpc>
+                <a:spcPct val="100000"/>
+              </a:lnSpc>
+              <a:spcBef>
+                <a:spcPct val="50000"/>
+              </a:spcBef>
+              <a:spcAft>
+                <a:spcPct val="0"/>
+              </a:spcAft>
+              <a:buClr>
+                <a:srgbClr val="F0AB00"/>
+              </a:buClr>
+              <a:buSzPct val="80000"/>
+              <a:tabLst/>
+            </a:pPr>
+            <a:r>
+              <a:rPr lang="de-DE" sz="1600" b="1" kern="0" noProof="0" dirty="0" err="1">
+                <a:ea typeface="Arial Unicode MS" pitchFamily="34" charset="-128"/>
+                <a:cs typeface="Arial Unicode MS" pitchFamily="34" charset="-128"/>
+              </a:rPr>
+              <a:t>Pod</a:t>
+            </a:r>
+            <a:r>
+              <a:rPr lang="de-DE" sz="1600" b="1" kern="0" noProof="0" dirty="0">
+                <a:ea typeface="Arial Unicode MS" pitchFamily="34" charset="-128"/>
+                <a:cs typeface="Arial Unicode MS" pitchFamily="34" charset="-128"/>
+              </a:rPr>
+              <a:t> A2</a:t>
+            </a:r>
+            <a:endParaRPr kumimoji="0" lang="de-DE" sz="1600" b="1" i="0" u="none" strike="noStrike" kern="0" cap="none" spc="0" normalizeH="0" baseline="0" noProof="0" dirty="0">
+              <a:ln>
+                <a:noFill/>
+              </a:ln>
+              <a:effectLst/>
+              <a:uLnTx/>
+              <a:uFillTx/>
+              <a:ea typeface="Arial Unicode MS" pitchFamily="34" charset="-128"/>
+              <a:cs typeface="Arial Unicode MS" pitchFamily="34" charset="-128"/>
+            </a:endParaRPr>
+          </a:p>
+        </p:txBody>
+      </p:sp>
+      <p:sp>
+        <p:nvSpPr>
+          <p:cNvPr id="6" name="Rectangle 5"/>
+          <p:cNvSpPr/>
+          <p:nvPr/>
+        </p:nvSpPr>
+        <p:spPr bwMode="gray">
+          <a:xfrm>
+            <a:off x="1552504" y="4394141"/>
+            <a:ext cx="1815338" cy="1160859"/>
+          </a:xfrm>
+          <a:prstGeom prst="rect">
+            <a:avLst/>
+          </a:prstGeom>
+          <a:ln>
+            <a:headEnd/>
+            <a:tailEnd/>
+          </a:ln>
+        </p:spPr>
+        <p:style>
+          <a:lnRef idx="2">
+            <a:schemeClr val="accent2">
+              <a:shade val="50000"/>
+            </a:schemeClr>
+          </a:lnRef>
+          <a:fillRef idx="1">
+            <a:schemeClr val="accent2"/>
+          </a:fillRef>
+          <a:effectRef idx="0">
+            <a:schemeClr val="accent2"/>
+          </a:effectRef>
+          <a:fontRef idx="minor">
+            <a:schemeClr val="lt1"/>
+          </a:fontRef>
+        </p:style>
+        <p:txBody>
+          <a:bodyPr lIns="90000" tIns="72000" rIns="90000" bIns="72000" rtlCol="0" anchor="ctr"/>
+          <a:lstStyle/>
+          <a:p>
+            <a:pPr marR="0" algn="ctr" defTabSz="914400" eaLnBrk="1" fontAlgn="base" latinLnBrk="0" hangingPunct="1">
+              <a:lnSpc>
+                <a:spcPct val="100000"/>
+              </a:lnSpc>
+              <a:spcBef>
+                <a:spcPct val="50000"/>
+              </a:spcBef>
+              <a:spcAft>
+                <a:spcPct val="0"/>
+              </a:spcAft>
+              <a:buClr>
+                <a:srgbClr val="F0AB00"/>
+              </a:buClr>
+              <a:buSzPct val="80000"/>
+              <a:tabLst/>
+            </a:pPr>
+            <a:endParaRPr lang="de-DE" sz="1600" b="1" kern="0" noProof="0" dirty="0">
+              <a:ea typeface="Arial Unicode MS" pitchFamily="34" charset="-128"/>
+              <a:cs typeface="Arial Unicode MS" pitchFamily="34" charset="-128"/>
+            </a:endParaRPr>
+          </a:p>
+          <a:p>
+            <a:pPr marR="0" algn="ctr" defTabSz="914400" eaLnBrk="1" fontAlgn="base" latinLnBrk="0" hangingPunct="1">
+              <a:lnSpc>
+                <a:spcPct val="100000"/>
+              </a:lnSpc>
+              <a:spcBef>
+                <a:spcPct val="50000"/>
+              </a:spcBef>
+              <a:spcAft>
+                <a:spcPct val="0"/>
+              </a:spcAft>
+              <a:buClr>
+                <a:srgbClr val="F0AB00"/>
+              </a:buClr>
+              <a:buSzPct val="80000"/>
+              <a:tabLst/>
+            </a:pPr>
+            <a:r>
+              <a:rPr lang="de-DE" sz="1600" b="1" kern="0" noProof="0" dirty="0" err="1">
+                <a:ea typeface="Arial Unicode MS" pitchFamily="34" charset="-128"/>
+                <a:cs typeface="Arial Unicode MS" pitchFamily="34" charset="-128"/>
+              </a:rPr>
+              <a:t>Pod</a:t>
+            </a:r>
+            <a:r>
+              <a:rPr lang="de-DE" sz="1600" b="1" kern="0" noProof="0" dirty="0">
+                <a:ea typeface="Arial Unicode MS" pitchFamily="34" charset="-128"/>
+                <a:cs typeface="Arial Unicode MS" pitchFamily="34" charset="-128"/>
+              </a:rPr>
+              <a:t> A3</a:t>
+            </a:r>
+            <a:endParaRPr kumimoji="0" lang="de-DE" sz="1600" b="1" i="0" u="none" strike="noStrike" kern="0" cap="none" spc="0" normalizeH="0" baseline="0" noProof="0" dirty="0">
+              <a:ln>
+                <a:noFill/>
+              </a:ln>
+              <a:effectLst/>
+              <a:uLnTx/>
+              <a:uFillTx/>
+              <a:ea typeface="Arial Unicode MS" pitchFamily="34" charset="-128"/>
+              <a:cs typeface="Arial Unicode MS" pitchFamily="34" charset="-128"/>
+            </a:endParaRPr>
+          </a:p>
+        </p:txBody>
+      </p:sp>
+      <p:sp>
+        <p:nvSpPr>
+          <p:cNvPr id="7" name="Rectangle 6"/>
+          <p:cNvSpPr/>
+          <p:nvPr/>
+        </p:nvSpPr>
+        <p:spPr bwMode="gray">
+          <a:xfrm>
+            <a:off x="1552504" y="1755443"/>
+            <a:ext cx="1815338" cy="1160859"/>
+          </a:xfrm>
+          <a:prstGeom prst="rect">
+            <a:avLst/>
+          </a:prstGeom>
+          <a:ln>
+            <a:headEnd/>
+            <a:tailEnd/>
+          </a:ln>
+        </p:spPr>
+        <p:style>
+          <a:lnRef idx="2">
+            <a:schemeClr val="accent2">
+              <a:shade val="50000"/>
+            </a:schemeClr>
+          </a:lnRef>
+          <a:fillRef idx="1">
+            <a:schemeClr val="accent2"/>
+          </a:fillRef>
+          <a:effectRef idx="0">
+            <a:schemeClr val="accent2"/>
+          </a:effectRef>
+          <a:fontRef idx="minor">
+            <a:schemeClr val="lt1"/>
+          </a:fontRef>
+        </p:style>
+        <p:txBody>
+          <a:bodyPr lIns="90000" tIns="72000" rIns="90000" bIns="72000" rtlCol="0" anchor="ctr"/>
+          <a:lstStyle/>
+          <a:p>
+            <a:pPr marR="0" algn="ctr" defTabSz="914400" eaLnBrk="1" fontAlgn="base" latinLnBrk="0" hangingPunct="1">
+              <a:lnSpc>
+                <a:spcPct val="100000"/>
+              </a:lnSpc>
+              <a:spcBef>
+                <a:spcPct val="50000"/>
+              </a:spcBef>
+              <a:spcAft>
+                <a:spcPct val="0"/>
+              </a:spcAft>
+              <a:buClr>
+                <a:srgbClr val="F0AB00"/>
+              </a:buClr>
+              <a:buSzPct val="80000"/>
+              <a:tabLst/>
+            </a:pPr>
+            <a:endParaRPr lang="de-DE" sz="1600" b="1" kern="0" noProof="0" dirty="0">
+              <a:ea typeface="Arial Unicode MS" pitchFamily="34" charset="-128"/>
+              <a:cs typeface="Arial Unicode MS" pitchFamily="34" charset="-128"/>
+            </a:endParaRPr>
+          </a:p>
+          <a:p>
+            <a:pPr marR="0" algn="ctr" defTabSz="914400" eaLnBrk="1" fontAlgn="base" latinLnBrk="0" hangingPunct="1">
+              <a:lnSpc>
+                <a:spcPct val="100000"/>
+              </a:lnSpc>
+              <a:spcBef>
+                <a:spcPct val="50000"/>
+              </a:spcBef>
+              <a:spcAft>
+                <a:spcPct val="0"/>
+              </a:spcAft>
+              <a:buClr>
+                <a:srgbClr val="F0AB00"/>
+              </a:buClr>
+              <a:buSzPct val="80000"/>
+              <a:tabLst/>
+            </a:pPr>
+            <a:r>
+              <a:rPr lang="de-DE" sz="1600" b="1" kern="0" noProof="0" dirty="0" err="1">
+                <a:ea typeface="Arial Unicode MS" pitchFamily="34" charset="-128"/>
+                <a:cs typeface="Arial Unicode MS" pitchFamily="34" charset="-128"/>
+              </a:rPr>
+              <a:t>Pod</a:t>
+            </a:r>
+            <a:r>
+              <a:rPr lang="de-DE" sz="1600" b="1" kern="0" noProof="0" dirty="0">
+                <a:ea typeface="Arial Unicode MS" pitchFamily="34" charset="-128"/>
+                <a:cs typeface="Arial Unicode MS" pitchFamily="34" charset="-128"/>
+              </a:rPr>
+              <a:t> A1</a:t>
+            </a:r>
+            <a:endParaRPr kumimoji="0" lang="de-DE" sz="1600" b="1" i="0" u="none" strike="noStrike" kern="0" cap="none" spc="0" normalizeH="0" baseline="0" noProof="0" dirty="0">
+              <a:ln>
+                <a:noFill/>
+              </a:ln>
+              <a:effectLst/>
+              <a:uLnTx/>
+              <a:uFillTx/>
+              <a:ea typeface="Arial Unicode MS" pitchFamily="34" charset="-128"/>
+              <a:cs typeface="Arial Unicode MS" pitchFamily="34" charset="-128"/>
+            </a:endParaRPr>
+          </a:p>
+        </p:txBody>
+      </p:sp>
+      <p:sp>
+        <p:nvSpPr>
+          <p:cNvPr id="8" name="Rectangle 7"/>
+          <p:cNvSpPr/>
+          <p:nvPr/>
+        </p:nvSpPr>
+        <p:spPr bwMode="gray">
+          <a:xfrm>
+            <a:off x="8716880" y="3085645"/>
+            <a:ext cx="1815338" cy="1160859"/>
+          </a:xfrm>
+          <a:prstGeom prst="rect">
+            <a:avLst/>
+          </a:prstGeom>
+          <a:ln>
+            <a:headEnd/>
+            <a:tailEnd/>
+          </a:ln>
+        </p:spPr>
+        <p:style>
+          <a:lnRef idx="2">
+            <a:schemeClr val="accent2">
+              <a:shade val="50000"/>
+            </a:schemeClr>
+          </a:lnRef>
+          <a:fillRef idx="1">
+            <a:schemeClr val="accent2"/>
+          </a:fillRef>
+          <a:effectRef idx="0">
+            <a:schemeClr val="accent2"/>
+          </a:effectRef>
+          <a:fontRef idx="minor">
+            <a:schemeClr val="lt1"/>
+          </a:fontRef>
+        </p:style>
+        <p:txBody>
+          <a:bodyPr lIns="90000" tIns="72000" rIns="90000" bIns="72000" rtlCol="0" anchor="ctr"/>
+          <a:lstStyle/>
+          <a:p>
+            <a:pPr marR="0" algn="ctr" defTabSz="914400" eaLnBrk="1" fontAlgn="base" latinLnBrk="0" hangingPunct="1">
+              <a:lnSpc>
+                <a:spcPct val="100000"/>
+              </a:lnSpc>
+              <a:spcBef>
+                <a:spcPct val="50000"/>
+              </a:spcBef>
+              <a:spcAft>
+                <a:spcPct val="0"/>
+              </a:spcAft>
+              <a:buClr>
+                <a:srgbClr val="F0AB00"/>
+              </a:buClr>
+              <a:buSzPct val="80000"/>
+              <a:tabLst/>
+            </a:pPr>
+            <a:endParaRPr lang="de-DE" sz="1600" b="1" kern="0" noProof="0" dirty="0">
+              <a:ea typeface="Arial Unicode MS" pitchFamily="34" charset="-128"/>
+              <a:cs typeface="Arial Unicode MS" pitchFamily="34" charset="-128"/>
+            </a:endParaRPr>
+          </a:p>
+          <a:p>
+            <a:pPr marR="0" algn="ctr" defTabSz="914400" eaLnBrk="1" fontAlgn="base" latinLnBrk="0" hangingPunct="1">
+              <a:lnSpc>
+                <a:spcPct val="100000"/>
+              </a:lnSpc>
+              <a:spcBef>
+                <a:spcPct val="50000"/>
+              </a:spcBef>
+              <a:spcAft>
+                <a:spcPct val="0"/>
+              </a:spcAft>
+              <a:buClr>
+                <a:srgbClr val="F0AB00"/>
+              </a:buClr>
+              <a:buSzPct val="80000"/>
+              <a:tabLst/>
+            </a:pPr>
+            <a:r>
+              <a:rPr lang="de-DE" sz="1600" b="1" kern="0" noProof="0" dirty="0" err="1">
+                <a:ea typeface="Arial Unicode MS" pitchFamily="34" charset="-128"/>
+                <a:cs typeface="Arial Unicode MS" pitchFamily="34" charset="-128"/>
+              </a:rPr>
+              <a:t>Pod</a:t>
+            </a:r>
+            <a:r>
+              <a:rPr lang="de-DE" sz="1600" b="1" kern="0" noProof="0" dirty="0">
+                <a:ea typeface="Arial Unicode MS" pitchFamily="34" charset="-128"/>
+                <a:cs typeface="Arial Unicode MS" pitchFamily="34" charset="-128"/>
+              </a:rPr>
+              <a:t> B1</a:t>
+            </a:r>
+            <a:endParaRPr kumimoji="0" lang="de-DE" sz="1600" b="1" i="0" u="none" strike="noStrike" kern="0" cap="none" spc="0" normalizeH="0" baseline="0" noProof="0" dirty="0">
+              <a:ln>
+                <a:noFill/>
+              </a:ln>
+              <a:effectLst/>
+              <a:uLnTx/>
+              <a:uFillTx/>
+              <a:ea typeface="Arial Unicode MS" pitchFamily="34" charset="-128"/>
+              <a:cs typeface="Arial Unicode MS" pitchFamily="34" charset="-128"/>
+            </a:endParaRPr>
+          </a:p>
+        </p:txBody>
+      </p:sp>
+      <p:cxnSp>
+        <p:nvCxnSpPr>
+          <p:cNvPr id="9" name="Straight Arrow Connector 8"/>
+          <p:cNvCxnSpPr>
+            <a:stCxn id="3" idx="2"/>
+            <a:endCxn id="5" idx="3"/>
+          </p:cNvCxnSpPr>
+          <p:nvPr/>
+        </p:nvCxnSpPr>
+        <p:spPr>
+          <a:xfrm rot="10800000">
+            <a:off x="3367843" y="3655222"/>
+            <a:ext cx="898661" cy="10854"/>
+          </a:xfrm>
+          <a:prstGeom prst="bentConnector3">
+            <a:avLst>
+              <a:gd name="adj1" fmla="val 50000"/>
+            </a:avLst>
+          </a:prstGeom>
+          <a:ln w="57150">
+            <a:solidFill>
+              <a:schemeClr val="accent1">
+                <a:lumMod val="60000"/>
+                <a:lumOff val="40000"/>
+              </a:schemeClr>
+            </a:solidFill>
+            <a:headEnd type="oval" w="med" len="med"/>
+            <a:tailEnd type="oval" w="med" len="med"/>
+          </a:ln>
+        </p:spPr>
+        <p:style>
+          <a:lnRef idx="2">
+            <a:schemeClr val="accent2"/>
+          </a:lnRef>
+          <a:fillRef idx="0">
+            <a:schemeClr val="accent2"/>
+          </a:fillRef>
+          <a:effectRef idx="1">
+            <a:schemeClr val="accent2"/>
+          </a:effectRef>
+          <a:fontRef idx="minor">
+            <a:schemeClr val="tx1"/>
+          </a:fontRef>
+        </p:style>
+      </p:cxnSp>
+      <p:cxnSp>
+        <p:nvCxnSpPr>
+          <p:cNvPr id="13" name="Straight Arrow Connector 8"/>
+          <p:cNvCxnSpPr>
+            <a:stCxn id="3" idx="2"/>
+            <a:endCxn id="7" idx="3"/>
+          </p:cNvCxnSpPr>
+          <p:nvPr/>
+        </p:nvCxnSpPr>
+        <p:spPr>
+          <a:xfrm rot="10800000">
+            <a:off x="3367843" y="2335874"/>
+            <a:ext cx="898661" cy="1330203"/>
+          </a:xfrm>
+          <a:prstGeom prst="bentConnector3">
+            <a:avLst>
+              <a:gd name="adj1" fmla="val 50000"/>
+            </a:avLst>
+          </a:prstGeom>
+          <a:ln w="57150">
+            <a:solidFill>
+              <a:schemeClr val="accent1">
+                <a:lumMod val="60000"/>
+                <a:lumOff val="40000"/>
+              </a:schemeClr>
+            </a:solidFill>
+            <a:headEnd type="oval" w="med" len="med"/>
+            <a:tailEnd type="oval" w="med" len="med"/>
+          </a:ln>
+        </p:spPr>
+        <p:style>
+          <a:lnRef idx="2">
+            <a:schemeClr val="accent2"/>
+          </a:lnRef>
+          <a:fillRef idx="0">
+            <a:schemeClr val="accent2"/>
+          </a:fillRef>
+          <a:effectRef idx="1">
+            <a:schemeClr val="accent2"/>
+          </a:effectRef>
+          <a:fontRef idx="minor">
+            <a:schemeClr val="tx1"/>
+          </a:fontRef>
+        </p:style>
+      </p:cxnSp>
+      <p:cxnSp>
+        <p:nvCxnSpPr>
+          <p:cNvPr id="16" name="Straight Arrow Connector 8"/>
+          <p:cNvCxnSpPr>
+            <a:stCxn id="3" idx="2"/>
+            <a:endCxn id="6" idx="3"/>
+          </p:cNvCxnSpPr>
+          <p:nvPr/>
+        </p:nvCxnSpPr>
+        <p:spPr>
+          <a:xfrm rot="10800000" flipV="1">
+            <a:off x="3367843" y="3666075"/>
+            <a:ext cx="898661" cy="1308495"/>
+          </a:xfrm>
+          <a:prstGeom prst="bentConnector3">
+            <a:avLst>
+              <a:gd name="adj1" fmla="val 50000"/>
+            </a:avLst>
+          </a:prstGeom>
+          <a:ln w="57150">
+            <a:solidFill>
+              <a:schemeClr val="accent1">
+                <a:lumMod val="60000"/>
+                <a:lumOff val="40000"/>
+              </a:schemeClr>
+            </a:solidFill>
+            <a:headEnd type="oval" w="med" len="med"/>
+            <a:tailEnd type="oval" w="med" len="med"/>
+          </a:ln>
+        </p:spPr>
+        <p:style>
+          <a:lnRef idx="2">
+            <a:schemeClr val="accent2"/>
+          </a:lnRef>
+          <a:fillRef idx="0">
+            <a:schemeClr val="accent2"/>
+          </a:fillRef>
+          <a:effectRef idx="1">
+            <a:schemeClr val="accent2"/>
+          </a:effectRef>
+          <a:fontRef idx="minor">
+            <a:schemeClr val="tx1"/>
+          </a:fontRef>
+        </p:style>
+      </p:cxnSp>
+      <p:cxnSp>
+        <p:nvCxnSpPr>
+          <p:cNvPr id="22" name="Straight Arrow Connector 8"/>
+          <p:cNvCxnSpPr>
+            <a:stCxn id="8" idx="1"/>
+            <a:endCxn id="3" idx="0"/>
+          </p:cNvCxnSpPr>
+          <p:nvPr/>
+        </p:nvCxnSpPr>
+        <p:spPr>
+          <a:xfrm rot="10800000" flipV="1">
+            <a:off x="6043450" y="3666074"/>
+            <a:ext cx="2673430" cy="1"/>
+          </a:xfrm>
+          <a:prstGeom prst="bentConnector3">
+            <a:avLst>
+              <a:gd name="adj1" fmla="val 50000"/>
+            </a:avLst>
+          </a:prstGeom>
+          <a:ln w="57150">
+            <a:solidFill>
+              <a:schemeClr val="accent1">
+                <a:lumMod val="60000"/>
+                <a:lumOff val="40000"/>
+              </a:schemeClr>
+            </a:solidFill>
+            <a:headEnd type="none" w="med" len="med"/>
+            <a:tailEnd type="triangle" w="med" len="med"/>
+          </a:ln>
+        </p:spPr>
+        <p:style>
+          <a:lnRef idx="2">
+            <a:schemeClr val="accent2"/>
+          </a:lnRef>
+          <a:fillRef idx="0">
+            <a:schemeClr val="accent2"/>
+          </a:fillRef>
+          <a:effectRef idx="1">
+            <a:schemeClr val="accent2"/>
+          </a:effectRef>
+          <a:fontRef idx="minor">
+            <a:schemeClr val="tx1"/>
+          </a:fontRef>
+        </p:style>
+      </p:cxnSp>
+      <p:sp>
+        <p:nvSpPr>
+          <p:cNvPr id="26" name="Rectangle 25"/>
+          <p:cNvSpPr/>
+          <p:nvPr/>
+        </p:nvSpPr>
+        <p:spPr bwMode="gray">
+          <a:xfrm>
+            <a:off x="1637213" y="1848123"/>
+            <a:ext cx="1645920" cy="365760"/>
+          </a:xfrm>
+          <a:prstGeom prst="rect">
+            <a:avLst/>
+          </a:prstGeom>
+          <a:ln>
+            <a:headEnd/>
+            <a:tailEnd/>
+          </a:ln>
+        </p:spPr>
+        <p:style>
+          <a:lnRef idx="2">
+            <a:schemeClr val="accent2"/>
+          </a:lnRef>
+          <a:fillRef idx="1">
+            <a:schemeClr val="lt1"/>
+          </a:fillRef>
+          <a:effectRef idx="0">
+            <a:schemeClr val="accent2"/>
+          </a:effectRef>
+          <a:fontRef idx="minor">
+            <a:schemeClr val="dk1"/>
+          </a:fontRef>
+        </p:style>
+        <p:txBody>
+          <a:bodyPr lIns="90000" tIns="72000" rIns="90000" bIns="72000" rtlCol="0" anchor="ctr"/>
+          <a:lstStyle/>
+          <a:p>
+            <a:pPr marR="0" algn="ctr" defTabSz="914400" eaLnBrk="1" fontAlgn="base" latinLnBrk="0" hangingPunct="1">
+              <a:lnSpc>
+                <a:spcPct val="100000"/>
+              </a:lnSpc>
+              <a:spcBef>
+                <a:spcPct val="50000"/>
+              </a:spcBef>
+              <a:spcAft>
+                <a:spcPct val="0"/>
+              </a:spcAft>
+              <a:buClr>
+                <a:srgbClr val="F0AB00"/>
+              </a:buClr>
+              <a:buSzPct val="80000"/>
+              <a:tabLst/>
+            </a:pPr>
+            <a:r>
+              <a:rPr kumimoji="0" lang="de-DE" sz="1800" b="0" i="0" u="none" strike="noStrike" kern="0" cap="none" spc="0" normalizeH="0" baseline="0" noProof="0" dirty="0">
+                <a:ln>
+                  <a:noFill/>
+                </a:ln>
+                <a:effectLst/>
+                <a:uLnTx/>
+                <a:uFillTx/>
+                <a:ea typeface="Arial Unicode MS" pitchFamily="34" charset="-128"/>
+                <a:cs typeface="Arial Unicode MS" pitchFamily="34" charset="-128"/>
+              </a:rPr>
+              <a:t>IP: 10.10.10.1</a:t>
+            </a:r>
+          </a:p>
+        </p:txBody>
+      </p:sp>
+      <p:sp>
+        <p:nvSpPr>
+          <p:cNvPr id="27" name="Rectangle 26"/>
+          <p:cNvSpPr/>
+          <p:nvPr/>
+        </p:nvSpPr>
+        <p:spPr bwMode="gray">
+          <a:xfrm>
+            <a:off x="1637213" y="3161209"/>
+            <a:ext cx="1645920" cy="365760"/>
+          </a:xfrm>
+          <a:prstGeom prst="rect">
+            <a:avLst/>
+          </a:prstGeom>
+          <a:ln>
+            <a:headEnd/>
+            <a:tailEnd/>
+          </a:ln>
+        </p:spPr>
+        <p:style>
+          <a:lnRef idx="2">
+            <a:schemeClr val="accent2"/>
+          </a:lnRef>
+          <a:fillRef idx="1">
+            <a:schemeClr val="lt1"/>
+          </a:fillRef>
+          <a:effectRef idx="0">
+            <a:schemeClr val="accent2"/>
+          </a:effectRef>
+          <a:fontRef idx="minor">
+            <a:schemeClr val="dk1"/>
+          </a:fontRef>
+        </p:style>
+        <p:txBody>
+          <a:bodyPr lIns="90000" tIns="72000" rIns="90000" bIns="72000" rtlCol="0" anchor="ctr"/>
+          <a:lstStyle/>
+          <a:p>
+            <a:pPr marR="0" algn="ctr" defTabSz="914400" eaLnBrk="1" fontAlgn="base" latinLnBrk="0" hangingPunct="1">
+              <a:lnSpc>
+                <a:spcPct val="100000"/>
+              </a:lnSpc>
+              <a:spcBef>
+                <a:spcPct val="50000"/>
+              </a:spcBef>
+              <a:spcAft>
+                <a:spcPct val="0"/>
+              </a:spcAft>
+              <a:buClr>
+                <a:srgbClr val="F0AB00"/>
+              </a:buClr>
+              <a:buSzPct val="80000"/>
+              <a:tabLst/>
+            </a:pPr>
+            <a:r>
+              <a:rPr kumimoji="0" lang="de-DE" sz="1800" b="0" i="0" u="none" strike="noStrike" kern="0" cap="none" spc="0" normalizeH="0" baseline="0" noProof="0" dirty="0">
+                <a:ln>
+                  <a:noFill/>
+                </a:ln>
+                <a:effectLst/>
+                <a:uLnTx/>
+                <a:uFillTx/>
+                <a:ea typeface="Arial Unicode MS" pitchFamily="34" charset="-128"/>
+                <a:cs typeface="Arial Unicode MS" pitchFamily="34" charset="-128"/>
+              </a:rPr>
+              <a:t>IP: 10.10.10.2</a:t>
+            </a:r>
+          </a:p>
+        </p:txBody>
+      </p:sp>
+      <p:sp>
+        <p:nvSpPr>
+          <p:cNvPr id="28" name="Rectangle 27"/>
+          <p:cNvSpPr/>
+          <p:nvPr/>
+        </p:nvSpPr>
+        <p:spPr bwMode="gray">
+          <a:xfrm>
+            <a:off x="1637213" y="4480323"/>
+            <a:ext cx="1645920" cy="365760"/>
+          </a:xfrm>
+          <a:prstGeom prst="rect">
+            <a:avLst/>
+          </a:prstGeom>
+          <a:ln>
+            <a:headEnd/>
+            <a:tailEnd/>
+          </a:ln>
+        </p:spPr>
+        <p:style>
+          <a:lnRef idx="2">
+            <a:schemeClr val="accent2"/>
+          </a:lnRef>
+          <a:fillRef idx="1">
+            <a:schemeClr val="lt1"/>
+          </a:fillRef>
+          <a:effectRef idx="0">
+            <a:schemeClr val="accent2"/>
+          </a:effectRef>
+          <a:fontRef idx="minor">
+            <a:schemeClr val="dk1"/>
+          </a:fontRef>
+        </p:style>
+        <p:txBody>
+          <a:bodyPr lIns="90000" tIns="72000" rIns="90000" bIns="72000" rtlCol="0" anchor="ctr"/>
+          <a:lstStyle/>
+          <a:p>
+            <a:pPr marR="0" algn="ctr" defTabSz="914400" eaLnBrk="1" fontAlgn="base" latinLnBrk="0" hangingPunct="1">
+              <a:lnSpc>
+                <a:spcPct val="100000"/>
+              </a:lnSpc>
+              <a:spcBef>
+                <a:spcPct val="50000"/>
+              </a:spcBef>
+              <a:spcAft>
+                <a:spcPct val="0"/>
+              </a:spcAft>
+              <a:buClr>
+                <a:srgbClr val="F0AB00"/>
+              </a:buClr>
+              <a:buSzPct val="80000"/>
+              <a:tabLst/>
+            </a:pPr>
+            <a:r>
+              <a:rPr kumimoji="0" lang="de-DE" sz="1800" b="0" i="0" u="none" strike="noStrike" kern="0" cap="none" spc="0" normalizeH="0" baseline="0" noProof="0" dirty="0">
+                <a:ln>
+                  <a:noFill/>
+                </a:ln>
+                <a:effectLst/>
+                <a:uLnTx/>
+                <a:uFillTx/>
+                <a:ea typeface="Arial Unicode MS" pitchFamily="34" charset="-128"/>
+                <a:cs typeface="Arial Unicode MS" pitchFamily="34" charset="-128"/>
+              </a:rPr>
+              <a:t>IP: 10.10.10.3</a:t>
+            </a:r>
+          </a:p>
+        </p:txBody>
+      </p:sp>
+      <p:sp>
+        <p:nvSpPr>
+          <p:cNvPr id="29" name="Rectangle 28"/>
+          <p:cNvSpPr/>
+          <p:nvPr/>
+        </p:nvSpPr>
+        <p:spPr bwMode="gray">
+          <a:xfrm>
+            <a:off x="8801589" y="3172063"/>
+            <a:ext cx="1645920" cy="365760"/>
+          </a:xfrm>
+          <a:prstGeom prst="rect">
+            <a:avLst/>
+          </a:prstGeom>
+          <a:ln>
+            <a:headEnd/>
+            <a:tailEnd/>
+          </a:ln>
+        </p:spPr>
+        <p:style>
+          <a:lnRef idx="2">
+            <a:schemeClr val="accent2"/>
+          </a:lnRef>
+          <a:fillRef idx="1">
+            <a:schemeClr val="lt1"/>
+          </a:fillRef>
+          <a:effectRef idx="0">
+            <a:schemeClr val="accent2"/>
+          </a:effectRef>
+          <a:fontRef idx="minor">
+            <a:schemeClr val="dk1"/>
+          </a:fontRef>
+        </p:style>
+        <p:txBody>
+          <a:bodyPr lIns="90000" tIns="72000" rIns="90000" bIns="72000" rtlCol="0" anchor="ctr"/>
+          <a:lstStyle/>
+          <a:p>
+            <a:pPr marR="0" algn="ctr" defTabSz="914400" eaLnBrk="1" fontAlgn="base" latinLnBrk="0" hangingPunct="1">
+              <a:lnSpc>
+                <a:spcPct val="100000"/>
+              </a:lnSpc>
+              <a:spcBef>
+                <a:spcPct val="50000"/>
+              </a:spcBef>
+              <a:spcAft>
+                <a:spcPct val="0"/>
+              </a:spcAft>
+              <a:buClr>
+                <a:srgbClr val="F0AB00"/>
+              </a:buClr>
+              <a:buSzPct val="80000"/>
+              <a:tabLst/>
+            </a:pPr>
+            <a:r>
+              <a:rPr kumimoji="0" lang="de-DE" sz="1800" b="0" i="0" u="none" strike="noStrike" kern="0" cap="none" spc="0" normalizeH="0" baseline="0" noProof="0" dirty="0">
+                <a:ln>
+                  <a:noFill/>
+                </a:ln>
+                <a:effectLst/>
+                <a:uLnTx/>
+                <a:uFillTx/>
+                <a:ea typeface="Arial Unicode MS" pitchFamily="34" charset="-128"/>
+                <a:cs typeface="Arial Unicode MS" pitchFamily="34" charset="-128"/>
+              </a:rPr>
+              <a:t>IP: 10.10.24.1</a:t>
+            </a:r>
+          </a:p>
+        </p:txBody>
+      </p:sp>
+      <p:sp>
+        <p:nvSpPr>
+          <p:cNvPr id="30" name="Rectangle 29"/>
+          <p:cNvSpPr/>
+          <p:nvPr/>
+        </p:nvSpPr>
+        <p:spPr bwMode="gray">
+          <a:xfrm>
+            <a:off x="4314899" y="3961962"/>
+            <a:ext cx="1645920" cy="365760"/>
+          </a:xfrm>
+          <a:prstGeom prst="rect">
+            <a:avLst/>
+          </a:prstGeom>
+          <a:ln>
+            <a:headEnd/>
+            <a:tailEnd/>
+          </a:ln>
+        </p:spPr>
+        <p:style>
+          <a:lnRef idx="2">
+            <a:schemeClr val="accent2"/>
+          </a:lnRef>
+          <a:fillRef idx="1">
+            <a:schemeClr val="lt1"/>
+          </a:fillRef>
+          <a:effectRef idx="0">
+            <a:schemeClr val="accent2"/>
+          </a:effectRef>
+          <a:fontRef idx="minor">
+            <a:schemeClr val="dk1"/>
+          </a:fontRef>
+        </p:style>
+        <p:txBody>
+          <a:bodyPr lIns="90000" tIns="72000" rIns="90000" bIns="72000" rtlCol="0" anchor="ctr"/>
+          <a:lstStyle/>
+          <a:p>
+            <a:pPr marR="0" algn="ctr" defTabSz="914400" eaLnBrk="1" fontAlgn="base" latinLnBrk="0" hangingPunct="1">
+              <a:lnSpc>
+                <a:spcPct val="100000"/>
+              </a:lnSpc>
+              <a:spcBef>
+                <a:spcPct val="50000"/>
+              </a:spcBef>
+              <a:spcAft>
+                <a:spcPct val="0"/>
+              </a:spcAft>
+              <a:buClr>
+                <a:srgbClr val="F0AB00"/>
+              </a:buClr>
+              <a:buSzPct val="80000"/>
+              <a:tabLst/>
+            </a:pPr>
+            <a:r>
+              <a:rPr kumimoji="0" lang="de-DE" sz="1800" b="0" i="0" u="none" strike="noStrike" kern="0" cap="none" spc="0" normalizeH="0" baseline="0" noProof="0" dirty="0">
+                <a:ln>
+                  <a:noFill/>
+                </a:ln>
+                <a:effectLst/>
+                <a:uLnTx/>
+                <a:uFillTx/>
+                <a:ea typeface="Arial Unicode MS" pitchFamily="34" charset="-128"/>
+                <a:cs typeface="Arial Unicode MS" pitchFamily="34" charset="-128"/>
+              </a:rPr>
+              <a:t>IP: 10.10.10.4</a:t>
+            </a:r>
+          </a:p>
+        </p:txBody>
+      </p:sp>
+      <p:cxnSp>
+        <p:nvCxnSpPr>
+          <p:cNvPr id="33" name="Straight Arrow Connector 8"/>
+          <p:cNvCxnSpPr>
+            <a:stCxn id="8" idx="1"/>
+            <a:endCxn id="37" idx="3"/>
+          </p:cNvCxnSpPr>
+          <p:nvPr/>
+        </p:nvCxnSpPr>
+        <p:spPr>
+          <a:xfrm flipH="1" flipV="1">
+            <a:off x="4021183" y="3655218"/>
+            <a:ext cx="4695697" cy="10857"/>
+          </a:xfrm>
+          <a:prstGeom prst="straightConnector1">
+            <a:avLst/>
+          </a:prstGeom>
+          <a:ln w="57150">
+            <a:solidFill>
+              <a:schemeClr val="accent1">
+                <a:lumMod val="60000"/>
+                <a:lumOff val="40000"/>
+              </a:schemeClr>
+            </a:solidFill>
+            <a:headEnd type="none" w="med" len="med"/>
+            <a:tailEnd type="triangle" w="med" len="med"/>
+          </a:ln>
+        </p:spPr>
+        <p:style>
+          <a:lnRef idx="2">
+            <a:schemeClr val="accent2"/>
+          </a:lnRef>
+          <a:fillRef idx="0">
+            <a:schemeClr val="accent2"/>
+          </a:fillRef>
+          <a:effectRef idx="1">
+            <a:schemeClr val="accent2"/>
+          </a:effectRef>
+          <a:fontRef idx="minor">
+            <a:schemeClr val="tx1"/>
+          </a:fontRef>
+        </p:style>
+      </p:cxnSp>
+      <p:sp>
+        <p:nvSpPr>
+          <p:cNvPr id="51" name="Speech Bubble: Rectangle with Corners Rounded 50"/>
+          <p:cNvSpPr/>
+          <p:nvPr/>
+        </p:nvSpPr>
+        <p:spPr bwMode="gray">
+          <a:xfrm>
+            <a:off x="6330831" y="1161400"/>
+            <a:ext cx="3213763" cy="1211653"/>
+          </a:xfrm>
+          <a:prstGeom prst="wedgeRoundRectCallout">
+            <a:avLst>
+              <a:gd name="adj1" fmla="val -37925"/>
+              <a:gd name="adj2" fmla="val 146592"/>
+              <a:gd name="adj3" fmla="val 16667"/>
+            </a:avLst>
+          </a:prstGeom>
+          <a:ln>
+            <a:headEnd/>
+            <a:tailEnd/>
+          </a:ln>
+        </p:spPr>
+        <p:style>
+          <a:lnRef idx="1">
+            <a:schemeClr val="accent2"/>
+          </a:lnRef>
+          <a:fillRef idx="2">
+            <a:schemeClr val="accent2"/>
+          </a:fillRef>
+          <a:effectRef idx="1">
+            <a:schemeClr val="accent2"/>
+          </a:effectRef>
+          <a:fontRef idx="minor">
+            <a:schemeClr val="dk1"/>
+          </a:fontRef>
+        </p:style>
+        <p:txBody>
+          <a:bodyPr lIns="90000" tIns="72000" rIns="90000" bIns="72000" rtlCol="0" anchor="ctr"/>
+          <a:lstStyle/>
+          <a:p>
+            <a:pPr marR="0" algn="ctr" defTabSz="914400" eaLnBrk="1" fontAlgn="base" latinLnBrk="0" hangingPunct="1">
+              <a:lnSpc>
+                <a:spcPct val="100000"/>
+              </a:lnSpc>
+              <a:spcBef>
+                <a:spcPct val="50000"/>
+              </a:spcBef>
+              <a:spcAft>
+                <a:spcPct val="0"/>
+              </a:spcAft>
+              <a:buClr>
+                <a:srgbClr val="F0AB00"/>
+              </a:buClr>
+              <a:buSzPct val="80000"/>
+              <a:tabLst/>
+            </a:pPr>
+            <a:r>
+              <a:rPr lang="en-US" sz="1600" b="1" kern="0" dirty="0">
+                <a:solidFill>
+                  <a:schemeClr val="lt1"/>
+                </a:solidFill>
+                <a:ea typeface="Arial Unicode MS" pitchFamily="34" charset="-128"/>
+                <a:cs typeface="Arial Unicode MS" pitchFamily="34" charset="-128"/>
+              </a:rPr>
+              <a:t>Connect to 10.10.10.1/2/3 ?</a:t>
+            </a:r>
+            <a:endParaRPr kumimoji="0" lang="en-US" sz="1800" b="0" i="0" u="none" strike="noStrike" kern="0" cap="none" spc="0" normalizeH="0" baseline="0" noProof="0" dirty="0">
+              <a:ln>
+                <a:noFill/>
+              </a:ln>
+              <a:effectLst/>
+              <a:uLnTx/>
+              <a:uFillTx/>
+              <a:ea typeface="Arial Unicode MS" pitchFamily="34" charset="-128"/>
+              <a:cs typeface="Arial Unicode MS" pitchFamily="34" charset="-128"/>
+            </a:endParaRPr>
+          </a:p>
+        </p:txBody>
+      </p:sp>
+      <p:sp>
+        <p:nvSpPr>
+          <p:cNvPr id="52" name="Speech Bubble: Rectangle with Corners Rounded 51"/>
+          <p:cNvSpPr/>
+          <p:nvPr/>
+        </p:nvSpPr>
+        <p:spPr bwMode="gray">
+          <a:xfrm>
+            <a:off x="6330830" y="1161397"/>
+            <a:ext cx="3213763" cy="1211653"/>
+          </a:xfrm>
+          <a:prstGeom prst="wedgeRoundRectCallout">
+            <a:avLst>
+              <a:gd name="adj1" fmla="val -37925"/>
+              <a:gd name="adj2" fmla="val 146592"/>
+              <a:gd name="adj3" fmla="val 16667"/>
+            </a:avLst>
+          </a:prstGeom>
+          <a:ln>
+            <a:headEnd/>
+            <a:tailEnd/>
+          </a:ln>
+        </p:spPr>
+        <p:style>
+          <a:lnRef idx="1">
+            <a:schemeClr val="accent2"/>
+          </a:lnRef>
+          <a:fillRef idx="2">
+            <a:schemeClr val="accent2"/>
+          </a:fillRef>
+          <a:effectRef idx="1">
+            <a:schemeClr val="accent2"/>
+          </a:effectRef>
+          <a:fontRef idx="minor">
+            <a:schemeClr val="dk1"/>
+          </a:fontRef>
+        </p:style>
+        <p:txBody>
+          <a:bodyPr lIns="90000" tIns="72000" rIns="90000" bIns="72000" rtlCol="0" anchor="ctr"/>
+          <a:lstStyle/>
+          <a:p>
+            <a:pPr marR="0" algn="ctr" defTabSz="914400" eaLnBrk="1" fontAlgn="base" latinLnBrk="0" hangingPunct="1">
+              <a:lnSpc>
+                <a:spcPct val="100000"/>
+              </a:lnSpc>
+              <a:spcBef>
+                <a:spcPct val="50000"/>
+              </a:spcBef>
+              <a:spcAft>
+                <a:spcPct val="0"/>
+              </a:spcAft>
+              <a:buClr>
+                <a:srgbClr val="F0AB00"/>
+              </a:buClr>
+              <a:buSzPct val="80000"/>
+              <a:tabLst/>
+            </a:pPr>
+            <a:r>
+              <a:rPr lang="en-US" sz="1600" b="1" kern="0" noProof="0" dirty="0">
+                <a:solidFill>
+                  <a:schemeClr val="lt1"/>
+                </a:solidFill>
+                <a:ea typeface="Arial Unicode MS" pitchFamily="34" charset="-128"/>
+                <a:cs typeface="Arial Unicode MS" pitchFamily="34" charset="-128"/>
+              </a:rPr>
+              <a:t>Use “service-a” as DNS name to connect to it</a:t>
+            </a:r>
+            <a:endParaRPr kumimoji="0" lang="en-US" sz="1800" b="0" i="0" u="none" strike="noStrike" kern="0" cap="none" spc="0" normalizeH="0" baseline="0" noProof="0" dirty="0">
+              <a:ln>
+                <a:noFill/>
+              </a:ln>
+              <a:effectLst/>
+              <a:uLnTx/>
+              <a:uFillTx/>
+              <a:ea typeface="Arial Unicode MS" pitchFamily="34" charset="-128"/>
+              <a:cs typeface="Arial Unicode MS" pitchFamily="34" charset="-128"/>
+            </a:endParaRPr>
+          </a:p>
+        </p:txBody>
+      </p:sp>
+    </p:spTree>
+    <p:extLst>
+      <p:ext uri="{BB962C8B-B14F-4D97-AF65-F5344CB8AC3E}">
+        <p14:creationId xmlns:p14="http://schemas.microsoft.com/office/powerpoint/2010/main" val="2343535725"/>
+      </p:ext>
+    </p:extLst>
+  </p:cSld>
+  <p:clrMapOvr>
+    <a:masterClrMapping/>
+  </p:clrMapOvr>
+  <p:timing>
+    <p:tnLst>
+      <p:par>
+        <p:cTn id="1" dur="indefinite" restart="never" nodeType="tmRoot">
+          <p:childTnLst>
+            <p:seq concurrent="1" nextAc="seek">
+              <p:cTn id="2" dur="indefinite" nodeType="mainSeq">
+                <p:childTnLst>
+                  <p:par>
+                    <p:cTn id="3" fill="hold">
+                      <p:stCondLst>
+                        <p:cond delay="indefinite"/>
+                      </p:stCondLst>
+                      <p:childTnLst>
+                        <p:par>
+                          <p:cTn id="4" fill="hold">
+                            <p:stCondLst>
+                              <p:cond delay="0"/>
+                            </p:stCondLst>
+                            <p:childTnLst>
+                              <p:par>
+                                <p:cTn id="5" presetID="1" presetClass="entr" presetSubtype="0" fill="hold" nodeType="clickEffect">
+                                  <p:stCondLst>
+                                    <p:cond delay="0"/>
+                                  </p:stCondLst>
+                                  <p:childTnLst>
+                                    <p:set>
+                                      <p:cBhvr>
+                                        <p:cTn id="6" dur="1" fill="hold">
+                                          <p:stCondLst>
+                                            <p:cond delay="0"/>
+                                          </p:stCondLst>
+                                        </p:cTn>
+                                        <p:tgtEl>
+                                          <p:spTgt spid="33"/>
+                                        </p:tgtEl>
+                                        <p:attrNameLst>
+                                          <p:attrName>style.visibility</p:attrName>
+                                        </p:attrNameLst>
+                                      </p:cBhvr>
+                                      <p:to>
+                                        <p:strVal val="visible"/>
+                                      </p:to>
+                                    </p:set>
+                                  </p:childTnLst>
+                                </p:cTn>
+                              </p:par>
+                              <p:par>
+                                <p:cTn id="7" presetID="1" presetClass="entr" presetSubtype="0" fill="hold" grpId="0" nodeType="withEffect">
+                                  <p:stCondLst>
+                                    <p:cond delay="0"/>
+                                  </p:stCondLst>
+                                  <p:childTnLst>
+                                    <p:set>
+                                      <p:cBhvr>
+                                        <p:cTn id="8" dur="1" fill="hold">
+                                          <p:stCondLst>
+                                            <p:cond delay="0"/>
+                                          </p:stCondLst>
+                                        </p:cTn>
+                                        <p:tgtEl>
+                                          <p:spTgt spid="51"/>
+                                        </p:tgtEl>
+                                        <p:attrNameLst>
+                                          <p:attrName>style.visibility</p:attrName>
+                                        </p:attrNameLst>
+                                      </p:cBhvr>
+                                      <p:to>
+                                        <p:strVal val="visible"/>
+                                      </p:to>
+                                    </p:set>
+                                  </p:childTnLst>
+                                </p:cTn>
+                              </p:par>
+                            </p:childTnLst>
+                          </p:cTn>
+                        </p:par>
+                      </p:childTnLst>
+                    </p:cTn>
+                  </p:par>
+                  <p:par>
+                    <p:cTn id="9" fill="hold">
+                      <p:stCondLst>
+                        <p:cond delay="indefinite"/>
+                      </p:stCondLst>
+                      <p:childTnLst>
+                        <p:par>
+                          <p:cTn id="10" fill="hold">
+                            <p:stCondLst>
+                              <p:cond delay="0"/>
+                            </p:stCondLst>
+                            <p:childTnLst>
+                              <p:par>
+                                <p:cTn id="11" presetID="1" presetClass="exit" presetSubtype="0" fill="hold" nodeType="clickEffect">
+                                  <p:stCondLst>
+                                    <p:cond delay="0"/>
+                                  </p:stCondLst>
+                                  <p:childTnLst>
+                                    <p:set>
+                                      <p:cBhvr>
+                                        <p:cTn id="12" dur="1" fill="hold">
+                                          <p:stCondLst>
+                                            <p:cond delay="0"/>
+                                          </p:stCondLst>
+                                        </p:cTn>
+                                        <p:tgtEl>
+                                          <p:spTgt spid="33"/>
+                                        </p:tgtEl>
+                                        <p:attrNameLst>
+                                          <p:attrName>style.visibility</p:attrName>
+                                        </p:attrNameLst>
+                                      </p:cBhvr>
+                                      <p:to>
+                                        <p:strVal val="hidden"/>
+                                      </p:to>
+                                    </p:set>
+                                  </p:childTnLst>
+                                </p:cTn>
+                              </p:par>
+                              <p:par>
+                                <p:cTn id="13" presetID="1" presetClass="exit" presetSubtype="0" fill="hold" grpId="1" nodeType="withEffect">
+                                  <p:stCondLst>
+                                    <p:cond delay="0"/>
+                                  </p:stCondLst>
+                                  <p:childTnLst>
+                                    <p:set>
+                                      <p:cBhvr>
+                                        <p:cTn id="14" dur="1" fill="hold">
+                                          <p:stCondLst>
+                                            <p:cond delay="0"/>
+                                          </p:stCondLst>
+                                        </p:cTn>
+                                        <p:tgtEl>
+                                          <p:spTgt spid="51"/>
+                                        </p:tgtEl>
+                                        <p:attrNameLst>
+                                          <p:attrName>style.visibility</p:attrName>
+                                        </p:attrNameLst>
+                                      </p:cBhvr>
+                                      <p:to>
+                                        <p:strVal val="hidden"/>
+                                      </p:to>
+                                    </p:set>
+                                  </p:childTnLst>
+                                </p:cTn>
+                              </p:par>
+                            </p:childTnLst>
+                          </p:cTn>
+                        </p:par>
+                        <p:par>
+                          <p:cTn id="15" fill="hold">
+                            <p:stCondLst>
+                              <p:cond delay="0"/>
+                            </p:stCondLst>
+                            <p:childTnLst>
+                              <p:par>
+                                <p:cTn id="16" presetID="1" presetClass="entr" presetSubtype="0" fill="hold" grpId="0" nodeType="afterEffect">
+                                  <p:stCondLst>
+                                    <p:cond delay="0"/>
+                                  </p:stCondLst>
+                                  <p:childTnLst>
+                                    <p:set>
+                                      <p:cBhvr>
+                                        <p:cTn id="17" dur="1" fill="hold">
+                                          <p:stCondLst>
+                                            <p:cond delay="0"/>
+                                          </p:stCondLst>
+                                        </p:cTn>
+                                        <p:tgtEl>
+                                          <p:spTgt spid="3"/>
+                                        </p:tgtEl>
+                                        <p:attrNameLst>
+                                          <p:attrName>style.visibility</p:attrName>
+                                        </p:attrNameLst>
+                                      </p:cBhvr>
+                                      <p:to>
+                                        <p:strVal val="visible"/>
+                                      </p:to>
+                                    </p:set>
+                                  </p:childTnLst>
+                                </p:cTn>
+                              </p:par>
+                              <p:par>
+                                <p:cTn id="18" presetID="1" presetClass="entr" presetSubtype="0" fill="hold" grpId="0" nodeType="withEffect">
+                                  <p:stCondLst>
+                                    <p:cond delay="0"/>
+                                  </p:stCondLst>
+                                  <p:childTnLst>
+                                    <p:set>
+                                      <p:cBhvr>
+                                        <p:cTn id="19" dur="1" fill="hold">
+                                          <p:stCondLst>
+                                            <p:cond delay="0"/>
+                                          </p:stCondLst>
+                                        </p:cTn>
+                                        <p:tgtEl>
+                                          <p:spTgt spid="30"/>
+                                        </p:tgtEl>
+                                        <p:attrNameLst>
+                                          <p:attrName>style.visibility</p:attrName>
+                                        </p:attrNameLst>
+                                      </p:cBhvr>
+                                      <p:to>
+                                        <p:strVal val="visible"/>
+                                      </p:to>
+                                    </p:set>
+                                  </p:childTnLst>
+                                </p:cTn>
+                              </p:par>
+                              <p:par>
+                                <p:cTn id="20" presetID="1" presetClass="entr" presetSubtype="0" fill="hold" nodeType="withEffect">
+                                  <p:stCondLst>
+                                    <p:cond delay="0"/>
+                                  </p:stCondLst>
+                                  <p:childTnLst>
+                                    <p:set>
+                                      <p:cBhvr>
+                                        <p:cTn id="21" dur="1" fill="hold">
+                                          <p:stCondLst>
+                                            <p:cond delay="0"/>
+                                          </p:stCondLst>
+                                        </p:cTn>
+                                        <p:tgtEl>
+                                          <p:spTgt spid="13"/>
+                                        </p:tgtEl>
+                                        <p:attrNameLst>
+                                          <p:attrName>style.visibility</p:attrName>
+                                        </p:attrNameLst>
+                                      </p:cBhvr>
+                                      <p:to>
+                                        <p:strVal val="visible"/>
+                                      </p:to>
+                                    </p:set>
+                                  </p:childTnLst>
+                                </p:cTn>
+                              </p:par>
+                              <p:par>
+                                <p:cTn id="22" presetID="1" presetClass="entr" presetSubtype="0" fill="hold" nodeType="withEffect">
+                                  <p:stCondLst>
+                                    <p:cond delay="0"/>
+                                  </p:stCondLst>
+                                  <p:childTnLst>
+                                    <p:set>
+                                      <p:cBhvr>
+                                        <p:cTn id="23" dur="1" fill="hold">
+                                          <p:stCondLst>
+                                            <p:cond delay="0"/>
+                                          </p:stCondLst>
+                                        </p:cTn>
+                                        <p:tgtEl>
+                                          <p:spTgt spid="9"/>
+                                        </p:tgtEl>
+                                        <p:attrNameLst>
+                                          <p:attrName>style.visibility</p:attrName>
+                                        </p:attrNameLst>
+                                      </p:cBhvr>
+                                      <p:to>
+                                        <p:strVal val="visible"/>
+                                      </p:to>
+                                    </p:set>
+                                  </p:childTnLst>
+                                </p:cTn>
+                              </p:par>
+                              <p:par>
+                                <p:cTn id="24" presetID="1" presetClass="entr" presetSubtype="0" fill="hold" nodeType="withEffect">
+                                  <p:stCondLst>
+                                    <p:cond delay="0"/>
+                                  </p:stCondLst>
+                                  <p:childTnLst>
+                                    <p:set>
+                                      <p:cBhvr>
+                                        <p:cTn id="25" dur="1" fill="hold">
+                                          <p:stCondLst>
+                                            <p:cond delay="0"/>
+                                          </p:stCondLst>
+                                        </p:cTn>
+                                        <p:tgtEl>
+                                          <p:spTgt spid="16"/>
+                                        </p:tgtEl>
+                                        <p:attrNameLst>
+                                          <p:attrName>style.visibility</p:attrName>
+                                        </p:attrNameLst>
+                                      </p:cBhvr>
+                                      <p:to>
+                                        <p:strVal val="visible"/>
+                                      </p:to>
+                                    </p:set>
+                                  </p:childTnLst>
+                                </p:cTn>
+                              </p:par>
+                            </p:childTnLst>
+                          </p:cTn>
+                        </p:par>
+                      </p:childTnLst>
+                    </p:cTn>
+                  </p:par>
+                  <p:par>
+                    <p:cTn id="26" fill="hold">
+                      <p:stCondLst>
+                        <p:cond delay="indefinite"/>
+                      </p:stCondLst>
+                      <p:childTnLst>
+                        <p:par>
+                          <p:cTn id="27" fill="hold">
+                            <p:stCondLst>
+                              <p:cond delay="0"/>
+                            </p:stCondLst>
+                            <p:childTnLst>
+                              <p:par>
+                                <p:cTn id="28" presetID="1" presetClass="entr" presetSubtype="0" fill="hold" nodeType="clickEffect">
+                                  <p:stCondLst>
+                                    <p:cond delay="0"/>
+                                  </p:stCondLst>
+                                  <p:childTnLst>
+                                    <p:set>
+                                      <p:cBhvr>
+                                        <p:cTn id="29" dur="1" fill="hold">
+                                          <p:stCondLst>
+                                            <p:cond delay="0"/>
+                                          </p:stCondLst>
+                                        </p:cTn>
+                                        <p:tgtEl>
+                                          <p:spTgt spid="22"/>
+                                        </p:tgtEl>
+                                        <p:attrNameLst>
+                                          <p:attrName>style.visibility</p:attrName>
+                                        </p:attrNameLst>
+                                      </p:cBhvr>
+                                      <p:to>
+                                        <p:strVal val="visible"/>
+                                      </p:to>
+                                    </p:set>
+                                  </p:childTnLst>
+                                </p:cTn>
+                              </p:par>
+                              <p:par>
+                                <p:cTn id="30" presetID="1" presetClass="entr" presetSubtype="0" fill="hold" grpId="0" nodeType="withEffect">
+                                  <p:stCondLst>
+                                    <p:cond delay="0"/>
+                                  </p:stCondLst>
+                                  <p:childTnLst>
+                                    <p:set>
+                                      <p:cBhvr>
+                                        <p:cTn id="31" dur="1" fill="hold">
+                                          <p:stCondLst>
+                                            <p:cond delay="0"/>
+                                          </p:stCondLst>
+                                        </p:cTn>
+                                        <p:tgtEl>
+                                          <p:spTgt spid="52"/>
+                                        </p:tgtEl>
+                                        <p:attrNameLst>
+                                          <p:attrName>style.visibility</p:attrName>
+                                        </p:attrNameLst>
+                                      </p:cBhvr>
+                                      <p:to>
+                                        <p:strVal val="visible"/>
+                                      </p:to>
+                                    </p:set>
+                                  </p:childTnLst>
+                                </p:cTn>
+                              </p:par>
+                            </p:childTnLst>
+                          </p:cTn>
+                        </p:par>
+                      </p:childTnLst>
+                    </p:cTn>
+                  </p:par>
+                </p:childTnLst>
+              </p:cTn>
+              <p:prevCondLst>
+                <p:cond evt="onPrev" delay="0">
+                  <p:tgtEl>
+                    <p:sldTgt/>
+                  </p:tgtEl>
+                </p:cond>
+              </p:prevCondLst>
+              <p:nextCondLst>
+                <p:cond evt="onNext" delay="0">
+                  <p:tgtEl>
+                    <p:sldTgt/>
+                  </p:tgtEl>
+                </p:cond>
+              </p:nextCondLst>
+            </p:seq>
+          </p:childTnLst>
+        </p:cTn>
+      </p:par>
+    </p:tnLst>
+    <p:bldLst>
+      <p:bldP spid="3" grpId="0" animBg="1"/>
+      <p:bldP spid="30" grpId="0" animBg="1"/>
+      <p:bldP spid="51" grpId="0" animBg="1"/>
+      <p:bldP spid="51" grpId="1" animBg="1"/>
+      <p:bldP spid="52" grpId="0" animBg="1"/>
+    </p:bldLst>
+  </p:timing>
+</p:sld>
+</file>
+
+<file path=ppt/slides/slide9.xml><?xml version="1.0" encoding="utf-8"?>
+<p:sld xmlns:a="http://schemas.openxmlformats.org/drawingml/2006/main" xmlns:r="http://schemas.openxmlformats.org/officeDocument/2006/relationships" xmlns:p="http://schemas.openxmlformats.org/presentationml/2006/main">
+  <p:cSld>
+    <p:spTree>
+      <p:nvGrpSpPr>
+        <p:cNvPr id="1" name=""/>
+        <p:cNvGrpSpPr/>
+        <p:nvPr/>
+      </p:nvGrpSpPr>
+      <p:grpSpPr>
+        <a:xfrm>
+          <a:off x="0" y="0"/>
+          <a:ext cx="0" cy="0"/>
+          <a:chOff x="0" y="0"/>
+          <a:chExt cx="0" cy="0"/>
+        </a:xfrm>
+      </p:grpSpPr>
+      <p:sp>
+        <p:nvSpPr>
+          <p:cNvPr id="21" name="Rectangle 20"/>
+          <p:cNvSpPr/>
+          <p:nvPr/>
+        </p:nvSpPr>
+        <p:spPr bwMode="gray">
+          <a:xfrm>
+            <a:off x="6141720" y="3390899"/>
+            <a:ext cx="4960620" cy="2865121"/>
+          </a:xfrm>
+          <a:prstGeom prst="rect">
+            <a:avLst/>
+          </a:prstGeom>
+          <a:ln>
+            <a:headEnd/>
+            <a:tailEnd/>
+          </a:ln>
+        </p:spPr>
+        <p:style>
+          <a:lnRef idx="2">
+            <a:schemeClr val="accent2"/>
+          </a:lnRef>
+          <a:fillRef idx="1">
+            <a:schemeClr val="lt1"/>
+          </a:fillRef>
+          <a:effectRef idx="0">
+            <a:schemeClr val="accent2"/>
+          </a:effectRef>
+          <a:fontRef idx="minor">
+            <a:schemeClr val="dk1"/>
+          </a:fontRef>
+        </p:style>
+        <p:txBody>
+          <a:bodyPr lIns="90000" tIns="72000" rIns="90000" bIns="72000" rtlCol="0" anchor="t"/>
+          <a:lstStyle/>
+          <a:p>
+            <a:pPr marR="0" algn="ctr" defTabSz="914400" eaLnBrk="1" fontAlgn="base" latinLnBrk="0" hangingPunct="1">
+              <a:lnSpc>
+                <a:spcPct val="100000"/>
+              </a:lnSpc>
+              <a:spcBef>
+                <a:spcPct val="50000"/>
+              </a:spcBef>
+              <a:spcAft>
+                <a:spcPct val="0"/>
+              </a:spcAft>
+              <a:buClr>
+                <a:srgbClr val="F0AB00"/>
+              </a:buClr>
+              <a:buSzPct val="80000"/>
+              <a:tabLst/>
+            </a:pPr>
+            <a:r>
+              <a:rPr kumimoji="0" lang="en-US" sz="1800" b="1" i="0" u="none" strike="noStrike" kern="0" cap="none" spc="0" normalizeH="0" baseline="0" noProof="0" dirty="0">
+                <a:ln>
+                  <a:noFill/>
+                </a:ln>
+                <a:effectLst/>
+                <a:uLnTx/>
+                <a:uFillTx/>
+                <a:ea typeface="Arial Unicode MS" pitchFamily="34" charset="-128"/>
+                <a:cs typeface="Arial Unicode MS" pitchFamily="34" charset="-128"/>
+              </a:rPr>
+              <a:t>Node B</a:t>
+            </a:r>
+          </a:p>
+        </p:txBody>
+      </p:sp>
+      <p:sp>
+        <p:nvSpPr>
+          <p:cNvPr id="2" name="Title 1"/>
+          <p:cNvSpPr>
+            <a:spLocks noGrp="1"/>
+          </p:cNvSpPr>
+          <p:nvPr>
+            <p:ph type="title"/>
+          </p:nvPr>
+        </p:nvSpPr>
+        <p:spPr/>
+        <p:txBody>
+          <a:bodyPr/>
+          <a:lstStyle/>
+          <a:p>
+            <a:r>
+              <a:rPr lang="en-US" dirty="0"/>
+              <a:t>How </a:t>
+            </a:r>
+            <a:r>
+              <a:rPr lang="en-US" dirty="0" err="1"/>
+              <a:t>NodePorts</a:t>
+            </a:r>
+            <a:r>
+              <a:rPr lang="en-US" dirty="0"/>
+              <a:t> work</a:t>
+            </a:r>
+          </a:p>
+        </p:txBody>
+      </p:sp>
+      <p:sp>
+        <p:nvSpPr>
+          <p:cNvPr id="4" name="Rectangle 3"/>
+          <p:cNvSpPr/>
+          <p:nvPr/>
+        </p:nvSpPr>
+        <p:spPr bwMode="gray">
+          <a:xfrm>
+            <a:off x="952500" y="3390900"/>
+            <a:ext cx="4960620" cy="2865120"/>
+          </a:xfrm>
+          <a:prstGeom prst="rect">
+            <a:avLst/>
+          </a:prstGeom>
+          <a:ln>
+            <a:headEnd/>
+            <a:tailEnd/>
+          </a:ln>
+        </p:spPr>
+        <p:style>
+          <a:lnRef idx="2">
+            <a:schemeClr val="accent2"/>
+          </a:lnRef>
+          <a:fillRef idx="1">
+            <a:schemeClr val="lt1"/>
+          </a:fillRef>
+          <a:effectRef idx="0">
+            <a:schemeClr val="accent2"/>
+          </a:effectRef>
+          <a:fontRef idx="minor">
+            <a:schemeClr val="dk1"/>
+          </a:fontRef>
+        </p:style>
+        <p:txBody>
+          <a:bodyPr lIns="90000" tIns="72000" rIns="90000" bIns="72000" rtlCol="0" anchor="t"/>
+          <a:lstStyle/>
+          <a:p>
+            <a:pPr marR="0" algn="ctr" defTabSz="914400" eaLnBrk="1" fontAlgn="base" latinLnBrk="0" hangingPunct="1">
+              <a:lnSpc>
+                <a:spcPct val="100000"/>
+              </a:lnSpc>
+              <a:spcBef>
+                <a:spcPct val="50000"/>
+              </a:spcBef>
+              <a:spcAft>
+                <a:spcPct val="0"/>
+              </a:spcAft>
+              <a:buClr>
+                <a:srgbClr val="F0AB00"/>
+              </a:buClr>
+              <a:buSzPct val="80000"/>
+              <a:tabLst/>
+            </a:pPr>
+            <a:r>
+              <a:rPr kumimoji="0" lang="en-US" sz="1800" b="1" i="0" u="none" strike="noStrike" kern="0" cap="none" spc="0" normalizeH="0" baseline="0" noProof="0" dirty="0">
+                <a:ln>
+                  <a:noFill/>
+                </a:ln>
+                <a:effectLst/>
+                <a:uLnTx/>
+                <a:uFillTx/>
+                <a:ea typeface="Arial Unicode MS" pitchFamily="34" charset="-128"/>
+                <a:cs typeface="Arial Unicode MS" pitchFamily="34" charset="-128"/>
+              </a:rPr>
+              <a:t>Node A</a:t>
+            </a:r>
+          </a:p>
+        </p:txBody>
+      </p:sp>
+      <p:sp>
+        <p:nvSpPr>
+          <p:cNvPr id="6" name="Rectangle 5"/>
+          <p:cNvSpPr/>
+          <p:nvPr/>
+        </p:nvSpPr>
+        <p:spPr bwMode="gray">
+          <a:xfrm>
+            <a:off x="2337562" y="4439970"/>
+            <a:ext cx="1815338" cy="1160859"/>
+          </a:xfrm>
+          <a:prstGeom prst="rect">
+            <a:avLst/>
+          </a:prstGeom>
+          <a:ln>
+            <a:headEnd/>
+            <a:tailEnd/>
+          </a:ln>
+        </p:spPr>
+        <p:style>
+          <a:lnRef idx="2">
+            <a:schemeClr val="accent2">
+              <a:shade val="50000"/>
+            </a:schemeClr>
+          </a:lnRef>
+          <a:fillRef idx="1">
+            <a:schemeClr val="accent2"/>
+          </a:fillRef>
+          <a:effectRef idx="0">
+            <a:schemeClr val="accent2"/>
+          </a:effectRef>
+          <a:fontRef idx="minor">
+            <a:schemeClr val="lt1"/>
+          </a:fontRef>
+        </p:style>
+        <p:txBody>
+          <a:bodyPr lIns="90000" tIns="72000" rIns="90000" bIns="72000" rtlCol="0" anchor="ctr"/>
+          <a:lstStyle/>
+          <a:p>
+            <a:pPr marR="0" algn="ctr" defTabSz="914400" eaLnBrk="1" fontAlgn="base" latinLnBrk="0" hangingPunct="1">
+              <a:lnSpc>
+                <a:spcPct val="100000"/>
+              </a:lnSpc>
+              <a:spcBef>
+                <a:spcPct val="50000"/>
+              </a:spcBef>
+              <a:spcAft>
+                <a:spcPct val="0"/>
+              </a:spcAft>
+              <a:buClr>
+                <a:srgbClr val="F0AB00"/>
+              </a:buClr>
+              <a:buSzPct val="80000"/>
+              <a:tabLst/>
+            </a:pPr>
+            <a:r>
+              <a:rPr lang="de-DE" sz="1600" b="1" kern="0" noProof="0" dirty="0" err="1">
+                <a:ea typeface="Arial Unicode MS" pitchFamily="34" charset="-128"/>
+                <a:cs typeface="Arial Unicode MS" pitchFamily="34" charset="-128"/>
+              </a:rPr>
+              <a:t>Pod</a:t>
+            </a:r>
+            <a:endParaRPr kumimoji="0" lang="de-DE" sz="1600" b="1" i="0" u="none" strike="noStrike" kern="0" cap="none" spc="0" normalizeH="0" baseline="0" noProof="0" dirty="0">
+              <a:ln>
+                <a:noFill/>
+              </a:ln>
+              <a:effectLst/>
+              <a:uLnTx/>
+              <a:uFillTx/>
+              <a:ea typeface="Arial Unicode MS" pitchFamily="34" charset="-128"/>
+              <a:cs typeface="Arial Unicode MS" pitchFamily="34" charset="-128"/>
+            </a:endParaRPr>
+          </a:p>
+        </p:txBody>
+      </p:sp>
+      <p:sp>
+        <p:nvSpPr>
+          <p:cNvPr id="11" name="Rectangle 10"/>
+          <p:cNvSpPr/>
+          <p:nvPr/>
+        </p:nvSpPr>
+        <p:spPr bwMode="gray">
+          <a:xfrm>
+            <a:off x="2422271" y="4205839"/>
+            <a:ext cx="1645920" cy="365760"/>
+          </a:xfrm>
+          <a:prstGeom prst="rect">
+            <a:avLst/>
+          </a:prstGeom>
+          <a:ln>
+            <a:headEnd/>
+            <a:tailEnd/>
+          </a:ln>
+        </p:spPr>
+        <p:style>
+          <a:lnRef idx="2">
+            <a:schemeClr val="accent2"/>
+          </a:lnRef>
+          <a:fillRef idx="1">
+            <a:schemeClr val="lt1"/>
+          </a:fillRef>
+          <a:effectRef idx="0">
+            <a:schemeClr val="accent2"/>
+          </a:effectRef>
+          <a:fontRef idx="minor">
+            <a:schemeClr val="dk1"/>
+          </a:fontRef>
+        </p:style>
+        <p:txBody>
+          <a:bodyPr lIns="90000" tIns="72000" rIns="90000" bIns="72000" rtlCol="0" anchor="ctr"/>
+          <a:lstStyle/>
+          <a:p>
+            <a:pPr marR="0" algn="ctr" defTabSz="914400" eaLnBrk="1" fontAlgn="base" latinLnBrk="0" hangingPunct="1">
+              <a:lnSpc>
+                <a:spcPct val="100000"/>
+              </a:lnSpc>
+              <a:spcBef>
+                <a:spcPct val="50000"/>
+              </a:spcBef>
+              <a:spcAft>
+                <a:spcPct val="0"/>
+              </a:spcAft>
+              <a:buClr>
+                <a:srgbClr val="F0AB00"/>
+              </a:buClr>
+              <a:buSzPct val="80000"/>
+              <a:tabLst/>
+            </a:pPr>
+            <a:r>
+              <a:rPr kumimoji="0" lang="de-DE" sz="1800" b="0" i="0" u="none" strike="noStrike" kern="0" cap="none" spc="0" normalizeH="0" baseline="0" noProof="0" dirty="0">
+                <a:ln>
+                  <a:noFill/>
+                </a:ln>
+                <a:effectLst/>
+                <a:uLnTx/>
+                <a:uFillTx/>
+                <a:ea typeface="Arial Unicode MS" pitchFamily="34" charset="-128"/>
+                <a:cs typeface="Arial Unicode MS" pitchFamily="34" charset="-128"/>
+              </a:rPr>
+              <a:t>IP: 10.10.10.1</a:t>
+            </a:r>
+          </a:p>
+        </p:txBody>
+      </p:sp>
+      <p:sp>
+        <p:nvSpPr>
+          <p:cNvPr id="14" name="Rectangle: Single Corner Snipped 13"/>
+          <p:cNvSpPr/>
+          <p:nvPr/>
+        </p:nvSpPr>
+        <p:spPr bwMode="gray">
+          <a:xfrm>
+            <a:off x="4806733" y="2743200"/>
+            <a:ext cx="2474332" cy="2346559"/>
+          </a:xfrm>
+          <a:prstGeom prst="snip1Rect">
+            <a:avLst/>
+          </a:prstGeom>
+          <a:ln>
+            <a:headEnd/>
+            <a:tailEnd/>
+          </a:ln>
+        </p:spPr>
+        <p:style>
+          <a:lnRef idx="3">
+            <a:schemeClr val="lt1"/>
+          </a:lnRef>
+          <a:fillRef idx="1">
+            <a:schemeClr val="accent2"/>
+          </a:fillRef>
+          <a:effectRef idx="1">
+            <a:schemeClr val="accent2"/>
+          </a:effectRef>
+          <a:fontRef idx="minor">
+            <a:schemeClr val="lt1"/>
+          </a:fontRef>
+        </p:style>
+        <p:txBody>
+          <a:bodyPr lIns="90000" tIns="72000" rIns="90000" bIns="72000" rtlCol="0" anchor="ctr"/>
+          <a:lstStyle/>
+          <a:p>
+            <a:pPr marR="0" algn="ctr" defTabSz="914400" eaLnBrk="1" fontAlgn="base" latinLnBrk="0" hangingPunct="1">
+              <a:lnSpc>
+                <a:spcPct val="100000"/>
+              </a:lnSpc>
+              <a:spcBef>
+                <a:spcPct val="50000"/>
+              </a:spcBef>
+              <a:spcAft>
+                <a:spcPct val="0"/>
+              </a:spcAft>
+              <a:buClr>
+                <a:srgbClr val="F0AB00"/>
+              </a:buClr>
+              <a:buSzPct val="80000"/>
+              <a:tabLst/>
+            </a:pPr>
+            <a:r>
+              <a:rPr kumimoji="0" lang="en-US" sz="1800" b="0" i="0" u="none" strike="noStrike" kern="0" cap="none" spc="0" normalizeH="0" baseline="0" noProof="0" dirty="0">
+                <a:ln>
+                  <a:noFill/>
+                </a:ln>
+                <a:effectLst/>
+                <a:uLnTx/>
+                <a:uFillTx/>
+                <a:ea typeface="Arial Unicode MS" pitchFamily="34" charset="-128"/>
+                <a:cs typeface="Arial Unicode MS" pitchFamily="34" charset="-128"/>
+              </a:rPr>
+              <a:t>Service</a:t>
+            </a:r>
+          </a:p>
+          <a:p>
+            <a:pPr marR="0" algn="ctr" defTabSz="914400" eaLnBrk="1" fontAlgn="base" latinLnBrk="0" hangingPunct="1">
+              <a:lnSpc>
+                <a:spcPct val="100000"/>
+              </a:lnSpc>
+              <a:spcBef>
+                <a:spcPct val="50000"/>
+              </a:spcBef>
+              <a:spcAft>
+                <a:spcPct val="0"/>
+              </a:spcAft>
+              <a:buClr>
+                <a:srgbClr val="F0AB00"/>
+              </a:buClr>
+              <a:buSzPct val="80000"/>
+              <a:tabLst/>
+            </a:pPr>
+            <a:r>
+              <a:rPr lang="en-US" sz="1800" kern="0" dirty="0">
+                <a:ea typeface="Arial Unicode MS" pitchFamily="34" charset="-128"/>
+                <a:cs typeface="Arial Unicode MS" pitchFamily="34" charset="-128"/>
+              </a:rPr>
+              <a:t>Label: app= </a:t>
+            </a:r>
+            <a:r>
+              <a:rPr lang="en-US" sz="1800" kern="0" dirty="0" err="1">
+                <a:ea typeface="Arial Unicode MS" pitchFamily="34" charset="-128"/>
+                <a:cs typeface="Arial Unicode MS" pitchFamily="34" charset="-128"/>
+              </a:rPr>
+              <a:t>nginx</a:t>
+            </a:r>
+            <a:endParaRPr kumimoji="0" lang="en-US" sz="1800" b="0" i="0" u="none" strike="noStrike" kern="0" cap="none" spc="0" normalizeH="0" baseline="0" noProof="0" dirty="0">
+              <a:ln>
+                <a:noFill/>
+              </a:ln>
+              <a:effectLst/>
+              <a:uLnTx/>
+              <a:uFillTx/>
+              <a:ea typeface="Arial Unicode MS" pitchFamily="34" charset="-128"/>
+              <a:cs typeface="Arial Unicode MS" pitchFamily="34" charset="-128"/>
+            </a:endParaRPr>
+          </a:p>
+          <a:p>
+            <a:pPr marL="285750" marR="0" indent="-285750" defTabSz="914400" eaLnBrk="1" fontAlgn="base" latinLnBrk="0" hangingPunct="1">
+              <a:lnSpc>
+                <a:spcPct val="100000"/>
+              </a:lnSpc>
+              <a:spcBef>
+                <a:spcPct val="50000"/>
+              </a:spcBef>
+              <a:spcAft>
+                <a:spcPct val="0"/>
+              </a:spcAft>
+              <a:buClr>
+                <a:srgbClr val="F0AB00"/>
+              </a:buClr>
+              <a:buSzPct val="80000"/>
+              <a:buFontTx/>
+              <a:buChar char="-"/>
+              <a:tabLst/>
+            </a:pPr>
+            <a:r>
+              <a:rPr lang="en-US" sz="1800" kern="0" dirty="0" err="1">
+                <a:ea typeface="Arial Unicode MS" pitchFamily="34" charset="-128"/>
+                <a:cs typeface="Arial Unicode MS" pitchFamily="34" charset="-128"/>
+              </a:rPr>
+              <a:t>NodePort</a:t>
+            </a:r>
+            <a:r>
+              <a:rPr lang="en-US" sz="1800" kern="0" dirty="0">
+                <a:ea typeface="Arial Unicode MS" pitchFamily="34" charset="-128"/>
+                <a:cs typeface="Arial Unicode MS" pitchFamily="34" charset="-128"/>
+              </a:rPr>
+              <a:t>: 30021</a:t>
+            </a:r>
+          </a:p>
+          <a:p>
+            <a:pPr marL="285750" marR="0" indent="-285750" defTabSz="914400" eaLnBrk="1" fontAlgn="base" latinLnBrk="0" hangingPunct="1">
+              <a:lnSpc>
+                <a:spcPct val="100000"/>
+              </a:lnSpc>
+              <a:spcBef>
+                <a:spcPct val="50000"/>
+              </a:spcBef>
+              <a:spcAft>
+                <a:spcPct val="0"/>
+              </a:spcAft>
+              <a:buClr>
+                <a:srgbClr val="F0AB00"/>
+              </a:buClr>
+              <a:buSzPct val="80000"/>
+              <a:buFontTx/>
+              <a:buChar char="-"/>
+              <a:tabLst/>
+            </a:pPr>
+            <a:r>
+              <a:rPr lang="en-US" sz="1800" kern="0" dirty="0">
+                <a:ea typeface="Arial Unicode MS" pitchFamily="34" charset="-128"/>
+                <a:cs typeface="Arial Unicode MS" pitchFamily="34" charset="-128"/>
+              </a:rPr>
+              <a:t> </a:t>
+            </a:r>
+            <a:r>
+              <a:rPr lang="en-US" sz="1800" kern="0" dirty="0" err="1">
+                <a:ea typeface="Arial Unicode MS" pitchFamily="34" charset="-128"/>
+                <a:cs typeface="Arial Unicode MS" pitchFamily="34" charset="-128"/>
+              </a:rPr>
+              <a:t>TargetPort</a:t>
+            </a:r>
+            <a:r>
+              <a:rPr lang="en-US" sz="1800" kern="0" dirty="0">
+                <a:ea typeface="Arial Unicode MS" pitchFamily="34" charset="-128"/>
+                <a:cs typeface="Arial Unicode MS" pitchFamily="34" charset="-128"/>
+              </a:rPr>
+              <a:t>: 80</a:t>
+            </a:r>
+          </a:p>
+          <a:p>
+            <a:pPr marL="285750" marR="0" indent="-285750" defTabSz="914400" eaLnBrk="1" fontAlgn="base" latinLnBrk="0" hangingPunct="1">
+              <a:lnSpc>
+                <a:spcPct val="100000"/>
+              </a:lnSpc>
+              <a:spcBef>
+                <a:spcPct val="50000"/>
+              </a:spcBef>
+              <a:spcAft>
+                <a:spcPct val="0"/>
+              </a:spcAft>
+              <a:buClr>
+                <a:srgbClr val="F0AB00"/>
+              </a:buClr>
+              <a:buSzPct val="80000"/>
+              <a:buFontTx/>
+              <a:buChar char="-"/>
+              <a:tabLst/>
+            </a:pPr>
+            <a:r>
+              <a:rPr kumimoji="0" lang="en-US" sz="1800" b="0" i="0" u="none" strike="noStrike" kern="0" cap="none" spc="0" normalizeH="0" baseline="0" noProof="0" dirty="0">
+                <a:ln>
+                  <a:noFill/>
+                </a:ln>
+                <a:effectLst/>
+                <a:uLnTx/>
+                <a:uFillTx/>
+                <a:ea typeface="Arial Unicode MS" pitchFamily="34" charset="-128"/>
+                <a:cs typeface="Arial Unicode MS" pitchFamily="34" charset="-128"/>
+              </a:rPr>
+              <a:t>Port: 80</a:t>
+            </a:r>
+          </a:p>
+        </p:txBody>
+      </p:sp>
+      <p:sp>
+        <p:nvSpPr>
+          <p:cNvPr id="15" name="Rectangle 14"/>
+          <p:cNvSpPr/>
+          <p:nvPr/>
+        </p:nvSpPr>
+        <p:spPr bwMode="gray">
+          <a:xfrm>
+            <a:off x="1459043" y="5386537"/>
+            <a:ext cx="1319714" cy="428584"/>
+          </a:xfrm>
+          <a:prstGeom prst="rect">
+            <a:avLst/>
+          </a:prstGeom>
+          <a:solidFill>
+            <a:schemeClr val="accent1">
+              <a:lumMod val="40000"/>
+              <a:lumOff val="60000"/>
+            </a:schemeClr>
+          </a:solidFill>
+          <a:ln>
+            <a:headEnd/>
+            <a:tailEnd/>
+          </a:ln>
+        </p:spPr>
+        <p:style>
+          <a:lnRef idx="2">
+            <a:schemeClr val="accent2"/>
+          </a:lnRef>
+          <a:fillRef idx="1">
+            <a:schemeClr val="lt1"/>
+          </a:fillRef>
+          <a:effectRef idx="0">
+            <a:schemeClr val="accent2"/>
+          </a:effectRef>
+          <a:fontRef idx="minor">
+            <a:schemeClr val="dk1"/>
+          </a:fontRef>
+        </p:style>
+        <p:txBody>
+          <a:bodyPr lIns="90000" tIns="72000" rIns="90000" bIns="72000" rtlCol="0" anchor="ctr"/>
+          <a:lstStyle/>
+          <a:p>
+            <a:pPr marR="0" algn="ctr" defTabSz="914400" eaLnBrk="1" fontAlgn="base" latinLnBrk="0" hangingPunct="1">
+              <a:lnSpc>
+                <a:spcPct val="100000"/>
+              </a:lnSpc>
+              <a:spcBef>
+                <a:spcPct val="50000"/>
+              </a:spcBef>
+              <a:spcAft>
+                <a:spcPct val="0"/>
+              </a:spcAft>
+              <a:buClr>
+                <a:srgbClr val="F0AB00"/>
+              </a:buClr>
+              <a:buSzPct val="80000"/>
+              <a:tabLst/>
+            </a:pPr>
+            <a:r>
+              <a:rPr lang="de-DE" sz="1800" kern="0" dirty="0">
+                <a:ea typeface="Arial Unicode MS" pitchFamily="34" charset="-128"/>
+                <a:cs typeface="Arial Unicode MS" pitchFamily="34" charset="-128"/>
+              </a:rPr>
+              <a:t>a</a:t>
+            </a:r>
+            <a:r>
+              <a:rPr kumimoji="0" lang="de-DE" sz="1800" b="0" i="0" u="none" strike="noStrike" kern="0" cap="none" spc="0" normalizeH="0" baseline="0" noProof="0" dirty="0">
+                <a:ln>
+                  <a:noFill/>
+                </a:ln>
+                <a:effectLst/>
+                <a:uLnTx/>
+                <a:uFillTx/>
+                <a:ea typeface="Arial Unicode MS" pitchFamily="34" charset="-128"/>
+                <a:cs typeface="Arial Unicode MS" pitchFamily="34" charset="-128"/>
+              </a:rPr>
+              <a:t>pp=</a:t>
+            </a:r>
+            <a:r>
+              <a:rPr kumimoji="0" lang="de-DE" sz="1800" b="0" i="0" u="none" strike="noStrike" kern="0" cap="none" spc="0" normalizeH="0" baseline="0" noProof="0" dirty="0" err="1">
+                <a:ln>
+                  <a:noFill/>
+                </a:ln>
+                <a:effectLst/>
+                <a:uLnTx/>
+                <a:uFillTx/>
+                <a:ea typeface="Arial Unicode MS" pitchFamily="34" charset="-128"/>
+                <a:cs typeface="Arial Unicode MS" pitchFamily="34" charset="-128"/>
+              </a:rPr>
+              <a:t>nginx</a:t>
+            </a:r>
+            <a:endParaRPr kumimoji="0" lang="de-DE" sz="1800" b="0" i="0" u="none" strike="noStrike" kern="0" cap="none" spc="0" normalizeH="0" baseline="0" noProof="0" dirty="0">
+              <a:ln>
+                <a:noFill/>
+              </a:ln>
+              <a:effectLst/>
+              <a:uLnTx/>
+              <a:uFillTx/>
+              <a:ea typeface="Arial Unicode MS" pitchFamily="34" charset="-128"/>
+              <a:cs typeface="Arial Unicode MS" pitchFamily="34" charset="-128"/>
+            </a:endParaRPr>
+          </a:p>
+        </p:txBody>
+      </p:sp>
+      <p:sp>
+        <p:nvSpPr>
+          <p:cNvPr id="18" name="Rectangle 17"/>
+          <p:cNvSpPr/>
+          <p:nvPr/>
+        </p:nvSpPr>
+        <p:spPr bwMode="gray">
+          <a:xfrm>
+            <a:off x="8045976" y="4446544"/>
+            <a:ext cx="1815338" cy="1160859"/>
+          </a:xfrm>
+          <a:prstGeom prst="rect">
+            <a:avLst/>
+          </a:prstGeom>
+          <a:ln>
+            <a:headEnd/>
+            <a:tailEnd/>
+          </a:ln>
+        </p:spPr>
+        <p:style>
+          <a:lnRef idx="2">
+            <a:schemeClr val="accent2">
+              <a:shade val="50000"/>
+            </a:schemeClr>
+          </a:lnRef>
+          <a:fillRef idx="1">
+            <a:schemeClr val="accent2"/>
+          </a:fillRef>
+          <a:effectRef idx="0">
+            <a:schemeClr val="accent2"/>
+          </a:effectRef>
+          <a:fontRef idx="minor">
+            <a:schemeClr val="lt1"/>
+          </a:fontRef>
+        </p:style>
+        <p:txBody>
+          <a:bodyPr lIns="90000" tIns="72000" rIns="90000" bIns="72000" rtlCol="0" anchor="ctr"/>
+          <a:lstStyle/>
+          <a:p>
+            <a:pPr marR="0" algn="ctr" defTabSz="914400" eaLnBrk="1" fontAlgn="base" latinLnBrk="0" hangingPunct="1">
+              <a:lnSpc>
+                <a:spcPct val="100000"/>
+              </a:lnSpc>
+              <a:spcBef>
+                <a:spcPct val="50000"/>
+              </a:spcBef>
+              <a:spcAft>
+                <a:spcPct val="0"/>
+              </a:spcAft>
+              <a:buClr>
+                <a:srgbClr val="F0AB00"/>
+              </a:buClr>
+              <a:buSzPct val="80000"/>
+              <a:tabLst/>
+            </a:pPr>
+            <a:r>
+              <a:rPr lang="de-DE" sz="1600" b="1" kern="0" noProof="0" dirty="0" err="1">
+                <a:ea typeface="Arial Unicode MS" pitchFamily="34" charset="-128"/>
+                <a:cs typeface="Arial Unicode MS" pitchFamily="34" charset="-128"/>
+              </a:rPr>
+              <a:t>Pod</a:t>
+            </a:r>
+            <a:endParaRPr kumimoji="0" lang="de-DE" sz="1600" b="1" i="0" u="none" strike="noStrike" kern="0" cap="none" spc="0" normalizeH="0" baseline="0" noProof="0" dirty="0">
+              <a:ln>
+                <a:noFill/>
+              </a:ln>
+              <a:effectLst/>
+              <a:uLnTx/>
+              <a:uFillTx/>
+              <a:ea typeface="Arial Unicode MS" pitchFamily="34" charset="-128"/>
+              <a:cs typeface="Arial Unicode MS" pitchFamily="34" charset="-128"/>
+            </a:endParaRPr>
+          </a:p>
+        </p:txBody>
+      </p:sp>
+      <p:sp>
+        <p:nvSpPr>
+          <p:cNvPr id="19" name="Rectangle 18"/>
+          <p:cNvSpPr/>
+          <p:nvPr/>
+        </p:nvSpPr>
+        <p:spPr bwMode="gray">
+          <a:xfrm>
+            <a:off x="7208370" y="5386537"/>
+            <a:ext cx="1319714" cy="428584"/>
+          </a:xfrm>
+          <a:prstGeom prst="rect">
+            <a:avLst/>
+          </a:prstGeom>
+          <a:ln>
+            <a:headEnd/>
+            <a:tailEnd/>
+          </a:ln>
+        </p:spPr>
+        <p:style>
+          <a:lnRef idx="2">
+            <a:schemeClr val="accent2"/>
+          </a:lnRef>
+          <a:fillRef idx="1">
+            <a:schemeClr val="lt1"/>
+          </a:fillRef>
+          <a:effectRef idx="0">
+            <a:schemeClr val="accent2"/>
+          </a:effectRef>
+          <a:fontRef idx="minor">
+            <a:schemeClr val="dk1"/>
+          </a:fontRef>
+        </p:style>
+        <p:txBody>
+          <a:bodyPr lIns="90000" tIns="72000" rIns="90000" bIns="72000" rtlCol="0" anchor="ctr"/>
+          <a:lstStyle/>
+          <a:p>
+            <a:pPr marR="0" algn="ctr" defTabSz="914400" eaLnBrk="1" fontAlgn="base" latinLnBrk="0" hangingPunct="1">
+              <a:lnSpc>
+                <a:spcPct val="100000"/>
+              </a:lnSpc>
+              <a:spcBef>
+                <a:spcPct val="50000"/>
+              </a:spcBef>
+              <a:spcAft>
+                <a:spcPct val="0"/>
+              </a:spcAft>
+              <a:buClr>
+                <a:srgbClr val="F0AB00"/>
+              </a:buClr>
+              <a:buSzPct val="80000"/>
+              <a:tabLst/>
+            </a:pPr>
+            <a:r>
+              <a:rPr lang="de-DE" sz="1800" kern="0" dirty="0">
+                <a:ea typeface="Arial Unicode MS" pitchFamily="34" charset="-128"/>
+                <a:cs typeface="Arial Unicode MS" pitchFamily="34" charset="-128"/>
+              </a:rPr>
+              <a:t>a</a:t>
+            </a:r>
+            <a:r>
+              <a:rPr kumimoji="0" lang="de-DE" sz="1800" b="0" i="0" u="none" strike="noStrike" kern="0" cap="none" spc="0" normalizeH="0" baseline="0" noProof="0" dirty="0">
+                <a:ln>
+                  <a:noFill/>
+                </a:ln>
+                <a:effectLst/>
+                <a:uLnTx/>
+                <a:uFillTx/>
+                <a:ea typeface="Arial Unicode MS" pitchFamily="34" charset="-128"/>
+                <a:cs typeface="Arial Unicode MS" pitchFamily="34" charset="-128"/>
+              </a:rPr>
+              <a:t>pp=</a:t>
+            </a:r>
+            <a:r>
+              <a:rPr kumimoji="0" lang="de-DE" sz="1800" b="0" i="0" u="none" strike="noStrike" kern="0" cap="none" spc="0" normalizeH="0" baseline="0" noProof="0" dirty="0" err="1">
+                <a:ln>
+                  <a:noFill/>
+                </a:ln>
+                <a:effectLst/>
+                <a:uLnTx/>
+                <a:uFillTx/>
+                <a:ea typeface="Arial Unicode MS" pitchFamily="34" charset="-128"/>
+                <a:cs typeface="Arial Unicode MS" pitchFamily="34" charset="-128"/>
+              </a:rPr>
+              <a:t>client</a:t>
+            </a:r>
+            <a:endParaRPr kumimoji="0" lang="de-DE" sz="1800" b="0" i="0" u="none" strike="noStrike" kern="0" cap="none" spc="0" normalizeH="0" baseline="0" noProof="0" dirty="0">
+              <a:ln>
+                <a:noFill/>
+              </a:ln>
+              <a:effectLst/>
+              <a:uLnTx/>
+              <a:uFillTx/>
+              <a:ea typeface="Arial Unicode MS" pitchFamily="34" charset="-128"/>
+              <a:cs typeface="Arial Unicode MS" pitchFamily="34" charset="-128"/>
+            </a:endParaRPr>
+          </a:p>
+        </p:txBody>
+      </p:sp>
+      <p:sp>
+        <p:nvSpPr>
+          <p:cNvPr id="20" name="Rectangle 19"/>
+          <p:cNvSpPr/>
+          <p:nvPr/>
+        </p:nvSpPr>
+        <p:spPr bwMode="gray">
+          <a:xfrm>
+            <a:off x="9575331" y="5386537"/>
+            <a:ext cx="1073656" cy="428584"/>
+          </a:xfrm>
+          <a:prstGeom prst="rect">
+            <a:avLst/>
+          </a:prstGeom>
+          <a:ln>
+            <a:headEnd/>
+            <a:tailEnd/>
+          </a:ln>
+        </p:spPr>
+        <p:style>
+          <a:lnRef idx="2">
+            <a:schemeClr val="accent2"/>
+          </a:lnRef>
+          <a:fillRef idx="1">
+            <a:schemeClr val="lt1"/>
+          </a:fillRef>
+          <a:effectRef idx="0">
+            <a:schemeClr val="accent2"/>
+          </a:effectRef>
+          <a:fontRef idx="minor">
+            <a:schemeClr val="dk1"/>
+          </a:fontRef>
+        </p:style>
+        <p:txBody>
+          <a:bodyPr lIns="90000" tIns="72000" rIns="90000" bIns="72000" rtlCol="0" anchor="ctr"/>
+          <a:lstStyle/>
+          <a:p>
+            <a:pPr marR="0" algn="ctr" defTabSz="914400" eaLnBrk="1" fontAlgn="base" latinLnBrk="0" hangingPunct="1">
+              <a:lnSpc>
+                <a:spcPct val="100000"/>
+              </a:lnSpc>
+              <a:spcBef>
+                <a:spcPct val="50000"/>
+              </a:spcBef>
+              <a:spcAft>
+                <a:spcPct val="0"/>
+              </a:spcAft>
+              <a:buClr>
+                <a:srgbClr val="F0AB00"/>
+              </a:buClr>
+              <a:buSzPct val="80000"/>
+              <a:tabLst/>
+            </a:pPr>
+            <a:r>
+              <a:rPr lang="de-DE" sz="1800" kern="0" dirty="0">
+                <a:ea typeface="Arial Unicode MS" pitchFamily="34" charset="-128"/>
+                <a:cs typeface="Arial Unicode MS" pitchFamily="34" charset="-128"/>
+              </a:rPr>
+              <a:t>Port: 80</a:t>
+            </a:r>
+            <a:endParaRPr kumimoji="0" lang="de-DE" sz="1800" b="0" i="0" u="none" strike="noStrike" kern="0" cap="none" spc="0" normalizeH="0" baseline="0" noProof="0" dirty="0">
+              <a:ln>
+                <a:noFill/>
+              </a:ln>
+              <a:effectLst/>
+              <a:uLnTx/>
+              <a:uFillTx/>
+              <a:ea typeface="Arial Unicode MS" pitchFamily="34" charset="-128"/>
+              <a:cs typeface="Arial Unicode MS" pitchFamily="34" charset="-128"/>
+            </a:endParaRPr>
+          </a:p>
+        </p:txBody>
+      </p:sp>
+      <p:sp>
+        <p:nvSpPr>
+          <p:cNvPr id="17" name="Rectangle 16"/>
+          <p:cNvSpPr/>
+          <p:nvPr/>
+        </p:nvSpPr>
+        <p:spPr bwMode="gray">
+          <a:xfrm>
+            <a:off x="3826004" y="5386537"/>
+            <a:ext cx="1073656" cy="428584"/>
+          </a:xfrm>
+          <a:prstGeom prst="rect">
+            <a:avLst/>
+          </a:prstGeom>
+          <a:ln>
+            <a:headEnd/>
+            <a:tailEnd/>
+          </a:ln>
+        </p:spPr>
+        <p:style>
+          <a:lnRef idx="2">
+            <a:schemeClr val="accent2"/>
+          </a:lnRef>
+          <a:fillRef idx="1">
+            <a:schemeClr val="lt1"/>
+          </a:fillRef>
+          <a:effectRef idx="0">
+            <a:schemeClr val="accent2"/>
+          </a:effectRef>
+          <a:fontRef idx="minor">
+            <a:schemeClr val="dk1"/>
+          </a:fontRef>
+        </p:style>
+        <p:txBody>
+          <a:bodyPr lIns="90000" tIns="72000" rIns="90000" bIns="72000" rtlCol="0" anchor="ctr"/>
+          <a:lstStyle/>
+          <a:p>
+            <a:pPr marR="0" algn="ctr" defTabSz="914400" eaLnBrk="1" fontAlgn="base" latinLnBrk="0" hangingPunct="1">
+              <a:lnSpc>
+                <a:spcPct val="100000"/>
+              </a:lnSpc>
+              <a:spcBef>
+                <a:spcPct val="50000"/>
+              </a:spcBef>
+              <a:spcAft>
+                <a:spcPct val="0"/>
+              </a:spcAft>
+              <a:buClr>
+                <a:srgbClr val="F0AB00"/>
+              </a:buClr>
+              <a:buSzPct val="80000"/>
+              <a:tabLst/>
+            </a:pPr>
+            <a:r>
+              <a:rPr lang="de-DE" sz="1800" kern="0" dirty="0">
+                <a:ea typeface="Arial Unicode MS" pitchFamily="34" charset="-128"/>
+                <a:cs typeface="Arial Unicode MS" pitchFamily="34" charset="-128"/>
+              </a:rPr>
+              <a:t>Port: 80</a:t>
+            </a:r>
+            <a:endParaRPr kumimoji="0" lang="de-DE" sz="1800" b="0" i="0" u="none" strike="noStrike" kern="0" cap="none" spc="0" normalizeH="0" baseline="0" noProof="0" dirty="0">
+              <a:ln>
+                <a:noFill/>
+              </a:ln>
+              <a:effectLst/>
+              <a:uLnTx/>
+              <a:uFillTx/>
+              <a:ea typeface="Arial Unicode MS" pitchFamily="34" charset="-128"/>
+              <a:cs typeface="Arial Unicode MS" pitchFamily="34" charset="-128"/>
+            </a:endParaRPr>
+          </a:p>
+        </p:txBody>
+      </p:sp>
+      <p:sp>
+        <p:nvSpPr>
+          <p:cNvPr id="13" name="Rectangle 12"/>
+          <p:cNvSpPr/>
+          <p:nvPr/>
+        </p:nvSpPr>
+        <p:spPr bwMode="gray">
+          <a:xfrm>
+            <a:off x="8130685" y="4205839"/>
+            <a:ext cx="1645920" cy="365760"/>
+          </a:xfrm>
+          <a:prstGeom prst="rect">
+            <a:avLst/>
+          </a:prstGeom>
+          <a:ln>
+            <a:headEnd/>
+            <a:tailEnd/>
+          </a:ln>
+        </p:spPr>
+        <p:style>
+          <a:lnRef idx="2">
+            <a:schemeClr val="accent2"/>
+          </a:lnRef>
+          <a:fillRef idx="1">
+            <a:schemeClr val="lt1"/>
+          </a:fillRef>
+          <a:effectRef idx="0">
+            <a:schemeClr val="accent2"/>
+          </a:effectRef>
+          <a:fontRef idx="minor">
+            <a:schemeClr val="dk1"/>
+          </a:fontRef>
+        </p:style>
+        <p:txBody>
+          <a:bodyPr lIns="90000" tIns="72000" rIns="90000" bIns="72000" rtlCol="0" anchor="ctr"/>
+          <a:lstStyle/>
+          <a:p>
+            <a:pPr marR="0" algn="ctr" defTabSz="914400" eaLnBrk="1" fontAlgn="base" latinLnBrk="0" hangingPunct="1">
+              <a:lnSpc>
+                <a:spcPct val="100000"/>
+              </a:lnSpc>
+              <a:spcBef>
+                <a:spcPct val="50000"/>
+              </a:spcBef>
+              <a:spcAft>
+                <a:spcPct val="0"/>
+              </a:spcAft>
+              <a:buClr>
+                <a:srgbClr val="F0AB00"/>
+              </a:buClr>
+              <a:buSzPct val="80000"/>
+              <a:tabLst/>
+            </a:pPr>
+            <a:r>
+              <a:rPr kumimoji="0" lang="de-DE" sz="1800" b="0" i="0" u="none" strike="noStrike" kern="0" cap="none" spc="0" normalizeH="0" baseline="0" noProof="0" dirty="0">
+                <a:ln>
+                  <a:noFill/>
+                </a:ln>
+                <a:effectLst/>
+                <a:uLnTx/>
+                <a:uFillTx/>
+                <a:ea typeface="Arial Unicode MS" pitchFamily="34" charset="-128"/>
+                <a:cs typeface="Arial Unicode MS" pitchFamily="34" charset="-128"/>
+              </a:rPr>
+              <a:t>IP: 10.10.10.3</a:t>
+            </a:r>
+          </a:p>
+        </p:txBody>
+      </p:sp>
+      <p:sp>
+        <p:nvSpPr>
+          <p:cNvPr id="22" name="Rectangle 21"/>
+          <p:cNvSpPr/>
+          <p:nvPr/>
+        </p:nvSpPr>
+        <p:spPr bwMode="gray">
+          <a:xfrm>
+            <a:off x="341121" y="3227860"/>
+            <a:ext cx="2124327" cy="428584"/>
+          </a:xfrm>
+          <a:prstGeom prst="rect">
+            <a:avLst/>
+          </a:prstGeom>
+          <a:ln>
+            <a:headEnd/>
+            <a:tailEnd/>
+          </a:ln>
+        </p:spPr>
+        <p:style>
+          <a:lnRef idx="2">
+            <a:schemeClr val="accent5"/>
+          </a:lnRef>
+          <a:fillRef idx="1">
+            <a:schemeClr val="lt1"/>
+          </a:fillRef>
+          <a:effectRef idx="0">
+            <a:schemeClr val="accent5"/>
+          </a:effectRef>
+          <a:fontRef idx="minor">
+            <a:schemeClr val="dk1"/>
+          </a:fontRef>
+        </p:style>
+        <p:txBody>
+          <a:bodyPr lIns="90000" tIns="72000" rIns="90000" bIns="72000" rtlCol="0" anchor="ctr"/>
+          <a:lstStyle/>
+          <a:p>
+            <a:pPr marR="0" algn="ctr" defTabSz="914400" eaLnBrk="1" fontAlgn="base" latinLnBrk="0" hangingPunct="1">
+              <a:lnSpc>
+                <a:spcPct val="100000"/>
+              </a:lnSpc>
+              <a:spcBef>
+                <a:spcPct val="50000"/>
+              </a:spcBef>
+              <a:spcAft>
+                <a:spcPct val="0"/>
+              </a:spcAft>
+              <a:buClr>
+                <a:srgbClr val="F0AB00"/>
+              </a:buClr>
+              <a:buSzPct val="80000"/>
+              <a:tabLst/>
+            </a:pPr>
+            <a:r>
+              <a:rPr lang="de-DE" sz="1800" kern="0" dirty="0" err="1">
+                <a:ea typeface="Arial Unicode MS" pitchFamily="34" charset="-128"/>
+                <a:cs typeface="Arial Unicode MS" pitchFamily="34" charset="-128"/>
+              </a:rPr>
+              <a:t>NodePort</a:t>
+            </a:r>
+            <a:r>
+              <a:rPr lang="de-DE" sz="1800" kern="0" dirty="0">
+                <a:ea typeface="Arial Unicode MS" pitchFamily="34" charset="-128"/>
+                <a:cs typeface="Arial Unicode MS" pitchFamily="34" charset="-128"/>
+              </a:rPr>
+              <a:t>: 30021</a:t>
+            </a:r>
+            <a:endParaRPr kumimoji="0" lang="de-DE" sz="1800" b="0" i="0" u="none" strike="noStrike" kern="0" cap="none" spc="0" normalizeH="0" baseline="0" noProof="0" dirty="0">
+              <a:ln>
+                <a:noFill/>
+              </a:ln>
+              <a:effectLst/>
+              <a:uLnTx/>
+              <a:uFillTx/>
+              <a:ea typeface="Arial Unicode MS" pitchFamily="34" charset="-128"/>
+              <a:cs typeface="Arial Unicode MS" pitchFamily="34" charset="-128"/>
+            </a:endParaRPr>
+          </a:p>
+        </p:txBody>
+      </p:sp>
+      <p:sp>
+        <p:nvSpPr>
+          <p:cNvPr id="23" name="Rectangle 22"/>
+          <p:cNvSpPr/>
+          <p:nvPr/>
+        </p:nvSpPr>
+        <p:spPr bwMode="gray">
+          <a:xfrm>
+            <a:off x="9566150" y="3227860"/>
+            <a:ext cx="2124327" cy="428584"/>
+          </a:xfrm>
+          <a:prstGeom prst="rect">
+            <a:avLst/>
+          </a:prstGeom>
+          <a:ln>
+            <a:headEnd/>
+            <a:tailEnd/>
+          </a:ln>
+        </p:spPr>
+        <p:style>
+          <a:lnRef idx="2">
+            <a:schemeClr val="accent5"/>
+          </a:lnRef>
+          <a:fillRef idx="1">
+            <a:schemeClr val="lt1"/>
+          </a:fillRef>
+          <a:effectRef idx="0">
+            <a:schemeClr val="accent5"/>
+          </a:effectRef>
+          <a:fontRef idx="minor">
+            <a:schemeClr val="dk1"/>
+          </a:fontRef>
+        </p:style>
+        <p:txBody>
+          <a:bodyPr lIns="90000" tIns="72000" rIns="90000" bIns="72000" rtlCol="0" anchor="ctr"/>
+          <a:lstStyle/>
+          <a:p>
+            <a:pPr marR="0" algn="ctr" defTabSz="914400" eaLnBrk="1" fontAlgn="base" latinLnBrk="0" hangingPunct="1">
+              <a:lnSpc>
+                <a:spcPct val="100000"/>
+              </a:lnSpc>
+              <a:spcBef>
+                <a:spcPct val="50000"/>
+              </a:spcBef>
+              <a:spcAft>
+                <a:spcPct val="0"/>
+              </a:spcAft>
+              <a:buClr>
+                <a:srgbClr val="F0AB00"/>
+              </a:buClr>
+              <a:buSzPct val="80000"/>
+              <a:tabLst/>
+            </a:pPr>
+            <a:r>
+              <a:rPr lang="de-DE" sz="1800" kern="0" dirty="0" err="1">
+                <a:ea typeface="Arial Unicode MS" pitchFamily="34" charset="-128"/>
+                <a:cs typeface="Arial Unicode MS" pitchFamily="34" charset="-128"/>
+              </a:rPr>
+              <a:t>NodePort</a:t>
+            </a:r>
+            <a:r>
+              <a:rPr lang="de-DE" sz="1800" kern="0" dirty="0">
+                <a:ea typeface="Arial Unicode MS" pitchFamily="34" charset="-128"/>
+                <a:cs typeface="Arial Unicode MS" pitchFamily="34" charset="-128"/>
+              </a:rPr>
+              <a:t>: 30021</a:t>
+            </a:r>
+            <a:endParaRPr kumimoji="0" lang="de-DE" sz="1800" b="0" i="0" u="none" strike="noStrike" kern="0" cap="none" spc="0" normalizeH="0" baseline="0" noProof="0" dirty="0">
+              <a:ln>
+                <a:noFill/>
+              </a:ln>
+              <a:effectLst/>
+              <a:uLnTx/>
+              <a:uFillTx/>
+              <a:ea typeface="Arial Unicode MS" pitchFamily="34" charset="-128"/>
+              <a:cs typeface="Arial Unicode MS" pitchFamily="34" charset="-128"/>
+            </a:endParaRPr>
+          </a:p>
+        </p:txBody>
+      </p:sp>
+      <p:sp>
+        <p:nvSpPr>
+          <p:cNvPr id="24" name="Cloud 23"/>
+          <p:cNvSpPr/>
+          <p:nvPr/>
+        </p:nvSpPr>
+        <p:spPr bwMode="gray">
+          <a:xfrm>
+            <a:off x="4348821" y="1057695"/>
+            <a:ext cx="3496836" cy="1074420"/>
+          </a:xfrm>
+          <a:prstGeom prst="cloud">
+            <a:avLst/>
+          </a:prstGeom>
+          <a:solidFill>
+            <a:schemeClr val="accent1"/>
+          </a:solidFill>
+          <a:ln w="6350" algn="ctr">
+            <a:noFill/>
+            <a:miter lim="800000"/>
+            <a:headEnd/>
+            <a:tailEnd/>
+          </a:ln>
+        </p:spPr>
+        <p:txBody>
+          <a:bodyPr lIns="90000" tIns="72000" rIns="90000" bIns="72000" rtlCol="0" anchor="ctr"/>
+          <a:lstStyle/>
+          <a:p>
+            <a:pPr marR="0" algn="ctr" defTabSz="914400" eaLnBrk="1" fontAlgn="base" latinLnBrk="0" hangingPunct="1">
+              <a:lnSpc>
+                <a:spcPct val="100000"/>
+              </a:lnSpc>
+              <a:spcBef>
+                <a:spcPct val="50000"/>
+              </a:spcBef>
+              <a:spcAft>
+                <a:spcPct val="0"/>
+              </a:spcAft>
+              <a:buClr>
+                <a:srgbClr val="F0AB00"/>
+              </a:buClr>
+              <a:buSzPct val="80000"/>
+              <a:tabLst/>
+            </a:pPr>
+            <a:r>
+              <a:rPr lang="en-US" sz="1800" kern="0" dirty="0">
+                <a:ea typeface="Arial Unicode MS" pitchFamily="34" charset="-128"/>
+                <a:cs typeface="Arial Unicode MS" pitchFamily="34" charset="-128"/>
+              </a:rPr>
+              <a:t>GET: nginx:30021</a:t>
+            </a:r>
+            <a:endParaRPr kumimoji="0" lang="en-US" sz="1800" b="0" i="0" u="none" strike="noStrike" kern="0" cap="none" spc="0" normalizeH="0" baseline="0" noProof="0" dirty="0" err="1">
+              <a:ln>
+                <a:noFill/>
+              </a:ln>
+              <a:effectLst/>
+              <a:uLnTx/>
+              <a:uFillTx/>
+              <a:ea typeface="Arial Unicode MS" pitchFamily="34" charset="-128"/>
+              <a:cs typeface="Arial Unicode MS" pitchFamily="34" charset="-128"/>
+            </a:endParaRPr>
+          </a:p>
+        </p:txBody>
+      </p:sp>
+      <p:cxnSp>
+        <p:nvCxnSpPr>
+          <p:cNvPr id="26" name="Connector: Elbow 25"/>
+          <p:cNvCxnSpPr>
+            <a:stCxn id="24" idx="2"/>
+            <a:endCxn id="22" idx="0"/>
+          </p:cNvCxnSpPr>
+          <p:nvPr/>
+        </p:nvCxnSpPr>
+        <p:spPr>
+          <a:xfrm rot="10800000" flipV="1">
+            <a:off x="1403286" y="1594904"/>
+            <a:ext cx="2956383" cy="1632955"/>
+          </a:xfrm>
+          <a:prstGeom prst="bentConnector2">
+            <a:avLst/>
+          </a:prstGeom>
+          <a:ln w="57150">
+            <a:solidFill>
+              <a:schemeClr val="tx2"/>
+            </a:solidFill>
+            <a:headEnd type="none" w="med" len="med"/>
+            <a:tailEnd type="triangle"/>
+          </a:ln>
+        </p:spPr>
+        <p:style>
+          <a:lnRef idx="1">
+            <a:schemeClr val="accent1"/>
+          </a:lnRef>
+          <a:fillRef idx="0">
+            <a:schemeClr val="accent1"/>
+          </a:fillRef>
+          <a:effectRef idx="0">
+            <a:schemeClr val="accent1"/>
+          </a:effectRef>
+          <a:fontRef idx="minor">
+            <a:schemeClr val="tx1"/>
+          </a:fontRef>
+        </p:style>
+      </p:cxnSp>
+      <p:cxnSp>
+        <p:nvCxnSpPr>
+          <p:cNvPr id="27" name="Connector: Elbow 26"/>
+          <p:cNvCxnSpPr>
+            <a:stCxn id="24" idx="0"/>
+            <a:endCxn id="23" idx="0"/>
+          </p:cNvCxnSpPr>
+          <p:nvPr/>
+        </p:nvCxnSpPr>
+        <p:spPr>
+          <a:xfrm>
+            <a:off x="7842743" y="1594905"/>
+            <a:ext cx="2785571" cy="1632955"/>
+          </a:xfrm>
+          <a:prstGeom prst="bentConnector2">
+            <a:avLst/>
+          </a:prstGeom>
+          <a:ln w="57150">
+            <a:solidFill>
+              <a:schemeClr val="tx2"/>
+            </a:solidFill>
+            <a:headEnd type="none" w="med" len="med"/>
+            <a:tailEnd type="triangle"/>
+          </a:ln>
+        </p:spPr>
+        <p:style>
+          <a:lnRef idx="1">
+            <a:schemeClr val="accent1"/>
+          </a:lnRef>
+          <a:fillRef idx="0">
+            <a:schemeClr val="accent1"/>
+          </a:fillRef>
+          <a:effectRef idx="0">
+            <a:schemeClr val="accent1"/>
+          </a:effectRef>
+          <a:fontRef idx="minor">
+            <a:schemeClr val="tx1"/>
+          </a:fontRef>
+        </p:style>
+      </p:cxnSp>
+      <p:cxnSp>
+        <p:nvCxnSpPr>
+          <p:cNvPr id="30" name="Connector: Elbow 29"/>
+          <p:cNvCxnSpPr>
+            <a:stCxn id="23" idx="2"/>
+            <a:endCxn id="14" idx="0"/>
+          </p:cNvCxnSpPr>
+          <p:nvPr/>
+        </p:nvCxnSpPr>
+        <p:spPr>
+          <a:xfrm rot="5400000">
+            <a:off x="8824672" y="2112838"/>
+            <a:ext cx="260036" cy="3347249"/>
+          </a:xfrm>
+          <a:prstGeom prst="bentConnector2">
+            <a:avLst/>
+          </a:prstGeom>
+          <a:ln w="57150">
+            <a:solidFill>
+              <a:schemeClr val="tx2"/>
+            </a:solidFill>
+            <a:headEnd type="none" w="med" len="med"/>
+            <a:tailEnd type="triangle"/>
+          </a:ln>
+        </p:spPr>
+        <p:style>
+          <a:lnRef idx="1">
+            <a:schemeClr val="accent1"/>
+          </a:lnRef>
+          <a:fillRef idx="0">
+            <a:schemeClr val="accent1"/>
+          </a:fillRef>
+          <a:effectRef idx="0">
+            <a:schemeClr val="accent1"/>
+          </a:effectRef>
+          <a:fontRef idx="minor">
+            <a:schemeClr val="tx1"/>
+          </a:fontRef>
+        </p:style>
+      </p:cxnSp>
+      <p:cxnSp>
+        <p:nvCxnSpPr>
+          <p:cNvPr id="33" name="Connector: Elbow 32"/>
+          <p:cNvCxnSpPr>
+            <a:stCxn id="22" idx="2"/>
+            <a:endCxn id="14" idx="2"/>
+          </p:cNvCxnSpPr>
+          <p:nvPr/>
+        </p:nvCxnSpPr>
+        <p:spPr>
+          <a:xfrm rot="16200000" flipH="1">
+            <a:off x="2974991" y="2084738"/>
+            <a:ext cx="260036" cy="3403448"/>
+          </a:xfrm>
+          <a:prstGeom prst="bentConnector2">
+            <a:avLst/>
+          </a:prstGeom>
+          <a:ln w="57150">
+            <a:solidFill>
+              <a:schemeClr val="tx2"/>
+            </a:solidFill>
+            <a:headEnd type="none" w="med" len="med"/>
+            <a:tailEnd type="triangle"/>
+          </a:ln>
+        </p:spPr>
+        <p:style>
+          <a:lnRef idx="1">
+            <a:schemeClr val="accent1"/>
+          </a:lnRef>
+          <a:fillRef idx="0">
+            <a:schemeClr val="accent1"/>
+          </a:fillRef>
+          <a:effectRef idx="0">
+            <a:schemeClr val="accent1"/>
+          </a:effectRef>
+          <a:fontRef idx="minor">
+            <a:schemeClr val="tx1"/>
+          </a:fontRef>
+        </p:style>
+      </p:cxnSp>
+      <p:cxnSp>
+        <p:nvCxnSpPr>
+          <p:cNvPr id="36" name="Connector: Elbow 35"/>
+          <p:cNvCxnSpPr>
+            <a:stCxn id="14" idx="1"/>
+            <a:endCxn id="15" idx="2"/>
+          </p:cNvCxnSpPr>
+          <p:nvPr/>
+        </p:nvCxnSpPr>
+        <p:spPr>
+          <a:xfrm rot="5400000">
+            <a:off x="3718719" y="3489941"/>
+            <a:ext cx="725362" cy="3924999"/>
+          </a:xfrm>
+          <a:prstGeom prst="bentConnector3">
+            <a:avLst>
+              <a:gd name="adj1" fmla="val 137818"/>
+            </a:avLst>
+          </a:prstGeom>
+          <a:ln w="57150">
+            <a:solidFill>
+              <a:schemeClr val="tx2"/>
+            </a:solidFill>
+            <a:headEnd type="none" w="med" len="med"/>
+            <a:tailEnd type="triangle"/>
+          </a:ln>
+        </p:spPr>
+        <p:style>
+          <a:lnRef idx="1">
+            <a:schemeClr val="accent1"/>
+          </a:lnRef>
+          <a:fillRef idx="0">
+            <a:schemeClr val="accent1"/>
+          </a:fillRef>
+          <a:effectRef idx="0">
+            <a:schemeClr val="accent1"/>
+          </a:effectRef>
+          <a:fontRef idx="minor">
+            <a:schemeClr val="tx1"/>
+          </a:fontRef>
+        </p:style>
+      </p:cxnSp>
+    </p:spTree>
+    <p:extLst>
+      <p:ext uri="{BB962C8B-B14F-4D97-AF65-F5344CB8AC3E}">
+        <p14:creationId xmlns:p14="http://schemas.microsoft.com/office/powerpoint/2010/main" val="2098045799"/>
       </p:ext>
     </p:extLst>
   </p:cSld>

--- a/kubernetes/04_networking_services.pptx
+++ b/kubernetes/04_networking_services.pptx
@@ -197,6 +197,10 @@
 </p:presentation>
 </file>
 
+<file path=ppt/revisionInfo.xml><?xml version="1.0" encoding="utf-8"?>
+<p1510:revInfo xmlns:a="http://schemas.openxmlformats.org/drawingml/2006/main" xmlns:r="http://schemas.openxmlformats.org/officeDocument/2006/relationships" xmlns:p1510="http://schemas.microsoft.com/office/powerpoint/2015/10/main"/>
+</file>
+
 <file path=ppt/handoutMasters/handoutMaster1.xml><?xml version="1.0" encoding="utf-8"?>
 <p:handoutMaster xmlns:a="http://schemas.openxmlformats.org/drawingml/2006/main" xmlns:r="http://schemas.openxmlformats.org/officeDocument/2006/relationships" xmlns:p="http://schemas.openxmlformats.org/presentationml/2006/main">
   <p:cSld>
@@ -571,69 +575,23 @@
           <a:p>
             <a:r>
               <a:rPr lang="en-US" dirty="0"/>
-              <a:t>Demo:</a:t>
-            </a:r>
-            <a:r>
-              <a:rPr lang="en-US" baseline="0" dirty="0"/>
-              <a:t> get a pod + shell session with “</a:t>
-            </a:r>
-            <a:r>
-              <a:rPr lang="en-US" baseline="0" dirty="0" err="1"/>
-              <a:t>kubectl</a:t>
-            </a:r>
-            <a:r>
-              <a:rPr lang="en-US" baseline="0" dirty="0"/>
-              <a:t> run --</a:t>
-            </a:r>
-            <a:r>
-              <a:rPr lang="en-US" baseline="0" dirty="0" err="1"/>
-              <a:t>rm</a:t>
-            </a:r>
-            <a:r>
-              <a:rPr lang="en-US" baseline="0" dirty="0"/>
-              <a:t> -</a:t>
-            </a:r>
-            <a:r>
-              <a:rPr lang="en-US" baseline="0" dirty="0" err="1"/>
-              <a:t>ti</a:t>
-            </a:r>
-            <a:r>
-              <a:rPr lang="en-US" baseline="0" dirty="0"/>
-              <a:t> --image=</a:t>
-            </a:r>
-            <a:r>
-              <a:rPr lang="en-US" baseline="0" dirty="0" err="1"/>
-              <a:t>busybox</a:t>
-            </a:r>
-            <a:r>
-              <a:rPr lang="en-US" baseline="0" dirty="0"/>
-              <a:t> /</a:t>
-            </a:r>
-            <a:r>
-              <a:rPr lang="en-US" baseline="0"/>
-              <a:t>bin/sh</a:t>
-            </a:r>
-            <a:r>
-              <a:rPr lang="en-US" baseline="0" dirty="0"/>
-              <a:t>”; use the DNS name of a service to download an index.html (i.e. “</a:t>
-            </a:r>
-            <a:r>
-              <a:rPr lang="en-US" baseline="0" dirty="0" err="1"/>
-              <a:t>wget</a:t>
-            </a:r>
-            <a:r>
-              <a:rPr lang="en-US" baseline="0" dirty="0"/>
-              <a:t> </a:t>
-            </a:r>
-            <a:r>
-              <a:rPr lang="en-US" baseline="0" dirty="0" err="1"/>
-              <a:t>nginx</a:t>
-            </a:r>
-            <a:r>
-              <a:rPr lang="en-US" baseline="0" dirty="0"/>
-              <a:t>”)</a:t>
-            </a:r>
+              <a:t>Docker, as used in this course, is ok to use on one host. If more hosts are involved it is getting more and more complex. To mask/cover this, there is a software-defined network (referred to as “overlay network”) added to Kubernetes. It assigns an IP to every pod and manages the routing tables in the back.</a:t>
+            </a:r>
+          </a:p>
+          <a:p>
+            <a:r>
+              <a:rPr lang="en-US" dirty="0"/>
+              <a:t>So regardless on which node a pod runs, it will be reachable via its unique internal IP.</a:t>
+            </a:r>
+          </a:p>
+          <a:p>
             <a:endParaRPr lang="en-US" dirty="0"/>
+          </a:p>
+          <a:p>
+            <a:r>
+              <a:rPr lang="en-US" dirty="0"/>
+              <a:t>To enable external exposure a so called “service” resource is needed. Also services can serve as static endpoints internally to bundle several pods of the same kind (like in a load balancing scenario).</a:t>
+            </a:r>
           </a:p>
         </p:txBody>
       </p:sp>
@@ -655,6 +613,453 @@
             <a:fld id="{7D8C2C35-2B8A-446E-BEC0-FD36716C29AC}" type="slidenum">
               <a:rPr lang="de-DE" smtClean="0"/>
               <a:pPr/>
+              <a:t>3</a:t>
+            </a:fld>
+            <a:endParaRPr lang="de-DE" dirty="0"/>
+          </a:p>
+        </p:txBody>
+      </p:sp>
+    </p:spTree>
+    <p:extLst>
+      <p:ext uri="{BB962C8B-B14F-4D97-AF65-F5344CB8AC3E}">
+        <p14:creationId xmlns:p14="http://schemas.microsoft.com/office/powerpoint/2010/main" val="4155448903"/>
+      </p:ext>
+    </p:extLst>
+  </p:cSld>
+  <p:clrMapOvr>
+    <a:masterClrMapping/>
+  </p:clrMapOvr>
+</p:notes>
+</file>
+
+<file path=ppt/notesSlides/notesSlide2.xml><?xml version="1.0" encoding="utf-8"?>
+<p:notes xmlns:a="http://schemas.openxmlformats.org/drawingml/2006/main" xmlns:r="http://schemas.openxmlformats.org/officeDocument/2006/relationships" xmlns:p="http://schemas.openxmlformats.org/presentationml/2006/main">
+  <p:cSld>
+    <p:spTree>
+      <p:nvGrpSpPr>
+        <p:cNvPr id="1" name=""/>
+        <p:cNvGrpSpPr/>
+        <p:nvPr/>
+      </p:nvGrpSpPr>
+      <p:grpSpPr>
+        <a:xfrm>
+          <a:off x="0" y="0"/>
+          <a:ext cx="0" cy="0"/>
+          <a:chOff x="0" y="0"/>
+          <a:chExt cx="0" cy="0"/>
+        </a:xfrm>
+      </p:grpSpPr>
+      <p:sp>
+        <p:nvSpPr>
+          <p:cNvPr id="2" name="Slide Image Placeholder 1"/>
+          <p:cNvSpPr>
+            <a:spLocks noGrp="1" noRot="1" noChangeAspect="1"/>
+          </p:cNvSpPr>
+          <p:nvPr>
+            <p:ph type="sldImg"/>
+          </p:nvPr>
+        </p:nvSpPr>
+        <p:spPr/>
+      </p:sp>
+      <p:sp>
+        <p:nvSpPr>
+          <p:cNvPr id="3" name="Notes Placeholder 2"/>
+          <p:cNvSpPr>
+            <a:spLocks noGrp="1"/>
+          </p:cNvSpPr>
+          <p:nvPr>
+            <p:ph type="body" idx="1"/>
+          </p:nvPr>
+        </p:nvSpPr>
+        <p:spPr/>
+        <p:txBody>
+          <a:bodyPr/>
+          <a:lstStyle/>
+          <a:p>
+            <a:r>
+              <a:rPr lang="en-US" dirty="0"/>
+              <a:t>The overlay network is an additional component to Kubernetes. There are several different implementations available. </a:t>
+            </a:r>
+          </a:p>
+        </p:txBody>
+      </p:sp>
+      <p:sp>
+        <p:nvSpPr>
+          <p:cNvPr id="4" name="Slide Number Placeholder 3"/>
+          <p:cNvSpPr>
+            <a:spLocks noGrp="1"/>
+          </p:cNvSpPr>
+          <p:nvPr>
+            <p:ph type="sldNum" sz="quarter" idx="10"/>
+          </p:nvPr>
+        </p:nvSpPr>
+        <p:spPr/>
+        <p:txBody>
+          <a:bodyPr/>
+          <a:lstStyle/>
+          <a:p>
+            <a:fld id="{7D8C2C35-2B8A-446E-BEC0-FD36716C29AC}" type="slidenum">
+              <a:rPr lang="de-DE" smtClean="0"/>
+              <a:pPr/>
+              <a:t>4</a:t>
+            </a:fld>
+            <a:endParaRPr lang="de-DE" dirty="0"/>
+          </a:p>
+        </p:txBody>
+      </p:sp>
+    </p:spTree>
+    <p:extLst>
+      <p:ext uri="{BB962C8B-B14F-4D97-AF65-F5344CB8AC3E}">
+        <p14:creationId xmlns:p14="http://schemas.microsoft.com/office/powerpoint/2010/main" val="2246651348"/>
+      </p:ext>
+    </p:extLst>
+  </p:cSld>
+  <p:clrMapOvr>
+    <a:masterClrMapping/>
+  </p:clrMapOvr>
+</p:notes>
+</file>
+
+<file path=ppt/notesSlides/notesSlide3.xml><?xml version="1.0" encoding="utf-8"?>
+<p:notes xmlns:a="http://schemas.openxmlformats.org/drawingml/2006/main" xmlns:r="http://schemas.openxmlformats.org/officeDocument/2006/relationships" xmlns:p="http://schemas.openxmlformats.org/presentationml/2006/main">
+  <p:cSld>
+    <p:spTree>
+      <p:nvGrpSpPr>
+        <p:cNvPr id="1" name=""/>
+        <p:cNvGrpSpPr/>
+        <p:nvPr/>
+      </p:nvGrpSpPr>
+      <p:grpSpPr>
+        <a:xfrm>
+          <a:off x="0" y="0"/>
+          <a:ext cx="0" cy="0"/>
+          <a:chOff x="0" y="0"/>
+          <a:chExt cx="0" cy="0"/>
+        </a:xfrm>
+      </p:grpSpPr>
+      <p:sp>
+        <p:nvSpPr>
+          <p:cNvPr id="2" name="Slide Image Placeholder 1"/>
+          <p:cNvSpPr>
+            <a:spLocks noGrp="1" noRot="1" noChangeAspect="1"/>
+          </p:cNvSpPr>
+          <p:nvPr>
+            <p:ph type="sldImg"/>
+          </p:nvPr>
+        </p:nvSpPr>
+        <p:spPr/>
+      </p:sp>
+      <p:sp>
+        <p:nvSpPr>
+          <p:cNvPr id="3" name="Notes Placeholder 2"/>
+          <p:cNvSpPr>
+            <a:spLocks noGrp="1"/>
+          </p:cNvSpPr>
+          <p:nvPr>
+            <p:ph type="body" idx="1"/>
+          </p:nvPr>
+        </p:nvSpPr>
+        <p:spPr/>
+        <p:txBody>
+          <a:bodyPr/>
+          <a:lstStyle/>
+          <a:p>
+            <a:r>
+              <a:rPr lang="en-US" dirty="0"/>
+              <a:t>Services serve as static endpoints to one or many pods. They get an internal IP address as well but also their name becomes a routable, cluster-internal DNS entry. So instead of calling 10.10.0.5, “</a:t>
+            </a:r>
+            <a:r>
+              <a:rPr lang="en-US" dirty="0" err="1"/>
+              <a:t>nginx</a:t>
+            </a:r>
+            <a:r>
+              <a:rPr lang="en-US" dirty="0"/>
+              <a:t>” could be valid as well (assuming the service is called </a:t>
+            </a:r>
+            <a:r>
+              <a:rPr lang="en-US" dirty="0" err="1"/>
+              <a:t>nginx</a:t>
+            </a:r>
+            <a:r>
+              <a:rPr lang="en-US" dirty="0"/>
+              <a:t>)</a:t>
+            </a:r>
+          </a:p>
+          <a:p>
+            <a:r>
+              <a:rPr lang="en-US" dirty="0"/>
+              <a:t>To connect parts of an application (like frontend and backend), you could use services instead of actual pods. This way you program against a generic interface instead of a specific implementation.</a:t>
+            </a:r>
+          </a:p>
+        </p:txBody>
+      </p:sp>
+      <p:sp>
+        <p:nvSpPr>
+          <p:cNvPr id="4" name="Slide Number Placeholder 3"/>
+          <p:cNvSpPr>
+            <a:spLocks noGrp="1"/>
+          </p:cNvSpPr>
+          <p:nvPr>
+            <p:ph type="sldNum" sz="quarter" idx="10"/>
+          </p:nvPr>
+        </p:nvSpPr>
+        <p:spPr/>
+        <p:txBody>
+          <a:bodyPr/>
+          <a:lstStyle/>
+          <a:p>
+            <a:fld id="{7D8C2C35-2B8A-446E-BEC0-FD36716C29AC}" type="slidenum">
+              <a:rPr lang="de-DE" smtClean="0"/>
+              <a:pPr/>
+              <a:t>5</a:t>
+            </a:fld>
+            <a:endParaRPr lang="de-DE" dirty="0"/>
+          </a:p>
+        </p:txBody>
+      </p:sp>
+    </p:spTree>
+    <p:extLst>
+      <p:ext uri="{BB962C8B-B14F-4D97-AF65-F5344CB8AC3E}">
+        <p14:creationId xmlns:p14="http://schemas.microsoft.com/office/powerpoint/2010/main" val="2039543126"/>
+      </p:ext>
+    </p:extLst>
+  </p:cSld>
+  <p:clrMapOvr>
+    <a:masterClrMapping/>
+  </p:clrMapOvr>
+</p:notes>
+</file>
+
+<file path=ppt/notesSlides/notesSlide4.xml><?xml version="1.0" encoding="utf-8"?>
+<p:notes xmlns:a="http://schemas.openxmlformats.org/drawingml/2006/main" xmlns:r="http://schemas.openxmlformats.org/officeDocument/2006/relationships" xmlns:p="http://schemas.openxmlformats.org/presentationml/2006/main">
+  <p:cSld>
+    <p:spTree>
+      <p:nvGrpSpPr>
+        <p:cNvPr id="1" name=""/>
+        <p:cNvGrpSpPr/>
+        <p:nvPr/>
+      </p:nvGrpSpPr>
+      <p:grpSpPr>
+        <a:xfrm>
+          <a:off x="0" y="0"/>
+          <a:ext cx="0" cy="0"/>
+          <a:chOff x="0" y="0"/>
+          <a:chExt cx="0" cy="0"/>
+        </a:xfrm>
+      </p:grpSpPr>
+      <p:sp>
+        <p:nvSpPr>
+          <p:cNvPr id="2" name="Slide Image Placeholder 1"/>
+          <p:cNvSpPr>
+            <a:spLocks noGrp="1" noRot="1" noChangeAspect="1"/>
+          </p:cNvSpPr>
+          <p:nvPr>
+            <p:ph type="sldImg"/>
+          </p:nvPr>
+        </p:nvSpPr>
+        <p:spPr/>
+      </p:sp>
+      <p:sp>
+        <p:nvSpPr>
+          <p:cNvPr id="3" name="Notes Placeholder 2"/>
+          <p:cNvSpPr>
+            <a:spLocks noGrp="1"/>
+          </p:cNvSpPr>
+          <p:nvPr>
+            <p:ph type="body" idx="1"/>
+          </p:nvPr>
+        </p:nvSpPr>
+        <p:spPr/>
+        <p:txBody>
+          <a:bodyPr/>
+          <a:lstStyle/>
+          <a:p>
+            <a:r>
+              <a:rPr lang="en-US" dirty="0"/>
+              <a:t>Similar to how deployments work, also the service determines its managed pods by labels and corresponding selectors.</a:t>
+            </a:r>
+          </a:p>
+          <a:p>
+            <a:r>
+              <a:rPr lang="en-US" dirty="0"/>
+              <a:t>A service always maps its own port to a target port on the actual pods. So when your pods exposes port 80 (target port), your service can expose a different port (8080). The service would receive traffic on 8080 and route it to 80 on any pod that fits its selector.</a:t>
+            </a:r>
+          </a:p>
+          <a:p>
+            <a:r>
+              <a:rPr lang="en-US" dirty="0"/>
+              <a:t>Another feature is the “named” port. You can assign a name to a port and use this in your implementations. If the port changes later, there is no update needed elsewhere as you are referencing it by its name.</a:t>
+            </a:r>
+          </a:p>
+        </p:txBody>
+      </p:sp>
+      <p:sp>
+        <p:nvSpPr>
+          <p:cNvPr id="4" name="Slide Number Placeholder 3"/>
+          <p:cNvSpPr>
+            <a:spLocks noGrp="1"/>
+          </p:cNvSpPr>
+          <p:nvPr>
+            <p:ph type="sldNum" sz="quarter" idx="10"/>
+          </p:nvPr>
+        </p:nvSpPr>
+        <p:spPr/>
+        <p:txBody>
+          <a:bodyPr/>
+          <a:lstStyle/>
+          <a:p>
+            <a:fld id="{7D8C2C35-2B8A-446E-BEC0-FD36716C29AC}" type="slidenum">
+              <a:rPr lang="de-DE" smtClean="0"/>
+              <a:pPr/>
+              <a:t>6</a:t>
+            </a:fld>
+            <a:endParaRPr lang="de-DE" dirty="0"/>
+          </a:p>
+        </p:txBody>
+      </p:sp>
+    </p:spTree>
+    <p:extLst>
+      <p:ext uri="{BB962C8B-B14F-4D97-AF65-F5344CB8AC3E}">
+        <p14:creationId xmlns:p14="http://schemas.microsoft.com/office/powerpoint/2010/main" val="1445296968"/>
+      </p:ext>
+    </p:extLst>
+  </p:cSld>
+  <p:clrMapOvr>
+    <a:masterClrMapping/>
+  </p:clrMapOvr>
+</p:notes>
+</file>
+
+<file path=ppt/notesSlides/notesSlide5.xml><?xml version="1.0" encoding="utf-8"?>
+<p:notes xmlns:a="http://schemas.openxmlformats.org/drawingml/2006/main" xmlns:r="http://schemas.openxmlformats.org/officeDocument/2006/relationships" xmlns:p="http://schemas.openxmlformats.org/presentationml/2006/main">
+  <p:cSld>
+    <p:spTree>
+      <p:nvGrpSpPr>
+        <p:cNvPr id="1" name=""/>
+        <p:cNvGrpSpPr/>
+        <p:nvPr/>
+      </p:nvGrpSpPr>
+      <p:grpSpPr>
+        <a:xfrm>
+          <a:off x="0" y="0"/>
+          <a:ext cx="0" cy="0"/>
+          <a:chOff x="0" y="0"/>
+          <a:chExt cx="0" cy="0"/>
+        </a:xfrm>
+      </p:grpSpPr>
+      <p:sp>
+        <p:nvSpPr>
+          <p:cNvPr id="2" name="Slide Image Placeholder 1"/>
+          <p:cNvSpPr>
+            <a:spLocks noGrp="1" noRot="1" noChangeAspect="1"/>
+          </p:cNvSpPr>
+          <p:nvPr>
+            <p:ph type="sldImg"/>
+          </p:nvPr>
+        </p:nvSpPr>
+        <p:spPr/>
+      </p:sp>
+      <p:sp>
+        <p:nvSpPr>
+          <p:cNvPr id="3" name="Notes Placeholder 2"/>
+          <p:cNvSpPr>
+            <a:spLocks noGrp="1"/>
+          </p:cNvSpPr>
+          <p:nvPr>
+            <p:ph type="body" idx="1"/>
+          </p:nvPr>
+        </p:nvSpPr>
+        <p:spPr/>
+        <p:txBody>
+          <a:bodyPr/>
+          <a:lstStyle/>
+          <a:p>
+            <a:r>
+              <a:rPr lang="en-US" dirty="0"/>
+              <a:t>Demo:</a:t>
+            </a:r>
+            <a:r>
+              <a:rPr lang="en-US" baseline="0" dirty="0"/>
+              <a:t> get a pod + shell session with “</a:t>
+            </a:r>
+            <a:r>
+              <a:rPr lang="en-US" baseline="0" dirty="0" err="1"/>
+              <a:t>kubectl</a:t>
+            </a:r>
+            <a:r>
+              <a:rPr lang="en-US" baseline="0" dirty="0"/>
+              <a:t> run --</a:t>
+            </a:r>
+            <a:r>
+              <a:rPr lang="en-US" baseline="0" dirty="0" err="1"/>
+              <a:t>rm</a:t>
+            </a:r>
+            <a:r>
+              <a:rPr lang="en-US" baseline="0" dirty="0"/>
+              <a:t> -</a:t>
+            </a:r>
+            <a:r>
+              <a:rPr lang="en-US" baseline="0" dirty="0" err="1"/>
+              <a:t>ti</a:t>
+            </a:r>
+            <a:r>
+              <a:rPr lang="en-US" baseline="0" dirty="0"/>
+              <a:t> --image=</a:t>
+            </a:r>
+            <a:r>
+              <a:rPr lang="en-US" baseline="0" dirty="0" err="1"/>
+              <a:t>busybox</a:t>
+            </a:r>
+            <a:r>
+              <a:rPr lang="en-US" baseline="0" dirty="0"/>
+              <a:t> /</a:t>
+            </a:r>
+            <a:r>
+              <a:rPr lang="en-US" baseline="0"/>
+              <a:t>bin/sh</a:t>
+            </a:r>
+            <a:r>
+              <a:rPr lang="en-US" baseline="0" dirty="0"/>
+              <a:t>”; use the DNS name of a service to download an index.html (i.e. “</a:t>
+            </a:r>
+            <a:r>
+              <a:rPr lang="en-US" baseline="0" dirty="0" err="1"/>
+              <a:t>wget</a:t>
+            </a:r>
+            <a:r>
+              <a:rPr lang="en-US" baseline="0" dirty="0"/>
+              <a:t> </a:t>
+            </a:r>
+            <a:r>
+              <a:rPr lang="en-US" baseline="0" dirty="0" err="1"/>
+              <a:t>nginx</a:t>
+            </a:r>
+            <a:r>
+              <a:rPr lang="en-US" baseline="0" dirty="0"/>
+              <a:t>”)</a:t>
+            </a:r>
+            <a:endParaRPr lang="en-US" dirty="0"/>
+          </a:p>
+        </p:txBody>
+      </p:sp>
+      <p:sp>
+        <p:nvSpPr>
+          <p:cNvPr id="4" name="Slide Number Placeholder 3"/>
+          <p:cNvSpPr>
+            <a:spLocks noGrp="1"/>
+          </p:cNvSpPr>
+          <p:nvPr>
+            <p:ph type="sldNum" sz="quarter" idx="10"/>
+          </p:nvPr>
+        </p:nvSpPr>
+        <p:spPr/>
+        <p:txBody>
+          <a:bodyPr/>
+          <a:lstStyle/>
+          <a:p>
+            <a:fld id="{7D8C2C35-2B8A-446E-BEC0-FD36716C29AC}" type="slidenum">
+              <a:rPr lang="de-DE" smtClean="0"/>
+              <a:pPr/>
               <a:t>8</a:t>
             </a:fld>
             <a:endParaRPr lang="de-DE" dirty="0"/>
@@ -674,7 +1079,116 @@
 </p:notes>
 </file>
 
-<file path=ppt/notesSlides/notesSlide2.xml><?xml version="1.0" encoding="utf-8"?>
+<file path=ppt/notesSlides/notesSlide6.xml><?xml version="1.0" encoding="utf-8"?>
+<p:notes xmlns:a="http://schemas.openxmlformats.org/drawingml/2006/main" xmlns:r="http://schemas.openxmlformats.org/officeDocument/2006/relationships" xmlns:p="http://schemas.openxmlformats.org/presentationml/2006/main">
+  <p:cSld>
+    <p:spTree>
+      <p:nvGrpSpPr>
+        <p:cNvPr id="1" name=""/>
+        <p:cNvGrpSpPr/>
+        <p:nvPr/>
+      </p:nvGrpSpPr>
+      <p:grpSpPr>
+        <a:xfrm>
+          <a:off x="0" y="0"/>
+          <a:ext cx="0" cy="0"/>
+          <a:chOff x="0" y="0"/>
+          <a:chExt cx="0" cy="0"/>
+        </a:xfrm>
+      </p:grpSpPr>
+      <p:sp>
+        <p:nvSpPr>
+          <p:cNvPr id="2" name="Slide Image Placeholder 1"/>
+          <p:cNvSpPr>
+            <a:spLocks noGrp="1" noRot="1" noChangeAspect="1"/>
+          </p:cNvSpPr>
+          <p:nvPr>
+            <p:ph type="sldImg"/>
+          </p:nvPr>
+        </p:nvSpPr>
+        <p:spPr/>
+      </p:sp>
+      <p:sp>
+        <p:nvSpPr>
+          <p:cNvPr id="3" name="Notes Placeholder 2"/>
+          <p:cNvSpPr>
+            <a:spLocks noGrp="1"/>
+          </p:cNvSpPr>
+          <p:nvPr>
+            <p:ph type="body" idx="1"/>
+          </p:nvPr>
+        </p:nvSpPr>
+        <p:spPr/>
+        <p:txBody>
+          <a:bodyPr/>
+          <a:lstStyle/>
+          <a:p>
+            <a:r>
+              <a:rPr lang="en-US" dirty="0"/>
+              <a:t>A </a:t>
+            </a:r>
+            <a:r>
+              <a:rPr lang="en-US" dirty="0" err="1"/>
+              <a:t>nodePort</a:t>
+            </a:r>
+            <a:r>
+              <a:rPr lang="en-US" dirty="0"/>
+              <a:t> is a port that is opened on every node of the cluster. It is associated with a service and any incoming traffic at this </a:t>
+            </a:r>
+            <a:r>
+              <a:rPr lang="en-US" dirty="0" err="1"/>
+              <a:t>nodePort</a:t>
+            </a:r>
+            <a:r>
+              <a:rPr lang="en-US" dirty="0"/>
+              <a:t> will be routed to the corresponding service. From there it will be forwarded to service’s pods, regardless on which node it they </a:t>
+            </a:r>
+            <a:r>
+              <a:rPr lang="en-US"/>
+              <a:t>actually run.</a:t>
+            </a:r>
+            <a:endParaRPr lang="en-US" dirty="0"/>
+          </a:p>
+        </p:txBody>
+      </p:sp>
+      <p:sp>
+        <p:nvSpPr>
+          <p:cNvPr id="4" name="Slide Number Placeholder 3"/>
+          <p:cNvSpPr>
+            <a:spLocks noGrp="1"/>
+          </p:cNvSpPr>
+          <p:nvPr>
+            <p:ph type="sldNum" sz="quarter" idx="10"/>
+          </p:nvPr>
+        </p:nvSpPr>
+        <p:spPr/>
+        <p:txBody>
+          <a:bodyPr/>
+          <a:lstStyle/>
+          <a:p>
+            <a:fld id="{7D8C2C35-2B8A-446E-BEC0-FD36716C29AC}" type="slidenum">
+              <a:rPr lang="de-DE" smtClean="0"/>
+              <a:pPr/>
+              <a:t>9</a:t>
+            </a:fld>
+            <a:endParaRPr lang="de-DE" dirty="0"/>
+          </a:p>
+        </p:txBody>
+      </p:sp>
+    </p:spTree>
+    <p:extLst>
+      <p:ext uri="{BB962C8B-B14F-4D97-AF65-F5344CB8AC3E}">
+        <p14:creationId xmlns:p14="http://schemas.microsoft.com/office/powerpoint/2010/main" val="589324095"/>
+      </p:ext>
+    </p:extLst>
+  </p:cSld>
+  <p:clrMapOvr>
+    <a:masterClrMapping/>
+  </p:clrMapOvr>
+</p:notes>
+</file>
+
+<file path=ppt/notesSlides/notesSlide7.xml><?xml version="1.0" encoding="utf-8"?>
 <p:notes xmlns:a="http://schemas.openxmlformats.org/drawingml/2006/main" xmlns:r="http://schemas.openxmlformats.org/officeDocument/2006/relationships" xmlns:p="http://schemas.openxmlformats.org/presentationml/2006/main">
   <p:cSld>
     <p:spTree>
@@ -9319,7 +9833,7 @@
             </a:pPr>
             <a:r>
               <a:rPr lang="en-US" dirty="0"/>
-              <a:t>Pod-to-Service communications: this is covered by services.</a:t>
+              <a:t>Pod-to-Service communications: this is covered by services (and overlay network).</a:t>
             </a:r>
           </a:p>
           <a:p>
@@ -10307,7 +10821,7 @@
             </a:pPr>
             <a:r>
               <a:rPr lang="en-US" dirty="0">
-                <a:hlinkClick r:id="rId2"/>
+                <a:hlinkClick r:id="rId3"/>
               </a:rPr>
               <a:t>https://kubernetes.io/docs/concepts/cluster-administration/networking/</a:t>
             </a:r>
@@ -10573,7 +11087,7 @@
           <p:nvPr/>
         </p:nvPicPr>
         <p:blipFill>
-          <a:blip r:embed="rId2"/>
+          <a:blip r:embed="rId3"/>
           <a:stretch>
             <a:fillRect/>
           </a:stretch>
@@ -10597,7 +11111,7 @@
         <p:spPr>
           <a:xfrm>
             <a:off x="3641769" y="1749587"/>
-            <a:ext cx="7923213" cy="3000821"/>
+            <a:ext cx="7923213" cy="3647152"/>
           </a:xfrm>
           <a:prstGeom prst="rect">
             <a:avLst/>
@@ -10654,6 +11168,18 @@
                 <a:sym typeface="Wingdings" panose="05000000000000000000" pitchFamily="2" charset="2"/>
               </a:rPr>
               <a:t>Services expose ports and forward traffic to mapped target ports of pods</a:t>
+            </a:r>
+          </a:p>
+          <a:p>
+            <a:pPr marL="342900" indent="-342900">
+              <a:buFont typeface="Wingdings" panose="05000000000000000000" pitchFamily="2" charset="2"/>
+              <a:buChar char="§"/>
+            </a:pPr>
+            <a:r>
+              <a:rPr lang="en-US" dirty="0">
+                <a:sym typeface="Wingdings" panose="05000000000000000000" pitchFamily="2" charset="2"/>
+              </a:rPr>
+              <a:t>Ports can be named. When using these names the port can change later without any impact</a:t>
             </a:r>
           </a:p>
           <a:p>

--- a/kubernetes/04_networking_services.pptx
+++ b/kubernetes/04_networking_services.pptx
@@ -5,10 +5,10 @@
     <p:sldMasterId id="2147483733" r:id="rId1"/>
   </p:sldMasterIdLst>
   <p:notesMasterIdLst>
-    <p:notesMasterId r:id="rId13"/>
+    <p:notesMasterId r:id="rId14"/>
   </p:notesMasterIdLst>
   <p:handoutMasterIdLst>
-    <p:handoutMasterId r:id="rId14"/>
+    <p:handoutMasterId r:id="rId15"/>
   </p:handoutMasterIdLst>
   <p:sldIdLst>
     <p:sldId id="433" r:id="rId2"/>
@@ -17,11 +17,12 @@
     <p:sldId id="446" r:id="rId5"/>
     <p:sldId id="442" r:id="rId6"/>
     <p:sldId id="447" r:id="rId7"/>
-    <p:sldId id="448" r:id="rId8"/>
-    <p:sldId id="452" r:id="rId9"/>
-    <p:sldId id="450" r:id="rId10"/>
-    <p:sldId id="451" r:id="rId11"/>
-    <p:sldId id="265" r:id="rId12"/>
+    <p:sldId id="453" r:id="rId8"/>
+    <p:sldId id="448" r:id="rId9"/>
+    <p:sldId id="452" r:id="rId10"/>
+    <p:sldId id="450" r:id="rId11"/>
+    <p:sldId id="451" r:id="rId12"/>
+    <p:sldId id="265" r:id="rId13"/>
   </p:sldIdLst>
   <p:sldSz cx="12195175" cy="6858000"/>
   <p:notesSz cx="6858000" cy="9144000"/>
@@ -976,69 +977,20 @@
           <a:p>
             <a:r>
               <a:rPr lang="en-US" dirty="0"/>
-              <a:t>Demo:</a:t>
-            </a:r>
-            <a:r>
-              <a:rPr lang="en-US" baseline="0" dirty="0"/>
-              <a:t> get a pod + shell session with “</a:t>
-            </a:r>
-            <a:r>
-              <a:rPr lang="en-US" baseline="0" dirty="0" err="1"/>
-              <a:t>kubectl</a:t>
-            </a:r>
-            <a:r>
-              <a:rPr lang="en-US" baseline="0" dirty="0"/>
-              <a:t> run --</a:t>
-            </a:r>
-            <a:r>
-              <a:rPr lang="en-US" baseline="0" dirty="0" err="1"/>
-              <a:t>rm</a:t>
-            </a:r>
-            <a:r>
-              <a:rPr lang="en-US" baseline="0" dirty="0"/>
-              <a:t> -</a:t>
-            </a:r>
-            <a:r>
-              <a:rPr lang="en-US" baseline="0" dirty="0" err="1"/>
-              <a:t>ti</a:t>
-            </a:r>
-            <a:r>
-              <a:rPr lang="en-US" baseline="0" dirty="0"/>
-              <a:t> --image=</a:t>
-            </a:r>
-            <a:r>
-              <a:rPr lang="en-US" baseline="0" dirty="0" err="1"/>
-              <a:t>busybox</a:t>
-            </a:r>
-            <a:r>
-              <a:rPr lang="en-US" baseline="0" dirty="0"/>
-              <a:t> /</a:t>
-            </a:r>
-            <a:r>
-              <a:rPr lang="en-US" baseline="0"/>
-              <a:t>bin/sh</a:t>
-            </a:r>
-            <a:r>
-              <a:rPr lang="en-US" baseline="0" dirty="0"/>
-              <a:t>”; use the DNS name of a service to download an index.html (i.e. “</a:t>
-            </a:r>
-            <a:r>
-              <a:rPr lang="en-US" baseline="0" dirty="0" err="1"/>
-              <a:t>wget</a:t>
-            </a:r>
-            <a:r>
-              <a:rPr lang="en-US" baseline="0" dirty="0"/>
-              <a:t> </a:t>
-            </a:r>
-            <a:r>
-              <a:rPr lang="en-US" baseline="0" dirty="0" err="1"/>
-              <a:t>nginx</a:t>
-            </a:r>
-            <a:r>
-              <a:rPr lang="en-US" baseline="0" dirty="0"/>
-              <a:t>”)</a:t>
-            </a:r>
-            <a:endParaRPr lang="en-US" dirty="0"/>
+              <a:t>Usually a port is referenced by its value – the port number. However the port can be considered an interface and interfaces might change over time.</a:t>
+            </a:r>
+          </a:p>
+          <a:p>
+            <a:r>
+              <a:rPr lang="en-US" dirty="0"/>
+              <a:t>K8s offers to give a (DNS) name to any port on container &amp; service level. The DNS name is available cluster internally only, as the cluster DNS usually does not connect with an external DNS server.</a:t>
+            </a:r>
+          </a:p>
+          <a:p>
+            <a:r>
+              <a:rPr lang="en-US" dirty="0"/>
+              <a:t>Once you name ports, you can reference them by name and the value might change over time without impacting the application. </a:t>
+            </a:r>
           </a:p>
         </p:txBody>
       </p:sp>
@@ -1060,7 +1012,7 @@
             <a:fld id="{7D8C2C35-2B8A-446E-BEC0-FD36716C29AC}" type="slidenum">
               <a:rPr lang="de-DE" smtClean="0"/>
               <a:pPr/>
-              <a:t>8</a:t>
+              <a:t>7</a:t>
             </a:fld>
             <a:endParaRPr lang="de-DE" dirty="0"/>
           </a:p>
@@ -1069,7 +1021,7 @@
     </p:spTree>
     <p:extLst>
       <p:ext uri="{BB962C8B-B14F-4D97-AF65-F5344CB8AC3E}">
-        <p14:creationId xmlns:p14="http://schemas.microsoft.com/office/powerpoint/2010/main" val="4218195921"/>
+        <p14:creationId xmlns:p14="http://schemas.microsoft.com/office/powerpoint/2010/main" val="809206432"/>
       </p:ext>
     </p:extLst>
   </p:cSld>
@@ -1125,27 +1077,67 @@
           <a:p>
             <a:r>
               <a:rPr lang="en-US" dirty="0"/>
-              <a:t>A </a:t>
-            </a:r>
-            <a:r>
-              <a:rPr lang="en-US" dirty="0" err="1"/>
-              <a:t>nodePort</a:t>
-            </a:r>
-            <a:r>
-              <a:rPr lang="en-US" dirty="0"/>
-              <a:t> is a port that is opened on every node of the cluster. It is associated with a service and any incoming traffic at this </a:t>
-            </a:r>
-            <a:r>
-              <a:rPr lang="en-US" dirty="0" err="1"/>
-              <a:t>nodePort</a:t>
-            </a:r>
-            <a:r>
-              <a:rPr lang="en-US" dirty="0"/>
-              <a:t> will be routed to the corresponding service. From there it will be forwarded to service’s pods, regardless on which node it they </a:t>
-            </a:r>
-            <a:r>
-              <a:rPr lang="en-US"/>
-              <a:t>actually run.</a:t>
+              <a:t>Demo:</a:t>
+            </a:r>
+            <a:r>
+              <a:rPr lang="en-US" baseline="0" dirty="0"/>
+              <a:t> get a pod + shell session with “</a:t>
+            </a:r>
+            <a:r>
+              <a:rPr lang="en-US" baseline="0" dirty="0" err="1"/>
+              <a:t>kubectl</a:t>
+            </a:r>
+            <a:r>
+              <a:rPr lang="en-US" baseline="0" dirty="0"/>
+              <a:t> run --</a:t>
+            </a:r>
+            <a:r>
+              <a:rPr lang="en-US" baseline="0" dirty="0" err="1"/>
+              <a:t>rm</a:t>
+            </a:r>
+            <a:r>
+              <a:rPr lang="en-US" baseline="0" dirty="0"/>
+              <a:t> -</a:t>
+            </a:r>
+            <a:r>
+              <a:rPr lang="en-US" baseline="0" dirty="0" err="1"/>
+              <a:t>ti</a:t>
+            </a:r>
+            <a:r>
+              <a:rPr lang="en-US" baseline="0" dirty="0"/>
+              <a:t> --image=</a:t>
+            </a:r>
+            <a:r>
+              <a:rPr lang="en-US" baseline="0" dirty="0" err="1"/>
+              <a:t>busybox</a:t>
+            </a:r>
+            <a:r>
+              <a:rPr lang="en-US" baseline="0" dirty="0"/>
+              <a:t> /</a:t>
+            </a:r>
+            <a:r>
+              <a:rPr lang="en-US" baseline="0"/>
+              <a:t>bin/sh</a:t>
+            </a:r>
+            <a:r>
+              <a:rPr lang="en-US" baseline="0" dirty="0"/>
+              <a:t>”; use the DNS name of a service to download an index.html (i.e. “</a:t>
+            </a:r>
+            <a:r>
+              <a:rPr lang="en-US" baseline="0" dirty="0" err="1"/>
+              <a:t>wget</a:t>
+            </a:r>
+            <a:r>
+              <a:rPr lang="en-US" baseline="0" dirty="0"/>
+              <a:t> </a:t>
+            </a:r>
+            <a:r>
+              <a:rPr lang="en-US" baseline="0" dirty="0" err="1"/>
+              <a:t>nginx</a:t>
+            </a:r>
+            <a:r>
+              <a:rPr lang="en-US" baseline="0" dirty="0"/>
+              <a:t>”)</a:t>
             </a:r>
             <a:endParaRPr lang="en-US" dirty="0"/>
           </a:p>
@@ -1178,6 +1170,115 @@
     </p:spTree>
     <p:extLst>
       <p:ext uri="{BB962C8B-B14F-4D97-AF65-F5344CB8AC3E}">
+        <p14:creationId xmlns:p14="http://schemas.microsoft.com/office/powerpoint/2010/main" val="4218195921"/>
+      </p:ext>
+    </p:extLst>
+  </p:cSld>
+  <p:clrMapOvr>
+    <a:masterClrMapping/>
+  </p:clrMapOvr>
+</p:notes>
+</file>
+
+<file path=ppt/notesSlides/notesSlide7.xml><?xml version="1.0" encoding="utf-8"?>
+<p:notes xmlns:a="http://schemas.openxmlformats.org/drawingml/2006/main" xmlns:r="http://schemas.openxmlformats.org/officeDocument/2006/relationships" xmlns:p="http://schemas.openxmlformats.org/presentationml/2006/main">
+  <p:cSld>
+    <p:spTree>
+      <p:nvGrpSpPr>
+        <p:cNvPr id="1" name=""/>
+        <p:cNvGrpSpPr/>
+        <p:nvPr/>
+      </p:nvGrpSpPr>
+      <p:grpSpPr>
+        <a:xfrm>
+          <a:off x="0" y="0"/>
+          <a:ext cx="0" cy="0"/>
+          <a:chOff x="0" y="0"/>
+          <a:chExt cx="0" cy="0"/>
+        </a:xfrm>
+      </p:grpSpPr>
+      <p:sp>
+        <p:nvSpPr>
+          <p:cNvPr id="2" name="Slide Image Placeholder 1"/>
+          <p:cNvSpPr>
+            <a:spLocks noGrp="1" noRot="1" noChangeAspect="1"/>
+          </p:cNvSpPr>
+          <p:nvPr>
+            <p:ph type="sldImg"/>
+          </p:nvPr>
+        </p:nvSpPr>
+        <p:spPr/>
+      </p:sp>
+      <p:sp>
+        <p:nvSpPr>
+          <p:cNvPr id="3" name="Notes Placeholder 2"/>
+          <p:cNvSpPr>
+            <a:spLocks noGrp="1"/>
+          </p:cNvSpPr>
+          <p:nvPr>
+            <p:ph type="body" idx="1"/>
+          </p:nvPr>
+        </p:nvSpPr>
+        <p:spPr/>
+        <p:txBody>
+          <a:bodyPr/>
+          <a:lstStyle/>
+          <a:p>
+            <a:r>
+              <a:rPr lang="en-US" dirty="0"/>
+              <a:t>A </a:t>
+            </a:r>
+            <a:r>
+              <a:rPr lang="en-US" dirty="0" err="1"/>
+              <a:t>nodePort</a:t>
+            </a:r>
+            <a:r>
+              <a:rPr lang="en-US" dirty="0"/>
+              <a:t> is a port that is opened on every node of the cluster. It is associated with a service and any incoming traffic at this </a:t>
+            </a:r>
+            <a:r>
+              <a:rPr lang="en-US" dirty="0" err="1"/>
+              <a:t>nodePort</a:t>
+            </a:r>
+            <a:r>
+              <a:rPr lang="en-US" dirty="0"/>
+              <a:t> will be routed to the corresponding service. From there it will be forwarded to service’s pods, regardless on which node it they </a:t>
+            </a:r>
+            <a:r>
+              <a:rPr lang="en-US"/>
+              <a:t>actually run.</a:t>
+            </a:r>
+            <a:endParaRPr lang="en-US" dirty="0"/>
+          </a:p>
+        </p:txBody>
+      </p:sp>
+      <p:sp>
+        <p:nvSpPr>
+          <p:cNvPr id="4" name="Slide Number Placeholder 3"/>
+          <p:cNvSpPr>
+            <a:spLocks noGrp="1"/>
+          </p:cNvSpPr>
+          <p:nvPr>
+            <p:ph type="sldNum" sz="quarter" idx="10"/>
+          </p:nvPr>
+        </p:nvSpPr>
+        <p:spPr/>
+        <p:txBody>
+          <a:bodyPr/>
+          <a:lstStyle/>
+          <a:p>
+            <a:fld id="{7D8C2C35-2B8A-446E-BEC0-FD36716C29AC}" type="slidenum">
+              <a:rPr lang="de-DE" smtClean="0"/>
+              <a:pPr/>
+              <a:t>10</a:t>
+            </a:fld>
+            <a:endParaRPr lang="de-DE" dirty="0"/>
+          </a:p>
+        </p:txBody>
+      </p:sp>
+    </p:spTree>
+    <p:extLst>
+      <p:ext uri="{BB962C8B-B14F-4D97-AF65-F5344CB8AC3E}">
         <p14:creationId xmlns:p14="http://schemas.microsoft.com/office/powerpoint/2010/main" val="589324095"/>
       </p:ext>
     </p:extLst>
@@ -1188,7 +1289,7 @@
 </p:notes>
 </file>
 
-<file path=ppt/notesSlides/notesSlide7.xml><?xml version="1.0" encoding="utf-8"?>
+<file path=ppt/notesSlides/notesSlide8.xml><?xml version="1.0" encoding="utf-8"?>
 <p:notes xmlns:a="http://schemas.openxmlformats.org/drawingml/2006/main" xmlns:r="http://schemas.openxmlformats.org/officeDocument/2006/relationships" xmlns:p="http://schemas.openxmlformats.org/presentationml/2006/main">
   <p:cSld>
     <p:spTree>
@@ -1223,7 +1324,7 @@
             <a:fld id="{7D8C2C35-2B8A-446E-BEC0-FD36716C29AC}" type="slidenum">
               <a:rPr lang="de-DE" smtClean="0"/>
               <a:pPr/>
-              <a:t>11</a:t>
+              <a:t>12</a:t>
             </a:fld>
             <a:endParaRPr lang="de-DE" dirty="0"/>
           </a:p>
@@ -8855,6 +8956,1487 @@
 </file>
 
 <file path=ppt/slides/slide10.xml><?xml version="1.0" encoding="utf-8"?>
+<p:sld xmlns:a="http://schemas.openxmlformats.org/drawingml/2006/main" xmlns:r="http://schemas.openxmlformats.org/officeDocument/2006/relationships" xmlns:p="http://schemas.openxmlformats.org/presentationml/2006/main">
+  <p:cSld>
+    <p:spTree>
+      <p:nvGrpSpPr>
+        <p:cNvPr id="1" name=""/>
+        <p:cNvGrpSpPr/>
+        <p:nvPr/>
+      </p:nvGrpSpPr>
+      <p:grpSpPr>
+        <a:xfrm>
+          <a:off x="0" y="0"/>
+          <a:ext cx="0" cy="0"/>
+          <a:chOff x="0" y="0"/>
+          <a:chExt cx="0" cy="0"/>
+        </a:xfrm>
+      </p:grpSpPr>
+      <p:sp>
+        <p:nvSpPr>
+          <p:cNvPr id="21" name="Rectangle 20"/>
+          <p:cNvSpPr/>
+          <p:nvPr/>
+        </p:nvSpPr>
+        <p:spPr bwMode="gray">
+          <a:xfrm>
+            <a:off x="6141720" y="3390899"/>
+            <a:ext cx="4960620" cy="2865121"/>
+          </a:xfrm>
+          <a:prstGeom prst="rect">
+            <a:avLst/>
+          </a:prstGeom>
+          <a:ln>
+            <a:headEnd/>
+            <a:tailEnd/>
+          </a:ln>
+        </p:spPr>
+        <p:style>
+          <a:lnRef idx="2">
+            <a:schemeClr val="accent2"/>
+          </a:lnRef>
+          <a:fillRef idx="1">
+            <a:schemeClr val="lt1"/>
+          </a:fillRef>
+          <a:effectRef idx="0">
+            <a:schemeClr val="accent2"/>
+          </a:effectRef>
+          <a:fontRef idx="minor">
+            <a:schemeClr val="dk1"/>
+          </a:fontRef>
+        </p:style>
+        <p:txBody>
+          <a:bodyPr lIns="90000" tIns="72000" rIns="90000" bIns="72000" rtlCol="0" anchor="t"/>
+          <a:lstStyle/>
+          <a:p>
+            <a:pPr marR="0" algn="ctr" defTabSz="914400" eaLnBrk="1" fontAlgn="base" latinLnBrk="0" hangingPunct="1">
+              <a:lnSpc>
+                <a:spcPct val="100000"/>
+              </a:lnSpc>
+              <a:spcBef>
+                <a:spcPct val="50000"/>
+              </a:spcBef>
+              <a:spcAft>
+                <a:spcPct val="0"/>
+              </a:spcAft>
+              <a:buClr>
+                <a:srgbClr val="F0AB00"/>
+              </a:buClr>
+              <a:buSzPct val="80000"/>
+              <a:tabLst/>
+            </a:pPr>
+            <a:r>
+              <a:rPr kumimoji="0" lang="en-US" sz="1800" b="1" i="0" u="none" strike="noStrike" kern="0" cap="none" spc="0" normalizeH="0" baseline="0" noProof="0" dirty="0">
+                <a:ln>
+                  <a:noFill/>
+                </a:ln>
+                <a:effectLst/>
+                <a:uLnTx/>
+                <a:uFillTx/>
+                <a:ea typeface="Arial Unicode MS" pitchFamily="34" charset="-128"/>
+                <a:cs typeface="Arial Unicode MS" pitchFamily="34" charset="-128"/>
+              </a:rPr>
+              <a:t>Node B</a:t>
+            </a:r>
+          </a:p>
+        </p:txBody>
+      </p:sp>
+      <p:sp>
+        <p:nvSpPr>
+          <p:cNvPr id="2" name="Title 1"/>
+          <p:cNvSpPr>
+            <a:spLocks noGrp="1"/>
+          </p:cNvSpPr>
+          <p:nvPr>
+            <p:ph type="title"/>
+          </p:nvPr>
+        </p:nvSpPr>
+        <p:spPr/>
+        <p:txBody>
+          <a:bodyPr/>
+          <a:lstStyle/>
+          <a:p>
+            <a:r>
+              <a:rPr lang="en-US" dirty="0"/>
+              <a:t>How </a:t>
+            </a:r>
+            <a:r>
+              <a:rPr lang="en-US" dirty="0" err="1"/>
+              <a:t>NodePorts</a:t>
+            </a:r>
+            <a:r>
+              <a:rPr lang="en-US" dirty="0"/>
+              <a:t> work</a:t>
+            </a:r>
+          </a:p>
+        </p:txBody>
+      </p:sp>
+      <p:sp>
+        <p:nvSpPr>
+          <p:cNvPr id="4" name="Rectangle 3"/>
+          <p:cNvSpPr/>
+          <p:nvPr/>
+        </p:nvSpPr>
+        <p:spPr bwMode="gray">
+          <a:xfrm>
+            <a:off x="952500" y="3390900"/>
+            <a:ext cx="4960620" cy="2865120"/>
+          </a:xfrm>
+          <a:prstGeom prst="rect">
+            <a:avLst/>
+          </a:prstGeom>
+          <a:ln>
+            <a:headEnd/>
+            <a:tailEnd/>
+          </a:ln>
+        </p:spPr>
+        <p:style>
+          <a:lnRef idx="2">
+            <a:schemeClr val="accent2"/>
+          </a:lnRef>
+          <a:fillRef idx="1">
+            <a:schemeClr val="lt1"/>
+          </a:fillRef>
+          <a:effectRef idx="0">
+            <a:schemeClr val="accent2"/>
+          </a:effectRef>
+          <a:fontRef idx="minor">
+            <a:schemeClr val="dk1"/>
+          </a:fontRef>
+        </p:style>
+        <p:txBody>
+          <a:bodyPr lIns="90000" tIns="72000" rIns="90000" bIns="72000" rtlCol="0" anchor="t"/>
+          <a:lstStyle/>
+          <a:p>
+            <a:pPr marR="0" algn="ctr" defTabSz="914400" eaLnBrk="1" fontAlgn="base" latinLnBrk="0" hangingPunct="1">
+              <a:lnSpc>
+                <a:spcPct val="100000"/>
+              </a:lnSpc>
+              <a:spcBef>
+                <a:spcPct val="50000"/>
+              </a:spcBef>
+              <a:spcAft>
+                <a:spcPct val="0"/>
+              </a:spcAft>
+              <a:buClr>
+                <a:srgbClr val="F0AB00"/>
+              </a:buClr>
+              <a:buSzPct val="80000"/>
+              <a:tabLst/>
+            </a:pPr>
+            <a:r>
+              <a:rPr kumimoji="0" lang="en-US" sz="1800" b="1" i="0" u="none" strike="noStrike" kern="0" cap="none" spc="0" normalizeH="0" baseline="0" noProof="0" dirty="0">
+                <a:ln>
+                  <a:noFill/>
+                </a:ln>
+                <a:effectLst/>
+                <a:uLnTx/>
+                <a:uFillTx/>
+                <a:ea typeface="Arial Unicode MS" pitchFamily="34" charset="-128"/>
+                <a:cs typeface="Arial Unicode MS" pitchFamily="34" charset="-128"/>
+              </a:rPr>
+              <a:t>Node A</a:t>
+            </a:r>
+          </a:p>
+        </p:txBody>
+      </p:sp>
+      <p:sp>
+        <p:nvSpPr>
+          <p:cNvPr id="6" name="Rectangle 5"/>
+          <p:cNvSpPr/>
+          <p:nvPr/>
+        </p:nvSpPr>
+        <p:spPr bwMode="gray">
+          <a:xfrm>
+            <a:off x="2337562" y="4439970"/>
+            <a:ext cx="1815338" cy="1160859"/>
+          </a:xfrm>
+          <a:prstGeom prst="rect">
+            <a:avLst/>
+          </a:prstGeom>
+          <a:ln>
+            <a:headEnd/>
+            <a:tailEnd/>
+          </a:ln>
+        </p:spPr>
+        <p:style>
+          <a:lnRef idx="2">
+            <a:schemeClr val="accent2">
+              <a:shade val="50000"/>
+            </a:schemeClr>
+          </a:lnRef>
+          <a:fillRef idx="1">
+            <a:schemeClr val="accent2"/>
+          </a:fillRef>
+          <a:effectRef idx="0">
+            <a:schemeClr val="accent2"/>
+          </a:effectRef>
+          <a:fontRef idx="minor">
+            <a:schemeClr val="lt1"/>
+          </a:fontRef>
+        </p:style>
+        <p:txBody>
+          <a:bodyPr lIns="90000" tIns="72000" rIns="90000" bIns="72000" rtlCol="0" anchor="ctr"/>
+          <a:lstStyle/>
+          <a:p>
+            <a:pPr marR="0" algn="ctr" defTabSz="914400" eaLnBrk="1" fontAlgn="base" latinLnBrk="0" hangingPunct="1">
+              <a:lnSpc>
+                <a:spcPct val="100000"/>
+              </a:lnSpc>
+              <a:spcBef>
+                <a:spcPct val="50000"/>
+              </a:spcBef>
+              <a:spcAft>
+                <a:spcPct val="0"/>
+              </a:spcAft>
+              <a:buClr>
+                <a:srgbClr val="F0AB00"/>
+              </a:buClr>
+              <a:buSzPct val="80000"/>
+              <a:tabLst/>
+            </a:pPr>
+            <a:r>
+              <a:rPr lang="de-DE" sz="1600" b="1" kern="0" noProof="0" dirty="0" err="1">
+                <a:ea typeface="Arial Unicode MS" pitchFamily="34" charset="-128"/>
+                <a:cs typeface="Arial Unicode MS" pitchFamily="34" charset="-128"/>
+              </a:rPr>
+              <a:t>Pod</a:t>
+            </a:r>
+            <a:endParaRPr kumimoji="0" lang="de-DE" sz="1600" b="1" i="0" u="none" strike="noStrike" kern="0" cap="none" spc="0" normalizeH="0" baseline="0" noProof="0" dirty="0">
+              <a:ln>
+                <a:noFill/>
+              </a:ln>
+              <a:effectLst/>
+              <a:uLnTx/>
+              <a:uFillTx/>
+              <a:ea typeface="Arial Unicode MS" pitchFamily="34" charset="-128"/>
+              <a:cs typeface="Arial Unicode MS" pitchFamily="34" charset="-128"/>
+            </a:endParaRPr>
+          </a:p>
+        </p:txBody>
+      </p:sp>
+      <p:sp>
+        <p:nvSpPr>
+          <p:cNvPr id="11" name="Rectangle 10"/>
+          <p:cNvSpPr/>
+          <p:nvPr/>
+        </p:nvSpPr>
+        <p:spPr bwMode="gray">
+          <a:xfrm>
+            <a:off x="2422271" y="4205839"/>
+            <a:ext cx="1645920" cy="365760"/>
+          </a:xfrm>
+          <a:prstGeom prst="rect">
+            <a:avLst/>
+          </a:prstGeom>
+          <a:ln>
+            <a:headEnd/>
+            <a:tailEnd/>
+          </a:ln>
+        </p:spPr>
+        <p:style>
+          <a:lnRef idx="2">
+            <a:schemeClr val="accent2"/>
+          </a:lnRef>
+          <a:fillRef idx="1">
+            <a:schemeClr val="lt1"/>
+          </a:fillRef>
+          <a:effectRef idx="0">
+            <a:schemeClr val="accent2"/>
+          </a:effectRef>
+          <a:fontRef idx="minor">
+            <a:schemeClr val="dk1"/>
+          </a:fontRef>
+        </p:style>
+        <p:txBody>
+          <a:bodyPr lIns="90000" tIns="72000" rIns="90000" bIns="72000" rtlCol="0" anchor="ctr"/>
+          <a:lstStyle/>
+          <a:p>
+            <a:pPr marR="0" algn="ctr" defTabSz="914400" eaLnBrk="1" fontAlgn="base" latinLnBrk="0" hangingPunct="1">
+              <a:lnSpc>
+                <a:spcPct val="100000"/>
+              </a:lnSpc>
+              <a:spcBef>
+                <a:spcPct val="50000"/>
+              </a:spcBef>
+              <a:spcAft>
+                <a:spcPct val="0"/>
+              </a:spcAft>
+              <a:buClr>
+                <a:srgbClr val="F0AB00"/>
+              </a:buClr>
+              <a:buSzPct val="80000"/>
+              <a:tabLst/>
+            </a:pPr>
+            <a:r>
+              <a:rPr kumimoji="0" lang="de-DE" sz="1800" b="0" i="0" u="none" strike="noStrike" kern="0" cap="none" spc="0" normalizeH="0" baseline="0" noProof="0" dirty="0">
+                <a:ln>
+                  <a:noFill/>
+                </a:ln>
+                <a:effectLst/>
+                <a:uLnTx/>
+                <a:uFillTx/>
+                <a:ea typeface="Arial Unicode MS" pitchFamily="34" charset="-128"/>
+                <a:cs typeface="Arial Unicode MS" pitchFamily="34" charset="-128"/>
+              </a:rPr>
+              <a:t>IP: 10.10.10.1</a:t>
+            </a:r>
+          </a:p>
+        </p:txBody>
+      </p:sp>
+      <p:sp>
+        <p:nvSpPr>
+          <p:cNvPr id="14" name="Rectangle: Single Corner Snipped 13"/>
+          <p:cNvSpPr/>
+          <p:nvPr/>
+        </p:nvSpPr>
+        <p:spPr bwMode="gray">
+          <a:xfrm>
+            <a:off x="4806733" y="2743200"/>
+            <a:ext cx="2474332" cy="2346559"/>
+          </a:xfrm>
+          <a:prstGeom prst="snip1Rect">
+            <a:avLst/>
+          </a:prstGeom>
+          <a:ln>
+            <a:headEnd/>
+            <a:tailEnd/>
+          </a:ln>
+        </p:spPr>
+        <p:style>
+          <a:lnRef idx="3">
+            <a:schemeClr val="lt1"/>
+          </a:lnRef>
+          <a:fillRef idx="1">
+            <a:schemeClr val="accent2"/>
+          </a:fillRef>
+          <a:effectRef idx="1">
+            <a:schemeClr val="accent2"/>
+          </a:effectRef>
+          <a:fontRef idx="minor">
+            <a:schemeClr val="lt1"/>
+          </a:fontRef>
+        </p:style>
+        <p:txBody>
+          <a:bodyPr lIns="90000" tIns="72000" rIns="90000" bIns="72000" rtlCol="0" anchor="ctr"/>
+          <a:lstStyle/>
+          <a:p>
+            <a:pPr marR="0" algn="ctr" defTabSz="914400" eaLnBrk="1" fontAlgn="base" latinLnBrk="0" hangingPunct="1">
+              <a:lnSpc>
+                <a:spcPct val="100000"/>
+              </a:lnSpc>
+              <a:spcBef>
+                <a:spcPct val="50000"/>
+              </a:spcBef>
+              <a:spcAft>
+                <a:spcPct val="0"/>
+              </a:spcAft>
+              <a:buClr>
+                <a:srgbClr val="F0AB00"/>
+              </a:buClr>
+              <a:buSzPct val="80000"/>
+              <a:tabLst/>
+            </a:pPr>
+            <a:r>
+              <a:rPr kumimoji="0" lang="en-US" sz="1800" b="0" i="0" u="none" strike="noStrike" kern="0" cap="none" spc="0" normalizeH="0" baseline="0" noProof="0" dirty="0">
+                <a:ln>
+                  <a:noFill/>
+                </a:ln>
+                <a:effectLst/>
+                <a:uLnTx/>
+                <a:uFillTx/>
+                <a:ea typeface="Arial Unicode MS" pitchFamily="34" charset="-128"/>
+                <a:cs typeface="Arial Unicode MS" pitchFamily="34" charset="-128"/>
+              </a:rPr>
+              <a:t>Service</a:t>
+            </a:r>
+          </a:p>
+          <a:p>
+            <a:pPr marR="0" algn="ctr" defTabSz="914400" eaLnBrk="1" fontAlgn="base" latinLnBrk="0" hangingPunct="1">
+              <a:lnSpc>
+                <a:spcPct val="100000"/>
+              </a:lnSpc>
+              <a:spcBef>
+                <a:spcPct val="50000"/>
+              </a:spcBef>
+              <a:spcAft>
+                <a:spcPct val="0"/>
+              </a:spcAft>
+              <a:buClr>
+                <a:srgbClr val="F0AB00"/>
+              </a:buClr>
+              <a:buSzPct val="80000"/>
+              <a:tabLst/>
+            </a:pPr>
+            <a:r>
+              <a:rPr lang="en-US" sz="1800" kern="0" dirty="0">
+                <a:ea typeface="Arial Unicode MS" pitchFamily="34" charset="-128"/>
+                <a:cs typeface="Arial Unicode MS" pitchFamily="34" charset="-128"/>
+              </a:rPr>
+              <a:t>Label: app= </a:t>
+            </a:r>
+            <a:r>
+              <a:rPr lang="en-US" sz="1800" kern="0" dirty="0" err="1">
+                <a:ea typeface="Arial Unicode MS" pitchFamily="34" charset="-128"/>
+                <a:cs typeface="Arial Unicode MS" pitchFamily="34" charset="-128"/>
+              </a:rPr>
+              <a:t>nginx</a:t>
+            </a:r>
+            <a:endParaRPr kumimoji="0" lang="en-US" sz="1800" b="0" i="0" u="none" strike="noStrike" kern="0" cap="none" spc="0" normalizeH="0" baseline="0" noProof="0" dirty="0">
+              <a:ln>
+                <a:noFill/>
+              </a:ln>
+              <a:effectLst/>
+              <a:uLnTx/>
+              <a:uFillTx/>
+              <a:ea typeface="Arial Unicode MS" pitchFamily="34" charset="-128"/>
+              <a:cs typeface="Arial Unicode MS" pitchFamily="34" charset="-128"/>
+            </a:endParaRPr>
+          </a:p>
+          <a:p>
+            <a:pPr marL="285750" marR="0" indent="-285750" defTabSz="914400" eaLnBrk="1" fontAlgn="base" latinLnBrk="0" hangingPunct="1">
+              <a:lnSpc>
+                <a:spcPct val="100000"/>
+              </a:lnSpc>
+              <a:spcBef>
+                <a:spcPct val="50000"/>
+              </a:spcBef>
+              <a:spcAft>
+                <a:spcPct val="0"/>
+              </a:spcAft>
+              <a:buClr>
+                <a:srgbClr val="F0AB00"/>
+              </a:buClr>
+              <a:buSzPct val="80000"/>
+              <a:buFontTx/>
+              <a:buChar char="-"/>
+              <a:tabLst/>
+            </a:pPr>
+            <a:r>
+              <a:rPr lang="en-US" sz="1800" kern="0" dirty="0" err="1">
+                <a:ea typeface="Arial Unicode MS" pitchFamily="34" charset="-128"/>
+                <a:cs typeface="Arial Unicode MS" pitchFamily="34" charset="-128"/>
+              </a:rPr>
+              <a:t>NodePort</a:t>
+            </a:r>
+            <a:r>
+              <a:rPr lang="en-US" sz="1800" kern="0" dirty="0">
+                <a:ea typeface="Arial Unicode MS" pitchFamily="34" charset="-128"/>
+                <a:cs typeface="Arial Unicode MS" pitchFamily="34" charset="-128"/>
+              </a:rPr>
+              <a:t>: 30021</a:t>
+            </a:r>
+          </a:p>
+          <a:p>
+            <a:pPr marL="285750" marR="0" indent="-285750" defTabSz="914400" eaLnBrk="1" fontAlgn="base" latinLnBrk="0" hangingPunct="1">
+              <a:lnSpc>
+                <a:spcPct val="100000"/>
+              </a:lnSpc>
+              <a:spcBef>
+                <a:spcPct val="50000"/>
+              </a:spcBef>
+              <a:spcAft>
+                <a:spcPct val="0"/>
+              </a:spcAft>
+              <a:buClr>
+                <a:srgbClr val="F0AB00"/>
+              </a:buClr>
+              <a:buSzPct val="80000"/>
+              <a:buFontTx/>
+              <a:buChar char="-"/>
+              <a:tabLst/>
+            </a:pPr>
+            <a:r>
+              <a:rPr lang="en-US" sz="1800" kern="0" dirty="0">
+                <a:ea typeface="Arial Unicode MS" pitchFamily="34" charset="-128"/>
+                <a:cs typeface="Arial Unicode MS" pitchFamily="34" charset="-128"/>
+              </a:rPr>
+              <a:t> </a:t>
+            </a:r>
+            <a:r>
+              <a:rPr lang="en-US" sz="1800" kern="0" dirty="0" err="1">
+                <a:ea typeface="Arial Unicode MS" pitchFamily="34" charset="-128"/>
+                <a:cs typeface="Arial Unicode MS" pitchFamily="34" charset="-128"/>
+              </a:rPr>
+              <a:t>TargetPort</a:t>
+            </a:r>
+            <a:r>
+              <a:rPr lang="en-US" sz="1800" kern="0" dirty="0">
+                <a:ea typeface="Arial Unicode MS" pitchFamily="34" charset="-128"/>
+                <a:cs typeface="Arial Unicode MS" pitchFamily="34" charset="-128"/>
+              </a:rPr>
+              <a:t>: 80</a:t>
+            </a:r>
+          </a:p>
+          <a:p>
+            <a:pPr marL="285750" marR="0" indent="-285750" defTabSz="914400" eaLnBrk="1" fontAlgn="base" latinLnBrk="0" hangingPunct="1">
+              <a:lnSpc>
+                <a:spcPct val="100000"/>
+              </a:lnSpc>
+              <a:spcBef>
+                <a:spcPct val="50000"/>
+              </a:spcBef>
+              <a:spcAft>
+                <a:spcPct val="0"/>
+              </a:spcAft>
+              <a:buClr>
+                <a:srgbClr val="F0AB00"/>
+              </a:buClr>
+              <a:buSzPct val="80000"/>
+              <a:buFontTx/>
+              <a:buChar char="-"/>
+              <a:tabLst/>
+            </a:pPr>
+            <a:r>
+              <a:rPr kumimoji="0" lang="en-US" sz="1800" b="0" i="0" u="none" strike="noStrike" kern="0" cap="none" spc="0" normalizeH="0" baseline="0" noProof="0" dirty="0">
+                <a:ln>
+                  <a:noFill/>
+                </a:ln>
+                <a:effectLst/>
+                <a:uLnTx/>
+                <a:uFillTx/>
+                <a:ea typeface="Arial Unicode MS" pitchFamily="34" charset="-128"/>
+                <a:cs typeface="Arial Unicode MS" pitchFamily="34" charset="-128"/>
+              </a:rPr>
+              <a:t>Port: 80</a:t>
+            </a:r>
+          </a:p>
+        </p:txBody>
+      </p:sp>
+      <p:sp>
+        <p:nvSpPr>
+          <p:cNvPr id="15" name="Rectangle 14"/>
+          <p:cNvSpPr/>
+          <p:nvPr/>
+        </p:nvSpPr>
+        <p:spPr bwMode="gray">
+          <a:xfrm>
+            <a:off x="1459043" y="5386537"/>
+            <a:ext cx="1319714" cy="428584"/>
+          </a:xfrm>
+          <a:prstGeom prst="rect">
+            <a:avLst/>
+          </a:prstGeom>
+          <a:solidFill>
+            <a:schemeClr val="accent1">
+              <a:lumMod val="40000"/>
+              <a:lumOff val="60000"/>
+            </a:schemeClr>
+          </a:solidFill>
+          <a:ln>
+            <a:headEnd/>
+            <a:tailEnd/>
+          </a:ln>
+        </p:spPr>
+        <p:style>
+          <a:lnRef idx="2">
+            <a:schemeClr val="accent2"/>
+          </a:lnRef>
+          <a:fillRef idx="1">
+            <a:schemeClr val="lt1"/>
+          </a:fillRef>
+          <a:effectRef idx="0">
+            <a:schemeClr val="accent2"/>
+          </a:effectRef>
+          <a:fontRef idx="minor">
+            <a:schemeClr val="dk1"/>
+          </a:fontRef>
+        </p:style>
+        <p:txBody>
+          <a:bodyPr lIns="90000" tIns="72000" rIns="90000" bIns="72000" rtlCol="0" anchor="ctr"/>
+          <a:lstStyle/>
+          <a:p>
+            <a:pPr marR="0" algn="ctr" defTabSz="914400" eaLnBrk="1" fontAlgn="base" latinLnBrk="0" hangingPunct="1">
+              <a:lnSpc>
+                <a:spcPct val="100000"/>
+              </a:lnSpc>
+              <a:spcBef>
+                <a:spcPct val="50000"/>
+              </a:spcBef>
+              <a:spcAft>
+                <a:spcPct val="0"/>
+              </a:spcAft>
+              <a:buClr>
+                <a:srgbClr val="F0AB00"/>
+              </a:buClr>
+              <a:buSzPct val="80000"/>
+              <a:tabLst/>
+            </a:pPr>
+            <a:r>
+              <a:rPr lang="de-DE" sz="1800" kern="0" dirty="0">
+                <a:ea typeface="Arial Unicode MS" pitchFamily="34" charset="-128"/>
+                <a:cs typeface="Arial Unicode MS" pitchFamily="34" charset="-128"/>
+              </a:rPr>
+              <a:t>a</a:t>
+            </a:r>
+            <a:r>
+              <a:rPr kumimoji="0" lang="de-DE" sz="1800" b="0" i="0" u="none" strike="noStrike" kern="0" cap="none" spc="0" normalizeH="0" baseline="0" noProof="0" dirty="0">
+                <a:ln>
+                  <a:noFill/>
+                </a:ln>
+                <a:effectLst/>
+                <a:uLnTx/>
+                <a:uFillTx/>
+                <a:ea typeface="Arial Unicode MS" pitchFamily="34" charset="-128"/>
+                <a:cs typeface="Arial Unicode MS" pitchFamily="34" charset="-128"/>
+              </a:rPr>
+              <a:t>pp=</a:t>
+            </a:r>
+            <a:r>
+              <a:rPr kumimoji="0" lang="de-DE" sz="1800" b="0" i="0" u="none" strike="noStrike" kern="0" cap="none" spc="0" normalizeH="0" baseline="0" noProof="0" dirty="0" err="1">
+                <a:ln>
+                  <a:noFill/>
+                </a:ln>
+                <a:effectLst/>
+                <a:uLnTx/>
+                <a:uFillTx/>
+                <a:ea typeface="Arial Unicode MS" pitchFamily="34" charset="-128"/>
+                <a:cs typeface="Arial Unicode MS" pitchFamily="34" charset="-128"/>
+              </a:rPr>
+              <a:t>nginx</a:t>
+            </a:r>
+            <a:endParaRPr kumimoji="0" lang="de-DE" sz="1800" b="0" i="0" u="none" strike="noStrike" kern="0" cap="none" spc="0" normalizeH="0" baseline="0" noProof="0" dirty="0">
+              <a:ln>
+                <a:noFill/>
+              </a:ln>
+              <a:effectLst/>
+              <a:uLnTx/>
+              <a:uFillTx/>
+              <a:ea typeface="Arial Unicode MS" pitchFamily="34" charset="-128"/>
+              <a:cs typeface="Arial Unicode MS" pitchFamily="34" charset="-128"/>
+            </a:endParaRPr>
+          </a:p>
+        </p:txBody>
+      </p:sp>
+      <p:sp>
+        <p:nvSpPr>
+          <p:cNvPr id="18" name="Rectangle 17"/>
+          <p:cNvSpPr/>
+          <p:nvPr/>
+        </p:nvSpPr>
+        <p:spPr bwMode="gray">
+          <a:xfrm>
+            <a:off x="8045976" y="4446544"/>
+            <a:ext cx="1815338" cy="1160859"/>
+          </a:xfrm>
+          <a:prstGeom prst="rect">
+            <a:avLst/>
+          </a:prstGeom>
+          <a:ln>
+            <a:headEnd/>
+            <a:tailEnd/>
+          </a:ln>
+        </p:spPr>
+        <p:style>
+          <a:lnRef idx="2">
+            <a:schemeClr val="accent2">
+              <a:shade val="50000"/>
+            </a:schemeClr>
+          </a:lnRef>
+          <a:fillRef idx="1">
+            <a:schemeClr val="accent2"/>
+          </a:fillRef>
+          <a:effectRef idx="0">
+            <a:schemeClr val="accent2"/>
+          </a:effectRef>
+          <a:fontRef idx="minor">
+            <a:schemeClr val="lt1"/>
+          </a:fontRef>
+        </p:style>
+        <p:txBody>
+          <a:bodyPr lIns="90000" tIns="72000" rIns="90000" bIns="72000" rtlCol="0" anchor="ctr"/>
+          <a:lstStyle/>
+          <a:p>
+            <a:pPr marR="0" algn="ctr" defTabSz="914400" eaLnBrk="1" fontAlgn="base" latinLnBrk="0" hangingPunct="1">
+              <a:lnSpc>
+                <a:spcPct val="100000"/>
+              </a:lnSpc>
+              <a:spcBef>
+                <a:spcPct val="50000"/>
+              </a:spcBef>
+              <a:spcAft>
+                <a:spcPct val="0"/>
+              </a:spcAft>
+              <a:buClr>
+                <a:srgbClr val="F0AB00"/>
+              </a:buClr>
+              <a:buSzPct val="80000"/>
+              <a:tabLst/>
+            </a:pPr>
+            <a:r>
+              <a:rPr lang="de-DE" sz="1600" b="1" kern="0" noProof="0" dirty="0" err="1">
+                <a:ea typeface="Arial Unicode MS" pitchFamily="34" charset="-128"/>
+                <a:cs typeface="Arial Unicode MS" pitchFamily="34" charset="-128"/>
+              </a:rPr>
+              <a:t>Pod</a:t>
+            </a:r>
+            <a:endParaRPr kumimoji="0" lang="de-DE" sz="1600" b="1" i="0" u="none" strike="noStrike" kern="0" cap="none" spc="0" normalizeH="0" baseline="0" noProof="0" dirty="0">
+              <a:ln>
+                <a:noFill/>
+              </a:ln>
+              <a:effectLst/>
+              <a:uLnTx/>
+              <a:uFillTx/>
+              <a:ea typeface="Arial Unicode MS" pitchFamily="34" charset="-128"/>
+              <a:cs typeface="Arial Unicode MS" pitchFamily="34" charset="-128"/>
+            </a:endParaRPr>
+          </a:p>
+        </p:txBody>
+      </p:sp>
+      <p:sp>
+        <p:nvSpPr>
+          <p:cNvPr id="19" name="Rectangle 18"/>
+          <p:cNvSpPr/>
+          <p:nvPr/>
+        </p:nvSpPr>
+        <p:spPr bwMode="gray">
+          <a:xfrm>
+            <a:off x="7208370" y="5386537"/>
+            <a:ext cx="1319714" cy="428584"/>
+          </a:xfrm>
+          <a:prstGeom prst="rect">
+            <a:avLst/>
+          </a:prstGeom>
+          <a:ln>
+            <a:headEnd/>
+            <a:tailEnd/>
+          </a:ln>
+        </p:spPr>
+        <p:style>
+          <a:lnRef idx="2">
+            <a:schemeClr val="accent2"/>
+          </a:lnRef>
+          <a:fillRef idx="1">
+            <a:schemeClr val="lt1"/>
+          </a:fillRef>
+          <a:effectRef idx="0">
+            <a:schemeClr val="accent2"/>
+          </a:effectRef>
+          <a:fontRef idx="minor">
+            <a:schemeClr val="dk1"/>
+          </a:fontRef>
+        </p:style>
+        <p:txBody>
+          <a:bodyPr lIns="90000" tIns="72000" rIns="90000" bIns="72000" rtlCol="0" anchor="ctr"/>
+          <a:lstStyle/>
+          <a:p>
+            <a:pPr marR="0" algn="ctr" defTabSz="914400" eaLnBrk="1" fontAlgn="base" latinLnBrk="0" hangingPunct="1">
+              <a:lnSpc>
+                <a:spcPct val="100000"/>
+              </a:lnSpc>
+              <a:spcBef>
+                <a:spcPct val="50000"/>
+              </a:spcBef>
+              <a:spcAft>
+                <a:spcPct val="0"/>
+              </a:spcAft>
+              <a:buClr>
+                <a:srgbClr val="F0AB00"/>
+              </a:buClr>
+              <a:buSzPct val="80000"/>
+              <a:tabLst/>
+            </a:pPr>
+            <a:r>
+              <a:rPr lang="de-DE" sz="1800" kern="0" dirty="0">
+                <a:ea typeface="Arial Unicode MS" pitchFamily="34" charset="-128"/>
+                <a:cs typeface="Arial Unicode MS" pitchFamily="34" charset="-128"/>
+              </a:rPr>
+              <a:t>a</a:t>
+            </a:r>
+            <a:r>
+              <a:rPr kumimoji="0" lang="de-DE" sz="1800" b="0" i="0" u="none" strike="noStrike" kern="0" cap="none" spc="0" normalizeH="0" baseline="0" noProof="0" dirty="0">
+                <a:ln>
+                  <a:noFill/>
+                </a:ln>
+                <a:effectLst/>
+                <a:uLnTx/>
+                <a:uFillTx/>
+                <a:ea typeface="Arial Unicode MS" pitchFamily="34" charset="-128"/>
+                <a:cs typeface="Arial Unicode MS" pitchFamily="34" charset="-128"/>
+              </a:rPr>
+              <a:t>pp=</a:t>
+            </a:r>
+            <a:r>
+              <a:rPr kumimoji="0" lang="de-DE" sz="1800" b="0" i="0" u="none" strike="noStrike" kern="0" cap="none" spc="0" normalizeH="0" baseline="0" noProof="0" dirty="0" err="1">
+                <a:ln>
+                  <a:noFill/>
+                </a:ln>
+                <a:effectLst/>
+                <a:uLnTx/>
+                <a:uFillTx/>
+                <a:ea typeface="Arial Unicode MS" pitchFamily="34" charset="-128"/>
+                <a:cs typeface="Arial Unicode MS" pitchFamily="34" charset="-128"/>
+              </a:rPr>
+              <a:t>client</a:t>
+            </a:r>
+            <a:endParaRPr kumimoji="0" lang="de-DE" sz="1800" b="0" i="0" u="none" strike="noStrike" kern="0" cap="none" spc="0" normalizeH="0" baseline="0" noProof="0" dirty="0">
+              <a:ln>
+                <a:noFill/>
+              </a:ln>
+              <a:effectLst/>
+              <a:uLnTx/>
+              <a:uFillTx/>
+              <a:ea typeface="Arial Unicode MS" pitchFamily="34" charset="-128"/>
+              <a:cs typeface="Arial Unicode MS" pitchFamily="34" charset="-128"/>
+            </a:endParaRPr>
+          </a:p>
+        </p:txBody>
+      </p:sp>
+      <p:sp>
+        <p:nvSpPr>
+          <p:cNvPr id="20" name="Rectangle 19"/>
+          <p:cNvSpPr/>
+          <p:nvPr/>
+        </p:nvSpPr>
+        <p:spPr bwMode="gray">
+          <a:xfrm>
+            <a:off x="9575331" y="5386537"/>
+            <a:ext cx="1073656" cy="428584"/>
+          </a:xfrm>
+          <a:prstGeom prst="rect">
+            <a:avLst/>
+          </a:prstGeom>
+          <a:ln>
+            <a:headEnd/>
+            <a:tailEnd/>
+          </a:ln>
+        </p:spPr>
+        <p:style>
+          <a:lnRef idx="2">
+            <a:schemeClr val="accent2"/>
+          </a:lnRef>
+          <a:fillRef idx="1">
+            <a:schemeClr val="lt1"/>
+          </a:fillRef>
+          <a:effectRef idx="0">
+            <a:schemeClr val="accent2"/>
+          </a:effectRef>
+          <a:fontRef idx="minor">
+            <a:schemeClr val="dk1"/>
+          </a:fontRef>
+        </p:style>
+        <p:txBody>
+          <a:bodyPr lIns="90000" tIns="72000" rIns="90000" bIns="72000" rtlCol="0" anchor="ctr"/>
+          <a:lstStyle/>
+          <a:p>
+            <a:pPr marR="0" algn="ctr" defTabSz="914400" eaLnBrk="1" fontAlgn="base" latinLnBrk="0" hangingPunct="1">
+              <a:lnSpc>
+                <a:spcPct val="100000"/>
+              </a:lnSpc>
+              <a:spcBef>
+                <a:spcPct val="50000"/>
+              </a:spcBef>
+              <a:spcAft>
+                <a:spcPct val="0"/>
+              </a:spcAft>
+              <a:buClr>
+                <a:srgbClr val="F0AB00"/>
+              </a:buClr>
+              <a:buSzPct val="80000"/>
+              <a:tabLst/>
+            </a:pPr>
+            <a:r>
+              <a:rPr lang="de-DE" sz="1800" kern="0" dirty="0">
+                <a:ea typeface="Arial Unicode MS" pitchFamily="34" charset="-128"/>
+                <a:cs typeface="Arial Unicode MS" pitchFamily="34" charset="-128"/>
+              </a:rPr>
+              <a:t>Port: 80</a:t>
+            </a:r>
+            <a:endParaRPr kumimoji="0" lang="de-DE" sz="1800" b="0" i="0" u="none" strike="noStrike" kern="0" cap="none" spc="0" normalizeH="0" baseline="0" noProof="0" dirty="0">
+              <a:ln>
+                <a:noFill/>
+              </a:ln>
+              <a:effectLst/>
+              <a:uLnTx/>
+              <a:uFillTx/>
+              <a:ea typeface="Arial Unicode MS" pitchFamily="34" charset="-128"/>
+              <a:cs typeface="Arial Unicode MS" pitchFamily="34" charset="-128"/>
+            </a:endParaRPr>
+          </a:p>
+        </p:txBody>
+      </p:sp>
+      <p:sp>
+        <p:nvSpPr>
+          <p:cNvPr id="17" name="Rectangle 16"/>
+          <p:cNvSpPr/>
+          <p:nvPr/>
+        </p:nvSpPr>
+        <p:spPr bwMode="gray">
+          <a:xfrm>
+            <a:off x="3826004" y="5386537"/>
+            <a:ext cx="1073656" cy="428584"/>
+          </a:xfrm>
+          <a:prstGeom prst="rect">
+            <a:avLst/>
+          </a:prstGeom>
+          <a:ln>
+            <a:headEnd/>
+            <a:tailEnd/>
+          </a:ln>
+        </p:spPr>
+        <p:style>
+          <a:lnRef idx="2">
+            <a:schemeClr val="accent2"/>
+          </a:lnRef>
+          <a:fillRef idx="1">
+            <a:schemeClr val="lt1"/>
+          </a:fillRef>
+          <a:effectRef idx="0">
+            <a:schemeClr val="accent2"/>
+          </a:effectRef>
+          <a:fontRef idx="minor">
+            <a:schemeClr val="dk1"/>
+          </a:fontRef>
+        </p:style>
+        <p:txBody>
+          <a:bodyPr lIns="90000" tIns="72000" rIns="90000" bIns="72000" rtlCol="0" anchor="ctr"/>
+          <a:lstStyle/>
+          <a:p>
+            <a:pPr marR="0" algn="ctr" defTabSz="914400" eaLnBrk="1" fontAlgn="base" latinLnBrk="0" hangingPunct="1">
+              <a:lnSpc>
+                <a:spcPct val="100000"/>
+              </a:lnSpc>
+              <a:spcBef>
+                <a:spcPct val="50000"/>
+              </a:spcBef>
+              <a:spcAft>
+                <a:spcPct val="0"/>
+              </a:spcAft>
+              <a:buClr>
+                <a:srgbClr val="F0AB00"/>
+              </a:buClr>
+              <a:buSzPct val="80000"/>
+              <a:tabLst/>
+            </a:pPr>
+            <a:r>
+              <a:rPr lang="de-DE" sz="1800" kern="0" dirty="0">
+                <a:ea typeface="Arial Unicode MS" pitchFamily="34" charset="-128"/>
+                <a:cs typeface="Arial Unicode MS" pitchFamily="34" charset="-128"/>
+              </a:rPr>
+              <a:t>Port: 80</a:t>
+            </a:r>
+            <a:endParaRPr kumimoji="0" lang="de-DE" sz="1800" b="0" i="0" u="none" strike="noStrike" kern="0" cap="none" spc="0" normalizeH="0" baseline="0" noProof="0" dirty="0">
+              <a:ln>
+                <a:noFill/>
+              </a:ln>
+              <a:effectLst/>
+              <a:uLnTx/>
+              <a:uFillTx/>
+              <a:ea typeface="Arial Unicode MS" pitchFamily="34" charset="-128"/>
+              <a:cs typeface="Arial Unicode MS" pitchFamily="34" charset="-128"/>
+            </a:endParaRPr>
+          </a:p>
+        </p:txBody>
+      </p:sp>
+      <p:sp>
+        <p:nvSpPr>
+          <p:cNvPr id="13" name="Rectangle 12"/>
+          <p:cNvSpPr/>
+          <p:nvPr/>
+        </p:nvSpPr>
+        <p:spPr bwMode="gray">
+          <a:xfrm>
+            <a:off x="8130685" y="4205839"/>
+            <a:ext cx="1645920" cy="365760"/>
+          </a:xfrm>
+          <a:prstGeom prst="rect">
+            <a:avLst/>
+          </a:prstGeom>
+          <a:ln>
+            <a:headEnd/>
+            <a:tailEnd/>
+          </a:ln>
+        </p:spPr>
+        <p:style>
+          <a:lnRef idx="2">
+            <a:schemeClr val="accent2"/>
+          </a:lnRef>
+          <a:fillRef idx="1">
+            <a:schemeClr val="lt1"/>
+          </a:fillRef>
+          <a:effectRef idx="0">
+            <a:schemeClr val="accent2"/>
+          </a:effectRef>
+          <a:fontRef idx="minor">
+            <a:schemeClr val="dk1"/>
+          </a:fontRef>
+        </p:style>
+        <p:txBody>
+          <a:bodyPr lIns="90000" tIns="72000" rIns="90000" bIns="72000" rtlCol="0" anchor="ctr"/>
+          <a:lstStyle/>
+          <a:p>
+            <a:pPr marR="0" algn="ctr" defTabSz="914400" eaLnBrk="1" fontAlgn="base" latinLnBrk="0" hangingPunct="1">
+              <a:lnSpc>
+                <a:spcPct val="100000"/>
+              </a:lnSpc>
+              <a:spcBef>
+                <a:spcPct val="50000"/>
+              </a:spcBef>
+              <a:spcAft>
+                <a:spcPct val="0"/>
+              </a:spcAft>
+              <a:buClr>
+                <a:srgbClr val="F0AB00"/>
+              </a:buClr>
+              <a:buSzPct val="80000"/>
+              <a:tabLst/>
+            </a:pPr>
+            <a:r>
+              <a:rPr kumimoji="0" lang="de-DE" sz="1800" b="0" i="0" u="none" strike="noStrike" kern="0" cap="none" spc="0" normalizeH="0" baseline="0" noProof="0" dirty="0">
+                <a:ln>
+                  <a:noFill/>
+                </a:ln>
+                <a:effectLst/>
+                <a:uLnTx/>
+                <a:uFillTx/>
+                <a:ea typeface="Arial Unicode MS" pitchFamily="34" charset="-128"/>
+                <a:cs typeface="Arial Unicode MS" pitchFamily="34" charset="-128"/>
+              </a:rPr>
+              <a:t>IP: 10.10.10.3</a:t>
+            </a:r>
+          </a:p>
+        </p:txBody>
+      </p:sp>
+      <p:sp>
+        <p:nvSpPr>
+          <p:cNvPr id="22" name="Rectangle 21"/>
+          <p:cNvSpPr/>
+          <p:nvPr/>
+        </p:nvSpPr>
+        <p:spPr bwMode="gray">
+          <a:xfrm>
+            <a:off x="341121" y="3227860"/>
+            <a:ext cx="2124327" cy="428584"/>
+          </a:xfrm>
+          <a:prstGeom prst="rect">
+            <a:avLst/>
+          </a:prstGeom>
+          <a:ln>
+            <a:headEnd/>
+            <a:tailEnd/>
+          </a:ln>
+        </p:spPr>
+        <p:style>
+          <a:lnRef idx="2">
+            <a:schemeClr val="accent5"/>
+          </a:lnRef>
+          <a:fillRef idx="1">
+            <a:schemeClr val="lt1"/>
+          </a:fillRef>
+          <a:effectRef idx="0">
+            <a:schemeClr val="accent5"/>
+          </a:effectRef>
+          <a:fontRef idx="minor">
+            <a:schemeClr val="dk1"/>
+          </a:fontRef>
+        </p:style>
+        <p:txBody>
+          <a:bodyPr lIns="90000" tIns="72000" rIns="90000" bIns="72000" rtlCol="0" anchor="ctr"/>
+          <a:lstStyle/>
+          <a:p>
+            <a:pPr marR="0" algn="ctr" defTabSz="914400" eaLnBrk="1" fontAlgn="base" latinLnBrk="0" hangingPunct="1">
+              <a:lnSpc>
+                <a:spcPct val="100000"/>
+              </a:lnSpc>
+              <a:spcBef>
+                <a:spcPct val="50000"/>
+              </a:spcBef>
+              <a:spcAft>
+                <a:spcPct val="0"/>
+              </a:spcAft>
+              <a:buClr>
+                <a:srgbClr val="F0AB00"/>
+              </a:buClr>
+              <a:buSzPct val="80000"/>
+              <a:tabLst/>
+            </a:pPr>
+            <a:r>
+              <a:rPr lang="de-DE" sz="1800" kern="0" dirty="0" err="1">
+                <a:ea typeface="Arial Unicode MS" pitchFamily="34" charset="-128"/>
+                <a:cs typeface="Arial Unicode MS" pitchFamily="34" charset="-128"/>
+              </a:rPr>
+              <a:t>NodePort</a:t>
+            </a:r>
+            <a:r>
+              <a:rPr lang="de-DE" sz="1800" kern="0" dirty="0">
+                <a:ea typeface="Arial Unicode MS" pitchFamily="34" charset="-128"/>
+                <a:cs typeface="Arial Unicode MS" pitchFamily="34" charset="-128"/>
+              </a:rPr>
+              <a:t>: 30021</a:t>
+            </a:r>
+            <a:endParaRPr kumimoji="0" lang="de-DE" sz="1800" b="0" i="0" u="none" strike="noStrike" kern="0" cap="none" spc="0" normalizeH="0" baseline="0" noProof="0" dirty="0">
+              <a:ln>
+                <a:noFill/>
+              </a:ln>
+              <a:effectLst/>
+              <a:uLnTx/>
+              <a:uFillTx/>
+              <a:ea typeface="Arial Unicode MS" pitchFamily="34" charset="-128"/>
+              <a:cs typeface="Arial Unicode MS" pitchFamily="34" charset="-128"/>
+            </a:endParaRPr>
+          </a:p>
+        </p:txBody>
+      </p:sp>
+      <p:sp>
+        <p:nvSpPr>
+          <p:cNvPr id="23" name="Rectangle 22"/>
+          <p:cNvSpPr/>
+          <p:nvPr/>
+        </p:nvSpPr>
+        <p:spPr bwMode="gray">
+          <a:xfrm>
+            <a:off x="9566150" y="3227860"/>
+            <a:ext cx="2124327" cy="428584"/>
+          </a:xfrm>
+          <a:prstGeom prst="rect">
+            <a:avLst/>
+          </a:prstGeom>
+          <a:ln>
+            <a:headEnd/>
+            <a:tailEnd/>
+          </a:ln>
+        </p:spPr>
+        <p:style>
+          <a:lnRef idx="2">
+            <a:schemeClr val="accent5"/>
+          </a:lnRef>
+          <a:fillRef idx="1">
+            <a:schemeClr val="lt1"/>
+          </a:fillRef>
+          <a:effectRef idx="0">
+            <a:schemeClr val="accent5"/>
+          </a:effectRef>
+          <a:fontRef idx="minor">
+            <a:schemeClr val="dk1"/>
+          </a:fontRef>
+        </p:style>
+        <p:txBody>
+          <a:bodyPr lIns="90000" tIns="72000" rIns="90000" bIns="72000" rtlCol="0" anchor="ctr"/>
+          <a:lstStyle/>
+          <a:p>
+            <a:pPr marR="0" algn="ctr" defTabSz="914400" eaLnBrk="1" fontAlgn="base" latinLnBrk="0" hangingPunct="1">
+              <a:lnSpc>
+                <a:spcPct val="100000"/>
+              </a:lnSpc>
+              <a:spcBef>
+                <a:spcPct val="50000"/>
+              </a:spcBef>
+              <a:spcAft>
+                <a:spcPct val="0"/>
+              </a:spcAft>
+              <a:buClr>
+                <a:srgbClr val="F0AB00"/>
+              </a:buClr>
+              <a:buSzPct val="80000"/>
+              <a:tabLst/>
+            </a:pPr>
+            <a:r>
+              <a:rPr lang="de-DE" sz="1800" kern="0" dirty="0" err="1">
+                <a:ea typeface="Arial Unicode MS" pitchFamily="34" charset="-128"/>
+                <a:cs typeface="Arial Unicode MS" pitchFamily="34" charset="-128"/>
+              </a:rPr>
+              <a:t>NodePort</a:t>
+            </a:r>
+            <a:r>
+              <a:rPr lang="de-DE" sz="1800" kern="0" dirty="0">
+                <a:ea typeface="Arial Unicode MS" pitchFamily="34" charset="-128"/>
+                <a:cs typeface="Arial Unicode MS" pitchFamily="34" charset="-128"/>
+              </a:rPr>
+              <a:t>: 30021</a:t>
+            </a:r>
+            <a:endParaRPr kumimoji="0" lang="de-DE" sz="1800" b="0" i="0" u="none" strike="noStrike" kern="0" cap="none" spc="0" normalizeH="0" baseline="0" noProof="0" dirty="0">
+              <a:ln>
+                <a:noFill/>
+              </a:ln>
+              <a:effectLst/>
+              <a:uLnTx/>
+              <a:uFillTx/>
+              <a:ea typeface="Arial Unicode MS" pitchFamily="34" charset="-128"/>
+              <a:cs typeface="Arial Unicode MS" pitchFamily="34" charset="-128"/>
+            </a:endParaRPr>
+          </a:p>
+        </p:txBody>
+      </p:sp>
+      <p:sp>
+        <p:nvSpPr>
+          <p:cNvPr id="24" name="Cloud 23"/>
+          <p:cNvSpPr/>
+          <p:nvPr/>
+        </p:nvSpPr>
+        <p:spPr bwMode="gray">
+          <a:xfrm>
+            <a:off x="4348821" y="1057695"/>
+            <a:ext cx="3496836" cy="1074420"/>
+          </a:xfrm>
+          <a:prstGeom prst="cloud">
+            <a:avLst/>
+          </a:prstGeom>
+          <a:solidFill>
+            <a:schemeClr val="accent1"/>
+          </a:solidFill>
+          <a:ln w="6350" algn="ctr">
+            <a:noFill/>
+            <a:miter lim="800000"/>
+            <a:headEnd/>
+            <a:tailEnd/>
+          </a:ln>
+        </p:spPr>
+        <p:txBody>
+          <a:bodyPr lIns="90000" tIns="72000" rIns="90000" bIns="72000" rtlCol="0" anchor="ctr"/>
+          <a:lstStyle/>
+          <a:p>
+            <a:pPr marR="0" algn="ctr" defTabSz="914400" eaLnBrk="1" fontAlgn="base" latinLnBrk="0" hangingPunct="1">
+              <a:lnSpc>
+                <a:spcPct val="100000"/>
+              </a:lnSpc>
+              <a:spcBef>
+                <a:spcPct val="50000"/>
+              </a:spcBef>
+              <a:spcAft>
+                <a:spcPct val="0"/>
+              </a:spcAft>
+              <a:buClr>
+                <a:srgbClr val="F0AB00"/>
+              </a:buClr>
+              <a:buSzPct val="80000"/>
+              <a:tabLst/>
+            </a:pPr>
+            <a:r>
+              <a:rPr lang="en-US" sz="1800" kern="0" dirty="0">
+                <a:ea typeface="Arial Unicode MS" pitchFamily="34" charset="-128"/>
+                <a:cs typeface="Arial Unicode MS" pitchFamily="34" charset="-128"/>
+              </a:rPr>
+              <a:t>GET: nginx:30021</a:t>
+            </a:r>
+            <a:endParaRPr kumimoji="0" lang="en-US" sz="1800" b="0" i="0" u="none" strike="noStrike" kern="0" cap="none" spc="0" normalizeH="0" baseline="0" noProof="0" dirty="0" err="1">
+              <a:ln>
+                <a:noFill/>
+              </a:ln>
+              <a:effectLst/>
+              <a:uLnTx/>
+              <a:uFillTx/>
+              <a:ea typeface="Arial Unicode MS" pitchFamily="34" charset="-128"/>
+              <a:cs typeface="Arial Unicode MS" pitchFamily="34" charset="-128"/>
+            </a:endParaRPr>
+          </a:p>
+        </p:txBody>
+      </p:sp>
+      <p:cxnSp>
+        <p:nvCxnSpPr>
+          <p:cNvPr id="26" name="Connector: Elbow 25"/>
+          <p:cNvCxnSpPr>
+            <a:stCxn id="24" idx="2"/>
+            <a:endCxn id="22" idx="0"/>
+          </p:cNvCxnSpPr>
+          <p:nvPr/>
+        </p:nvCxnSpPr>
+        <p:spPr>
+          <a:xfrm rot="10800000" flipV="1">
+            <a:off x="1403286" y="1594904"/>
+            <a:ext cx="2956383" cy="1632955"/>
+          </a:xfrm>
+          <a:prstGeom prst="bentConnector2">
+            <a:avLst/>
+          </a:prstGeom>
+          <a:ln w="57150">
+            <a:solidFill>
+              <a:schemeClr val="tx2"/>
+            </a:solidFill>
+            <a:headEnd type="none" w="med" len="med"/>
+            <a:tailEnd type="triangle"/>
+          </a:ln>
+        </p:spPr>
+        <p:style>
+          <a:lnRef idx="1">
+            <a:schemeClr val="accent1"/>
+          </a:lnRef>
+          <a:fillRef idx="0">
+            <a:schemeClr val="accent1"/>
+          </a:fillRef>
+          <a:effectRef idx="0">
+            <a:schemeClr val="accent1"/>
+          </a:effectRef>
+          <a:fontRef idx="minor">
+            <a:schemeClr val="tx1"/>
+          </a:fontRef>
+        </p:style>
+      </p:cxnSp>
+      <p:cxnSp>
+        <p:nvCxnSpPr>
+          <p:cNvPr id="27" name="Connector: Elbow 26"/>
+          <p:cNvCxnSpPr>
+            <a:stCxn id="24" idx="0"/>
+            <a:endCxn id="23" idx="0"/>
+          </p:cNvCxnSpPr>
+          <p:nvPr/>
+        </p:nvCxnSpPr>
+        <p:spPr>
+          <a:xfrm>
+            <a:off x="7842743" y="1594905"/>
+            <a:ext cx="2785571" cy="1632955"/>
+          </a:xfrm>
+          <a:prstGeom prst="bentConnector2">
+            <a:avLst/>
+          </a:prstGeom>
+          <a:ln w="57150">
+            <a:solidFill>
+              <a:schemeClr val="tx2"/>
+            </a:solidFill>
+            <a:headEnd type="none" w="med" len="med"/>
+            <a:tailEnd type="triangle"/>
+          </a:ln>
+        </p:spPr>
+        <p:style>
+          <a:lnRef idx="1">
+            <a:schemeClr val="accent1"/>
+          </a:lnRef>
+          <a:fillRef idx="0">
+            <a:schemeClr val="accent1"/>
+          </a:fillRef>
+          <a:effectRef idx="0">
+            <a:schemeClr val="accent1"/>
+          </a:effectRef>
+          <a:fontRef idx="minor">
+            <a:schemeClr val="tx1"/>
+          </a:fontRef>
+        </p:style>
+      </p:cxnSp>
+      <p:cxnSp>
+        <p:nvCxnSpPr>
+          <p:cNvPr id="30" name="Connector: Elbow 29"/>
+          <p:cNvCxnSpPr>
+            <a:stCxn id="23" idx="2"/>
+            <a:endCxn id="14" idx="0"/>
+          </p:cNvCxnSpPr>
+          <p:nvPr/>
+        </p:nvCxnSpPr>
+        <p:spPr>
+          <a:xfrm rot="5400000">
+            <a:off x="8824672" y="2112838"/>
+            <a:ext cx="260036" cy="3347249"/>
+          </a:xfrm>
+          <a:prstGeom prst="bentConnector2">
+            <a:avLst/>
+          </a:prstGeom>
+          <a:ln w="57150">
+            <a:solidFill>
+              <a:schemeClr val="tx2"/>
+            </a:solidFill>
+            <a:headEnd type="none" w="med" len="med"/>
+            <a:tailEnd type="triangle"/>
+          </a:ln>
+        </p:spPr>
+        <p:style>
+          <a:lnRef idx="1">
+            <a:schemeClr val="accent1"/>
+          </a:lnRef>
+          <a:fillRef idx="0">
+            <a:schemeClr val="accent1"/>
+          </a:fillRef>
+          <a:effectRef idx="0">
+            <a:schemeClr val="accent1"/>
+          </a:effectRef>
+          <a:fontRef idx="minor">
+            <a:schemeClr val="tx1"/>
+          </a:fontRef>
+        </p:style>
+      </p:cxnSp>
+      <p:cxnSp>
+        <p:nvCxnSpPr>
+          <p:cNvPr id="33" name="Connector: Elbow 32"/>
+          <p:cNvCxnSpPr>
+            <a:stCxn id="22" idx="2"/>
+            <a:endCxn id="14" idx="2"/>
+          </p:cNvCxnSpPr>
+          <p:nvPr/>
+        </p:nvCxnSpPr>
+        <p:spPr>
+          <a:xfrm rot="16200000" flipH="1">
+            <a:off x="2974991" y="2084738"/>
+            <a:ext cx="260036" cy="3403448"/>
+          </a:xfrm>
+          <a:prstGeom prst="bentConnector2">
+            <a:avLst/>
+          </a:prstGeom>
+          <a:ln w="57150">
+            <a:solidFill>
+              <a:schemeClr val="tx2"/>
+            </a:solidFill>
+            <a:headEnd type="none" w="med" len="med"/>
+            <a:tailEnd type="triangle"/>
+          </a:ln>
+        </p:spPr>
+        <p:style>
+          <a:lnRef idx="1">
+            <a:schemeClr val="accent1"/>
+          </a:lnRef>
+          <a:fillRef idx="0">
+            <a:schemeClr val="accent1"/>
+          </a:fillRef>
+          <a:effectRef idx="0">
+            <a:schemeClr val="accent1"/>
+          </a:effectRef>
+          <a:fontRef idx="minor">
+            <a:schemeClr val="tx1"/>
+          </a:fontRef>
+        </p:style>
+      </p:cxnSp>
+      <p:cxnSp>
+        <p:nvCxnSpPr>
+          <p:cNvPr id="36" name="Connector: Elbow 35"/>
+          <p:cNvCxnSpPr>
+            <a:stCxn id="14" idx="1"/>
+            <a:endCxn id="15" idx="2"/>
+          </p:cNvCxnSpPr>
+          <p:nvPr/>
+        </p:nvCxnSpPr>
+        <p:spPr>
+          <a:xfrm rot="5400000">
+            <a:off x="3718719" y="3489941"/>
+            <a:ext cx="725362" cy="3924999"/>
+          </a:xfrm>
+          <a:prstGeom prst="bentConnector3">
+            <a:avLst>
+              <a:gd name="adj1" fmla="val 137818"/>
+            </a:avLst>
+          </a:prstGeom>
+          <a:ln w="57150">
+            <a:solidFill>
+              <a:schemeClr val="tx2"/>
+            </a:solidFill>
+            <a:headEnd type="none" w="med" len="med"/>
+            <a:tailEnd type="triangle"/>
+          </a:ln>
+        </p:spPr>
+        <p:style>
+          <a:lnRef idx="1">
+            <a:schemeClr val="accent1"/>
+          </a:lnRef>
+          <a:fillRef idx="0">
+            <a:schemeClr val="accent1"/>
+          </a:fillRef>
+          <a:effectRef idx="0">
+            <a:schemeClr val="accent1"/>
+          </a:effectRef>
+          <a:fontRef idx="minor">
+            <a:schemeClr val="tx1"/>
+          </a:fontRef>
+        </p:style>
+      </p:cxnSp>
+    </p:spTree>
+    <p:extLst>
+      <p:ext uri="{BB962C8B-B14F-4D97-AF65-F5344CB8AC3E}">
+        <p14:creationId xmlns:p14="http://schemas.microsoft.com/office/powerpoint/2010/main" val="2098045799"/>
+      </p:ext>
+    </p:extLst>
+  </p:cSld>
+  <p:clrMapOvr>
+    <a:masterClrMapping/>
+  </p:clrMapOvr>
+</p:sld>
+</file>
+
+<file path=ppt/slides/slide11.xml><?xml version="1.0" encoding="utf-8"?>
 <p:sld xmlns:a="http://schemas.openxmlformats.org/drawingml/2006/main" xmlns:r="http://schemas.openxmlformats.org/officeDocument/2006/relationships" xmlns:p="http://schemas.openxmlformats.org/presentationml/2006/main">
   <p:cSld>
     <p:spTree>
@@ -9702,7 +11284,7 @@
 </p:sld>
 </file>
 
-<file path=ppt/slides/slide11.xml><?xml version="1.0" encoding="utf-8"?>
+<file path=ppt/slides/slide12.xml><?xml version="1.0" encoding="utf-8"?>
 <p:sld xmlns:a="http://schemas.openxmlformats.org/drawingml/2006/main" xmlns:r="http://schemas.openxmlformats.org/officeDocument/2006/relationships" xmlns:p="http://schemas.openxmlformats.org/presentationml/2006/main" show="0">
   <p:cSld>
     <p:spTree>
@@ -11291,6 +12873,1528 @@
       </p:grpSpPr>
       <p:sp>
         <p:nvSpPr>
+          <p:cNvPr id="2" name="Title 1">
+            <a:extLst>
+              <a:ext uri="{FF2B5EF4-FFF2-40B4-BE49-F238E27FC236}">
+                <a16:creationId xmlns:a16="http://schemas.microsoft.com/office/drawing/2014/main" id="{C2226B02-D33A-4A27-A7EF-DEFABA68D66B}"/>
+              </a:ext>
+            </a:extLst>
+          </p:cNvPr>
+          <p:cNvSpPr>
+            <a:spLocks noGrp="1"/>
+          </p:cNvSpPr>
+          <p:nvPr>
+            <p:ph type="title"/>
+          </p:nvPr>
+        </p:nvSpPr>
+        <p:spPr/>
+        <p:txBody>
+          <a:bodyPr/>
+          <a:lstStyle/>
+          <a:p>
+            <a:r>
+              <a:rPr lang="en-US" dirty="0"/>
+              <a:t>Labels &amp; Named Ports</a:t>
+            </a:r>
+          </a:p>
+        </p:txBody>
+      </p:sp>
+      <p:sp>
+        <p:nvSpPr>
+          <p:cNvPr id="7" name="Rectangle: Single Corner Snipped 6">
+            <a:extLst>
+              <a:ext uri="{FF2B5EF4-FFF2-40B4-BE49-F238E27FC236}">
+                <a16:creationId xmlns:a16="http://schemas.microsoft.com/office/drawing/2014/main" id="{0A1FF212-16DF-4C0F-A0EF-DC26417C8147}"/>
+              </a:ext>
+            </a:extLst>
+          </p:cNvPr>
+          <p:cNvSpPr/>
+          <p:nvPr/>
+        </p:nvSpPr>
+        <p:spPr bwMode="gray">
+          <a:xfrm>
+            <a:off x="4758707" y="4013187"/>
+            <a:ext cx="2474332" cy="2346559"/>
+          </a:xfrm>
+          <a:prstGeom prst="snip1Rect">
+            <a:avLst/>
+          </a:prstGeom>
+          <a:ln>
+            <a:headEnd/>
+            <a:tailEnd/>
+          </a:ln>
+        </p:spPr>
+        <p:style>
+          <a:lnRef idx="3">
+            <a:schemeClr val="lt1"/>
+          </a:lnRef>
+          <a:fillRef idx="1">
+            <a:schemeClr val="accent2"/>
+          </a:fillRef>
+          <a:effectRef idx="1">
+            <a:schemeClr val="accent2"/>
+          </a:effectRef>
+          <a:fontRef idx="minor">
+            <a:schemeClr val="lt1"/>
+          </a:fontRef>
+        </p:style>
+        <p:txBody>
+          <a:bodyPr lIns="90000" tIns="72000" rIns="90000" bIns="72000" rtlCol="0" anchor="ctr"/>
+          <a:lstStyle/>
+          <a:p>
+            <a:pPr marR="0" algn="ctr" defTabSz="914400" eaLnBrk="1" fontAlgn="base" latinLnBrk="0" hangingPunct="1">
+              <a:lnSpc>
+                <a:spcPct val="100000"/>
+              </a:lnSpc>
+              <a:spcBef>
+                <a:spcPct val="50000"/>
+              </a:spcBef>
+              <a:spcAft>
+                <a:spcPct val="0"/>
+              </a:spcAft>
+              <a:buClr>
+                <a:srgbClr val="F0AB00"/>
+              </a:buClr>
+              <a:buSzPct val="80000"/>
+              <a:tabLst/>
+            </a:pPr>
+            <a:r>
+              <a:rPr kumimoji="0" lang="en-US" sz="1800" b="0" i="0" u="none" strike="noStrike" kern="0" cap="none" spc="0" normalizeH="0" baseline="0" noProof="0" dirty="0">
+                <a:ln>
+                  <a:noFill/>
+                </a:ln>
+                <a:effectLst/>
+                <a:uLnTx/>
+                <a:uFillTx/>
+                <a:ea typeface="Arial Unicode MS" pitchFamily="34" charset="-128"/>
+                <a:cs typeface="Arial Unicode MS" pitchFamily="34" charset="-128"/>
+              </a:rPr>
+              <a:t>Service</a:t>
+            </a:r>
+          </a:p>
+          <a:p>
+            <a:pPr marR="0" algn="ctr" defTabSz="914400" eaLnBrk="1" fontAlgn="base" latinLnBrk="0" hangingPunct="1">
+              <a:lnSpc>
+                <a:spcPct val="100000"/>
+              </a:lnSpc>
+              <a:spcBef>
+                <a:spcPct val="50000"/>
+              </a:spcBef>
+              <a:spcAft>
+                <a:spcPct val="0"/>
+              </a:spcAft>
+              <a:buClr>
+                <a:srgbClr val="F0AB00"/>
+              </a:buClr>
+              <a:buSzPct val="80000"/>
+              <a:tabLst/>
+            </a:pPr>
+            <a:r>
+              <a:rPr lang="en-US" sz="1800" kern="0" dirty="0">
+                <a:ea typeface="Arial Unicode MS" pitchFamily="34" charset="-128"/>
+                <a:cs typeface="Arial Unicode MS" pitchFamily="34" charset="-128"/>
+              </a:rPr>
+              <a:t>Label: app= client</a:t>
+            </a:r>
+            <a:endParaRPr kumimoji="0" lang="en-US" sz="1800" b="0" i="0" u="none" strike="noStrike" kern="0" cap="none" spc="0" normalizeH="0" baseline="0" noProof="0" dirty="0">
+              <a:ln>
+                <a:noFill/>
+              </a:ln>
+              <a:effectLst/>
+              <a:uLnTx/>
+              <a:uFillTx/>
+              <a:ea typeface="Arial Unicode MS" pitchFamily="34" charset="-128"/>
+              <a:cs typeface="Arial Unicode MS" pitchFamily="34" charset="-128"/>
+            </a:endParaRPr>
+          </a:p>
+          <a:p>
+            <a:pPr marL="285750" marR="0" indent="-285750" defTabSz="914400" eaLnBrk="1" fontAlgn="base" latinLnBrk="0" hangingPunct="1">
+              <a:lnSpc>
+                <a:spcPct val="100000"/>
+              </a:lnSpc>
+              <a:spcBef>
+                <a:spcPct val="50000"/>
+              </a:spcBef>
+              <a:spcAft>
+                <a:spcPct val="0"/>
+              </a:spcAft>
+              <a:buClr>
+                <a:srgbClr val="F0AB00"/>
+              </a:buClr>
+              <a:buSzPct val="80000"/>
+              <a:buFontTx/>
+              <a:buChar char="-"/>
+              <a:tabLst/>
+            </a:pPr>
+            <a:r>
+              <a:rPr lang="en-US" sz="1800" kern="0" dirty="0" err="1">
+                <a:ea typeface="Arial Unicode MS" pitchFamily="34" charset="-128"/>
+                <a:cs typeface="Arial Unicode MS" pitchFamily="34" charset="-128"/>
+              </a:rPr>
+              <a:t>TargetPort</a:t>
+            </a:r>
+            <a:r>
+              <a:rPr lang="en-US" sz="1800" kern="0" dirty="0">
+                <a:ea typeface="Arial Unicode MS" pitchFamily="34" charset="-128"/>
+                <a:cs typeface="Arial Unicode MS" pitchFamily="34" charset="-128"/>
+              </a:rPr>
+              <a:t>: </a:t>
+            </a:r>
+            <a:r>
+              <a:rPr lang="en-US" sz="1800" b="1" kern="0" dirty="0">
+                <a:ea typeface="Arial Unicode MS" pitchFamily="34" charset="-128"/>
+                <a:cs typeface="Arial Unicode MS" pitchFamily="34" charset="-128"/>
+              </a:rPr>
+              <a:t>80</a:t>
+            </a:r>
+          </a:p>
+          <a:p>
+            <a:pPr marL="285750" marR="0" indent="-285750" defTabSz="914400" eaLnBrk="1" fontAlgn="base" latinLnBrk="0" hangingPunct="1">
+              <a:lnSpc>
+                <a:spcPct val="100000"/>
+              </a:lnSpc>
+              <a:spcBef>
+                <a:spcPct val="50000"/>
+              </a:spcBef>
+              <a:spcAft>
+                <a:spcPct val="0"/>
+              </a:spcAft>
+              <a:buClr>
+                <a:srgbClr val="F0AB00"/>
+              </a:buClr>
+              <a:buSzPct val="80000"/>
+              <a:buFontTx/>
+              <a:buChar char="-"/>
+              <a:tabLst/>
+            </a:pPr>
+            <a:r>
+              <a:rPr kumimoji="0" lang="en-US" sz="1800" b="0" i="0" u="none" strike="noStrike" kern="0" cap="none" spc="0" normalizeH="0" baseline="0" noProof="0" dirty="0">
+                <a:ln>
+                  <a:noFill/>
+                </a:ln>
+                <a:effectLst/>
+                <a:uLnTx/>
+                <a:uFillTx/>
+                <a:ea typeface="Arial Unicode MS" pitchFamily="34" charset="-128"/>
+                <a:cs typeface="Arial Unicode MS" pitchFamily="34" charset="-128"/>
+              </a:rPr>
+              <a:t>Port: 80</a:t>
+            </a:r>
+          </a:p>
+        </p:txBody>
+      </p:sp>
+      <p:grpSp>
+        <p:nvGrpSpPr>
+          <p:cNvPr id="31" name="Group 30">
+            <a:extLst>
+              <a:ext uri="{FF2B5EF4-FFF2-40B4-BE49-F238E27FC236}">
+                <a16:creationId xmlns:a16="http://schemas.microsoft.com/office/drawing/2014/main" id="{578B2474-3A6B-40A2-862E-6C958D31893F}"/>
+              </a:ext>
+            </a:extLst>
+          </p:cNvPr>
+          <p:cNvGrpSpPr/>
+          <p:nvPr/>
+        </p:nvGrpSpPr>
+        <p:grpSpPr>
+          <a:xfrm>
+            <a:off x="301167" y="2001735"/>
+            <a:ext cx="3731275" cy="2011453"/>
+            <a:chOff x="601205" y="3245257"/>
+            <a:chExt cx="3731275" cy="2011453"/>
+          </a:xfrm>
+        </p:grpSpPr>
+        <p:sp>
+          <p:nvSpPr>
+            <p:cNvPr id="5" name="Rectangle 4">
+              <a:extLst>
+                <a:ext uri="{FF2B5EF4-FFF2-40B4-BE49-F238E27FC236}">
+                  <a16:creationId xmlns:a16="http://schemas.microsoft.com/office/drawing/2014/main" id="{4F713495-D0C7-4536-A47C-ABE85D9862FF}"/>
+                </a:ext>
+              </a:extLst>
+            </p:cNvPr>
+            <p:cNvSpPr/>
+            <p:nvPr/>
+          </p:nvSpPr>
+          <p:spPr bwMode="gray">
+            <a:xfrm>
+              <a:off x="1479724" y="3479388"/>
+              <a:ext cx="1815338" cy="1160859"/>
+            </a:xfrm>
+            <a:prstGeom prst="rect">
+              <a:avLst/>
+            </a:prstGeom>
+            <a:ln>
+              <a:headEnd/>
+              <a:tailEnd/>
+            </a:ln>
+          </p:spPr>
+          <p:style>
+            <a:lnRef idx="2">
+              <a:schemeClr val="accent2">
+                <a:shade val="50000"/>
+              </a:schemeClr>
+            </a:lnRef>
+            <a:fillRef idx="1">
+              <a:schemeClr val="accent2"/>
+            </a:fillRef>
+            <a:effectRef idx="0">
+              <a:schemeClr val="accent2"/>
+            </a:effectRef>
+            <a:fontRef idx="minor">
+              <a:schemeClr val="lt1"/>
+            </a:fontRef>
+          </p:style>
+          <p:txBody>
+            <a:bodyPr lIns="90000" tIns="72000" rIns="90000" bIns="72000" rtlCol="0" anchor="ctr"/>
+            <a:lstStyle/>
+            <a:p>
+              <a:pPr marR="0" algn="ctr" defTabSz="914400" eaLnBrk="1" fontAlgn="base" latinLnBrk="0" hangingPunct="1">
+                <a:lnSpc>
+                  <a:spcPct val="100000"/>
+                </a:lnSpc>
+                <a:spcBef>
+                  <a:spcPct val="50000"/>
+                </a:spcBef>
+                <a:spcAft>
+                  <a:spcPct val="0"/>
+                </a:spcAft>
+                <a:buClr>
+                  <a:srgbClr val="F0AB00"/>
+                </a:buClr>
+                <a:buSzPct val="80000"/>
+                <a:tabLst/>
+              </a:pPr>
+              <a:r>
+                <a:rPr lang="de-DE" sz="1600" b="1" kern="0" noProof="0" dirty="0" err="1">
+                  <a:ea typeface="Arial Unicode MS" pitchFamily="34" charset="-128"/>
+                  <a:cs typeface="Arial Unicode MS" pitchFamily="34" charset="-128"/>
+                </a:rPr>
+                <a:t>Pod</a:t>
+              </a:r>
+              <a:endParaRPr kumimoji="0" lang="de-DE" sz="1600" b="1" i="0" u="none" strike="noStrike" kern="0" cap="none" spc="0" normalizeH="0" baseline="0" noProof="0" dirty="0">
+                <a:ln>
+                  <a:noFill/>
+                </a:ln>
+                <a:effectLst/>
+                <a:uLnTx/>
+                <a:uFillTx/>
+                <a:ea typeface="Arial Unicode MS" pitchFamily="34" charset="-128"/>
+                <a:cs typeface="Arial Unicode MS" pitchFamily="34" charset="-128"/>
+              </a:endParaRPr>
+            </a:p>
+          </p:txBody>
+        </p:sp>
+        <p:sp>
+          <p:nvSpPr>
+            <p:cNvPr id="6" name="Rectangle 5">
+              <a:extLst>
+                <a:ext uri="{FF2B5EF4-FFF2-40B4-BE49-F238E27FC236}">
+                  <a16:creationId xmlns:a16="http://schemas.microsoft.com/office/drawing/2014/main" id="{E5AF0BEF-A5C6-477C-A03D-80DD0C56FEF6}"/>
+                </a:ext>
+              </a:extLst>
+            </p:cNvPr>
+            <p:cNvSpPr/>
+            <p:nvPr/>
+          </p:nvSpPr>
+          <p:spPr bwMode="gray">
+            <a:xfrm>
+              <a:off x="1564433" y="3245257"/>
+              <a:ext cx="1645920" cy="365760"/>
+            </a:xfrm>
+            <a:prstGeom prst="rect">
+              <a:avLst/>
+            </a:prstGeom>
+            <a:ln>
+              <a:headEnd/>
+              <a:tailEnd/>
+            </a:ln>
+          </p:spPr>
+          <p:style>
+            <a:lnRef idx="2">
+              <a:schemeClr val="accent2"/>
+            </a:lnRef>
+            <a:fillRef idx="1">
+              <a:schemeClr val="lt1"/>
+            </a:fillRef>
+            <a:effectRef idx="0">
+              <a:schemeClr val="accent2"/>
+            </a:effectRef>
+            <a:fontRef idx="minor">
+              <a:schemeClr val="dk1"/>
+            </a:fontRef>
+          </p:style>
+          <p:txBody>
+            <a:bodyPr lIns="90000" tIns="72000" rIns="90000" bIns="72000" rtlCol="0" anchor="ctr"/>
+            <a:lstStyle/>
+            <a:p>
+              <a:pPr marR="0" algn="ctr" defTabSz="914400" eaLnBrk="1" fontAlgn="base" latinLnBrk="0" hangingPunct="1">
+                <a:lnSpc>
+                  <a:spcPct val="100000"/>
+                </a:lnSpc>
+                <a:spcBef>
+                  <a:spcPct val="50000"/>
+                </a:spcBef>
+                <a:spcAft>
+                  <a:spcPct val="0"/>
+                </a:spcAft>
+                <a:buClr>
+                  <a:srgbClr val="F0AB00"/>
+                </a:buClr>
+                <a:buSzPct val="80000"/>
+                <a:tabLst/>
+              </a:pPr>
+              <a:r>
+                <a:rPr kumimoji="0" lang="de-DE" sz="1800" b="0" i="0" u="none" strike="noStrike" kern="0" cap="none" spc="0" normalizeH="0" baseline="0" noProof="0" dirty="0">
+                  <a:ln>
+                    <a:noFill/>
+                  </a:ln>
+                  <a:effectLst/>
+                  <a:uLnTx/>
+                  <a:uFillTx/>
+                  <a:ea typeface="Arial Unicode MS" pitchFamily="34" charset="-128"/>
+                  <a:cs typeface="Arial Unicode MS" pitchFamily="34" charset="-128"/>
+                </a:rPr>
+                <a:t>IP: 10.10.10.1</a:t>
+              </a:r>
+            </a:p>
+          </p:txBody>
+        </p:sp>
+        <p:sp>
+          <p:nvSpPr>
+            <p:cNvPr id="8" name="Rectangle 7">
+              <a:extLst>
+                <a:ext uri="{FF2B5EF4-FFF2-40B4-BE49-F238E27FC236}">
+                  <a16:creationId xmlns:a16="http://schemas.microsoft.com/office/drawing/2014/main" id="{2A7326BA-2147-4201-9D76-9DEE3806C186}"/>
+                </a:ext>
+              </a:extLst>
+            </p:cNvPr>
+            <p:cNvSpPr/>
+            <p:nvPr/>
+          </p:nvSpPr>
+          <p:spPr bwMode="gray">
+            <a:xfrm>
+              <a:off x="601205" y="4425955"/>
+              <a:ext cx="1319714" cy="428584"/>
+            </a:xfrm>
+            <a:prstGeom prst="rect">
+              <a:avLst/>
+            </a:prstGeom>
+            <a:solidFill>
+              <a:schemeClr val="accent1">
+                <a:lumMod val="40000"/>
+                <a:lumOff val="60000"/>
+              </a:schemeClr>
+            </a:solidFill>
+            <a:ln>
+              <a:headEnd/>
+              <a:tailEnd/>
+            </a:ln>
+          </p:spPr>
+          <p:style>
+            <a:lnRef idx="2">
+              <a:schemeClr val="accent2"/>
+            </a:lnRef>
+            <a:fillRef idx="1">
+              <a:schemeClr val="lt1"/>
+            </a:fillRef>
+            <a:effectRef idx="0">
+              <a:schemeClr val="accent2"/>
+            </a:effectRef>
+            <a:fontRef idx="minor">
+              <a:schemeClr val="dk1"/>
+            </a:fontRef>
+          </p:style>
+          <p:txBody>
+            <a:bodyPr lIns="90000" tIns="72000" rIns="90000" bIns="72000" rtlCol="0" anchor="ctr"/>
+            <a:lstStyle/>
+            <a:p>
+              <a:pPr marR="0" algn="ctr" defTabSz="914400" eaLnBrk="1" fontAlgn="base" latinLnBrk="0" hangingPunct="1">
+                <a:lnSpc>
+                  <a:spcPct val="100000"/>
+                </a:lnSpc>
+                <a:spcBef>
+                  <a:spcPct val="50000"/>
+                </a:spcBef>
+                <a:spcAft>
+                  <a:spcPct val="0"/>
+                </a:spcAft>
+                <a:buClr>
+                  <a:srgbClr val="F0AB00"/>
+                </a:buClr>
+                <a:buSzPct val="80000"/>
+                <a:tabLst/>
+              </a:pPr>
+              <a:r>
+                <a:rPr lang="de-DE" sz="1800" kern="0" dirty="0">
+                  <a:ea typeface="Arial Unicode MS" pitchFamily="34" charset="-128"/>
+                  <a:cs typeface="Arial Unicode MS" pitchFamily="34" charset="-128"/>
+                </a:rPr>
+                <a:t>a</a:t>
+              </a:r>
+              <a:r>
+                <a:rPr kumimoji="0" lang="de-DE" sz="1800" b="0" i="0" u="none" strike="noStrike" kern="0" cap="none" spc="0" normalizeH="0" baseline="0" noProof="0" dirty="0">
+                  <a:ln>
+                    <a:noFill/>
+                  </a:ln>
+                  <a:effectLst/>
+                  <a:uLnTx/>
+                  <a:uFillTx/>
+                  <a:ea typeface="Arial Unicode MS" pitchFamily="34" charset="-128"/>
+                  <a:cs typeface="Arial Unicode MS" pitchFamily="34" charset="-128"/>
+                </a:rPr>
+                <a:t>pp=</a:t>
+              </a:r>
+              <a:r>
+                <a:rPr kumimoji="0" lang="de-DE" sz="1800" b="0" i="0" u="none" strike="noStrike" kern="0" cap="none" spc="0" normalizeH="0" baseline="0" noProof="0" dirty="0" err="1">
+                  <a:ln>
+                    <a:noFill/>
+                  </a:ln>
+                  <a:effectLst/>
+                  <a:uLnTx/>
+                  <a:uFillTx/>
+                  <a:ea typeface="Arial Unicode MS" pitchFamily="34" charset="-128"/>
+                  <a:cs typeface="Arial Unicode MS" pitchFamily="34" charset="-128"/>
+                </a:rPr>
+                <a:t>nginx</a:t>
+              </a:r>
+              <a:endParaRPr kumimoji="0" lang="de-DE" sz="1800" b="0" i="0" u="none" strike="noStrike" kern="0" cap="none" spc="0" normalizeH="0" baseline="0" noProof="0" dirty="0">
+                <a:ln>
+                  <a:noFill/>
+                </a:ln>
+                <a:effectLst/>
+                <a:uLnTx/>
+                <a:uFillTx/>
+                <a:ea typeface="Arial Unicode MS" pitchFamily="34" charset="-128"/>
+                <a:cs typeface="Arial Unicode MS" pitchFamily="34" charset="-128"/>
+              </a:endParaRPr>
+            </a:p>
+          </p:txBody>
+        </p:sp>
+        <p:sp>
+          <p:nvSpPr>
+            <p:cNvPr id="12" name="Rectangle 11">
+              <a:extLst>
+                <a:ext uri="{FF2B5EF4-FFF2-40B4-BE49-F238E27FC236}">
+                  <a16:creationId xmlns:a16="http://schemas.microsoft.com/office/drawing/2014/main" id="{67BFC906-AFD7-4353-A1E7-A99CA1E80D65}"/>
+                </a:ext>
+              </a:extLst>
+            </p:cNvPr>
+            <p:cNvSpPr/>
+            <p:nvPr/>
+          </p:nvSpPr>
+          <p:spPr bwMode="gray">
+            <a:xfrm>
+              <a:off x="2770539" y="4205839"/>
+              <a:ext cx="1561941" cy="1050871"/>
+            </a:xfrm>
+            <a:prstGeom prst="rect">
+              <a:avLst/>
+            </a:prstGeom>
+            <a:ln>
+              <a:headEnd/>
+              <a:tailEnd/>
+            </a:ln>
+          </p:spPr>
+          <p:style>
+            <a:lnRef idx="2">
+              <a:schemeClr val="accent2"/>
+            </a:lnRef>
+            <a:fillRef idx="1">
+              <a:schemeClr val="lt1"/>
+            </a:fillRef>
+            <a:effectRef idx="0">
+              <a:schemeClr val="accent2"/>
+            </a:effectRef>
+            <a:fontRef idx="minor">
+              <a:schemeClr val="dk1"/>
+            </a:fontRef>
+          </p:style>
+          <p:txBody>
+            <a:bodyPr lIns="90000" tIns="72000" rIns="90000" bIns="72000" rtlCol="0" anchor="ctr"/>
+            <a:lstStyle/>
+            <a:p>
+              <a:pPr marR="0" algn="ctr" defTabSz="914400" eaLnBrk="1" fontAlgn="base" latinLnBrk="0" hangingPunct="1">
+                <a:lnSpc>
+                  <a:spcPct val="100000"/>
+                </a:lnSpc>
+                <a:spcBef>
+                  <a:spcPct val="50000"/>
+                </a:spcBef>
+                <a:spcAft>
+                  <a:spcPct val="0"/>
+                </a:spcAft>
+                <a:buClr>
+                  <a:srgbClr val="F0AB00"/>
+                </a:buClr>
+                <a:buSzPct val="80000"/>
+                <a:tabLst/>
+              </a:pPr>
+              <a:r>
+                <a:rPr lang="de-DE" sz="1800" kern="0" dirty="0">
+                  <a:ea typeface="Arial Unicode MS" pitchFamily="34" charset="-128"/>
+                  <a:cs typeface="Arial Unicode MS" pitchFamily="34" charset="-128"/>
+                </a:rPr>
+                <a:t>Port: 80</a:t>
+              </a:r>
+            </a:p>
+            <a:p>
+              <a:pPr marR="0" algn="ctr" defTabSz="914400" eaLnBrk="1" fontAlgn="base" latinLnBrk="0" hangingPunct="1">
+                <a:lnSpc>
+                  <a:spcPct val="100000"/>
+                </a:lnSpc>
+                <a:spcBef>
+                  <a:spcPct val="50000"/>
+                </a:spcBef>
+                <a:spcAft>
+                  <a:spcPct val="0"/>
+                </a:spcAft>
+                <a:buClr>
+                  <a:srgbClr val="F0AB00"/>
+                </a:buClr>
+                <a:buSzPct val="80000"/>
+                <a:tabLst/>
+              </a:pPr>
+              <a:r>
+                <a:rPr kumimoji="0" lang="de-DE" sz="1800" b="0" i="0" u="none" strike="noStrike" kern="0" cap="none" spc="0" normalizeH="0" baseline="0" noProof="0" dirty="0">
+                  <a:ln>
+                    <a:noFill/>
+                  </a:ln>
+                  <a:effectLst/>
+                  <a:uLnTx/>
+                  <a:uFillTx/>
+                  <a:ea typeface="Arial Unicode MS" pitchFamily="34" charset="-128"/>
+                  <a:cs typeface="Arial Unicode MS" pitchFamily="34" charset="-128"/>
+                </a:rPr>
+                <a:t>Name: </a:t>
+              </a:r>
+              <a:r>
+                <a:rPr kumimoji="0" lang="de-DE" sz="1800" b="1" i="0" u="none" strike="noStrike" kern="0" cap="none" spc="0" normalizeH="0" baseline="0" noProof="0" dirty="0">
+                  <a:ln>
+                    <a:noFill/>
+                  </a:ln>
+                  <a:effectLst/>
+                  <a:uLnTx/>
+                  <a:uFillTx/>
+                  <a:ea typeface="Arial Unicode MS" pitchFamily="34" charset="-128"/>
+                  <a:cs typeface="Arial Unicode MS" pitchFamily="34" charset="-128"/>
+                </a:rPr>
+                <a:t>http</a:t>
+              </a:r>
+            </a:p>
+          </p:txBody>
+        </p:sp>
+      </p:grpSp>
+      <p:grpSp>
+        <p:nvGrpSpPr>
+          <p:cNvPr id="32" name="Group 31">
+            <a:extLst>
+              <a:ext uri="{FF2B5EF4-FFF2-40B4-BE49-F238E27FC236}">
+                <a16:creationId xmlns:a16="http://schemas.microsoft.com/office/drawing/2014/main" id="{8C9BDB52-4DDC-42BB-81A7-4C558F9C56FD}"/>
+              </a:ext>
+            </a:extLst>
+          </p:cNvPr>
+          <p:cNvGrpSpPr/>
+          <p:nvPr/>
+        </p:nvGrpSpPr>
+        <p:grpSpPr>
+          <a:xfrm>
+            <a:off x="8067352" y="2001735"/>
+            <a:ext cx="3440617" cy="1609282"/>
+            <a:chOff x="7208370" y="4205839"/>
+            <a:chExt cx="3440617" cy="1609282"/>
+          </a:xfrm>
+        </p:grpSpPr>
+        <p:sp>
+          <p:nvSpPr>
+            <p:cNvPr id="9" name="Rectangle 8">
+              <a:extLst>
+                <a:ext uri="{FF2B5EF4-FFF2-40B4-BE49-F238E27FC236}">
+                  <a16:creationId xmlns:a16="http://schemas.microsoft.com/office/drawing/2014/main" id="{E0824ACE-C4FA-47B7-B3CD-360612A7B5C4}"/>
+                </a:ext>
+              </a:extLst>
+            </p:cNvPr>
+            <p:cNvSpPr/>
+            <p:nvPr/>
+          </p:nvSpPr>
+          <p:spPr bwMode="gray">
+            <a:xfrm>
+              <a:off x="8045976" y="4446544"/>
+              <a:ext cx="1815338" cy="1160859"/>
+            </a:xfrm>
+            <a:prstGeom prst="rect">
+              <a:avLst/>
+            </a:prstGeom>
+            <a:ln>
+              <a:headEnd/>
+              <a:tailEnd/>
+            </a:ln>
+          </p:spPr>
+          <p:style>
+            <a:lnRef idx="2">
+              <a:schemeClr val="accent2">
+                <a:shade val="50000"/>
+              </a:schemeClr>
+            </a:lnRef>
+            <a:fillRef idx="1">
+              <a:schemeClr val="accent2"/>
+            </a:fillRef>
+            <a:effectRef idx="0">
+              <a:schemeClr val="accent2"/>
+            </a:effectRef>
+            <a:fontRef idx="minor">
+              <a:schemeClr val="lt1"/>
+            </a:fontRef>
+          </p:style>
+          <p:txBody>
+            <a:bodyPr lIns="90000" tIns="72000" rIns="90000" bIns="72000" rtlCol="0" anchor="ctr"/>
+            <a:lstStyle/>
+            <a:p>
+              <a:pPr marR="0" algn="ctr" defTabSz="914400" eaLnBrk="1" fontAlgn="base" latinLnBrk="0" hangingPunct="1">
+                <a:lnSpc>
+                  <a:spcPct val="100000"/>
+                </a:lnSpc>
+                <a:spcBef>
+                  <a:spcPct val="50000"/>
+                </a:spcBef>
+                <a:spcAft>
+                  <a:spcPct val="0"/>
+                </a:spcAft>
+                <a:buClr>
+                  <a:srgbClr val="F0AB00"/>
+                </a:buClr>
+                <a:buSzPct val="80000"/>
+                <a:tabLst/>
+              </a:pPr>
+              <a:r>
+                <a:rPr lang="de-DE" sz="1600" b="1" kern="0" noProof="0" dirty="0" err="1">
+                  <a:ea typeface="Arial Unicode MS" pitchFamily="34" charset="-128"/>
+                  <a:cs typeface="Arial Unicode MS" pitchFamily="34" charset="-128"/>
+                </a:rPr>
+                <a:t>Pod</a:t>
+              </a:r>
+              <a:endParaRPr kumimoji="0" lang="de-DE" sz="1600" b="1" i="0" u="none" strike="noStrike" kern="0" cap="none" spc="0" normalizeH="0" baseline="0" noProof="0" dirty="0">
+                <a:ln>
+                  <a:noFill/>
+                </a:ln>
+                <a:effectLst/>
+                <a:uLnTx/>
+                <a:uFillTx/>
+                <a:ea typeface="Arial Unicode MS" pitchFamily="34" charset="-128"/>
+                <a:cs typeface="Arial Unicode MS" pitchFamily="34" charset="-128"/>
+              </a:endParaRPr>
+            </a:p>
+          </p:txBody>
+        </p:sp>
+        <p:sp>
+          <p:nvSpPr>
+            <p:cNvPr id="10" name="Rectangle 9">
+              <a:extLst>
+                <a:ext uri="{FF2B5EF4-FFF2-40B4-BE49-F238E27FC236}">
+                  <a16:creationId xmlns:a16="http://schemas.microsoft.com/office/drawing/2014/main" id="{543F1C75-A9B3-4B58-9707-3D22A5BE69AE}"/>
+                </a:ext>
+              </a:extLst>
+            </p:cNvPr>
+            <p:cNvSpPr/>
+            <p:nvPr/>
+          </p:nvSpPr>
+          <p:spPr bwMode="gray">
+            <a:xfrm>
+              <a:off x="7208370" y="5386537"/>
+              <a:ext cx="1319714" cy="428584"/>
+            </a:xfrm>
+            <a:prstGeom prst="rect">
+              <a:avLst/>
+            </a:prstGeom>
+            <a:ln>
+              <a:headEnd/>
+              <a:tailEnd/>
+            </a:ln>
+          </p:spPr>
+          <p:style>
+            <a:lnRef idx="2">
+              <a:schemeClr val="accent2"/>
+            </a:lnRef>
+            <a:fillRef idx="1">
+              <a:schemeClr val="lt1"/>
+            </a:fillRef>
+            <a:effectRef idx="0">
+              <a:schemeClr val="accent2"/>
+            </a:effectRef>
+            <a:fontRef idx="minor">
+              <a:schemeClr val="dk1"/>
+            </a:fontRef>
+          </p:style>
+          <p:txBody>
+            <a:bodyPr lIns="90000" tIns="72000" rIns="90000" bIns="72000" rtlCol="0" anchor="ctr"/>
+            <a:lstStyle/>
+            <a:p>
+              <a:pPr marR="0" algn="ctr" defTabSz="914400" eaLnBrk="1" fontAlgn="base" latinLnBrk="0" hangingPunct="1">
+                <a:lnSpc>
+                  <a:spcPct val="100000"/>
+                </a:lnSpc>
+                <a:spcBef>
+                  <a:spcPct val="50000"/>
+                </a:spcBef>
+                <a:spcAft>
+                  <a:spcPct val="0"/>
+                </a:spcAft>
+                <a:buClr>
+                  <a:srgbClr val="F0AB00"/>
+                </a:buClr>
+                <a:buSzPct val="80000"/>
+                <a:tabLst/>
+              </a:pPr>
+              <a:r>
+                <a:rPr lang="de-DE" sz="1800" kern="0" dirty="0">
+                  <a:ea typeface="Arial Unicode MS" pitchFamily="34" charset="-128"/>
+                  <a:cs typeface="Arial Unicode MS" pitchFamily="34" charset="-128"/>
+                </a:rPr>
+                <a:t>a</a:t>
+              </a:r>
+              <a:r>
+                <a:rPr kumimoji="0" lang="de-DE" sz="1800" b="0" i="0" u="none" strike="noStrike" kern="0" cap="none" spc="0" normalizeH="0" baseline="0" noProof="0" dirty="0">
+                  <a:ln>
+                    <a:noFill/>
+                  </a:ln>
+                  <a:effectLst/>
+                  <a:uLnTx/>
+                  <a:uFillTx/>
+                  <a:ea typeface="Arial Unicode MS" pitchFamily="34" charset="-128"/>
+                  <a:cs typeface="Arial Unicode MS" pitchFamily="34" charset="-128"/>
+                </a:rPr>
+                <a:t>pp=</a:t>
+              </a:r>
+              <a:r>
+                <a:rPr kumimoji="0" lang="de-DE" sz="1800" b="0" i="0" u="none" strike="noStrike" kern="0" cap="none" spc="0" normalizeH="0" baseline="0" noProof="0" dirty="0" err="1">
+                  <a:ln>
+                    <a:noFill/>
+                  </a:ln>
+                  <a:effectLst/>
+                  <a:uLnTx/>
+                  <a:uFillTx/>
+                  <a:ea typeface="Arial Unicode MS" pitchFamily="34" charset="-128"/>
+                  <a:cs typeface="Arial Unicode MS" pitchFamily="34" charset="-128"/>
+                </a:rPr>
+                <a:t>client</a:t>
+              </a:r>
+              <a:endParaRPr kumimoji="0" lang="de-DE" sz="1800" b="0" i="0" u="none" strike="noStrike" kern="0" cap="none" spc="0" normalizeH="0" baseline="0" noProof="0" dirty="0">
+                <a:ln>
+                  <a:noFill/>
+                </a:ln>
+                <a:effectLst/>
+                <a:uLnTx/>
+                <a:uFillTx/>
+                <a:ea typeface="Arial Unicode MS" pitchFamily="34" charset="-128"/>
+                <a:cs typeface="Arial Unicode MS" pitchFamily="34" charset="-128"/>
+              </a:endParaRPr>
+            </a:p>
+          </p:txBody>
+        </p:sp>
+        <p:sp>
+          <p:nvSpPr>
+            <p:cNvPr id="11" name="Rectangle 10">
+              <a:extLst>
+                <a:ext uri="{FF2B5EF4-FFF2-40B4-BE49-F238E27FC236}">
+                  <a16:creationId xmlns:a16="http://schemas.microsoft.com/office/drawing/2014/main" id="{9F572E94-DE2F-4584-90F0-B18FA2D59F06}"/>
+                </a:ext>
+              </a:extLst>
+            </p:cNvPr>
+            <p:cNvSpPr/>
+            <p:nvPr/>
+          </p:nvSpPr>
+          <p:spPr bwMode="gray">
+            <a:xfrm>
+              <a:off x="9575331" y="5386537"/>
+              <a:ext cx="1073656" cy="428584"/>
+            </a:xfrm>
+            <a:prstGeom prst="rect">
+              <a:avLst/>
+            </a:prstGeom>
+            <a:ln>
+              <a:headEnd/>
+              <a:tailEnd/>
+            </a:ln>
+          </p:spPr>
+          <p:style>
+            <a:lnRef idx="2">
+              <a:schemeClr val="accent2"/>
+            </a:lnRef>
+            <a:fillRef idx="1">
+              <a:schemeClr val="lt1"/>
+            </a:fillRef>
+            <a:effectRef idx="0">
+              <a:schemeClr val="accent2"/>
+            </a:effectRef>
+            <a:fontRef idx="minor">
+              <a:schemeClr val="dk1"/>
+            </a:fontRef>
+          </p:style>
+          <p:txBody>
+            <a:bodyPr lIns="90000" tIns="72000" rIns="90000" bIns="72000" rtlCol="0" anchor="ctr"/>
+            <a:lstStyle/>
+            <a:p>
+              <a:pPr marR="0" algn="ctr" defTabSz="914400" eaLnBrk="1" fontAlgn="base" latinLnBrk="0" hangingPunct="1">
+                <a:lnSpc>
+                  <a:spcPct val="100000"/>
+                </a:lnSpc>
+                <a:spcBef>
+                  <a:spcPct val="50000"/>
+                </a:spcBef>
+                <a:spcAft>
+                  <a:spcPct val="0"/>
+                </a:spcAft>
+                <a:buClr>
+                  <a:srgbClr val="F0AB00"/>
+                </a:buClr>
+                <a:buSzPct val="80000"/>
+                <a:tabLst/>
+              </a:pPr>
+              <a:r>
+                <a:rPr lang="de-DE" sz="1800" kern="0" dirty="0">
+                  <a:ea typeface="Arial Unicode MS" pitchFamily="34" charset="-128"/>
+                  <a:cs typeface="Arial Unicode MS" pitchFamily="34" charset="-128"/>
+                </a:rPr>
+                <a:t>Port: 80</a:t>
+              </a:r>
+              <a:endParaRPr kumimoji="0" lang="de-DE" sz="1800" b="0" i="0" u="none" strike="noStrike" kern="0" cap="none" spc="0" normalizeH="0" baseline="0" noProof="0" dirty="0">
+                <a:ln>
+                  <a:noFill/>
+                </a:ln>
+                <a:effectLst/>
+                <a:uLnTx/>
+                <a:uFillTx/>
+                <a:ea typeface="Arial Unicode MS" pitchFamily="34" charset="-128"/>
+                <a:cs typeface="Arial Unicode MS" pitchFamily="34" charset="-128"/>
+              </a:endParaRPr>
+            </a:p>
+          </p:txBody>
+        </p:sp>
+        <p:sp>
+          <p:nvSpPr>
+            <p:cNvPr id="13" name="Rectangle 12">
+              <a:extLst>
+                <a:ext uri="{FF2B5EF4-FFF2-40B4-BE49-F238E27FC236}">
+                  <a16:creationId xmlns:a16="http://schemas.microsoft.com/office/drawing/2014/main" id="{91320E9C-3B8A-4B42-A640-2260E1AC8CF2}"/>
+                </a:ext>
+              </a:extLst>
+            </p:cNvPr>
+            <p:cNvSpPr/>
+            <p:nvPr/>
+          </p:nvSpPr>
+          <p:spPr bwMode="gray">
+            <a:xfrm>
+              <a:off x="8130685" y="4205839"/>
+              <a:ext cx="1645920" cy="365760"/>
+            </a:xfrm>
+            <a:prstGeom prst="rect">
+              <a:avLst/>
+            </a:prstGeom>
+            <a:ln>
+              <a:headEnd/>
+              <a:tailEnd/>
+            </a:ln>
+          </p:spPr>
+          <p:style>
+            <a:lnRef idx="2">
+              <a:schemeClr val="accent2"/>
+            </a:lnRef>
+            <a:fillRef idx="1">
+              <a:schemeClr val="lt1"/>
+            </a:fillRef>
+            <a:effectRef idx="0">
+              <a:schemeClr val="accent2"/>
+            </a:effectRef>
+            <a:fontRef idx="minor">
+              <a:schemeClr val="dk1"/>
+            </a:fontRef>
+          </p:style>
+          <p:txBody>
+            <a:bodyPr lIns="90000" tIns="72000" rIns="90000" bIns="72000" rtlCol="0" anchor="ctr"/>
+            <a:lstStyle/>
+            <a:p>
+              <a:pPr marR="0" algn="ctr" defTabSz="914400" eaLnBrk="1" fontAlgn="base" latinLnBrk="0" hangingPunct="1">
+                <a:lnSpc>
+                  <a:spcPct val="100000"/>
+                </a:lnSpc>
+                <a:spcBef>
+                  <a:spcPct val="50000"/>
+                </a:spcBef>
+                <a:spcAft>
+                  <a:spcPct val="0"/>
+                </a:spcAft>
+                <a:buClr>
+                  <a:srgbClr val="F0AB00"/>
+                </a:buClr>
+                <a:buSzPct val="80000"/>
+                <a:tabLst/>
+              </a:pPr>
+              <a:r>
+                <a:rPr kumimoji="0" lang="de-DE" sz="1800" b="0" i="0" u="none" strike="noStrike" kern="0" cap="none" spc="0" normalizeH="0" baseline="0" noProof="0" dirty="0">
+                  <a:ln>
+                    <a:noFill/>
+                  </a:ln>
+                  <a:effectLst/>
+                  <a:uLnTx/>
+                  <a:uFillTx/>
+                  <a:ea typeface="Arial Unicode MS" pitchFamily="34" charset="-128"/>
+                  <a:cs typeface="Arial Unicode MS" pitchFamily="34" charset="-128"/>
+                </a:rPr>
+                <a:t>IP: 10.10.10.3</a:t>
+              </a:r>
+            </a:p>
+          </p:txBody>
+        </p:sp>
+      </p:grpSp>
+      <p:cxnSp>
+        <p:nvCxnSpPr>
+          <p:cNvPr id="16" name="Connector: Elbow 15">
+            <a:extLst>
+              <a:ext uri="{FF2B5EF4-FFF2-40B4-BE49-F238E27FC236}">
+                <a16:creationId xmlns:a16="http://schemas.microsoft.com/office/drawing/2014/main" id="{ADE7A174-FDE3-4744-8B4E-E5B3FEC53F27}"/>
+              </a:ext>
+            </a:extLst>
+          </p:cNvPr>
+          <p:cNvCxnSpPr>
+            <a:cxnSpLocks/>
+            <a:stCxn id="7" idx="0"/>
+            <a:endCxn id="10" idx="2"/>
+          </p:cNvCxnSpPr>
+          <p:nvPr/>
+        </p:nvCxnSpPr>
+        <p:spPr>
+          <a:xfrm flipV="1">
+            <a:off x="7233039" y="3611017"/>
+            <a:ext cx="1494170" cy="1575450"/>
+          </a:xfrm>
+          <a:prstGeom prst="bentConnector2">
+            <a:avLst/>
+          </a:prstGeom>
+          <a:ln w="57150">
+            <a:solidFill>
+              <a:schemeClr val="tx2"/>
+            </a:solidFill>
+            <a:headEnd type="none" w="med" len="med"/>
+            <a:tailEnd type="triangle"/>
+          </a:ln>
+        </p:spPr>
+        <p:style>
+          <a:lnRef idx="1">
+            <a:schemeClr val="accent1"/>
+          </a:lnRef>
+          <a:fillRef idx="0">
+            <a:schemeClr val="accent1"/>
+          </a:fillRef>
+          <a:effectRef idx="0">
+            <a:schemeClr val="accent1"/>
+          </a:effectRef>
+          <a:fontRef idx="minor">
+            <a:schemeClr val="tx1"/>
+          </a:fontRef>
+        </p:style>
+      </p:cxnSp>
+      <p:sp>
+        <p:nvSpPr>
+          <p:cNvPr id="27" name="Rectangle: Single Corner Snipped 26">
+            <a:extLst>
+              <a:ext uri="{FF2B5EF4-FFF2-40B4-BE49-F238E27FC236}">
+                <a16:creationId xmlns:a16="http://schemas.microsoft.com/office/drawing/2014/main" id="{C001CD37-F670-4E91-8ED5-09EA7CCBF5C4}"/>
+              </a:ext>
+            </a:extLst>
+          </p:cNvPr>
+          <p:cNvSpPr/>
+          <p:nvPr/>
+        </p:nvSpPr>
+        <p:spPr bwMode="gray">
+          <a:xfrm>
+            <a:off x="4776946" y="4013188"/>
+            <a:ext cx="2474332" cy="2346559"/>
+          </a:xfrm>
+          <a:prstGeom prst="snip1Rect">
+            <a:avLst/>
+          </a:prstGeom>
+          <a:solidFill>
+            <a:schemeClr val="accent1">
+              <a:lumMod val="40000"/>
+              <a:lumOff val="60000"/>
+            </a:schemeClr>
+          </a:solidFill>
+          <a:ln>
+            <a:headEnd/>
+            <a:tailEnd/>
+          </a:ln>
+        </p:spPr>
+        <p:style>
+          <a:lnRef idx="2">
+            <a:schemeClr val="accent2"/>
+          </a:lnRef>
+          <a:fillRef idx="1">
+            <a:schemeClr val="lt1"/>
+          </a:fillRef>
+          <a:effectRef idx="0">
+            <a:schemeClr val="accent2"/>
+          </a:effectRef>
+          <a:fontRef idx="minor">
+            <a:schemeClr val="dk1"/>
+          </a:fontRef>
+        </p:style>
+        <p:txBody>
+          <a:bodyPr lIns="90000" tIns="72000" rIns="90000" bIns="72000" rtlCol="0" anchor="ctr"/>
+          <a:lstStyle/>
+          <a:p>
+            <a:pPr algn="ctr" defTabSz="914400" fontAlgn="base">
+              <a:spcBef>
+                <a:spcPct val="50000"/>
+              </a:spcBef>
+              <a:spcAft>
+                <a:spcPct val="0"/>
+              </a:spcAft>
+              <a:buClr>
+                <a:srgbClr val="F0AB00"/>
+              </a:buClr>
+              <a:buSzPct val="80000"/>
+            </a:pPr>
+            <a:r>
+              <a:rPr lang="en-US" sz="1800" kern="0" dirty="0">
+                <a:solidFill>
+                  <a:schemeClr val="dk1"/>
+                </a:solidFill>
+                <a:ea typeface="Arial Unicode MS" pitchFamily="34" charset="-128"/>
+              </a:rPr>
+              <a:t>Service</a:t>
+            </a:r>
+          </a:p>
+          <a:p>
+            <a:pPr algn="ctr" defTabSz="914400" fontAlgn="base">
+              <a:spcBef>
+                <a:spcPct val="50000"/>
+              </a:spcBef>
+              <a:spcAft>
+                <a:spcPct val="0"/>
+              </a:spcAft>
+              <a:buClr>
+                <a:srgbClr val="F0AB00"/>
+              </a:buClr>
+              <a:buSzPct val="80000"/>
+            </a:pPr>
+            <a:r>
+              <a:rPr lang="en-US" sz="1800" kern="0" dirty="0">
+                <a:solidFill>
+                  <a:schemeClr val="dk1"/>
+                </a:solidFill>
+                <a:ea typeface="Arial Unicode MS" pitchFamily="34" charset="-128"/>
+              </a:rPr>
+              <a:t>Label: app</a:t>
+            </a:r>
+            <a:r>
+              <a:rPr lang="en-US" sz="1800" kern="0">
+                <a:solidFill>
+                  <a:schemeClr val="dk1"/>
+                </a:solidFill>
+                <a:ea typeface="Arial Unicode MS" pitchFamily="34" charset="-128"/>
+              </a:rPr>
+              <a:t>= nginx</a:t>
+            </a:r>
+            <a:endParaRPr lang="en-US" sz="1800" kern="0" dirty="0">
+              <a:solidFill>
+                <a:schemeClr val="dk1"/>
+              </a:solidFill>
+              <a:ea typeface="Arial Unicode MS" pitchFamily="34" charset="-128"/>
+            </a:endParaRPr>
+          </a:p>
+          <a:p>
+            <a:pPr algn="ctr" defTabSz="914400" fontAlgn="base">
+              <a:spcBef>
+                <a:spcPct val="50000"/>
+              </a:spcBef>
+              <a:spcAft>
+                <a:spcPct val="0"/>
+              </a:spcAft>
+              <a:buClr>
+                <a:srgbClr val="F0AB00"/>
+              </a:buClr>
+              <a:buSzPct val="80000"/>
+            </a:pPr>
+            <a:r>
+              <a:rPr lang="en-US" sz="1800" kern="0" dirty="0">
+                <a:solidFill>
+                  <a:schemeClr val="dk1"/>
+                </a:solidFill>
+                <a:ea typeface="Arial Unicode MS" pitchFamily="34" charset="-128"/>
+              </a:rPr>
+              <a:t>Name</a:t>
+            </a:r>
+            <a:r>
+              <a:rPr lang="en-US" sz="1800" kern="0">
+                <a:solidFill>
+                  <a:schemeClr val="dk1"/>
+                </a:solidFill>
+                <a:ea typeface="Arial Unicode MS" pitchFamily="34" charset="-128"/>
+              </a:rPr>
+              <a:t>: nginx-http</a:t>
+            </a:r>
+            <a:endParaRPr lang="en-US" sz="1800" kern="0" dirty="0">
+              <a:solidFill>
+                <a:schemeClr val="dk1"/>
+              </a:solidFill>
+              <a:ea typeface="Arial Unicode MS" pitchFamily="34" charset="-128"/>
+            </a:endParaRPr>
+          </a:p>
+          <a:p>
+            <a:pPr algn="ctr" defTabSz="914400" fontAlgn="base">
+              <a:spcBef>
+                <a:spcPct val="50000"/>
+              </a:spcBef>
+              <a:spcAft>
+                <a:spcPct val="0"/>
+              </a:spcAft>
+              <a:buClr>
+                <a:srgbClr val="F0AB00"/>
+              </a:buClr>
+              <a:buSzPct val="80000"/>
+            </a:pPr>
+            <a:r>
+              <a:rPr lang="en-US" sz="1800" kern="0">
+                <a:solidFill>
+                  <a:schemeClr val="dk1"/>
+                </a:solidFill>
+                <a:ea typeface="Arial Unicode MS" pitchFamily="34" charset="-128"/>
+              </a:rPr>
+              <a:t>TargetPort: http</a:t>
+            </a:r>
+            <a:endParaRPr lang="en-US" sz="1800" kern="0" dirty="0">
+              <a:solidFill>
+                <a:schemeClr val="dk1"/>
+              </a:solidFill>
+              <a:ea typeface="Arial Unicode MS" pitchFamily="34" charset="-128"/>
+            </a:endParaRPr>
+          </a:p>
+          <a:p>
+            <a:pPr algn="ctr" defTabSz="914400" fontAlgn="base">
+              <a:spcBef>
+                <a:spcPct val="50000"/>
+              </a:spcBef>
+              <a:spcAft>
+                <a:spcPct val="0"/>
+              </a:spcAft>
+              <a:buClr>
+                <a:srgbClr val="F0AB00"/>
+              </a:buClr>
+              <a:buSzPct val="80000"/>
+            </a:pPr>
+            <a:r>
+              <a:rPr lang="en-US" sz="1800" kern="0" dirty="0">
+                <a:solidFill>
+                  <a:schemeClr val="dk1"/>
+                </a:solidFill>
+                <a:ea typeface="Arial Unicode MS" pitchFamily="34" charset="-128"/>
+              </a:rPr>
+              <a:t>Port: 80</a:t>
+            </a:r>
+          </a:p>
+        </p:txBody>
+      </p:sp>
+      <p:cxnSp>
+        <p:nvCxnSpPr>
+          <p:cNvPr id="28" name="Connector: Elbow 27">
+            <a:extLst>
+              <a:ext uri="{FF2B5EF4-FFF2-40B4-BE49-F238E27FC236}">
+                <a16:creationId xmlns:a16="http://schemas.microsoft.com/office/drawing/2014/main" id="{05915C05-8AE8-49E3-B511-9862741B53DB}"/>
+              </a:ext>
+            </a:extLst>
+          </p:cNvPr>
+          <p:cNvCxnSpPr>
+            <a:cxnSpLocks/>
+            <a:stCxn id="27" idx="2"/>
+            <a:endCxn id="8" idx="2"/>
+          </p:cNvCxnSpPr>
+          <p:nvPr/>
+        </p:nvCxnSpPr>
+        <p:spPr>
+          <a:xfrm rot="10800000">
+            <a:off x="961024" y="3611018"/>
+            <a:ext cx="3815922" cy="1575451"/>
+          </a:xfrm>
+          <a:prstGeom prst="bentConnector2">
+            <a:avLst/>
+          </a:prstGeom>
+          <a:ln w="57150">
+            <a:solidFill>
+              <a:schemeClr val="tx2"/>
+            </a:solidFill>
+            <a:headEnd type="none" w="med" len="med"/>
+            <a:tailEnd type="triangle"/>
+          </a:ln>
+        </p:spPr>
+        <p:style>
+          <a:lnRef idx="1">
+            <a:schemeClr val="accent1"/>
+          </a:lnRef>
+          <a:fillRef idx="0">
+            <a:schemeClr val="accent1"/>
+          </a:fillRef>
+          <a:effectRef idx="0">
+            <a:schemeClr val="accent1"/>
+          </a:effectRef>
+          <a:fontRef idx="minor">
+            <a:schemeClr val="tx1"/>
+          </a:fontRef>
+        </p:style>
+      </p:cxnSp>
+    </p:spTree>
+    <p:extLst>
+      <p:ext uri="{BB962C8B-B14F-4D97-AF65-F5344CB8AC3E}">
+        <p14:creationId xmlns:p14="http://schemas.microsoft.com/office/powerpoint/2010/main" val="334388270"/>
+      </p:ext>
+    </p:extLst>
+  </p:cSld>
+  <p:clrMapOvr>
+    <a:masterClrMapping/>
+  </p:clrMapOvr>
+  <p:timing>
+    <p:tnLst>
+      <p:par>
+        <p:cTn id="1" dur="indefinite" restart="never" nodeType="tmRoot">
+          <p:childTnLst>
+            <p:seq concurrent="1" nextAc="seek">
+              <p:cTn id="2" dur="indefinite" nodeType="mainSeq">
+                <p:childTnLst>
+                  <p:par>
+                    <p:cTn id="3" fill="hold">
+                      <p:stCondLst>
+                        <p:cond delay="indefinite"/>
+                      </p:stCondLst>
+                      <p:childTnLst>
+                        <p:par>
+                          <p:cTn id="4" fill="hold">
+                            <p:stCondLst>
+                              <p:cond delay="0"/>
+                            </p:stCondLst>
+                            <p:childTnLst>
+                              <p:par>
+                                <p:cTn id="5" presetID="1" presetClass="exit" presetSubtype="0" fill="hold" grpId="0" nodeType="clickEffect">
+                                  <p:stCondLst>
+                                    <p:cond delay="0"/>
+                                  </p:stCondLst>
+                                  <p:childTnLst>
+                                    <p:set>
+                                      <p:cBhvr>
+                                        <p:cTn id="6" dur="1" fill="hold">
+                                          <p:stCondLst>
+                                            <p:cond delay="0"/>
+                                          </p:stCondLst>
+                                        </p:cTn>
+                                        <p:tgtEl>
+                                          <p:spTgt spid="7"/>
+                                        </p:tgtEl>
+                                        <p:attrNameLst>
+                                          <p:attrName>style.visibility</p:attrName>
+                                        </p:attrNameLst>
+                                      </p:cBhvr>
+                                      <p:to>
+                                        <p:strVal val="hidden"/>
+                                      </p:to>
+                                    </p:set>
+                                  </p:childTnLst>
+                                </p:cTn>
+                              </p:par>
+                              <p:par>
+                                <p:cTn id="7" presetID="1" presetClass="exit" presetSubtype="0" fill="hold" nodeType="withEffect">
+                                  <p:stCondLst>
+                                    <p:cond delay="0"/>
+                                  </p:stCondLst>
+                                  <p:childTnLst>
+                                    <p:set>
+                                      <p:cBhvr>
+                                        <p:cTn id="8" dur="1" fill="hold">
+                                          <p:stCondLst>
+                                            <p:cond delay="0"/>
+                                          </p:stCondLst>
+                                        </p:cTn>
+                                        <p:tgtEl>
+                                          <p:spTgt spid="16"/>
+                                        </p:tgtEl>
+                                        <p:attrNameLst>
+                                          <p:attrName>style.visibility</p:attrName>
+                                        </p:attrNameLst>
+                                      </p:cBhvr>
+                                      <p:to>
+                                        <p:strVal val="hidden"/>
+                                      </p:to>
+                                    </p:set>
+                                  </p:childTnLst>
+                                </p:cTn>
+                              </p:par>
+                            </p:childTnLst>
+                          </p:cTn>
+                        </p:par>
+                      </p:childTnLst>
+                    </p:cTn>
+                  </p:par>
+                  <p:par>
+                    <p:cTn id="9" fill="hold">
+                      <p:stCondLst>
+                        <p:cond delay="indefinite"/>
+                      </p:stCondLst>
+                      <p:childTnLst>
+                        <p:par>
+                          <p:cTn id="10" fill="hold">
+                            <p:stCondLst>
+                              <p:cond delay="0"/>
+                            </p:stCondLst>
+                            <p:childTnLst>
+                              <p:par>
+                                <p:cTn id="11" presetID="1" presetClass="entr" presetSubtype="0" fill="hold" nodeType="clickEffect">
+                                  <p:stCondLst>
+                                    <p:cond delay="0"/>
+                                  </p:stCondLst>
+                                  <p:childTnLst>
+                                    <p:set>
+                                      <p:cBhvr>
+                                        <p:cTn id="12" dur="1" fill="hold">
+                                          <p:stCondLst>
+                                            <p:cond delay="0"/>
+                                          </p:stCondLst>
+                                        </p:cTn>
+                                        <p:tgtEl>
+                                          <p:spTgt spid="31"/>
+                                        </p:tgtEl>
+                                        <p:attrNameLst>
+                                          <p:attrName>style.visibility</p:attrName>
+                                        </p:attrNameLst>
+                                      </p:cBhvr>
+                                      <p:to>
+                                        <p:strVal val="visible"/>
+                                      </p:to>
+                                    </p:set>
+                                  </p:childTnLst>
+                                </p:cTn>
+                              </p:par>
+                            </p:childTnLst>
+                          </p:cTn>
+                        </p:par>
+                      </p:childTnLst>
+                    </p:cTn>
+                  </p:par>
+                  <p:par>
+                    <p:cTn id="13" fill="hold">
+                      <p:stCondLst>
+                        <p:cond delay="indefinite"/>
+                      </p:stCondLst>
+                      <p:childTnLst>
+                        <p:par>
+                          <p:cTn id="14" fill="hold">
+                            <p:stCondLst>
+                              <p:cond delay="0"/>
+                            </p:stCondLst>
+                            <p:childTnLst>
+                              <p:par>
+                                <p:cTn id="15" presetID="1" presetClass="entr" presetSubtype="0" fill="hold" grpId="0" nodeType="clickEffect">
+                                  <p:stCondLst>
+                                    <p:cond delay="0"/>
+                                  </p:stCondLst>
+                                  <p:childTnLst>
+                                    <p:set>
+                                      <p:cBhvr>
+                                        <p:cTn id="16" dur="1" fill="hold">
+                                          <p:stCondLst>
+                                            <p:cond delay="0"/>
+                                          </p:stCondLst>
+                                        </p:cTn>
+                                        <p:tgtEl>
+                                          <p:spTgt spid="27"/>
+                                        </p:tgtEl>
+                                        <p:attrNameLst>
+                                          <p:attrName>style.visibility</p:attrName>
+                                        </p:attrNameLst>
+                                      </p:cBhvr>
+                                      <p:to>
+                                        <p:strVal val="visible"/>
+                                      </p:to>
+                                    </p:set>
+                                  </p:childTnLst>
+                                </p:cTn>
+                              </p:par>
+                              <p:par>
+                                <p:cTn id="17" presetID="1" presetClass="entr" presetSubtype="0" fill="hold" nodeType="withEffect">
+                                  <p:stCondLst>
+                                    <p:cond delay="0"/>
+                                  </p:stCondLst>
+                                  <p:childTnLst>
+                                    <p:set>
+                                      <p:cBhvr>
+                                        <p:cTn id="18" dur="1" fill="hold">
+                                          <p:stCondLst>
+                                            <p:cond delay="0"/>
+                                          </p:stCondLst>
+                                        </p:cTn>
+                                        <p:tgtEl>
+                                          <p:spTgt spid="28"/>
+                                        </p:tgtEl>
+                                        <p:attrNameLst>
+                                          <p:attrName>style.visibility</p:attrName>
+                                        </p:attrNameLst>
+                                      </p:cBhvr>
+                                      <p:to>
+                                        <p:strVal val="visible"/>
+                                      </p:to>
+                                    </p:set>
+                                  </p:childTnLst>
+                                </p:cTn>
+                              </p:par>
+                            </p:childTnLst>
+                          </p:cTn>
+                        </p:par>
+                      </p:childTnLst>
+                    </p:cTn>
+                  </p:par>
+                </p:childTnLst>
+              </p:cTn>
+              <p:prevCondLst>
+                <p:cond evt="onPrev" delay="0">
+                  <p:tgtEl>
+                    <p:sldTgt/>
+                  </p:tgtEl>
+                </p:cond>
+              </p:prevCondLst>
+              <p:nextCondLst>
+                <p:cond evt="onNext" delay="0">
+                  <p:tgtEl>
+                    <p:sldTgt/>
+                  </p:tgtEl>
+                </p:cond>
+              </p:nextCondLst>
+            </p:seq>
+          </p:childTnLst>
+        </p:cTn>
+      </p:par>
+    </p:tnLst>
+    <p:bldLst>
+      <p:bldP spid="7" grpId="0" animBg="1"/>
+      <p:bldP spid="27" grpId="0" animBg="1"/>
+    </p:bldLst>
+  </p:timing>
+</p:sld>
+</file>
+
+<file path=ppt/slides/slide8.xml><?xml version="1.0" encoding="utf-8"?>
+<p:sld xmlns:a="http://schemas.openxmlformats.org/drawingml/2006/main" xmlns:r="http://schemas.openxmlformats.org/officeDocument/2006/relationships" xmlns:p="http://schemas.openxmlformats.org/presentationml/2006/main">
+  <p:cSld>
+    <p:spTree>
+      <p:nvGrpSpPr>
+        <p:cNvPr id="1" name=""/>
+        <p:cNvGrpSpPr/>
+        <p:nvPr/>
+      </p:nvGrpSpPr>
+      <p:grpSpPr>
+        <a:xfrm>
+          <a:off x="0" y="0"/>
+          <a:ext cx="0" cy="0"/>
+          <a:chOff x="0" y="0"/>
+          <a:chExt cx="0" cy="0"/>
+        </a:xfrm>
+      </p:grpSpPr>
+      <p:sp>
+        <p:nvSpPr>
           <p:cNvPr id="2" name="Title 1"/>
           <p:cNvSpPr>
             <a:spLocks noGrp="1"/>
@@ -11508,7 +14612,7 @@
 </p:sld>
 </file>
 
-<file path=ppt/slides/slide8.xml><?xml version="1.0" encoding="utf-8"?>
+<file path=ppt/slides/slide9.xml><?xml version="1.0" encoding="utf-8"?>
 <p:sld xmlns:a="http://schemas.openxmlformats.org/drawingml/2006/main" xmlns:r="http://schemas.openxmlformats.org/officeDocument/2006/relationships" xmlns:p="http://schemas.openxmlformats.org/presentationml/2006/main">
   <p:cSld>
     <p:spTree>
@@ -13329,1487 +16433,6 @@
       <p:bldP spid="52" grpId="0" animBg="1"/>
     </p:bldLst>
   </p:timing>
-</p:sld>
-</file>
-
-<file path=ppt/slides/slide9.xml><?xml version="1.0" encoding="utf-8"?>
-<p:sld xmlns:a="http://schemas.openxmlformats.org/drawingml/2006/main" xmlns:r="http://schemas.openxmlformats.org/officeDocument/2006/relationships" xmlns:p="http://schemas.openxmlformats.org/presentationml/2006/main">
-  <p:cSld>
-    <p:spTree>
-      <p:nvGrpSpPr>
-        <p:cNvPr id="1" name=""/>
-        <p:cNvGrpSpPr/>
-        <p:nvPr/>
-      </p:nvGrpSpPr>
-      <p:grpSpPr>
-        <a:xfrm>
-          <a:off x="0" y="0"/>
-          <a:ext cx="0" cy="0"/>
-          <a:chOff x="0" y="0"/>
-          <a:chExt cx="0" cy="0"/>
-        </a:xfrm>
-      </p:grpSpPr>
-      <p:sp>
-        <p:nvSpPr>
-          <p:cNvPr id="21" name="Rectangle 20"/>
-          <p:cNvSpPr/>
-          <p:nvPr/>
-        </p:nvSpPr>
-        <p:spPr bwMode="gray">
-          <a:xfrm>
-            <a:off x="6141720" y="3390899"/>
-            <a:ext cx="4960620" cy="2865121"/>
-          </a:xfrm>
-          <a:prstGeom prst="rect">
-            <a:avLst/>
-          </a:prstGeom>
-          <a:ln>
-            <a:headEnd/>
-            <a:tailEnd/>
-          </a:ln>
-        </p:spPr>
-        <p:style>
-          <a:lnRef idx="2">
-            <a:schemeClr val="accent2"/>
-          </a:lnRef>
-          <a:fillRef idx="1">
-            <a:schemeClr val="lt1"/>
-          </a:fillRef>
-          <a:effectRef idx="0">
-            <a:schemeClr val="accent2"/>
-          </a:effectRef>
-          <a:fontRef idx="minor">
-            <a:schemeClr val="dk1"/>
-          </a:fontRef>
-        </p:style>
-        <p:txBody>
-          <a:bodyPr lIns="90000" tIns="72000" rIns="90000" bIns="72000" rtlCol="0" anchor="t"/>
-          <a:lstStyle/>
-          <a:p>
-            <a:pPr marR="0" algn="ctr" defTabSz="914400" eaLnBrk="1" fontAlgn="base" latinLnBrk="0" hangingPunct="1">
-              <a:lnSpc>
-                <a:spcPct val="100000"/>
-              </a:lnSpc>
-              <a:spcBef>
-                <a:spcPct val="50000"/>
-              </a:spcBef>
-              <a:spcAft>
-                <a:spcPct val="0"/>
-              </a:spcAft>
-              <a:buClr>
-                <a:srgbClr val="F0AB00"/>
-              </a:buClr>
-              <a:buSzPct val="80000"/>
-              <a:tabLst/>
-            </a:pPr>
-            <a:r>
-              <a:rPr kumimoji="0" lang="en-US" sz="1800" b="1" i="0" u="none" strike="noStrike" kern="0" cap="none" spc="0" normalizeH="0" baseline="0" noProof="0" dirty="0">
-                <a:ln>
-                  <a:noFill/>
-                </a:ln>
-                <a:effectLst/>
-                <a:uLnTx/>
-                <a:uFillTx/>
-                <a:ea typeface="Arial Unicode MS" pitchFamily="34" charset="-128"/>
-                <a:cs typeface="Arial Unicode MS" pitchFamily="34" charset="-128"/>
-              </a:rPr>
-              <a:t>Node B</a:t>
-            </a:r>
-          </a:p>
-        </p:txBody>
-      </p:sp>
-      <p:sp>
-        <p:nvSpPr>
-          <p:cNvPr id="2" name="Title 1"/>
-          <p:cNvSpPr>
-            <a:spLocks noGrp="1"/>
-          </p:cNvSpPr>
-          <p:nvPr>
-            <p:ph type="title"/>
-          </p:nvPr>
-        </p:nvSpPr>
-        <p:spPr/>
-        <p:txBody>
-          <a:bodyPr/>
-          <a:lstStyle/>
-          <a:p>
-            <a:r>
-              <a:rPr lang="en-US" dirty="0"/>
-              <a:t>How </a:t>
-            </a:r>
-            <a:r>
-              <a:rPr lang="en-US" dirty="0" err="1"/>
-              <a:t>NodePorts</a:t>
-            </a:r>
-            <a:r>
-              <a:rPr lang="en-US" dirty="0"/>
-              <a:t> work</a:t>
-            </a:r>
-          </a:p>
-        </p:txBody>
-      </p:sp>
-      <p:sp>
-        <p:nvSpPr>
-          <p:cNvPr id="4" name="Rectangle 3"/>
-          <p:cNvSpPr/>
-          <p:nvPr/>
-        </p:nvSpPr>
-        <p:spPr bwMode="gray">
-          <a:xfrm>
-            <a:off x="952500" y="3390900"/>
-            <a:ext cx="4960620" cy="2865120"/>
-          </a:xfrm>
-          <a:prstGeom prst="rect">
-            <a:avLst/>
-          </a:prstGeom>
-          <a:ln>
-            <a:headEnd/>
-            <a:tailEnd/>
-          </a:ln>
-        </p:spPr>
-        <p:style>
-          <a:lnRef idx="2">
-            <a:schemeClr val="accent2"/>
-          </a:lnRef>
-          <a:fillRef idx="1">
-            <a:schemeClr val="lt1"/>
-          </a:fillRef>
-          <a:effectRef idx="0">
-            <a:schemeClr val="accent2"/>
-          </a:effectRef>
-          <a:fontRef idx="minor">
-            <a:schemeClr val="dk1"/>
-          </a:fontRef>
-        </p:style>
-        <p:txBody>
-          <a:bodyPr lIns="90000" tIns="72000" rIns="90000" bIns="72000" rtlCol="0" anchor="t"/>
-          <a:lstStyle/>
-          <a:p>
-            <a:pPr marR="0" algn="ctr" defTabSz="914400" eaLnBrk="1" fontAlgn="base" latinLnBrk="0" hangingPunct="1">
-              <a:lnSpc>
-                <a:spcPct val="100000"/>
-              </a:lnSpc>
-              <a:spcBef>
-                <a:spcPct val="50000"/>
-              </a:spcBef>
-              <a:spcAft>
-                <a:spcPct val="0"/>
-              </a:spcAft>
-              <a:buClr>
-                <a:srgbClr val="F0AB00"/>
-              </a:buClr>
-              <a:buSzPct val="80000"/>
-              <a:tabLst/>
-            </a:pPr>
-            <a:r>
-              <a:rPr kumimoji="0" lang="en-US" sz="1800" b="1" i="0" u="none" strike="noStrike" kern="0" cap="none" spc="0" normalizeH="0" baseline="0" noProof="0" dirty="0">
-                <a:ln>
-                  <a:noFill/>
-                </a:ln>
-                <a:effectLst/>
-                <a:uLnTx/>
-                <a:uFillTx/>
-                <a:ea typeface="Arial Unicode MS" pitchFamily="34" charset="-128"/>
-                <a:cs typeface="Arial Unicode MS" pitchFamily="34" charset="-128"/>
-              </a:rPr>
-              <a:t>Node A</a:t>
-            </a:r>
-          </a:p>
-        </p:txBody>
-      </p:sp>
-      <p:sp>
-        <p:nvSpPr>
-          <p:cNvPr id="6" name="Rectangle 5"/>
-          <p:cNvSpPr/>
-          <p:nvPr/>
-        </p:nvSpPr>
-        <p:spPr bwMode="gray">
-          <a:xfrm>
-            <a:off x="2337562" y="4439970"/>
-            <a:ext cx="1815338" cy="1160859"/>
-          </a:xfrm>
-          <a:prstGeom prst="rect">
-            <a:avLst/>
-          </a:prstGeom>
-          <a:ln>
-            <a:headEnd/>
-            <a:tailEnd/>
-          </a:ln>
-        </p:spPr>
-        <p:style>
-          <a:lnRef idx="2">
-            <a:schemeClr val="accent2">
-              <a:shade val="50000"/>
-            </a:schemeClr>
-          </a:lnRef>
-          <a:fillRef idx="1">
-            <a:schemeClr val="accent2"/>
-          </a:fillRef>
-          <a:effectRef idx="0">
-            <a:schemeClr val="accent2"/>
-          </a:effectRef>
-          <a:fontRef idx="minor">
-            <a:schemeClr val="lt1"/>
-          </a:fontRef>
-        </p:style>
-        <p:txBody>
-          <a:bodyPr lIns="90000" tIns="72000" rIns="90000" bIns="72000" rtlCol="0" anchor="ctr"/>
-          <a:lstStyle/>
-          <a:p>
-            <a:pPr marR="0" algn="ctr" defTabSz="914400" eaLnBrk="1" fontAlgn="base" latinLnBrk="0" hangingPunct="1">
-              <a:lnSpc>
-                <a:spcPct val="100000"/>
-              </a:lnSpc>
-              <a:spcBef>
-                <a:spcPct val="50000"/>
-              </a:spcBef>
-              <a:spcAft>
-                <a:spcPct val="0"/>
-              </a:spcAft>
-              <a:buClr>
-                <a:srgbClr val="F0AB00"/>
-              </a:buClr>
-              <a:buSzPct val="80000"/>
-              <a:tabLst/>
-            </a:pPr>
-            <a:r>
-              <a:rPr lang="de-DE" sz="1600" b="1" kern="0" noProof="0" dirty="0" err="1">
-                <a:ea typeface="Arial Unicode MS" pitchFamily="34" charset="-128"/>
-                <a:cs typeface="Arial Unicode MS" pitchFamily="34" charset="-128"/>
-              </a:rPr>
-              <a:t>Pod</a:t>
-            </a:r>
-            <a:endParaRPr kumimoji="0" lang="de-DE" sz="1600" b="1" i="0" u="none" strike="noStrike" kern="0" cap="none" spc="0" normalizeH="0" baseline="0" noProof="0" dirty="0">
-              <a:ln>
-                <a:noFill/>
-              </a:ln>
-              <a:effectLst/>
-              <a:uLnTx/>
-              <a:uFillTx/>
-              <a:ea typeface="Arial Unicode MS" pitchFamily="34" charset="-128"/>
-              <a:cs typeface="Arial Unicode MS" pitchFamily="34" charset="-128"/>
-            </a:endParaRPr>
-          </a:p>
-        </p:txBody>
-      </p:sp>
-      <p:sp>
-        <p:nvSpPr>
-          <p:cNvPr id="11" name="Rectangle 10"/>
-          <p:cNvSpPr/>
-          <p:nvPr/>
-        </p:nvSpPr>
-        <p:spPr bwMode="gray">
-          <a:xfrm>
-            <a:off x="2422271" y="4205839"/>
-            <a:ext cx="1645920" cy="365760"/>
-          </a:xfrm>
-          <a:prstGeom prst="rect">
-            <a:avLst/>
-          </a:prstGeom>
-          <a:ln>
-            <a:headEnd/>
-            <a:tailEnd/>
-          </a:ln>
-        </p:spPr>
-        <p:style>
-          <a:lnRef idx="2">
-            <a:schemeClr val="accent2"/>
-          </a:lnRef>
-          <a:fillRef idx="1">
-            <a:schemeClr val="lt1"/>
-          </a:fillRef>
-          <a:effectRef idx="0">
-            <a:schemeClr val="accent2"/>
-          </a:effectRef>
-          <a:fontRef idx="minor">
-            <a:schemeClr val="dk1"/>
-          </a:fontRef>
-        </p:style>
-        <p:txBody>
-          <a:bodyPr lIns="90000" tIns="72000" rIns="90000" bIns="72000" rtlCol="0" anchor="ctr"/>
-          <a:lstStyle/>
-          <a:p>
-            <a:pPr marR="0" algn="ctr" defTabSz="914400" eaLnBrk="1" fontAlgn="base" latinLnBrk="0" hangingPunct="1">
-              <a:lnSpc>
-                <a:spcPct val="100000"/>
-              </a:lnSpc>
-              <a:spcBef>
-                <a:spcPct val="50000"/>
-              </a:spcBef>
-              <a:spcAft>
-                <a:spcPct val="0"/>
-              </a:spcAft>
-              <a:buClr>
-                <a:srgbClr val="F0AB00"/>
-              </a:buClr>
-              <a:buSzPct val="80000"/>
-              <a:tabLst/>
-            </a:pPr>
-            <a:r>
-              <a:rPr kumimoji="0" lang="de-DE" sz="1800" b="0" i="0" u="none" strike="noStrike" kern="0" cap="none" spc="0" normalizeH="0" baseline="0" noProof="0" dirty="0">
-                <a:ln>
-                  <a:noFill/>
-                </a:ln>
-                <a:effectLst/>
-                <a:uLnTx/>
-                <a:uFillTx/>
-                <a:ea typeface="Arial Unicode MS" pitchFamily="34" charset="-128"/>
-                <a:cs typeface="Arial Unicode MS" pitchFamily="34" charset="-128"/>
-              </a:rPr>
-              <a:t>IP: 10.10.10.1</a:t>
-            </a:r>
-          </a:p>
-        </p:txBody>
-      </p:sp>
-      <p:sp>
-        <p:nvSpPr>
-          <p:cNvPr id="14" name="Rectangle: Single Corner Snipped 13"/>
-          <p:cNvSpPr/>
-          <p:nvPr/>
-        </p:nvSpPr>
-        <p:spPr bwMode="gray">
-          <a:xfrm>
-            <a:off x="4806733" y="2743200"/>
-            <a:ext cx="2474332" cy="2346559"/>
-          </a:xfrm>
-          <a:prstGeom prst="snip1Rect">
-            <a:avLst/>
-          </a:prstGeom>
-          <a:ln>
-            <a:headEnd/>
-            <a:tailEnd/>
-          </a:ln>
-        </p:spPr>
-        <p:style>
-          <a:lnRef idx="3">
-            <a:schemeClr val="lt1"/>
-          </a:lnRef>
-          <a:fillRef idx="1">
-            <a:schemeClr val="accent2"/>
-          </a:fillRef>
-          <a:effectRef idx="1">
-            <a:schemeClr val="accent2"/>
-          </a:effectRef>
-          <a:fontRef idx="minor">
-            <a:schemeClr val="lt1"/>
-          </a:fontRef>
-        </p:style>
-        <p:txBody>
-          <a:bodyPr lIns="90000" tIns="72000" rIns="90000" bIns="72000" rtlCol="0" anchor="ctr"/>
-          <a:lstStyle/>
-          <a:p>
-            <a:pPr marR="0" algn="ctr" defTabSz="914400" eaLnBrk="1" fontAlgn="base" latinLnBrk="0" hangingPunct="1">
-              <a:lnSpc>
-                <a:spcPct val="100000"/>
-              </a:lnSpc>
-              <a:spcBef>
-                <a:spcPct val="50000"/>
-              </a:spcBef>
-              <a:spcAft>
-                <a:spcPct val="0"/>
-              </a:spcAft>
-              <a:buClr>
-                <a:srgbClr val="F0AB00"/>
-              </a:buClr>
-              <a:buSzPct val="80000"/>
-              <a:tabLst/>
-            </a:pPr>
-            <a:r>
-              <a:rPr kumimoji="0" lang="en-US" sz="1800" b="0" i="0" u="none" strike="noStrike" kern="0" cap="none" spc="0" normalizeH="0" baseline="0" noProof="0" dirty="0">
-                <a:ln>
-                  <a:noFill/>
-                </a:ln>
-                <a:effectLst/>
-                <a:uLnTx/>
-                <a:uFillTx/>
-                <a:ea typeface="Arial Unicode MS" pitchFamily="34" charset="-128"/>
-                <a:cs typeface="Arial Unicode MS" pitchFamily="34" charset="-128"/>
-              </a:rPr>
-              <a:t>Service</a:t>
-            </a:r>
-          </a:p>
-          <a:p>
-            <a:pPr marR="0" algn="ctr" defTabSz="914400" eaLnBrk="1" fontAlgn="base" latinLnBrk="0" hangingPunct="1">
-              <a:lnSpc>
-                <a:spcPct val="100000"/>
-              </a:lnSpc>
-              <a:spcBef>
-                <a:spcPct val="50000"/>
-              </a:spcBef>
-              <a:spcAft>
-                <a:spcPct val="0"/>
-              </a:spcAft>
-              <a:buClr>
-                <a:srgbClr val="F0AB00"/>
-              </a:buClr>
-              <a:buSzPct val="80000"/>
-              <a:tabLst/>
-            </a:pPr>
-            <a:r>
-              <a:rPr lang="en-US" sz="1800" kern="0" dirty="0">
-                <a:ea typeface="Arial Unicode MS" pitchFamily="34" charset="-128"/>
-                <a:cs typeface="Arial Unicode MS" pitchFamily="34" charset="-128"/>
-              </a:rPr>
-              <a:t>Label: app= </a:t>
-            </a:r>
-            <a:r>
-              <a:rPr lang="en-US" sz="1800" kern="0" dirty="0" err="1">
-                <a:ea typeface="Arial Unicode MS" pitchFamily="34" charset="-128"/>
-                <a:cs typeface="Arial Unicode MS" pitchFamily="34" charset="-128"/>
-              </a:rPr>
-              <a:t>nginx</a:t>
-            </a:r>
-            <a:endParaRPr kumimoji="0" lang="en-US" sz="1800" b="0" i="0" u="none" strike="noStrike" kern="0" cap="none" spc="0" normalizeH="0" baseline="0" noProof="0" dirty="0">
-              <a:ln>
-                <a:noFill/>
-              </a:ln>
-              <a:effectLst/>
-              <a:uLnTx/>
-              <a:uFillTx/>
-              <a:ea typeface="Arial Unicode MS" pitchFamily="34" charset="-128"/>
-              <a:cs typeface="Arial Unicode MS" pitchFamily="34" charset="-128"/>
-            </a:endParaRPr>
-          </a:p>
-          <a:p>
-            <a:pPr marL="285750" marR="0" indent="-285750" defTabSz="914400" eaLnBrk="1" fontAlgn="base" latinLnBrk="0" hangingPunct="1">
-              <a:lnSpc>
-                <a:spcPct val="100000"/>
-              </a:lnSpc>
-              <a:spcBef>
-                <a:spcPct val="50000"/>
-              </a:spcBef>
-              <a:spcAft>
-                <a:spcPct val="0"/>
-              </a:spcAft>
-              <a:buClr>
-                <a:srgbClr val="F0AB00"/>
-              </a:buClr>
-              <a:buSzPct val="80000"/>
-              <a:buFontTx/>
-              <a:buChar char="-"/>
-              <a:tabLst/>
-            </a:pPr>
-            <a:r>
-              <a:rPr lang="en-US" sz="1800" kern="0" dirty="0" err="1">
-                <a:ea typeface="Arial Unicode MS" pitchFamily="34" charset="-128"/>
-                <a:cs typeface="Arial Unicode MS" pitchFamily="34" charset="-128"/>
-              </a:rPr>
-              <a:t>NodePort</a:t>
-            </a:r>
-            <a:r>
-              <a:rPr lang="en-US" sz="1800" kern="0" dirty="0">
-                <a:ea typeface="Arial Unicode MS" pitchFamily="34" charset="-128"/>
-                <a:cs typeface="Arial Unicode MS" pitchFamily="34" charset="-128"/>
-              </a:rPr>
-              <a:t>: 30021</a:t>
-            </a:r>
-          </a:p>
-          <a:p>
-            <a:pPr marL="285750" marR="0" indent="-285750" defTabSz="914400" eaLnBrk="1" fontAlgn="base" latinLnBrk="0" hangingPunct="1">
-              <a:lnSpc>
-                <a:spcPct val="100000"/>
-              </a:lnSpc>
-              <a:spcBef>
-                <a:spcPct val="50000"/>
-              </a:spcBef>
-              <a:spcAft>
-                <a:spcPct val="0"/>
-              </a:spcAft>
-              <a:buClr>
-                <a:srgbClr val="F0AB00"/>
-              </a:buClr>
-              <a:buSzPct val="80000"/>
-              <a:buFontTx/>
-              <a:buChar char="-"/>
-              <a:tabLst/>
-            </a:pPr>
-            <a:r>
-              <a:rPr lang="en-US" sz="1800" kern="0" dirty="0">
-                <a:ea typeface="Arial Unicode MS" pitchFamily="34" charset="-128"/>
-                <a:cs typeface="Arial Unicode MS" pitchFamily="34" charset="-128"/>
-              </a:rPr>
-              <a:t> </a:t>
-            </a:r>
-            <a:r>
-              <a:rPr lang="en-US" sz="1800" kern="0" dirty="0" err="1">
-                <a:ea typeface="Arial Unicode MS" pitchFamily="34" charset="-128"/>
-                <a:cs typeface="Arial Unicode MS" pitchFamily="34" charset="-128"/>
-              </a:rPr>
-              <a:t>TargetPort</a:t>
-            </a:r>
-            <a:r>
-              <a:rPr lang="en-US" sz="1800" kern="0" dirty="0">
-                <a:ea typeface="Arial Unicode MS" pitchFamily="34" charset="-128"/>
-                <a:cs typeface="Arial Unicode MS" pitchFamily="34" charset="-128"/>
-              </a:rPr>
-              <a:t>: 80</a:t>
-            </a:r>
-          </a:p>
-          <a:p>
-            <a:pPr marL="285750" marR="0" indent="-285750" defTabSz="914400" eaLnBrk="1" fontAlgn="base" latinLnBrk="0" hangingPunct="1">
-              <a:lnSpc>
-                <a:spcPct val="100000"/>
-              </a:lnSpc>
-              <a:spcBef>
-                <a:spcPct val="50000"/>
-              </a:spcBef>
-              <a:spcAft>
-                <a:spcPct val="0"/>
-              </a:spcAft>
-              <a:buClr>
-                <a:srgbClr val="F0AB00"/>
-              </a:buClr>
-              <a:buSzPct val="80000"/>
-              <a:buFontTx/>
-              <a:buChar char="-"/>
-              <a:tabLst/>
-            </a:pPr>
-            <a:r>
-              <a:rPr kumimoji="0" lang="en-US" sz="1800" b="0" i="0" u="none" strike="noStrike" kern="0" cap="none" spc="0" normalizeH="0" baseline="0" noProof="0" dirty="0">
-                <a:ln>
-                  <a:noFill/>
-                </a:ln>
-                <a:effectLst/>
-                <a:uLnTx/>
-                <a:uFillTx/>
-                <a:ea typeface="Arial Unicode MS" pitchFamily="34" charset="-128"/>
-                <a:cs typeface="Arial Unicode MS" pitchFamily="34" charset="-128"/>
-              </a:rPr>
-              <a:t>Port: 80</a:t>
-            </a:r>
-          </a:p>
-        </p:txBody>
-      </p:sp>
-      <p:sp>
-        <p:nvSpPr>
-          <p:cNvPr id="15" name="Rectangle 14"/>
-          <p:cNvSpPr/>
-          <p:nvPr/>
-        </p:nvSpPr>
-        <p:spPr bwMode="gray">
-          <a:xfrm>
-            <a:off x="1459043" y="5386537"/>
-            <a:ext cx="1319714" cy="428584"/>
-          </a:xfrm>
-          <a:prstGeom prst="rect">
-            <a:avLst/>
-          </a:prstGeom>
-          <a:solidFill>
-            <a:schemeClr val="accent1">
-              <a:lumMod val="40000"/>
-              <a:lumOff val="60000"/>
-            </a:schemeClr>
-          </a:solidFill>
-          <a:ln>
-            <a:headEnd/>
-            <a:tailEnd/>
-          </a:ln>
-        </p:spPr>
-        <p:style>
-          <a:lnRef idx="2">
-            <a:schemeClr val="accent2"/>
-          </a:lnRef>
-          <a:fillRef idx="1">
-            <a:schemeClr val="lt1"/>
-          </a:fillRef>
-          <a:effectRef idx="0">
-            <a:schemeClr val="accent2"/>
-          </a:effectRef>
-          <a:fontRef idx="minor">
-            <a:schemeClr val="dk1"/>
-          </a:fontRef>
-        </p:style>
-        <p:txBody>
-          <a:bodyPr lIns="90000" tIns="72000" rIns="90000" bIns="72000" rtlCol="0" anchor="ctr"/>
-          <a:lstStyle/>
-          <a:p>
-            <a:pPr marR="0" algn="ctr" defTabSz="914400" eaLnBrk="1" fontAlgn="base" latinLnBrk="0" hangingPunct="1">
-              <a:lnSpc>
-                <a:spcPct val="100000"/>
-              </a:lnSpc>
-              <a:spcBef>
-                <a:spcPct val="50000"/>
-              </a:spcBef>
-              <a:spcAft>
-                <a:spcPct val="0"/>
-              </a:spcAft>
-              <a:buClr>
-                <a:srgbClr val="F0AB00"/>
-              </a:buClr>
-              <a:buSzPct val="80000"/>
-              <a:tabLst/>
-            </a:pPr>
-            <a:r>
-              <a:rPr lang="de-DE" sz="1800" kern="0" dirty="0">
-                <a:ea typeface="Arial Unicode MS" pitchFamily="34" charset="-128"/>
-                <a:cs typeface="Arial Unicode MS" pitchFamily="34" charset="-128"/>
-              </a:rPr>
-              <a:t>a</a:t>
-            </a:r>
-            <a:r>
-              <a:rPr kumimoji="0" lang="de-DE" sz="1800" b="0" i="0" u="none" strike="noStrike" kern="0" cap="none" spc="0" normalizeH="0" baseline="0" noProof="0" dirty="0">
-                <a:ln>
-                  <a:noFill/>
-                </a:ln>
-                <a:effectLst/>
-                <a:uLnTx/>
-                <a:uFillTx/>
-                <a:ea typeface="Arial Unicode MS" pitchFamily="34" charset="-128"/>
-                <a:cs typeface="Arial Unicode MS" pitchFamily="34" charset="-128"/>
-              </a:rPr>
-              <a:t>pp=</a:t>
-            </a:r>
-            <a:r>
-              <a:rPr kumimoji="0" lang="de-DE" sz="1800" b="0" i="0" u="none" strike="noStrike" kern="0" cap="none" spc="0" normalizeH="0" baseline="0" noProof="0" dirty="0" err="1">
-                <a:ln>
-                  <a:noFill/>
-                </a:ln>
-                <a:effectLst/>
-                <a:uLnTx/>
-                <a:uFillTx/>
-                <a:ea typeface="Arial Unicode MS" pitchFamily="34" charset="-128"/>
-                <a:cs typeface="Arial Unicode MS" pitchFamily="34" charset="-128"/>
-              </a:rPr>
-              <a:t>nginx</a:t>
-            </a:r>
-            <a:endParaRPr kumimoji="0" lang="de-DE" sz="1800" b="0" i="0" u="none" strike="noStrike" kern="0" cap="none" spc="0" normalizeH="0" baseline="0" noProof="0" dirty="0">
-              <a:ln>
-                <a:noFill/>
-              </a:ln>
-              <a:effectLst/>
-              <a:uLnTx/>
-              <a:uFillTx/>
-              <a:ea typeface="Arial Unicode MS" pitchFamily="34" charset="-128"/>
-              <a:cs typeface="Arial Unicode MS" pitchFamily="34" charset="-128"/>
-            </a:endParaRPr>
-          </a:p>
-        </p:txBody>
-      </p:sp>
-      <p:sp>
-        <p:nvSpPr>
-          <p:cNvPr id="18" name="Rectangle 17"/>
-          <p:cNvSpPr/>
-          <p:nvPr/>
-        </p:nvSpPr>
-        <p:spPr bwMode="gray">
-          <a:xfrm>
-            <a:off x="8045976" y="4446544"/>
-            <a:ext cx="1815338" cy="1160859"/>
-          </a:xfrm>
-          <a:prstGeom prst="rect">
-            <a:avLst/>
-          </a:prstGeom>
-          <a:ln>
-            <a:headEnd/>
-            <a:tailEnd/>
-          </a:ln>
-        </p:spPr>
-        <p:style>
-          <a:lnRef idx="2">
-            <a:schemeClr val="accent2">
-              <a:shade val="50000"/>
-            </a:schemeClr>
-          </a:lnRef>
-          <a:fillRef idx="1">
-            <a:schemeClr val="accent2"/>
-          </a:fillRef>
-          <a:effectRef idx="0">
-            <a:schemeClr val="accent2"/>
-          </a:effectRef>
-          <a:fontRef idx="minor">
-            <a:schemeClr val="lt1"/>
-          </a:fontRef>
-        </p:style>
-        <p:txBody>
-          <a:bodyPr lIns="90000" tIns="72000" rIns="90000" bIns="72000" rtlCol="0" anchor="ctr"/>
-          <a:lstStyle/>
-          <a:p>
-            <a:pPr marR="0" algn="ctr" defTabSz="914400" eaLnBrk="1" fontAlgn="base" latinLnBrk="0" hangingPunct="1">
-              <a:lnSpc>
-                <a:spcPct val="100000"/>
-              </a:lnSpc>
-              <a:spcBef>
-                <a:spcPct val="50000"/>
-              </a:spcBef>
-              <a:spcAft>
-                <a:spcPct val="0"/>
-              </a:spcAft>
-              <a:buClr>
-                <a:srgbClr val="F0AB00"/>
-              </a:buClr>
-              <a:buSzPct val="80000"/>
-              <a:tabLst/>
-            </a:pPr>
-            <a:r>
-              <a:rPr lang="de-DE" sz="1600" b="1" kern="0" noProof="0" dirty="0" err="1">
-                <a:ea typeface="Arial Unicode MS" pitchFamily="34" charset="-128"/>
-                <a:cs typeface="Arial Unicode MS" pitchFamily="34" charset="-128"/>
-              </a:rPr>
-              <a:t>Pod</a:t>
-            </a:r>
-            <a:endParaRPr kumimoji="0" lang="de-DE" sz="1600" b="1" i="0" u="none" strike="noStrike" kern="0" cap="none" spc="0" normalizeH="0" baseline="0" noProof="0" dirty="0">
-              <a:ln>
-                <a:noFill/>
-              </a:ln>
-              <a:effectLst/>
-              <a:uLnTx/>
-              <a:uFillTx/>
-              <a:ea typeface="Arial Unicode MS" pitchFamily="34" charset="-128"/>
-              <a:cs typeface="Arial Unicode MS" pitchFamily="34" charset="-128"/>
-            </a:endParaRPr>
-          </a:p>
-        </p:txBody>
-      </p:sp>
-      <p:sp>
-        <p:nvSpPr>
-          <p:cNvPr id="19" name="Rectangle 18"/>
-          <p:cNvSpPr/>
-          <p:nvPr/>
-        </p:nvSpPr>
-        <p:spPr bwMode="gray">
-          <a:xfrm>
-            <a:off x="7208370" y="5386537"/>
-            <a:ext cx="1319714" cy="428584"/>
-          </a:xfrm>
-          <a:prstGeom prst="rect">
-            <a:avLst/>
-          </a:prstGeom>
-          <a:ln>
-            <a:headEnd/>
-            <a:tailEnd/>
-          </a:ln>
-        </p:spPr>
-        <p:style>
-          <a:lnRef idx="2">
-            <a:schemeClr val="accent2"/>
-          </a:lnRef>
-          <a:fillRef idx="1">
-            <a:schemeClr val="lt1"/>
-          </a:fillRef>
-          <a:effectRef idx="0">
-            <a:schemeClr val="accent2"/>
-          </a:effectRef>
-          <a:fontRef idx="minor">
-            <a:schemeClr val="dk1"/>
-          </a:fontRef>
-        </p:style>
-        <p:txBody>
-          <a:bodyPr lIns="90000" tIns="72000" rIns="90000" bIns="72000" rtlCol="0" anchor="ctr"/>
-          <a:lstStyle/>
-          <a:p>
-            <a:pPr marR="0" algn="ctr" defTabSz="914400" eaLnBrk="1" fontAlgn="base" latinLnBrk="0" hangingPunct="1">
-              <a:lnSpc>
-                <a:spcPct val="100000"/>
-              </a:lnSpc>
-              <a:spcBef>
-                <a:spcPct val="50000"/>
-              </a:spcBef>
-              <a:spcAft>
-                <a:spcPct val="0"/>
-              </a:spcAft>
-              <a:buClr>
-                <a:srgbClr val="F0AB00"/>
-              </a:buClr>
-              <a:buSzPct val="80000"/>
-              <a:tabLst/>
-            </a:pPr>
-            <a:r>
-              <a:rPr lang="de-DE" sz="1800" kern="0" dirty="0">
-                <a:ea typeface="Arial Unicode MS" pitchFamily="34" charset="-128"/>
-                <a:cs typeface="Arial Unicode MS" pitchFamily="34" charset="-128"/>
-              </a:rPr>
-              <a:t>a</a:t>
-            </a:r>
-            <a:r>
-              <a:rPr kumimoji="0" lang="de-DE" sz="1800" b="0" i="0" u="none" strike="noStrike" kern="0" cap="none" spc="0" normalizeH="0" baseline="0" noProof="0" dirty="0">
-                <a:ln>
-                  <a:noFill/>
-                </a:ln>
-                <a:effectLst/>
-                <a:uLnTx/>
-                <a:uFillTx/>
-                <a:ea typeface="Arial Unicode MS" pitchFamily="34" charset="-128"/>
-                <a:cs typeface="Arial Unicode MS" pitchFamily="34" charset="-128"/>
-              </a:rPr>
-              <a:t>pp=</a:t>
-            </a:r>
-            <a:r>
-              <a:rPr kumimoji="0" lang="de-DE" sz="1800" b="0" i="0" u="none" strike="noStrike" kern="0" cap="none" spc="0" normalizeH="0" baseline="0" noProof="0" dirty="0" err="1">
-                <a:ln>
-                  <a:noFill/>
-                </a:ln>
-                <a:effectLst/>
-                <a:uLnTx/>
-                <a:uFillTx/>
-                <a:ea typeface="Arial Unicode MS" pitchFamily="34" charset="-128"/>
-                <a:cs typeface="Arial Unicode MS" pitchFamily="34" charset="-128"/>
-              </a:rPr>
-              <a:t>client</a:t>
-            </a:r>
-            <a:endParaRPr kumimoji="0" lang="de-DE" sz="1800" b="0" i="0" u="none" strike="noStrike" kern="0" cap="none" spc="0" normalizeH="0" baseline="0" noProof="0" dirty="0">
-              <a:ln>
-                <a:noFill/>
-              </a:ln>
-              <a:effectLst/>
-              <a:uLnTx/>
-              <a:uFillTx/>
-              <a:ea typeface="Arial Unicode MS" pitchFamily="34" charset="-128"/>
-              <a:cs typeface="Arial Unicode MS" pitchFamily="34" charset="-128"/>
-            </a:endParaRPr>
-          </a:p>
-        </p:txBody>
-      </p:sp>
-      <p:sp>
-        <p:nvSpPr>
-          <p:cNvPr id="20" name="Rectangle 19"/>
-          <p:cNvSpPr/>
-          <p:nvPr/>
-        </p:nvSpPr>
-        <p:spPr bwMode="gray">
-          <a:xfrm>
-            <a:off x="9575331" y="5386537"/>
-            <a:ext cx="1073656" cy="428584"/>
-          </a:xfrm>
-          <a:prstGeom prst="rect">
-            <a:avLst/>
-          </a:prstGeom>
-          <a:ln>
-            <a:headEnd/>
-            <a:tailEnd/>
-          </a:ln>
-        </p:spPr>
-        <p:style>
-          <a:lnRef idx="2">
-            <a:schemeClr val="accent2"/>
-          </a:lnRef>
-          <a:fillRef idx="1">
-            <a:schemeClr val="lt1"/>
-          </a:fillRef>
-          <a:effectRef idx="0">
-            <a:schemeClr val="accent2"/>
-          </a:effectRef>
-          <a:fontRef idx="minor">
-            <a:schemeClr val="dk1"/>
-          </a:fontRef>
-        </p:style>
-        <p:txBody>
-          <a:bodyPr lIns="90000" tIns="72000" rIns="90000" bIns="72000" rtlCol="0" anchor="ctr"/>
-          <a:lstStyle/>
-          <a:p>
-            <a:pPr marR="0" algn="ctr" defTabSz="914400" eaLnBrk="1" fontAlgn="base" latinLnBrk="0" hangingPunct="1">
-              <a:lnSpc>
-                <a:spcPct val="100000"/>
-              </a:lnSpc>
-              <a:spcBef>
-                <a:spcPct val="50000"/>
-              </a:spcBef>
-              <a:spcAft>
-                <a:spcPct val="0"/>
-              </a:spcAft>
-              <a:buClr>
-                <a:srgbClr val="F0AB00"/>
-              </a:buClr>
-              <a:buSzPct val="80000"/>
-              <a:tabLst/>
-            </a:pPr>
-            <a:r>
-              <a:rPr lang="de-DE" sz="1800" kern="0" dirty="0">
-                <a:ea typeface="Arial Unicode MS" pitchFamily="34" charset="-128"/>
-                <a:cs typeface="Arial Unicode MS" pitchFamily="34" charset="-128"/>
-              </a:rPr>
-              <a:t>Port: 80</a:t>
-            </a:r>
-            <a:endParaRPr kumimoji="0" lang="de-DE" sz="1800" b="0" i="0" u="none" strike="noStrike" kern="0" cap="none" spc="0" normalizeH="0" baseline="0" noProof="0" dirty="0">
-              <a:ln>
-                <a:noFill/>
-              </a:ln>
-              <a:effectLst/>
-              <a:uLnTx/>
-              <a:uFillTx/>
-              <a:ea typeface="Arial Unicode MS" pitchFamily="34" charset="-128"/>
-              <a:cs typeface="Arial Unicode MS" pitchFamily="34" charset="-128"/>
-            </a:endParaRPr>
-          </a:p>
-        </p:txBody>
-      </p:sp>
-      <p:sp>
-        <p:nvSpPr>
-          <p:cNvPr id="17" name="Rectangle 16"/>
-          <p:cNvSpPr/>
-          <p:nvPr/>
-        </p:nvSpPr>
-        <p:spPr bwMode="gray">
-          <a:xfrm>
-            <a:off x="3826004" y="5386537"/>
-            <a:ext cx="1073656" cy="428584"/>
-          </a:xfrm>
-          <a:prstGeom prst="rect">
-            <a:avLst/>
-          </a:prstGeom>
-          <a:ln>
-            <a:headEnd/>
-            <a:tailEnd/>
-          </a:ln>
-        </p:spPr>
-        <p:style>
-          <a:lnRef idx="2">
-            <a:schemeClr val="accent2"/>
-          </a:lnRef>
-          <a:fillRef idx="1">
-            <a:schemeClr val="lt1"/>
-          </a:fillRef>
-          <a:effectRef idx="0">
-            <a:schemeClr val="accent2"/>
-          </a:effectRef>
-          <a:fontRef idx="minor">
-            <a:schemeClr val="dk1"/>
-          </a:fontRef>
-        </p:style>
-        <p:txBody>
-          <a:bodyPr lIns="90000" tIns="72000" rIns="90000" bIns="72000" rtlCol="0" anchor="ctr"/>
-          <a:lstStyle/>
-          <a:p>
-            <a:pPr marR="0" algn="ctr" defTabSz="914400" eaLnBrk="1" fontAlgn="base" latinLnBrk="0" hangingPunct="1">
-              <a:lnSpc>
-                <a:spcPct val="100000"/>
-              </a:lnSpc>
-              <a:spcBef>
-                <a:spcPct val="50000"/>
-              </a:spcBef>
-              <a:spcAft>
-                <a:spcPct val="0"/>
-              </a:spcAft>
-              <a:buClr>
-                <a:srgbClr val="F0AB00"/>
-              </a:buClr>
-              <a:buSzPct val="80000"/>
-              <a:tabLst/>
-            </a:pPr>
-            <a:r>
-              <a:rPr lang="de-DE" sz="1800" kern="0" dirty="0">
-                <a:ea typeface="Arial Unicode MS" pitchFamily="34" charset="-128"/>
-                <a:cs typeface="Arial Unicode MS" pitchFamily="34" charset="-128"/>
-              </a:rPr>
-              <a:t>Port: 80</a:t>
-            </a:r>
-            <a:endParaRPr kumimoji="0" lang="de-DE" sz="1800" b="0" i="0" u="none" strike="noStrike" kern="0" cap="none" spc="0" normalizeH="0" baseline="0" noProof="0" dirty="0">
-              <a:ln>
-                <a:noFill/>
-              </a:ln>
-              <a:effectLst/>
-              <a:uLnTx/>
-              <a:uFillTx/>
-              <a:ea typeface="Arial Unicode MS" pitchFamily="34" charset="-128"/>
-              <a:cs typeface="Arial Unicode MS" pitchFamily="34" charset="-128"/>
-            </a:endParaRPr>
-          </a:p>
-        </p:txBody>
-      </p:sp>
-      <p:sp>
-        <p:nvSpPr>
-          <p:cNvPr id="13" name="Rectangle 12"/>
-          <p:cNvSpPr/>
-          <p:nvPr/>
-        </p:nvSpPr>
-        <p:spPr bwMode="gray">
-          <a:xfrm>
-            <a:off x="8130685" y="4205839"/>
-            <a:ext cx="1645920" cy="365760"/>
-          </a:xfrm>
-          <a:prstGeom prst="rect">
-            <a:avLst/>
-          </a:prstGeom>
-          <a:ln>
-            <a:headEnd/>
-            <a:tailEnd/>
-          </a:ln>
-        </p:spPr>
-        <p:style>
-          <a:lnRef idx="2">
-            <a:schemeClr val="accent2"/>
-          </a:lnRef>
-          <a:fillRef idx="1">
-            <a:schemeClr val="lt1"/>
-          </a:fillRef>
-          <a:effectRef idx="0">
-            <a:schemeClr val="accent2"/>
-          </a:effectRef>
-          <a:fontRef idx="minor">
-            <a:schemeClr val="dk1"/>
-          </a:fontRef>
-        </p:style>
-        <p:txBody>
-          <a:bodyPr lIns="90000" tIns="72000" rIns="90000" bIns="72000" rtlCol="0" anchor="ctr"/>
-          <a:lstStyle/>
-          <a:p>
-            <a:pPr marR="0" algn="ctr" defTabSz="914400" eaLnBrk="1" fontAlgn="base" latinLnBrk="0" hangingPunct="1">
-              <a:lnSpc>
-                <a:spcPct val="100000"/>
-              </a:lnSpc>
-              <a:spcBef>
-                <a:spcPct val="50000"/>
-              </a:spcBef>
-              <a:spcAft>
-                <a:spcPct val="0"/>
-              </a:spcAft>
-              <a:buClr>
-                <a:srgbClr val="F0AB00"/>
-              </a:buClr>
-              <a:buSzPct val="80000"/>
-              <a:tabLst/>
-            </a:pPr>
-            <a:r>
-              <a:rPr kumimoji="0" lang="de-DE" sz="1800" b="0" i="0" u="none" strike="noStrike" kern="0" cap="none" spc="0" normalizeH="0" baseline="0" noProof="0" dirty="0">
-                <a:ln>
-                  <a:noFill/>
-                </a:ln>
-                <a:effectLst/>
-                <a:uLnTx/>
-                <a:uFillTx/>
-                <a:ea typeface="Arial Unicode MS" pitchFamily="34" charset="-128"/>
-                <a:cs typeface="Arial Unicode MS" pitchFamily="34" charset="-128"/>
-              </a:rPr>
-              <a:t>IP: 10.10.10.3</a:t>
-            </a:r>
-          </a:p>
-        </p:txBody>
-      </p:sp>
-      <p:sp>
-        <p:nvSpPr>
-          <p:cNvPr id="22" name="Rectangle 21"/>
-          <p:cNvSpPr/>
-          <p:nvPr/>
-        </p:nvSpPr>
-        <p:spPr bwMode="gray">
-          <a:xfrm>
-            <a:off x="341121" y="3227860"/>
-            <a:ext cx="2124327" cy="428584"/>
-          </a:xfrm>
-          <a:prstGeom prst="rect">
-            <a:avLst/>
-          </a:prstGeom>
-          <a:ln>
-            <a:headEnd/>
-            <a:tailEnd/>
-          </a:ln>
-        </p:spPr>
-        <p:style>
-          <a:lnRef idx="2">
-            <a:schemeClr val="accent5"/>
-          </a:lnRef>
-          <a:fillRef idx="1">
-            <a:schemeClr val="lt1"/>
-          </a:fillRef>
-          <a:effectRef idx="0">
-            <a:schemeClr val="accent5"/>
-          </a:effectRef>
-          <a:fontRef idx="minor">
-            <a:schemeClr val="dk1"/>
-          </a:fontRef>
-        </p:style>
-        <p:txBody>
-          <a:bodyPr lIns="90000" tIns="72000" rIns="90000" bIns="72000" rtlCol="0" anchor="ctr"/>
-          <a:lstStyle/>
-          <a:p>
-            <a:pPr marR="0" algn="ctr" defTabSz="914400" eaLnBrk="1" fontAlgn="base" latinLnBrk="0" hangingPunct="1">
-              <a:lnSpc>
-                <a:spcPct val="100000"/>
-              </a:lnSpc>
-              <a:spcBef>
-                <a:spcPct val="50000"/>
-              </a:spcBef>
-              <a:spcAft>
-                <a:spcPct val="0"/>
-              </a:spcAft>
-              <a:buClr>
-                <a:srgbClr val="F0AB00"/>
-              </a:buClr>
-              <a:buSzPct val="80000"/>
-              <a:tabLst/>
-            </a:pPr>
-            <a:r>
-              <a:rPr lang="de-DE" sz="1800" kern="0" dirty="0" err="1">
-                <a:ea typeface="Arial Unicode MS" pitchFamily="34" charset="-128"/>
-                <a:cs typeface="Arial Unicode MS" pitchFamily="34" charset="-128"/>
-              </a:rPr>
-              <a:t>NodePort</a:t>
-            </a:r>
-            <a:r>
-              <a:rPr lang="de-DE" sz="1800" kern="0" dirty="0">
-                <a:ea typeface="Arial Unicode MS" pitchFamily="34" charset="-128"/>
-                <a:cs typeface="Arial Unicode MS" pitchFamily="34" charset="-128"/>
-              </a:rPr>
-              <a:t>: 30021</a:t>
-            </a:r>
-            <a:endParaRPr kumimoji="0" lang="de-DE" sz="1800" b="0" i="0" u="none" strike="noStrike" kern="0" cap="none" spc="0" normalizeH="0" baseline="0" noProof="0" dirty="0">
-              <a:ln>
-                <a:noFill/>
-              </a:ln>
-              <a:effectLst/>
-              <a:uLnTx/>
-              <a:uFillTx/>
-              <a:ea typeface="Arial Unicode MS" pitchFamily="34" charset="-128"/>
-              <a:cs typeface="Arial Unicode MS" pitchFamily="34" charset="-128"/>
-            </a:endParaRPr>
-          </a:p>
-        </p:txBody>
-      </p:sp>
-      <p:sp>
-        <p:nvSpPr>
-          <p:cNvPr id="23" name="Rectangle 22"/>
-          <p:cNvSpPr/>
-          <p:nvPr/>
-        </p:nvSpPr>
-        <p:spPr bwMode="gray">
-          <a:xfrm>
-            <a:off x="9566150" y="3227860"/>
-            <a:ext cx="2124327" cy="428584"/>
-          </a:xfrm>
-          <a:prstGeom prst="rect">
-            <a:avLst/>
-          </a:prstGeom>
-          <a:ln>
-            <a:headEnd/>
-            <a:tailEnd/>
-          </a:ln>
-        </p:spPr>
-        <p:style>
-          <a:lnRef idx="2">
-            <a:schemeClr val="accent5"/>
-          </a:lnRef>
-          <a:fillRef idx="1">
-            <a:schemeClr val="lt1"/>
-          </a:fillRef>
-          <a:effectRef idx="0">
-            <a:schemeClr val="accent5"/>
-          </a:effectRef>
-          <a:fontRef idx="minor">
-            <a:schemeClr val="dk1"/>
-          </a:fontRef>
-        </p:style>
-        <p:txBody>
-          <a:bodyPr lIns="90000" tIns="72000" rIns="90000" bIns="72000" rtlCol="0" anchor="ctr"/>
-          <a:lstStyle/>
-          <a:p>
-            <a:pPr marR="0" algn="ctr" defTabSz="914400" eaLnBrk="1" fontAlgn="base" latinLnBrk="0" hangingPunct="1">
-              <a:lnSpc>
-                <a:spcPct val="100000"/>
-              </a:lnSpc>
-              <a:spcBef>
-                <a:spcPct val="50000"/>
-              </a:spcBef>
-              <a:spcAft>
-                <a:spcPct val="0"/>
-              </a:spcAft>
-              <a:buClr>
-                <a:srgbClr val="F0AB00"/>
-              </a:buClr>
-              <a:buSzPct val="80000"/>
-              <a:tabLst/>
-            </a:pPr>
-            <a:r>
-              <a:rPr lang="de-DE" sz="1800" kern="0" dirty="0" err="1">
-                <a:ea typeface="Arial Unicode MS" pitchFamily="34" charset="-128"/>
-                <a:cs typeface="Arial Unicode MS" pitchFamily="34" charset="-128"/>
-              </a:rPr>
-              <a:t>NodePort</a:t>
-            </a:r>
-            <a:r>
-              <a:rPr lang="de-DE" sz="1800" kern="0" dirty="0">
-                <a:ea typeface="Arial Unicode MS" pitchFamily="34" charset="-128"/>
-                <a:cs typeface="Arial Unicode MS" pitchFamily="34" charset="-128"/>
-              </a:rPr>
-              <a:t>: 30021</a:t>
-            </a:r>
-            <a:endParaRPr kumimoji="0" lang="de-DE" sz="1800" b="0" i="0" u="none" strike="noStrike" kern="0" cap="none" spc="0" normalizeH="0" baseline="0" noProof="0" dirty="0">
-              <a:ln>
-                <a:noFill/>
-              </a:ln>
-              <a:effectLst/>
-              <a:uLnTx/>
-              <a:uFillTx/>
-              <a:ea typeface="Arial Unicode MS" pitchFamily="34" charset="-128"/>
-              <a:cs typeface="Arial Unicode MS" pitchFamily="34" charset="-128"/>
-            </a:endParaRPr>
-          </a:p>
-        </p:txBody>
-      </p:sp>
-      <p:sp>
-        <p:nvSpPr>
-          <p:cNvPr id="24" name="Cloud 23"/>
-          <p:cNvSpPr/>
-          <p:nvPr/>
-        </p:nvSpPr>
-        <p:spPr bwMode="gray">
-          <a:xfrm>
-            <a:off x="4348821" y="1057695"/>
-            <a:ext cx="3496836" cy="1074420"/>
-          </a:xfrm>
-          <a:prstGeom prst="cloud">
-            <a:avLst/>
-          </a:prstGeom>
-          <a:solidFill>
-            <a:schemeClr val="accent1"/>
-          </a:solidFill>
-          <a:ln w="6350" algn="ctr">
-            <a:noFill/>
-            <a:miter lim="800000"/>
-            <a:headEnd/>
-            <a:tailEnd/>
-          </a:ln>
-        </p:spPr>
-        <p:txBody>
-          <a:bodyPr lIns="90000" tIns="72000" rIns="90000" bIns="72000" rtlCol="0" anchor="ctr"/>
-          <a:lstStyle/>
-          <a:p>
-            <a:pPr marR="0" algn="ctr" defTabSz="914400" eaLnBrk="1" fontAlgn="base" latinLnBrk="0" hangingPunct="1">
-              <a:lnSpc>
-                <a:spcPct val="100000"/>
-              </a:lnSpc>
-              <a:spcBef>
-                <a:spcPct val="50000"/>
-              </a:spcBef>
-              <a:spcAft>
-                <a:spcPct val="0"/>
-              </a:spcAft>
-              <a:buClr>
-                <a:srgbClr val="F0AB00"/>
-              </a:buClr>
-              <a:buSzPct val="80000"/>
-              <a:tabLst/>
-            </a:pPr>
-            <a:r>
-              <a:rPr lang="en-US" sz="1800" kern="0" dirty="0">
-                <a:ea typeface="Arial Unicode MS" pitchFamily="34" charset="-128"/>
-                <a:cs typeface="Arial Unicode MS" pitchFamily="34" charset="-128"/>
-              </a:rPr>
-              <a:t>GET: nginx:30021</a:t>
-            </a:r>
-            <a:endParaRPr kumimoji="0" lang="en-US" sz="1800" b="0" i="0" u="none" strike="noStrike" kern="0" cap="none" spc="0" normalizeH="0" baseline="0" noProof="0" dirty="0" err="1">
-              <a:ln>
-                <a:noFill/>
-              </a:ln>
-              <a:effectLst/>
-              <a:uLnTx/>
-              <a:uFillTx/>
-              <a:ea typeface="Arial Unicode MS" pitchFamily="34" charset="-128"/>
-              <a:cs typeface="Arial Unicode MS" pitchFamily="34" charset="-128"/>
-            </a:endParaRPr>
-          </a:p>
-        </p:txBody>
-      </p:sp>
-      <p:cxnSp>
-        <p:nvCxnSpPr>
-          <p:cNvPr id="26" name="Connector: Elbow 25"/>
-          <p:cNvCxnSpPr>
-            <a:stCxn id="24" idx="2"/>
-            <a:endCxn id="22" idx="0"/>
-          </p:cNvCxnSpPr>
-          <p:nvPr/>
-        </p:nvCxnSpPr>
-        <p:spPr>
-          <a:xfrm rot="10800000" flipV="1">
-            <a:off x="1403286" y="1594904"/>
-            <a:ext cx="2956383" cy="1632955"/>
-          </a:xfrm>
-          <a:prstGeom prst="bentConnector2">
-            <a:avLst/>
-          </a:prstGeom>
-          <a:ln w="57150">
-            <a:solidFill>
-              <a:schemeClr val="tx2"/>
-            </a:solidFill>
-            <a:headEnd type="none" w="med" len="med"/>
-            <a:tailEnd type="triangle"/>
-          </a:ln>
-        </p:spPr>
-        <p:style>
-          <a:lnRef idx="1">
-            <a:schemeClr val="accent1"/>
-          </a:lnRef>
-          <a:fillRef idx="0">
-            <a:schemeClr val="accent1"/>
-          </a:fillRef>
-          <a:effectRef idx="0">
-            <a:schemeClr val="accent1"/>
-          </a:effectRef>
-          <a:fontRef idx="minor">
-            <a:schemeClr val="tx1"/>
-          </a:fontRef>
-        </p:style>
-      </p:cxnSp>
-      <p:cxnSp>
-        <p:nvCxnSpPr>
-          <p:cNvPr id="27" name="Connector: Elbow 26"/>
-          <p:cNvCxnSpPr>
-            <a:stCxn id="24" idx="0"/>
-            <a:endCxn id="23" idx="0"/>
-          </p:cNvCxnSpPr>
-          <p:nvPr/>
-        </p:nvCxnSpPr>
-        <p:spPr>
-          <a:xfrm>
-            <a:off x="7842743" y="1594905"/>
-            <a:ext cx="2785571" cy="1632955"/>
-          </a:xfrm>
-          <a:prstGeom prst="bentConnector2">
-            <a:avLst/>
-          </a:prstGeom>
-          <a:ln w="57150">
-            <a:solidFill>
-              <a:schemeClr val="tx2"/>
-            </a:solidFill>
-            <a:headEnd type="none" w="med" len="med"/>
-            <a:tailEnd type="triangle"/>
-          </a:ln>
-        </p:spPr>
-        <p:style>
-          <a:lnRef idx="1">
-            <a:schemeClr val="accent1"/>
-          </a:lnRef>
-          <a:fillRef idx="0">
-            <a:schemeClr val="accent1"/>
-          </a:fillRef>
-          <a:effectRef idx="0">
-            <a:schemeClr val="accent1"/>
-          </a:effectRef>
-          <a:fontRef idx="minor">
-            <a:schemeClr val="tx1"/>
-          </a:fontRef>
-        </p:style>
-      </p:cxnSp>
-      <p:cxnSp>
-        <p:nvCxnSpPr>
-          <p:cNvPr id="30" name="Connector: Elbow 29"/>
-          <p:cNvCxnSpPr>
-            <a:stCxn id="23" idx="2"/>
-            <a:endCxn id="14" idx="0"/>
-          </p:cNvCxnSpPr>
-          <p:nvPr/>
-        </p:nvCxnSpPr>
-        <p:spPr>
-          <a:xfrm rot="5400000">
-            <a:off x="8824672" y="2112838"/>
-            <a:ext cx="260036" cy="3347249"/>
-          </a:xfrm>
-          <a:prstGeom prst="bentConnector2">
-            <a:avLst/>
-          </a:prstGeom>
-          <a:ln w="57150">
-            <a:solidFill>
-              <a:schemeClr val="tx2"/>
-            </a:solidFill>
-            <a:headEnd type="none" w="med" len="med"/>
-            <a:tailEnd type="triangle"/>
-          </a:ln>
-        </p:spPr>
-        <p:style>
-          <a:lnRef idx="1">
-            <a:schemeClr val="accent1"/>
-          </a:lnRef>
-          <a:fillRef idx="0">
-            <a:schemeClr val="accent1"/>
-          </a:fillRef>
-          <a:effectRef idx="0">
-            <a:schemeClr val="accent1"/>
-          </a:effectRef>
-          <a:fontRef idx="minor">
-            <a:schemeClr val="tx1"/>
-          </a:fontRef>
-        </p:style>
-      </p:cxnSp>
-      <p:cxnSp>
-        <p:nvCxnSpPr>
-          <p:cNvPr id="33" name="Connector: Elbow 32"/>
-          <p:cNvCxnSpPr>
-            <a:stCxn id="22" idx="2"/>
-            <a:endCxn id="14" idx="2"/>
-          </p:cNvCxnSpPr>
-          <p:nvPr/>
-        </p:nvCxnSpPr>
-        <p:spPr>
-          <a:xfrm rot="16200000" flipH="1">
-            <a:off x="2974991" y="2084738"/>
-            <a:ext cx="260036" cy="3403448"/>
-          </a:xfrm>
-          <a:prstGeom prst="bentConnector2">
-            <a:avLst/>
-          </a:prstGeom>
-          <a:ln w="57150">
-            <a:solidFill>
-              <a:schemeClr val="tx2"/>
-            </a:solidFill>
-            <a:headEnd type="none" w="med" len="med"/>
-            <a:tailEnd type="triangle"/>
-          </a:ln>
-        </p:spPr>
-        <p:style>
-          <a:lnRef idx="1">
-            <a:schemeClr val="accent1"/>
-          </a:lnRef>
-          <a:fillRef idx="0">
-            <a:schemeClr val="accent1"/>
-          </a:fillRef>
-          <a:effectRef idx="0">
-            <a:schemeClr val="accent1"/>
-          </a:effectRef>
-          <a:fontRef idx="minor">
-            <a:schemeClr val="tx1"/>
-          </a:fontRef>
-        </p:style>
-      </p:cxnSp>
-      <p:cxnSp>
-        <p:nvCxnSpPr>
-          <p:cNvPr id="36" name="Connector: Elbow 35"/>
-          <p:cNvCxnSpPr>
-            <a:stCxn id="14" idx="1"/>
-            <a:endCxn id="15" idx="2"/>
-          </p:cNvCxnSpPr>
-          <p:nvPr/>
-        </p:nvCxnSpPr>
-        <p:spPr>
-          <a:xfrm rot="5400000">
-            <a:off x="3718719" y="3489941"/>
-            <a:ext cx="725362" cy="3924999"/>
-          </a:xfrm>
-          <a:prstGeom prst="bentConnector3">
-            <a:avLst>
-              <a:gd name="adj1" fmla="val 137818"/>
-            </a:avLst>
-          </a:prstGeom>
-          <a:ln w="57150">
-            <a:solidFill>
-              <a:schemeClr val="tx2"/>
-            </a:solidFill>
-            <a:headEnd type="none" w="med" len="med"/>
-            <a:tailEnd type="triangle"/>
-          </a:ln>
-        </p:spPr>
-        <p:style>
-          <a:lnRef idx="1">
-            <a:schemeClr val="accent1"/>
-          </a:lnRef>
-          <a:fillRef idx="0">
-            <a:schemeClr val="accent1"/>
-          </a:fillRef>
-          <a:effectRef idx="0">
-            <a:schemeClr val="accent1"/>
-          </a:effectRef>
-          <a:fontRef idx="minor">
-            <a:schemeClr val="tx1"/>
-          </a:fontRef>
-        </p:style>
-      </p:cxnSp>
-    </p:spTree>
-    <p:extLst>
-      <p:ext uri="{BB962C8B-B14F-4D97-AF65-F5344CB8AC3E}">
-        <p14:creationId xmlns:p14="http://schemas.microsoft.com/office/powerpoint/2010/main" val="2098045799"/>
-      </p:ext>
-    </p:extLst>
-  </p:cSld>
-  <p:clrMapOvr>
-    <a:masterClrMapping/>
-  </p:clrMapOvr>
 </p:sld>
 </file>
 

--- a/kubernetes/04_networking_services.pptx
+++ b/kubernetes/04_networking_services.pptx
@@ -8941,6 +8941,66 @@
           </a:stretch>
         </p:blipFill>
         <p:spPr/>
+      </p:pic>
+      <p:pic>
+        <p:nvPicPr>
+          <p:cNvPr id="4" name="Picture 3" descr="cid:image003.png@01D31CC6.A08B1C50">
+            <a:extLst>
+              <a:ext uri="{FF2B5EF4-FFF2-40B4-BE49-F238E27FC236}">
+                <a16:creationId xmlns:a16="http://schemas.microsoft.com/office/drawing/2014/main" id="{CE860390-F50F-48A8-AA1A-AE0217946FC1}"/>
+              </a:ext>
+            </a:extLst>
+          </p:cNvPr>
+          <p:cNvPicPr>
+            <a:picLocks noChangeAspect="1" noChangeArrowheads="1"/>
+          </p:cNvPicPr>
+          <p:nvPr/>
+        </p:nvPicPr>
+        <p:blipFill>
+          <a:blip r:embed="rId3">
+            <a:extLst>
+              <a:ext uri="{28A0092B-C50C-407E-A947-70E740481C1C}">
+                <a14:useLocalDpi xmlns:a14="http://schemas.microsoft.com/office/drawing/2010/main" val="0"/>
+              </a:ext>
+            </a:extLst>
+          </a:blip>
+          <a:srcRect/>
+          <a:stretch>
+            <a:fillRect/>
+          </a:stretch>
+        </p:blipFill>
+        <p:spPr bwMode="auto">
+          <a:xfrm>
+            <a:off x="10780712" y="5721975"/>
+            <a:ext cx="1414463" cy="1136025"/>
+          </a:xfrm>
+          <a:prstGeom prst="rect">
+            <a:avLst/>
+          </a:prstGeom>
+          <a:noFill/>
+          <a:ln>
+            <a:noFill/>
+          </a:ln>
+          <a:extLst>
+            <a:ext uri="{909E8E84-426E-40DD-AFC4-6F175D3DCCD1}">
+              <a14:hiddenFill xmlns:a14="http://schemas.microsoft.com/office/drawing/2010/main">
+                <a:solidFill>
+                  <a:srgbClr val="FFFFFF"/>
+                </a:solidFill>
+              </a14:hiddenFill>
+            </a:ext>
+            <a:ext uri="{91240B29-F687-4F45-9708-019B960494DF}">
+              <a14:hiddenLine xmlns:a14="http://schemas.microsoft.com/office/drawing/2010/main" w="9525">
+                <a:solidFill>
+                  <a:srgbClr val="000000"/>
+                </a:solidFill>
+                <a:miter lim="800000"/>
+                <a:headEnd/>
+                <a:tailEnd/>
+              </a14:hiddenLine>
+            </a:ext>
+          </a:extLst>
+        </p:spPr>
       </p:pic>
     </p:spTree>
     <p:extLst>

--- a/kubernetes/04_networking_services.pptx
+++ b/kubernetes/04_networking_services.pptx
@@ -1089,7 +1089,15 @@
             </a:r>
             <a:r>
               <a:rPr lang="en-US" baseline="0" dirty="0"/>
-              <a:t> run --</a:t>
+              <a:t> run </a:t>
+            </a:r>
+            <a:r>
+              <a:rPr lang="en-US" baseline="0" dirty="0" err="1"/>
+              <a:t>dns</a:t>
+            </a:r>
+            <a:r>
+              <a:rPr lang="en-US" baseline="0" dirty="0"/>
+              <a:t>-test --</a:t>
             </a:r>
             <a:r>
               <a:rPr lang="en-US" baseline="0" dirty="0" err="1"/>
@@ -1117,7 +1125,7 @@
             </a:r>
             <a:r>
               <a:rPr lang="en-US" baseline="0"/>
-              <a:t>bin/sh</a:t>
+              <a:t>bin/ash</a:t>
             </a:r>
             <a:r>
               <a:rPr lang="en-US" baseline="0" dirty="0"/>

--- a/kubernetes/04_networking_services.pptx
+++ b/kubernetes/04_networking_services.pptx
@@ -5,10 +5,10 @@
     <p:sldMasterId id="2147483733" r:id="rId1"/>
   </p:sldMasterIdLst>
   <p:notesMasterIdLst>
-    <p:notesMasterId r:id="rId14"/>
+    <p:notesMasterId r:id="rId16"/>
   </p:notesMasterIdLst>
   <p:handoutMasterIdLst>
-    <p:handoutMasterId r:id="rId15"/>
+    <p:handoutMasterId r:id="rId17"/>
   </p:handoutMasterIdLst>
   <p:sldIdLst>
     <p:sldId id="433" r:id="rId2"/>
@@ -21,8 +21,10 @@
     <p:sldId id="448" r:id="rId9"/>
     <p:sldId id="452" r:id="rId10"/>
     <p:sldId id="450" r:id="rId11"/>
-    <p:sldId id="451" r:id="rId12"/>
-    <p:sldId id="265" r:id="rId13"/>
+    <p:sldId id="455" r:id="rId12"/>
+    <p:sldId id="456" r:id="rId13"/>
+    <p:sldId id="451" r:id="rId14"/>
+    <p:sldId id="265" r:id="rId15"/>
   </p:sldIdLst>
   <p:sldSz cx="12195175" cy="6858000"/>
   <p:notesSz cx="6858000" cy="9144000"/>
@@ -633,6 +635,98 @@
 </p:notes>
 </file>
 
+<file path=ppt/notesSlides/notesSlide10.xml><?xml version="1.0" encoding="utf-8"?>
+<p:notes xmlns:a="http://schemas.openxmlformats.org/drawingml/2006/main" xmlns:r="http://schemas.openxmlformats.org/officeDocument/2006/relationships" xmlns:p="http://schemas.openxmlformats.org/presentationml/2006/main">
+  <p:cSld>
+    <p:spTree>
+      <p:nvGrpSpPr>
+        <p:cNvPr id="1" name=""/>
+        <p:cNvGrpSpPr/>
+        <p:nvPr/>
+      </p:nvGrpSpPr>
+      <p:grpSpPr>
+        <a:xfrm>
+          <a:off x="0" y="0"/>
+          <a:ext cx="0" cy="0"/>
+          <a:chOff x="0" y="0"/>
+          <a:chExt cx="0" cy="0"/>
+        </a:xfrm>
+      </p:grpSpPr>
+      <p:sp>
+        <p:nvSpPr>
+          <p:cNvPr id="4" name="Slide Number Placeholder 3"/>
+          <p:cNvSpPr>
+            <a:spLocks noGrp="1"/>
+          </p:cNvSpPr>
+          <p:nvPr>
+            <p:ph type="sldNum" sz="quarter" idx="10"/>
+          </p:nvPr>
+        </p:nvSpPr>
+        <p:spPr/>
+        <p:txBody>
+          <a:bodyPr/>
+          <a:lstStyle/>
+          <a:p>
+            <a:fld id="{7D8C2C35-2B8A-446E-BEC0-FD36716C29AC}" type="slidenum">
+              <a:rPr lang="de-DE" smtClean="0"/>
+              <a:pPr/>
+              <a:t>14</a:t>
+            </a:fld>
+            <a:endParaRPr lang="de-DE" dirty="0"/>
+          </a:p>
+        </p:txBody>
+      </p:sp>
+      <p:sp>
+        <p:nvSpPr>
+          <p:cNvPr id="6" name="Slide Image Placeholder 5"/>
+          <p:cNvSpPr>
+            <a:spLocks noGrp="1" noRot="1" noChangeAspect="1"/>
+          </p:cNvSpPr>
+          <p:nvPr>
+            <p:ph type="sldImg"/>
+          </p:nvPr>
+        </p:nvSpPr>
+        <p:spPr>
+          <a:xfrm>
+            <a:off x="547688" y="612775"/>
+            <a:ext cx="5762625" cy="3241675"/>
+          </a:xfrm>
+        </p:spPr>
+      </p:sp>
+      <p:sp>
+        <p:nvSpPr>
+          <p:cNvPr id="7" name="Notes Placeholder 6"/>
+          <p:cNvSpPr>
+            <a:spLocks noGrp="1"/>
+          </p:cNvSpPr>
+          <p:nvPr>
+            <p:ph type="body" idx="1"/>
+          </p:nvPr>
+        </p:nvSpPr>
+        <p:spPr/>
+        <p:txBody>
+          <a:bodyPr>
+            <a:normAutofit/>
+          </a:bodyPr>
+          <a:lstStyle/>
+          <a:p>
+            <a:endParaRPr lang="en-US"/>
+          </a:p>
+        </p:txBody>
+      </p:sp>
+    </p:spTree>
+    <p:extLst>
+      <p:ext uri="{BB962C8B-B14F-4D97-AF65-F5344CB8AC3E}">
+        <p14:creationId xmlns:p14="http://schemas.microsoft.com/office/powerpoint/2010/main" val="2544264309"/>
+      </p:ext>
+    </p:extLst>
+  </p:cSld>
+  <p:clrMapOvr>
+    <a:masterClrMapping/>
+  </p:clrMapOvr>
+</p:notes>
+</file>
+
 <file path=ppt/notesSlides/notesSlide2.xml><?xml version="1.0" encoding="utf-8"?>
 <p:notes xmlns:a="http://schemas.openxmlformats.org/drawingml/2006/main" xmlns:r="http://schemas.openxmlformats.org/officeDocument/2006/relationships" xmlns:p="http://schemas.openxmlformats.org/presentationml/2006/main">
   <p:cSld>
@@ -767,23 +861,7 @@
           <a:p>
             <a:r>
               <a:rPr lang="en-US" dirty="0"/>
-              <a:t>Services serve as static endpoints to one or many pods. They get an internal IP address as well but also their name becomes a routable, cluster-internal DNS entry. So instead of calling 10.10.0.5, “</a:t>
-            </a:r>
-            <a:r>
-              <a:rPr lang="en-US" dirty="0" err="1"/>
-              <a:t>nginx</a:t>
-            </a:r>
-            <a:r>
-              <a:rPr lang="en-US" dirty="0"/>
-              <a:t>” could be valid as well (assuming the service is called </a:t>
-            </a:r>
-            <a:r>
-              <a:rPr lang="en-US" dirty="0" err="1"/>
-              <a:t>nginx</a:t>
-            </a:r>
-            <a:r>
-              <a:rPr lang="en-US" dirty="0"/>
-              <a:t>)</a:t>
+              <a:t>Services serve as static endpoints to one or many pods. They get an internal IP address as well but also their name becomes a routable, cluster-internal DNS entry. So instead of calling 10.10.0.5, “nginx” could be valid as well (assuming the service is called nginx)</a:t>
             </a:r>
           </a:p>
           <a:p>
@@ -1121,15 +1199,7 @@
             </a:r>
             <a:r>
               <a:rPr lang="en-US" baseline="0" dirty="0"/>
-              <a:t> /</a:t>
-            </a:r>
-            <a:r>
-              <a:rPr lang="en-US" baseline="0"/>
-              <a:t>bin/ash</a:t>
-            </a:r>
-            <a:r>
-              <a:rPr lang="en-US" baseline="0" dirty="0"/>
-              <a:t>”; use the DNS name of a service to download an index.html (i.e. “</a:t>
+              <a:t> /bin/ash”; use the DNS name of a service to download an index.html (i.e. “</a:t>
             </a:r>
             <a:r>
               <a:rPr lang="en-US" baseline="0" dirty="0" err="1"/>
@@ -1137,15 +1207,7 @@
             </a:r>
             <a:r>
               <a:rPr lang="en-US" baseline="0" dirty="0"/>
-              <a:t> </a:t>
-            </a:r>
-            <a:r>
-              <a:rPr lang="en-US" baseline="0" dirty="0" err="1"/>
-              <a:t>nginx</a:t>
-            </a:r>
-            <a:r>
-              <a:rPr lang="en-US" baseline="0" dirty="0"/>
-              <a:t>”)</a:t>
+              <a:t> nginx”)</a:t>
             </a:r>
             <a:endParaRPr lang="en-US" dirty="0"/>
           </a:p>
@@ -1250,13 +1312,8 @@
             </a:r>
             <a:r>
               <a:rPr lang="en-US" dirty="0"/>
-              <a:t> will be routed to the corresponding service. From there it will be forwarded to service’s pods, regardless on which node it they </a:t>
-            </a:r>
-            <a:r>
-              <a:rPr lang="en-US"/>
-              <a:t>actually run.</a:t>
-            </a:r>
-            <a:endParaRPr lang="en-US" dirty="0"/>
+              <a:t> will be routed to the corresponding service. From there it will be forwarded to service’s pods, regardless on which node it they actually run.</a:t>
+            </a:r>
           </a:p>
         </p:txBody>
       </p:sp>
@@ -1316,6 +1373,46 @@
       </p:grpSpPr>
       <p:sp>
         <p:nvSpPr>
+          <p:cNvPr id="2" name="Slide Image Placeholder 1"/>
+          <p:cNvSpPr>
+            <a:spLocks noGrp="1" noRot="1" noChangeAspect="1"/>
+          </p:cNvSpPr>
+          <p:nvPr>
+            <p:ph type="sldImg"/>
+          </p:nvPr>
+        </p:nvSpPr>
+        <p:spPr/>
+      </p:sp>
+      <p:sp>
+        <p:nvSpPr>
+          <p:cNvPr id="3" name="Notes Placeholder 2"/>
+          <p:cNvSpPr>
+            <a:spLocks noGrp="1"/>
+          </p:cNvSpPr>
+          <p:nvPr>
+            <p:ph type="body" idx="1"/>
+          </p:nvPr>
+        </p:nvSpPr>
+        <p:spPr/>
+        <p:txBody>
+          <a:bodyPr/>
+          <a:lstStyle/>
+          <a:p>
+            <a:r>
+              <a:rPr lang="en-US" dirty="0"/>
+              <a:t>A LoadBalancer is a single network endpoint with a unique IP which will be associated with a service. Incoming traffic to this IP on the service port will be forwarded through the service to the pods matching the labels specified in the service description.</a:t>
+            </a:r>
+          </a:p>
+          <a:p>
+            <a:r>
+              <a:rPr lang="en-US" dirty="0"/>
+              <a:t>LoadBalancers are an external entity provided to the cluster by Cloud Providers and their actual implementation varies among the different cloud platforms (GCP, Azure, AWS, OpenStack). If your cluster runs in an environment that does not support LoadBalancers, you can still try to create them but their state will remain “Pending” without ever getting an IP.</a:t>
+            </a:r>
+          </a:p>
+        </p:txBody>
+      </p:sp>
+      <p:sp>
+        <p:nvSpPr>
           <p:cNvPr id="4" name="Slide Number Placeholder 3"/>
           <p:cNvSpPr>
             <a:spLocks noGrp="1"/>
@@ -1332,15 +1429,45 @@
             <a:fld id="{7D8C2C35-2B8A-446E-BEC0-FD36716C29AC}" type="slidenum">
               <a:rPr lang="de-DE" smtClean="0"/>
               <a:pPr/>
-              <a:t>12</a:t>
+              <a:t>11</a:t>
             </a:fld>
             <a:endParaRPr lang="de-DE" dirty="0"/>
           </a:p>
         </p:txBody>
       </p:sp>
+    </p:spTree>
+    <p:extLst>
+      <p:ext uri="{BB962C8B-B14F-4D97-AF65-F5344CB8AC3E}">
+        <p14:creationId xmlns:p14="http://schemas.microsoft.com/office/powerpoint/2010/main" val="382709494"/>
+      </p:ext>
+    </p:extLst>
+  </p:cSld>
+  <p:clrMapOvr>
+    <a:masterClrMapping/>
+  </p:clrMapOvr>
+</p:notes>
+</file>
+
+<file path=ppt/notesSlides/notesSlide9.xml><?xml version="1.0" encoding="utf-8"?>
+<p:notes xmlns:a="http://schemas.openxmlformats.org/drawingml/2006/main" xmlns:r="http://schemas.openxmlformats.org/officeDocument/2006/relationships" xmlns:p="http://schemas.openxmlformats.org/presentationml/2006/main">
+  <p:cSld>
+    <p:spTree>
+      <p:nvGrpSpPr>
+        <p:cNvPr id="1" name=""/>
+        <p:cNvGrpSpPr/>
+        <p:nvPr/>
+      </p:nvGrpSpPr>
+      <p:grpSpPr>
+        <a:xfrm>
+          <a:off x="0" y="0"/>
+          <a:ext cx="0" cy="0"/>
+          <a:chOff x="0" y="0"/>
+          <a:chExt cx="0" cy="0"/>
+        </a:xfrm>
+      </p:grpSpPr>
       <p:sp>
         <p:nvSpPr>
-          <p:cNvPr id="6" name="Slide Image Placeholder 5"/>
+          <p:cNvPr id="2" name="Slide Image Placeholder 1"/>
           <p:cNvSpPr>
             <a:spLocks noGrp="1" noRot="1" noChangeAspect="1"/>
           </p:cNvSpPr>
@@ -1348,16 +1475,11 @@
             <p:ph type="sldImg"/>
           </p:nvPr>
         </p:nvSpPr>
-        <p:spPr>
-          <a:xfrm>
-            <a:off x="547688" y="612775"/>
-            <a:ext cx="5762625" cy="3241675"/>
-          </a:xfrm>
-        </p:spPr>
+        <p:spPr/>
       </p:sp>
       <p:sp>
         <p:nvSpPr>
-          <p:cNvPr id="7" name="Notes Placeholder 6"/>
+          <p:cNvPr id="3" name="Notes Placeholder 2"/>
           <p:cNvSpPr>
             <a:spLocks noGrp="1"/>
           </p:cNvSpPr>
@@ -1367,19 +1489,47 @@
         </p:nvSpPr>
         <p:spPr/>
         <p:txBody>
-          <a:bodyPr>
-            <a:normAutofit/>
-          </a:bodyPr>
+          <a:bodyPr/>
           <a:lstStyle/>
           <a:p>
-            <a:endParaRPr lang="en-US"/>
+            <a:r>
+              <a:rPr lang="en-US" dirty="0"/>
+              <a:t>A LoadBalancer is a single network endpoint with a unique IP which will be associated with a service. Incoming traffic to this IP on the service port will be forwarded through the NodePorts and the service to the pods matching the labels specified in the service description.</a:t>
+            </a:r>
+          </a:p>
+          <a:p>
+            <a:endParaRPr lang="en-US" dirty="0"/>
+          </a:p>
+        </p:txBody>
+      </p:sp>
+      <p:sp>
+        <p:nvSpPr>
+          <p:cNvPr id="4" name="Slide Number Placeholder 3"/>
+          <p:cNvSpPr>
+            <a:spLocks noGrp="1"/>
+          </p:cNvSpPr>
+          <p:nvPr>
+            <p:ph type="sldNum" sz="quarter" idx="10"/>
+          </p:nvPr>
+        </p:nvSpPr>
+        <p:spPr/>
+        <p:txBody>
+          <a:bodyPr/>
+          <a:lstStyle/>
+          <a:p>
+            <a:fld id="{7D8C2C35-2B8A-446E-BEC0-FD36716C29AC}" type="slidenum">
+              <a:rPr lang="de-DE" smtClean="0"/>
+              <a:pPr/>
+              <a:t>12</a:t>
+            </a:fld>
+            <a:endParaRPr lang="de-DE" dirty="0"/>
           </a:p>
         </p:txBody>
       </p:sp>
     </p:spTree>
     <p:extLst>
       <p:ext uri="{BB962C8B-B14F-4D97-AF65-F5344CB8AC3E}">
-        <p14:creationId xmlns:p14="http://schemas.microsoft.com/office/powerpoint/2010/main" val="2544264309"/>
+        <p14:creationId xmlns:p14="http://schemas.microsoft.com/office/powerpoint/2010/main" val="58219664"/>
       </p:ext>
     </p:extLst>
   </p:cSld>
@@ -9126,15 +9276,7 @@
           <a:p>
             <a:r>
               <a:rPr lang="en-US" dirty="0"/>
-              <a:t>How </a:t>
-            </a:r>
-            <a:r>
-              <a:rPr lang="en-US" dirty="0" err="1"/>
-              <a:t>NodePorts</a:t>
-            </a:r>
-            <a:r>
-              <a:rPr lang="en-US" dirty="0"/>
-              <a:t> work</a:t>
+              <a:t>How NodePorts work</a:t>
             </a:r>
           </a:p>
         </p:txBody>
@@ -9348,225 +9490,6 @@
                 <a:cs typeface="Arial Unicode MS" pitchFamily="34" charset="-128"/>
               </a:rPr>
               <a:t>IP: 10.10.10.1</a:t>
-            </a:r>
-          </a:p>
-        </p:txBody>
-      </p:sp>
-      <p:sp>
-        <p:nvSpPr>
-          <p:cNvPr id="14" name="Rectangle: Single Corner Snipped 13"/>
-          <p:cNvSpPr/>
-          <p:nvPr/>
-        </p:nvSpPr>
-        <p:spPr bwMode="gray">
-          <a:xfrm>
-            <a:off x="4806733" y="2743200"/>
-            <a:ext cx="2474332" cy="2346559"/>
-          </a:xfrm>
-          <a:prstGeom prst="snip1Rect">
-            <a:avLst/>
-          </a:prstGeom>
-          <a:ln>
-            <a:headEnd/>
-            <a:tailEnd/>
-          </a:ln>
-        </p:spPr>
-        <p:style>
-          <a:lnRef idx="3">
-            <a:schemeClr val="lt1"/>
-          </a:lnRef>
-          <a:fillRef idx="1">
-            <a:schemeClr val="accent2"/>
-          </a:fillRef>
-          <a:effectRef idx="1">
-            <a:schemeClr val="accent2"/>
-          </a:effectRef>
-          <a:fontRef idx="minor">
-            <a:schemeClr val="lt1"/>
-          </a:fontRef>
-        </p:style>
-        <p:txBody>
-          <a:bodyPr lIns="90000" tIns="72000" rIns="90000" bIns="72000" rtlCol="0" anchor="ctr"/>
-          <a:lstStyle/>
-          <a:p>
-            <a:pPr marR="0" algn="ctr" defTabSz="914400" eaLnBrk="1" fontAlgn="base" latinLnBrk="0" hangingPunct="1">
-              <a:lnSpc>
-                <a:spcPct val="100000"/>
-              </a:lnSpc>
-              <a:spcBef>
-                <a:spcPct val="50000"/>
-              </a:spcBef>
-              <a:spcAft>
-                <a:spcPct val="0"/>
-              </a:spcAft>
-              <a:buClr>
-                <a:srgbClr val="F0AB00"/>
-              </a:buClr>
-              <a:buSzPct val="80000"/>
-              <a:tabLst/>
-            </a:pPr>
-            <a:r>
-              <a:rPr kumimoji="0" lang="en-US" sz="1800" b="0" i="0" u="none" strike="noStrike" kern="0" cap="none" spc="0" normalizeH="0" baseline="0" noProof="0" dirty="0">
-                <a:ln>
-                  <a:noFill/>
-                </a:ln>
-                <a:effectLst/>
-                <a:uLnTx/>
-                <a:uFillTx/>
-                <a:ea typeface="Arial Unicode MS" pitchFamily="34" charset="-128"/>
-                <a:cs typeface="Arial Unicode MS" pitchFamily="34" charset="-128"/>
-              </a:rPr>
-              <a:t>Service</a:t>
-            </a:r>
-          </a:p>
-          <a:p>
-            <a:pPr marR="0" algn="ctr" defTabSz="914400" eaLnBrk="1" fontAlgn="base" latinLnBrk="0" hangingPunct="1">
-              <a:lnSpc>
-                <a:spcPct val="100000"/>
-              </a:lnSpc>
-              <a:spcBef>
-                <a:spcPct val="50000"/>
-              </a:spcBef>
-              <a:spcAft>
-                <a:spcPct val="0"/>
-              </a:spcAft>
-              <a:buClr>
-                <a:srgbClr val="F0AB00"/>
-              </a:buClr>
-              <a:buSzPct val="80000"/>
-              <a:tabLst/>
-            </a:pPr>
-            <a:r>
-              <a:rPr lang="en-US" sz="1800" kern="0" dirty="0">
-                <a:ea typeface="Arial Unicode MS" pitchFamily="34" charset="-128"/>
-                <a:cs typeface="Arial Unicode MS" pitchFamily="34" charset="-128"/>
-              </a:rPr>
-              <a:t>Label: app= </a:t>
-            </a:r>
-            <a:r>
-              <a:rPr lang="en-US" sz="1800" kern="0" dirty="0" err="1">
-                <a:ea typeface="Arial Unicode MS" pitchFamily="34" charset="-128"/>
-                <a:cs typeface="Arial Unicode MS" pitchFamily="34" charset="-128"/>
-              </a:rPr>
-              <a:t>nginx</a:t>
-            </a:r>
-            <a:endParaRPr kumimoji="0" lang="en-US" sz="1800" b="0" i="0" u="none" strike="noStrike" kern="0" cap="none" spc="0" normalizeH="0" baseline="0" noProof="0" dirty="0">
-              <a:ln>
-                <a:noFill/>
-              </a:ln>
-              <a:effectLst/>
-              <a:uLnTx/>
-              <a:uFillTx/>
-              <a:ea typeface="Arial Unicode MS" pitchFamily="34" charset="-128"/>
-              <a:cs typeface="Arial Unicode MS" pitchFamily="34" charset="-128"/>
-            </a:endParaRPr>
-          </a:p>
-          <a:p>
-            <a:pPr marL="285750" marR="0" indent="-285750" defTabSz="914400" eaLnBrk="1" fontAlgn="base" latinLnBrk="0" hangingPunct="1">
-              <a:lnSpc>
-                <a:spcPct val="100000"/>
-              </a:lnSpc>
-              <a:spcBef>
-                <a:spcPct val="50000"/>
-              </a:spcBef>
-              <a:spcAft>
-                <a:spcPct val="0"/>
-              </a:spcAft>
-              <a:buClr>
-                <a:srgbClr val="F0AB00"/>
-              </a:buClr>
-              <a:buSzPct val="80000"/>
-              <a:buFontTx/>
-              <a:buChar char="-"/>
-              <a:tabLst/>
-            </a:pPr>
-            <a:r>
-              <a:rPr lang="en-US" sz="1800" kern="0" dirty="0" err="1">
-                <a:ea typeface="Arial Unicode MS" pitchFamily="34" charset="-128"/>
-                <a:cs typeface="Arial Unicode MS" pitchFamily="34" charset="-128"/>
-              </a:rPr>
-              <a:t>NodePort</a:t>
-            </a:r>
-            <a:r>
-              <a:rPr lang="en-US" sz="1800" kern="0" dirty="0">
-                <a:ea typeface="Arial Unicode MS" pitchFamily="34" charset="-128"/>
-                <a:cs typeface="Arial Unicode MS" pitchFamily="34" charset="-128"/>
-              </a:rPr>
-              <a:t>: 30021</a:t>
-            </a:r>
-          </a:p>
-          <a:p>
-            <a:pPr marL="285750" marR="0" indent="-285750" defTabSz="914400" eaLnBrk="1" fontAlgn="base" latinLnBrk="0" hangingPunct="1">
-              <a:lnSpc>
-                <a:spcPct val="100000"/>
-              </a:lnSpc>
-              <a:spcBef>
-                <a:spcPct val="50000"/>
-              </a:spcBef>
-              <a:spcAft>
-                <a:spcPct val="0"/>
-              </a:spcAft>
-              <a:buClr>
-                <a:srgbClr val="F0AB00"/>
-              </a:buClr>
-              <a:buSzPct val="80000"/>
-              <a:buFontTx/>
-              <a:buChar char="-"/>
-              <a:tabLst/>
-            </a:pPr>
-            <a:r>
-              <a:rPr lang="en-US" sz="1800" kern="0" dirty="0">
-                <a:ea typeface="Arial Unicode MS" pitchFamily="34" charset="-128"/>
-                <a:cs typeface="Arial Unicode MS" pitchFamily="34" charset="-128"/>
-              </a:rPr>
-              <a:t> </a:t>
-            </a:r>
-            <a:r>
-              <a:rPr lang="en-US" sz="1800" kern="0" dirty="0" err="1">
-                <a:ea typeface="Arial Unicode MS" pitchFamily="34" charset="-128"/>
-                <a:cs typeface="Arial Unicode MS" pitchFamily="34" charset="-128"/>
-              </a:rPr>
-              <a:t>TargetPort</a:t>
-            </a:r>
-            <a:r>
-              <a:rPr lang="en-US" sz="1800" kern="0" dirty="0">
-                <a:ea typeface="Arial Unicode MS" pitchFamily="34" charset="-128"/>
-                <a:cs typeface="Arial Unicode MS" pitchFamily="34" charset="-128"/>
-              </a:rPr>
-              <a:t>: 80</a:t>
-            </a:r>
-          </a:p>
-          <a:p>
-            <a:pPr marL="285750" marR="0" indent="-285750" defTabSz="914400" eaLnBrk="1" fontAlgn="base" latinLnBrk="0" hangingPunct="1">
-              <a:lnSpc>
-                <a:spcPct val="100000"/>
-              </a:lnSpc>
-              <a:spcBef>
-                <a:spcPct val="50000"/>
-              </a:spcBef>
-              <a:spcAft>
-                <a:spcPct val="0"/>
-              </a:spcAft>
-              <a:buClr>
-                <a:srgbClr val="F0AB00"/>
-              </a:buClr>
-              <a:buSzPct val="80000"/>
-              <a:buFontTx/>
-              <a:buChar char="-"/>
-              <a:tabLst/>
-            </a:pPr>
-            <a:r>
-              <a:rPr kumimoji="0" lang="en-US" sz="1800" b="0" i="0" u="none" strike="noStrike" kern="0" cap="none" spc="0" normalizeH="0" baseline="0" noProof="0" dirty="0">
-                <a:ln>
-                  <a:noFill/>
-                </a:ln>
-                <a:effectLst/>
-                <a:uLnTx/>
-                <a:uFillTx/>
-                <a:ea typeface="Arial Unicode MS" pitchFamily="34" charset="-128"/>
-                <a:cs typeface="Arial Unicode MS" pitchFamily="34" charset="-128"/>
-              </a:rPr>
-              <a:t>Port: 80</a:t>
             </a:r>
           </a:p>
         </p:txBody>
@@ -10119,18 +10042,11 @@
               <a:tabLst/>
             </a:pPr>
             <a:r>
-              <a:rPr lang="de-DE" sz="1800" kern="0" dirty="0" err="1">
-                <a:ea typeface="Arial Unicode MS" pitchFamily="34" charset="-128"/>
-                <a:cs typeface="Arial Unicode MS" pitchFamily="34" charset="-128"/>
-              </a:rPr>
-              <a:t>NodePort</a:t>
-            </a:r>
-            <a:r>
               <a:rPr lang="de-DE" sz="1800" kern="0" dirty="0">
                 <a:ea typeface="Arial Unicode MS" pitchFamily="34" charset="-128"/>
                 <a:cs typeface="Arial Unicode MS" pitchFamily="34" charset="-128"/>
               </a:rPr>
-              <a:t>: 30021</a:t>
+              <a:t>NodePort: 30021</a:t>
             </a:r>
             <a:endParaRPr kumimoji="0" lang="de-DE" sz="1800" b="0" i="0" u="none" strike="noStrike" kern="0" cap="none" spc="0" normalizeH="0" baseline="0" noProof="0" dirty="0">
               <a:ln>
@@ -10199,18 +10115,11 @@
               <a:tabLst/>
             </a:pPr>
             <a:r>
-              <a:rPr lang="de-DE" sz="1800" kern="0" dirty="0" err="1">
-                <a:ea typeface="Arial Unicode MS" pitchFamily="34" charset="-128"/>
-                <a:cs typeface="Arial Unicode MS" pitchFamily="34" charset="-128"/>
-              </a:rPr>
-              <a:t>NodePort</a:t>
-            </a:r>
-            <a:r>
               <a:rPr lang="de-DE" sz="1800" kern="0" dirty="0">
                 <a:ea typeface="Arial Unicode MS" pitchFamily="34" charset="-128"/>
                 <a:cs typeface="Arial Unicode MS" pitchFamily="34" charset="-128"/>
               </a:rPr>
-              <a:t>: 30021</a:t>
+              <a:t>NodePort: 30021</a:t>
             </a:r>
             <a:endParaRPr kumimoji="0" lang="de-DE" sz="1800" b="0" i="0" u="none" strike="noStrike" kern="0" cap="none" spc="0" normalizeH="0" baseline="0" noProof="0" dirty="0">
               <a:ln>
@@ -10371,17 +10280,61 @@
       </p:cxnSp>
       <p:cxnSp>
         <p:nvCxnSpPr>
-          <p:cNvPr id="30" name="Connector: Elbow 29"/>
+          <p:cNvPr id="36" name="Connector: Elbow 35"/>
           <p:cNvCxnSpPr>
-            <a:stCxn id="23" idx="2"/>
-            <a:endCxn id="14" idx="0"/>
+            <a:cxnSpLocks/>
+            <a:stCxn id="31" idx="1"/>
+            <a:endCxn id="15" idx="2"/>
           </p:cNvCxnSpPr>
           <p:nvPr/>
         </p:nvCxnSpPr>
         <p:spPr>
           <a:xfrm rot="5400000">
-            <a:off x="8824672" y="2112838"/>
-            <a:ext cx="260036" cy="3347249"/>
+            <a:off x="3594206" y="3379499"/>
+            <a:ext cx="960317" cy="3910927"/>
+          </a:xfrm>
+          <a:prstGeom prst="bentConnector3">
+            <a:avLst>
+              <a:gd name="adj1" fmla="val 123805"/>
+            </a:avLst>
+          </a:prstGeom>
+          <a:ln w="57150">
+            <a:solidFill>
+              <a:schemeClr val="tx2"/>
+            </a:solidFill>
+            <a:headEnd type="none" w="med" len="med"/>
+            <a:tailEnd type="triangle"/>
+          </a:ln>
+        </p:spPr>
+        <p:style>
+          <a:lnRef idx="1">
+            <a:schemeClr val="accent1"/>
+          </a:lnRef>
+          <a:fillRef idx="0">
+            <a:schemeClr val="accent1"/>
+          </a:fillRef>
+          <a:effectRef idx="0">
+            <a:schemeClr val="accent1"/>
+          </a:effectRef>
+          <a:fontRef idx="minor">
+            <a:schemeClr val="tx1"/>
+          </a:fontRef>
+        </p:style>
+      </p:cxnSp>
+      <p:cxnSp>
+        <p:nvCxnSpPr>
+          <p:cNvPr id="30" name="Connector: Elbow 29"/>
+          <p:cNvCxnSpPr>
+            <a:cxnSpLocks/>
+            <a:stCxn id="23" idx="2"/>
+            <a:endCxn id="31" idx="0"/>
+          </p:cNvCxnSpPr>
+          <p:nvPr/>
+        </p:nvCxnSpPr>
+        <p:spPr>
+          <a:xfrm rot="5400000">
+            <a:off x="8792393" y="2131045"/>
+            <a:ext cx="310522" cy="3361321"/>
           </a:xfrm>
           <a:prstGeom prst="bentConnector2">
             <a:avLst/>
@@ -10413,15 +10366,1350 @@
         <p:nvCxnSpPr>
           <p:cNvPr id="33" name="Connector: Elbow 32"/>
           <p:cNvCxnSpPr>
+            <a:cxnSpLocks/>
             <a:stCxn id="22" idx="2"/>
-            <a:endCxn id="14" idx="2"/>
+            <a:endCxn id="31" idx="2"/>
           </p:cNvCxnSpPr>
           <p:nvPr/>
         </p:nvCxnSpPr>
         <p:spPr>
           <a:xfrm rot="16200000" flipH="1">
-            <a:off x="2974991" y="2084738"/>
-            <a:ext cx="260036" cy="3403448"/>
+            <a:off x="2942712" y="2117017"/>
+            <a:ext cx="310522" cy="3389376"/>
+          </a:xfrm>
+          <a:prstGeom prst="bentConnector2">
+            <a:avLst/>
+          </a:prstGeom>
+          <a:ln w="57150">
+            <a:solidFill>
+              <a:schemeClr val="tx2"/>
+            </a:solidFill>
+            <a:headEnd type="none" w="med" len="med"/>
+            <a:tailEnd type="triangle"/>
+          </a:ln>
+        </p:spPr>
+        <p:style>
+          <a:lnRef idx="1">
+            <a:schemeClr val="accent1"/>
+          </a:lnRef>
+          <a:fillRef idx="0">
+            <a:schemeClr val="accent1"/>
+          </a:fillRef>
+          <a:effectRef idx="0">
+            <a:schemeClr val="accent1"/>
+          </a:effectRef>
+          <a:fontRef idx="minor">
+            <a:schemeClr val="tx1"/>
+          </a:fontRef>
+        </p:style>
+      </p:cxnSp>
+      <p:sp>
+        <p:nvSpPr>
+          <p:cNvPr id="31" name="Rectangle: Single Corner Snipped 30">
+            <a:extLst>
+              <a:ext uri="{FF2B5EF4-FFF2-40B4-BE49-F238E27FC236}">
+                <a16:creationId xmlns:a16="http://schemas.microsoft.com/office/drawing/2014/main" id="{8C332021-E2C8-40F3-9F1A-E060F1384DF3}"/>
+              </a:ext>
+            </a:extLst>
+          </p:cNvPr>
+          <p:cNvSpPr/>
+          <p:nvPr/>
+        </p:nvSpPr>
+        <p:spPr bwMode="gray">
+          <a:xfrm>
+            <a:off x="4792661" y="3079127"/>
+            <a:ext cx="2474332" cy="1775677"/>
+          </a:xfrm>
+          <a:prstGeom prst="snip1Rect">
+            <a:avLst/>
+          </a:prstGeom>
+          <a:ln w="38100" cmpd="sng">
+            <a:headEnd/>
+            <a:tailEnd/>
+          </a:ln>
+          <a:effectLst>
+            <a:outerShdw blurRad="50800" dist="38100" dir="2700000" algn="tl" rotWithShape="0">
+              <a:prstClr val="black">
+                <a:alpha val="40000"/>
+              </a:prstClr>
+            </a:outerShdw>
+          </a:effectLst>
+        </p:spPr>
+        <p:style>
+          <a:lnRef idx="3">
+            <a:schemeClr val="lt1"/>
+          </a:lnRef>
+          <a:fillRef idx="1">
+            <a:schemeClr val="accent2"/>
+          </a:fillRef>
+          <a:effectRef idx="1">
+            <a:schemeClr val="accent2"/>
+          </a:effectRef>
+          <a:fontRef idx="minor">
+            <a:schemeClr val="lt1"/>
+          </a:fontRef>
+        </p:style>
+        <p:txBody>
+          <a:bodyPr wrap="none" lIns="90000" tIns="0" rIns="90000" bIns="0" rtlCol="0" anchor="t"/>
+          <a:lstStyle/>
+          <a:p>
+            <a:pPr marR="0" algn="ctr" defTabSz="914400" eaLnBrk="1" fontAlgn="base" latinLnBrk="0" hangingPunct="1">
+              <a:lnSpc>
+                <a:spcPct val="100000"/>
+              </a:lnSpc>
+              <a:spcAft>
+                <a:spcPts val="600"/>
+              </a:spcAft>
+              <a:buClr>
+                <a:srgbClr val="F0AB00"/>
+              </a:buClr>
+              <a:buSzPct val="80000"/>
+              <a:tabLst/>
+            </a:pPr>
+            <a:r>
+              <a:rPr kumimoji="0" lang="en-US" sz="1600" b="1" i="0" u="none" strike="noStrike" kern="0" cap="none" spc="0" normalizeH="0" baseline="0" noProof="0" dirty="0">
+                <a:ln>
+                  <a:noFill/>
+                </a:ln>
+                <a:effectLst/>
+                <a:uLnTx/>
+                <a:uFillTx/>
+                <a:ea typeface="Arial Unicode MS" pitchFamily="34" charset="-128"/>
+                <a:cs typeface="Arial Unicode MS" pitchFamily="34" charset="-128"/>
+              </a:rPr>
+              <a:t>Service</a:t>
+            </a:r>
+          </a:p>
+          <a:p>
+            <a:pPr marL="285750" marR="0" indent="-285750" defTabSz="914400" eaLnBrk="1" fontAlgn="base" latinLnBrk="0" hangingPunct="1">
+              <a:lnSpc>
+                <a:spcPct val="100000"/>
+              </a:lnSpc>
+              <a:spcBef>
+                <a:spcPts val="600"/>
+              </a:spcBef>
+              <a:spcAft>
+                <a:spcPct val="0"/>
+              </a:spcAft>
+              <a:buClr>
+                <a:srgbClr val="F0AB00"/>
+              </a:buClr>
+              <a:buSzPct val="80000"/>
+              <a:buFont typeface="Arial" panose="020B0604020202020204" pitchFamily="34" charset="0"/>
+              <a:buChar char="•"/>
+              <a:tabLst/>
+            </a:pPr>
+            <a:r>
+              <a:rPr lang="en-US" sz="1600" kern="0" dirty="0">
+                <a:ea typeface="Arial Unicode MS" pitchFamily="34" charset="-128"/>
+                <a:cs typeface="Arial Unicode MS" pitchFamily="34" charset="-128"/>
+              </a:rPr>
+              <a:t>Label: app=nginx</a:t>
+            </a:r>
+            <a:endParaRPr kumimoji="0" lang="en-US" sz="1600" b="0" i="0" u="none" strike="noStrike" kern="0" cap="none" spc="0" normalizeH="0" baseline="0" noProof="0" dirty="0">
+              <a:ln>
+                <a:noFill/>
+              </a:ln>
+              <a:effectLst/>
+              <a:uLnTx/>
+              <a:uFillTx/>
+              <a:ea typeface="Arial Unicode MS" pitchFamily="34" charset="-128"/>
+              <a:cs typeface="Arial Unicode MS" pitchFamily="34" charset="-128"/>
+            </a:endParaRPr>
+          </a:p>
+          <a:p>
+            <a:pPr marL="285750" marR="0" indent="-285750" defTabSz="914400" eaLnBrk="1" fontAlgn="base" latinLnBrk="0" hangingPunct="1">
+              <a:lnSpc>
+                <a:spcPct val="100000"/>
+              </a:lnSpc>
+              <a:spcBef>
+                <a:spcPts val="600"/>
+              </a:spcBef>
+              <a:spcAft>
+                <a:spcPct val="0"/>
+              </a:spcAft>
+              <a:buClr>
+                <a:srgbClr val="F0AB00"/>
+              </a:buClr>
+              <a:buSzPct val="80000"/>
+              <a:buFont typeface="Arial" panose="020B0604020202020204" pitchFamily="34" charset="0"/>
+              <a:buChar char="•"/>
+              <a:tabLst/>
+            </a:pPr>
+            <a:r>
+              <a:rPr lang="en-US" sz="1600" kern="0" dirty="0">
+                <a:ea typeface="Arial Unicode MS" pitchFamily="34" charset="-128"/>
+                <a:cs typeface="Arial Unicode MS" pitchFamily="34" charset="-128"/>
+              </a:rPr>
+              <a:t>NodePort: 30021</a:t>
+            </a:r>
+          </a:p>
+          <a:p>
+            <a:pPr marL="285750" marR="0" indent="-285750" defTabSz="914400" eaLnBrk="1" fontAlgn="base" latinLnBrk="0" hangingPunct="1">
+              <a:lnSpc>
+                <a:spcPct val="100000"/>
+              </a:lnSpc>
+              <a:spcBef>
+                <a:spcPts val="600"/>
+              </a:spcBef>
+              <a:spcAft>
+                <a:spcPct val="0"/>
+              </a:spcAft>
+              <a:buClr>
+                <a:srgbClr val="F0AB00"/>
+              </a:buClr>
+              <a:buSzPct val="80000"/>
+              <a:buFont typeface="Arial" panose="020B0604020202020204" pitchFamily="34" charset="0"/>
+              <a:buChar char="•"/>
+              <a:tabLst/>
+            </a:pPr>
+            <a:r>
+              <a:rPr lang="en-US" sz="1600" kern="0" dirty="0">
+                <a:ea typeface="Arial Unicode MS" pitchFamily="34" charset="-128"/>
+                <a:cs typeface="Arial Unicode MS" pitchFamily="34" charset="-128"/>
+              </a:rPr>
+              <a:t>TargetPort: 80</a:t>
+            </a:r>
+          </a:p>
+          <a:p>
+            <a:pPr marL="285750" marR="0" indent="-285750" defTabSz="914400" eaLnBrk="1" fontAlgn="base" latinLnBrk="0" hangingPunct="1">
+              <a:lnSpc>
+                <a:spcPct val="100000"/>
+              </a:lnSpc>
+              <a:spcBef>
+                <a:spcPts val="600"/>
+              </a:spcBef>
+              <a:spcAft>
+                <a:spcPct val="0"/>
+              </a:spcAft>
+              <a:buClr>
+                <a:srgbClr val="F0AB00"/>
+              </a:buClr>
+              <a:buSzPct val="80000"/>
+              <a:buFont typeface="Arial" panose="020B0604020202020204" pitchFamily="34" charset="0"/>
+              <a:buChar char="•"/>
+              <a:tabLst/>
+            </a:pPr>
+            <a:r>
+              <a:rPr kumimoji="0" lang="en-US" sz="1600" b="0" i="0" u="none" strike="noStrike" kern="0" cap="none" spc="0" normalizeH="0" baseline="0" noProof="0" dirty="0">
+                <a:ln>
+                  <a:noFill/>
+                </a:ln>
+                <a:effectLst/>
+                <a:uLnTx/>
+                <a:uFillTx/>
+                <a:ea typeface="Arial Unicode MS" pitchFamily="34" charset="-128"/>
+                <a:cs typeface="Arial Unicode MS" pitchFamily="34" charset="-128"/>
+              </a:rPr>
+              <a:t>Port: 80</a:t>
+            </a:r>
+          </a:p>
+        </p:txBody>
+      </p:sp>
+      <p:sp>
+        <p:nvSpPr>
+          <p:cNvPr id="29" name="Rectangle 28">
+            <a:extLst>
+              <a:ext uri="{FF2B5EF4-FFF2-40B4-BE49-F238E27FC236}">
+                <a16:creationId xmlns:a16="http://schemas.microsoft.com/office/drawing/2014/main" id="{965DBE36-9899-405C-9A72-452A2D084CD9}"/>
+              </a:ext>
+            </a:extLst>
+          </p:cNvPr>
+          <p:cNvSpPr/>
+          <p:nvPr/>
+        </p:nvSpPr>
+        <p:spPr bwMode="gray">
+          <a:xfrm>
+            <a:off x="5197191" y="2922464"/>
+            <a:ext cx="1665273" cy="289387"/>
+          </a:xfrm>
+          <a:prstGeom prst="rect">
+            <a:avLst/>
+          </a:prstGeom>
+          <a:ln>
+            <a:headEnd/>
+            <a:tailEnd/>
+          </a:ln>
+        </p:spPr>
+        <p:style>
+          <a:lnRef idx="2">
+            <a:schemeClr val="accent2"/>
+          </a:lnRef>
+          <a:fillRef idx="1">
+            <a:schemeClr val="lt1"/>
+          </a:fillRef>
+          <a:effectRef idx="0">
+            <a:schemeClr val="accent2"/>
+          </a:effectRef>
+          <a:fontRef idx="minor">
+            <a:schemeClr val="dk1"/>
+          </a:fontRef>
+        </p:style>
+        <p:txBody>
+          <a:bodyPr lIns="90000" tIns="72000" rIns="90000" bIns="72000" rtlCol="0" anchor="ctr"/>
+          <a:lstStyle/>
+          <a:p>
+            <a:pPr marR="0" algn="ctr" defTabSz="914400" eaLnBrk="1" fontAlgn="base" latinLnBrk="0" hangingPunct="1">
+              <a:lnSpc>
+                <a:spcPct val="100000"/>
+              </a:lnSpc>
+              <a:spcBef>
+                <a:spcPct val="50000"/>
+              </a:spcBef>
+              <a:spcAft>
+                <a:spcPct val="0"/>
+              </a:spcAft>
+              <a:buClr>
+                <a:srgbClr val="F0AB00"/>
+              </a:buClr>
+              <a:buSzPct val="80000"/>
+              <a:tabLst/>
+            </a:pPr>
+            <a:r>
+              <a:rPr kumimoji="0" lang="de-DE" sz="1600" b="0" i="0" u="none" strike="noStrike" kern="0" cap="none" spc="0" normalizeH="0" baseline="0" noProof="0" dirty="0">
+                <a:ln>
+                  <a:noFill/>
+                </a:ln>
+                <a:effectLst/>
+                <a:uLnTx/>
+                <a:uFillTx/>
+                <a:ea typeface="Arial Unicode MS" pitchFamily="34" charset="-128"/>
+                <a:cs typeface="Arial Unicode MS" pitchFamily="34" charset="-128"/>
+              </a:rPr>
+              <a:t>IP: 10.10.10.4</a:t>
+            </a:r>
+          </a:p>
+        </p:txBody>
+      </p:sp>
+    </p:spTree>
+    <p:extLst>
+      <p:ext uri="{BB962C8B-B14F-4D97-AF65-F5344CB8AC3E}">
+        <p14:creationId xmlns:p14="http://schemas.microsoft.com/office/powerpoint/2010/main" val="2098045799"/>
+      </p:ext>
+    </p:extLst>
+  </p:cSld>
+  <p:clrMapOvr>
+    <a:masterClrMapping/>
+  </p:clrMapOvr>
+</p:sld>
+</file>
+
+<file path=ppt/slides/slide11.xml><?xml version="1.0" encoding="utf-8"?>
+<p:sld xmlns:a="http://schemas.openxmlformats.org/drawingml/2006/main" xmlns:r="http://schemas.openxmlformats.org/officeDocument/2006/relationships" xmlns:p="http://schemas.openxmlformats.org/presentationml/2006/main">
+  <p:cSld>
+    <p:spTree>
+      <p:nvGrpSpPr>
+        <p:cNvPr id="1" name=""/>
+        <p:cNvGrpSpPr/>
+        <p:nvPr/>
+      </p:nvGrpSpPr>
+      <p:grpSpPr>
+        <a:xfrm>
+          <a:off x="0" y="0"/>
+          <a:ext cx="0" cy="0"/>
+          <a:chOff x="0" y="0"/>
+          <a:chExt cx="0" cy="0"/>
+        </a:xfrm>
+      </p:grpSpPr>
+      <p:sp>
+        <p:nvSpPr>
+          <p:cNvPr id="21" name="Rectangle 20"/>
+          <p:cNvSpPr/>
+          <p:nvPr/>
+        </p:nvSpPr>
+        <p:spPr bwMode="gray">
+          <a:xfrm>
+            <a:off x="6141720" y="3390899"/>
+            <a:ext cx="4960620" cy="2865121"/>
+          </a:xfrm>
+          <a:prstGeom prst="rect">
+            <a:avLst/>
+          </a:prstGeom>
+          <a:ln>
+            <a:headEnd/>
+            <a:tailEnd/>
+          </a:ln>
+        </p:spPr>
+        <p:style>
+          <a:lnRef idx="2">
+            <a:schemeClr val="accent2"/>
+          </a:lnRef>
+          <a:fillRef idx="1">
+            <a:schemeClr val="lt1"/>
+          </a:fillRef>
+          <a:effectRef idx="0">
+            <a:schemeClr val="accent2"/>
+          </a:effectRef>
+          <a:fontRef idx="minor">
+            <a:schemeClr val="dk1"/>
+          </a:fontRef>
+        </p:style>
+        <p:txBody>
+          <a:bodyPr lIns="90000" tIns="72000" rIns="90000" bIns="72000" rtlCol="0" anchor="t"/>
+          <a:lstStyle/>
+          <a:p>
+            <a:pPr marR="0" algn="ctr" defTabSz="914400" eaLnBrk="1" fontAlgn="base" latinLnBrk="0" hangingPunct="1">
+              <a:lnSpc>
+                <a:spcPct val="100000"/>
+              </a:lnSpc>
+              <a:spcBef>
+                <a:spcPct val="50000"/>
+              </a:spcBef>
+              <a:spcAft>
+                <a:spcPct val="0"/>
+              </a:spcAft>
+              <a:buClr>
+                <a:srgbClr val="F0AB00"/>
+              </a:buClr>
+              <a:buSzPct val="80000"/>
+              <a:tabLst/>
+            </a:pPr>
+            <a:r>
+              <a:rPr kumimoji="0" lang="en-US" sz="1800" b="1" i="0" u="none" strike="noStrike" kern="0" cap="none" spc="0" normalizeH="0" baseline="0" noProof="0" dirty="0">
+                <a:ln>
+                  <a:noFill/>
+                </a:ln>
+                <a:effectLst/>
+                <a:uLnTx/>
+                <a:uFillTx/>
+                <a:ea typeface="Arial Unicode MS" pitchFamily="34" charset="-128"/>
+                <a:cs typeface="Arial Unicode MS" pitchFamily="34" charset="-128"/>
+              </a:rPr>
+              <a:t>Node B</a:t>
+            </a:r>
+          </a:p>
+        </p:txBody>
+      </p:sp>
+      <p:sp>
+        <p:nvSpPr>
+          <p:cNvPr id="2" name="Title 1"/>
+          <p:cNvSpPr>
+            <a:spLocks noGrp="1"/>
+          </p:cNvSpPr>
+          <p:nvPr>
+            <p:ph type="title"/>
+          </p:nvPr>
+        </p:nvSpPr>
+        <p:spPr/>
+        <p:txBody>
+          <a:bodyPr/>
+          <a:lstStyle/>
+          <a:p>
+            <a:r>
+              <a:rPr lang="en-US" dirty="0"/>
+              <a:t>Introducing LoadBalancers</a:t>
+            </a:r>
+          </a:p>
+        </p:txBody>
+      </p:sp>
+      <p:sp>
+        <p:nvSpPr>
+          <p:cNvPr id="4" name="Rectangle 3"/>
+          <p:cNvSpPr/>
+          <p:nvPr/>
+        </p:nvSpPr>
+        <p:spPr bwMode="gray">
+          <a:xfrm>
+            <a:off x="952500" y="3390900"/>
+            <a:ext cx="4960620" cy="2865120"/>
+          </a:xfrm>
+          <a:prstGeom prst="rect">
+            <a:avLst/>
+          </a:prstGeom>
+          <a:ln>
+            <a:headEnd/>
+            <a:tailEnd/>
+          </a:ln>
+        </p:spPr>
+        <p:style>
+          <a:lnRef idx="2">
+            <a:schemeClr val="accent2"/>
+          </a:lnRef>
+          <a:fillRef idx="1">
+            <a:schemeClr val="lt1"/>
+          </a:fillRef>
+          <a:effectRef idx="0">
+            <a:schemeClr val="accent2"/>
+          </a:effectRef>
+          <a:fontRef idx="minor">
+            <a:schemeClr val="dk1"/>
+          </a:fontRef>
+        </p:style>
+        <p:txBody>
+          <a:bodyPr lIns="90000" tIns="72000" rIns="90000" bIns="72000" rtlCol="0" anchor="t"/>
+          <a:lstStyle/>
+          <a:p>
+            <a:pPr marR="0" algn="ctr" defTabSz="914400" eaLnBrk="1" fontAlgn="base" latinLnBrk="0" hangingPunct="1">
+              <a:lnSpc>
+                <a:spcPct val="100000"/>
+              </a:lnSpc>
+              <a:spcBef>
+                <a:spcPct val="50000"/>
+              </a:spcBef>
+              <a:spcAft>
+                <a:spcPct val="0"/>
+              </a:spcAft>
+              <a:buClr>
+                <a:srgbClr val="F0AB00"/>
+              </a:buClr>
+              <a:buSzPct val="80000"/>
+              <a:tabLst/>
+            </a:pPr>
+            <a:r>
+              <a:rPr kumimoji="0" lang="en-US" sz="1800" b="1" i="0" u="none" strike="noStrike" kern="0" cap="none" spc="0" normalizeH="0" baseline="0" noProof="0" dirty="0">
+                <a:ln>
+                  <a:noFill/>
+                </a:ln>
+                <a:effectLst/>
+                <a:uLnTx/>
+                <a:uFillTx/>
+                <a:ea typeface="Arial Unicode MS" pitchFamily="34" charset="-128"/>
+                <a:cs typeface="Arial Unicode MS" pitchFamily="34" charset="-128"/>
+              </a:rPr>
+              <a:t>Node A</a:t>
+            </a:r>
+          </a:p>
+        </p:txBody>
+      </p:sp>
+      <p:sp>
+        <p:nvSpPr>
+          <p:cNvPr id="6" name="Rectangle 5"/>
+          <p:cNvSpPr/>
+          <p:nvPr/>
+        </p:nvSpPr>
+        <p:spPr bwMode="gray">
+          <a:xfrm>
+            <a:off x="2337562" y="4439970"/>
+            <a:ext cx="1815338" cy="1160859"/>
+          </a:xfrm>
+          <a:prstGeom prst="rect">
+            <a:avLst/>
+          </a:prstGeom>
+          <a:ln>
+            <a:headEnd/>
+            <a:tailEnd/>
+          </a:ln>
+        </p:spPr>
+        <p:style>
+          <a:lnRef idx="2">
+            <a:schemeClr val="accent2">
+              <a:shade val="50000"/>
+            </a:schemeClr>
+          </a:lnRef>
+          <a:fillRef idx="1">
+            <a:schemeClr val="accent2"/>
+          </a:fillRef>
+          <a:effectRef idx="0">
+            <a:schemeClr val="accent2"/>
+          </a:effectRef>
+          <a:fontRef idx="minor">
+            <a:schemeClr val="lt1"/>
+          </a:fontRef>
+        </p:style>
+        <p:txBody>
+          <a:bodyPr lIns="90000" tIns="72000" rIns="90000" bIns="72000" rtlCol="0" anchor="ctr"/>
+          <a:lstStyle/>
+          <a:p>
+            <a:pPr marR="0" algn="ctr" defTabSz="914400" eaLnBrk="1" fontAlgn="base" latinLnBrk="0" hangingPunct="1">
+              <a:lnSpc>
+                <a:spcPct val="100000"/>
+              </a:lnSpc>
+              <a:spcBef>
+                <a:spcPct val="50000"/>
+              </a:spcBef>
+              <a:spcAft>
+                <a:spcPct val="0"/>
+              </a:spcAft>
+              <a:buClr>
+                <a:srgbClr val="F0AB00"/>
+              </a:buClr>
+              <a:buSzPct val="80000"/>
+              <a:tabLst/>
+            </a:pPr>
+            <a:r>
+              <a:rPr lang="de-DE" sz="1600" b="1" kern="0" noProof="0" dirty="0" err="1">
+                <a:ea typeface="Arial Unicode MS" pitchFamily="34" charset="-128"/>
+                <a:cs typeface="Arial Unicode MS" pitchFamily="34" charset="-128"/>
+              </a:rPr>
+              <a:t>Pod</a:t>
+            </a:r>
+            <a:endParaRPr kumimoji="0" lang="de-DE" sz="1600" b="1" i="0" u="none" strike="noStrike" kern="0" cap="none" spc="0" normalizeH="0" baseline="0" noProof="0" dirty="0">
+              <a:ln>
+                <a:noFill/>
+              </a:ln>
+              <a:effectLst/>
+              <a:uLnTx/>
+              <a:uFillTx/>
+              <a:ea typeface="Arial Unicode MS" pitchFamily="34" charset="-128"/>
+              <a:cs typeface="Arial Unicode MS" pitchFamily="34" charset="-128"/>
+            </a:endParaRPr>
+          </a:p>
+        </p:txBody>
+      </p:sp>
+      <p:sp>
+        <p:nvSpPr>
+          <p:cNvPr id="11" name="Rectangle 10"/>
+          <p:cNvSpPr/>
+          <p:nvPr/>
+        </p:nvSpPr>
+        <p:spPr bwMode="gray">
+          <a:xfrm>
+            <a:off x="2422271" y="4205839"/>
+            <a:ext cx="1645920" cy="365760"/>
+          </a:xfrm>
+          <a:prstGeom prst="rect">
+            <a:avLst/>
+          </a:prstGeom>
+          <a:ln>
+            <a:headEnd/>
+            <a:tailEnd/>
+          </a:ln>
+        </p:spPr>
+        <p:style>
+          <a:lnRef idx="2">
+            <a:schemeClr val="accent2"/>
+          </a:lnRef>
+          <a:fillRef idx="1">
+            <a:schemeClr val="lt1"/>
+          </a:fillRef>
+          <a:effectRef idx="0">
+            <a:schemeClr val="accent2"/>
+          </a:effectRef>
+          <a:fontRef idx="minor">
+            <a:schemeClr val="dk1"/>
+          </a:fontRef>
+        </p:style>
+        <p:txBody>
+          <a:bodyPr lIns="90000" tIns="72000" rIns="90000" bIns="72000" rtlCol="0" anchor="ctr"/>
+          <a:lstStyle/>
+          <a:p>
+            <a:pPr marR="0" algn="ctr" defTabSz="914400" eaLnBrk="1" fontAlgn="base" latinLnBrk="0" hangingPunct="1">
+              <a:lnSpc>
+                <a:spcPct val="100000"/>
+              </a:lnSpc>
+              <a:spcBef>
+                <a:spcPct val="50000"/>
+              </a:spcBef>
+              <a:spcAft>
+                <a:spcPct val="0"/>
+              </a:spcAft>
+              <a:buClr>
+                <a:srgbClr val="F0AB00"/>
+              </a:buClr>
+              <a:buSzPct val="80000"/>
+              <a:tabLst/>
+            </a:pPr>
+            <a:r>
+              <a:rPr kumimoji="0" lang="de-DE" sz="1800" b="0" i="0" u="none" strike="noStrike" kern="0" cap="none" spc="0" normalizeH="0" baseline="0" noProof="0" dirty="0">
+                <a:ln>
+                  <a:noFill/>
+                </a:ln>
+                <a:effectLst/>
+                <a:uLnTx/>
+                <a:uFillTx/>
+                <a:ea typeface="Arial Unicode MS" pitchFamily="34" charset="-128"/>
+                <a:cs typeface="Arial Unicode MS" pitchFamily="34" charset="-128"/>
+              </a:rPr>
+              <a:t>IP: 10.10.10.1</a:t>
+            </a:r>
+          </a:p>
+        </p:txBody>
+      </p:sp>
+      <p:sp>
+        <p:nvSpPr>
+          <p:cNvPr id="15" name="Rectangle 14"/>
+          <p:cNvSpPr/>
+          <p:nvPr/>
+        </p:nvSpPr>
+        <p:spPr bwMode="gray">
+          <a:xfrm>
+            <a:off x="1459043" y="5386537"/>
+            <a:ext cx="1319714" cy="428584"/>
+          </a:xfrm>
+          <a:prstGeom prst="rect">
+            <a:avLst/>
+          </a:prstGeom>
+          <a:solidFill>
+            <a:schemeClr val="accent1">
+              <a:lumMod val="40000"/>
+              <a:lumOff val="60000"/>
+            </a:schemeClr>
+          </a:solidFill>
+          <a:ln>
+            <a:headEnd/>
+            <a:tailEnd/>
+          </a:ln>
+        </p:spPr>
+        <p:style>
+          <a:lnRef idx="2">
+            <a:schemeClr val="accent2"/>
+          </a:lnRef>
+          <a:fillRef idx="1">
+            <a:schemeClr val="lt1"/>
+          </a:fillRef>
+          <a:effectRef idx="0">
+            <a:schemeClr val="accent2"/>
+          </a:effectRef>
+          <a:fontRef idx="minor">
+            <a:schemeClr val="dk1"/>
+          </a:fontRef>
+        </p:style>
+        <p:txBody>
+          <a:bodyPr lIns="90000" tIns="72000" rIns="90000" bIns="72000" rtlCol="0" anchor="ctr"/>
+          <a:lstStyle/>
+          <a:p>
+            <a:pPr marR="0" algn="ctr" defTabSz="914400" eaLnBrk="1" fontAlgn="base" latinLnBrk="0" hangingPunct="1">
+              <a:lnSpc>
+                <a:spcPct val="100000"/>
+              </a:lnSpc>
+              <a:spcBef>
+                <a:spcPct val="50000"/>
+              </a:spcBef>
+              <a:spcAft>
+                <a:spcPct val="0"/>
+              </a:spcAft>
+              <a:buClr>
+                <a:srgbClr val="F0AB00"/>
+              </a:buClr>
+              <a:buSzPct val="80000"/>
+              <a:tabLst/>
+            </a:pPr>
+            <a:r>
+              <a:rPr lang="de-DE" sz="1800" kern="0" dirty="0">
+                <a:ea typeface="Arial Unicode MS" pitchFamily="34" charset="-128"/>
+                <a:cs typeface="Arial Unicode MS" pitchFamily="34" charset="-128"/>
+              </a:rPr>
+              <a:t>a</a:t>
+            </a:r>
+            <a:r>
+              <a:rPr kumimoji="0" lang="de-DE" sz="1800" b="0" i="0" u="none" strike="noStrike" kern="0" cap="none" spc="0" normalizeH="0" baseline="0" noProof="0" dirty="0">
+                <a:ln>
+                  <a:noFill/>
+                </a:ln>
+                <a:effectLst/>
+                <a:uLnTx/>
+                <a:uFillTx/>
+                <a:ea typeface="Arial Unicode MS" pitchFamily="34" charset="-128"/>
+                <a:cs typeface="Arial Unicode MS" pitchFamily="34" charset="-128"/>
+              </a:rPr>
+              <a:t>pp=</a:t>
+            </a:r>
+            <a:r>
+              <a:rPr kumimoji="0" lang="de-DE" sz="1800" b="0" i="0" u="none" strike="noStrike" kern="0" cap="none" spc="0" normalizeH="0" baseline="0" noProof="0" dirty="0" err="1">
+                <a:ln>
+                  <a:noFill/>
+                </a:ln>
+                <a:effectLst/>
+                <a:uLnTx/>
+                <a:uFillTx/>
+                <a:ea typeface="Arial Unicode MS" pitchFamily="34" charset="-128"/>
+                <a:cs typeface="Arial Unicode MS" pitchFamily="34" charset="-128"/>
+              </a:rPr>
+              <a:t>nginx</a:t>
+            </a:r>
+            <a:endParaRPr kumimoji="0" lang="de-DE" sz="1800" b="0" i="0" u="none" strike="noStrike" kern="0" cap="none" spc="0" normalizeH="0" baseline="0" noProof="0" dirty="0">
+              <a:ln>
+                <a:noFill/>
+              </a:ln>
+              <a:effectLst/>
+              <a:uLnTx/>
+              <a:uFillTx/>
+              <a:ea typeface="Arial Unicode MS" pitchFamily="34" charset="-128"/>
+              <a:cs typeface="Arial Unicode MS" pitchFamily="34" charset="-128"/>
+            </a:endParaRPr>
+          </a:p>
+        </p:txBody>
+      </p:sp>
+      <p:sp>
+        <p:nvSpPr>
+          <p:cNvPr id="18" name="Rectangle 17"/>
+          <p:cNvSpPr/>
+          <p:nvPr/>
+        </p:nvSpPr>
+        <p:spPr bwMode="gray">
+          <a:xfrm>
+            <a:off x="8045976" y="4446544"/>
+            <a:ext cx="1815338" cy="1160859"/>
+          </a:xfrm>
+          <a:prstGeom prst="rect">
+            <a:avLst/>
+          </a:prstGeom>
+          <a:ln>
+            <a:headEnd/>
+            <a:tailEnd/>
+          </a:ln>
+        </p:spPr>
+        <p:style>
+          <a:lnRef idx="2">
+            <a:schemeClr val="accent2">
+              <a:shade val="50000"/>
+            </a:schemeClr>
+          </a:lnRef>
+          <a:fillRef idx="1">
+            <a:schemeClr val="accent2"/>
+          </a:fillRef>
+          <a:effectRef idx="0">
+            <a:schemeClr val="accent2"/>
+          </a:effectRef>
+          <a:fontRef idx="minor">
+            <a:schemeClr val="lt1"/>
+          </a:fontRef>
+        </p:style>
+        <p:txBody>
+          <a:bodyPr lIns="90000" tIns="72000" rIns="90000" bIns="72000" rtlCol="0" anchor="ctr"/>
+          <a:lstStyle/>
+          <a:p>
+            <a:pPr marR="0" algn="ctr" defTabSz="914400" eaLnBrk="1" fontAlgn="base" latinLnBrk="0" hangingPunct="1">
+              <a:lnSpc>
+                <a:spcPct val="100000"/>
+              </a:lnSpc>
+              <a:spcBef>
+                <a:spcPct val="50000"/>
+              </a:spcBef>
+              <a:spcAft>
+                <a:spcPct val="0"/>
+              </a:spcAft>
+              <a:buClr>
+                <a:srgbClr val="F0AB00"/>
+              </a:buClr>
+              <a:buSzPct val="80000"/>
+              <a:tabLst/>
+            </a:pPr>
+            <a:r>
+              <a:rPr lang="de-DE" sz="1600" b="1" kern="0" noProof="0" dirty="0" err="1">
+                <a:ea typeface="Arial Unicode MS" pitchFamily="34" charset="-128"/>
+                <a:cs typeface="Arial Unicode MS" pitchFamily="34" charset="-128"/>
+              </a:rPr>
+              <a:t>Pod</a:t>
+            </a:r>
+            <a:endParaRPr kumimoji="0" lang="de-DE" sz="1600" b="1" i="0" u="none" strike="noStrike" kern="0" cap="none" spc="0" normalizeH="0" baseline="0" noProof="0" dirty="0">
+              <a:ln>
+                <a:noFill/>
+              </a:ln>
+              <a:effectLst/>
+              <a:uLnTx/>
+              <a:uFillTx/>
+              <a:ea typeface="Arial Unicode MS" pitchFamily="34" charset="-128"/>
+              <a:cs typeface="Arial Unicode MS" pitchFamily="34" charset="-128"/>
+            </a:endParaRPr>
+          </a:p>
+        </p:txBody>
+      </p:sp>
+      <p:sp>
+        <p:nvSpPr>
+          <p:cNvPr id="19" name="Rectangle 18"/>
+          <p:cNvSpPr/>
+          <p:nvPr/>
+        </p:nvSpPr>
+        <p:spPr bwMode="gray">
+          <a:xfrm>
+            <a:off x="7208370" y="5386537"/>
+            <a:ext cx="1319714" cy="428584"/>
+          </a:xfrm>
+          <a:prstGeom prst="rect">
+            <a:avLst/>
+          </a:prstGeom>
+          <a:ln>
+            <a:headEnd/>
+            <a:tailEnd/>
+          </a:ln>
+        </p:spPr>
+        <p:style>
+          <a:lnRef idx="2">
+            <a:schemeClr val="accent2"/>
+          </a:lnRef>
+          <a:fillRef idx="1">
+            <a:schemeClr val="lt1"/>
+          </a:fillRef>
+          <a:effectRef idx="0">
+            <a:schemeClr val="accent2"/>
+          </a:effectRef>
+          <a:fontRef idx="minor">
+            <a:schemeClr val="dk1"/>
+          </a:fontRef>
+        </p:style>
+        <p:txBody>
+          <a:bodyPr lIns="90000" tIns="72000" rIns="90000" bIns="72000" rtlCol="0" anchor="ctr"/>
+          <a:lstStyle/>
+          <a:p>
+            <a:pPr marR="0" algn="ctr" defTabSz="914400" eaLnBrk="1" fontAlgn="base" latinLnBrk="0" hangingPunct="1">
+              <a:lnSpc>
+                <a:spcPct val="100000"/>
+              </a:lnSpc>
+              <a:spcBef>
+                <a:spcPct val="50000"/>
+              </a:spcBef>
+              <a:spcAft>
+                <a:spcPct val="0"/>
+              </a:spcAft>
+              <a:buClr>
+                <a:srgbClr val="F0AB00"/>
+              </a:buClr>
+              <a:buSzPct val="80000"/>
+              <a:tabLst/>
+            </a:pPr>
+            <a:r>
+              <a:rPr lang="de-DE" sz="1800" kern="0" dirty="0">
+                <a:ea typeface="Arial Unicode MS" pitchFamily="34" charset="-128"/>
+                <a:cs typeface="Arial Unicode MS" pitchFamily="34" charset="-128"/>
+              </a:rPr>
+              <a:t>a</a:t>
+            </a:r>
+            <a:r>
+              <a:rPr kumimoji="0" lang="de-DE" sz="1800" b="0" i="0" u="none" strike="noStrike" kern="0" cap="none" spc="0" normalizeH="0" baseline="0" noProof="0" dirty="0">
+                <a:ln>
+                  <a:noFill/>
+                </a:ln>
+                <a:effectLst/>
+                <a:uLnTx/>
+                <a:uFillTx/>
+                <a:ea typeface="Arial Unicode MS" pitchFamily="34" charset="-128"/>
+                <a:cs typeface="Arial Unicode MS" pitchFamily="34" charset="-128"/>
+              </a:rPr>
+              <a:t>pp=</a:t>
+            </a:r>
+            <a:r>
+              <a:rPr kumimoji="0" lang="de-DE" sz="1800" b="0" i="0" u="none" strike="noStrike" kern="0" cap="none" spc="0" normalizeH="0" baseline="0" noProof="0" dirty="0" err="1">
+                <a:ln>
+                  <a:noFill/>
+                </a:ln>
+                <a:effectLst/>
+                <a:uLnTx/>
+                <a:uFillTx/>
+                <a:ea typeface="Arial Unicode MS" pitchFamily="34" charset="-128"/>
+                <a:cs typeface="Arial Unicode MS" pitchFamily="34" charset="-128"/>
+              </a:rPr>
+              <a:t>client</a:t>
+            </a:r>
+            <a:endParaRPr kumimoji="0" lang="de-DE" sz="1800" b="0" i="0" u="none" strike="noStrike" kern="0" cap="none" spc="0" normalizeH="0" baseline="0" noProof="0" dirty="0">
+              <a:ln>
+                <a:noFill/>
+              </a:ln>
+              <a:effectLst/>
+              <a:uLnTx/>
+              <a:uFillTx/>
+              <a:ea typeface="Arial Unicode MS" pitchFamily="34" charset="-128"/>
+              <a:cs typeface="Arial Unicode MS" pitchFamily="34" charset="-128"/>
+            </a:endParaRPr>
+          </a:p>
+        </p:txBody>
+      </p:sp>
+      <p:sp>
+        <p:nvSpPr>
+          <p:cNvPr id="20" name="Rectangle 19"/>
+          <p:cNvSpPr/>
+          <p:nvPr/>
+        </p:nvSpPr>
+        <p:spPr bwMode="gray">
+          <a:xfrm>
+            <a:off x="9575331" y="5386537"/>
+            <a:ext cx="1073656" cy="428584"/>
+          </a:xfrm>
+          <a:prstGeom prst="rect">
+            <a:avLst/>
+          </a:prstGeom>
+          <a:ln>
+            <a:headEnd/>
+            <a:tailEnd/>
+          </a:ln>
+        </p:spPr>
+        <p:style>
+          <a:lnRef idx="2">
+            <a:schemeClr val="accent2"/>
+          </a:lnRef>
+          <a:fillRef idx="1">
+            <a:schemeClr val="lt1"/>
+          </a:fillRef>
+          <a:effectRef idx="0">
+            <a:schemeClr val="accent2"/>
+          </a:effectRef>
+          <a:fontRef idx="minor">
+            <a:schemeClr val="dk1"/>
+          </a:fontRef>
+        </p:style>
+        <p:txBody>
+          <a:bodyPr lIns="90000" tIns="72000" rIns="90000" bIns="72000" rtlCol="0" anchor="ctr"/>
+          <a:lstStyle/>
+          <a:p>
+            <a:pPr marR="0" algn="ctr" defTabSz="914400" eaLnBrk="1" fontAlgn="base" latinLnBrk="0" hangingPunct="1">
+              <a:lnSpc>
+                <a:spcPct val="100000"/>
+              </a:lnSpc>
+              <a:spcBef>
+                <a:spcPct val="50000"/>
+              </a:spcBef>
+              <a:spcAft>
+                <a:spcPct val="0"/>
+              </a:spcAft>
+              <a:buClr>
+                <a:srgbClr val="F0AB00"/>
+              </a:buClr>
+              <a:buSzPct val="80000"/>
+              <a:tabLst/>
+            </a:pPr>
+            <a:r>
+              <a:rPr lang="de-DE" sz="1800" kern="0" dirty="0">
+                <a:ea typeface="Arial Unicode MS" pitchFamily="34" charset="-128"/>
+                <a:cs typeface="Arial Unicode MS" pitchFamily="34" charset="-128"/>
+              </a:rPr>
+              <a:t>Port: 80</a:t>
+            </a:r>
+            <a:endParaRPr kumimoji="0" lang="de-DE" sz="1800" b="0" i="0" u="none" strike="noStrike" kern="0" cap="none" spc="0" normalizeH="0" baseline="0" noProof="0" dirty="0">
+              <a:ln>
+                <a:noFill/>
+              </a:ln>
+              <a:effectLst/>
+              <a:uLnTx/>
+              <a:uFillTx/>
+              <a:ea typeface="Arial Unicode MS" pitchFamily="34" charset="-128"/>
+              <a:cs typeface="Arial Unicode MS" pitchFamily="34" charset="-128"/>
+            </a:endParaRPr>
+          </a:p>
+        </p:txBody>
+      </p:sp>
+      <p:sp>
+        <p:nvSpPr>
+          <p:cNvPr id="17" name="Rectangle 16"/>
+          <p:cNvSpPr/>
+          <p:nvPr/>
+        </p:nvSpPr>
+        <p:spPr bwMode="gray">
+          <a:xfrm>
+            <a:off x="3826004" y="5386537"/>
+            <a:ext cx="1073656" cy="428584"/>
+          </a:xfrm>
+          <a:prstGeom prst="rect">
+            <a:avLst/>
+          </a:prstGeom>
+          <a:ln>
+            <a:headEnd/>
+            <a:tailEnd/>
+          </a:ln>
+        </p:spPr>
+        <p:style>
+          <a:lnRef idx="2">
+            <a:schemeClr val="accent2"/>
+          </a:lnRef>
+          <a:fillRef idx="1">
+            <a:schemeClr val="lt1"/>
+          </a:fillRef>
+          <a:effectRef idx="0">
+            <a:schemeClr val="accent2"/>
+          </a:effectRef>
+          <a:fontRef idx="minor">
+            <a:schemeClr val="dk1"/>
+          </a:fontRef>
+        </p:style>
+        <p:txBody>
+          <a:bodyPr lIns="90000" tIns="72000" rIns="90000" bIns="72000" rtlCol="0" anchor="ctr"/>
+          <a:lstStyle/>
+          <a:p>
+            <a:pPr marR="0" algn="ctr" defTabSz="914400" eaLnBrk="1" fontAlgn="base" latinLnBrk="0" hangingPunct="1">
+              <a:lnSpc>
+                <a:spcPct val="100000"/>
+              </a:lnSpc>
+              <a:spcBef>
+                <a:spcPct val="50000"/>
+              </a:spcBef>
+              <a:spcAft>
+                <a:spcPct val="0"/>
+              </a:spcAft>
+              <a:buClr>
+                <a:srgbClr val="F0AB00"/>
+              </a:buClr>
+              <a:buSzPct val="80000"/>
+              <a:tabLst/>
+            </a:pPr>
+            <a:r>
+              <a:rPr lang="de-DE" sz="1800" kern="0" dirty="0">
+                <a:ea typeface="Arial Unicode MS" pitchFamily="34" charset="-128"/>
+                <a:cs typeface="Arial Unicode MS" pitchFamily="34" charset="-128"/>
+              </a:rPr>
+              <a:t>Port: 80</a:t>
+            </a:r>
+            <a:endParaRPr kumimoji="0" lang="de-DE" sz="1800" b="0" i="0" u="none" strike="noStrike" kern="0" cap="none" spc="0" normalizeH="0" baseline="0" noProof="0" dirty="0">
+              <a:ln>
+                <a:noFill/>
+              </a:ln>
+              <a:effectLst/>
+              <a:uLnTx/>
+              <a:uFillTx/>
+              <a:ea typeface="Arial Unicode MS" pitchFamily="34" charset="-128"/>
+              <a:cs typeface="Arial Unicode MS" pitchFamily="34" charset="-128"/>
+            </a:endParaRPr>
+          </a:p>
+        </p:txBody>
+      </p:sp>
+      <p:sp>
+        <p:nvSpPr>
+          <p:cNvPr id="13" name="Rectangle 12"/>
+          <p:cNvSpPr/>
+          <p:nvPr/>
+        </p:nvSpPr>
+        <p:spPr bwMode="gray">
+          <a:xfrm>
+            <a:off x="8130685" y="4205839"/>
+            <a:ext cx="1645920" cy="365760"/>
+          </a:xfrm>
+          <a:prstGeom prst="rect">
+            <a:avLst/>
+          </a:prstGeom>
+          <a:ln>
+            <a:headEnd/>
+            <a:tailEnd/>
+          </a:ln>
+        </p:spPr>
+        <p:style>
+          <a:lnRef idx="2">
+            <a:schemeClr val="accent2"/>
+          </a:lnRef>
+          <a:fillRef idx="1">
+            <a:schemeClr val="lt1"/>
+          </a:fillRef>
+          <a:effectRef idx="0">
+            <a:schemeClr val="accent2"/>
+          </a:effectRef>
+          <a:fontRef idx="minor">
+            <a:schemeClr val="dk1"/>
+          </a:fontRef>
+        </p:style>
+        <p:txBody>
+          <a:bodyPr lIns="90000" tIns="72000" rIns="90000" bIns="72000" rtlCol="0" anchor="ctr"/>
+          <a:lstStyle/>
+          <a:p>
+            <a:pPr marR="0" algn="ctr" defTabSz="914400" eaLnBrk="1" fontAlgn="base" latinLnBrk="0" hangingPunct="1">
+              <a:lnSpc>
+                <a:spcPct val="100000"/>
+              </a:lnSpc>
+              <a:spcBef>
+                <a:spcPct val="50000"/>
+              </a:spcBef>
+              <a:spcAft>
+                <a:spcPct val="0"/>
+              </a:spcAft>
+              <a:buClr>
+                <a:srgbClr val="F0AB00"/>
+              </a:buClr>
+              <a:buSzPct val="80000"/>
+              <a:tabLst/>
+            </a:pPr>
+            <a:r>
+              <a:rPr kumimoji="0" lang="de-DE" sz="1800" b="0" i="0" u="none" strike="noStrike" kern="0" cap="none" spc="0" normalizeH="0" baseline="0" noProof="0" dirty="0">
+                <a:ln>
+                  <a:noFill/>
+                </a:ln>
+                <a:effectLst/>
+                <a:uLnTx/>
+                <a:uFillTx/>
+                <a:ea typeface="Arial Unicode MS" pitchFamily="34" charset="-128"/>
+                <a:cs typeface="Arial Unicode MS" pitchFamily="34" charset="-128"/>
+              </a:rPr>
+              <a:t>IP: 10.10.10.3</a:t>
+            </a:r>
+          </a:p>
+        </p:txBody>
+      </p:sp>
+      <p:sp>
+        <p:nvSpPr>
+          <p:cNvPr id="22" name="Rectangle 21"/>
+          <p:cNvSpPr/>
+          <p:nvPr/>
+        </p:nvSpPr>
+        <p:spPr bwMode="gray">
+          <a:xfrm>
+            <a:off x="341121" y="3227860"/>
+            <a:ext cx="2124327" cy="428584"/>
+          </a:xfrm>
+          <a:prstGeom prst="rect">
+            <a:avLst/>
+          </a:prstGeom>
+          <a:ln>
+            <a:headEnd/>
+            <a:tailEnd/>
+          </a:ln>
+        </p:spPr>
+        <p:style>
+          <a:lnRef idx="2">
+            <a:schemeClr val="accent5"/>
+          </a:lnRef>
+          <a:fillRef idx="1">
+            <a:schemeClr val="lt1"/>
+          </a:fillRef>
+          <a:effectRef idx="0">
+            <a:schemeClr val="accent5"/>
+          </a:effectRef>
+          <a:fontRef idx="minor">
+            <a:schemeClr val="dk1"/>
+          </a:fontRef>
+        </p:style>
+        <p:txBody>
+          <a:bodyPr lIns="90000" tIns="72000" rIns="90000" bIns="72000" rtlCol="0" anchor="ctr"/>
+          <a:lstStyle/>
+          <a:p>
+            <a:pPr marR="0" algn="ctr" defTabSz="914400" eaLnBrk="1" fontAlgn="base" latinLnBrk="0" hangingPunct="1">
+              <a:lnSpc>
+                <a:spcPct val="100000"/>
+              </a:lnSpc>
+              <a:spcBef>
+                <a:spcPct val="50000"/>
+              </a:spcBef>
+              <a:spcAft>
+                <a:spcPct val="0"/>
+              </a:spcAft>
+              <a:buClr>
+                <a:srgbClr val="F0AB00"/>
+              </a:buClr>
+              <a:buSzPct val="80000"/>
+              <a:tabLst/>
+            </a:pPr>
+            <a:r>
+              <a:rPr lang="de-DE" sz="1800" kern="0" dirty="0">
+                <a:ea typeface="Arial Unicode MS" pitchFamily="34" charset="-128"/>
+                <a:cs typeface="Arial Unicode MS" pitchFamily="34" charset="-128"/>
+              </a:rPr>
+              <a:t>NodePort: 30021</a:t>
+            </a:r>
+            <a:endParaRPr kumimoji="0" lang="de-DE" sz="1800" b="0" i="0" u="none" strike="noStrike" kern="0" cap="none" spc="0" normalizeH="0" baseline="0" noProof="0" dirty="0">
+              <a:ln>
+                <a:noFill/>
+              </a:ln>
+              <a:effectLst/>
+              <a:uLnTx/>
+              <a:uFillTx/>
+              <a:ea typeface="Arial Unicode MS" pitchFamily="34" charset="-128"/>
+              <a:cs typeface="Arial Unicode MS" pitchFamily="34" charset="-128"/>
+            </a:endParaRPr>
+          </a:p>
+        </p:txBody>
+      </p:sp>
+      <p:sp>
+        <p:nvSpPr>
+          <p:cNvPr id="23" name="Rectangle 22"/>
+          <p:cNvSpPr/>
+          <p:nvPr/>
+        </p:nvSpPr>
+        <p:spPr bwMode="gray">
+          <a:xfrm>
+            <a:off x="9566150" y="3227860"/>
+            <a:ext cx="2124327" cy="428584"/>
+          </a:xfrm>
+          <a:prstGeom prst="rect">
+            <a:avLst/>
+          </a:prstGeom>
+          <a:ln>
+            <a:headEnd/>
+            <a:tailEnd/>
+          </a:ln>
+        </p:spPr>
+        <p:style>
+          <a:lnRef idx="2">
+            <a:schemeClr val="accent5"/>
+          </a:lnRef>
+          <a:fillRef idx="1">
+            <a:schemeClr val="lt1"/>
+          </a:fillRef>
+          <a:effectRef idx="0">
+            <a:schemeClr val="accent5"/>
+          </a:effectRef>
+          <a:fontRef idx="minor">
+            <a:schemeClr val="dk1"/>
+          </a:fontRef>
+        </p:style>
+        <p:txBody>
+          <a:bodyPr lIns="90000" tIns="72000" rIns="90000" bIns="72000" rtlCol="0" anchor="ctr"/>
+          <a:lstStyle/>
+          <a:p>
+            <a:pPr marR="0" algn="ctr" defTabSz="914400" eaLnBrk="1" fontAlgn="base" latinLnBrk="0" hangingPunct="1">
+              <a:lnSpc>
+                <a:spcPct val="100000"/>
+              </a:lnSpc>
+              <a:spcBef>
+                <a:spcPct val="50000"/>
+              </a:spcBef>
+              <a:spcAft>
+                <a:spcPct val="0"/>
+              </a:spcAft>
+              <a:buClr>
+                <a:srgbClr val="F0AB00"/>
+              </a:buClr>
+              <a:buSzPct val="80000"/>
+              <a:tabLst/>
+            </a:pPr>
+            <a:r>
+              <a:rPr lang="de-DE" sz="1800" kern="0" dirty="0">
+                <a:ea typeface="Arial Unicode MS" pitchFamily="34" charset="-128"/>
+                <a:cs typeface="Arial Unicode MS" pitchFamily="34" charset="-128"/>
+              </a:rPr>
+              <a:t>NodePort: 30021</a:t>
+            </a:r>
+            <a:endParaRPr kumimoji="0" lang="de-DE" sz="1800" b="0" i="0" u="none" strike="noStrike" kern="0" cap="none" spc="0" normalizeH="0" baseline="0" noProof="0" dirty="0">
+              <a:ln>
+                <a:noFill/>
+              </a:ln>
+              <a:effectLst/>
+              <a:uLnTx/>
+              <a:uFillTx/>
+              <a:ea typeface="Arial Unicode MS" pitchFamily="34" charset="-128"/>
+              <a:cs typeface="Arial Unicode MS" pitchFamily="34" charset="-128"/>
+            </a:endParaRPr>
+          </a:p>
+        </p:txBody>
+      </p:sp>
+      <p:cxnSp>
+        <p:nvCxnSpPr>
+          <p:cNvPr id="26" name="Connector: Elbow 25"/>
+          <p:cNvCxnSpPr>
+            <a:cxnSpLocks/>
+            <a:stCxn id="25" idx="1"/>
+            <a:endCxn id="22" idx="0"/>
+          </p:cNvCxnSpPr>
+          <p:nvPr/>
+        </p:nvCxnSpPr>
+        <p:spPr>
+          <a:xfrm rot="10800000" flipV="1">
+            <a:off x="1403286" y="2334304"/>
+            <a:ext cx="1614611" cy="893555"/>
+          </a:xfrm>
+          <a:prstGeom prst="bentConnector2">
+            <a:avLst/>
+          </a:prstGeom>
+          <a:ln w="57150">
+            <a:solidFill>
+              <a:schemeClr val="tx2"/>
+            </a:solidFill>
+            <a:headEnd type="none" w="med" len="med"/>
+            <a:tailEnd type="triangle"/>
+          </a:ln>
+        </p:spPr>
+        <p:style>
+          <a:lnRef idx="1">
+            <a:schemeClr val="accent1"/>
+          </a:lnRef>
+          <a:fillRef idx="0">
+            <a:schemeClr val="accent1"/>
+          </a:fillRef>
+          <a:effectRef idx="0">
+            <a:schemeClr val="accent1"/>
+          </a:effectRef>
+          <a:fontRef idx="minor">
+            <a:schemeClr val="tx1"/>
+          </a:fontRef>
+        </p:style>
+      </p:cxnSp>
+      <p:cxnSp>
+        <p:nvCxnSpPr>
+          <p:cNvPr id="27" name="Connector: Elbow 26"/>
+          <p:cNvCxnSpPr>
+            <a:cxnSpLocks/>
+            <a:stCxn id="25" idx="3"/>
+            <a:endCxn id="23" idx="0"/>
+          </p:cNvCxnSpPr>
+          <p:nvPr/>
+        </p:nvCxnSpPr>
+        <p:spPr>
+          <a:xfrm>
+            <a:off x="9069904" y="2334305"/>
+            <a:ext cx="1558410" cy="893555"/>
           </a:xfrm>
           <a:prstGeom prst="bentConnector2">
             <a:avLst/>
@@ -10453,19 +11741,20 @@
         <p:nvCxnSpPr>
           <p:cNvPr id="36" name="Connector: Elbow 35"/>
           <p:cNvCxnSpPr>
-            <a:stCxn id="14" idx="1"/>
+            <a:cxnSpLocks/>
+            <a:stCxn id="46" idx="1"/>
             <a:endCxn id="15" idx="2"/>
           </p:cNvCxnSpPr>
           <p:nvPr/>
         </p:nvCxnSpPr>
         <p:spPr>
           <a:xfrm rot="5400000">
-            <a:off x="3718719" y="3489941"/>
-            <a:ext cx="725362" cy="3924999"/>
+            <a:off x="3594206" y="3379499"/>
+            <a:ext cx="960317" cy="3910927"/>
           </a:xfrm>
           <a:prstGeom prst="bentConnector3">
             <a:avLst>
-              <a:gd name="adj1" fmla="val 137818"/>
+              <a:gd name="adj1" fmla="val 123805"/>
             </a:avLst>
           </a:prstGeom>
           <a:ln w="57150">
@@ -10491,10 +11780,728 @@
           </a:fontRef>
         </p:style>
       </p:cxnSp>
+      <p:sp>
+        <p:nvSpPr>
+          <p:cNvPr id="31" name="Cloud 30">
+            <a:extLst>
+              <a:ext uri="{FF2B5EF4-FFF2-40B4-BE49-F238E27FC236}">
+                <a16:creationId xmlns:a16="http://schemas.microsoft.com/office/drawing/2014/main" id="{650B88C5-9391-410D-AD5A-D43BDA2A1C53}"/>
+              </a:ext>
+            </a:extLst>
+          </p:cNvPr>
+          <p:cNvSpPr/>
+          <p:nvPr/>
+        </p:nvSpPr>
+        <p:spPr bwMode="gray">
+          <a:xfrm>
+            <a:off x="6382267" y="432611"/>
+            <a:ext cx="3496836" cy="1074420"/>
+          </a:xfrm>
+          <a:prstGeom prst="cloud">
+            <a:avLst/>
+          </a:prstGeom>
+          <a:solidFill>
+            <a:schemeClr val="accent1"/>
+          </a:solidFill>
+          <a:ln w="6350" algn="ctr">
+            <a:noFill/>
+            <a:miter lim="800000"/>
+            <a:headEnd/>
+            <a:tailEnd/>
+          </a:ln>
+        </p:spPr>
+        <p:txBody>
+          <a:bodyPr lIns="90000" tIns="72000" rIns="90000" bIns="72000" rtlCol="0" anchor="ctr"/>
+          <a:lstStyle/>
+          <a:p>
+            <a:pPr marR="0" algn="ctr" defTabSz="914400" eaLnBrk="1" fontAlgn="base" latinLnBrk="0" hangingPunct="1">
+              <a:lnSpc>
+                <a:spcPct val="100000"/>
+              </a:lnSpc>
+              <a:spcBef>
+                <a:spcPct val="50000"/>
+              </a:spcBef>
+              <a:spcAft>
+                <a:spcPct val="0"/>
+              </a:spcAft>
+              <a:buClr>
+                <a:srgbClr val="F0AB00"/>
+              </a:buClr>
+              <a:buSzPct val="80000"/>
+              <a:tabLst/>
+            </a:pPr>
+            <a:r>
+              <a:rPr lang="en-US" sz="1800" kern="0" dirty="0">
+                <a:ea typeface="Arial Unicode MS" pitchFamily="34" charset="-128"/>
+                <a:cs typeface="Arial Unicode MS" pitchFamily="34" charset="-128"/>
+              </a:rPr>
+              <a:t>GET: nginx:80</a:t>
+            </a:r>
+            <a:endParaRPr kumimoji="0" lang="en-US" sz="1800" b="0" i="0" u="none" strike="noStrike" kern="0" cap="none" spc="0" normalizeH="0" baseline="0" noProof="0" dirty="0" err="1">
+              <a:ln>
+                <a:noFill/>
+              </a:ln>
+              <a:effectLst/>
+              <a:uLnTx/>
+              <a:uFillTx/>
+              <a:ea typeface="Arial Unicode MS" pitchFamily="34" charset="-128"/>
+              <a:cs typeface="Arial Unicode MS" pitchFamily="34" charset="-128"/>
+            </a:endParaRPr>
+          </a:p>
+        </p:txBody>
+      </p:sp>
+      <p:cxnSp>
+        <p:nvCxnSpPr>
+          <p:cNvPr id="44" name="Straight Arrow Connector 43">
+            <a:extLst>
+              <a:ext uri="{FF2B5EF4-FFF2-40B4-BE49-F238E27FC236}">
+                <a16:creationId xmlns:a16="http://schemas.microsoft.com/office/drawing/2014/main" id="{6064095C-8499-4385-AEBA-C1A6BFE16CEF}"/>
+              </a:ext>
+            </a:extLst>
+          </p:cNvPr>
+          <p:cNvCxnSpPr>
+            <a:cxnSpLocks/>
+            <a:stCxn id="31" idx="1"/>
+            <a:endCxn id="39" idx="0"/>
+          </p:cNvCxnSpPr>
+          <p:nvPr/>
+        </p:nvCxnSpPr>
+        <p:spPr>
+          <a:xfrm>
+            <a:off x="8130685" y="1505887"/>
+            <a:ext cx="0" cy="313921"/>
+          </a:xfrm>
+          <a:prstGeom prst="straightConnector1">
+            <a:avLst/>
+          </a:prstGeom>
+          <a:ln w="57150">
+            <a:solidFill>
+              <a:schemeClr val="tx2"/>
+            </a:solidFill>
+            <a:headEnd type="none" w="med" len="med"/>
+            <a:tailEnd type="triangle"/>
+          </a:ln>
+        </p:spPr>
+        <p:style>
+          <a:lnRef idx="1">
+            <a:schemeClr val="accent1"/>
+          </a:lnRef>
+          <a:fillRef idx="0">
+            <a:schemeClr val="accent1"/>
+          </a:fillRef>
+          <a:effectRef idx="0">
+            <a:schemeClr val="accent1"/>
+          </a:effectRef>
+          <a:fontRef idx="minor">
+            <a:schemeClr val="tx1"/>
+          </a:fontRef>
+        </p:style>
+      </p:cxnSp>
+      <p:grpSp>
+        <p:nvGrpSpPr>
+          <p:cNvPr id="54" name="Group 53">
+            <a:extLst>
+              <a:ext uri="{FF2B5EF4-FFF2-40B4-BE49-F238E27FC236}">
+                <a16:creationId xmlns:a16="http://schemas.microsoft.com/office/drawing/2014/main" id="{A93DF1A8-4868-459A-AF50-9326D5A976E1}"/>
+              </a:ext>
+            </a:extLst>
+          </p:cNvPr>
+          <p:cNvGrpSpPr/>
+          <p:nvPr/>
+        </p:nvGrpSpPr>
+        <p:grpSpPr>
+          <a:xfrm>
+            <a:off x="3017896" y="1819808"/>
+            <a:ext cx="6052008" cy="821276"/>
+            <a:chOff x="3017896" y="1876370"/>
+            <a:chExt cx="6052008" cy="821276"/>
+          </a:xfrm>
+        </p:grpSpPr>
+        <p:sp>
+          <p:nvSpPr>
+            <p:cNvPr id="25" name="Rectangle 24">
+              <a:extLst>
+                <a:ext uri="{FF2B5EF4-FFF2-40B4-BE49-F238E27FC236}">
+                  <a16:creationId xmlns:a16="http://schemas.microsoft.com/office/drawing/2014/main" id="{10B7A041-D1B3-4694-9454-55B5F757C84F}"/>
+                </a:ext>
+              </a:extLst>
+            </p:cNvPr>
+            <p:cNvSpPr/>
+            <p:nvPr/>
+          </p:nvSpPr>
+          <p:spPr bwMode="gray">
+            <a:xfrm>
+              <a:off x="3017896" y="2084088"/>
+              <a:ext cx="6052008" cy="613558"/>
+            </a:xfrm>
+            <a:prstGeom prst="rect">
+              <a:avLst/>
+            </a:prstGeom>
+            <a:solidFill>
+              <a:srgbClr val="0070C0"/>
+            </a:solidFill>
+            <a:ln w="6350" algn="ctr">
+              <a:noFill/>
+              <a:miter lim="800000"/>
+              <a:headEnd/>
+              <a:tailEnd/>
+            </a:ln>
+          </p:spPr>
+          <p:txBody>
+            <a:bodyPr lIns="90000" tIns="72000" rIns="90000" bIns="72000" rtlCol="0" anchor="ctr"/>
+            <a:lstStyle/>
+            <a:p>
+              <a:pPr marR="0" algn="ctr" defTabSz="914400" eaLnBrk="1" fontAlgn="base" latinLnBrk="0" hangingPunct="1">
+                <a:lnSpc>
+                  <a:spcPct val="100000"/>
+                </a:lnSpc>
+                <a:spcBef>
+                  <a:spcPct val="50000"/>
+                </a:spcBef>
+                <a:spcAft>
+                  <a:spcPct val="0"/>
+                </a:spcAft>
+                <a:buClr>
+                  <a:srgbClr val="F0AB00"/>
+                </a:buClr>
+                <a:buSzPct val="80000"/>
+                <a:tabLst/>
+              </a:pPr>
+              <a:r>
+                <a:rPr kumimoji="0" lang="en-US" sz="1800" b="0" i="0" u="none" strike="noStrike" kern="0" cap="none" spc="0" normalizeH="0" baseline="0" noProof="0" dirty="0">
+                  <a:ln>
+                    <a:noFill/>
+                  </a:ln>
+                  <a:effectLst/>
+                  <a:uLnTx/>
+                  <a:uFillTx/>
+                  <a:ea typeface="Arial Unicode MS" pitchFamily="34" charset="-128"/>
+                  <a:cs typeface="Arial Unicode MS" pitchFamily="34" charset="-128"/>
+                </a:rPr>
+                <a:t>LoadBalancer</a:t>
+              </a:r>
+            </a:p>
+          </p:txBody>
+        </p:sp>
+        <p:sp>
+          <p:nvSpPr>
+            <p:cNvPr id="39" name="Rectangle 38">
+              <a:extLst>
+                <a:ext uri="{FF2B5EF4-FFF2-40B4-BE49-F238E27FC236}">
+                  <a16:creationId xmlns:a16="http://schemas.microsoft.com/office/drawing/2014/main" id="{D644CA9C-6739-4EBF-8649-AE590DFF8E16}"/>
+                </a:ext>
+              </a:extLst>
+            </p:cNvPr>
+            <p:cNvSpPr/>
+            <p:nvPr/>
+          </p:nvSpPr>
+          <p:spPr bwMode="gray">
+            <a:xfrm>
+              <a:off x="7593857" y="1876370"/>
+              <a:ext cx="1073656" cy="369931"/>
+            </a:xfrm>
+            <a:prstGeom prst="rect">
+              <a:avLst/>
+            </a:prstGeom>
+            <a:ln>
+              <a:headEnd/>
+              <a:tailEnd/>
+            </a:ln>
+          </p:spPr>
+          <p:style>
+            <a:lnRef idx="2">
+              <a:schemeClr val="accent2"/>
+            </a:lnRef>
+            <a:fillRef idx="1">
+              <a:schemeClr val="lt1"/>
+            </a:fillRef>
+            <a:effectRef idx="0">
+              <a:schemeClr val="accent2"/>
+            </a:effectRef>
+            <a:fontRef idx="minor">
+              <a:schemeClr val="dk1"/>
+            </a:fontRef>
+          </p:style>
+          <p:txBody>
+            <a:bodyPr lIns="90000" tIns="72000" rIns="90000" bIns="72000" rtlCol="0" anchor="ctr"/>
+            <a:lstStyle/>
+            <a:p>
+              <a:pPr marR="0" algn="ctr" defTabSz="914400" eaLnBrk="1" fontAlgn="base" latinLnBrk="0" hangingPunct="1">
+                <a:lnSpc>
+                  <a:spcPct val="100000"/>
+                </a:lnSpc>
+                <a:spcBef>
+                  <a:spcPct val="50000"/>
+                </a:spcBef>
+                <a:spcAft>
+                  <a:spcPct val="0"/>
+                </a:spcAft>
+                <a:buClr>
+                  <a:srgbClr val="F0AB00"/>
+                </a:buClr>
+                <a:buSzPct val="80000"/>
+                <a:tabLst/>
+              </a:pPr>
+              <a:r>
+                <a:rPr lang="de-DE" sz="1800" kern="0" dirty="0">
+                  <a:ea typeface="Arial Unicode MS" pitchFamily="34" charset="-128"/>
+                  <a:cs typeface="Arial Unicode MS" pitchFamily="34" charset="-128"/>
+                </a:rPr>
+                <a:t>Port: 80</a:t>
+              </a:r>
+              <a:endParaRPr kumimoji="0" lang="de-DE" sz="1800" b="0" i="0" u="none" strike="noStrike" kern="0" cap="none" spc="0" normalizeH="0" baseline="0" noProof="0" dirty="0">
+                <a:ln>
+                  <a:noFill/>
+                </a:ln>
+                <a:effectLst/>
+                <a:uLnTx/>
+                <a:uFillTx/>
+                <a:ea typeface="Arial Unicode MS" pitchFamily="34" charset="-128"/>
+                <a:cs typeface="Arial Unicode MS" pitchFamily="34" charset="-128"/>
+              </a:endParaRPr>
+            </a:p>
+          </p:txBody>
+        </p:sp>
+        <p:sp>
+          <p:nvSpPr>
+            <p:cNvPr id="45" name="Rectangle 44">
+              <a:extLst>
+                <a:ext uri="{FF2B5EF4-FFF2-40B4-BE49-F238E27FC236}">
+                  <a16:creationId xmlns:a16="http://schemas.microsoft.com/office/drawing/2014/main" id="{54F544F5-461B-4475-AC4A-B14AC1B5D1B3}"/>
+                </a:ext>
+              </a:extLst>
+            </p:cNvPr>
+            <p:cNvSpPr/>
+            <p:nvPr/>
+          </p:nvSpPr>
+          <p:spPr bwMode="gray">
+            <a:xfrm>
+              <a:off x="3184074" y="1880541"/>
+              <a:ext cx="1794651" cy="365760"/>
+            </a:xfrm>
+            <a:prstGeom prst="rect">
+              <a:avLst/>
+            </a:prstGeom>
+            <a:ln>
+              <a:headEnd/>
+              <a:tailEnd/>
+            </a:ln>
+          </p:spPr>
+          <p:style>
+            <a:lnRef idx="2">
+              <a:schemeClr val="accent2"/>
+            </a:lnRef>
+            <a:fillRef idx="1">
+              <a:schemeClr val="lt1"/>
+            </a:fillRef>
+            <a:effectRef idx="0">
+              <a:schemeClr val="accent2"/>
+            </a:effectRef>
+            <a:fontRef idx="minor">
+              <a:schemeClr val="dk1"/>
+            </a:fontRef>
+          </p:style>
+          <p:txBody>
+            <a:bodyPr lIns="90000" tIns="72000" rIns="90000" bIns="72000" rtlCol="0" anchor="ctr"/>
+            <a:lstStyle/>
+            <a:p>
+              <a:pPr marR="0" algn="ctr" defTabSz="914400" eaLnBrk="1" fontAlgn="base" latinLnBrk="0" hangingPunct="1">
+                <a:lnSpc>
+                  <a:spcPct val="100000"/>
+                </a:lnSpc>
+                <a:spcBef>
+                  <a:spcPct val="50000"/>
+                </a:spcBef>
+                <a:spcAft>
+                  <a:spcPct val="0"/>
+                </a:spcAft>
+                <a:buClr>
+                  <a:srgbClr val="F0AB00"/>
+                </a:buClr>
+                <a:buSzPct val="80000"/>
+                <a:tabLst/>
+              </a:pPr>
+              <a:r>
+                <a:rPr kumimoji="0" lang="de-DE" sz="1800" b="0" i="0" u="none" strike="noStrike" kern="0" cap="none" spc="0" normalizeH="0" baseline="0" noProof="0" dirty="0">
+                  <a:ln>
+                    <a:noFill/>
+                  </a:ln>
+                  <a:effectLst/>
+                  <a:uLnTx/>
+                  <a:uFillTx/>
+                  <a:ea typeface="Arial Unicode MS" pitchFamily="34" charset="-128"/>
+                  <a:cs typeface="Arial Unicode MS" pitchFamily="34" charset="-128"/>
+                </a:rPr>
+                <a:t>IP: 35.65.257.1</a:t>
+              </a:r>
+            </a:p>
+          </p:txBody>
+        </p:sp>
+      </p:grpSp>
+      <p:sp>
+        <p:nvSpPr>
+          <p:cNvPr id="46" name="Rectangle: Single Corner Snipped 45">
+            <a:extLst>
+              <a:ext uri="{FF2B5EF4-FFF2-40B4-BE49-F238E27FC236}">
+                <a16:creationId xmlns:a16="http://schemas.microsoft.com/office/drawing/2014/main" id="{5E9FCBC4-82E3-4A8A-AD31-E51BA1D4CAB8}"/>
+              </a:ext>
+            </a:extLst>
+          </p:cNvPr>
+          <p:cNvSpPr/>
+          <p:nvPr/>
+        </p:nvSpPr>
+        <p:spPr bwMode="gray">
+          <a:xfrm>
+            <a:off x="4792661" y="3079127"/>
+            <a:ext cx="2474332" cy="1775677"/>
+          </a:xfrm>
+          <a:prstGeom prst="snip1Rect">
+            <a:avLst/>
+          </a:prstGeom>
+          <a:ln w="38100" cmpd="sng">
+            <a:headEnd/>
+            <a:tailEnd/>
+          </a:ln>
+          <a:effectLst>
+            <a:outerShdw blurRad="50800" dist="38100" dir="2700000" algn="tl" rotWithShape="0">
+              <a:prstClr val="black">
+                <a:alpha val="40000"/>
+              </a:prstClr>
+            </a:outerShdw>
+          </a:effectLst>
+        </p:spPr>
+        <p:style>
+          <a:lnRef idx="3">
+            <a:schemeClr val="lt1"/>
+          </a:lnRef>
+          <a:fillRef idx="1">
+            <a:schemeClr val="accent2"/>
+          </a:fillRef>
+          <a:effectRef idx="1">
+            <a:schemeClr val="accent2"/>
+          </a:effectRef>
+          <a:fontRef idx="minor">
+            <a:schemeClr val="lt1"/>
+          </a:fontRef>
+        </p:style>
+        <p:txBody>
+          <a:bodyPr wrap="none" lIns="90000" tIns="0" rIns="90000" bIns="0" rtlCol="0" anchor="t"/>
+          <a:lstStyle/>
+          <a:p>
+            <a:pPr marR="0" algn="ctr" defTabSz="914400" eaLnBrk="1" fontAlgn="base" latinLnBrk="0" hangingPunct="1">
+              <a:lnSpc>
+                <a:spcPct val="100000"/>
+              </a:lnSpc>
+              <a:spcAft>
+                <a:spcPts val="600"/>
+              </a:spcAft>
+              <a:buClr>
+                <a:srgbClr val="F0AB00"/>
+              </a:buClr>
+              <a:buSzPct val="80000"/>
+              <a:tabLst/>
+            </a:pPr>
+            <a:r>
+              <a:rPr kumimoji="0" lang="en-US" sz="1600" b="1" i="0" u="none" strike="noStrike" kern="0" cap="none" spc="0" normalizeH="0" baseline="0" noProof="0" dirty="0">
+                <a:ln>
+                  <a:noFill/>
+                </a:ln>
+                <a:effectLst/>
+                <a:uLnTx/>
+                <a:uFillTx/>
+                <a:ea typeface="Arial Unicode MS" pitchFamily="34" charset="-128"/>
+                <a:cs typeface="Arial Unicode MS" pitchFamily="34" charset="-128"/>
+              </a:rPr>
+              <a:t>Service</a:t>
+            </a:r>
+          </a:p>
+          <a:p>
+            <a:pPr marL="285750" marR="0" indent="-285750" defTabSz="914400" eaLnBrk="1" fontAlgn="base" latinLnBrk="0" hangingPunct="1">
+              <a:lnSpc>
+                <a:spcPct val="100000"/>
+              </a:lnSpc>
+              <a:spcBef>
+                <a:spcPts val="600"/>
+              </a:spcBef>
+              <a:spcAft>
+                <a:spcPct val="0"/>
+              </a:spcAft>
+              <a:buClr>
+                <a:srgbClr val="F0AB00"/>
+              </a:buClr>
+              <a:buSzPct val="80000"/>
+              <a:buFont typeface="Arial" panose="020B0604020202020204" pitchFamily="34" charset="0"/>
+              <a:buChar char="•"/>
+              <a:tabLst/>
+            </a:pPr>
+            <a:r>
+              <a:rPr lang="en-US" sz="1600" kern="0" dirty="0">
+                <a:ea typeface="Arial Unicode MS" pitchFamily="34" charset="-128"/>
+                <a:cs typeface="Arial Unicode MS" pitchFamily="34" charset="-128"/>
+              </a:rPr>
+              <a:t>Label: app=nginx</a:t>
+            </a:r>
+            <a:endParaRPr kumimoji="0" lang="en-US" sz="1600" b="0" i="0" u="none" strike="noStrike" kern="0" cap="none" spc="0" normalizeH="0" baseline="0" noProof="0" dirty="0">
+              <a:ln>
+                <a:noFill/>
+              </a:ln>
+              <a:effectLst/>
+              <a:uLnTx/>
+              <a:uFillTx/>
+              <a:ea typeface="Arial Unicode MS" pitchFamily="34" charset="-128"/>
+              <a:cs typeface="Arial Unicode MS" pitchFamily="34" charset="-128"/>
+            </a:endParaRPr>
+          </a:p>
+          <a:p>
+            <a:pPr marL="285750" marR="0" indent="-285750" defTabSz="914400" eaLnBrk="1" fontAlgn="base" latinLnBrk="0" hangingPunct="1">
+              <a:lnSpc>
+                <a:spcPct val="100000"/>
+              </a:lnSpc>
+              <a:spcBef>
+                <a:spcPts val="600"/>
+              </a:spcBef>
+              <a:spcAft>
+                <a:spcPct val="0"/>
+              </a:spcAft>
+              <a:buClr>
+                <a:srgbClr val="F0AB00"/>
+              </a:buClr>
+              <a:buSzPct val="80000"/>
+              <a:buFont typeface="Arial" panose="020B0604020202020204" pitchFamily="34" charset="0"/>
+              <a:buChar char="•"/>
+              <a:tabLst/>
+            </a:pPr>
+            <a:r>
+              <a:rPr lang="en-US" sz="1600" kern="0" dirty="0">
+                <a:ea typeface="Arial Unicode MS" pitchFamily="34" charset="-128"/>
+                <a:cs typeface="Arial Unicode MS" pitchFamily="34" charset="-128"/>
+              </a:rPr>
+              <a:t>Type: LoadBalancer</a:t>
+            </a:r>
+          </a:p>
+          <a:p>
+            <a:pPr marL="285750" marR="0" indent="-285750" defTabSz="914400" eaLnBrk="1" fontAlgn="base" latinLnBrk="0" hangingPunct="1">
+              <a:lnSpc>
+                <a:spcPct val="100000"/>
+              </a:lnSpc>
+              <a:spcBef>
+                <a:spcPts val="600"/>
+              </a:spcBef>
+              <a:spcAft>
+                <a:spcPct val="0"/>
+              </a:spcAft>
+              <a:buClr>
+                <a:srgbClr val="F0AB00"/>
+              </a:buClr>
+              <a:buSzPct val="80000"/>
+              <a:buFont typeface="Arial" panose="020B0604020202020204" pitchFamily="34" charset="0"/>
+              <a:buChar char="•"/>
+              <a:tabLst/>
+            </a:pPr>
+            <a:r>
+              <a:rPr lang="en-US" sz="1600" kern="0" dirty="0">
+                <a:ea typeface="Arial Unicode MS" pitchFamily="34" charset="-128"/>
+                <a:cs typeface="Arial Unicode MS" pitchFamily="34" charset="-128"/>
+              </a:rPr>
+              <a:t>TargetPort: 80</a:t>
+            </a:r>
+          </a:p>
+          <a:p>
+            <a:pPr marL="285750" marR="0" indent="-285750" defTabSz="914400" eaLnBrk="1" fontAlgn="base" latinLnBrk="0" hangingPunct="1">
+              <a:lnSpc>
+                <a:spcPct val="100000"/>
+              </a:lnSpc>
+              <a:spcBef>
+                <a:spcPts val="600"/>
+              </a:spcBef>
+              <a:spcAft>
+                <a:spcPct val="0"/>
+              </a:spcAft>
+              <a:buClr>
+                <a:srgbClr val="F0AB00"/>
+              </a:buClr>
+              <a:buSzPct val="80000"/>
+              <a:buFont typeface="Arial" panose="020B0604020202020204" pitchFamily="34" charset="0"/>
+              <a:buChar char="•"/>
+              <a:tabLst/>
+            </a:pPr>
+            <a:r>
+              <a:rPr kumimoji="0" lang="en-US" sz="1600" b="0" i="0" u="none" strike="noStrike" kern="0" cap="none" spc="0" normalizeH="0" baseline="0" noProof="0" dirty="0">
+                <a:ln>
+                  <a:noFill/>
+                </a:ln>
+                <a:effectLst/>
+                <a:uLnTx/>
+                <a:uFillTx/>
+                <a:ea typeface="Arial Unicode MS" pitchFamily="34" charset="-128"/>
+                <a:cs typeface="Arial Unicode MS" pitchFamily="34" charset="-128"/>
+              </a:rPr>
+              <a:t>Port: 80</a:t>
+            </a:r>
+          </a:p>
+        </p:txBody>
+      </p:sp>
+      <p:cxnSp>
+        <p:nvCxnSpPr>
+          <p:cNvPr id="33" name="Connector: Elbow 32"/>
+          <p:cNvCxnSpPr>
+            <a:cxnSpLocks/>
+            <a:stCxn id="22" idx="2"/>
+            <a:endCxn id="46" idx="2"/>
+          </p:cNvCxnSpPr>
+          <p:nvPr/>
+        </p:nvCxnSpPr>
+        <p:spPr>
+          <a:xfrm rot="16200000" flipH="1">
+            <a:off x="2942712" y="2117017"/>
+            <a:ext cx="310522" cy="3389376"/>
+          </a:xfrm>
+          <a:prstGeom prst="bentConnector2">
+            <a:avLst/>
+          </a:prstGeom>
+          <a:ln w="57150">
+            <a:solidFill>
+              <a:schemeClr val="tx2"/>
+            </a:solidFill>
+            <a:headEnd type="none" w="med" len="med"/>
+            <a:tailEnd type="triangle"/>
+          </a:ln>
+        </p:spPr>
+        <p:style>
+          <a:lnRef idx="1">
+            <a:schemeClr val="accent1"/>
+          </a:lnRef>
+          <a:fillRef idx="0">
+            <a:schemeClr val="accent1"/>
+          </a:fillRef>
+          <a:effectRef idx="0">
+            <a:schemeClr val="accent1"/>
+          </a:effectRef>
+          <a:fontRef idx="minor">
+            <a:schemeClr val="tx1"/>
+          </a:fontRef>
+        </p:style>
+      </p:cxnSp>
+      <p:cxnSp>
+        <p:nvCxnSpPr>
+          <p:cNvPr id="30" name="Connector: Elbow 29"/>
+          <p:cNvCxnSpPr>
+            <a:cxnSpLocks/>
+            <a:stCxn id="23" idx="2"/>
+            <a:endCxn id="46" idx="0"/>
+          </p:cNvCxnSpPr>
+          <p:nvPr/>
+        </p:nvCxnSpPr>
+        <p:spPr>
+          <a:xfrm rot="5400000">
+            <a:off x="8792393" y="2131045"/>
+            <a:ext cx="310522" cy="3361321"/>
+          </a:xfrm>
+          <a:prstGeom prst="bentConnector2">
+            <a:avLst/>
+          </a:prstGeom>
+          <a:ln w="57150">
+            <a:solidFill>
+              <a:schemeClr val="tx2"/>
+            </a:solidFill>
+            <a:headEnd type="none" w="med" len="med"/>
+            <a:tailEnd type="triangle"/>
+          </a:ln>
+        </p:spPr>
+        <p:style>
+          <a:lnRef idx="1">
+            <a:schemeClr val="accent1"/>
+          </a:lnRef>
+          <a:fillRef idx="0">
+            <a:schemeClr val="accent1"/>
+          </a:fillRef>
+          <a:effectRef idx="0">
+            <a:schemeClr val="accent1"/>
+          </a:effectRef>
+          <a:fontRef idx="minor">
+            <a:schemeClr val="tx1"/>
+          </a:fontRef>
+        </p:style>
+      </p:cxnSp>
+      <p:sp>
+        <p:nvSpPr>
+          <p:cNvPr id="53" name="Rectangle 52">
+            <a:extLst>
+              <a:ext uri="{FF2B5EF4-FFF2-40B4-BE49-F238E27FC236}">
+                <a16:creationId xmlns:a16="http://schemas.microsoft.com/office/drawing/2014/main" id="{504562E7-00A7-4A86-943E-8EBA6759839C}"/>
+              </a:ext>
+            </a:extLst>
+          </p:cNvPr>
+          <p:cNvSpPr/>
+          <p:nvPr/>
+        </p:nvSpPr>
+        <p:spPr bwMode="gray">
+          <a:xfrm>
+            <a:off x="5197190" y="2922326"/>
+            <a:ext cx="1665273" cy="289387"/>
+          </a:xfrm>
+          <a:prstGeom prst="rect">
+            <a:avLst/>
+          </a:prstGeom>
+          <a:ln>
+            <a:headEnd/>
+            <a:tailEnd/>
+          </a:ln>
+        </p:spPr>
+        <p:style>
+          <a:lnRef idx="2">
+            <a:schemeClr val="accent2"/>
+          </a:lnRef>
+          <a:fillRef idx="1">
+            <a:schemeClr val="lt1"/>
+          </a:fillRef>
+          <a:effectRef idx="0">
+            <a:schemeClr val="accent2"/>
+          </a:effectRef>
+          <a:fontRef idx="minor">
+            <a:schemeClr val="dk1"/>
+          </a:fontRef>
+        </p:style>
+        <p:txBody>
+          <a:bodyPr lIns="90000" tIns="72000" rIns="90000" bIns="72000" rtlCol="0" anchor="ctr"/>
+          <a:lstStyle/>
+          <a:p>
+            <a:pPr marR="0" algn="ctr" defTabSz="914400" eaLnBrk="1" fontAlgn="base" latinLnBrk="0" hangingPunct="1">
+              <a:lnSpc>
+                <a:spcPct val="100000"/>
+              </a:lnSpc>
+              <a:spcBef>
+                <a:spcPct val="50000"/>
+              </a:spcBef>
+              <a:spcAft>
+                <a:spcPct val="0"/>
+              </a:spcAft>
+              <a:buClr>
+                <a:srgbClr val="F0AB00"/>
+              </a:buClr>
+              <a:buSzPct val="80000"/>
+              <a:tabLst/>
+            </a:pPr>
+            <a:r>
+              <a:rPr kumimoji="0" lang="de-DE" sz="1600" b="0" i="0" u="none" strike="noStrike" kern="0" cap="none" spc="0" normalizeH="0" baseline="0" noProof="0" dirty="0">
+                <a:ln>
+                  <a:noFill/>
+                </a:ln>
+                <a:effectLst/>
+                <a:uLnTx/>
+                <a:uFillTx/>
+                <a:ea typeface="Arial Unicode MS" pitchFamily="34" charset="-128"/>
+                <a:cs typeface="Arial Unicode MS" pitchFamily="34" charset="-128"/>
+              </a:rPr>
+              <a:t>IP: 10.10.10.4</a:t>
+            </a:r>
+          </a:p>
+        </p:txBody>
+      </p:sp>
     </p:spTree>
     <p:extLst>
       <p:ext uri="{BB962C8B-B14F-4D97-AF65-F5344CB8AC3E}">
-        <p14:creationId xmlns:p14="http://schemas.microsoft.com/office/powerpoint/2010/main" val="2098045799"/>
+        <p14:creationId xmlns:p14="http://schemas.microsoft.com/office/powerpoint/2010/main" val="13675535"/>
       </p:ext>
     </p:extLst>
   </p:cSld>
@@ -10504,7 +12511,1675 @@
 </p:sld>
 </file>
 
-<file path=ppt/slides/slide11.xml><?xml version="1.0" encoding="utf-8"?>
+<file path=ppt/slides/slide12.xml><?xml version="1.0" encoding="utf-8"?>
+<p:sld xmlns:a="http://schemas.openxmlformats.org/drawingml/2006/main" xmlns:r="http://schemas.openxmlformats.org/officeDocument/2006/relationships" xmlns:p="http://schemas.openxmlformats.org/presentationml/2006/main">
+  <p:cSld>
+    <p:spTree>
+      <p:nvGrpSpPr>
+        <p:cNvPr id="1" name=""/>
+        <p:cNvGrpSpPr/>
+        <p:nvPr/>
+      </p:nvGrpSpPr>
+      <p:grpSpPr>
+        <a:xfrm>
+          <a:off x="0" y="0"/>
+          <a:ext cx="0" cy="0"/>
+          <a:chOff x="0" y="0"/>
+          <a:chExt cx="0" cy="0"/>
+        </a:xfrm>
+      </p:grpSpPr>
+      <p:sp>
+        <p:nvSpPr>
+          <p:cNvPr id="21" name="Rectangle 20"/>
+          <p:cNvSpPr/>
+          <p:nvPr/>
+        </p:nvSpPr>
+        <p:spPr bwMode="gray">
+          <a:xfrm>
+            <a:off x="6141720" y="3390899"/>
+            <a:ext cx="4960620" cy="2865121"/>
+          </a:xfrm>
+          <a:prstGeom prst="rect">
+            <a:avLst/>
+          </a:prstGeom>
+          <a:ln>
+            <a:headEnd/>
+            <a:tailEnd/>
+          </a:ln>
+        </p:spPr>
+        <p:style>
+          <a:lnRef idx="2">
+            <a:schemeClr val="accent2"/>
+          </a:lnRef>
+          <a:fillRef idx="1">
+            <a:schemeClr val="lt1"/>
+          </a:fillRef>
+          <a:effectRef idx="0">
+            <a:schemeClr val="accent2"/>
+          </a:effectRef>
+          <a:fontRef idx="minor">
+            <a:schemeClr val="dk1"/>
+          </a:fontRef>
+        </p:style>
+        <p:txBody>
+          <a:bodyPr lIns="90000" tIns="72000" rIns="90000" bIns="72000" rtlCol="0" anchor="t"/>
+          <a:lstStyle/>
+          <a:p>
+            <a:pPr marR="0" algn="ctr" defTabSz="914400" eaLnBrk="1" fontAlgn="base" latinLnBrk="0" hangingPunct="1">
+              <a:lnSpc>
+                <a:spcPct val="100000"/>
+              </a:lnSpc>
+              <a:spcBef>
+                <a:spcPct val="50000"/>
+              </a:spcBef>
+              <a:spcAft>
+                <a:spcPct val="0"/>
+              </a:spcAft>
+              <a:buClr>
+                <a:srgbClr val="F0AB00"/>
+              </a:buClr>
+              <a:buSzPct val="80000"/>
+              <a:tabLst/>
+            </a:pPr>
+            <a:r>
+              <a:rPr kumimoji="0" lang="en-US" sz="1800" b="1" i="0" u="none" strike="noStrike" kern="0" cap="none" spc="0" normalizeH="0" baseline="0" noProof="0" dirty="0">
+                <a:ln>
+                  <a:noFill/>
+                </a:ln>
+                <a:effectLst/>
+                <a:uLnTx/>
+                <a:uFillTx/>
+                <a:ea typeface="Arial Unicode MS" pitchFamily="34" charset="-128"/>
+                <a:cs typeface="Arial Unicode MS" pitchFamily="34" charset="-128"/>
+              </a:rPr>
+              <a:t>Node B</a:t>
+            </a:r>
+          </a:p>
+        </p:txBody>
+      </p:sp>
+      <p:sp>
+        <p:nvSpPr>
+          <p:cNvPr id="2" name="Title 1"/>
+          <p:cNvSpPr>
+            <a:spLocks noGrp="1"/>
+          </p:cNvSpPr>
+          <p:nvPr>
+            <p:ph type="title"/>
+          </p:nvPr>
+        </p:nvSpPr>
+        <p:spPr/>
+        <p:txBody>
+          <a:bodyPr/>
+          <a:lstStyle/>
+          <a:p>
+            <a:r>
+              <a:rPr lang="en-US" dirty="0"/>
+              <a:t>So </a:t>
+            </a:r>
+            <a:r>
+              <a:rPr lang="en-US"/>
+              <a:t>many different ports</a:t>
+            </a:r>
+            <a:r>
+              <a:rPr lang="en-US" dirty="0"/>
+              <a:t>…</a:t>
+            </a:r>
+          </a:p>
+        </p:txBody>
+      </p:sp>
+      <p:sp>
+        <p:nvSpPr>
+          <p:cNvPr id="18" name="Rectangle 17"/>
+          <p:cNvSpPr/>
+          <p:nvPr/>
+        </p:nvSpPr>
+        <p:spPr bwMode="gray">
+          <a:xfrm>
+            <a:off x="8045976" y="4446544"/>
+            <a:ext cx="1815338" cy="1160859"/>
+          </a:xfrm>
+          <a:prstGeom prst="rect">
+            <a:avLst/>
+          </a:prstGeom>
+          <a:ln>
+            <a:headEnd/>
+            <a:tailEnd/>
+          </a:ln>
+        </p:spPr>
+        <p:style>
+          <a:lnRef idx="2">
+            <a:schemeClr val="accent2">
+              <a:shade val="50000"/>
+            </a:schemeClr>
+          </a:lnRef>
+          <a:fillRef idx="1">
+            <a:schemeClr val="accent2"/>
+          </a:fillRef>
+          <a:effectRef idx="0">
+            <a:schemeClr val="accent2"/>
+          </a:effectRef>
+          <a:fontRef idx="minor">
+            <a:schemeClr val="lt1"/>
+          </a:fontRef>
+        </p:style>
+        <p:txBody>
+          <a:bodyPr lIns="90000" tIns="72000" rIns="90000" bIns="72000" rtlCol="0" anchor="ctr"/>
+          <a:lstStyle/>
+          <a:p>
+            <a:pPr marR="0" algn="ctr" defTabSz="914400" eaLnBrk="1" fontAlgn="base" latinLnBrk="0" hangingPunct="1">
+              <a:lnSpc>
+                <a:spcPct val="100000"/>
+              </a:lnSpc>
+              <a:spcBef>
+                <a:spcPct val="50000"/>
+              </a:spcBef>
+              <a:spcAft>
+                <a:spcPct val="0"/>
+              </a:spcAft>
+              <a:buClr>
+                <a:srgbClr val="F0AB00"/>
+              </a:buClr>
+              <a:buSzPct val="80000"/>
+              <a:tabLst/>
+            </a:pPr>
+            <a:r>
+              <a:rPr lang="de-DE" sz="1600" b="1" kern="0" noProof="0" dirty="0" err="1">
+                <a:ea typeface="Arial Unicode MS" pitchFamily="34" charset="-128"/>
+                <a:cs typeface="Arial Unicode MS" pitchFamily="34" charset="-128"/>
+              </a:rPr>
+              <a:t>Pod</a:t>
+            </a:r>
+            <a:endParaRPr kumimoji="0" lang="de-DE" sz="1600" b="1" i="0" u="none" strike="noStrike" kern="0" cap="none" spc="0" normalizeH="0" baseline="0" noProof="0" dirty="0">
+              <a:ln>
+                <a:noFill/>
+              </a:ln>
+              <a:effectLst/>
+              <a:uLnTx/>
+              <a:uFillTx/>
+              <a:ea typeface="Arial Unicode MS" pitchFamily="34" charset="-128"/>
+              <a:cs typeface="Arial Unicode MS" pitchFamily="34" charset="-128"/>
+            </a:endParaRPr>
+          </a:p>
+        </p:txBody>
+      </p:sp>
+      <p:sp>
+        <p:nvSpPr>
+          <p:cNvPr id="20" name="Rectangle 19"/>
+          <p:cNvSpPr/>
+          <p:nvPr/>
+        </p:nvSpPr>
+        <p:spPr bwMode="gray">
+          <a:xfrm>
+            <a:off x="9575331" y="5386537"/>
+            <a:ext cx="1073656" cy="428584"/>
+          </a:xfrm>
+          <a:prstGeom prst="rect">
+            <a:avLst/>
+          </a:prstGeom>
+          <a:ln>
+            <a:headEnd/>
+            <a:tailEnd/>
+          </a:ln>
+        </p:spPr>
+        <p:style>
+          <a:lnRef idx="2">
+            <a:schemeClr val="accent2"/>
+          </a:lnRef>
+          <a:fillRef idx="1">
+            <a:schemeClr val="lt1"/>
+          </a:fillRef>
+          <a:effectRef idx="0">
+            <a:schemeClr val="accent2"/>
+          </a:effectRef>
+          <a:fontRef idx="minor">
+            <a:schemeClr val="dk1"/>
+          </a:fontRef>
+        </p:style>
+        <p:txBody>
+          <a:bodyPr lIns="90000" tIns="72000" rIns="90000" bIns="72000" rtlCol="0" anchor="ctr"/>
+          <a:lstStyle/>
+          <a:p>
+            <a:pPr marR="0" algn="ctr" defTabSz="914400" eaLnBrk="1" fontAlgn="base" latinLnBrk="0" hangingPunct="1">
+              <a:lnSpc>
+                <a:spcPct val="100000"/>
+              </a:lnSpc>
+              <a:spcBef>
+                <a:spcPct val="50000"/>
+              </a:spcBef>
+              <a:spcAft>
+                <a:spcPct val="0"/>
+              </a:spcAft>
+              <a:buClr>
+                <a:srgbClr val="F0AB00"/>
+              </a:buClr>
+              <a:buSzPct val="80000"/>
+              <a:tabLst/>
+            </a:pPr>
+            <a:r>
+              <a:rPr lang="de-DE" sz="1800" kern="0" dirty="0">
+                <a:ea typeface="Arial Unicode MS" pitchFamily="34" charset="-128"/>
+                <a:cs typeface="Arial Unicode MS" pitchFamily="34" charset="-128"/>
+              </a:rPr>
+              <a:t>Port: 80</a:t>
+            </a:r>
+            <a:endParaRPr kumimoji="0" lang="de-DE" sz="1800" b="0" i="0" u="none" strike="noStrike" kern="0" cap="none" spc="0" normalizeH="0" baseline="0" noProof="0" dirty="0">
+              <a:ln>
+                <a:noFill/>
+              </a:ln>
+              <a:effectLst/>
+              <a:uLnTx/>
+              <a:uFillTx/>
+              <a:ea typeface="Arial Unicode MS" pitchFamily="34" charset="-128"/>
+              <a:cs typeface="Arial Unicode MS" pitchFamily="34" charset="-128"/>
+            </a:endParaRPr>
+          </a:p>
+        </p:txBody>
+      </p:sp>
+      <p:sp>
+        <p:nvSpPr>
+          <p:cNvPr id="13" name="Rectangle 12"/>
+          <p:cNvSpPr/>
+          <p:nvPr/>
+        </p:nvSpPr>
+        <p:spPr bwMode="gray">
+          <a:xfrm>
+            <a:off x="8130685" y="4205839"/>
+            <a:ext cx="1645920" cy="365760"/>
+          </a:xfrm>
+          <a:prstGeom prst="rect">
+            <a:avLst/>
+          </a:prstGeom>
+          <a:ln>
+            <a:headEnd/>
+            <a:tailEnd/>
+          </a:ln>
+        </p:spPr>
+        <p:style>
+          <a:lnRef idx="2">
+            <a:schemeClr val="accent2"/>
+          </a:lnRef>
+          <a:fillRef idx="1">
+            <a:schemeClr val="lt1"/>
+          </a:fillRef>
+          <a:effectRef idx="0">
+            <a:schemeClr val="accent2"/>
+          </a:effectRef>
+          <a:fontRef idx="minor">
+            <a:schemeClr val="dk1"/>
+          </a:fontRef>
+        </p:style>
+        <p:txBody>
+          <a:bodyPr lIns="90000" tIns="72000" rIns="90000" bIns="72000" rtlCol="0" anchor="ctr"/>
+          <a:lstStyle/>
+          <a:p>
+            <a:pPr marR="0" algn="ctr" defTabSz="914400" eaLnBrk="1" fontAlgn="base" latinLnBrk="0" hangingPunct="1">
+              <a:lnSpc>
+                <a:spcPct val="100000"/>
+              </a:lnSpc>
+              <a:spcBef>
+                <a:spcPct val="50000"/>
+              </a:spcBef>
+              <a:spcAft>
+                <a:spcPct val="0"/>
+              </a:spcAft>
+              <a:buClr>
+                <a:srgbClr val="F0AB00"/>
+              </a:buClr>
+              <a:buSzPct val="80000"/>
+              <a:tabLst/>
+            </a:pPr>
+            <a:r>
+              <a:rPr kumimoji="0" lang="de-DE" sz="1800" b="0" i="0" u="none" strike="noStrike" kern="0" cap="none" spc="0" normalizeH="0" baseline="0" noProof="0" dirty="0">
+                <a:ln>
+                  <a:noFill/>
+                </a:ln>
+                <a:effectLst/>
+                <a:uLnTx/>
+                <a:uFillTx/>
+                <a:ea typeface="Arial Unicode MS" pitchFamily="34" charset="-128"/>
+                <a:cs typeface="Arial Unicode MS" pitchFamily="34" charset="-128"/>
+              </a:rPr>
+              <a:t>IP: 10.10.10.3</a:t>
+            </a:r>
+          </a:p>
+        </p:txBody>
+      </p:sp>
+      <p:sp>
+        <p:nvSpPr>
+          <p:cNvPr id="23" name="Rectangle 22"/>
+          <p:cNvSpPr/>
+          <p:nvPr/>
+        </p:nvSpPr>
+        <p:spPr bwMode="gray">
+          <a:xfrm>
+            <a:off x="9566150" y="3227860"/>
+            <a:ext cx="2124327" cy="428584"/>
+          </a:xfrm>
+          <a:prstGeom prst="rect">
+            <a:avLst/>
+          </a:prstGeom>
+          <a:ln>
+            <a:headEnd/>
+            <a:tailEnd/>
+          </a:ln>
+        </p:spPr>
+        <p:style>
+          <a:lnRef idx="2">
+            <a:schemeClr val="accent5"/>
+          </a:lnRef>
+          <a:fillRef idx="1">
+            <a:schemeClr val="lt1"/>
+          </a:fillRef>
+          <a:effectRef idx="0">
+            <a:schemeClr val="accent5"/>
+          </a:effectRef>
+          <a:fontRef idx="minor">
+            <a:schemeClr val="dk1"/>
+          </a:fontRef>
+        </p:style>
+        <p:txBody>
+          <a:bodyPr lIns="90000" tIns="72000" rIns="90000" bIns="72000" rtlCol="0" anchor="ctr"/>
+          <a:lstStyle/>
+          <a:p>
+            <a:pPr marR="0" algn="ctr" defTabSz="914400" eaLnBrk="1" fontAlgn="base" latinLnBrk="0" hangingPunct="1">
+              <a:lnSpc>
+                <a:spcPct val="100000"/>
+              </a:lnSpc>
+              <a:spcBef>
+                <a:spcPct val="50000"/>
+              </a:spcBef>
+              <a:spcAft>
+                <a:spcPct val="0"/>
+              </a:spcAft>
+              <a:buClr>
+                <a:srgbClr val="F0AB00"/>
+              </a:buClr>
+              <a:buSzPct val="80000"/>
+              <a:tabLst/>
+            </a:pPr>
+            <a:r>
+              <a:rPr lang="de-DE" sz="1800" kern="0" dirty="0">
+                <a:ea typeface="Arial Unicode MS" pitchFamily="34" charset="-128"/>
+                <a:cs typeface="Arial Unicode MS" pitchFamily="34" charset="-128"/>
+              </a:rPr>
+              <a:t>NodePort: 30021</a:t>
+            </a:r>
+            <a:endParaRPr kumimoji="0" lang="de-DE" sz="1800" b="0" i="0" u="none" strike="noStrike" kern="0" cap="none" spc="0" normalizeH="0" baseline="0" noProof="0" dirty="0">
+              <a:ln>
+                <a:noFill/>
+              </a:ln>
+              <a:effectLst/>
+              <a:uLnTx/>
+              <a:uFillTx/>
+              <a:ea typeface="Arial Unicode MS" pitchFamily="34" charset="-128"/>
+              <a:cs typeface="Arial Unicode MS" pitchFamily="34" charset="-128"/>
+            </a:endParaRPr>
+          </a:p>
+        </p:txBody>
+      </p:sp>
+      <p:cxnSp>
+        <p:nvCxnSpPr>
+          <p:cNvPr id="27" name="Connector: Elbow 26"/>
+          <p:cNvCxnSpPr>
+            <a:cxnSpLocks/>
+            <a:stCxn id="25" idx="3"/>
+            <a:endCxn id="23" idx="0"/>
+          </p:cNvCxnSpPr>
+          <p:nvPr/>
+        </p:nvCxnSpPr>
+        <p:spPr>
+          <a:xfrm>
+            <a:off x="9069903" y="2390867"/>
+            <a:ext cx="1558411" cy="836993"/>
+          </a:xfrm>
+          <a:prstGeom prst="bentConnector2">
+            <a:avLst/>
+          </a:prstGeom>
+          <a:ln w="57150">
+            <a:solidFill>
+              <a:schemeClr val="tx2"/>
+            </a:solidFill>
+            <a:headEnd type="none" w="med" len="med"/>
+            <a:tailEnd type="triangle"/>
+          </a:ln>
+        </p:spPr>
+        <p:style>
+          <a:lnRef idx="1">
+            <a:schemeClr val="accent1"/>
+          </a:lnRef>
+          <a:fillRef idx="0">
+            <a:schemeClr val="accent1"/>
+          </a:fillRef>
+          <a:effectRef idx="0">
+            <a:schemeClr val="accent1"/>
+          </a:effectRef>
+          <a:fontRef idx="minor">
+            <a:schemeClr val="tx1"/>
+          </a:fontRef>
+        </p:style>
+      </p:cxnSp>
+      <p:cxnSp>
+        <p:nvCxnSpPr>
+          <p:cNvPr id="30" name="Connector: Elbow 29"/>
+          <p:cNvCxnSpPr>
+            <a:cxnSpLocks/>
+            <a:stCxn id="23" idx="2"/>
+            <a:endCxn id="57" idx="0"/>
+          </p:cNvCxnSpPr>
+          <p:nvPr/>
+        </p:nvCxnSpPr>
+        <p:spPr>
+          <a:xfrm rot="5400000">
+            <a:off x="8792393" y="2131045"/>
+            <a:ext cx="310522" cy="3361321"/>
+          </a:xfrm>
+          <a:prstGeom prst="bentConnector2">
+            <a:avLst/>
+          </a:prstGeom>
+          <a:ln w="57150">
+            <a:solidFill>
+              <a:schemeClr val="tx2"/>
+            </a:solidFill>
+            <a:headEnd type="none" w="med" len="med"/>
+            <a:tailEnd type="triangle"/>
+          </a:ln>
+        </p:spPr>
+        <p:style>
+          <a:lnRef idx="1">
+            <a:schemeClr val="accent1"/>
+          </a:lnRef>
+          <a:fillRef idx="0">
+            <a:schemeClr val="accent1"/>
+          </a:fillRef>
+          <a:effectRef idx="0">
+            <a:schemeClr val="accent1"/>
+          </a:effectRef>
+          <a:fontRef idx="minor">
+            <a:schemeClr val="tx1"/>
+          </a:fontRef>
+        </p:style>
+      </p:cxnSp>
+      <p:cxnSp>
+        <p:nvCxnSpPr>
+          <p:cNvPr id="36" name="Connector: Elbow 35"/>
+          <p:cNvCxnSpPr>
+            <a:cxnSpLocks/>
+            <a:stCxn id="57" idx="1"/>
+            <a:endCxn id="15" idx="2"/>
+          </p:cNvCxnSpPr>
+          <p:nvPr/>
+        </p:nvCxnSpPr>
+        <p:spPr>
+          <a:xfrm rot="16200000" flipH="1">
+            <a:off x="6478895" y="4432863"/>
+            <a:ext cx="957690" cy="1801572"/>
+          </a:xfrm>
+          <a:prstGeom prst="bentConnector3">
+            <a:avLst>
+              <a:gd name="adj1" fmla="val 123870"/>
+            </a:avLst>
+          </a:prstGeom>
+          <a:ln w="57150">
+            <a:solidFill>
+              <a:schemeClr val="tx2"/>
+            </a:solidFill>
+            <a:headEnd type="none" w="med" len="med"/>
+            <a:tailEnd type="triangle"/>
+          </a:ln>
+        </p:spPr>
+        <p:style>
+          <a:lnRef idx="1">
+            <a:schemeClr val="accent1"/>
+          </a:lnRef>
+          <a:fillRef idx="0">
+            <a:schemeClr val="accent1"/>
+          </a:fillRef>
+          <a:effectRef idx="0">
+            <a:schemeClr val="accent1"/>
+          </a:effectRef>
+          <a:fontRef idx="minor">
+            <a:schemeClr val="tx1"/>
+          </a:fontRef>
+        </p:style>
+      </p:cxnSp>
+      <p:sp>
+        <p:nvSpPr>
+          <p:cNvPr id="25" name="Rectangle 24">
+            <a:extLst>
+              <a:ext uri="{FF2B5EF4-FFF2-40B4-BE49-F238E27FC236}">
+                <a16:creationId xmlns:a16="http://schemas.microsoft.com/office/drawing/2014/main" id="{10B7A041-D1B3-4694-9454-55B5F757C84F}"/>
+              </a:ext>
+            </a:extLst>
+          </p:cNvPr>
+          <p:cNvSpPr/>
+          <p:nvPr/>
+        </p:nvSpPr>
+        <p:spPr bwMode="gray">
+          <a:xfrm>
+            <a:off x="4806732" y="2084088"/>
+            <a:ext cx="4263171" cy="613558"/>
+          </a:xfrm>
+          <a:prstGeom prst="rect">
+            <a:avLst/>
+          </a:prstGeom>
+          <a:solidFill>
+            <a:srgbClr val="0070C0"/>
+          </a:solidFill>
+          <a:ln w="6350" algn="ctr">
+            <a:noFill/>
+            <a:miter lim="800000"/>
+            <a:headEnd/>
+            <a:tailEnd/>
+          </a:ln>
+        </p:spPr>
+        <p:txBody>
+          <a:bodyPr lIns="90000" tIns="72000" rIns="90000" bIns="72000" rtlCol="0" anchor="ctr"/>
+          <a:lstStyle/>
+          <a:p>
+            <a:pPr marR="0" algn="ctr" defTabSz="914400" eaLnBrk="1" fontAlgn="base" latinLnBrk="0" hangingPunct="1">
+              <a:lnSpc>
+                <a:spcPct val="100000"/>
+              </a:lnSpc>
+              <a:spcBef>
+                <a:spcPct val="50000"/>
+              </a:spcBef>
+              <a:spcAft>
+                <a:spcPct val="0"/>
+              </a:spcAft>
+              <a:buClr>
+                <a:srgbClr val="F0AB00"/>
+              </a:buClr>
+              <a:buSzPct val="80000"/>
+              <a:tabLst/>
+            </a:pPr>
+            <a:r>
+              <a:rPr kumimoji="0" lang="en-US" sz="1800" b="0" i="0" u="none" strike="noStrike" kern="0" cap="none" spc="0" normalizeH="0" baseline="0" noProof="0" dirty="0">
+                <a:ln>
+                  <a:noFill/>
+                </a:ln>
+                <a:effectLst/>
+                <a:uLnTx/>
+                <a:uFillTx/>
+                <a:ea typeface="Arial Unicode MS" pitchFamily="34" charset="-128"/>
+                <a:cs typeface="Arial Unicode MS" pitchFamily="34" charset="-128"/>
+              </a:rPr>
+              <a:t>LoadBalancer</a:t>
+            </a:r>
+          </a:p>
+        </p:txBody>
+      </p:sp>
+      <p:sp>
+        <p:nvSpPr>
+          <p:cNvPr id="31" name="Cloud 30">
+            <a:extLst>
+              <a:ext uri="{FF2B5EF4-FFF2-40B4-BE49-F238E27FC236}">
+                <a16:creationId xmlns:a16="http://schemas.microsoft.com/office/drawing/2014/main" id="{650B88C5-9391-410D-AD5A-D43BDA2A1C53}"/>
+              </a:ext>
+            </a:extLst>
+          </p:cNvPr>
+          <p:cNvSpPr/>
+          <p:nvPr/>
+        </p:nvSpPr>
+        <p:spPr bwMode="gray">
+          <a:xfrm>
+            <a:off x="6382267" y="432611"/>
+            <a:ext cx="3496836" cy="1074420"/>
+          </a:xfrm>
+          <a:prstGeom prst="cloud">
+            <a:avLst/>
+          </a:prstGeom>
+          <a:solidFill>
+            <a:schemeClr val="accent1"/>
+          </a:solidFill>
+          <a:ln w="6350" algn="ctr">
+            <a:noFill/>
+            <a:miter lim="800000"/>
+            <a:headEnd/>
+            <a:tailEnd/>
+          </a:ln>
+        </p:spPr>
+        <p:txBody>
+          <a:bodyPr lIns="90000" tIns="72000" rIns="90000" bIns="72000" rtlCol="0" anchor="ctr"/>
+          <a:lstStyle/>
+          <a:p>
+            <a:pPr marR="0" algn="ctr" defTabSz="914400" eaLnBrk="1" fontAlgn="base" latinLnBrk="0" hangingPunct="1">
+              <a:lnSpc>
+                <a:spcPct val="100000"/>
+              </a:lnSpc>
+              <a:spcBef>
+                <a:spcPct val="50000"/>
+              </a:spcBef>
+              <a:spcAft>
+                <a:spcPct val="0"/>
+              </a:spcAft>
+              <a:buClr>
+                <a:srgbClr val="F0AB00"/>
+              </a:buClr>
+              <a:buSzPct val="80000"/>
+              <a:tabLst/>
+            </a:pPr>
+            <a:r>
+              <a:rPr lang="en-US" sz="1800" kern="0" dirty="0">
+                <a:ea typeface="Arial Unicode MS" pitchFamily="34" charset="-128"/>
+                <a:cs typeface="Arial Unicode MS" pitchFamily="34" charset="-128"/>
+              </a:rPr>
+              <a:t>GET: nginx:80</a:t>
+            </a:r>
+            <a:endParaRPr kumimoji="0" lang="en-US" sz="1800" b="0" i="0" u="none" strike="noStrike" kern="0" cap="none" spc="0" normalizeH="0" baseline="0" noProof="0" dirty="0" err="1">
+              <a:ln>
+                <a:noFill/>
+              </a:ln>
+              <a:effectLst/>
+              <a:uLnTx/>
+              <a:uFillTx/>
+              <a:ea typeface="Arial Unicode MS" pitchFamily="34" charset="-128"/>
+              <a:cs typeface="Arial Unicode MS" pitchFamily="34" charset="-128"/>
+            </a:endParaRPr>
+          </a:p>
+        </p:txBody>
+      </p:sp>
+      <p:sp>
+        <p:nvSpPr>
+          <p:cNvPr id="39" name="Rectangle 38">
+            <a:extLst>
+              <a:ext uri="{FF2B5EF4-FFF2-40B4-BE49-F238E27FC236}">
+                <a16:creationId xmlns:a16="http://schemas.microsoft.com/office/drawing/2014/main" id="{D644CA9C-6739-4EBF-8649-AE590DFF8E16}"/>
+              </a:ext>
+            </a:extLst>
+          </p:cNvPr>
+          <p:cNvSpPr/>
+          <p:nvPr/>
+        </p:nvSpPr>
+        <p:spPr bwMode="gray">
+          <a:xfrm>
+            <a:off x="7593857" y="1852866"/>
+            <a:ext cx="1073656" cy="428584"/>
+          </a:xfrm>
+          <a:prstGeom prst="rect">
+            <a:avLst/>
+          </a:prstGeom>
+          <a:ln>
+            <a:headEnd/>
+            <a:tailEnd/>
+          </a:ln>
+        </p:spPr>
+        <p:style>
+          <a:lnRef idx="2">
+            <a:schemeClr val="accent2"/>
+          </a:lnRef>
+          <a:fillRef idx="1">
+            <a:schemeClr val="lt1"/>
+          </a:fillRef>
+          <a:effectRef idx="0">
+            <a:schemeClr val="accent2"/>
+          </a:effectRef>
+          <a:fontRef idx="minor">
+            <a:schemeClr val="dk1"/>
+          </a:fontRef>
+        </p:style>
+        <p:txBody>
+          <a:bodyPr lIns="90000" tIns="72000" rIns="90000" bIns="72000" rtlCol="0" anchor="ctr"/>
+          <a:lstStyle/>
+          <a:p>
+            <a:pPr marR="0" algn="ctr" defTabSz="914400" eaLnBrk="1" fontAlgn="base" latinLnBrk="0" hangingPunct="1">
+              <a:lnSpc>
+                <a:spcPct val="100000"/>
+              </a:lnSpc>
+              <a:spcBef>
+                <a:spcPct val="50000"/>
+              </a:spcBef>
+              <a:spcAft>
+                <a:spcPct val="0"/>
+              </a:spcAft>
+              <a:buClr>
+                <a:srgbClr val="F0AB00"/>
+              </a:buClr>
+              <a:buSzPct val="80000"/>
+              <a:tabLst/>
+            </a:pPr>
+            <a:r>
+              <a:rPr lang="de-DE" sz="1800" kern="0" dirty="0">
+                <a:ea typeface="Arial Unicode MS" pitchFamily="34" charset="-128"/>
+                <a:cs typeface="Arial Unicode MS" pitchFamily="34" charset="-128"/>
+              </a:rPr>
+              <a:t>Port: 80</a:t>
+            </a:r>
+            <a:endParaRPr kumimoji="0" lang="de-DE" sz="1800" b="0" i="0" u="none" strike="noStrike" kern="0" cap="none" spc="0" normalizeH="0" baseline="0" noProof="0" dirty="0">
+              <a:ln>
+                <a:noFill/>
+              </a:ln>
+              <a:effectLst/>
+              <a:uLnTx/>
+              <a:uFillTx/>
+              <a:ea typeface="Arial Unicode MS" pitchFamily="34" charset="-128"/>
+              <a:cs typeface="Arial Unicode MS" pitchFamily="34" charset="-128"/>
+            </a:endParaRPr>
+          </a:p>
+        </p:txBody>
+      </p:sp>
+      <p:cxnSp>
+        <p:nvCxnSpPr>
+          <p:cNvPr id="44" name="Straight Arrow Connector 43">
+            <a:extLst>
+              <a:ext uri="{FF2B5EF4-FFF2-40B4-BE49-F238E27FC236}">
+                <a16:creationId xmlns:a16="http://schemas.microsoft.com/office/drawing/2014/main" id="{6064095C-8499-4385-AEBA-C1A6BFE16CEF}"/>
+              </a:ext>
+            </a:extLst>
+          </p:cNvPr>
+          <p:cNvCxnSpPr>
+            <a:stCxn id="31" idx="1"/>
+            <a:endCxn id="39" idx="0"/>
+          </p:cNvCxnSpPr>
+          <p:nvPr/>
+        </p:nvCxnSpPr>
+        <p:spPr>
+          <a:xfrm>
+            <a:off x="8130685" y="1505887"/>
+            <a:ext cx="0" cy="346979"/>
+          </a:xfrm>
+          <a:prstGeom prst="straightConnector1">
+            <a:avLst/>
+          </a:prstGeom>
+          <a:ln w="57150">
+            <a:solidFill>
+              <a:schemeClr val="tx2"/>
+            </a:solidFill>
+            <a:headEnd type="none" w="med" len="med"/>
+            <a:tailEnd type="triangle"/>
+          </a:ln>
+        </p:spPr>
+        <p:style>
+          <a:lnRef idx="1">
+            <a:schemeClr val="accent1"/>
+          </a:lnRef>
+          <a:fillRef idx="0">
+            <a:schemeClr val="accent1"/>
+          </a:fillRef>
+          <a:effectRef idx="0">
+            <a:schemeClr val="accent1"/>
+          </a:effectRef>
+          <a:fontRef idx="minor">
+            <a:schemeClr val="tx1"/>
+          </a:fontRef>
+        </p:style>
+      </p:cxnSp>
+      <p:sp>
+        <p:nvSpPr>
+          <p:cNvPr id="15" name="Rectangle 14"/>
+          <p:cNvSpPr/>
+          <p:nvPr/>
+        </p:nvSpPr>
+        <p:spPr bwMode="gray">
+          <a:xfrm>
+            <a:off x="7198669" y="5383910"/>
+            <a:ext cx="1319714" cy="428584"/>
+          </a:xfrm>
+          <a:prstGeom prst="rect">
+            <a:avLst/>
+          </a:prstGeom>
+          <a:solidFill>
+            <a:schemeClr val="accent1">
+              <a:lumMod val="40000"/>
+              <a:lumOff val="60000"/>
+            </a:schemeClr>
+          </a:solidFill>
+          <a:ln>
+            <a:headEnd/>
+            <a:tailEnd/>
+          </a:ln>
+        </p:spPr>
+        <p:style>
+          <a:lnRef idx="2">
+            <a:schemeClr val="accent2"/>
+          </a:lnRef>
+          <a:fillRef idx="1">
+            <a:schemeClr val="lt1"/>
+          </a:fillRef>
+          <a:effectRef idx="0">
+            <a:schemeClr val="accent2"/>
+          </a:effectRef>
+          <a:fontRef idx="minor">
+            <a:schemeClr val="dk1"/>
+          </a:fontRef>
+        </p:style>
+        <p:txBody>
+          <a:bodyPr lIns="90000" tIns="72000" rIns="90000" bIns="72000" rtlCol="0" anchor="ctr"/>
+          <a:lstStyle/>
+          <a:p>
+            <a:pPr marR="0" algn="ctr" defTabSz="914400" eaLnBrk="1" fontAlgn="base" latinLnBrk="0" hangingPunct="1">
+              <a:lnSpc>
+                <a:spcPct val="100000"/>
+              </a:lnSpc>
+              <a:spcBef>
+                <a:spcPct val="50000"/>
+              </a:spcBef>
+              <a:spcAft>
+                <a:spcPct val="0"/>
+              </a:spcAft>
+              <a:buClr>
+                <a:srgbClr val="F0AB00"/>
+              </a:buClr>
+              <a:buSzPct val="80000"/>
+              <a:tabLst/>
+            </a:pPr>
+            <a:r>
+              <a:rPr lang="de-DE" sz="1800" kern="0" dirty="0">
+                <a:ea typeface="Arial Unicode MS" pitchFamily="34" charset="-128"/>
+                <a:cs typeface="Arial Unicode MS" pitchFamily="34" charset="-128"/>
+              </a:rPr>
+              <a:t>a</a:t>
+            </a:r>
+            <a:r>
+              <a:rPr kumimoji="0" lang="de-DE" sz="1800" b="0" i="0" u="none" strike="noStrike" kern="0" cap="none" spc="0" normalizeH="0" baseline="0" noProof="0" dirty="0">
+                <a:ln>
+                  <a:noFill/>
+                </a:ln>
+                <a:effectLst/>
+                <a:uLnTx/>
+                <a:uFillTx/>
+                <a:ea typeface="Arial Unicode MS" pitchFamily="34" charset="-128"/>
+                <a:cs typeface="Arial Unicode MS" pitchFamily="34" charset="-128"/>
+              </a:rPr>
+              <a:t>pp=</a:t>
+            </a:r>
+            <a:r>
+              <a:rPr kumimoji="0" lang="de-DE" sz="1800" b="0" i="0" u="none" strike="noStrike" kern="0" cap="none" spc="0" normalizeH="0" baseline="0" noProof="0" dirty="0" err="1">
+                <a:ln>
+                  <a:noFill/>
+                </a:ln>
+                <a:effectLst/>
+                <a:uLnTx/>
+                <a:uFillTx/>
+                <a:ea typeface="Arial Unicode MS" pitchFamily="34" charset="-128"/>
+                <a:cs typeface="Arial Unicode MS" pitchFamily="34" charset="-128"/>
+              </a:rPr>
+              <a:t>nginx</a:t>
+            </a:r>
+            <a:endParaRPr kumimoji="0" lang="de-DE" sz="1800" b="0" i="0" u="none" strike="noStrike" kern="0" cap="none" spc="0" normalizeH="0" baseline="0" noProof="0" dirty="0">
+              <a:ln>
+                <a:noFill/>
+              </a:ln>
+              <a:effectLst/>
+              <a:uLnTx/>
+              <a:uFillTx/>
+              <a:ea typeface="Arial Unicode MS" pitchFamily="34" charset="-128"/>
+              <a:cs typeface="Arial Unicode MS" pitchFamily="34" charset="-128"/>
+            </a:endParaRPr>
+          </a:p>
+        </p:txBody>
+      </p:sp>
+      <p:pic>
+        <p:nvPicPr>
+          <p:cNvPr id="29" name="Picture 28">
+            <a:extLst>
+              <a:ext uri="{FF2B5EF4-FFF2-40B4-BE49-F238E27FC236}">
+                <a16:creationId xmlns:a16="http://schemas.microsoft.com/office/drawing/2014/main" id="{F08B04CC-B4D7-438C-9B05-EE0BDB5E902C}"/>
+              </a:ext>
+            </a:extLst>
+          </p:cNvPr>
+          <p:cNvPicPr>
+            <a:picLocks noChangeAspect="1"/>
+          </p:cNvPicPr>
+          <p:nvPr/>
+        </p:nvPicPr>
+        <p:blipFill>
+          <a:blip r:embed="rId3"/>
+          <a:stretch>
+            <a:fillRect/>
+          </a:stretch>
+        </p:blipFill>
+        <p:spPr>
+          <a:xfrm>
+            <a:off x="790680" y="1226795"/>
+            <a:ext cx="2580189" cy="4585699"/>
+          </a:xfrm>
+          <a:prstGeom prst="rect">
+            <a:avLst/>
+          </a:prstGeom>
+        </p:spPr>
+      </p:pic>
+      <p:cxnSp>
+        <p:nvCxnSpPr>
+          <p:cNvPr id="37" name="Connector: Elbow 36">
+            <a:extLst>
+              <a:ext uri="{FF2B5EF4-FFF2-40B4-BE49-F238E27FC236}">
+                <a16:creationId xmlns:a16="http://schemas.microsoft.com/office/drawing/2014/main" id="{A1F6945B-3CC4-4A5B-8F84-7DC5CC6F54A9}"/>
+              </a:ext>
+            </a:extLst>
+          </p:cNvPr>
+          <p:cNvCxnSpPr>
+            <a:cxnSpLocks/>
+            <a:endCxn id="20" idx="2"/>
+          </p:cNvCxnSpPr>
+          <p:nvPr/>
+        </p:nvCxnSpPr>
+        <p:spPr>
+          <a:xfrm>
+            <a:off x="3066714" y="4637523"/>
+            <a:ext cx="7045445" cy="1177598"/>
+          </a:xfrm>
+          <a:prstGeom prst="bentConnector4">
+            <a:avLst>
+              <a:gd name="adj1" fmla="val 8860"/>
+              <a:gd name="adj2" fmla="val 151432"/>
+            </a:avLst>
+          </a:prstGeom>
+          <a:ln w="101600">
+            <a:solidFill>
+              <a:srgbClr val="FF0000"/>
+            </a:solidFill>
+            <a:headEnd type="none" w="med" len="med"/>
+            <a:tailEnd type="triangle"/>
+          </a:ln>
+        </p:spPr>
+        <p:style>
+          <a:lnRef idx="1">
+            <a:schemeClr val="accent1"/>
+          </a:lnRef>
+          <a:fillRef idx="0">
+            <a:schemeClr val="accent1"/>
+          </a:fillRef>
+          <a:effectRef idx="0">
+            <a:schemeClr val="accent1"/>
+          </a:effectRef>
+          <a:fontRef idx="minor">
+            <a:schemeClr val="tx1"/>
+          </a:fontRef>
+        </p:style>
+      </p:cxnSp>
+      <p:sp>
+        <p:nvSpPr>
+          <p:cNvPr id="38" name="Speech Bubble: Rectangle 37">
+            <a:extLst>
+              <a:ext uri="{FF2B5EF4-FFF2-40B4-BE49-F238E27FC236}">
+                <a16:creationId xmlns:a16="http://schemas.microsoft.com/office/drawing/2014/main" id="{E855FA4F-FE92-4572-9B89-39B46442B4EE}"/>
+              </a:ext>
+            </a:extLst>
+          </p:cNvPr>
+          <p:cNvSpPr/>
+          <p:nvPr/>
+        </p:nvSpPr>
+        <p:spPr bwMode="gray">
+          <a:xfrm>
+            <a:off x="10284643" y="1679376"/>
+            <a:ext cx="1648753" cy="482047"/>
+          </a:xfrm>
+          <a:prstGeom prst="wedgeRectCallout">
+            <a:avLst>
+              <a:gd name="adj1" fmla="val 1972"/>
+              <a:gd name="adj2" fmla="val 259334"/>
+            </a:avLst>
+          </a:prstGeom>
+          <a:solidFill>
+            <a:srgbClr val="FF0000"/>
+          </a:solidFill>
+          <a:ln w="6350" algn="ctr">
+            <a:noFill/>
+            <a:miter lim="800000"/>
+            <a:headEnd/>
+            <a:tailEnd/>
+          </a:ln>
+        </p:spPr>
+        <p:txBody>
+          <a:bodyPr lIns="90000" tIns="72000" rIns="90000" bIns="72000" rtlCol="0" anchor="ctr"/>
+          <a:lstStyle/>
+          <a:p>
+            <a:pPr marR="0" algn="ctr" defTabSz="914400" eaLnBrk="1" fontAlgn="base" latinLnBrk="0" hangingPunct="1">
+              <a:lnSpc>
+                <a:spcPct val="100000"/>
+              </a:lnSpc>
+              <a:spcBef>
+                <a:spcPct val="50000"/>
+              </a:spcBef>
+              <a:spcAft>
+                <a:spcPct val="0"/>
+              </a:spcAft>
+              <a:buClr>
+                <a:srgbClr val="F0AB00"/>
+              </a:buClr>
+              <a:buSzPct val="80000"/>
+              <a:tabLst/>
+            </a:pPr>
+            <a:r>
+              <a:rPr kumimoji="0" lang="en-US" sz="1400" b="0" i="0" u="none" strike="noStrike" kern="0" cap="none" spc="0" normalizeH="0" baseline="0" noProof="0" dirty="0">
+                <a:ln>
+                  <a:noFill/>
+                </a:ln>
+                <a:effectLst/>
+                <a:uLnTx/>
+                <a:uFillTx/>
+                <a:ea typeface="Arial Unicode MS" pitchFamily="34" charset="-128"/>
+                <a:cs typeface="Arial Unicode MS" pitchFamily="34" charset="-128"/>
+              </a:rPr>
+              <a:t>Chosen at random</a:t>
+            </a:r>
+          </a:p>
+        </p:txBody>
+      </p:sp>
+      <p:sp>
+        <p:nvSpPr>
+          <p:cNvPr id="57" name="Rectangle: Single Corner Snipped 56">
+            <a:extLst>
+              <a:ext uri="{FF2B5EF4-FFF2-40B4-BE49-F238E27FC236}">
+                <a16:creationId xmlns:a16="http://schemas.microsoft.com/office/drawing/2014/main" id="{DAF516E3-9AF4-402E-A9A8-2D2A63535036}"/>
+              </a:ext>
+            </a:extLst>
+          </p:cNvPr>
+          <p:cNvSpPr/>
+          <p:nvPr/>
+        </p:nvSpPr>
+        <p:spPr bwMode="gray">
+          <a:xfrm>
+            <a:off x="4846915" y="3079127"/>
+            <a:ext cx="2420078" cy="1775677"/>
+          </a:xfrm>
+          <a:prstGeom prst="snip1Rect">
+            <a:avLst/>
+          </a:prstGeom>
+          <a:ln w="38100" cmpd="sng">
+            <a:headEnd/>
+            <a:tailEnd/>
+          </a:ln>
+          <a:effectLst>
+            <a:outerShdw blurRad="50800" dist="38100" dir="2700000" algn="tl" rotWithShape="0">
+              <a:prstClr val="black">
+                <a:alpha val="40000"/>
+              </a:prstClr>
+            </a:outerShdw>
+          </a:effectLst>
+        </p:spPr>
+        <p:style>
+          <a:lnRef idx="3">
+            <a:schemeClr val="lt1"/>
+          </a:lnRef>
+          <a:fillRef idx="1">
+            <a:schemeClr val="accent2"/>
+          </a:fillRef>
+          <a:effectRef idx="1">
+            <a:schemeClr val="accent2"/>
+          </a:effectRef>
+          <a:fontRef idx="minor">
+            <a:schemeClr val="lt1"/>
+          </a:fontRef>
+        </p:style>
+        <p:txBody>
+          <a:bodyPr wrap="none" lIns="90000" tIns="0" rIns="90000" bIns="0" rtlCol="0" anchor="t"/>
+          <a:lstStyle/>
+          <a:p>
+            <a:pPr marR="0" algn="ctr" defTabSz="914400" eaLnBrk="1" fontAlgn="base" latinLnBrk="0" hangingPunct="1">
+              <a:lnSpc>
+                <a:spcPct val="100000"/>
+              </a:lnSpc>
+              <a:spcAft>
+                <a:spcPts val="600"/>
+              </a:spcAft>
+              <a:buClr>
+                <a:srgbClr val="F0AB00"/>
+              </a:buClr>
+              <a:buSzPct val="80000"/>
+              <a:tabLst/>
+            </a:pPr>
+            <a:r>
+              <a:rPr kumimoji="0" lang="en-US" sz="1600" b="1" i="0" u="none" strike="noStrike" kern="0" cap="none" spc="0" normalizeH="0" baseline="0" noProof="0" dirty="0">
+                <a:ln>
+                  <a:noFill/>
+                </a:ln>
+                <a:effectLst/>
+                <a:uLnTx/>
+                <a:uFillTx/>
+                <a:ea typeface="Arial Unicode MS" pitchFamily="34" charset="-128"/>
+                <a:cs typeface="Arial Unicode MS" pitchFamily="34" charset="-128"/>
+              </a:rPr>
+              <a:t>Service</a:t>
+            </a:r>
+          </a:p>
+          <a:p>
+            <a:pPr marL="285750" marR="0" indent="-285750" defTabSz="914400" eaLnBrk="1" fontAlgn="base" latinLnBrk="0" hangingPunct="1">
+              <a:lnSpc>
+                <a:spcPct val="100000"/>
+              </a:lnSpc>
+              <a:spcBef>
+                <a:spcPts val="600"/>
+              </a:spcBef>
+              <a:spcAft>
+                <a:spcPct val="0"/>
+              </a:spcAft>
+              <a:buClr>
+                <a:srgbClr val="F0AB00"/>
+              </a:buClr>
+              <a:buSzPct val="80000"/>
+              <a:buFont typeface="Arial" panose="020B0604020202020204" pitchFamily="34" charset="0"/>
+              <a:buChar char="•"/>
+              <a:tabLst/>
+            </a:pPr>
+            <a:r>
+              <a:rPr lang="en-US" sz="1600" kern="0" dirty="0">
+                <a:ea typeface="Arial Unicode MS" pitchFamily="34" charset="-128"/>
+                <a:cs typeface="Arial Unicode MS" pitchFamily="34" charset="-128"/>
+              </a:rPr>
+              <a:t>Label: app=nginx</a:t>
+            </a:r>
+          </a:p>
+          <a:p>
+            <a:pPr marL="285750" marR="0" indent="-285750" defTabSz="914400" eaLnBrk="1" fontAlgn="base" latinLnBrk="0" hangingPunct="1">
+              <a:lnSpc>
+                <a:spcPct val="100000"/>
+              </a:lnSpc>
+              <a:spcBef>
+                <a:spcPts val="600"/>
+              </a:spcBef>
+              <a:spcAft>
+                <a:spcPct val="0"/>
+              </a:spcAft>
+              <a:buClr>
+                <a:srgbClr val="F0AB00"/>
+              </a:buClr>
+              <a:buSzPct val="80000"/>
+              <a:buFont typeface="Arial" panose="020B0604020202020204" pitchFamily="34" charset="0"/>
+              <a:buChar char="•"/>
+              <a:tabLst/>
+            </a:pPr>
+            <a:r>
+              <a:rPr kumimoji="0" lang="en-US" sz="1600" b="0" i="0" u="none" strike="noStrike" kern="0" cap="none" spc="0" normalizeH="0" baseline="0" noProof="0" dirty="0">
+                <a:ln>
+                  <a:noFill/>
+                </a:ln>
+                <a:effectLst/>
+                <a:uLnTx/>
+                <a:uFillTx/>
+                <a:ea typeface="Arial Unicode MS" pitchFamily="34" charset="-128"/>
+                <a:cs typeface="Arial Unicode MS" pitchFamily="34" charset="-128"/>
+              </a:rPr>
+              <a:t>Type: LoadBalancer</a:t>
+            </a:r>
+          </a:p>
+          <a:p>
+            <a:pPr marL="285750" marR="0" indent="-285750" defTabSz="914400" eaLnBrk="1" fontAlgn="base" latinLnBrk="0" hangingPunct="1">
+              <a:lnSpc>
+                <a:spcPct val="100000"/>
+              </a:lnSpc>
+              <a:spcBef>
+                <a:spcPts val="600"/>
+              </a:spcBef>
+              <a:spcAft>
+                <a:spcPct val="0"/>
+              </a:spcAft>
+              <a:buClr>
+                <a:srgbClr val="F0AB00"/>
+              </a:buClr>
+              <a:buSzPct val="80000"/>
+              <a:buFont typeface="Arial" panose="020B0604020202020204" pitchFamily="34" charset="0"/>
+              <a:buChar char="•"/>
+              <a:tabLst/>
+            </a:pPr>
+            <a:r>
+              <a:rPr lang="en-US" sz="1600" kern="0" dirty="0">
+                <a:ea typeface="Arial Unicode MS" pitchFamily="34" charset="-128"/>
+                <a:cs typeface="Arial Unicode MS" pitchFamily="34" charset="-128"/>
+              </a:rPr>
+              <a:t>TargetPort: 80</a:t>
+            </a:r>
+          </a:p>
+          <a:p>
+            <a:pPr marL="285750" marR="0" indent="-285750" defTabSz="914400" eaLnBrk="1" fontAlgn="base" latinLnBrk="0" hangingPunct="1">
+              <a:lnSpc>
+                <a:spcPct val="100000"/>
+              </a:lnSpc>
+              <a:spcBef>
+                <a:spcPts val="600"/>
+              </a:spcBef>
+              <a:spcAft>
+                <a:spcPct val="0"/>
+              </a:spcAft>
+              <a:buClr>
+                <a:srgbClr val="F0AB00"/>
+              </a:buClr>
+              <a:buSzPct val="80000"/>
+              <a:buFont typeface="Arial" panose="020B0604020202020204" pitchFamily="34" charset="0"/>
+              <a:buChar char="•"/>
+              <a:tabLst/>
+            </a:pPr>
+            <a:r>
+              <a:rPr kumimoji="0" lang="en-US" sz="1600" b="0" i="0" u="none" strike="noStrike" kern="0" cap="none" spc="0" normalizeH="0" baseline="0" noProof="0" dirty="0">
+                <a:ln>
+                  <a:noFill/>
+                </a:ln>
+                <a:effectLst/>
+                <a:uLnTx/>
+                <a:uFillTx/>
+                <a:ea typeface="Arial Unicode MS" pitchFamily="34" charset="-128"/>
+                <a:cs typeface="Arial Unicode MS" pitchFamily="34" charset="-128"/>
+              </a:rPr>
+              <a:t>Port: 80</a:t>
+            </a:r>
+          </a:p>
+        </p:txBody>
+      </p:sp>
+      <p:sp>
+        <p:nvSpPr>
+          <p:cNvPr id="64" name="Rectangle 63">
+            <a:extLst>
+              <a:ext uri="{FF2B5EF4-FFF2-40B4-BE49-F238E27FC236}">
+                <a16:creationId xmlns:a16="http://schemas.microsoft.com/office/drawing/2014/main" id="{97293F6F-4DF5-437A-9417-D5496CC658F9}"/>
+              </a:ext>
+            </a:extLst>
+          </p:cNvPr>
+          <p:cNvSpPr/>
+          <p:nvPr/>
+        </p:nvSpPr>
+        <p:spPr bwMode="gray">
+          <a:xfrm>
+            <a:off x="6097239" y="2890429"/>
+            <a:ext cx="803182" cy="325740"/>
+          </a:xfrm>
+          <a:prstGeom prst="rect">
+            <a:avLst/>
+          </a:prstGeom>
+          <a:ln>
+            <a:headEnd/>
+            <a:tailEnd/>
+          </a:ln>
+        </p:spPr>
+        <p:style>
+          <a:lnRef idx="2">
+            <a:schemeClr val="accent2"/>
+          </a:lnRef>
+          <a:fillRef idx="1">
+            <a:schemeClr val="lt1"/>
+          </a:fillRef>
+          <a:effectRef idx="0">
+            <a:schemeClr val="accent2"/>
+          </a:effectRef>
+          <a:fontRef idx="minor">
+            <a:schemeClr val="dk1"/>
+          </a:fontRef>
+        </p:style>
+        <p:txBody>
+          <a:bodyPr lIns="90000" tIns="72000" rIns="90000" bIns="72000" rtlCol="0" anchor="ctr"/>
+          <a:lstStyle/>
+          <a:p>
+            <a:pPr marR="0" algn="ctr" defTabSz="914400" eaLnBrk="1" fontAlgn="base" latinLnBrk="0" hangingPunct="1">
+              <a:lnSpc>
+                <a:spcPct val="100000"/>
+              </a:lnSpc>
+              <a:spcBef>
+                <a:spcPct val="50000"/>
+              </a:spcBef>
+              <a:spcAft>
+                <a:spcPct val="0"/>
+              </a:spcAft>
+              <a:buClr>
+                <a:srgbClr val="F0AB00"/>
+              </a:buClr>
+              <a:buSzPct val="80000"/>
+              <a:tabLst/>
+            </a:pPr>
+            <a:r>
+              <a:rPr lang="de-DE" sz="1400" kern="0" dirty="0">
+                <a:ea typeface="Arial Unicode MS" pitchFamily="34" charset="-128"/>
+                <a:cs typeface="Arial Unicode MS" pitchFamily="34" charset="-128"/>
+              </a:rPr>
+              <a:t>Port: 80</a:t>
+            </a:r>
+            <a:endParaRPr kumimoji="0" lang="de-DE" sz="1400" b="0" i="0" u="none" strike="noStrike" kern="0" cap="none" spc="0" normalizeH="0" baseline="0" noProof="0" dirty="0">
+              <a:ln>
+                <a:noFill/>
+              </a:ln>
+              <a:effectLst/>
+              <a:uLnTx/>
+              <a:uFillTx/>
+              <a:ea typeface="Arial Unicode MS" pitchFamily="34" charset="-128"/>
+              <a:cs typeface="Arial Unicode MS" pitchFamily="34" charset="-128"/>
+            </a:endParaRPr>
+          </a:p>
+        </p:txBody>
+      </p:sp>
+      <p:grpSp>
+        <p:nvGrpSpPr>
+          <p:cNvPr id="72" name="Group 71">
+            <a:extLst>
+              <a:ext uri="{FF2B5EF4-FFF2-40B4-BE49-F238E27FC236}">
+                <a16:creationId xmlns:a16="http://schemas.microsoft.com/office/drawing/2014/main" id="{A78C8562-3BB2-459D-9F61-CA18CD4420BF}"/>
+              </a:ext>
+            </a:extLst>
+          </p:cNvPr>
+          <p:cNvGrpSpPr/>
+          <p:nvPr/>
+        </p:nvGrpSpPr>
+        <p:grpSpPr>
+          <a:xfrm>
+            <a:off x="2479249" y="2067158"/>
+            <a:ext cx="5114608" cy="2640037"/>
+            <a:chOff x="2479249" y="2067158"/>
+            <a:chExt cx="5114608" cy="2640037"/>
+          </a:xfrm>
+        </p:grpSpPr>
+        <p:cxnSp>
+          <p:nvCxnSpPr>
+            <p:cNvPr id="12" name="Connector: Elbow 11">
+              <a:extLst>
+                <a:ext uri="{FF2B5EF4-FFF2-40B4-BE49-F238E27FC236}">
+                  <a16:creationId xmlns:a16="http://schemas.microsoft.com/office/drawing/2014/main" id="{2EE11602-31B0-45B6-9197-973EB3DBA5CA}"/>
+                </a:ext>
+              </a:extLst>
+            </p:cNvPr>
+            <p:cNvCxnSpPr>
+              <a:cxnSpLocks/>
+              <a:endCxn id="39" idx="1"/>
+            </p:cNvCxnSpPr>
+            <p:nvPr/>
+          </p:nvCxnSpPr>
+          <p:spPr>
+            <a:xfrm flipV="1">
+              <a:off x="2479249" y="2067158"/>
+              <a:ext cx="5114608" cy="1976942"/>
+            </a:xfrm>
+            <a:prstGeom prst="bentConnector3">
+              <a:avLst>
+                <a:gd name="adj1" fmla="val 32306"/>
+              </a:avLst>
+            </a:prstGeom>
+            <a:ln w="101600">
+              <a:solidFill>
+                <a:srgbClr val="FF0000"/>
+              </a:solidFill>
+              <a:headEnd type="none" w="med" len="med"/>
+              <a:tailEnd type="triangle"/>
+            </a:ln>
+          </p:spPr>
+          <p:style>
+            <a:lnRef idx="1">
+              <a:schemeClr val="accent1"/>
+            </a:lnRef>
+            <a:fillRef idx="0">
+              <a:schemeClr val="accent1"/>
+            </a:fillRef>
+            <a:effectRef idx="0">
+              <a:schemeClr val="accent1"/>
+            </a:effectRef>
+            <a:fontRef idx="minor">
+              <a:schemeClr val="tx1"/>
+            </a:fontRef>
+          </p:style>
+        </p:cxnSp>
+        <p:cxnSp>
+          <p:nvCxnSpPr>
+            <p:cNvPr id="46" name="Connector: Elbow 45">
+              <a:extLst>
+                <a:ext uri="{FF2B5EF4-FFF2-40B4-BE49-F238E27FC236}">
+                  <a16:creationId xmlns:a16="http://schemas.microsoft.com/office/drawing/2014/main" id="{671DACFA-F495-47A4-91BC-AEADDC20E789}"/>
+                </a:ext>
+              </a:extLst>
+            </p:cNvPr>
+            <p:cNvCxnSpPr>
+              <a:cxnSpLocks/>
+              <a:endCxn id="64" idx="1"/>
+            </p:cNvCxnSpPr>
+            <p:nvPr/>
+          </p:nvCxnSpPr>
+          <p:spPr>
+            <a:xfrm flipV="1">
+              <a:off x="2479249" y="3053299"/>
+              <a:ext cx="3617990" cy="983340"/>
+            </a:xfrm>
+            <a:prstGeom prst="bentConnector3">
+              <a:avLst>
+                <a:gd name="adj1" fmla="val 45832"/>
+              </a:avLst>
+            </a:prstGeom>
+            <a:ln w="101600">
+              <a:solidFill>
+                <a:srgbClr val="FF0000"/>
+              </a:solidFill>
+              <a:headEnd type="none" w="med" len="med"/>
+              <a:tailEnd type="triangle"/>
+            </a:ln>
+          </p:spPr>
+          <p:style>
+            <a:lnRef idx="1">
+              <a:schemeClr val="accent1"/>
+            </a:lnRef>
+            <a:fillRef idx="0">
+              <a:schemeClr val="accent1"/>
+            </a:fillRef>
+            <a:effectRef idx="0">
+              <a:schemeClr val="accent1"/>
+            </a:effectRef>
+            <a:fontRef idx="minor">
+              <a:schemeClr val="tx1"/>
+            </a:fontRef>
+          </p:style>
+        </p:cxnSp>
+        <p:cxnSp>
+          <p:nvCxnSpPr>
+            <p:cNvPr id="67" name="Connector: Elbow 66">
+              <a:extLst>
+                <a:ext uri="{FF2B5EF4-FFF2-40B4-BE49-F238E27FC236}">
+                  <a16:creationId xmlns:a16="http://schemas.microsoft.com/office/drawing/2014/main" id="{A4A8741F-1EB5-49DE-AABB-C32933988FC3}"/>
+                </a:ext>
+              </a:extLst>
+            </p:cNvPr>
+            <p:cNvCxnSpPr>
+              <a:cxnSpLocks/>
+            </p:cNvCxnSpPr>
+            <p:nvPr/>
+          </p:nvCxnSpPr>
+          <p:spPr>
+            <a:xfrm>
+              <a:off x="2482560" y="4047491"/>
+              <a:ext cx="2683329" cy="659704"/>
+            </a:xfrm>
+            <a:prstGeom prst="bentConnector3">
+              <a:avLst>
+                <a:gd name="adj1" fmla="val 61944"/>
+              </a:avLst>
+            </a:prstGeom>
+            <a:ln w="101600">
+              <a:solidFill>
+                <a:srgbClr val="FF0000"/>
+              </a:solidFill>
+              <a:headEnd type="none" w="med" len="med"/>
+              <a:tailEnd type="triangle"/>
+            </a:ln>
+          </p:spPr>
+          <p:style>
+            <a:lnRef idx="1">
+              <a:schemeClr val="accent1"/>
+            </a:lnRef>
+            <a:fillRef idx="0">
+              <a:schemeClr val="accent1"/>
+            </a:fillRef>
+            <a:effectRef idx="0">
+              <a:schemeClr val="accent1"/>
+            </a:effectRef>
+            <a:fontRef idx="minor">
+              <a:schemeClr val="tx1"/>
+            </a:fontRef>
+          </p:style>
+        </p:cxnSp>
+      </p:grpSp>
+    </p:spTree>
+    <p:extLst>
+      <p:ext uri="{BB962C8B-B14F-4D97-AF65-F5344CB8AC3E}">
+        <p14:creationId xmlns:p14="http://schemas.microsoft.com/office/powerpoint/2010/main" val="776560749"/>
+      </p:ext>
+    </p:extLst>
+  </p:cSld>
+  <p:clrMapOvr>
+    <a:masterClrMapping/>
+  </p:clrMapOvr>
+  <p:timing>
+    <p:tnLst>
+      <p:par>
+        <p:cTn id="1" dur="indefinite" restart="never" nodeType="tmRoot">
+          <p:childTnLst>
+            <p:seq concurrent="1" nextAc="seek">
+              <p:cTn id="2" dur="indefinite" nodeType="mainSeq">
+                <p:childTnLst>
+                  <p:par>
+                    <p:cTn id="3" fill="hold">
+                      <p:stCondLst>
+                        <p:cond delay="indefinite"/>
+                      </p:stCondLst>
+                      <p:childTnLst>
+                        <p:par>
+                          <p:cTn id="4" fill="hold">
+                            <p:stCondLst>
+                              <p:cond delay="0"/>
+                            </p:stCondLst>
+                            <p:childTnLst>
+                              <p:par>
+                                <p:cTn id="5" presetID="1" presetClass="entr" presetSubtype="0" fill="hold" nodeType="clickEffect">
+                                  <p:stCondLst>
+                                    <p:cond delay="0"/>
+                                  </p:stCondLst>
+                                  <p:childTnLst>
+                                    <p:set>
+                                      <p:cBhvr>
+                                        <p:cTn id="6" dur="1" fill="hold">
+                                          <p:stCondLst>
+                                            <p:cond delay="0"/>
+                                          </p:stCondLst>
+                                        </p:cTn>
+                                        <p:tgtEl>
+                                          <p:spTgt spid="72"/>
+                                        </p:tgtEl>
+                                        <p:attrNameLst>
+                                          <p:attrName>style.visibility</p:attrName>
+                                        </p:attrNameLst>
+                                      </p:cBhvr>
+                                      <p:to>
+                                        <p:strVal val="visible"/>
+                                      </p:to>
+                                    </p:set>
+                                  </p:childTnLst>
+                                </p:cTn>
+                              </p:par>
+                            </p:childTnLst>
+                          </p:cTn>
+                        </p:par>
+                      </p:childTnLst>
+                    </p:cTn>
+                  </p:par>
+                  <p:par>
+                    <p:cTn id="7" fill="hold">
+                      <p:stCondLst>
+                        <p:cond delay="indefinite"/>
+                      </p:stCondLst>
+                      <p:childTnLst>
+                        <p:par>
+                          <p:cTn id="8" fill="hold">
+                            <p:stCondLst>
+                              <p:cond delay="0"/>
+                            </p:stCondLst>
+                            <p:childTnLst>
+                              <p:par>
+                                <p:cTn id="9" presetID="1" presetClass="entr" presetSubtype="0" fill="hold" grpId="0" nodeType="clickEffect">
+                                  <p:stCondLst>
+                                    <p:cond delay="0"/>
+                                  </p:stCondLst>
+                                  <p:childTnLst>
+                                    <p:set>
+                                      <p:cBhvr>
+                                        <p:cTn id="10" dur="1" fill="hold">
+                                          <p:stCondLst>
+                                            <p:cond delay="0"/>
+                                          </p:stCondLst>
+                                        </p:cTn>
+                                        <p:tgtEl>
+                                          <p:spTgt spid="38"/>
+                                        </p:tgtEl>
+                                        <p:attrNameLst>
+                                          <p:attrName>style.visibility</p:attrName>
+                                        </p:attrNameLst>
+                                      </p:cBhvr>
+                                      <p:to>
+                                        <p:strVal val="visible"/>
+                                      </p:to>
+                                    </p:set>
+                                  </p:childTnLst>
+                                </p:cTn>
+                              </p:par>
+                            </p:childTnLst>
+                          </p:cTn>
+                        </p:par>
+                      </p:childTnLst>
+                    </p:cTn>
+                  </p:par>
+                  <p:par>
+                    <p:cTn id="11" fill="hold">
+                      <p:stCondLst>
+                        <p:cond delay="indefinite"/>
+                      </p:stCondLst>
+                      <p:childTnLst>
+                        <p:par>
+                          <p:cTn id="12" fill="hold">
+                            <p:stCondLst>
+                              <p:cond delay="0"/>
+                            </p:stCondLst>
+                            <p:childTnLst>
+                              <p:par>
+                                <p:cTn id="13" presetID="1" presetClass="entr" presetSubtype="0" fill="hold" nodeType="clickEffect">
+                                  <p:stCondLst>
+                                    <p:cond delay="0"/>
+                                  </p:stCondLst>
+                                  <p:childTnLst>
+                                    <p:set>
+                                      <p:cBhvr>
+                                        <p:cTn id="14" dur="1" fill="hold">
+                                          <p:stCondLst>
+                                            <p:cond delay="0"/>
+                                          </p:stCondLst>
+                                        </p:cTn>
+                                        <p:tgtEl>
+                                          <p:spTgt spid="37"/>
+                                        </p:tgtEl>
+                                        <p:attrNameLst>
+                                          <p:attrName>style.visibility</p:attrName>
+                                        </p:attrNameLst>
+                                      </p:cBhvr>
+                                      <p:to>
+                                        <p:strVal val="visible"/>
+                                      </p:to>
+                                    </p:set>
+                                  </p:childTnLst>
+                                </p:cTn>
+                              </p:par>
+                            </p:childTnLst>
+                          </p:cTn>
+                        </p:par>
+                      </p:childTnLst>
+                    </p:cTn>
+                  </p:par>
+                </p:childTnLst>
+              </p:cTn>
+              <p:prevCondLst>
+                <p:cond evt="onPrev" delay="0">
+                  <p:tgtEl>
+                    <p:sldTgt/>
+                  </p:tgtEl>
+                </p:cond>
+              </p:prevCondLst>
+              <p:nextCondLst>
+                <p:cond evt="onNext" delay="0">
+                  <p:tgtEl>
+                    <p:sldTgt/>
+                  </p:tgtEl>
+                </p:cond>
+              </p:nextCondLst>
+            </p:seq>
+          </p:childTnLst>
+        </p:cTn>
+      </p:par>
+    </p:tnLst>
+    <p:bldLst>
+      <p:bldP spid="38" grpId="0" animBg="1"/>
+    </p:bldLst>
+  </p:timing>
+</p:sld>
+</file>
+
+<file path=ppt/slides/slide13.xml><?xml version="1.0" encoding="utf-8"?>
 <p:sld xmlns:a="http://schemas.openxmlformats.org/drawingml/2006/main" xmlns:r="http://schemas.openxmlformats.org/officeDocument/2006/relationships" xmlns:p="http://schemas.openxmlformats.org/presentationml/2006/main">
   <p:cSld>
     <p:spTree>
@@ -11352,7 +15027,7 @@
 </p:sld>
 </file>
 
-<file path=ppt/slides/slide12.xml><?xml version="1.0" encoding="utf-8"?>
+<file path=ppt/slides/slide14.xml><?xml version="1.0" encoding="utf-8"?>
 <p:sld xmlns:a="http://schemas.openxmlformats.org/drawingml/2006/main" xmlns:r="http://schemas.openxmlformats.org/officeDocument/2006/relationships" xmlns:p="http://schemas.openxmlformats.org/presentationml/2006/main" show="0">
   <p:cSld>
     <p:spTree>
@@ -12883,29 +16558,8 @@
               <a:rPr lang="en-US" dirty="0">
                 <a:sym typeface="Wingdings" panose="05000000000000000000" pitchFamily="2" charset="2"/>
               </a:rPr>
-              <a:t>To expose a service externally either create allocate a </a:t>
-            </a:r>
-            <a:r>
-              <a:rPr lang="en-US" dirty="0" err="1">
-                <a:sym typeface="Wingdings" panose="05000000000000000000" pitchFamily="2" charset="2"/>
-              </a:rPr>
-              <a:t>NodePort</a:t>
-            </a:r>
-            <a:r>
-              <a:rPr lang="en-US" dirty="0">
-                <a:sym typeface="Wingdings" panose="05000000000000000000" pitchFamily="2" charset="2"/>
-              </a:rPr>
-              <a:t> or use a </a:t>
-            </a:r>
-            <a:r>
-              <a:rPr lang="en-US" dirty="0" err="1">
-                <a:sym typeface="Wingdings" panose="05000000000000000000" pitchFamily="2" charset="2"/>
-              </a:rPr>
-              <a:t>LoadBalancer</a:t>
-            </a:r>
-            <a:endParaRPr lang="en-US" dirty="0">
-              <a:sym typeface="Wingdings" panose="05000000000000000000" pitchFamily="2" charset="2"/>
-            </a:endParaRPr>
+              <a:t>To expose a service externally either create allocate a NodePort or use a LoadBalancer</a:t>
+            </a:r>
           </a:p>
         </p:txBody>
       </p:sp>
@@ -13095,18 +16749,11 @@
               <a:tabLst/>
             </a:pPr>
             <a:r>
-              <a:rPr lang="en-US" sz="1800" kern="0" dirty="0" err="1">
-                <a:ea typeface="Arial Unicode MS" pitchFamily="34" charset="-128"/>
-                <a:cs typeface="Arial Unicode MS" pitchFamily="34" charset="-128"/>
-              </a:rPr>
-              <a:t>TargetPort</a:t>
-            </a:r>
-            <a:r>
               <a:rPr lang="en-US" sz="1800" kern="0" dirty="0">
                 <a:ea typeface="Arial Unicode MS" pitchFamily="34" charset="-128"/>
                 <a:cs typeface="Arial Unicode MS" pitchFamily="34" charset="-128"/>
               </a:rPr>
-              <a:t>: </a:t>
+              <a:t>TargetPort: </a:t>
             </a:r>
             <a:r>
               <a:rPr lang="en-US" sz="1800" b="1" kern="0" dirty="0">
@@ -14051,23 +17698,8 @@
                 </a:solidFill>
                 <a:ea typeface="Arial Unicode MS" pitchFamily="34" charset="-128"/>
               </a:rPr>
-              <a:t>Label: app</a:t>
-            </a:r>
-            <a:r>
-              <a:rPr lang="en-US" sz="1800" kern="0">
-                <a:solidFill>
-                  <a:schemeClr val="dk1"/>
-                </a:solidFill>
-                <a:ea typeface="Arial Unicode MS" pitchFamily="34" charset="-128"/>
-              </a:rPr>
-              <a:t>= nginx</a:t>
-            </a:r>
-            <a:endParaRPr lang="en-US" sz="1800" kern="0" dirty="0">
-              <a:solidFill>
-                <a:schemeClr val="dk1"/>
-              </a:solidFill>
-              <a:ea typeface="Arial Unicode MS" pitchFamily="34" charset="-128"/>
-            </a:endParaRPr>
+              <a:t>Label: app= nginx</a:t>
+            </a:r>
           </a:p>
           <a:p>
             <a:pPr algn="ctr" defTabSz="914400" fontAlgn="base">
@@ -14089,23 +17721,8 @@
                 </a:solidFill>
                 <a:ea typeface="Arial Unicode MS" pitchFamily="34" charset="-128"/>
               </a:rPr>
-              <a:t>Name</a:t>
-            </a:r>
-            <a:r>
-              <a:rPr lang="en-US" sz="1800" kern="0">
-                <a:solidFill>
-                  <a:schemeClr val="dk1"/>
-                </a:solidFill>
-                <a:ea typeface="Arial Unicode MS" pitchFamily="34" charset="-128"/>
-              </a:rPr>
-              <a:t>: nginx-http</a:t>
-            </a:r>
-            <a:endParaRPr lang="en-US" sz="1800" kern="0" dirty="0">
-              <a:solidFill>
-                <a:schemeClr val="dk1"/>
-              </a:solidFill>
-              <a:ea typeface="Arial Unicode MS" pitchFamily="34" charset="-128"/>
-            </a:endParaRPr>
+              <a:t>Name: nginx-http</a:t>
+            </a:r>
           </a:p>
           <a:p>
             <a:pPr algn="ctr" defTabSz="914400" fontAlgn="base">
@@ -14121,7 +17738,7 @@
               <a:buSzPct val="80000"/>
             </a:pPr>
             <a:r>
-              <a:rPr lang="en-US" sz="1800" kern="0">
+              <a:rPr lang="en-US" sz="1800" kern="0" dirty="0">
                 <a:solidFill>
                   <a:schemeClr val="dk1"/>
                 </a:solidFill>
@@ -14129,12 +17746,6 @@
               </a:rPr>
               <a:t>TargetPort: http</a:t>
             </a:r>
-            <a:endParaRPr lang="en-US" sz="1800" kern="0" dirty="0">
-              <a:solidFill>
-                <a:schemeClr val="dk1"/>
-              </a:solidFill>
-              <a:ea typeface="Arial Unicode MS" pitchFamily="34" charset="-128"/>
-            </a:endParaRPr>
           </a:p>
           <a:p>
             <a:pPr algn="ctr" defTabSz="914400" fontAlgn="base">
@@ -14478,15 +18089,7 @@
           <a:p>
             <a:r>
               <a:rPr lang="en-US" dirty="0"/>
-              <a:t>Service types: Cluster IP, </a:t>
-            </a:r>
-            <a:r>
-              <a:rPr lang="en-US" dirty="0" err="1"/>
-              <a:t>NodePort</a:t>
-            </a:r>
-            <a:r>
-              <a:rPr lang="en-US" dirty="0"/>
-              <a:t>, </a:t>
+              <a:t>Service types: Cluster IP, NodePort, </a:t>
             </a:r>
             <a:r>
               <a:rPr lang="en-US" dirty="0" err="1"/>
@@ -14573,14 +18176,11 @@
               <a:buChar char="§"/>
             </a:pPr>
             <a:r>
-              <a:rPr lang="en-US" dirty="0" err="1">
+              <a:rPr lang="en-US" dirty="0">
                 <a:sym typeface="Wingdings" panose="05000000000000000000" pitchFamily="2" charset="2"/>
               </a:rPr>
               <a:t>LoadBalancer</a:t>
             </a:r>
-            <a:endParaRPr lang="en-US" dirty="0">
-              <a:sym typeface="Wingdings" panose="05000000000000000000" pitchFamily="2" charset="2"/>
-            </a:endParaRPr>
           </a:p>
           <a:p>
             <a:pPr marL="887288" lvl="1" indent="-342900">
@@ -14618,14 +18218,11 @@
               <a:buChar char="§"/>
             </a:pPr>
             <a:r>
-              <a:rPr lang="en-US" dirty="0" err="1">
+              <a:rPr lang="en-US" dirty="0">
                 <a:sym typeface="Wingdings" panose="05000000000000000000" pitchFamily="2" charset="2"/>
               </a:rPr>
               <a:t>NodePort</a:t>
             </a:r>
-            <a:endParaRPr lang="en-US" dirty="0">
-              <a:sym typeface="Wingdings" panose="05000000000000000000" pitchFamily="2" charset="2"/>
-            </a:endParaRPr>
           </a:p>
           <a:p>
             <a:pPr marL="887288" lvl="1" indent="-342900">

--- a/kubernetes/04_networking_services.pptx
+++ b/kubernetes/04_networking_services.pptx
@@ -5,10 +5,10 @@
     <p:sldMasterId id="2147483733" r:id="rId1"/>
   </p:sldMasterIdLst>
   <p:notesMasterIdLst>
-    <p:notesMasterId r:id="rId17"/>
+    <p:notesMasterId r:id="rId20"/>
   </p:notesMasterIdLst>
   <p:handoutMasterIdLst>
-    <p:handoutMasterId r:id="rId18"/>
+    <p:handoutMasterId r:id="rId21"/>
   </p:handoutMasterIdLst>
   <p:sldIdLst>
     <p:sldId id="433" r:id="rId2"/>
@@ -21,11 +21,14 @@
     <p:sldId id="453" r:id="rId9"/>
     <p:sldId id="448" r:id="rId10"/>
     <p:sldId id="452" r:id="rId11"/>
-    <p:sldId id="450" r:id="rId12"/>
-    <p:sldId id="455" r:id="rId13"/>
-    <p:sldId id="456" r:id="rId14"/>
-    <p:sldId id="451" r:id="rId15"/>
-    <p:sldId id="265" r:id="rId16"/>
+    <p:sldId id="449" r:id="rId12"/>
+    <p:sldId id="450" r:id="rId13"/>
+    <p:sldId id="459" r:id="rId14"/>
+    <p:sldId id="455" r:id="rId15"/>
+    <p:sldId id="460" r:id="rId16"/>
+    <p:sldId id="456" r:id="rId17"/>
+    <p:sldId id="451" r:id="rId18"/>
+    <p:sldId id="265" r:id="rId19"/>
   </p:sldIdLst>
   <p:sldSz cx="12195175" cy="6858000"/>
   <p:notesSz cx="6858000" cy="9144000"/>
@@ -199,10 +202,6 @@
     </p:ext>
   </p:extLst>
 </p:presentation>
-</file>
-
-<file path=ppt/revisionInfo.xml><?xml version="1.0" encoding="utf-8"?>
-<p1510:revInfo xmlns:a="http://schemas.openxmlformats.org/drawingml/2006/main" xmlns:r="http://schemas.openxmlformats.org/officeDocument/2006/relationships" xmlns:p1510="http://schemas.microsoft.com/office/powerpoint/2015/10/main"/>
 </file>
 
 <file path=ppt/diagrams/colors1.xml><?xml version="1.0" encoding="utf-8"?>
@@ -8494,13 +8493,23 @@
           <a:p>
             <a:r>
               <a:rPr lang="en-US" dirty="0"/>
-              <a:t>A LoadBalancer is a single network endpoint with a unique IP which will be associated with a service. Incoming traffic to this IP on the service port will be forwarded through the service to the pods matching the labels specified in the service description.</a:t>
-            </a:r>
-          </a:p>
-          <a:p>
+              <a:t>A </a:t>
+            </a:r>
+            <a:r>
+              <a:rPr lang="en-US" dirty="0" err="1"/>
+              <a:t>nodePort</a:t>
+            </a:r>
             <a:r>
               <a:rPr lang="en-US" dirty="0"/>
-              <a:t>LoadBalancers are an external entity provided to the cluster by Cloud Providers and their actual implementation varies among the different cloud platforms (GCP, Azure, AWS, OpenStack). If your cluster runs in an environment that does not support LoadBalancers, you can still try to create them but their state will remain “Pending” without ever getting an IP.</a:t>
+              <a:t> is a port that is opened on every node of the cluster. It is associated with a service and any incoming traffic at this </a:t>
+            </a:r>
+            <a:r>
+              <a:rPr lang="en-US" dirty="0" err="1"/>
+              <a:t>nodePort</a:t>
+            </a:r>
+            <a:r>
+              <a:rPr lang="en-US" dirty="0"/>
+              <a:t> will be routed to the corresponding service. From there it will be forwarded to service’s pods, regardless on which node it they actually run.</a:t>
             </a:r>
           </a:p>
         </p:txBody>
@@ -8532,7 +8541,7 @@
     </p:spTree>
     <p:extLst>
       <p:ext uri="{BB962C8B-B14F-4D97-AF65-F5344CB8AC3E}">
-        <p14:creationId xmlns:p14="http://schemas.microsoft.com/office/powerpoint/2010/main" val="382709494"/>
+        <p14:creationId xmlns:p14="http://schemas.microsoft.com/office/powerpoint/2010/main" val="589324095"/>
       </p:ext>
     </p:extLst>
   </p:cSld>
@@ -8586,13 +8595,307 @@
           <a:bodyPr/>
           <a:lstStyle/>
           <a:p>
-            <a:r>
-              <a:rPr lang="en-US" dirty="0"/>
-              <a:t>A LoadBalancer is a single network endpoint with a unique IP which will be associated with a service. Incoming traffic to this IP on the service port will be forwarded through the NodePorts and the service to the pods matching the labels specified in the service description.</a:t>
-            </a:r>
-          </a:p>
-          <a:p>
-            <a:endParaRPr lang="en-US" dirty="0"/>
+            <a:pPr marL="285750" marR="0" lvl="0" indent="-285750" algn="l" defTabSz="1088776" rtl="0" eaLnBrk="1" fontAlgn="auto" latinLnBrk="0" hangingPunct="1">
+              <a:lnSpc>
+                <a:spcPct val="100000"/>
+              </a:lnSpc>
+              <a:spcBef>
+                <a:spcPts val="0"/>
+              </a:spcBef>
+              <a:spcAft>
+                <a:spcPts val="0"/>
+              </a:spcAft>
+              <a:buClrTx/>
+              <a:buSzTx/>
+              <a:buFontTx/>
+              <a:buChar char="-"/>
+              <a:tabLst/>
+              <a:defRPr/>
+            </a:pPr>
+            <a:r>
+              <a:rPr lang="en-US" baseline="0" dirty="0"/>
+              <a:t>Demo for node ports</a:t>
+            </a:r>
+          </a:p>
+          <a:p>
+            <a:pPr marL="285750" marR="0" lvl="0" indent="-285750" algn="l" defTabSz="1088776" rtl="0" eaLnBrk="1" fontAlgn="auto" latinLnBrk="0" hangingPunct="1">
+              <a:lnSpc>
+                <a:spcPct val="100000"/>
+              </a:lnSpc>
+              <a:spcBef>
+                <a:spcPts val="0"/>
+              </a:spcBef>
+              <a:spcAft>
+                <a:spcPts val="0"/>
+              </a:spcAft>
+              <a:buClrTx/>
+              <a:buSzTx/>
+              <a:buFontTx/>
+              <a:buChar char="-"/>
+              <a:tabLst/>
+              <a:defRPr/>
+            </a:pPr>
+            <a:r>
+              <a:rPr lang="en-US" baseline="0" dirty="0"/>
+              <a:t>Again, create a service</a:t>
+            </a:r>
+          </a:p>
+          <a:p>
+            <a:pPr marL="465750" marR="0" lvl="1" indent="-285750" algn="l" defTabSz="1088776" rtl="0" eaLnBrk="1" fontAlgn="auto" latinLnBrk="0" hangingPunct="1">
+              <a:lnSpc>
+                <a:spcPct val="100000"/>
+              </a:lnSpc>
+              <a:spcBef>
+                <a:spcPts val="0"/>
+              </a:spcBef>
+              <a:spcAft>
+                <a:spcPts val="0"/>
+              </a:spcAft>
+              <a:buClrTx/>
+              <a:buSzTx/>
+              <a:buFontTx/>
+              <a:buChar char="-"/>
+              <a:tabLst/>
+              <a:defRPr/>
+            </a:pPr>
+            <a:r>
+              <a:rPr lang="en-US" baseline="0" dirty="0"/>
+              <a:t>Use “expose” to create a service for your deployment (</a:t>
+            </a:r>
+            <a:r>
+              <a:rPr lang="en-US" baseline="0" dirty="0" err="1"/>
+              <a:t>kubectl</a:t>
+            </a:r>
+            <a:r>
+              <a:rPr lang="en-US" baseline="0" dirty="0"/>
+              <a:t> expose deployment &lt;name&gt; --port=80 --target-port=80 –type=</a:t>
+            </a:r>
+            <a:r>
+              <a:rPr lang="en-US" baseline="0" dirty="0" err="1"/>
+              <a:t>NodePort</a:t>
+            </a:r>
+            <a:r>
+              <a:rPr lang="en-US" baseline="0" dirty="0"/>
+              <a:t>)</a:t>
+            </a:r>
+          </a:p>
+          <a:p>
+            <a:pPr marL="465750" marR="0" lvl="1" indent="-285750" algn="l" defTabSz="1088776" rtl="0" eaLnBrk="1" fontAlgn="auto" latinLnBrk="0" hangingPunct="1">
+              <a:lnSpc>
+                <a:spcPct val="100000"/>
+              </a:lnSpc>
+              <a:spcBef>
+                <a:spcPts val="0"/>
+              </a:spcBef>
+              <a:spcAft>
+                <a:spcPts val="0"/>
+              </a:spcAft>
+              <a:buClrTx/>
+              <a:buSzTx/>
+              <a:buFontTx/>
+              <a:buChar char="-"/>
+              <a:tabLst/>
+              <a:defRPr/>
+            </a:pPr>
+            <a:r>
+              <a:rPr lang="en-US" baseline="0" dirty="0"/>
+              <a:t>Show the service with the </a:t>
+            </a:r>
+            <a:r>
+              <a:rPr lang="en-US" baseline="0" dirty="0" err="1"/>
+              <a:t>clusterIP</a:t>
+            </a:r>
+            <a:r>
+              <a:rPr lang="en-US" baseline="0" dirty="0"/>
+              <a:t> address and the </a:t>
+            </a:r>
+            <a:r>
+              <a:rPr lang="en-US" baseline="0" dirty="0" err="1"/>
+              <a:t>nodePort</a:t>
+            </a:r>
+            <a:r>
+              <a:rPr lang="en-US" baseline="0" dirty="0"/>
+              <a:t> (use </a:t>
+            </a:r>
+            <a:r>
+              <a:rPr lang="en-US" baseline="0" dirty="0" err="1"/>
+              <a:t>kubectl</a:t>
+            </a:r>
+            <a:r>
+              <a:rPr lang="en-US" baseline="0" dirty="0"/>
+              <a:t> describe)</a:t>
+            </a:r>
+          </a:p>
+          <a:p>
+            <a:pPr marL="465750" marR="0" lvl="1" indent="-285750" algn="l" defTabSz="1088776" rtl="0" eaLnBrk="1" fontAlgn="auto" latinLnBrk="0" hangingPunct="1">
+              <a:lnSpc>
+                <a:spcPct val="100000"/>
+              </a:lnSpc>
+              <a:spcBef>
+                <a:spcPts val="0"/>
+              </a:spcBef>
+              <a:spcAft>
+                <a:spcPts val="0"/>
+              </a:spcAft>
+              <a:buClrTx/>
+              <a:buSzTx/>
+              <a:buFontTx/>
+              <a:buChar char="-"/>
+              <a:tabLst/>
+              <a:defRPr/>
+            </a:pPr>
+            <a:r>
+              <a:rPr lang="en-US" baseline="0" dirty="0"/>
+              <a:t>Highlight, that the service also includes a cluster IP</a:t>
+            </a:r>
+          </a:p>
+          <a:p>
+            <a:pPr marL="0" marR="0" lvl="0" indent="0" algn="l" defTabSz="1088776" rtl="0" eaLnBrk="1" fontAlgn="auto" latinLnBrk="0" hangingPunct="1">
+              <a:lnSpc>
+                <a:spcPct val="100000"/>
+              </a:lnSpc>
+              <a:spcBef>
+                <a:spcPts val="0"/>
+              </a:spcBef>
+              <a:spcAft>
+                <a:spcPts val="0"/>
+              </a:spcAft>
+              <a:buClrTx/>
+              <a:buSzTx/>
+              <a:buFontTx/>
+              <a:buNone/>
+              <a:tabLst/>
+              <a:defRPr/>
+            </a:pPr>
+            <a:endParaRPr lang="en-US" baseline="0" dirty="0"/>
+          </a:p>
+          <a:p>
+            <a:pPr marL="285750" marR="0" lvl="0" indent="-285750" algn="l" defTabSz="1088776" rtl="0" eaLnBrk="1" fontAlgn="auto" latinLnBrk="0" hangingPunct="1">
+              <a:lnSpc>
+                <a:spcPct val="100000"/>
+              </a:lnSpc>
+              <a:spcBef>
+                <a:spcPts val="0"/>
+              </a:spcBef>
+              <a:spcAft>
+                <a:spcPts val="0"/>
+              </a:spcAft>
+              <a:buClrTx/>
+              <a:buSzTx/>
+              <a:buFontTx/>
+              <a:buChar char="-"/>
+              <a:tabLst/>
+              <a:defRPr/>
+            </a:pPr>
+            <a:r>
+              <a:rPr lang="en-US" baseline="0" dirty="0"/>
+              <a:t>Connect to the </a:t>
+            </a:r>
+            <a:r>
+              <a:rPr lang="en-US" baseline="0" dirty="0" err="1"/>
+              <a:t>NodePort</a:t>
+            </a:r>
+            <a:r>
+              <a:rPr lang="en-US" baseline="0" dirty="0"/>
+              <a:t> Service from the outside (of the cluster)</a:t>
+            </a:r>
+          </a:p>
+          <a:p>
+            <a:pPr marL="465750" marR="0" lvl="1" indent="-285750" algn="l" defTabSz="1088776" rtl="0" eaLnBrk="1" fontAlgn="auto" latinLnBrk="0" hangingPunct="1">
+              <a:lnSpc>
+                <a:spcPct val="100000"/>
+              </a:lnSpc>
+              <a:spcBef>
+                <a:spcPts val="0"/>
+              </a:spcBef>
+              <a:spcAft>
+                <a:spcPts val="0"/>
+              </a:spcAft>
+              <a:buClrTx/>
+              <a:buSzTx/>
+              <a:buFontTx/>
+              <a:buChar char="-"/>
+              <a:tabLst/>
+              <a:defRPr/>
+            </a:pPr>
+            <a:r>
+              <a:rPr lang="en-US" baseline="0" dirty="0"/>
+              <a:t>Get the IP address of the cluster’s nodes (</a:t>
+            </a:r>
+            <a:r>
+              <a:rPr lang="en-US" baseline="0" dirty="0" err="1"/>
+              <a:t>kubectl</a:t>
+            </a:r>
+            <a:r>
+              <a:rPr lang="en-US" baseline="0" dirty="0"/>
+              <a:t> get nodes –o wide)</a:t>
+            </a:r>
+          </a:p>
+          <a:p>
+            <a:pPr marL="465750" marR="0" lvl="1" indent="-285750" algn="l" defTabSz="1088776" rtl="0" eaLnBrk="1" fontAlgn="auto" latinLnBrk="0" hangingPunct="1">
+              <a:lnSpc>
+                <a:spcPct val="100000"/>
+              </a:lnSpc>
+              <a:spcBef>
+                <a:spcPts val="0"/>
+              </a:spcBef>
+              <a:spcAft>
+                <a:spcPts val="0"/>
+              </a:spcAft>
+              <a:buClrTx/>
+              <a:buSzTx/>
+              <a:buFontTx/>
+              <a:buChar char="-"/>
+              <a:tabLst/>
+              <a:defRPr/>
+            </a:pPr>
+            <a:r>
+              <a:rPr lang="en-US" baseline="0" dirty="0"/>
+              <a:t>Combine the node’s IP with the port and access the service</a:t>
+            </a:r>
+          </a:p>
+          <a:p>
+            <a:pPr marL="180000" marR="0" lvl="1" indent="0" algn="l" defTabSz="1088776" rtl="0" eaLnBrk="1" fontAlgn="auto" latinLnBrk="0" hangingPunct="1">
+              <a:lnSpc>
+                <a:spcPct val="100000"/>
+              </a:lnSpc>
+              <a:spcBef>
+                <a:spcPts val="0"/>
+              </a:spcBef>
+              <a:spcAft>
+                <a:spcPts val="0"/>
+              </a:spcAft>
+              <a:buClrTx/>
+              <a:buSzTx/>
+              <a:buFontTx/>
+              <a:buNone/>
+              <a:tabLst/>
+              <a:defRPr/>
+            </a:pPr>
+            <a:endParaRPr lang="en-US" baseline="0" dirty="0"/>
+          </a:p>
+          <a:p>
+            <a:pPr marL="0" marR="0" lvl="0" indent="0" algn="l" defTabSz="1088776" rtl="0" eaLnBrk="1" fontAlgn="auto" latinLnBrk="0" hangingPunct="1">
+              <a:lnSpc>
+                <a:spcPct val="100000"/>
+              </a:lnSpc>
+              <a:spcBef>
+                <a:spcPts val="0"/>
+              </a:spcBef>
+              <a:spcAft>
+                <a:spcPts val="0"/>
+              </a:spcAft>
+              <a:buClrTx/>
+              <a:buSzTx/>
+              <a:buFontTx/>
+              <a:buNone/>
+              <a:tabLst/>
+              <a:defRPr/>
+            </a:pPr>
+            <a:r>
+              <a:rPr lang="en-US" baseline="0" dirty="0"/>
+              <a:t>Finally, delete the service</a:t>
+            </a:r>
           </a:p>
         </p:txBody>
       </p:sp>
@@ -8623,6 +8926,654 @@
     </p:spTree>
     <p:extLst>
       <p:ext uri="{BB962C8B-B14F-4D97-AF65-F5344CB8AC3E}">
+        <p14:creationId xmlns:p14="http://schemas.microsoft.com/office/powerpoint/2010/main" val="935660807"/>
+      </p:ext>
+    </p:extLst>
+  </p:cSld>
+  <p:clrMapOvr>
+    <a:masterClrMapping/>
+  </p:clrMapOvr>
+</p:notes>
+</file>
+
+<file path=ppt/notesSlides/notesSlide12.xml><?xml version="1.0" encoding="utf-8"?>
+<p:notes xmlns:a="http://schemas.openxmlformats.org/drawingml/2006/main" xmlns:r="http://schemas.openxmlformats.org/officeDocument/2006/relationships" xmlns:p="http://schemas.openxmlformats.org/presentationml/2006/main">
+  <p:cSld>
+    <p:spTree>
+      <p:nvGrpSpPr>
+        <p:cNvPr id="1" name=""/>
+        <p:cNvGrpSpPr/>
+        <p:nvPr/>
+      </p:nvGrpSpPr>
+      <p:grpSpPr>
+        <a:xfrm>
+          <a:off x="0" y="0"/>
+          <a:ext cx="0" cy="0"/>
+          <a:chOff x="0" y="0"/>
+          <a:chExt cx="0" cy="0"/>
+        </a:xfrm>
+      </p:grpSpPr>
+      <p:sp>
+        <p:nvSpPr>
+          <p:cNvPr id="2" name="Slide Image Placeholder 1"/>
+          <p:cNvSpPr>
+            <a:spLocks noGrp="1" noRot="1" noChangeAspect="1"/>
+          </p:cNvSpPr>
+          <p:nvPr>
+            <p:ph type="sldImg"/>
+          </p:nvPr>
+        </p:nvSpPr>
+        <p:spPr/>
+      </p:sp>
+      <p:sp>
+        <p:nvSpPr>
+          <p:cNvPr id="3" name="Notes Placeholder 2"/>
+          <p:cNvSpPr>
+            <a:spLocks noGrp="1"/>
+          </p:cNvSpPr>
+          <p:nvPr>
+            <p:ph type="body" idx="1"/>
+          </p:nvPr>
+        </p:nvSpPr>
+        <p:spPr/>
+        <p:txBody>
+          <a:bodyPr/>
+          <a:lstStyle/>
+          <a:p>
+            <a:r>
+              <a:rPr lang="en-US" dirty="0"/>
+              <a:t>A LoadBalancer is a single network endpoint with a unique IP which will be associated with a service. Incoming traffic to this IP on the service port will be forwarded through the service to the pods matching the labels specified in the service description.</a:t>
+            </a:r>
+          </a:p>
+          <a:p>
+            <a:r>
+              <a:rPr lang="en-US" dirty="0"/>
+              <a:t>LoadBalancers are an external entity provided to the cluster by Cloud Providers and their actual implementation varies among the different cloud platforms (GCP, Azure, AWS, OpenStack). If your cluster runs in an environment that does not support LoadBalancers, you can still try to create them but their state will remain “Pending” without ever getting an IP.</a:t>
+            </a:r>
+          </a:p>
+        </p:txBody>
+      </p:sp>
+      <p:sp>
+        <p:nvSpPr>
+          <p:cNvPr id="4" name="Slide Number Placeholder 3"/>
+          <p:cNvSpPr>
+            <a:spLocks noGrp="1"/>
+          </p:cNvSpPr>
+          <p:nvPr>
+            <p:ph type="sldNum" sz="quarter" idx="10"/>
+          </p:nvPr>
+        </p:nvSpPr>
+        <p:spPr/>
+        <p:txBody>
+          <a:bodyPr/>
+          <a:lstStyle/>
+          <a:p>
+            <a:fld id="{7D8C2C35-2B8A-446E-BEC0-FD36716C29AC}" type="slidenum">
+              <a:rPr lang="de-DE" smtClean="0"/>
+              <a:pPr/>
+              <a:t>14</a:t>
+            </a:fld>
+            <a:endParaRPr lang="de-DE" dirty="0"/>
+          </a:p>
+        </p:txBody>
+      </p:sp>
+    </p:spTree>
+    <p:extLst>
+      <p:ext uri="{BB962C8B-B14F-4D97-AF65-F5344CB8AC3E}">
+        <p14:creationId xmlns:p14="http://schemas.microsoft.com/office/powerpoint/2010/main" val="382709494"/>
+      </p:ext>
+    </p:extLst>
+  </p:cSld>
+  <p:clrMapOvr>
+    <a:masterClrMapping/>
+  </p:clrMapOvr>
+</p:notes>
+</file>
+
+<file path=ppt/notesSlides/notesSlide13.xml><?xml version="1.0" encoding="utf-8"?>
+<p:notes xmlns:a="http://schemas.openxmlformats.org/drawingml/2006/main" xmlns:r="http://schemas.openxmlformats.org/officeDocument/2006/relationships" xmlns:p="http://schemas.openxmlformats.org/presentationml/2006/main">
+  <p:cSld>
+    <p:spTree>
+      <p:nvGrpSpPr>
+        <p:cNvPr id="1" name=""/>
+        <p:cNvGrpSpPr/>
+        <p:nvPr/>
+      </p:nvGrpSpPr>
+      <p:grpSpPr>
+        <a:xfrm>
+          <a:off x="0" y="0"/>
+          <a:ext cx="0" cy="0"/>
+          <a:chOff x="0" y="0"/>
+          <a:chExt cx="0" cy="0"/>
+        </a:xfrm>
+      </p:grpSpPr>
+      <p:sp>
+        <p:nvSpPr>
+          <p:cNvPr id="2" name="Slide Image Placeholder 1"/>
+          <p:cNvSpPr>
+            <a:spLocks noGrp="1" noRot="1" noChangeAspect="1"/>
+          </p:cNvSpPr>
+          <p:nvPr>
+            <p:ph type="sldImg"/>
+          </p:nvPr>
+        </p:nvSpPr>
+        <p:spPr/>
+      </p:sp>
+      <p:sp>
+        <p:nvSpPr>
+          <p:cNvPr id="3" name="Notes Placeholder 2"/>
+          <p:cNvSpPr>
+            <a:spLocks noGrp="1"/>
+          </p:cNvSpPr>
+          <p:nvPr>
+            <p:ph type="body" idx="1"/>
+          </p:nvPr>
+        </p:nvSpPr>
+        <p:spPr/>
+        <p:txBody>
+          <a:bodyPr>
+            <a:normAutofit lnSpcReduction="10000"/>
+          </a:bodyPr>
+          <a:lstStyle/>
+          <a:p>
+            <a:pPr marL="285750" marR="0" lvl="0" indent="-285750" algn="l" defTabSz="1088776" rtl="0" eaLnBrk="1" fontAlgn="auto" latinLnBrk="0" hangingPunct="1">
+              <a:lnSpc>
+                <a:spcPct val="100000"/>
+              </a:lnSpc>
+              <a:spcBef>
+                <a:spcPts val="0"/>
+              </a:spcBef>
+              <a:spcAft>
+                <a:spcPts val="0"/>
+              </a:spcAft>
+              <a:buClrTx/>
+              <a:buSzTx/>
+              <a:buFontTx/>
+              <a:buChar char="-"/>
+              <a:tabLst/>
+              <a:defRPr/>
+            </a:pPr>
+            <a:r>
+              <a:rPr lang="en-US" baseline="0" dirty="0"/>
+              <a:t>Demo for </a:t>
+            </a:r>
+            <a:r>
+              <a:rPr lang="en-US" baseline="0" dirty="0" err="1"/>
+              <a:t>Loadbalancer</a:t>
+            </a:r>
+            <a:endParaRPr lang="en-US" baseline="0" dirty="0"/>
+          </a:p>
+          <a:p>
+            <a:pPr marL="285750" marR="0" lvl="0" indent="-285750" algn="l" defTabSz="1088776" rtl="0" eaLnBrk="1" fontAlgn="auto" latinLnBrk="0" hangingPunct="1">
+              <a:lnSpc>
+                <a:spcPct val="100000"/>
+              </a:lnSpc>
+              <a:spcBef>
+                <a:spcPts val="0"/>
+              </a:spcBef>
+              <a:spcAft>
+                <a:spcPts val="0"/>
+              </a:spcAft>
+              <a:buClrTx/>
+              <a:buSzTx/>
+              <a:buFontTx/>
+              <a:buChar char="-"/>
+              <a:tabLst/>
+              <a:defRPr/>
+            </a:pPr>
+            <a:r>
+              <a:rPr lang="en-US" baseline="0" dirty="0"/>
+              <a:t>Again, create a service</a:t>
+            </a:r>
+          </a:p>
+          <a:p>
+            <a:pPr marL="465750" marR="0" lvl="1" indent="-285750" algn="l" defTabSz="1088776" rtl="0" eaLnBrk="1" fontAlgn="auto" latinLnBrk="0" hangingPunct="1">
+              <a:lnSpc>
+                <a:spcPct val="100000"/>
+              </a:lnSpc>
+              <a:spcBef>
+                <a:spcPts val="0"/>
+              </a:spcBef>
+              <a:spcAft>
+                <a:spcPts val="0"/>
+              </a:spcAft>
+              <a:buClrTx/>
+              <a:buSzTx/>
+              <a:buFontTx/>
+              <a:buChar char="-"/>
+              <a:tabLst/>
+              <a:defRPr/>
+            </a:pPr>
+            <a:r>
+              <a:rPr lang="en-US" baseline="0" dirty="0"/>
+              <a:t>Use “expose” to create a service for your deployment (</a:t>
+            </a:r>
+            <a:r>
+              <a:rPr lang="en-US" baseline="0" dirty="0" err="1"/>
+              <a:t>kubectl</a:t>
+            </a:r>
+            <a:r>
+              <a:rPr lang="en-US" baseline="0" dirty="0"/>
+              <a:t> expose deployment &lt;name&gt; --port=80 --target-port=80 –type=</a:t>
+            </a:r>
+            <a:r>
+              <a:rPr lang="en-US" baseline="0" dirty="0" err="1"/>
+              <a:t>LoadBalancer</a:t>
+            </a:r>
+            <a:r>
+              <a:rPr lang="en-US" baseline="0" dirty="0"/>
+              <a:t>)</a:t>
+            </a:r>
+          </a:p>
+          <a:p>
+            <a:pPr marL="465750" marR="0" lvl="1" indent="-285750" algn="l" defTabSz="1088776" rtl="0" eaLnBrk="1" fontAlgn="auto" latinLnBrk="0" hangingPunct="1">
+              <a:lnSpc>
+                <a:spcPct val="100000"/>
+              </a:lnSpc>
+              <a:spcBef>
+                <a:spcPts val="0"/>
+              </a:spcBef>
+              <a:spcAft>
+                <a:spcPts val="0"/>
+              </a:spcAft>
+              <a:buClrTx/>
+              <a:buSzTx/>
+              <a:buFontTx/>
+              <a:buChar char="-"/>
+              <a:tabLst/>
+              <a:defRPr/>
+            </a:pPr>
+            <a:r>
+              <a:rPr lang="en-US" baseline="0" dirty="0"/>
+              <a:t>Show the service with the </a:t>
+            </a:r>
+            <a:r>
+              <a:rPr lang="en-US" baseline="0" dirty="0" err="1"/>
+              <a:t>clusterIP</a:t>
+            </a:r>
+            <a:r>
+              <a:rPr lang="en-US" baseline="0" dirty="0"/>
+              <a:t> address and the </a:t>
+            </a:r>
+            <a:r>
+              <a:rPr lang="en-US" baseline="0" dirty="0" err="1"/>
+              <a:t>nodePort</a:t>
+            </a:r>
+            <a:r>
+              <a:rPr lang="en-US" baseline="0" dirty="0"/>
+              <a:t> and the external IP (use </a:t>
+            </a:r>
+            <a:r>
+              <a:rPr lang="en-US" baseline="0" dirty="0" err="1"/>
+              <a:t>kubectl</a:t>
+            </a:r>
+            <a:r>
+              <a:rPr lang="en-US" baseline="0" dirty="0"/>
+              <a:t> describe)</a:t>
+            </a:r>
+          </a:p>
+          <a:p>
+            <a:pPr marL="465750" marR="0" lvl="1" indent="-285750" algn="l" defTabSz="1088776" rtl="0" eaLnBrk="1" fontAlgn="auto" latinLnBrk="0" hangingPunct="1">
+              <a:lnSpc>
+                <a:spcPct val="100000"/>
+              </a:lnSpc>
+              <a:spcBef>
+                <a:spcPts val="0"/>
+              </a:spcBef>
+              <a:spcAft>
+                <a:spcPts val="0"/>
+              </a:spcAft>
+              <a:buClrTx/>
+              <a:buSzTx/>
+              <a:buFontTx/>
+              <a:buChar char="-"/>
+              <a:tabLst/>
+              <a:defRPr/>
+            </a:pPr>
+            <a:r>
+              <a:rPr lang="en-US" baseline="0" dirty="0"/>
+              <a:t>Highlight, that the service also includes a cluster IP and a </a:t>
+            </a:r>
+            <a:r>
+              <a:rPr lang="en-US" baseline="0" dirty="0" err="1"/>
+              <a:t>nodePort</a:t>
+            </a:r>
+            <a:endParaRPr lang="en-US" baseline="0" dirty="0"/>
+          </a:p>
+          <a:p>
+            <a:pPr marL="0" marR="0" lvl="0" indent="0" algn="l" defTabSz="1088776" rtl="0" eaLnBrk="1" fontAlgn="auto" latinLnBrk="0" hangingPunct="1">
+              <a:lnSpc>
+                <a:spcPct val="100000"/>
+              </a:lnSpc>
+              <a:spcBef>
+                <a:spcPts val="0"/>
+              </a:spcBef>
+              <a:spcAft>
+                <a:spcPts val="0"/>
+              </a:spcAft>
+              <a:buClrTx/>
+              <a:buSzTx/>
+              <a:buFontTx/>
+              <a:buNone/>
+              <a:tabLst/>
+              <a:defRPr/>
+            </a:pPr>
+            <a:endParaRPr lang="en-US" baseline="0" dirty="0"/>
+          </a:p>
+          <a:p>
+            <a:pPr marL="285750" marR="0" lvl="0" indent="-285750" algn="l" defTabSz="1088776" rtl="0" eaLnBrk="1" fontAlgn="auto" latinLnBrk="0" hangingPunct="1">
+              <a:lnSpc>
+                <a:spcPct val="100000"/>
+              </a:lnSpc>
+              <a:spcBef>
+                <a:spcPts val="0"/>
+              </a:spcBef>
+              <a:spcAft>
+                <a:spcPts val="0"/>
+              </a:spcAft>
+              <a:buClrTx/>
+              <a:buSzTx/>
+              <a:buFontTx/>
+              <a:buChar char="-"/>
+              <a:tabLst/>
+              <a:defRPr/>
+            </a:pPr>
+            <a:r>
+              <a:rPr lang="en-US" baseline="0" dirty="0"/>
+              <a:t>Wait until the external IP is assigned and point out that this involves cluster external mechanisms provided by the underlying infrastructure platform. It might not work the same way everywhere.</a:t>
+            </a:r>
+          </a:p>
+          <a:p>
+            <a:pPr marL="285750" marR="0" lvl="0" indent="-285750" algn="l" defTabSz="1088776" rtl="0" eaLnBrk="1" fontAlgn="auto" latinLnBrk="0" hangingPunct="1">
+              <a:lnSpc>
+                <a:spcPct val="100000"/>
+              </a:lnSpc>
+              <a:spcBef>
+                <a:spcPts val="0"/>
+              </a:spcBef>
+              <a:spcAft>
+                <a:spcPts val="0"/>
+              </a:spcAft>
+              <a:buClrTx/>
+              <a:buSzTx/>
+              <a:buFontTx/>
+              <a:buChar char="-"/>
+              <a:tabLst/>
+              <a:defRPr/>
+            </a:pPr>
+            <a:endParaRPr lang="en-US" baseline="0" dirty="0"/>
+          </a:p>
+          <a:p>
+            <a:pPr marL="285750" marR="0" lvl="0" indent="-285750" algn="l" defTabSz="1088776" rtl="0" eaLnBrk="1" fontAlgn="auto" latinLnBrk="0" hangingPunct="1">
+              <a:lnSpc>
+                <a:spcPct val="100000"/>
+              </a:lnSpc>
+              <a:spcBef>
+                <a:spcPts val="0"/>
+              </a:spcBef>
+              <a:spcAft>
+                <a:spcPts val="0"/>
+              </a:spcAft>
+              <a:buClrTx/>
+              <a:buSzTx/>
+              <a:buFontTx/>
+              <a:buChar char="-"/>
+              <a:tabLst/>
+              <a:defRPr/>
+            </a:pPr>
+            <a:r>
+              <a:rPr lang="en-US" baseline="0" dirty="0"/>
+              <a:t>Connect to the service from the outside (of the cluster) via the </a:t>
+            </a:r>
+            <a:r>
+              <a:rPr lang="en-US" baseline="0" dirty="0" err="1"/>
+              <a:t>LoadBalancer</a:t>
+            </a:r>
+            <a:r>
+              <a:rPr lang="en-US" baseline="0" dirty="0"/>
+              <a:t> IP and port 80 (port of the service)</a:t>
+            </a:r>
+          </a:p>
+          <a:p>
+            <a:pPr marL="285750" marR="0" lvl="0" indent="-285750" algn="l" defTabSz="1088776" rtl="0" eaLnBrk="1" fontAlgn="auto" latinLnBrk="0" hangingPunct="1">
+              <a:lnSpc>
+                <a:spcPct val="100000"/>
+              </a:lnSpc>
+              <a:spcBef>
+                <a:spcPts val="0"/>
+              </a:spcBef>
+              <a:spcAft>
+                <a:spcPts val="0"/>
+              </a:spcAft>
+              <a:buClrTx/>
+              <a:buSzTx/>
+              <a:buFontTx/>
+              <a:buChar char="-"/>
+              <a:tabLst/>
+              <a:defRPr/>
+            </a:pPr>
+            <a:r>
+              <a:rPr lang="en-US" baseline="0" dirty="0"/>
+              <a:t>Once again, show that the new node port is working as well / additionally</a:t>
+            </a:r>
+          </a:p>
+          <a:p>
+            <a:pPr marL="465750" marR="0" lvl="1" indent="-285750" algn="l" defTabSz="1088776" rtl="0" eaLnBrk="1" fontAlgn="auto" latinLnBrk="0" hangingPunct="1">
+              <a:lnSpc>
+                <a:spcPct val="100000"/>
+              </a:lnSpc>
+              <a:spcBef>
+                <a:spcPts val="0"/>
+              </a:spcBef>
+              <a:spcAft>
+                <a:spcPts val="0"/>
+              </a:spcAft>
+              <a:buClrTx/>
+              <a:buSzTx/>
+              <a:buFontTx/>
+              <a:buChar char="-"/>
+              <a:tabLst/>
+              <a:defRPr/>
+            </a:pPr>
+            <a:r>
+              <a:rPr lang="en-US" baseline="0" dirty="0"/>
+              <a:t>Get the IP address of the cluster’s nodes (</a:t>
+            </a:r>
+            <a:r>
+              <a:rPr lang="en-US" baseline="0" dirty="0" err="1"/>
+              <a:t>kubectl</a:t>
+            </a:r>
+            <a:r>
+              <a:rPr lang="en-US" baseline="0" dirty="0"/>
+              <a:t> get nodes –o wide)</a:t>
+            </a:r>
+          </a:p>
+          <a:p>
+            <a:pPr marL="465750" marR="0" lvl="1" indent="-285750" algn="l" defTabSz="1088776" rtl="0" eaLnBrk="1" fontAlgn="auto" latinLnBrk="0" hangingPunct="1">
+              <a:lnSpc>
+                <a:spcPct val="100000"/>
+              </a:lnSpc>
+              <a:spcBef>
+                <a:spcPts val="0"/>
+              </a:spcBef>
+              <a:spcAft>
+                <a:spcPts val="0"/>
+              </a:spcAft>
+              <a:buClrTx/>
+              <a:buSzTx/>
+              <a:buFontTx/>
+              <a:buChar char="-"/>
+              <a:tabLst/>
+              <a:defRPr/>
+            </a:pPr>
+            <a:r>
+              <a:rPr lang="en-US" baseline="0" dirty="0"/>
+              <a:t>Combine the node’s IP with the port and access the service</a:t>
+            </a:r>
+          </a:p>
+          <a:p>
+            <a:pPr marL="180000" marR="0" lvl="1" indent="0" algn="l" defTabSz="1088776" rtl="0" eaLnBrk="1" fontAlgn="auto" latinLnBrk="0" hangingPunct="1">
+              <a:lnSpc>
+                <a:spcPct val="100000"/>
+              </a:lnSpc>
+              <a:spcBef>
+                <a:spcPts val="0"/>
+              </a:spcBef>
+              <a:spcAft>
+                <a:spcPts val="0"/>
+              </a:spcAft>
+              <a:buClrTx/>
+              <a:buSzTx/>
+              <a:buFontTx/>
+              <a:buNone/>
+              <a:tabLst/>
+              <a:defRPr/>
+            </a:pPr>
+            <a:endParaRPr lang="en-US" baseline="0" dirty="0"/>
+          </a:p>
+          <a:p>
+            <a:pPr marL="0" marR="0" lvl="0" indent="0" algn="l" defTabSz="1088776" rtl="0" eaLnBrk="1" fontAlgn="auto" latinLnBrk="0" hangingPunct="1">
+              <a:lnSpc>
+                <a:spcPct val="100000"/>
+              </a:lnSpc>
+              <a:spcBef>
+                <a:spcPts val="0"/>
+              </a:spcBef>
+              <a:spcAft>
+                <a:spcPts val="0"/>
+              </a:spcAft>
+              <a:buClrTx/>
+              <a:buSzTx/>
+              <a:buFontTx/>
+              <a:buNone/>
+              <a:tabLst/>
+              <a:defRPr/>
+            </a:pPr>
+            <a:r>
+              <a:rPr lang="en-US" baseline="0" dirty="0"/>
+              <a:t>Finally, delete the service</a:t>
+            </a:r>
+          </a:p>
+        </p:txBody>
+      </p:sp>
+      <p:sp>
+        <p:nvSpPr>
+          <p:cNvPr id="4" name="Slide Number Placeholder 3"/>
+          <p:cNvSpPr>
+            <a:spLocks noGrp="1"/>
+          </p:cNvSpPr>
+          <p:nvPr>
+            <p:ph type="sldNum" sz="quarter" idx="10"/>
+          </p:nvPr>
+        </p:nvSpPr>
+        <p:spPr/>
+        <p:txBody>
+          <a:bodyPr/>
+          <a:lstStyle/>
+          <a:p>
+            <a:fld id="{7D8C2C35-2B8A-446E-BEC0-FD36716C29AC}" type="slidenum">
+              <a:rPr lang="de-DE" smtClean="0"/>
+              <a:pPr/>
+              <a:t>15</a:t>
+            </a:fld>
+            <a:endParaRPr lang="de-DE" dirty="0"/>
+          </a:p>
+        </p:txBody>
+      </p:sp>
+    </p:spTree>
+    <p:extLst>
+      <p:ext uri="{BB962C8B-B14F-4D97-AF65-F5344CB8AC3E}">
+        <p14:creationId xmlns:p14="http://schemas.microsoft.com/office/powerpoint/2010/main" val="1378082188"/>
+      </p:ext>
+    </p:extLst>
+  </p:cSld>
+  <p:clrMapOvr>
+    <a:masterClrMapping/>
+  </p:clrMapOvr>
+</p:notes>
+</file>
+
+<file path=ppt/notesSlides/notesSlide14.xml><?xml version="1.0" encoding="utf-8"?>
+<p:notes xmlns:a="http://schemas.openxmlformats.org/drawingml/2006/main" xmlns:r="http://schemas.openxmlformats.org/officeDocument/2006/relationships" xmlns:p="http://schemas.openxmlformats.org/presentationml/2006/main">
+  <p:cSld>
+    <p:spTree>
+      <p:nvGrpSpPr>
+        <p:cNvPr id="1" name=""/>
+        <p:cNvGrpSpPr/>
+        <p:nvPr/>
+      </p:nvGrpSpPr>
+      <p:grpSpPr>
+        <a:xfrm>
+          <a:off x="0" y="0"/>
+          <a:ext cx="0" cy="0"/>
+          <a:chOff x="0" y="0"/>
+          <a:chExt cx="0" cy="0"/>
+        </a:xfrm>
+      </p:grpSpPr>
+      <p:sp>
+        <p:nvSpPr>
+          <p:cNvPr id="2" name="Slide Image Placeholder 1"/>
+          <p:cNvSpPr>
+            <a:spLocks noGrp="1" noRot="1" noChangeAspect="1"/>
+          </p:cNvSpPr>
+          <p:nvPr>
+            <p:ph type="sldImg"/>
+          </p:nvPr>
+        </p:nvSpPr>
+        <p:spPr/>
+      </p:sp>
+      <p:sp>
+        <p:nvSpPr>
+          <p:cNvPr id="3" name="Notes Placeholder 2"/>
+          <p:cNvSpPr>
+            <a:spLocks noGrp="1"/>
+          </p:cNvSpPr>
+          <p:nvPr>
+            <p:ph type="body" idx="1"/>
+          </p:nvPr>
+        </p:nvSpPr>
+        <p:spPr/>
+        <p:txBody>
+          <a:bodyPr/>
+          <a:lstStyle/>
+          <a:p>
+            <a:r>
+              <a:rPr lang="en-US" dirty="0"/>
+              <a:t>A LoadBalancer is a single network endpoint with a unique IP which will be associated with a service. Incoming traffic to this IP on the service port will be forwarded through the NodePorts and the service to the pods matching the labels specified in the service description.</a:t>
+            </a:r>
+          </a:p>
+          <a:p>
+            <a:endParaRPr lang="en-US" dirty="0"/>
+          </a:p>
+        </p:txBody>
+      </p:sp>
+      <p:sp>
+        <p:nvSpPr>
+          <p:cNvPr id="4" name="Slide Number Placeholder 3"/>
+          <p:cNvSpPr>
+            <a:spLocks noGrp="1"/>
+          </p:cNvSpPr>
+          <p:nvPr>
+            <p:ph type="sldNum" sz="quarter" idx="10"/>
+          </p:nvPr>
+        </p:nvSpPr>
+        <p:spPr/>
+        <p:txBody>
+          <a:bodyPr/>
+          <a:lstStyle/>
+          <a:p>
+            <a:fld id="{7D8C2C35-2B8A-446E-BEC0-FD36716C29AC}" type="slidenum">
+              <a:rPr lang="de-DE" smtClean="0"/>
+              <a:pPr/>
+              <a:t>16</a:t>
+            </a:fld>
+            <a:endParaRPr lang="de-DE" dirty="0"/>
+          </a:p>
+        </p:txBody>
+      </p:sp>
+    </p:spTree>
+    <p:extLst>
+      <p:ext uri="{BB962C8B-B14F-4D97-AF65-F5344CB8AC3E}">
         <p14:creationId xmlns:p14="http://schemas.microsoft.com/office/powerpoint/2010/main" val="58219664"/>
       </p:ext>
     </p:extLst>
@@ -8633,7 +9584,7 @@
 </p:notes>
 </file>
 
-<file path=ppt/notesSlides/notesSlide12.xml><?xml version="1.0" encoding="utf-8"?>
+<file path=ppt/notesSlides/notesSlide15.xml><?xml version="1.0" encoding="utf-8"?>
 <p:notes xmlns:a="http://schemas.openxmlformats.org/drawingml/2006/main" xmlns:r="http://schemas.openxmlformats.org/officeDocument/2006/relationships" xmlns:p="http://schemas.openxmlformats.org/presentationml/2006/main">
   <p:cSld>
     <p:spTree>
@@ -8668,7 +9619,7 @@
             <a:fld id="{7D8C2C35-2B8A-446E-BEC0-FD36716C29AC}" type="slidenum">
               <a:rPr lang="de-DE" smtClean="0"/>
               <a:pPr/>
-              <a:t>15</a:t>
+              <a:t>18</a:t>
             </a:fld>
             <a:endParaRPr lang="de-DE" dirty="0"/>
           </a:p>
@@ -9438,62 +10389,6 @@
           <a:bodyPr/>
           <a:lstStyle/>
           <a:p>
-            <a:r>
-              <a:rPr lang="en-US" dirty="0"/>
-              <a:t>Demo:</a:t>
-            </a:r>
-            <a:r>
-              <a:rPr lang="en-US" baseline="0" dirty="0"/>
-              <a:t> get a pod + shell session with “</a:t>
-            </a:r>
-            <a:r>
-              <a:rPr lang="en-US" baseline="0" dirty="0" err="1"/>
-              <a:t>kubectl</a:t>
-            </a:r>
-            <a:r>
-              <a:rPr lang="en-US" baseline="0" dirty="0"/>
-              <a:t> run </a:t>
-            </a:r>
-            <a:r>
-              <a:rPr lang="en-US" baseline="0" dirty="0" err="1"/>
-              <a:t>dns</a:t>
-            </a:r>
-            <a:r>
-              <a:rPr lang="en-US" baseline="0" dirty="0"/>
-              <a:t>-test --</a:t>
-            </a:r>
-            <a:r>
-              <a:rPr lang="en-US" baseline="0" dirty="0" err="1"/>
-              <a:t>rm</a:t>
-            </a:r>
-            <a:r>
-              <a:rPr lang="en-US" baseline="0" dirty="0"/>
-              <a:t> -</a:t>
-            </a:r>
-            <a:r>
-              <a:rPr lang="en-US" baseline="0" dirty="0" err="1"/>
-              <a:t>ti</a:t>
-            </a:r>
-            <a:r>
-              <a:rPr lang="en-US" baseline="0" dirty="0"/>
-              <a:t> --image=</a:t>
-            </a:r>
-            <a:r>
-              <a:rPr lang="en-US" baseline="0" dirty="0" err="1"/>
-              <a:t>busybox</a:t>
-            </a:r>
-            <a:r>
-              <a:rPr lang="en-US" baseline="0" dirty="0"/>
-              <a:t> /bin/ash”; use the DNS name of a service to download an index.html (i.e. “</a:t>
-            </a:r>
-            <a:r>
-              <a:rPr lang="en-US" baseline="0" dirty="0" err="1"/>
-              <a:t>wget</a:t>
-            </a:r>
-            <a:r>
-              <a:rPr lang="en-US" baseline="0" dirty="0"/>
-              <a:t> nginx”)</a:t>
-            </a:r>
             <a:endParaRPr lang="en-US" dirty="0"/>
           </a:p>
         </p:txBody>
@@ -9579,25 +10474,401 @@
           <a:bodyPr/>
           <a:lstStyle/>
           <a:p>
-            <a:r>
-              <a:rPr lang="en-US" dirty="0"/>
-              <a:t>A </a:t>
-            </a:r>
-            <a:r>
-              <a:rPr lang="en-US" dirty="0" err="1"/>
-              <a:t>nodePort</a:t>
-            </a:r>
-            <a:r>
-              <a:rPr lang="en-US" dirty="0"/>
-              <a:t> is a port that is opened on every node of the cluster. It is associated with a service and any incoming traffic at this </a:t>
-            </a:r>
-            <a:r>
-              <a:rPr lang="en-US" dirty="0" err="1"/>
-              <a:t>nodePort</a:t>
-            </a:r>
-            <a:r>
-              <a:rPr lang="en-US" dirty="0"/>
-              <a:t> will be routed to the corresponding service. From there it will be forwarded to service’s pods, regardless on which node it they actually run.</a:t>
+            <a:pPr marL="285750" marR="0" lvl="0" indent="-285750" algn="l" defTabSz="1088776" rtl="0" eaLnBrk="1" fontAlgn="auto" latinLnBrk="0" hangingPunct="1">
+              <a:lnSpc>
+                <a:spcPct val="100000"/>
+              </a:lnSpc>
+              <a:spcBef>
+                <a:spcPts val="0"/>
+              </a:spcBef>
+              <a:spcAft>
+                <a:spcPts val="0"/>
+              </a:spcAft>
+              <a:buClrTx/>
+              <a:buSzTx/>
+              <a:buFontTx/>
+              <a:buChar char="-"/>
+              <a:tabLst/>
+              <a:defRPr/>
+            </a:pPr>
+            <a:r>
+              <a:rPr lang="en-US" baseline="0" dirty="0"/>
+              <a:t>If not yet present, create a deployment of an </a:t>
+            </a:r>
+            <a:r>
+              <a:rPr lang="en-US" baseline="0" dirty="0" err="1"/>
+              <a:t>nginx</a:t>
+            </a:r>
+            <a:r>
+              <a:rPr lang="en-US" baseline="0" dirty="0"/>
+              <a:t> webserver first (</a:t>
+            </a:r>
+            <a:r>
+              <a:rPr lang="en-US" baseline="0" dirty="0" err="1"/>
+              <a:t>kubectl</a:t>
+            </a:r>
+            <a:r>
+              <a:rPr lang="en-US" baseline="0" dirty="0"/>
+              <a:t> run </a:t>
+            </a:r>
+            <a:r>
+              <a:rPr lang="en-US" baseline="0" dirty="0" err="1"/>
+              <a:t>nginx</a:t>
+            </a:r>
+            <a:r>
+              <a:rPr lang="en-US" baseline="0" dirty="0"/>
+              <a:t>-demo --image=</a:t>
+            </a:r>
+            <a:r>
+              <a:rPr lang="en-US" baseline="0" dirty="0" err="1"/>
+              <a:t>nginx:mainline</a:t>
+            </a:r>
+            <a:r>
+              <a:rPr lang="en-US" baseline="0" dirty="0"/>
+              <a:t>)</a:t>
+            </a:r>
+          </a:p>
+          <a:p>
+            <a:pPr marL="285750" marR="0" lvl="0" indent="-285750" algn="l" defTabSz="1088776" rtl="0" eaLnBrk="1" fontAlgn="auto" latinLnBrk="0" hangingPunct="1">
+              <a:lnSpc>
+                <a:spcPct val="100000"/>
+              </a:lnSpc>
+              <a:spcBef>
+                <a:spcPts val="0"/>
+              </a:spcBef>
+              <a:spcAft>
+                <a:spcPts val="0"/>
+              </a:spcAft>
+              <a:buClrTx/>
+              <a:buSzTx/>
+              <a:buFontTx/>
+              <a:buChar char="-"/>
+              <a:tabLst/>
+              <a:defRPr/>
+            </a:pPr>
+            <a:r>
+              <a:rPr lang="en-US" baseline="0" dirty="0"/>
+              <a:t>Create a service</a:t>
+            </a:r>
+          </a:p>
+          <a:p>
+            <a:pPr marL="465750" marR="0" lvl="1" indent="-285750" algn="l" defTabSz="1088776" rtl="0" eaLnBrk="1" fontAlgn="auto" latinLnBrk="0" hangingPunct="1">
+              <a:lnSpc>
+                <a:spcPct val="100000"/>
+              </a:lnSpc>
+              <a:spcBef>
+                <a:spcPts val="0"/>
+              </a:spcBef>
+              <a:spcAft>
+                <a:spcPts val="0"/>
+              </a:spcAft>
+              <a:buClrTx/>
+              <a:buSzTx/>
+              <a:buFontTx/>
+              <a:buChar char="-"/>
+              <a:tabLst/>
+              <a:defRPr/>
+            </a:pPr>
+            <a:r>
+              <a:rPr lang="en-US" baseline="0" dirty="0"/>
+              <a:t>Use “expose” to create a service for your deployment (</a:t>
+            </a:r>
+            <a:r>
+              <a:rPr lang="en-US" baseline="0" dirty="0" err="1"/>
+              <a:t>kubectl</a:t>
+            </a:r>
+            <a:r>
+              <a:rPr lang="en-US" baseline="0" dirty="0"/>
+              <a:t> expose deployment &lt;name&gt; --port=80 --target-port=80 –type=</a:t>
+            </a:r>
+            <a:r>
+              <a:rPr lang="en-US" baseline="0" dirty="0" err="1"/>
+              <a:t>ClusterIP</a:t>
+            </a:r>
+            <a:r>
+              <a:rPr lang="en-US" baseline="0" dirty="0"/>
+              <a:t>)</a:t>
+            </a:r>
+          </a:p>
+          <a:p>
+            <a:pPr marL="465750" marR="0" lvl="1" indent="-285750" algn="l" defTabSz="1088776" rtl="0" eaLnBrk="1" fontAlgn="auto" latinLnBrk="0" hangingPunct="1">
+              <a:lnSpc>
+                <a:spcPct val="100000"/>
+              </a:lnSpc>
+              <a:spcBef>
+                <a:spcPts val="0"/>
+              </a:spcBef>
+              <a:spcAft>
+                <a:spcPts val="0"/>
+              </a:spcAft>
+              <a:buClrTx/>
+              <a:buSzTx/>
+              <a:buFontTx/>
+              <a:buChar char="-"/>
+              <a:tabLst/>
+              <a:defRPr/>
+            </a:pPr>
+            <a:r>
+              <a:rPr lang="en-US" baseline="0" dirty="0"/>
+              <a:t>Explain the command and the ports (port = service, target-port = pod)</a:t>
+            </a:r>
+          </a:p>
+          <a:p>
+            <a:pPr marL="465750" marR="0" lvl="1" indent="-285750" algn="l" defTabSz="1088776" rtl="0" eaLnBrk="1" fontAlgn="auto" latinLnBrk="0" hangingPunct="1">
+              <a:lnSpc>
+                <a:spcPct val="100000"/>
+              </a:lnSpc>
+              <a:spcBef>
+                <a:spcPts val="0"/>
+              </a:spcBef>
+              <a:spcAft>
+                <a:spcPts val="0"/>
+              </a:spcAft>
+              <a:buClrTx/>
+              <a:buSzTx/>
+              <a:buFontTx/>
+              <a:buChar char="-"/>
+              <a:tabLst/>
+              <a:defRPr/>
+            </a:pPr>
+            <a:r>
+              <a:rPr lang="en-US" baseline="0" dirty="0"/>
+              <a:t>Show the service with the </a:t>
+            </a:r>
+            <a:r>
+              <a:rPr lang="en-US" baseline="0" dirty="0" err="1"/>
+              <a:t>clusterIP</a:t>
+            </a:r>
+            <a:r>
+              <a:rPr lang="en-US" baseline="0" dirty="0"/>
+              <a:t> address and associated end points (use </a:t>
+            </a:r>
+            <a:r>
+              <a:rPr lang="en-US" baseline="0" dirty="0" err="1"/>
+              <a:t>kubectl</a:t>
+            </a:r>
+            <a:r>
+              <a:rPr lang="en-US" baseline="0" dirty="0"/>
+              <a:t> describe)</a:t>
+            </a:r>
+          </a:p>
+          <a:p>
+            <a:pPr marL="465750" marR="0" lvl="1" indent="-285750" algn="l" defTabSz="1088776" rtl="0" eaLnBrk="1" fontAlgn="auto" latinLnBrk="0" hangingPunct="1">
+              <a:lnSpc>
+                <a:spcPct val="100000"/>
+              </a:lnSpc>
+              <a:spcBef>
+                <a:spcPts val="0"/>
+              </a:spcBef>
+              <a:spcAft>
+                <a:spcPts val="0"/>
+              </a:spcAft>
+              <a:buClrTx/>
+              <a:buSzTx/>
+              <a:buFontTx/>
+              <a:buChar char="-"/>
+              <a:tabLst/>
+              <a:defRPr/>
+            </a:pPr>
+            <a:r>
+              <a:rPr lang="en-US" baseline="0" dirty="0"/>
+              <a:t>Scale the deployment up and show again the updated list of end points</a:t>
+            </a:r>
+          </a:p>
+          <a:p>
+            <a:pPr marL="285750" marR="0" lvl="0" indent="-285750" algn="l" defTabSz="1088776" rtl="0" eaLnBrk="1" fontAlgn="auto" latinLnBrk="0" hangingPunct="1">
+              <a:lnSpc>
+                <a:spcPct val="100000"/>
+              </a:lnSpc>
+              <a:spcBef>
+                <a:spcPts val="0"/>
+              </a:spcBef>
+              <a:spcAft>
+                <a:spcPts val="0"/>
+              </a:spcAft>
+              <a:buClrTx/>
+              <a:buSzTx/>
+              <a:buFontTx/>
+              <a:buChar char="-"/>
+              <a:tabLst/>
+              <a:defRPr/>
+            </a:pPr>
+            <a:endParaRPr lang="en-US" baseline="0" dirty="0"/>
+          </a:p>
+          <a:p>
+            <a:pPr marL="285750" marR="0" lvl="0" indent="-285750" algn="l" defTabSz="1088776" rtl="0" eaLnBrk="1" fontAlgn="auto" latinLnBrk="0" hangingPunct="1">
+              <a:lnSpc>
+                <a:spcPct val="100000"/>
+              </a:lnSpc>
+              <a:spcBef>
+                <a:spcPts val="0"/>
+              </a:spcBef>
+              <a:spcAft>
+                <a:spcPts val="0"/>
+              </a:spcAft>
+              <a:buClrTx/>
+              <a:buSzTx/>
+              <a:buFontTx/>
+              <a:buChar char="-"/>
+              <a:tabLst/>
+              <a:defRPr/>
+            </a:pPr>
+            <a:r>
+              <a:rPr lang="en-US" baseline="0" dirty="0"/>
+              <a:t>Spin up a </a:t>
+            </a:r>
+            <a:r>
+              <a:rPr lang="en-US" baseline="0" dirty="0" err="1"/>
+              <a:t>tmp</a:t>
+            </a:r>
+            <a:r>
+              <a:rPr lang="en-US" baseline="0" dirty="0"/>
+              <a:t> pod “</a:t>
+            </a:r>
+            <a:r>
+              <a:rPr lang="en-US" baseline="0" dirty="0" err="1"/>
+              <a:t>kubectl</a:t>
+            </a:r>
+            <a:r>
+              <a:rPr lang="en-US" baseline="0" dirty="0"/>
+              <a:t> run </a:t>
+            </a:r>
+            <a:r>
+              <a:rPr lang="en-US" baseline="0" dirty="0" err="1"/>
+              <a:t>dns</a:t>
+            </a:r>
+            <a:r>
+              <a:rPr lang="en-US" baseline="0" dirty="0"/>
+              <a:t>-test --</a:t>
+            </a:r>
+            <a:r>
+              <a:rPr lang="en-US" baseline="0" dirty="0" err="1"/>
+              <a:t>rm</a:t>
+            </a:r>
+            <a:r>
+              <a:rPr lang="en-US" baseline="0" dirty="0"/>
+              <a:t> -</a:t>
+            </a:r>
+            <a:r>
+              <a:rPr lang="en-US" baseline="0" dirty="0" err="1"/>
+              <a:t>ti</a:t>
+            </a:r>
+            <a:r>
+              <a:rPr lang="en-US" baseline="0" dirty="0"/>
+              <a:t> --restart=Never --image=alpine:3.8”</a:t>
+            </a:r>
+          </a:p>
+          <a:p>
+            <a:pPr marL="465750" marR="0" lvl="1" indent="-285750" algn="l" defTabSz="1088776" rtl="0" eaLnBrk="1" fontAlgn="auto" latinLnBrk="0" hangingPunct="1">
+              <a:lnSpc>
+                <a:spcPct val="100000"/>
+              </a:lnSpc>
+              <a:spcBef>
+                <a:spcPts val="0"/>
+              </a:spcBef>
+              <a:spcAft>
+                <a:spcPts val="0"/>
+              </a:spcAft>
+              <a:buClrTx/>
+              <a:buSzTx/>
+              <a:buFontTx/>
+              <a:buChar char="-"/>
+              <a:tabLst/>
+              <a:defRPr/>
+            </a:pPr>
+            <a:r>
+              <a:rPr lang="en-US" baseline="0" dirty="0"/>
+              <a:t>Do a “</a:t>
+            </a:r>
+            <a:r>
+              <a:rPr lang="en-US" baseline="0" dirty="0" err="1"/>
+              <a:t>nslookup</a:t>
+            </a:r>
+            <a:r>
+              <a:rPr lang="en-US" baseline="0" dirty="0"/>
+              <a:t> &lt;service name&gt;” and point to the the cluster DNS, every namespace is a subdomain</a:t>
+            </a:r>
+          </a:p>
+          <a:p>
+            <a:pPr marL="465750" marR="0" lvl="1" indent="-285750" algn="l" defTabSz="1088776" rtl="0" eaLnBrk="1" fontAlgn="auto" latinLnBrk="0" hangingPunct="1">
+              <a:lnSpc>
+                <a:spcPct val="100000"/>
+              </a:lnSpc>
+              <a:spcBef>
+                <a:spcPts val="0"/>
+              </a:spcBef>
+              <a:spcAft>
+                <a:spcPts val="0"/>
+              </a:spcAft>
+              <a:buClrTx/>
+              <a:buSzTx/>
+              <a:buFontTx/>
+              <a:buChar char="-"/>
+              <a:tabLst/>
+              <a:defRPr/>
+            </a:pPr>
+            <a:r>
+              <a:rPr lang="en-US" baseline="0" dirty="0"/>
+              <a:t>use the DNS name of a service to download an index.html (i.e. “</a:t>
+            </a:r>
+            <a:r>
+              <a:rPr lang="en-US" baseline="0" dirty="0" err="1"/>
+              <a:t>wget</a:t>
+            </a:r>
+            <a:r>
+              <a:rPr lang="en-US" baseline="0" dirty="0"/>
+              <a:t> </a:t>
+            </a:r>
+            <a:r>
+              <a:rPr lang="en-US" baseline="0" dirty="0" err="1"/>
+              <a:t>nginx</a:t>
+            </a:r>
+            <a:r>
+              <a:rPr lang="en-US" baseline="0" dirty="0"/>
+              <a:t>-demo”)</a:t>
+            </a:r>
+          </a:p>
+          <a:p>
+            <a:pPr marL="465750" marR="0" lvl="1" indent="-285750" algn="l" defTabSz="1088776" rtl="0" eaLnBrk="1" fontAlgn="auto" latinLnBrk="0" hangingPunct="1">
+              <a:lnSpc>
+                <a:spcPct val="100000"/>
+              </a:lnSpc>
+              <a:spcBef>
+                <a:spcPts val="0"/>
+              </a:spcBef>
+              <a:spcAft>
+                <a:spcPts val="0"/>
+              </a:spcAft>
+              <a:buClrTx/>
+              <a:buSzTx/>
+              <a:buFontTx/>
+              <a:buChar char="-"/>
+              <a:tabLst/>
+              <a:defRPr/>
+            </a:pPr>
+            <a:endParaRPr lang="en-US" baseline="0" dirty="0"/>
+          </a:p>
+          <a:p>
+            <a:pPr marL="0" marR="0" lvl="0" indent="0" algn="l" defTabSz="1088776" rtl="0" eaLnBrk="1" fontAlgn="auto" latinLnBrk="0" hangingPunct="1">
+              <a:lnSpc>
+                <a:spcPct val="100000"/>
+              </a:lnSpc>
+              <a:spcBef>
+                <a:spcPts val="0"/>
+              </a:spcBef>
+              <a:spcAft>
+                <a:spcPts val="0"/>
+              </a:spcAft>
+              <a:buClrTx/>
+              <a:buSzTx/>
+              <a:buFontTx/>
+              <a:buNone/>
+              <a:tabLst/>
+              <a:defRPr/>
+            </a:pPr>
+            <a:r>
+              <a:rPr lang="en-US" baseline="0" dirty="0"/>
+              <a:t>Finally, delete the service</a:t>
             </a:r>
           </a:p>
         </p:txBody>
@@ -9629,7 +10900,7 @@
     </p:spTree>
     <p:extLst>
       <p:ext uri="{BB962C8B-B14F-4D97-AF65-F5344CB8AC3E}">
-        <p14:creationId xmlns:p14="http://schemas.microsoft.com/office/powerpoint/2010/main" val="589324095"/>
+        <p14:creationId xmlns:p14="http://schemas.microsoft.com/office/powerpoint/2010/main" val="3617226368"/>
       </p:ext>
     </p:extLst>
   </p:cSld>
@@ -19116,6 +20387,88 @@
       </p:grpSpPr>
       <p:sp>
         <p:nvSpPr>
+          <p:cNvPr id="3" name="Title 2"/>
+          <p:cNvSpPr>
+            <a:spLocks noGrp="1"/>
+          </p:cNvSpPr>
+          <p:nvPr>
+            <p:ph type="title"/>
+          </p:nvPr>
+        </p:nvSpPr>
+        <p:spPr/>
+        <p:txBody>
+          <a:bodyPr/>
+          <a:lstStyle/>
+          <a:p>
+            <a:r>
+              <a:rPr lang="en-US" dirty="0"/>
+              <a:t>Demo</a:t>
+            </a:r>
+          </a:p>
+        </p:txBody>
+      </p:sp>
+      <p:pic>
+        <p:nvPicPr>
+          <p:cNvPr id="4" name="Picture 3">
+            <a:extLst>
+              <a:ext uri="{FF2B5EF4-FFF2-40B4-BE49-F238E27FC236}">
+                <a16:creationId xmlns:a16="http://schemas.microsoft.com/office/drawing/2014/main" id="{667C7630-D1BA-44ED-BD0C-E0F24DE56B91}"/>
+              </a:ext>
+            </a:extLst>
+          </p:cNvPr>
+          <p:cNvPicPr>
+            <a:picLocks noChangeAspect="1"/>
+          </p:cNvPicPr>
+          <p:nvPr/>
+        </p:nvPicPr>
+        <p:blipFill>
+          <a:blip r:embed="rId3"/>
+          <a:stretch>
+            <a:fillRect/>
+          </a:stretch>
+        </p:blipFill>
+        <p:spPr>
+          <a:xfrm>
+            <a:off x="3849419" y="1181180"/>
+            <a:ext cx="4495640" cy="4495640"/>
+          </a:xfrm>
+          <a:prstGeom prst="rect">
+            <a:avLst/>
+          </a:prstGeom>
+        </p:spPr>
+      </p:pic>
+    </p:spTree>
+    <p:extLst>
+      <p:ext uri="{BB962C8B-B14F-4D97-AF65-F5344CB8AC3E}">
+        <p14:creationId xmlns:p14="http://schemas.microsoft.com/office/powerpoint/2010/main" val="1236872799"/>
+      </p:ext>
+    </p:extLst>
+  </p:cSld>
+  <p:clrMapOvr>
+    <a:masterClrMapping/>
+  </p:clrMapOvr>
+</p:sld>
+</file>
+
+<file path=ppt/slides/slide12.xml><?xml version="1.0" encoding="utf-8"?>
+<p:sld xmlns:a="http://schemas.openxmlformats.org/drawingml/2006/main" xmlns:r="http://schemas.openxmlformats.org/officeDocument/2006/relationships" xmlns:p="http://schemas.openxmlformats.org/presentationml/2006/main">
+  <p:cSld>
+    <p:spTree>
+      <p:nvGrpSpPr>
+        <p:cNvPr id="1" name=""/>
+        <p:cNvGrpSpPr/>
+        <p:nvPr/>
+      </p:nvGrpSpPr>
+      <p:grpSpPr>
+        <a:xfrm>
+          <a:off x="0" y="0"/>
+          <a:ext cx="0" cy="0"/>
+          <a:chOff x="0" y="0"/>
+          <a:chExt cx="0" cy="0"/>
+        </a:xfrm>
+      </p:grpSpPr>
+      <p:sp>
+        <p:nvSpPr>
           <p:cNvPr id="21" name="Rectangle 20"/>
           <p:cNvSpPr/>
           <p:nvPr/>
@@ -20618,7 +21971,89 @@
 </p:sld>
 </file>
 
-<file path=ppt/slides/slide12.xml><?xml version="1.0" encoding="utf-8"?>
+<file path=ppt/slides/slide13.xml><?xml version="1.0" encoding="utf-8"?>
+<p:sld xmlns:a="http://schemas.openxmlformats.org/drawingml/2006/main" xmlns:r="http://schemas.openxmlformats.org/officeDocument/2006/relationships" xmlns:p="http://schemas.openxmlformats.org/presentationml/2006/main">
+  <p:cSld>
+    <p:spTree>
+      <p:nvGrpSpPr>
+        <p:cNvPr id="1" name=""/>
+        <p:cNvGrpSpPr/>
+        <p:nvPr/>
+      </p:nvGrpSpPr>
+      <p:grpSpPr>
+        <a:xfrm>
+          <a:off x="0" y="0"/>
+          <a:ext cx="0" cy="0"/>
+          <a:chOff x="0" y="0"/>
+          <a:chExt cx="0" cy="0"/>
+        </a:xfrm>
+      </p:grpSpPr>
+      <p:sp>
+        <p:nvSpPr>
+          <p:cNvPr id="3" name="Title 2"/>
+          <p:cNvSpPr>
+            <a:spLocks noGrp="1"/>
+          </p:cNvSpPr>
+          <p:nvPr>
+            <p:ph type="title"/>
+          </p:nvPr>
+        </p:nvSpPr>
+        <p:spPr/>
+        <p:txBody>
+          <a:bodyPr/>
+          <a:lstStyle/>
+          <a:p>
+            <a:r>
+              <a:rPr lang="en-US" dirty="0"/>
+              <a:t>Demo</a:t>
+            </a:r>
+          </a:p>
+        </p:txBody>
+      </p:sp>
+      <p:pic>
+        <p:nvPicPr>
+          <p:cNvPr id="4" name="Picture 3">
+            <a:extLst>
+              <a:ext uri="{FF2B5EF4-FFF2-40B4-BE49-F238E27FC236}">
+                <a16:creationId xmlns:a16="http://schemas.microsoft.com/office/drawing/2014/main" id="{667C7630-D1BA-44ED-BD0C-E0F24DE56B91}"/>
+              </a:ext>
+            </a:extLst>
+          </p:cNvPr>
+          <p:cNvPicPr>
+            <a:picLocks noChangeAspect="1"/>
+          </p:cNvPicPr>
+          <p:nvPr/>
+        </p:nvPicPr>
+        <p:blipFill>
+          <a:blip r:embed="rId3"/>
+          <a:stretch>
+            <a:fillRect/>
+          </a:stretch>
+        </p:blipFill>
+        <p:spPr>
+          <a:xfrm>
+            <a:off x="3849419" y="1181180"/>
+            <a:ext cx="4495640" cy="4495640"/>
+          </a:xfrm>
+          <a:prstGeom prst="rect">
+            <a:avLst/>
+          </a:prstGeom>
+        </p:spPr>
+      </p:pic>
+    </p:spTree>
+    <p:extLst>
+      <p:ext uri="{BB962C8B-B14F-4D97-AF65-F5344CB8AC3E}">
+        <p14:creationId xmlns:p14="http://schemas.microsoft.com/office/powerpoint/2010/main" val="3012707076"/>
+      </p:ext>
+    </p:extLst>
+  </p:cSld>
+  <p:clrMapOvr>
+    <a:masterClrMapping/>
+  </p:clrMapOvr>
+</p:sld>
+</file>
+
+<file path=ppt/slides/slide14.xml><?xml version="1.0" encoding="utf-8"?>
 <p:sld xmlns:a="http://schemas.openxmlformats.org/drawingml/2006/main" xmlns:r="http://schemas.openxmlformats.org/officeDocument/2006/relationships" xmlns:p="http://schemas.openxmlformats.org/presentationml/2006/main">
   <p:cSld>
     <p:spTree>
@@ -22435,7 +23870,89 @@
 </p:sld>
 </file>
 
-<file path=ppt/slides/slide13.xml><?xml version="1.0" encoding="utf-8"?>
+<file path=ppt/slides/slide15.xml><?xml version="1.0" encoding="utf-8"?>
+<p:sld xmlns:a="http://schemas.openxmlformats.org/drawingml/2006/main" xmlns:r="http://schemas.openxmlformats.org/officeDocument/2006/relationships" xmlns:p="http://schemas.openxmlformats.org/presentationml/2006/main">
+  <p:cSld>
+    <p:spTree>
+      <p:nvGrpSpPr>
+        <p:cNvPr id="1" name=""/>
+        <p:cNvGrpSpPr/>
+        <p:nvPr/>
+      </p:nvGrpSpPr>
+      <p:grpSpPr>
+        <a:xfrm>
+          <a:off x="0" y="0"/>
+          <a:ext cx="0" cy="0"/>
+          <a:chOff x="0" y="0"/>
+          <a:chExt cx="0" cy="0"/>
+        </a:xfrm>
+      </p:grpSpPr>
+      <p:sp>
+        <p:nvSpPr>
+          <p:cNvPr id="3" name="Title 2"/>
+          <p:cNvSpPr>
+            <a:spLocks noGrp="1"/>
+          </p:cNvSpPr>
+          <p:nvPr>
+            <p:ph type="title"/>
+          </p:nvPr>
+        </p:nvSpPr>
+        <p:spPr/>
+        <p:txBody>
+          <a:bodyPr/>
+          <a:lstStyle/>
+          <a:p>
+            <a:r>
+              <a:rPr lang="en-US" dirty="0"/>
+              <a:t>Demo</a:t>
+            </a:r>
+          </a:p>
+        </p:txBody>
+      </p:sp>
+      <p:pic>
+        <p:nvPicPr>
+          <p:cNvPr id="4" name="Picture 3">
+            <a:extLst>
+              <a:ext uri="{FF2B5EF4-FFF2-40B4-BE49-F238E27FC236}">
+                <a16:creationId xmlns:a16="http://schemas.microsoft.com/office/drawing/2014/main" id="{667C7630-D1BA-44ED-BD0C-E0F24DE56B91}"/>
+              </a:ext>
+            </a:extLst>
+          </p:cNvPr>
+          <p:cNvPicPr>
+            <a:picLocks noChangeAspect="1"/>
+          </p:cNvPicPr>
+          <p:nvPr/>
+        </p:nvPicPr>
+        <p:blipFill>
+          <a:blip r:embed="rId3"/>
+          <a:stretch>
+            <a:fillRect/>
+          </a:stretch>
+        </p:blipFill>
+        <p:spPr>
+          <a:xfrm>
+            <a:off x="3849419" y="1181180"/>
+            <a:ext cx="4495640" cy="4495640"/>
+          </a:xfrm>
+          <a:prstGeom prst="rect">
+            <a:avLst/>
+          </a:prstGeom>
+        </p:spPr>
+      </p:pic>
+    </p:spTree>
+    <p:extLst>
+      <p:ext uri="{BB962C8B-B14F-4D97-AF65-F5344CB8AC3E}">
+        <p14:creationId xmlns:p14="http://schemas.microsoft.com/office/powerpoint/2010/main" val="3404926670"/>
+      </p:ext>
+    </p:extLst>
+  </p:cSld>
+  <p:clrMapOvr>
+    <a:masterClrMapping/>
+  </p:clrMapOvr>
+</p:sld>
+</file>
+
+<file path=ppt/slides/slide16.xml><?xml version="1.0" encoding="utf-8"?>
 <p:sld xmlns:a="http://schemas.openxmlformats.org/drawingml/2006/main" xmlns:r="http://schemas.openxmlformats.org/officeDocument/2006/relationships" xmlns:p="http://schemas.openxmlformats.org/presentationml/2006/main">
   <p:cSld>
     <p:spTree>
@@ -24103,7 +25620,7 @@
 </p:sld>
 </file>
 
-<file path=ppt/slides/slide14.xml><?xml version="1.0" encoding="utf-8"?>
+<file path=ppt/slides/slide17.xml><?xml version="1.0" encoding="utf-8"?>
 <p:sld xmlns:a="http://schemas.openxmlformats.org/drawingml/2006/main" xmlns:r="http://schemas.openxmlformats.org/officeDocument/2006/relationships" xmlns:p="http://schemas.openxmlformats.org/presentationml/2006/main">
   <p:cSld>
     <p:spTree>
@@ -24137,7 +25654,7 @@
           <a:p>
             <a:r>
               <a:rPr lang="en-US" dirty="0"/>
-              <a:t>What YOU will do during the next exercise…</a:t>
+              <a:t>What YOU will do in exercise #04</a:t>
             </a:r>
           </a:p>
         </p:txBody>
@@ -24951,7 +26468,7 @@
 </p:sld>
 </file>
 
-<file path=ppt/slides/slide15.xml><?xml version="1.0" encoding="utf-8"?>
+<file path=ppt/slides/slide18.xml><?xml version="1.0" encoding="utf-8"?>
 <p:sld xmlns:a="http://schemas.openxmlformats.org/drawingml/2006/main" xmlns:r="http://schemas.openxmlformats.org/officeDocument/2006/relationships" xmlns:p="http://schemas.openxmlformats.org/presentationml/2006/main" show="0">
   <p:cSld>
     <p:spTree>

--- a/kubernetes/04_networking_services.pptx
+++ b/kubernetes/04_networking_services.pptx
@@ -9603,6 +9603,91 @@
       </p:grpSpPr>
       <p:sp>
         <p:nvSpPr>
+          <p:cNvPr id="2" name="Slide Image Placeholder 1"/>
+          <p:cNvSpPr>
+            <a:spLocks noGrp="1" noRot="1" noChangeAspect="1"/>
+          </p:cNvSpPr>
+          <p:nvPr>
+            <p:ph type="sldImg"/>
+          </p:nvPr>
+        </p:nvSpPr>
+        <p:spPr/>
+      </p:sp>
+      <p:sp>
+        <p:nvSpPr>
+          <p:cNvPr id="3" name="Notes Placeholder 2"/>
+          <p:cNvSpPr>
+            <a:spLocks noGrp="1"/>
+          </p:cNvSpPr>
+          <p:nvPr>
+            <p:ph type="body" idx="1"/>
+          </p:nvPr>
+        </p:nvSpPr>
+        <p:spPr/>
+        <p:txBody>
+          <a:bodyPr/>
+          <a:lstStyle/>
+          <a:p>
+            <a:endParaRPr lang="de-DE" dirty="0"/>
+          </a:p>
+        </p:txBody>
+      </p:sp>
+      <p:sp>
+        <p:nvSpPr>
+          <p:cNvPr id="4" name="Slide Number Placeholder 3"/>
+          <p:cNvSpPr>
+            <a:spLocks noGrp="1"/>
+          </p:cNvSpPr>
+          <p:nvPr>
+            <p:ph type="sldNum" sz="quarter" idx="10"/>
+          </p:nvPr>
+        </p:nvSpPr>
+        <p:spPr/>
+        <p:txBody>
+          <a:bodyPr/>
+          <a:lstStyle/>
+          <a:p>
+            <a:fld id="{7D8C2C35-2B8A-446E-BEC0-FD36716C29AC}" type="slidenum">
+              <a:rPr lang="de-DE" smtClean="0"/>
+              <a:pPr/>
+              <a:t>17</a:t>
+            </a:fld>
+            <a:endParaRPr lang="de-DE" dirty="0"/>
+          </a:p>
+        </p:txBody>
+      </p:sp>
+    </p:spTree>
+    <p:extLst>
+      <p:ext uri="{BB962C8B-B14F-4D97-AF65-F5344CB8AC3E}">
+        <p14:creationId xmlns:p14="http://schemas.microsoft.com/office/powerpoint/2010/main" val="3704696196"/>
+      </p:ext>
+    </p:extLst>
+  </p:cSld>
+  <p:clrMapOvr>
+    <a:masterClrMapping/>
+  </p:clrMapOvr>
+</p:notes>
+</file>
+
+<file path=ppt/notesSlides/notesSlide16.xml><?xml version="1.0" encoding="utf-8"?>
+<p:notes xmlns:a="http://schemas.openxmlformats.org/drawingml/2006/main" xmlns:r="http://schemas.openxmlformats.org/officeDocument/2006/relationships" xmlns:p="http://schemas.openxmlformats.org/presentationml/2006/main">
+  <p:cSld>
+    <p:spTree>
+      <p:nvGrpSpPr>
+        <p:cNvPr id="1" name=""/>
+        <p:cNvGrpSpPr/>
+        <p:nvPr/>
+      </p:nvGrpSpPr>
+      <p:grpSpPr>
+        <a:xfrm>
+          <a:off x="0" y="0"/>
+          <a:ext cx="0" cy="0"/>
+          <a:chOff x="0" y="0"/>
+          <a:chExt cx="0" cy="0"/>
+        </a:xfrm>
+      </p:grpSpPr>
+      <p:sp>
+        <p:nvSpPr>
           <p:cNvPr id="4" name="Slide Number Placeholder 3"/>
           <p:cNvSpPr>
             <a:spLocks noGrp="1"/>
@@ -10297,7 +10382,7 @@
           <a:p>
             <a:r>
               <a:rPr lang="en-US" dirty="0"/>
-              <a:t>K8s offers to give a (DNS) name to any port on container &amp; service level. The DNS name is available cluster internally only, as the cluster DNS usually does not connect with an external DNS server.</a:t>
+              <a:t>K8s offers to give a (DNS compatible) name to any port on container &amp; service level. The DNS name is available cluster internally only, as the cluster DNS usually does not connect with an external DNS server.</a:t>
             </a:r>
           </a:p>
           <a:p>
@@ -28968,8 +29053,8 @@
           </p:nvSpPr>
           <p:spPr bwMode="gray">
             <a:xfrm>
-              <a:off x="9575331" y="5386537"/>
-              <a:ext cx="1073656" cy="428584"/>
+              <a:off x="9540077" y="5166421"/>
+              <a:ext cx="1108910" cy="648700"/>
             </a:xfrm>
             <a:prstGeom prst="rect">
               <a:avLst/>
@@ -29018,7 +29103,7 @@
                   <a:ea typeface="Arial Unicode MS" pitchFamily="34" charset="-128"/>
                   <a:cs typeface="Arial Unicode MS" pitchFamily="34" charset="-128"/>
                 </a:rPr>
-                <a:t>Port: 80</a:t>
+                <a:t>Port: 8080</a:t>
               </a:r>
               <a:endParaRPr kumimoji="0" lang="de-DE" sz="1800" b="0" i="0" u="none" strike="noStrike" kern="0" cap="none" spc="0" normalizeH="0" baseline="0" noProof="0" dirty="0">
                 <a:ln>
@@ -29316,7 +29401,7 @@
                 </a:solidFill>
                 <a:ea typeface="Arial Unicode MS" pitchFamily="34" charset="-128"/>
               </a:rPr>
-              <a:t>Port: 80</a:t>
+              <a:t>Port: 8080</a:t>
             </a:r>
           </a:p>
         </p:txBody>

--- a/kubernetes/04_networking_services.pptx
+++ b/kubernetes/04_networking_services.pptx
@@ -28229,34 +28229,6 @@
       </p:grpSpPr>
       <p:sp>
         <p:nvSpPr>
-          <p:cNvPr id="2" name="Title 1">
-            <a:extLst>
-              <a:ext uri="{FF2B5EF4-FFF2-40B4-BE49-F238E27FC236}">
-                <a16:creationId xmlns:a16="http://schemas.microsoft.com/office/drawing/2014/main" id="{C2226B02-D33A-4A27-A7EF-DEFABA68D66B}"/>
-              </a:ext>
-            </a:extLst>
-          </p:cNvPr>
-          <p:cNvSpPr>
-            <a:spLocks noGrp="1"/>
-          </p:cNvSpPr>
-          <p:nvPr>
-            <p:ph type="title"/>
-          </p:nvPr>
-        </p:nvSpPr>
-        <p:spPr/>
-        <p:txBody>
-          <a:bodyPr/>
-          <a:lstStyle/>
-          <a:p>
-            <a:r>
-              <a:rPr lang="en-US" dirty="0"/>
-              <a:t>Labels &amp; Named Ports</a:t>
-            </a:r>
-          </a:p>
-        </p:txBody>
-      </p:sp>
-      <p:sp>
-        <p:nvSpPr>
           <p:cNvPr id="7" name="Rectangle: Single Corner Snipped 6">
             <a:extLst>
               <a:ext uri="{FF2B5EF4-FFF2-40B4-BE49-F238E27FC236}">
@@ -28394,7 +28366,7 @@
                 <a:ea typeface="Arial Unicode MS" pitchFamily="34" charset="-128"/>
                 <a:cs typeface="Arial Unicode MS" pitchFamily="34" charset="-128"/>
               </a:rPr>
-              <a:t>80</a:t>
+              <a:t>8080</a:t>
             </a:r>
           </a:p>
           <a:p>
@@ -28428,6 +28400,199 @@
                 <a:cs typeface="Arial Unicode MS" pitchFamily="34" charset="-128"/>
               </a:rPr>
               <a:t>Port: 80</a:t>
+            </a:r>
+          </a:p>
+        </p:txBody>
+      </p:sp>
+      <p:sp>
+        <p:nvSpPr>
+          <p:cNvPr id="27" name="Rectangle: Single Corner Snipped 26">
+            <a:extLst>
+              <a:ext uri="{FF2B5EF4-FFF2-40B4-BE49-F238E27FC236}">
+                <a16:creationId xmlns:a16="http://schemas.microsoft.com/office/drawing/2014/main" id="{C001CD37-F670-4E91-8ED5-09EA7CCBF5C4}"/>
+              </a:ext>
+            </a:extLst>
+          </p:cNvPr>
+          <p:cNvSpPr/>
+          <p:nvPr/>
+        </p:nvSpPr>
+        <p:spPr bwMode="gray">
+          <a:xfrm>
+            <a:off x="4776946" y="4013188"/>
+            <a:ext cx="2474332" cy="2346559"/>
+          </a:xfrm>
+          <a:prstGeom prst="snip1Rect">
+            <a:avLst/>
+          </a:prstGeom>
+          <a:solidFill>
+            <a:schemeClr val="accent1">
+              <a:lumMod val="40000"/>
+              <a:lumOff val="60000"/>
+            </a:schemeClr>
+          </a:solidFill>
+          <a:ln>
+            <a:headEnd/>
+            <a:tailEnd/>
+          </a:ln>
+        </p:spPr>
+        <p:style>
+          <a:lnRef idx="2">
+            <a:schemeClr val="accent2"/>
+          </a:lnRef>
+          <a:fillRef idx="1">
+            <a:schemeClr val="lt1"/>
+          </a:fillRef>
+          <a:effectRef idx="0">
+            <a:schemeClr val="accent2"/>
+          </a:effectRef>
+          <a:fontRef idx="minor">
+            <a:schemeClr val="dk1"/>
+          </a:fontRef>
+        </p:style>
+        <p:txBody>
+          <a:bodyPr lIns="90000" tIns="72000" rIns="90000" bIns="72000" rtlCol="0" anchor="ctr"/>
+          <a:lstStyle/>
+          <a:p>
+            <a:pPr algn="ctr" defTabSz="914400" fontAlgn="base">
+              <a:spcBef>
+                <a:spcPct val="50000"/>
+              </a:spcBef>
+              <a:spcAft>
+                <a:spcPct val="0"/>
+              </a:spcAft>
+              <a:buClr>
+                <a:srgbClr val="F0AB00"/>
+              </a:buClr>
+              <a:buSzPct val="80000"/>
+            </a:pPr>
+            <a:r>
+              <a:rPr lang="en-US" sz="1800" kern="0" dirty="0">
+                <a:solidFill>
+                  <a:schemeClr val="dk1"/>
+                </a:solidFill>
+                <a:ea typeface="Arial Unicode MS" pitchFamily="34" charset="-128"/>
+              </a:rPr>
+              <a:t>Service</a:t>
+            </a:r>
+          </a:p>
+          <a:p>
+            <a:pPr algn="ctr" defTabSz="914400" fontAlgn="base">
+              <a:spcBef>
+                <a:spcPct val="50000"/>
+              </a:spcBef>
+              <a:spcAft>
+                <a:spcPct val="0"/>
+              </a:spcAft>
+              <a:buClr>
+                <a:srgbClr val="F0AB00"/>
+              </a:buClr>
+              <a:buSzPct val="80000"/>
+            </a:pPr>
+            <a:r>
+              <a:rPr lang="en-US" sz="1800" kern="0" dirty="0">
+                <a:solidFill>
+                  <a:schemeClr val="dk1"/>
+                </a:solidFill>
+                <a:ea typeface="Arial Unicode MS" pitchFamily="34" charset="-128"/>
+              </a:rPr>
+              <a:t>Label: app= nginx</a:t>
+            </a:r>
+          </a:p>
+          <a:p>
+            <a:pPr algn="ctr" defTabSz="914400" fontAlgn="base">
+              <a:spcBef>
+                <a:spcPct val="50000"/>
+              </a:spcBef>
+              <a:spcAft>
+                <a:spcPct val="0"/>
+              </a:spcAft>
+              <a:buClr>
+                <a:srgbClr val="F0AB00"/>
+              </a:buClr>
+              <a:buSzPct val="80000"/>
+            </a:pPr>
+            <a:r>
+              <a:rPr lang="en-US" sz="1800" kern="0" dirty="0">
+                <a:solidFill>
+                  <a:schemeClr val="dk1"/>
+                </a:solidFill>
+                <a:ea typeface="Arial Unicode MS" pitchFamily="34" charset="-128"/>
+              </a:rPr>
+              <a:t>Name: nginx-http</a:t>
+            </a:r>
+          </a:p>
+          <a:p>
+            <a:pPr algn="ctr" defTabSz="914400" fontAlgn="base">
+              <a:spcBef>
+                <a:spcPct val="50000"/>
+              </a:spcBef>
+              <a:spcAft>
+                <a:spcPct val="0"/>
+              </a:spcAft>
+              <a:buClr>
+                <a:srgbClr val="F0AB00"/>
+              </a:buClr>
+              <a:buSzPct val="80000"/>
+            </a:pPr>
+            <a:r>
+              <a:rPr lang="en-US" sz="1800" kern="0" dirty="0">
+                <a:solidFill>
+                  <a:schemeClr val="dk1"/>
+                </a:solidFill>
+                <a:ea typeface="Arial Unicode MS" pitchFamily="34" charset="-128"/>
+              </a:rPr>
+              <a:t>TargetPort: http</a:t>
+            </a:r>
+          </a:p>
+          <a:p>
+            <a:pPr algn="ctr" defTabSz="914400" fontAlgn="base">
+              <a:spcBef>
+                <a:spcPct val="50000"/>
+              </a:spcBef>
+              <a:spcAft>
+                <a:spcPct val="0"/>
+              </a:spcAft>
+              <a:buClr>
+                <a:srgbClr val="F0AB00"/>
+              </a:buClr>
+              <a:buSzPct val="80000"/>
+            </a:pPr>
+            <a:r>
+              <a:rPr lang="en-US" sz="1800" kern="0" dirty="0">
+                <a:solidFill>
+                  <a:schemeClr val="dk1"/>
+                </a:solidFill>
+                <a:ea typeface="Arial Unicode MS" pitchFamily="34" charset="-128"/>
+              </a:rPr>
+              <a:t>Port: 80</a:t>
+            </a:r>
+          </a:p>
+        </p:txBody>
+      </p:sp>
+      <p:sp>
+        <p:nvSpPr>
+          <p:cNvPr id="2" name="Title 1">
+            <a:extLst>
+              <a:ext uri="{FF2B5EF4-FFF2-40B4-BE49-F238E27FC236}">
+                <a16:creationId xmlns:a16="http://schemas.microsoft.com/office/drawing/2014/main" id="{C2226B02-D33A-4A27-A7EF-DEFABA68D66B}"/>
+              </a:ext>
+            </a:extLst>
+          </p:cNvPr>
+          <p:cNvSpPr>
+            <a:spLocks noGrp="1"/>
+          </p:cNvSpPr>
+          <p:nvPr>
+            <p:ph type="title"/>
+          </p:nvPr>
+        </p:nvSpPr>
+        <p:spPr/>
+        <p:txBody>
+          <a:bodyPr/>
+          <a:lstStyle/>
+          <a:p>
+            <a:r>
+              <a:rPr lang="en-US" dirty="0"/>
+              <a:t>Labels &amp; Named Ports</a:t>
             </a:r>
           </a:p>
         </p:txBody>
@@ -29241,171 +29406,6 @@
           </a:fontRef>
         </p:style>
       </p:cxnSp>
-      <p:sp>
-        <p:nvSpPr>
-          <p:cNvPr id="27" name="Rectangle: Single Corner Snipped 26">
-            <a:extLst>
-              <a:ext uri="{FF2B5EF4-FFF2-40B4-BE49-F238E27FC236}">
-                <a16:creationId xmlns:a16="http://schemas.microsoft.com/office/drawing/2014/main" id="{C001CD37-F670-4E91-8ED5-09EA7CCBF5C4}"/>
-              </a:ext>
-            </a:extLst>
-          </p:cNvPr>
-          <p:cNvSpPr/>
-          <p:nvPr/>
-        </p:nvSpPr>
-        <p:spPr bwMode="gray">
-          <a:xfrm>
-            <a:off x="4776946" y="4013188"/>
-            <a:ext cx="2474332" cy="2346559"/>
-          </a:xfrm>
-          <a:prstGeom prst="snip1Rect">
-            <a:avLst/>
-          </a:prstGeom>
-          <a:solidFill>
-            <a:schemeClr val="accent1">
-              <a:lumMod val="40000"/>
-              <a:lumOff val="60000"/>
-            </a:schemeClr>
-          </a:solidFill>
-          <a:ln>
-            <a:headEnd/>
-            <a:tailEnd/>
-          </a:ln>
-        </p:spPr>
-        <p:style>
-          <a:lnRef idx="2">
-            <a:schemeClr val="accent2"/>
-          </a:lnRef>
-          <a:fillRef idx="1">
-            <a:schemeClr val="lt1"/>
-          </a:fillRef>
-          <a:effectRef idx="0">
-            <a:schemeClr val="accent2"/>
-          </a:effectRef>
-          <a:fontRef idx="minor">
-            <a:schemeClr val="dk1"/>
-          </a:fontRef>
-        </p:style>
-        <p:txBody>
-          <a:bodyPr lIns="90000" tIns="72000" rIns="90000" bIns="72000" rtlCol="0" anchor="ctr"/>
-          <a:lstStyle/>
-          <a:p>
-            <a:pPr algn="ctr" defTabSz="914400" fontAlgn="base">
-              <a:spcBef>
-                <a:spcPct val="50000"/>
-              </a:spcBef>
-              <a:spcAft>
-                <a:spcPct val="0"/>
-              </a:spcAft>
-              <a:buClr>
-                <a:srgbClr val="F0AB00"/>
-              </a:buClr>
-              <a:buSzPct val="80000"/>
-            </a:pPr>
-            <a:r>
-              <a:rPr lang="en-US" sz="1800" kern="0" dirty="0">
-                <a:solidFill>
-                  <a:schemeClr val="dk1"/>
-                </a:solidFill>
-                <a:ea typeface="Arial Unicode MS" pitchFamily="34" charset="-128"/>
-              </a:rPr>
-              <a:t>Service</a:t>
-            </a:r>
-          </a:p>
-          <a:p>
-            <a:pPr algn="ctr" defTabSz="914400" fontAlgn="base">
-              <a:spcBef>
-                <a:spcPct val="50000"/>
-              </a:spcBef>
-              <a:spcAft>
-                <a:spcPct val="0"/>
-              </a:spcAft>
-              <a:buClr>
-                <a:srgbClr val="F0AB00"/>
-              </a:buClr>
-              <a:buSzPct val="80000"/>
-            </a:pPr>
-            <a:r>
-              <a:rPr lang="en-US" sz="1800" kern="0" dirty="0">
-                <a:solidFill>
-                  <a:schemeClr val="dk1"/>
-                </a:solidFill>
-                <a:ea typeface="Arial Unicode MS" pitchFamily="34" charset="-128"/>
-              </a:rPr>
-              <a:t>Label: app= nginx</a:t>
-            </a:r>
-          </a:p>
-          <a:p>
-            <a:pPr algn="ctr" defTabSz="914400" fontAlgn="base">
-              <a:spcBef>
-                <a:spcPct val="50000"/>
-              </a:spcBef>
-              <a:spcAft>
-                <a:spcPct val="0"/>
-              </a:spcAft>
-              <a:buClr>
-                <a:srgbClr val="F0AB00"/>
-              </a:buClr>
-              <a:buSzPct val="80000"/>
-            </a:pPr>
-            <a:r>
-              <a:rPr lang="en-US" sz="1800" kern="0" dirty="0">
-                <a:solidFill>
-                  <a:schemeClr val="dk1"/>
-                </a:solidFill>
-                <a:ea typeface="Arial Unicode MS" pitchFamily="34" charset="-128"/>
-              </a:rPr>
-              <a:t>Name: nginx-http</a:t>
-            </a:r>
-          </a:p>
-          <a:p>
-            <a:pPr algn="ctr" defTabSz="914400" fontAlgn="base">
-              <a:spcBef>
-                <a:spcPct val="50000"/>
-              </a:spcBef>
-              <a:spcAft>
-                <a:spcPct val="0"/>
-              </a:spcAft>
-              <a:buClr>
-                <a:srgbClr val="F0AB00"/>
-              </a:buClr>
-              <a:buSzPct val="80000"/>
-            </a:pPr>
-            <a:r>
-              <a:rPr lang="en-US" sz="1800" kern="0" dirty="0">
-                <a:solidFill>
-                  <a:schemeClr val="dk1"/>
-                </a:solidFill>
-                <a:ea typeface="Arial Unicode MS" pitchFamily="34" charset="-128"/>
-              </a:rPr>
-              <a:t>TargetPort: http</a:t>
-            </a:r>
-          </a:p>
-          <a:p>
-            <a:pPr algn="ctr" defTabSz="914400" fontAlgn="base">
-              <a:spcBef>
-                <a:spcPct val="50000"/>
-              </a:spcBef>
-              <a:spcAft>
-                <a:spcPct val="0"/>
-              </a:spcAft>
-              <a:buClr>
-                <a:srgbClr val="F0AB00"/>
-              </a:buClr>
-              <a:buSzPct val="80000"/>
-            </a:pPr>
-            <a:r>
-              <a:rPr lang="en-US" sz="1800" kern="0" dirty="0">
-                <a:solidFill>
-                  <a:schemeClr val="dk1"/>
-                </a:solidFill>
-                <a:ea typeface="Arial Unicode MS" pitchFamily="34" charset="-128"/>
-              </a:rPr>
-              <a:t>Port: 8080</a:t>
-            </a:r>
-          </a:p>
-        </p:txBody>
-      </p:sp>
       <p:cxnSp>
         <p:nvCxnSpPr>
           <p:cNvPr id="28" name="Connector: Elbow 27">

--- a/kubernetes/04_networking_services.pptx
+++ b/kubernetes/04_networking_services.pptx
@@ -21866,7 +21866,7 @@
                 <a:ea typeface="Arial Unicode MS" pitchFamily="34" charset="-128"/>
                 <a:cs typeface="Arial Unicode MS" pitchFamily="34" charset="-128"/>
               </a:rPr>
-              <a:t>Label: app=nginx</a:t>
+              <a:t>Selector: app=nginx</a:t>
             </a:r>
             <a:endParaRPr kumimoji="0" lang="en-US" sz="1600" b="0" i="0" u="none" strike="noStrike" kern="0" cap="none" spc="0" normalizeH="0" baseline="0" noProof="0" dirty="0">
               <a:ln>
@@ -23683,7 +23683,7 @@
                 <a:ea typeface="Arial Unicode MS" pitchFamily="34" charset="-128"/>
                 <a:cs typeface="Arial Unicode MS" pitchFamily="34" charset="-128"/>
               </a:rPr>
-              <a:t>Label: app=nginx</a:t>
+              <a:t>Selector: app=nginx</a:t>
             </a:r>
             <a:endParaRPr kumimoji="0" lang="en-US" sz="1600" b="0" i="0" u="none" strike="noStrike" kern="0" cap="none" spc="0" normalizeH="0" baseline="0" noProof="0" dirty="0">
               <a:ln>
@@ -25183,7 +25183,7 @@
                 <a:ea typeface="Arial Unicode MS" pitchFamily="34" charset="-128"/>
                 <a:cs typeface="Arial Unicode MS" pitchFamily="34" charset="-128"/>
               </a:rPr>
-              <a:t>Label: app=nginx</a:t>
+              <a:t>Selector: app=nginx</a:t>
             </a:r>
           </a:p>
           <a:p>
@@ -28322,7 +28322,7 @@
                 <a:ea typeface="Arial Unicode MS" pitchFamily="34" charset="-128"/>
                 <a:cs typeface="Arial Unicode MS" pitchFamily="34" charset="-128"/>
               </a:rPr>
-              <a:t>Label: app= client</a:t>
+              <a:t>Selector: app= client</a:t>
             </a:r>
             <a:endParaRPr kumimoji="0" lang="en-US" sz="1800" b="0" i="0" u="none" strike="noStrike" kern="0" cap="none" spc="0" normalizeH="0" baseline="0" noProof="0" dirty="0">
               <a:ln>
@@ -28418,7 +28418,7 @@
         </p:nvSpPr>
         <p:spPr bwMode="gray">
           <a:xfrm>
-            <a:off x="4776946" y="4013188"/>
+            <a:off x="4758707" y="4003070"/>
             <a:ext cx="2474332" cy="2346559"/>
           </a:xfrm>
           <a:prstGeom prst="snip1Rect">
@@ -28495,7 +28495,7 @@
                 </a:solidFill>
                 <a:ea typeface="Arial Unicode MS" pitchFamily="34" charset="-128"/>
               </a:rPr>
-              <a:t>Label: app= nginx</a:t>
+              <a:t>Selector: app= nginx</a:t>
             </a:r>
           </a:p>
           <a:p>
@@ -29424,8 +29424,8 @@
         </p:nvCxnSpPr>
         <p:spPr>
           <a:xfrm rot="10800000">
-            <a:off x="961024" y="3611018"/>
-            <a:ext cx="3815922" cy="1575451"/>
+            <a:off x="961025" y="3611018"/>
+            <a:ext cx="3797683" cy="1565333"/>
           </a:xfrm>
           <a:prstGeom prst="bentConnector2">
             <a:avLst/>

--- a/kubernetes/04_networking_services.pptx
+++ b/kubernetes/04_networking_services.pptx
@@ -205,68 +205,86 @@
 </file>
 
 <file path=ppt/diagrams/colors1.xml><?xml version="1.0" encoding="utf-8"?>
-<dgm:colorsDef xmlns:dgm="http://schemas.openxmlformats.org/drawingml/2006/diagram" xmlns:a="http://schemas.openxmlformats.org/drawingml/2006/main" uniqueId="urn:microsoft.com/office/officeart/2005/8/colors/accent2_2">
+<dgm:colorsDef xmlns:dgm="http://schemas.openxmlformats.org/drawingml/2006/diagram" xmlns:a="http://schemas.openxmlformats.org/drawingml/2006/main" uniqueId="urn:microsoft.com/office/officeart/2005/8/colors/accent0_1">
   <dgm:title val=""/>
   <dgm:desc val=""/>
   <dgm:catLst>
-    <dgm:cat type="accent2" pri="11200"/>
+    <dgm:cat type="mainScheme" pri="10100"/>
   </dgm:catLst>
   <dgm:styleLbl name="node0">
     <dgm:fillClrLst meth="repeat">
-      <a:schemeClr val="accent2"/>
+      <a:schemeClr val="lt1"/>
     </dgm:fillClrLst>
     <dgm:linClrLst meth="repeat">
-      <a:schemeClr val="lt1"/>
+      <a:schemeClr val="dk1">
+        <a:shade val="80000"/>
+      </a:schemeClr>
     </dgm:linClrLst>
     <dgm:effectClrLst/>
     <dgm:txLinClrLst/>
-    <dgm:txFillClrLst/>
+    <dgm:txFillClrLst meth="repeat">
+      <a:schemeClr val="dk1"/>
+    </dgm:txFillClrLst>
     <dgm:txEffectClrLst/>
   </dgm:styleLbl>
   <dgm:styleLbl name="node1">
     <dgm:fillClrLst meth="repeat">
-      <a:schemeClr val="accent2"/>
+      <a:schemeClr val="lt1"/>
     </dgm:fillClrLst>
     <dgm:linClrLst meth="repeat">
-      <a:schemeClr val="lt1"/>
+      <a:schemeClr val="dk1">
+        <a:shade val="80000"/>
+      </a:schemeClr>
     </dgm:linClrLst>
     <dgm:effectClrLst/>
     <dgm:txLinClrLst/>
-    <dgm:txFillClrLst/>
+    <dgm:txFillClrLst meth="repeat">
+      <a:schemeClr val="dk1"/>
+    </dgm:txFillClrLst>
     <dgm:txEffectClrLst/>
   </dgm:styleLbl>
   <dgm:styleLbl name="alignNode1">
     <dgm:fillClrLst meth="repeat">
-      <a:schemeClr val="accent2"/>
+      <a:schemeClr val="lt1"/>
     </dgm:fillClrLst>
     <dgm:linClrLst meth="repeat">
-      <a:schemeClr val="accent2"/>
+      <a:schemeClr val="dk1">
+        <a:shade val="80000"/>
+      </a:schemeClr>
     </dgm:linClrLst>
     <dgm:effectClrLst/>
     <dgm:txLinClrLst/>
-    <dgm:txFillClrLst/>
+    <dgm:txFillClrLst meth="repeat">
+      <a:schemeClr val="dk1"/>
+    </dgm:txFillClrLst>
     <dgm:txEffectClrLst/>
   </dgm:styleLbl>
   <dgm:styleLbl name="lnNode1">
     <dgm:fillClrLst meth="repeat">
-      <a:schemeClr val="accent2"/>
+      <a:schemeClr val="lt1"/>
     </dgm:fillClrLst>
     <dgm:linClrLst meth="repeat">
-      <a:schemeClr val="lt1"/>
+      <a:schemeClr val="dk1">
+        <a:shade val="80000"/>
+      </a:schemeClr>
     </dgm:linClrLst>
     <dgm:effectClrLst/>
     <dgm:txLinClrLst/>
-    <dgm:txFillClrLst/>
+    <dgm:txFillClrLst meth="repeat">
+      <a:schemeClr val="dk1"/>
+    </dgm:txFillClrLst>
     <dgm:txEffectClrLst/>
   </dgm:styleLbl>
   <dgm:styleLbl name="vennNode1">
     <dgm:fillClrLst meth="repeat">
-      <a:schemeClr val="accent2">
+      <a:schemeClr val="lt1">
         <a:alpha val="50000"/>
       </a:schemeClr>
     </dgm:fillClrLst>
     <dgm:linClrLst meth="repeat">
-      <a:schemeClr val="lt1"/>
+      <a:schemeClr val="dk1">
+        <a:shade val="80000"/>
+      </a:schemeClr>
     </dgm:linClrLst>
     <dgm:effectClrLst/>
     <dgm:txLinClrLst/>
@@ -275,48 +293,62 @@
   </dgm:styleLbl>
   <dgm:styleLbl name="node2">
     <dgm:fillClrLst meth="repeat">
-      <a:schemeClr val="accent2"/>
+      <a:schemeClr val="lt1"/>
     </dgm:fillClrLst>
     <dgm:linClrLst meth="repeat">
-      <a:schemeClr val="lt1"/>
+      <a:schemeClr val="dk1">
+        <a:shade val="80000"/>
+      </a:schemeClr>
     </dgm:linClrLst>
     <dgm:effectClrLst/>
     <dgm:txLinClrLst/>
-    <dgm:txFillClrLst/>
+    <dgm:txFillClrLst meth="repeat">
+      <a:schemeClr val="dk1"/>
+    </dgm:txFillClrLst>
     <dgm:txEffectClrLst/>
   </dgm:styleLbl>
   <dgm:styleLbl name="node3">
     <dgm:fillClrLst meth="repeat">
-      <a:schemeClr val="accent2"/>
+      <a:schemeClr val="lt1"/>
     </dgm:fillClrLst>
     <dgm:linClrLst meth="repeat">
-      <a:schemeClr val="lt1"/>
+      <a:schemeClr val="dk1">
+        <a:shade val="80000"/>
+      </a:schemeClr>
     </dgm:linClrLst>
     <dgm:effectClrLst/>
     <dgm:txLinClrLst/>
-    <dgm:txFillClrLst/>
+    <dgm:txFillClrLst meth="repeat">
+      <a:schemeClr val="dk1"/>
+    </dgm:txFillClrLst>
     <dgm:txEffectClrLst/>
   </dgm:styleLbl>
   <dgm:styleLbl name="node4">
     <dgm:fillClrLst meth="repeat">
-      <a:schemeClr val="accent2"/>
+      <a:schemeClr val="lt1"/>
     </dgm:fillClrLst>
     <dgm:linClrLst meth="repeat">
-      <a:schemeClr val="lt1"/>
+      <a:schemeClr val="dk1">
+        <a:shade val="80000"/>
+      </a:schemeClr>
     </dgm:linClrLst>
     <dgm:effectClrLst/>
     <dgm:txLinClrLst/>
-    <dgm:txFillClrLst/>
+    <dgm:txFillClrLst meth="repeat">
+      <a:schemeClr val="dk1"/>
+    </dgm:txFillClrLst>
     <dgm:txEffectClrLst/>
   </dgm:styleLbl>
   <dgm:styleLbl name="fgImgPlace1">
     <dgm:fillClrLst meth="repeat">
-      <a:schemeClr val="accent2">
-        <a:tint val="50000"/>
+      <a:schemeClr val="dk1">
+        <a:tint val="40000"/>
       </a:schemeClr>
     </dgm:fillClrLst>
     <dgm:linClrLst meth="repeat">
-      <a:schemeClr val="lt1"/>
+      <a:schemeClr val="dk1">
+        <a:shade val="80000"/>
+      </a:schemeClr>
     </dgm:linClrLst>
     <dgm:effectClrLst/>
     <dgm:txLinClrLst/>
@@ -327,12 +359,14 @@
   </dgm:styleLbl>
   <dgm:styleLbl name="alignImgPlace1">
     <dgm:fillClrLst meth="repeat">
-      <a:schemeClr val="accent2">
-        <a:tint val="50000"/>
+      <a:schemeClr val="dk1">
+        <a:tint val="40000"/>
       </a:schemeClr>
     </dgm:fillClrLst>
     <dgm:linClrLst meth="repeat">
-      <a:schemeClr val="lt1"/>
+      <a:schemeClr val="dk1">
+        <a:shade val="80000"/>
+      </a:schemeClr>
     </dgm:linClrLst>
     <dgm:effectClrLst/>
     <dgm:txLinClrLst/>
@@ -343,12 +377,14 @@
   </dgm:styleLbl>
   <dgm:styleLbl name="bgImgPlace1">
     <dgm:fillClrLst meth="repeat">
-      <a:schemeClr val="accent2">
-        <a:tint val="50000"/>
+      <a:schemeClr val="dk1">
+        <a:tint val="40000"/>
       </a:schemeClr>
     </dgm:fillClrLst>
     <dgm:linClrLst meth="repeat">
-      <a:schemeClr val="lt1"/>
+      <a:schemeClr val="dk1">
+        <a:shade val="80000"/>
+      </a:schemeClr>
     </dgm:linClrLst>
     <dgm:effectClrLst/>
     <dgm:txLinClrLst/>
@@ -359,58 +395,64 @@
   </dgm:styleLbl>
   <dgm:styleLbl name="sibTrans2D1">
     <dgm:fillClrLst meth="repeat">
-      <a:schemeClr val="accent2">
+      <a:schemeClr val="dk1">
         <a:tint val="60000"/>
       </a:schemeClr>
     </dgm:fillClrLst>
     <dgm:linClrLst meth="repeat">
-      <a:schemeClr val="accent2">
+      <a:schemeClr val="dk1">
         <a:tint val="60000"/>
       </a:schemeClr>
     </dgm:linClrLst>
     <dgm:effectClrLst/>
     <dgm:txLinClrLst/>
-    <dgm:txFillClrLst/>
+    <dgm:txFillClrLst meth="repeat">
+      <a:schemeClr val="dk1"/>
+    </dgm:txFillClrLst>
     <dgm:txEffectClrLst/>
   </dgm:styleLbl>
   <dgm:styleLbl name="fgSibTrans2D1">
     <dgm:fillClrLst meth="repeat">
-      <a:schemeClr val="accent2">
+      <a:schemeClr val="dk1">
         <a:tint val="60000"/>
       </a:schemeClr>
     </dgm:fillClrLst>
     <dgm:linClrLst meth="repeat">
-      <a:schemeClr val="accent2">
+      <a:schemeClr val="dk1">
         <a:tint val="60000"/>
       </a:schemeClr>
     </dgm:linClrLst>
     <dgm:effectClrLst/>
     <dgm:txLinClrLst/>
-    <dgm:txFillClrLst/>
+    <dgm:txFillClrLst meth="repeat">
+      <a:schemeClr val="dk1"/>
+    </dgm:txFillClrLst>
     <dgm:txEffectClrLst/>
   </dgm:styleLbl>
   <dgm:styleLbl name="bgSibTrans2D1">
     <dgm:fillClrLst meth="repeat">
-      <a:schemeClr val="accent2">
+      <a:schemeClr val="dk1">
         <a:tint val="60000"/>
       </a:schemeClr>
     </dgm:fillClrLst>
     <dgm:linClrLst meth="repeat">
-      <a:schemeClr val="accent2">
+      <a:schemeClr val="dk1">
         <a:tint val="60000"/>
       </a:schemeClr>
     </dgm:linClrLst>
     <dgm:effectClrLst/>
     <dgm:txLinClrLst/>
-    <dgm:txFillClrLst/>
+    <dgm:txFillClrLst meth="repeat">
+      <a:schemeClr val="dk1"/>
+    </dgm:txFillClrLst>
     <dgm:txEffectClrLst/>
   </dgm:styleLbl>
   <dgm:styleLbl name="sibTrans1D1">
     <dgm:fillClrLst meth="repeat">
-      <a:schemeClr val="accent2"/>
+      <a:schemeClr val="dk1"/>
     </dgm:fillClrLst>
     <dgm:linClrLst meth="repeat">
-      <a:schemeClr val="accent2"/>
+      <a:schemeClr val="dk1"/>
     </dgm:linClrLst>
     <dgm:effectClrLst/>
     <dgm:txLinClrLst/>
@@ -421,12 +463,10 @@
   </dgm:styleLbl>
   <dgm:styleLbl name="callout">
     <dgm:fillClrLst meth="repeat">
-      <a:schemeClr val="accent2"/>
+      <a:schemeClr val="dk1"/>
     </dgm:fillClrLst>
     <dgm:linClrLst meth="repeat">
-      <a:schemeClr val="accent2">
-        <a:tint val="50000"/>
-      </a:schemeClr>
+      <a:schemeClr val="dk1"/>
     </dgm:linClrLst>
     <dgm:effectClrLst/>
     <dgm:txLinClrLst/>
@@ -437,116 +477,130 @@
   </dgm:styleLbl>
   <dgm:styleLbl name="asst0">
     <dgm:fillClrLst meth="repeat">
-      <a:schemeClr val="accent2"/>
+      <a:schemeClr val="lt1"/>
     </dgm:fillClrLst>
     <dgm:linClrLst meth="repeat">
+      <a:schemeClr val="dk1">
+        <a:shade val="80000"/>
+      </a:schemeClr>
+    </dgm:linClrLst>
+    <dgm:effectClrLst/>
+    <dgm:txLinClrLst/>
+    <dgm:txFillClrLst meth="repeat">
+      <a:schemeClr val="dk1"/>
+    </dgm:txFillClrLst>
+    <dgm:txEffectClrLst/>
+  </dgm:styleLbl>
+  <dgm:styleLbl name="asst1">
+    <dgm:fillClrLst meth="repeat">
       <a:schemeClr val="lt1"/>
+    </dgm:fillClrLst>
+    <dgm:linClrLst meth="repeat">
+      <a:schemeClr val="dk1">
+        <a:shade val="80000"/>
+      </a:schemeClr>
+    </dgm:linClrLst>
+    <dgm:effectClrLst/>
+    <dgm:txLinClrLst/>
+    <dgm:txFillClrLst meth="repeat">
+      <a:schemeClr val="dk1"/>
+    </dgm:txFillClrLst>
+    <dgm:txEffectClrLst/>
+  </dgm:styleLbl>
+  <dgm:styleLbl name="asst2">
+    <dgm:fillClrLst meth="repeat">
+      <a:schemeClr val="lt1"/>
+    </dgm:fillClrLst>
+    <dgm:linClrLst meth="repeat">
+      <a:schemeClr val="dk1">
+        <a:shade val="80000"/>
+      </a:schemeClr>
+    </dgm:linClrLst>
+    <dgm:effectClrLst/>
+    <dgm:txLinClrLst/>
+    <dgm:txFillClrLst meth="repeat">
+      <a:schemeClr val="dk1"/>
+    </dgm:txFillClrLst>
+    <dgm:txEffectClrLst/>
+  </dgm:styleLbl>
+  <dgm:styleLbl name="asst3">
+    <dgm:fillClrLst meth="repeat">
+      <a:schemeClr val="lt1"/>
+    </dgm:fillClrLst>
+    <dgm:linClrLst meth="repeat">
+      <a:schemeClr val="dk1">
+        <a:shade val="80000"/>
+      </a:schemeClr>
+    </dgm:linClrLst>
+    <dgm:effectClrLst/>
+    <dgm:txLinClrLst/>
+    <dgm:txFillClrLst meth="repeat">
+      <a:schemeClr val="dk1"/>
+    </dgm:txFillClrLst>
+    <dgm:txEffectClrLst/>
+  </dgm:styleLbl>
+  <dgm:styleLbl name="asst4">
+    <dgm:fillClrLst meth="repeat">
+      <a:schemeClr val="lt1"/>
+    </dgm:fillClrLst>
+    <dgm:linClrLst meth="repeat">
+      <a:schemeClr val="dk1">
+        <a:shade val="80000"/>
+      </a:schemeClr>
+    </dgm:linClrLst>
+    <dgm:effectClrLst/>
+    <dgm:txLinClrLst/>
+    <dgm:txFillClrLst meth="repeat">
+      <a:schemeClr val="dk1"/>
+    </dgm:txFillClrLst>
+    <dgm:txEffectClrLst/>
+  </dgm:styleLbl>
+  <dgm:styleLbl name="parChTrans2D1">
+    <dgm:fillClrLst meth="repeat">
+      <a:schemeClr val="dk1">
+        <a:tint val="60000"/>
+      </a:schemeClr>
+    </dgm:fillClrLst>
+    <dgm:linClrLst meth="repeat">
+      <a:schemeClr val="dk1">
+        <a:tint val="60000"/>
+      </a:schemeClr>
     </dgm:linClrLst>
     <dgm:effectClrLst/>
     <dgm:txLinClrLst/>
     <dgm:txFillClrLst/>
     <dgm:txEffectClrLst/>
   </dgm:styleLbl>
-  <dgm:styleLbl name="asst1">
+  <dgm:styleLbl name="parChTrans2D2">
     <dgm:fillClrLst meth="repeat">
-      <a:schemeClr val="accent2"/>
+      <a:schemeClr val="dk1"/>
     </dgm:fillClrLst>
     <dgm:linClrLst meth="repeat">
-      <a:schemeClr val="lt1"/>
+      <a:schemeClr val="dk1"/>
     </dgm:linClrLst>
     <dgm:effectClrLst/>
     <dgm:txLinClrLst/>
     <dgm:txFillClrLst/>
     <dgm:txEffectClrLst/>
   </dgm:styleLbl>
-  <dgm:styleLbl name="asst2">
+  <dgm:styleLbl name="parChTrans2D3">
     <dgm:fillClrLst meth="repeat">
-      <a:schemeClr val="accent2"/>
+      <a:schemeClr val="dk1"/>
     </dgm:fillClrLst>
     <dgm:linClrLst meth="repeat">
-      <a:schemeClr val="lt1"/>
+      <a:schemeClr val="dk1"/>
     </dgm:linClrLst>
     <dgm:effectClrLst/>
     <dgm:txLinClrLst/>
     <dgm:txFillClrLst/>
     <dgm:txEffectClrLst/>
   </dgm:styleLbl>
-  <dgm:styleLbl name="asst3">
+  <dgm:styleLbl name="parChTrans2D4">
     <dgm:fillClrLst meth="repeat">
-      <a:schemeClr val="accent2"/>
+      <a:schemeClr val="dk1"/>
     </dgm:fillClrLst>
     <dgm:linClrLst meth="repeat">
-      <a:schemeClr val="lt1"/>
-    </dgm:linClrLst>
-    <dgm:effectClrLst/>
-    <dgm:txLinClrLst/>
-    <dgm:txFillClrLst/>
-    <dgm:txEffectClrLst/>
-  </dgm:styleLbl>
-  <dgm:styleLbl name="asst4">
-    <dgm:fillClrLst meth="repeat">
-      <a:schemeClr val="accent2"/>
-    </dgm:fillClrLst>
-    <dgm:linClrLst meth="repeat">
-      <a:schemeClr val="lt1"/>
-    </dgm:linClrLst>
-    <dgm:effectClrLst/>
-    <dgm:txLinClrLst/>
-    <dgm:txFillClrLst/>
-    <dgm:txEffectClrLst/>
-  </dgm:styleLbl>
-  <dgm:styleLbl name="parChTrans2D1">
-    <dgm:fillClrLst meth="repeat">
-      <a:schemeClr val="accent2">
-        <a:tint val="60000"/>
-      </a:schemeClr>
-    </dgm:fillClrLst>
-    <dgm:linClrLst meth="repeat">
-      <a:schemeClr val="accent2">
-        <a:tint val="60000"/>
-      </a:schemeClr>
-    </dgm:linClrLst>
-    <dgm:effectClrLst/>
-    <dgm:txLinClrLst/>
-    <dgm:txFillClrLst meth="repeat">
-      <a:schemeClr val="lt1"/>
-    </dgm:txFillClrLst>
-    <dgm:txEffectClrLst/>
-  </dgm:styleLbl>
-  <dgm:styleLbl name="parChTrans2D2">
-    <dgm:fillClrLst meth="repeat">
-      <a:schemeClr val="accent2"/>
-    </dgm:fillClrLst>
-    <dgm:linClrLst meth="repeat">
-      <a:schemeClr val="accent2"/>
-    </dgm:linClrLst>
-    <dgm:effectClrLst/>
-    <dgm:txLinClrLst/>
-    <dgm:txFillClrLst meth="repeat">
-      <a:schemeClr val="lt1"/>
-    </dgm:txFillClrLst>
-    <dgm:txEffectClrLst/>
-  </dgm:styleLbl>
-  <dgm:styleLbl name="parChTrans2D3">
-    <dgm:fillClrLst meth="repeat">
-      <a:schemeClr val="accent2"/>
-    </dgm:fillClrLst>
-    <dgm:linClrLst meth="repeat">
-      <a:schemeClr val="accent2"/>
-    </dgm:linClrLst>
-    <dgm:effectClrLst/>
-    <dgm:txLinClrLst/>
-    <dgm:txFillClrLst meth="repeat">
-      <a:schemeClr val="lt1"/>
-    </dgm:txFillClrLst>
-    <dgm:txEffectClrLst/>
-  </dgm:styleLbl>
-  <dgm:styleLbl name="parChTrans2D4">
-    <dgm:fillClrLst meth="repeat">
-      <a:schemeClr val="accent2"/>
-    </dgm:fillClrLst>
-    <dgm:linClrLst meth="repeat">
-      <a:schemeClr val="accent2"/>
+      <a:schemeClr val="dk1"/>
     </dgm:linClrLst>
     <dgm:effectClrLst/>
     <dgm:txLinClrLst/>
@@ -557,10 +611,10 @@
   </dgm:styleLbl>
   <dgm:styleLbl name="parChTrans1D1">
     <dgm:fillClrLst meth="repeat">
-      <a:schemeClr val="accent2"/>
+      <a:schemeClr val="dk1"/>
     </dgm:fillClrLst>
     <dgm:linClrLst meth="repeat">
-      <a:schemeClr val="accent2">
+      <a:schemeClr val="dk1">
         <a:shade val="60000"/>
       </a:schemeClr>
     </dgm:linClrLst>
@@ -573,10 +627,10 @@
   </dgm:styleLbl>
   <dgm:styleLbl name="parChTrans1D2">
     <dgm:fillClrLst meth="repeat">
-      <a:schemeClr val="accent2"/>
+      <a:schemeClr val="dk1"/>
     </dgm:fillClrLst>
     <dgm:linClrLst meth="repeat">
-      <a:schemeClr val="accent2">
+      <a:schemeClr val="dk1">
         <a:shade val="60000"/>
       </a:schemeClr>
     </dgm:linClrLst>
@@ -589,10 +643,10 @@
   </dgm:styleLbl>
   <dgm:styleLbl name="parChTrans1D3">
     <dgm:fillClrLst meth="repeat">
-      <a:schemeClr val="accent2"/>
+      <a:schemeClr val="dk1"/>
     </dgm:fillClrLst>
     <dgm:linClrLst meth="repeat">
-      <a:schemeClr val="accent2">
+      <a:schemeClr val="dk1">
         <a:shade val="80000"/>
       </a:schemeClr>
     </dgm:linClrLst>
@@ -605,10 +659,10 @@
   </dgm:styleLbl>
   <dgm:styleLbl name="parChTrans1D4">
     <dgm:fillClrLst meth="repeat">
-      <a:schemeClr val="accent2"/>
+      <a:schemeClr val="dk1"/>
     </dgm:fillClrLst>
     <dgm:linClrLst meth="repeat">
-      <a:schemeClr val="accent2">
+      <a:schemeClr val="dk1">
         <a:shade val="80000"/>
       </a:schemeClr>
     </dgm:linClrLst>
@@ -621,12 +675,13 @@
   </dgm:styleLbl>
   <dgm:styleLbl name="fgAcc1">
     <dgm:fillClrLst meth="repeat">
-      <a:schemeClr val="lt1">
+      <a:schemeClr val="dk1">
         <a:alpha val="90000"/>
+        <a:tint val="40000"/>
       </a:schemeClr>
     </dgm:fillClrLst>
     <dgm:linClrLst meth="repeat">
-      <a:schemeClr val="accent2"/>
+      <a:schemeClr val="dk1"/>
     </dgm:linClrLst>
     <dgm:effectClrLst/>
     <dgm:txLinClrLst/>
@@ -637,12 +692,13 @@
   </dgm:styleLbl>
   <dgm:styleLbl name="conFgAcc1">
     <dgm:fillClrLst meth="repeat">
-      <a:schemeClr val="lt1">
+      <a:schemeClr val="dk1">
         <a:alpha val="90000"/>
+        <a:tint val="40000"/>
       </a:schemeClr>
     </dgm:fillClrLst>
     <dgm:linClrLst meth="repeat">
-      <a:schemeClr val="accent2"/>
+      <a:schemeClr val="dk1"/>
     </dgm:linClrLst>
     <dgm:effectClrLst/>
     <dgm:txLinClrLst/>
@@ -653,12 +709,13 @@
   </dgm:styleLbl>
   <dgm:styleLbl name="alignAcc1">
     <dgm:fillClrLst meth="repeat">
-      <a:schemeClr val="lt1">
+      <a:schemeClr val="dk1">
         <a:alpha val="90000"/>
+        <a:tint val="40000"/>
       </a:schemeClr>
     </dgm:fillClrLst>
     <dgm:linClrLst meth="repeat">
-      <a:schemeClr val="accent2"/>
+      <a:schemeClr val="dk1"/>
     </dgm:linClrLst>
     <dgm:effectClrLst/>
     <dgm:txLinClrLst/>
@@ -669,12 +726,13 @@
   </dgm:styleLbl>
   <dgm:styleLbl name="trAlignAcc1">
     <dgm:fillClrLst meth="repeat">
-      <a:schemeClr val="lt1">
+      <a:schemeClr val="dk1">
         <a:alpha val="40000"/>
+        <a:tint val="40000"/>
       </a:schemeClr>
     </dgm:fillClrLst>
     <dgm:linClrLst meth="repeat">
-      <a:schemeClr val="accent2"/>
+      <a:schemeClr val="dk1"/>
     </dgm:linClrLst>
     <dgm:effectClrLst/>
     <dgm:txLinClrLst/>
@@ -685,12 +743,13 @@
   </dgm:styleLbl>
   <dgm:styleLbl name="bgAcc1">
     <dgm:fillClrLst meth="repeat">
-      <a:schemeClr val="lt1">
+      <a:schemeClr val="dk1">
         <a:alpha val="90000"/>
+        <a:tint val="40000"/>
       </a:schemeClr>
     </dgm:fillClrLst>
     <dgm:linClrLst meth="repeat">
-      <a:schemeClr val="accent2"/>
+      <a:schemeClr val="dk1"/>
     </dgm:linClrLst>
     <dgm:effectClrLst/>
     <dgm:txLinClrLst/>
@@ -704,7 +763,7 @@
       <a:schemeClr val="lt1"/>
     </dgm:fillClrLst>
     <dgm:linClrLst meth="repeat">
-      <a:schemeClr val="accent2"/>
+      <a:schemeClr val="dk1"/>
     </dgm:linClrLst>
     <dgm:effectClrLst/>
     <dgm:txLinClrLst/>
@@ -718,7 +777,7 @@
       <a:schemeClr val="lt1"/>
     </dgm:fillClrLst>
     <dgm:linClrLst meth="repeat">
-      <a:schemeClr val="accent2"/>
+      <a:schemeClr val="dk1"/>
     </dgm:linClrLst>
     <dgm:effectClrLst/>
     <dgm:txLinClrLst/>
@@ -732,7 +791,7 @@
       <a:schemeClr val="lt1"/>
     </dgm:fillClrLst>
     <dgm:linClrLst meth="repeat">
-      <a:schemeClr val="accent2"/>
+      <a:schemeClr val="dk1"/>
     </dgm:linClrLst>
     <dgm:effectClrLst/>
     <dgm:txLinClrLst/>
@@ -743,15 +802,14 @@
   </dgm:styleLbl>
   <dgm:styleLbl name="fgAccFollowNode1">
     <dgm:fillClrLst meth="repeat">
-      <a:schemeClr val="accent2">
+      <a:schemeClr val="lt1">
         <a:alpha val="90000"/>
         <a:tint val="40000"/>
       </a:schemeClr>
     </dgm:fillClrLst>
     <dgm:linClrLst meth="repeat">
-      <a:schemeClr val="accent2">
+      <a:schemeClr val="dk1">
         <a:alpha val="90000"/>
-        <a:tint val="40000"/>
       </a:schemeClr>
     </dgm:linClrLst>
     <dgm:effectClrLst/>
@@ -763,15 +821,14 @@
   </dgm:styleLbl>
   <dgm:styleLbl name="alignAccFollowNode1">
     <dgm:fillClrLst meth="repeat">
-      <a:schemeClr val="accent2">
+      <a:schemeClr val="lt1">
         <a:alpha val="90000"/>
         <a:tint val="40000"/>
       </a:schemeClr>
     </dgm:fillClrLst>
     <dgm:linClrLst meth="repeat">
-      <a:schemeClr val="accent2">
+      <a:schemeClr val="dk1">
         <a:alpha val="90000"/>
-        <a:tint val="40000"/>
       </a:schemeClr>
     </dgm:linClrLst>
     <dgm:effectClrLst/>
@@ -783,15 +840,14 @@
   </dgm:styleLbl>
   <dgm:styleLbl name="bgAccFollowNode1">
     <dgm:fillClrLst meth="repeat">
-      <a:schemeClr val="accent2">
+      <a:schemeClr val="lt1">
         <a:alpha val="90000"/>
         <a:tint val="40000"/>
       </a:schemeClr>
     </dgm:fillClrLst>
     <dgm:linClrLst meth="repeat">
-      <a:schemeClr val="accent2">
+      <a:schemeClr val="dk1">
         <a:alpha val="90000"/>
-        <a:tint val="40000"/>
       </a:schemeClr>
     </dgm:linClrLst>
     <dgm:effectClrLst/>
@@ -803,12 +859,13 @@
   </dgm:styleLbl>
   <dgm:styleLbl name="fgAcc0">
     <dgm:fillClrLst meth="repeat">
-      <a:schemeClr val="lt1">
+      <a:schemeClr val="dk1">
         <a:alpha val="90000"/>
+        <a:tint val="40000"/>
       </a:schemeClr>
     </dgm:fillClrLst>
     <dgm:linClrLst meth="repeat">
-      <a:schemeClr val="accent2"/>
+      <a:schemeClr val="dk1"/>
     </dgm:linClrLst>
     <dgm:effectClrLst/>
     <dgm:txLinClrLst/>
@@ -819,12 +876,13 @@
   </dgm:styleLbl>
   <dgm:styleLbl name="fgAcc2">
     <dgm:fillClrLst meth="repeat">
-      <a:schemeClr val="lt1">
+      <a:schemeClr val="dk1">
         <a:alpha val="90000"/>
+        <a:tint val="40000"/>
       </a:schemeClr>
     </dgm:fillClrLst>
     <dgm:linClrLst meth="repeat">
-      <a:schemeClr val="accent2"/>
+      <a:schemeClr val="dk1"/>
     </dgm:linClrLst>
     <dgm:effectClrLst/>
     <dgm:txLinClrLst/>
@@ -835,12 +893,13 @@
   </dgm:styleLbl>
   <dgm:styleLbl name="fgAcc3">
     <dgm:fillClrLst meth="repeat">
-      <a:schemeClr val="lt1">
+      <a:schemeClr val="dk1">
         <a:alpha val="90000"/>
+        <a:tint val="40000"/>
       </a:schemeClr>
     </dgm:fillClrLst>
     <dgm:linClrLst meth="repeat">
-      <a:schemeClr val="accent2"/>
+      <a:schemeClr val="dk1"/>
     </dgm:linClrLst>
     <dgm:effectClrLst/>
     <dgm:txLinClrLst/>
@@ -851,12 +910,13 @@
   </dgm:styleLbl>
   <dgm:styleLbl name="fgAcc4">
     <dgm:fillClrLst meth="repeat">
-      <a:schemeClr val="lt1">
+      <a:schemeClr val="dk1">
         <a:alpha val="90000"/>
+        <a:tint val="40000"/>
       </a:schemeClr>
     </dgm:fillClrLst>
     <dgm:linClrLst meth="repeat">
-      <a:schemeClr val="accent2"/>
+      <a:schemeClr val="dk1"/>
     </dgm:linClrLst>
     <dgm:effectClrLst/>
     <dgm:txLinClrLst/>
@@ -867,12 +927,12 @@
   </dgm:styleLbl>
   <dgm:styleLbl name="bgShp">
     <dgm:fillClrLst meth="repeat">
-      <a:schemeClr val="accent2">
+      <a:schemeClr val="dk1">
         <a:tint val="40000"/>
       </a:schemeClr>
     </dgm:fillClrLst>
     <dgm:linClrLst meth="repeat">
-      <a:schemeClr val="accent2"/>
+      <a:schemeClr val="dk1"/>
     </dgm:linClrLst>
     <dgm:effectClrLst/>
     <dgm:txLinClrLst/>
@@ -883,12 +943,12 @@
   </dgm:styleLbl>
   <dgm:styleLbl name="dkBgShp">
     <dgm:fillClrLst meth="repeat">
-      <a:schemeClr val="accent2">
+      <a:schemeClr val="dk1">
         <a:shade val="80000"/>
       </a:schemeClr>
     </dgm:fillClrLst>
     <dgm:linClrLst meth="repeat">
-      <a:schemeClr val="accent2"/>
+      <a:schemeClr val="dk1"/>
     </dgm:linClrLst>
     <dgm:effectClrLst/>
     <dgm:txLinClrLst/>
@@ -899,13 +959,13 @@
   </dgm:styleLbl>
   <dgm:styleLbl name="trBgShp">
     <dgm:fillClrLst meth="repeat">
-      <a:schemeClr val="accent2">
+      <a:schemeClr val="dk1">
         <a:tint val="50000"/>
         <a:alpha val="40000"/>
       </a:schemeClr>
     </dgm:fillClrLst>
     <dgm:linClrLst meth="repeat">
-      <a:schemeClr val="accent2"/>
+      <a:schemeClr val="dk1"/>
     </dgm:linClrLst>
     <dgm:effectClrLst/>
     <dgm:txLinClrLst/>
@@ -916,7 +976,7 @@
   </dgm:styleLbl>
   <dgm:styleLbl name="fgShp">
     <dgm:fillClrLst meth="repeat">
-      <a:schemeClr val="accent2">
+      <a:schemeClr val="dk1">
         <a:tint val="60000"/>
       </a:schemeClr>
     </dgm:fillClrLst>
@@ -952,68 +1012,86 @@
 </file>
 
 <file path=ppt/diagrams/colors2.xml><?xml version="1.0" encoding="utf-8"?>
-<dgm:colorsDef xmlns:dgm="http://schemas.openxmlformats.org/drawingml/2006/diagram" xmlns:a="http://schemas.openxmlformats.org/drawingml/2006/main" uniqueId="urn:microsoft.com/office/officeart/2005/8/colors/accent2_2">
+<dgm:colorsDef xmlns:dgm="http://schemas.openxmlformats.org/drawingml/2006/diagram" xmlns:a="http://schemas.openxmlformats.org/drawingml/2006/main" uniqueId="urn:microsoft.com/office/officeart/2005/8/colors/accent0_1">
   <dgm:title val=""/>
   <dgm:desc val=""/>
   <dgm:catLst>
-    <dgm:cat type="accent2" pri="11200"/>
+    <dgm:cat type="mainScheme" pri="10100"/>
   </dgm:catLst>
   <dgm:styleLbl name="node0">
     <dgm:fillClrLst meth="repeat">
-      <a:schemeClr val="accent2"/>
+      <a:schemeClr val="lt1"/>
     </dgm:fillClrLst>
     <dgm:linClrLst meth="repeat">
-      <a:schemeClr val="lt1"/>
+      <a:schemeClr val="dk1">
+        <a:shade val="80000"/>
+      </a:schemeClr>
     </dgm:linClrLst>
     <dgm:effectClrLst/>
     <dgm:txLinClrLst/>
-    <dgm:txFillClrLst/>
+    <dgm:txFillClrLst meth="repeat">
+      <a:schemeClr val="dk1"/>
+    </dgm:txFillClrLst>
     <dgm:txEffectClrLst/>
   </dgm:styleLbl>
   <dgm:styleLbl name="node1">
     <dgm:fillClrLst meth="repeat">
-      <a:schemeClr val="accent2"/>
+      <a:schemeClr val="lt1"/>
     </dgm:fillClrLst>
     <dgm:linClrLst meth="repeat">
-      <a:schemeClr val="lt1"/>
+      <a:schemeClr val="dk1">
+        <a:shade val="80000"/>
+      </a:schemeClr>
     </dgm:linClrLst>
     <dgm:effectClrLst/>
     <dgm:txLinClrLst/>
-    <dgm:txFillClrLst/>
+    <dgm:txFillClrLst meth="repeat">
+      <a:schemeClr val="dk1"/>
+    </dgm:txFillClrLst>
     <dgm:txEffectClrLst/>
   </dgm:styleLbl>
   <dgm:styleLbl name="alignNode1">
     <dgm:fillClrLst meth="repeat">
-      <a:schemeClr val="accent2"/>
+      <a:schemeClr val="lt1"/>
     </dgm:fillClrLst>
     <dgm:linClrLst meth="repeat">
-      <a:schemeClr val="accent2"/>
+      <a:schemeClr val="dk1">
+        <a:shade val="80000"/>
+      </a:schemeClr>
     </dgm:linClrLst>
     <dgm:effectClrLst/>
     <dgm:txLinClrLst/>
-    <dgm:txFillClrLst/>
+    <dgm:txFillClrLst meth="repeat">
+      <a:schemeClr val="dk1"/>
+    </dgm:txFillClrLst>
     <dgm:txEffectClrLst/>
   </dgm:styleLbl>
   <dgm:styleLbl name="lnNode1">
     <dgm:fillClrLst meth="repeat">
-      <a:schemeClr val="accent2"/>
+      <a:schemeClr val="lt1"/>
     </dgm:fillClrLst>
     <dgm:linClrLst meth="repeat">
-      <a:schemeClr val="lt1"/>
+      <a:schemeClr val="dk1">
+        <a:shade val="80000"/>
+      </a:schemeClr>
     </dgm:linClrLst>
     <dgm:effectClrLst/>
     <dgm:txLinClrLst/>
-    <dgm:txFillClrLst/>
+    <dgm:txFillClrLst meth="repeat">
+      <a:schemeClr val="dk1"/>
+    </dgm:txFillClrLst>
     <dgm:txEffectClrLst/>
   </dgm:styleLbl>
   <dgm:styleLbl name="vennNode1">
     <dgm:fillClrLst meth="repeat">
-      <a:schemeClr val="accent2">
+      <a:schemeClr val="lt1">
         <a:alpha val="50000"/>
       </a:schemeClr>
     </dgm:fillClrLst>
     <dgm:linClrLst meth="repeat">
-      <a:schemeClr val="lt1"/>
+      <a:schemeClr val="dk1">
+        <a:shade val="80000"/>
+      </a:schemeClr>
     </dgm:linClrLst>
     <dgm:effectClrLst/>
     <dgm:txLinClrLst/>
@@ -1022,48 +1100,62 @@
   </dgm:styleLbl>
   <dgm:styleLbl name="node2">
     <dgm:fillClrLst meth="repeat">
-      <a:schemeClr val="accent2"/>
+      <a:schemeClr val="lt1"/>
     </dgm:fillClrLst>
     <dgm:linClrLst meth="repeat">
-      <a:schemeClr val="lt1"/>
+      <a:schemeClr val="dk1">
+        <a:shade val="80000"/>
+      </a:schemeClr>
     </dgm:linClrLst>
     <dgm:effectClrLst/>
     <dgm:txLinClrLst/>
-    <dgm:txFillClrLst/>
+    <dgm:txFillClrLst meth="repeat">
+      <a:schemeClr val="dk1"/>
+    </dgm:txFillClrLst>
     <dgm:txEffectClrLst/>
   </dgm:styleLbl>
   <dgm:styleLbl name="node3">
     <dgm:fillClrLst meth="repeat">
-      <a:schemeClr val="accent2"/>
+      <a:schemeClr val="lt1"/>
     </dgm:fillClrLst>
     <dgm:linClrLst meth="repeat">
-      <a:schemeClr val="lt1"/>
+      <a:schemeClr val="dk1">
+        <a:shade val="80000"/>
+      </a:schemeClr>
     </dgm:linClrLst>
     <dgm:effectClrLst/>
     <dgm:txLinClrLst/>
-    <dgm:txFillClrLst/>
+    <dgm:txFillClrLst meth="repeat">
+      <a:schemeClr val="dk1"/>
+    </dgm:txFillClrLst>
     <dgm:txEffectClrLst/>
   </dgm:styleLbl>
   <dgm:styleLbl name="node4">
     <dgm:fillClrLst meth="repeat">
-      <a:schemeClr val="accent2"/>
+      <a:schemeClr val="lt1"/>
     </dgm:fillClrLst>
     <dgm:linClrLst meth="repeat">
-      <a:schemeClr val="lt1"/>
+      <a:schemeClr val="dk1">
+        <a:shade val="80000"/>
+      </a:schemeClr>
     </dgm:linClrLst>
     <dgm:effectClrLst/>
     <dgm:txLinClrLst/>
-    <dgm:txFillClrLst/>
+    <dgm:txFillClrLst meth="repeat">
+      <a:schemeClr val="dk1"/>
+    </dgm:txFillClrLst>
     <dgm:txEffectClrLst/>
   </dgm:styleLbl>
   <dgm:styleLbl name="fgImgPlace1">
     <dgm:fillClrLst meth="repeat">
-      <a:schemeClr val="accent2">
-        <a:tint val="50000"/>
+      <a:schemeClr val="dk1">
+        <a:tint val="40000"/>
       </a:schemeClr>
     </dgm:fillClrLst>
     <dgm:linClrLst meth="repeat">
-      <a:schemeClr val="lt1"/>
+      <a:schemeClr val="dk1">
+        <a:shade val="80000"/>
+      </a:schemeClr>
     </dgm:linClrLst>
     <dgm:effectClrLst/>
     <dgm:txLinClrLst/>
@@ -1074,12 +1166,14 @@
   </dgm:styleLbl>
   <dgm:styleLbl name="alignImgPlace1">
     <dgm:fillClrLst meth="repeat">
-      <a:schemeClr val="accent2">
-        <a:tint val="50000"/>
+      <a:schemeClr val="dk1">
+        <a:tint val="40000"/>
       </a:schemeClr>
     </dgm:fillClrLst>
     <dgm:linClrLst meth="repeat">
-      <a:schemeClr val="lt1"/>
+      <a:schemeClr val="dk1">
+        <a:shade val="80000"/>
+      </a:schemeClr>
     </dgm:linClrLst>
     <dgm:effectClrLst/>
     <dgm:txLinClrLst/>
@@ -1090,12 +1184,14 @@
   </dgm:styleLbl>
   <dgm:styleLbl name="bgImgPlace1">
     <dgm:fillClrLst meth="repeat">
-      <a:schemeClr val="accent2">
-        <a:tint val="50000"/>
+      <a:schemeClr val="dk1">
+        <a:tint val="40000"/>
       </a:schemeClr>
     </dgm:fillClrLst>
     <dgm:linClrLst meth="repeat">
-      <a:schemeClr val="lt1"/>
+      <a:schemeClr val="dk1">
+        <a:shade val="80000"/>
+      </a:schemeClr>
     </dgm:linClrLst>
     <dgm:effectClrLst/>
     <dgm:txLinClrLst/>
@@ -1106,58 +1202,64 @@
   </dgm:styleLbl>
   <dgm:styleLbl name="sibTrans2D1">
     <dgm:fillClrLst meth="repeat">
-      <a:schemeClr val="accent2">
+      <a:schemeClr val="dk1">
         <a:tint val="60000"/>
       </a:schemeClr>
     </dgm:fillClrLst>
     <dgm:linClrLst meth="repeat">
-      <a:schemeClr val="accent2">
+      <a:schemeClr val="dk1">
         <a:tint val="60000"/>
       </a:schemeClr>
     </dgm:linClrLst>
     <dgm:effectClrLst/>
     <dgm:txLinClrLst/>
-    <dgm:txFillClrLst/>
+    <dgm:txFillClrLst meth="repeat">
+      <a:schemeClr val="dk1"/>
+    </dgm:txFillClrLst>
     <dgm:txEffectClrLst/>
   </dgm:styleLbl>
   <dgm:styleLbl name="fgSibTrans2D1">
     <dgm:fillClrLst meth="repeat">
-      <a:schemeClr val="accent2">
+      <a:schemeClr val="dk1">
         <a:tint val="60000"/>
       </a:schemeClr>
     </dgm:fillClrLst>
     <dgm:linClrLst meth="repeat">
-      <a:schemeClr val="accent2">
+      <a:schemeClr val="dk1">
         <a:tint val="60000"/>
       </a:schemeClr>
     </dgm:linClrLst>
     <dgm:effectClrLst/>
     <dgm:txLinClrLst/>
-    <dgm:txFillClrLst/>
+    <dgm:txFillClrLst meth="repeat">
+      <a:schemeClr val="dk1"/>
+    </dgm:txFillClrLst>
     <dgm:txEffectClrLst/>
   </dgm:styleLbl>
   <dgm:styleLbl name="bgSibTrans2D1">
     <dgm:fillClrLst meth="repeat">
-      <a:schemeClr val="accent2">
+      <a:schemeClr val="dk1">
         <a:tint val="60000"/>
       </a:schemeClr>
     </dgm:fillClrLst>
     <dgm:linClrLst meth="repeat">
-      <a:schemeClr val="accent2">
+      <a:schemeClr val="dk1">
         <a:tint val="60000"/>
       </a:schemeClr>
     </dgm:linClrLst>
     <dgm:effectClrLst/>
     <dgm:txLinClrLst/>
-    <dgm:txFillClrLst/>
+    <dgm:txFillClrLst meth="repeat">
+      <a:schemeClr val="dk1"/>
+    </dgm:txFillClrLst>
     <dgm:txEffectClrLst/>
   </dgm:styleLbl>
   <dgm:styleLbl name="sibTrans1D1">
     <dgm:fillClrLst meth="repeat">
-      <a:schemeClr val="accent2"/>
+      <a:schemeClr val="dk1"/>
     </dgm:fillClrLst>
     <dgm:linClrLst meth="repeat">
-      <a:schemeClr val="accent2"/>
+      <a:schemeClr val="dk1"/>
     </dgm:linClrLst>
     <dgm:effectClrLst/>
     <dgm:txLinClrLst/>
@@ -1168,12 +1270,10 @@
   </dgm:styleLbl>
   <dgm:styleLbl name="callout">
     <dgm:fillClrLst meth="repeat">
-      <a:schemeClr val="accent2"/>
+      <a:schemeClr val="dk1"/>
     </dgm:fillClrLst>
     <dgm:linClrLst meth="repeat">
-      <a:schemeClr val="accent2">
-        <a:tint val="50000"/>
-      </a:schemeClr>
+      <a:schemeClr val="dk1"/>
     </dgm:linClrLst>
     <dgm:effectClrLst/>
     <dgm:txLinClrLst/>
@@ -1184,116 +1284,130 @@
   </dgm:styleLbl>
   <dgm:styleLbl name="asst0">
     <dgm:fillClrLst meth="repeat">
-      <a:schemeClr val="accent2"/>
+      <a:schemeClr val="lt1"/>
     </dgm:fillClrLst>
     <dgm:linClrLst meth="repeat">
+      <a:schemeClr val="dk1">
+        <a:shade val="80000"/>
+      </a:schemeClr>
+    </dgm:linClrLst>
+    <dgm:effectClrLst/>
+    <dgm:txLinClrLst/>
+    <dgm:txFillClrLst meth="repeat">
+      <a:schemeClr val="dk1"/>
+    </dgm:txFillClrLst>
+    <dgm:txEffectClrLst/>
+  </dgm:styleLbl>
+  <dgm:styleLbl name="asst1">
+    <dgm:fillClrLst meth="repeat">
       <a:schemeClr val="lt1"/>
+    </dgm:fillClrLst>
+    <dgm:linClrLst meth="repeat">
+      <a:schemeClr val="dk1">
+        <a:shade val="80000"/>
+      </a:schemeClr>
+    </dgm:linClrLst>
+    <dgm:effectClrLst/>
+    <dgm:txLinClrLst/>
+    <dgm:txFillClrLst meth="repeat">
+      <a:schemeClr val="dk1"/>
+    </dgm:txFillClrLst>
+    <dgm:txEffectClrLst/>
+  </dgm:styleLbl>
+  <dgm:styleLbl name="asst2">
+    <dgm:fillClrLst meth="repeat">
+      <a:schemeClr val="lt1"/>
+    </dgm:fillClrLst>
+    <dgm:linClrLst meth="repeat">
+      <a:schemeClr val="dk1">
+        <a:shade val="80000"/>
+      </a:schemeClr>
+    </dgm:linClrLst>
+    <dgm:effectClrLst/>
+    <dgm:txLinClrLst/>
+    <dgm:txFillClrLst meth="repeat">
+      <a:schemeClr val="dk1"/>
+    </dgm:txFillClrLst>
+    <dgm:txEffectClrLst/>
+  </dgm:styleLbl>
+  <dgm:styleLbl name="asst3">
+    <dgm:fillClrLst meth="repeat">
+      <a:schemeClr val="lt1"/>
+    </dgm:fillClrLst>
+    <dgm:linClrLst meth="repeat">
+      <a:schemeClr val="dk1">
+        <a:shade val="80000"/>
+      </a:schemeClr>
+    </dgm:linClrLst>
+    <dgm:effectClrLst/>
+    <dgm:txLinClrLst/>
+    <dgm:txFillClrLst meth="repeat">
+      <a:schemeClr val="dk1"/>
+    </dgm:txFillClrLst>
+    <dgm:txEffectClrLst/>
+  </dgm:styleLbl>
+  <dgm:styleLbl name="asst4">
+    <dgm:fillClrLst meth="repeat">
+      <a:schemeClr val="lt1"/>
+    </dgm:fillClrLst>
+    <dgm:linClrLst meth="repeat">
+      <a:schemeClr val="dk1">
+        <a:shade val="80000"/>
+      </a:schemeClr>
+    </dgm:linClrLst>
+    <dgm:effectClrLst/>
+    <dgm:txLinClrLst/>
+    <dgm:txFillClrLst meth="repeat">
+      <a:schemeClr val="dk1"/>
+    </dgm:txFillClrLst>
+    <dgm:txEffectClrLst/>
+  </dgm:styleLbl>
+  <dgm:styleLbl name="parChTrans2D1">
+    <dgm:fillClrLst meth="repeat">
+      <a:schemeClr val="dk1">
+        <a:tint val="60000"/>
+      </a:schemeClr>
+    </dgm:fillClrLst>
+    <dgm:linClrLst meth="repeat">
+      <a:schemeClr val="dk1">
+        <a:tint val="60000"/>
+      </a:schemeClr>
     </dgm:linClrLst>
     <dgm:effectClrLst/>
     <dgm:txLinClrLst/>
     <dgm:txFillClrLst/>
     <dgm:txEffectClrLst/>
   </dgm:styleLbl>
-  <dgm:styleLbl name="asst1">
+  <dgm:styleLbl name="parChTrans2D2">
     <dgm:fillClrLst meth="repeat">
-      <a:schemeClr val="accent2"/>
+      <a:schemeClr val="dk1"/>
     </dgm:fillClrLst>
     <dgm:linClrLst meth="repeat">
-      <a:schemeClr val="lt1"/>
+      <a:schemeClr val="dk1"/>
     </dgm:linClrLst>
     <dgm:effectClrLst/>
     <dgm:txLinClrLst/>
     <dgm:txFillClrLst/>
     <dgm:txEffectClrLst/>
   </dgm:styleLbl>
-  <dgm:styleLbl name="asst2">
+  <dgm:styleLbl name="parChTrans2D3">
     <dgm:fillClrLst meth="repeat">
-      <a:schemeClr val="accent2"/>
+      <a:schemeClr val="dk1"/>
     </dgm:fillClrLst>
     <dgm:linClrLst meth="repeat">
-      <a:schemeClr val="lt1"/>
+      <a:schemeClr val="dk1"/>
     </dgm:linClrLst>
     <dgm:effectClrLst/>
     <dgm:txLinClrLst/>
     <dgm:txFillClrLst/>
     <dgm:txEffectClrLst/>
   </dgm:styleLbl>
-  <dgm:styleLbl name="asst3">
+  <dgm:styleLbl name="parChTrans2D4">
     <dgm:fillClrLst meth="repeat">
-      <a:schemeClr val="accent2"/>
+      <a:schemeClr val="dk1"/>
     </dgm:fillClrLst>
     <dgm:linClrLst meth="repeat">
-      <a:schemeClr val="lt1"/>
-    </dgm:linClrLst>
-    <dgm:effectClrLst/>
-    <dgm:txLinClrLst/>
-    <dgm:txFillClrLst/>
-    <dgm:txEffectClrLst/>
-  </dgm:styleLbl>
-  <dgm:styleLbl name="asst4">
-    <dgm:fillClrLst meth="repeat">
-      <a:schemeClr val="accent2"/>
-    </dgm:fillClrLst>
-    <dgm:linClrLst meth="repeat">
-      <a:schemeClr val="lt1"/>
-    </dgm:linClrLst>
-    <dgm:effectClrLst/>
-    <dgm:txLinClrLst/>
-    <dgm:txFillClrLst/>
-    <dgm:txEffectClrLst/>
-  </dgm:styleLbl>
-  <dgm:styleLbl name="parChTrans2D1">
-    <dgm:fillClrLst meth="repeat">
-      <a:schemeClr val="accent2">
-        <a:tint val="60000"/>
-      </a:schemeClr>
-    </dgm:fillClrLst>
-    <dgm:linClrLst meth="repeat">
-      <a:schemeClr val="accent2">
-        <a:tint val="60000"/>
-      </a:schemeClr>
-    </dgm:linClrLst>
-    <dgm:effectClrLst/>
-    <dgm:txLinClrLst/>
-    <dgm:txFillClrLst meth="repeat">
-      <a:schemeClr val="lt1"/>
-    </dgm:txFillClrLst>
-    <dgm:txEffectClrLst/>
-  </dgm:styleLbl>
-  <dgm:styleLbl name="parChTrans2D2">
-    <dgm:fillClrLst meth="repeat">
-      <a:schemeClr val="accent2"/>
-    </dgm:fillClrLst>
-    <dgm:linClrLst meth="repeat">
-      <a:schemeClr val="accent2"/>
-    </dgm:linClrLst>
-    <dgm:effectClrLst/>
-    <dgm:txLinClrLst/>
-    <dgm:txFillClrLst meth="repeat">
-      <a:schemeClr val="lt1"/>
-    </dgm:txFillClrLst>
-    <dgm:txEffectClrLst/>
-  </dgm:styleLbl>
-  <dgm:styleLbl name="parChTrans2D3">
-    <dgm:fillClrLst meth="repeat">
-      <a:schemeClr val="accent2"/>
-    </dgm:fillClrLst>
-    <dgm:linClrLst meth="repeat">
-      <a:schemeClr val="accent2"/>
-    </dgm:linClrLst>
-    <dgm:effectClrLst/>
-    <dgm:txLinClrLst/>
-    <dgm:txFillClrLst meth="repeat">
-      <a:schemeClr val="lt1"/>
-    </dgm:txFillClrLst>
-    <dgm:txEffectClrLst/>
-  </dgm:styleLbl>
-  <dgm:styleLbl name="parChTrans2D4">
-    <dgm:fillClrLst meth="repeat">
-      <a:schemeClr val="accent2"/>
-    </dgm:fillClrLst>
-    <dgm:linClrLst meth="repeat">
-      <a:schemeClr val="accent2"/>
+      <a:schemeClr val="dk1"/>
     </dgm:linClrLst>
     <dgm:effectClrLst/>
     <dgm:txLinClrLst/>
@@ -1304,10 +1418,10 @@
   </dgm:styleLbl>
   <dgm:styleLbl name="parChTrans1D1">
     <dgm:fillClrLst meth="repeat">
-      <a:schemeClr val="accent2"/>
+      <a:schemeClr val="dk1"/>
     </dgm:fillClrLst>
     <dgm:linClrLst meth="repeat">
-      <a:schemeClr val="accent2">
+      <a:schemeClr val="dk1">
         <a:shade val="60000"/>
       </a:schemeClr>
     </dgm:linClrLst>
@@ -1320,10 +1434,10 @@
   </dgm:styleLbl>
   <dgm:styleLbl name="parChTrans1D2">
     <dgm:fillClrLst meth="repeat">
-      <a:schemeClr val="accent2"/>
+      <a:schemeClr val="dk1"/>
     </dgm:fillClrLst>
     <dgm:linClrLst meth="repeat">
-      <a:schemeClr val="accent2">
+      <a:schemeClr val="dk1">
         <a:shade val="60000"/>
       </a:schemeClr>
     </dgm:linClrLst>
@@ -1336,10 +1450,10 @@
   </dgm:styleLbl>
   <dgm:styleLbl name="parChTrans1D3">
     <dgm:fillClrLst meth="repeat">
-      <a:schemeClr val="accent2"/>
+      <a:schemeClr val="dk1"/>
     </dgm:fillClrLst>
     <dgm:linClrLst meth="repeat">
-      <a:schemeClr val="accent2">
+      <a:schemeClr val="dk1">
         <a:shade val="80000"/>
       </a:schemeClr>
     </dgm:linClrLst>
@@ -1352,10 +1466,10 @@
   </dgm:styleLbl>
   <dgm:styleLbl name="parChTrans1D4">
     <dgm:fillClrLst meth="repeat">
-      <a:schemeClr val="accent2"/>
+      <a:schemeClr val="dk1"/>
     </dgm:fillClrLst>
     <dgm:linClrLst meth="repeat">
-      <a:schemeClr val="accent2">
+      <a:schemeClr val="dk1">
         <a:shade val="80000"/>
       </a:schemeClr>
     </dgm:linClrLst>
@@ -1368,12 +1482,13 @@
   </dgm:styleLbl>
   <dgm:styleLbl name="fgAcc1">
     <dgm:fillClrLst meth="repeat">
-      <a:schemeClr val="lt1">
+      <a:schemeClr val="dk1">
         <a:alpha val="90000"/>
+        <a:tint val="40000"/>
       </a:schemeClr>
     </dgm:fillClrLst>
     <dgm:linClrLst meth="repeat">
-      <a:schemeClr val="accent2"/>
+      <a:schemeClr val="dk1"/>
     </dgm:linClrLst>
     <dgm:effectClrLst/>
     <dgm:txLinClrLst/>
@@ -1384,12 +1499,13 @@
   </dgm:styleLbl>
   <dgm:styleLbl name="conFgAcc1">
     <dgm:fillClrLst meth="repeat">
-      <a:schemeClr val="lt1">
+      <a:schemeClr val="dk1">
         <a:alpha val="90000"/>
+        <a:tint val="40000"/>
       </a:schemeClr>
     </dgm:fillClrLst>
     <dgm:linClrLst meth="repeat">
-      <a:schemeClr val="accent2"/>
+      <a:schemeClr val="dk1"/>
     </dgm:linClrLst>
     <dgm:effectClrLst/>
     <dgm:txLinClrLst/>
@@ -1400,12 +1516,13 @@
   </dgm:styleLbl>
   <dgm:styleLbl name="alignAcc1">
     <dgm:fillClrLst meth="repeat">
-      <a:schemeClr val="lt1">
+      <a:schemeClr val="dk1">
         <a:alpha val="90000"/>
+        <a:tint val="40000"/>
       </a:schemeClr>
     </dgm:fillClrLst>
     <dgm:linClrLst meth="repeat">
-      <a:schemeClr val="accent2"/>
+      <a:schemeClr val="dk1"/>
     </dgm:linClrLst>
     <dgm:effectClrLst/>
     <dgm:txLinClrLst/>
@@ -1416,12 +1533,13 @@
   </dgm:styleLbl>
   <dgm:styleLbl name="trAlignAcc1">
     <dgm:fillClrLst meth="repeat">
-      <a:schemeClr val="lt1">
+      <a:schemeClr val="dk1">
         <a:alpha val="40000"/>
+        <a:tint val="40000"/>
       </a:schemeClr>
     </dgm:fillClrLst>
     <dgm:linClrLst meth="repeat">
-      <a:schemeClr val="accent2"/>
+      <a:schemeClr val="dk1"/>
     </dgm:linClrLst>
     <dgm:effectClrLst/>
     <dgm:txLinClrLst/>
@@ -1432,12 +1550,13 @@
   </dgm:styleLbl>
   <dgm:styleLbl name="bgAcc1">
     <dgm:fillClrLst meth="repeat">
-      <a:schemeClr val="lt1">
+      <a:schemeClr val="dk1">
         <a:alpha val="90000"/>
+        <a:tint val="40000"/>
       </a:schemeClr>
     </dgm:fillClrLst>
     <dgm:linClrLst meth="repeat">
-      <a:schemeClr val="accent2"/>
+      <a:schemeClr val="dk1"/>
     </dgm:linClrLst>
     <dgm:effectClrLst/>
     <dgm:txLinClrLst/>
@@ -1451,7 +1570,7 @@
       <a:schemeClr val="lt1"/>
     </dgm:fillClrLst>
     <dgm:linClrLst meth="repeat">
-      <a:schemeClr val="accent2"/>
+      <a:schemeClr val="dk1"/>
     </dgm:linClrLst>
     <dgm:effectClrLst/>
     <dgm:txLinClrLst/>
@@ -1465,7 +1584,7 @@
       <a:schemeClr val="lt1"/>
     </dgm:fillClrLst>
     <dgm:linClrLst meth="repeat">
-      <a:schemeClr val="accent2"/>
+      <a:schemeClr val="dk1"/>
     </dgm:linClrLst>
     <dgm:effectClrLst/>
     <dgm:txLinClrLst/>
@@ -1479,7 +1598,7 @@
       <a:schemeClr val="lt1"/>
     </dgm:fillClrLst>
     <dgm:linClrLst meth="repeat">
-      <a:schemeClr val="accent2"/>
+      <a:schemeClr val="dk1"/>
     </dgm:linClrLst>
     <dgm:effectClrLst/>
     <dgm:txLinClrLst/>
@@ -1490,15 +1609,14 @@
   </dgm:styleLbl>
   <dgm:styleLbl name="fgAccFollowNode1">
     <dgm:fillClrLst meth="repeat">
-      <a:schemeClr val="accent2">
+      <a:schemeClr val="lt1">
         <a:alpha val="90000"/>
         <a:tint val="40000"/>
       </a:schemeClr>
     </dgm:fillClrLst>
     <dgm:linClrLst meth="repeat">
-      <a:schemeClr val="accent2">
+      <a:schemeClr val="dk1">
         <a:alpha val="90000"/>
-        <a:tint val="40000"/>
       </a:schemeClr>
     </dgm:linClrLst>
     <dgm:effectClrLst/>
@@ -1510,15 +1628,14 @@
   </dgm:styleLbl>
   <dgm:styleLbl name="alignAccFollowNode1">
     <dgm:fillClrLst meth="repeat">
-      <a:schemeClr val="accent2">
+      <a:schemeClr val="lt1">
         <a:alpha val="90000"/>
         <a:tint val="40000"/>
       </a:schemeClr>
     </dgm:fillClrLst>
     <dgm:linClrLst meth="repeat">
-      <a:schemeClr val="accent2">
+      <a:schemeClr val="dk1">
         <a:alpha val="90000"/>
-        <a:tint val="40000"/>
       </a:schemeClr>
     </dgm:linClrLst>
     <dgm:effectClrLst/>
@@ -1530,15 +1647,14 @@
   </dgm:styleLbl>
   <dgm:styleLbl name="bgAccFollowNode1">
     <dgm:fillClrLst meth="repeat">
-      <a:schemeClr val="accent2">
+      <a:schemeClr val="lt1">
         <a:alpha val="90000"/>
         <a:tint val="40000"/>
       </a:schemeClr>
     </dgm:fillClrLst>
     <dgm:linClrLst meth="repeat">
-      <a:schemeClr val="accent2">
+      <a:schemeClr val="dk1">
         <a:alpha val="90000"/>
-        <a:tint val="40000"/>
       </a:schemeClr>
     </dgm:linClrLst>
     <dgm:effectClrLst/>
@@ -1550,12 +1666,13 @@
   </dgm:styleLbl>
   <dgm:styleLbl name="fgAcc0">
     <dgm:fillClrLst meth="repeat">
-      <a:schemeClr val="lt1">
+      <a:schemeClr val="dk1">
         <a:alpha val="90000"/>
+        <a:tint val="40000"/>
       </a:schemeClr>
     </dgm:fillClrLst>
     <dgm:linClrLst meth="repeat">
-      <a:schemeClr val="accent2"/>
+      <a:schemeClr val="dk1"/>
     </dgm:linClrLst>
     <dgm:effectClrLst/>
     <dgm:txLinClrLst/>
@@ -1566,12 +1683,13 @@
   </dgm:styleLbl>
   <dgm:styleLbl name="fgAcc2">
     <dgm:fillClrLst meth="repeat">
-      <a:schemeClr val="lt1">
+      <a:schemeClr val="dk1">
         <a:alpha val="90000"/>
+        <a:tint val="40000"/>
       </a:schemeClr>
     </dgm:fillClrLst>
     <dgm:linClrLst meth="repeat">
-      <a:schemeClr val="accent2"/>
+      <a:schemeClr val="dk1"/>
     </dgm:linClrLst>
     <dgm:effectClrLst/>
     <dgm:txLinClrLst/>
@@ -1582,12 +1700,13 @@
   </dgm:styleLbl>
   <dgm:styleLbl name="fgAcc3">
     <dgm:fillClrLst meth="repeat">
-      <a:schemeClr val="lt1">
+      <a:schemeClr val="dk1">
         <a:alpha val="90000"/>
+        <a:tint val="40000"/>
       </a:schemeClr>
     </dgm:fillClrLst>
     <dgm:linClrLst meth="repeat">
-      <a:schemeClr val="accent2"/>
+      <a:schemeClr val="dk1"/>
     </dgm:linClrLst>
     <dgm:effectClrLst/>
     <dgm:txLinClrLst/>
@@ -1598,12 +1717,13 @@
   </dgm:styleLbl>
   <dgm:styleLbl name="fgAcc4">
     <dgm:fillClrLst meth="repeat">
-      <a:schemeClr val="lt1">
+      <a:schemeClr val="dk1">
         <a:alpha val="90000"/>
+        <a:tint val="40000"/>
       </a:schemeClr>
     </dgm:fillClrLst>
     <dgm:linClrLst meth="repeat">
-      <a:schemeClr val="accent2"/>
+      <a:schemeClr val="dk1"/>
     </dgm:linClrLst>
     <dgm:effectClrLst/>
     <dgm:txLinClrLst/>
@@ -1614,12 +1734,12 @@
   </dgm:styleLbl>
   <dgm:styleLbl name="bgShp">
     <dgm:fillClrLst meth="repeat">
-      <a:schemeClr val="accent2">
+      <a:schemeClr val="dk1">
         <a:tint val="40000"/>
       </a:schemeClr>
     </dgm:fillClrLst>
     <dgm:linClrLst meth="repeat">
-      <a:schemeClr val="accent2"/>
+      <a:schemeClr val="dk1"/>
     </dgm:linClrLst>
     <dgm:effectClrLst/>
     <dgm:txLinClrLst/>
@@ -1630,12 +1750,12 @@
   </dgm:styleLbl>
   <dgm:styleLbl name="dkBgShp">
     <dgm:fillClrLst meth="repeat">
-      <a:schemeClr val="accent2">
+      <a:schemeClr val="dk1">
         <a:shade val="80000"/>
       </a:schemeClr>
     </dgm:fillClrLst>
     <dgm:linClrLst meth="repeat">
-      <a:schemeClr val="accent2"/>
+      <a:schemeClr val="dk1"/>
     </dgm:linClrLst>
     <dgm:effectClrLst/>
     <dgm:txLinClrLst/>
@@ -1646,13 +1766,13 @@
   </dgm:styleLbl>
   <dgm:styleLbl name="trBgShp">
     <dgm:fillClrLst meth="repeat">
-      <a:schemeClr val="accent2">
+      <a:schemeClr val="dk1">
         <a:tint val="50000"/>
         <a:alpha val="40000"/>
       </a:schemeClr>
     </dgm:fillClrLst>
     <dgm:linClrLst meth="repeat">
-      <a:schemeClr val="accent2"/>
+      <a:schemeClr val="dk1"/>
     </dgm:linClrLst>
     <dgm:effectClrLst/>
     <dgm:txLinClrLst/>
@@ -1663,7 +1783,7 @@
   </dgm:styleLbl>
   <dgm:styleLbl name="fgShp">
     <dgm:fillClrLst meth="repeat">
-      <a:schemeClr val="accent2">
+      <a:schemeClr val="dk1">
         <a:tint val="60000"/>
       </a:schemeClr>
     </dgm:fillClrLst>
@@ -1702,7 +1822,7 @@
 <dgm:dataModel xmlns:dgm="http://schemas.openxmlformats.org/drawingml/2006/diagram" xmlns:a="http://schemas.openxmlformats.org/drawingml/2006/main">
   <dgm:ptLst>
     <dgm:pt modelId="{906D0D95-5AC1-4D2E-B9B9-3257DEABF982}" type="doc">
-      <dgm:prSet loTypeId="urn:microsoft.com/office/officeart/2008/layout/VerticalCurvedList" loCatId="list" qsTypeId="urn:microsoft.com/office/officeart/2005/8/quickstyle/simple1" qsCatId="simple" csTypeId="urn:microsoft.com/office/officeart/2005/8/colors/accent2_2" csCatId="accent2" phldr="1"/>
+      <dgm:prSet loTypeId="urn:microsoft.com/office/officeart/2008/layout/VerticalCurvedList" loCatId="list" qsTypeId="urn:microsoft.com/office/officeart/2005/8/quickstyle/simple1" qsCatId="simple" csTypeId="urn:microsoft.com/office/officeart/2005/8/colors/accent0_1" csCatId="mainScheme" phldr="1"/>
       <dgm:spPr/>
       <dgm:t>
         <a:bodyPr/>
@@ -1957,7 +2077,7 @@
 <dgm:dataModel xmlns:dgm="http://schemas.openxmlformats.org/drawingml/2006/diagram" xmlns:a="http://schemas.openxmlformats.org/drawingml/2006/main">
   <dgm:ptLst>
     <dgm:pt modelId="{906D0D95-5AC1-4D2E-B9B9-3257DEABF982}" type="doc">
-      <dgm:prSet loTypeId="urn:microsoft.com/office/officeart/2008/layout/VerticalCurvedList" loCatId="list" qsTypeId="urn:microsoft.com/office/officeart/2005/8/quickstyle/simple1" qsCatId="simple" csTypeId="urn:microsoft.com/office/officeart/2005/8/colors/accent2_2" csCatId="accent2" phldr="1"/>
+      <dgm:prSet loTypeId="urn:microsoft.com/office/officeart/2008/layout/VerticalCurvedList" loCatId="list" qsTypeId="urn:microsoft.com/office/officeart/2005/8/quickstyle/simple1" qsCatId="simple" csTypeId="urn:microsoft.com/office/officeart/2005/8/colors/accent0_1" csCatId="mainScheme" phldr="1"/>
       <dgm:spPr/>
       <dgm:t>
         <a:bodyPr/>
@@ -2132,10 +2252,24 @@
     <dgm:pt modelId="{C2FC45A3-A78B-42D5-B433-07C69ECBC772}" type="parTrans" cxnId="{9E1E0EBD-C8F1-4DD2-8D0D-B08EC7B7A3B5}">
       <dgm:prSet/>
       <dgm:spPr/>
+      <dgm:t>
+        <a:bodyPr/>
+        <a:lstStyle/>
+        <a:p>
+          <a:endParaRPr lang="en-US"/>
+        </a:p>
+      </dgm:t>
     </dgm:pt>
     <dgm:pt modelId="{F1066729-CD93-4CEB-A0E4-B8DF02E98F7C}" type="sibTrans" cxnId="{9E1E0EBD-C8F1-4DD2-8D0D-B08EC7B7A3B5}">
       <dgm:prSet/>
       <dgm:spPr/>
+      <dgm:t>
+        <a:bodyPr/>
+        <a:lstStyle/>
+        <a:p>
+          <a:endParaRPr lang="en-US"/>
+        </a:p>
+      </dgm:t>
     </dgm:pt>
     <dgm:pt modelId="{AEEAACCD-F653-48E1-BC41-03DBEC944DD1}" type="pres">
       <dgm:prSet presAssocID="{906D0D95-5AC1-4D2E-B9B9-3257DEABF982}" presName="Name0" presStyleCnt="0">
@@ -2325,7 +2459,7 @@
         <a:noFill/>
         <a:ln w="19050" cap="flat" cmpd="sng" algn="ctr">
           <a:solidFill>
-            <a:schemeClr val="accent2">
+            <a:schemeClr val="dk1">
               <a:shade val="60000"/>
               <a:hueOff val="0"/>
               <a:satOff val="0"/>
@@ -2364,7 +2498,7 @@
           <a:avLst/>
         </a:prstGeom>
         <a:solidFill>
-          <a:schemeClr val="accent2">
+          <a:schemeClr val="lt1">
             <a:hueOff val="0"/>
             <a:satOff val="0"/>
             <a:lumOff val="0"/>
@@ -2373,7 +2507,8 @@
         </a:solidFill>
         <a:ln w="19050" cap="flat" cmpd="sng" algn="ctr">
           <a:solidFill>
-            <a:schemeClr val="lt1">
+            <a:schemeClr val="dk1">
+              <a:shade val="80000"/>
               <a:hueOff val="0"/>
               <a:satOff val="0"/>
               <a:lumOff val="0"/>
@@ -2452,7 +2587,7 @@
         </a:solidFill>
         <a:ln w="19050" cap="flat" cmpd="sng" algn="ctr">
           <a:solidFill>
-            <a:schemeClr val="accent2">
+            <a:schemeClr val="dk1">
               <a:hueOff val="0"/>
               <a:satOff val="0"/>
               <a:lumOff val="0"/>
@@ -2490,7 +2625,7 @@
           <a:avLst/>
         </a:prstGeom>
         <a:solidFill>
-          <a:schemeClr val="accent2">
+          <a:schemeClr val="lt1">
             <a:hueOff val="0"/>
             <a:satOff val="0"/>
             <a:lumOff val="0"/>
@@ -2499,7 +2634,8 @@
         </a:solidFill>
         <a:ln w="19050" cap="flat" cmpd="sng" algn="ctr">
           <a:solidFill>
-            <a:schemeClr val="lt1">
+            <a:schemeClr val="dk1">
+              <a:shade val="80000"/>
               <a:hueOff val="0"/>
               <a:satOff val="0"/>
               <a:lumOff val="0"/>
@@ -2578,7 +2714,7 @@
         </a:solidFill>
         <a:ln w="19050" cap="flat" cmpd="sng" algn="ctr">
           <a:solidFill>
-            <a:schemeClr val="accent2">
+            <a:schemeClr val="dk1">
               <a:hueOff val="0"/>
               <a:satOff val="0"/>
               <a:lumOff val="0"/>
@@ -2616,7 +2752,7 @@
           <a:avLst/>
         </a:prstGeom>
         <a:solidFill>
-          <a:schemeClr val="accent2">
+          <a:schemeClr val="lt1">
             <a:hueOff val="0"/>
             <a:satOff val="0"/>
             <a:lumOff val="0"/>
@@ -2625,7 +2761,8 @@
         </a:solidFill>
         <a:ln w="19050" cap="flat" cmpd="sng" algn="ctr">
           <a:solidFill>
-            <a:schemeClr val="lt1">
+            <a:schemeClr val="dk1">
+              <a:shade val="80000"/>
               <a:hueOff val="0"/>
               <a:satOff val="0"/>
               <a:lumOff val="0"/>
@@ -2704,7 +2841,7 @@
         </a:solidFill>
         <a:ln w="19050" cap="flat" cmpd="sng" algn="ctr">
           <a:solidFill>
-            <a:schemeClr val="accent2">
+            <a:schemeClr val="dk1">
               <a:hueOff val="0"/>
               <a:satOff val="0"/>
               <a:lumOff val="0"/>
@@ -2760,7 +2897,7 @@
         <a:noFill/>
         <a:ln w="19050" cap="flat" cmpd="sng" algn="ctr">
           <a:solidFill>
-            <a:schemeClr val="accent2">
+            <a:schemeClr val="dk1">
               <a:shade val="60000"/>
               <a:hueOff val="0"/>
               <a:satOff val="0"/>
@@ -2799,7 +2936,7 @@
           <a:avLst/>
         </a:prstGeom>
         <a:solidFill>
-          <a:schemeClr val="accent2">
+          <a:schemeClr val="lt1">
             <a:hueOff val="0"/>
             <a:satOff val="0"/>
             <a:lumOff val="0"/>
@@ -2808,7 +2945,8 @@
         </a:solidFill>
         <a:ln w="19050" cap="flat" cmpd="sng" algn="ctr">
           <a:solidFill>
-            <a:schemeClr val="lt1">
+            <a:schemeClr val="dk1">
+              <a:shade val="80000"/>
               <a:hueOff val="0"/>
               <a:satOff val="0"/>
               <a:lumOff val="0"/>
@@ -2886,7 +3024,7 @@
         </a:solidFill>
         <a:ln w="19050" cap="flat" cmpd="sng" algn="ctr">
           <a:solidFill>
-            <a:schemeClr val="accent2">
+            <a:schemeClr val="dk1">
               <a:hueOff val="0"/>
               <a:satOff val="0"/>
               <a:lumOff val="0"/>
@@ -2924,7 +3062,7 @@
           <a:avLst/>
         </a:prstGeom>
         <a:solidFill>
-          <a:schemeClr val="accent2">
+          <a:schemeClr val="lt1">
             <a:hueOff val="0"/>
             <a:satOff val="0"/>
             <a:lumOff val="0"/>
@@ -2933,7 +3071,8 @@
         </a:solidFill>
         <a:ln w="19050" cap="flat" cmpd="sng" algn="ctr">
           <a:solidFill>
-            <a:schemeClr val="lt1">
+            <a:schemeClr val="dk1">
+              <a:shade val="80000"/>
               <a:hueOff val="0"/>
               <a:satOff val="0"/>
               <a:lumOff val="0"/>
@@ -3010,7 +3149,7 @@
         </a:solidFill>
         <a:ln w="19050" cap="flat" cmpd="sng" algn="ctr">
           <a:solidFill>
-            <a:schemeClr val="accent2">
+            <a:schemeClr val="dk1">
               <a:hueOff val="0"/>
               <a:satOff val="0"/>
               <a:lumOff val="0"/>
@@ -3048,7 +3187,7 @@
           <a:avLst/>
         </a:prstGeom>
         <a:solidFill>
-          <a:schemeClr val="accent2">
+          <a:schemeClr val="lt1">
             <a:hueOff val="0"/>
             <a:satOff val="0"/>
             <a:lumOff val="0"/>
@@ -3057,7 +3196,8 @@
         </a:solidFill>
         <a:ln w="19050" cap="flat" cmpd="sng" algn="ctr">
           <a:solidFill>
-            <a:schemeClr val="lt1">
+            <a:schemeClr val="dk1">
+              <a:shade val="80000"/>
               <a:hueOff val="0"/>
               <a:satOff val="0"/>
               <a:lumOff val="0"/>
@@ -3134,7 +3274,7 @@
         </a:solidFill>
         <a:ln w="19050" cap="flat" cmpd="sng" algn="ctr">
           <a:solidFill>
-            <a:schemeClr val="accent2">
+            <a:schemeClr val="dk1">
               <a:hueOff val="0"/>
               <a:satOff val="0"/>
               <a:lumOff val="0"/>
@@ -3172,7 +3312,7 @@
           <a:avLst/>
         </a:prstGeom>
         <a:solidFill>
-          <a:schemeClr val="accent2">
+          <a:schemeClr val="lt1">
             <a:hueOff val="0"/>
             <a:satOff val="0"/>
             <a:lumOff val="0"/>
@@ -3181,7 +3321,8 @@
         </a:solidFill>
         <a:ln w="19050" cap="flat" cmpd="sng" algn="ctr">
           <a:solidFill>
-            <a:schemeClr val="lt1">
+            <a:schemeClr val="dk1">
+              <a:shade val="80000"/>
               <a:hueOff val="0"/>
               <a:satOff val="0"/>
               <a:lumOff val="0"/>
@@ -3258,7 +3399,7 @@
         </a:solidFill>
         <a:ln w="19050" cap="flat" cmpd="sng" algn="ctr">
           <a:solidFill>
-            <a:schemeClr val="accent2">
+            <a:schemeClr val="dk1">
               <a:hueOff val="0"/>
               <a:satOff val="0"/>
               <a:lumOff val="0"/>
@@ -3296,7 +3437,7 @@
           <a:avLst/>
         </a:prstGeom>
         <a:solidFill>
-          <a:schemeClr val="accent2">
+          <a:schemeClr val="lt1">
             <a:hueOff val="0"/>
             <a:satOff val="0"/>
             <a:lumOff val="0"/>
@@ -3305,7 +3446,8 @@
         </a:solidFill>
         <a:ln w="19050" cap="flat" cmpd="sng" algn="ctr">
           <a:solidFill>
-            <a:schemeClr val="lt1">
+            <a:schemeClr val="dk1">
+              <a:shade val="80000"/>
               <a:hueOff val="0"/>
               <a:satOff val="0"/>
               <a:lumOff val="0"/>
@@ -3382,7 +3524,7 @@
         </a:solidFill>
         <a:ln w="19050" cap="flat" cmpd="sng" algn="ctr">
           <a:solidFill>
-            <a:schemeClr val="accent2">
+            <a:schemeClr val="dk1">
               <a:hueOff val="0"/>
               <a:satOff val="0"/>
               <a:lumOff val="0"/>
@@ -13210,14 +13352,6 @@
 <file path=ppt/slideLayouts/slideLayout15.xml><?xml version="1.0" encoding="utf-8"?>
 <p:sldLayout xmlns:a="http://schemas.openxmlformats.org/drawingml/2006/main" xmlns:r="http://schemas.openxmlformats.org/officeDocument/2006/relationships" xmlns:p="http://schemas.openxmlformats.org/presentationml/2006/main" preserve="1" userDrawn="1">
   <p:cSld name="Quote">
-    <p:bg>
-      <p:bgPr>
-        <a:solidFill>
-          <a:schemeClr val="bg1"/>
-        </a:solidFill>
-        <a:effectLst/>
-      </p:bgPr>
-    </p:bg>
     <p:spTree>
       <p:nvGrpSpPr>
         <p:cNvPr id="1" name=""/>
@@ -18179,7 +18313,7 @@
       </p:ext>
     </p:extLst>
   </p:cSld>
-  <p:clrMap bg1="dk1" tx1="lt1" bg2="dk2" tx2="lt2" accent1="accent1" accent2="accent2" accent3="accent3" accent4="accent4" accent5="accent5" accent6="accent6" hlink="hlink" folHlink="folHlink"/>
+  <p:clrMap bg1="lt1" tx1="dk1" bg2="lt2" tx2="dk2" accent1="accent1" accent2="accent2" accent3="accent3" accent4="accent4" accent5="accent5" accent6="accent6" hlink="hlink" folHlink="folHlink"/>
   <p:sldLayoutIdLst>
     <p:sldLayoutId id="2147483772" r:id="rId1"/>
     <p:sldLayoutId id="2147483776" r:id="rId2"/>
@@ -18539,25 +18673,6 @@
       </p:sp>
       <p:pic>
         <p:nvPicPr>
-          <p:cNvPr id="3" name="Picture Placeholder 2"/>
-          <p:cNvPicPr>
-            <a:picLocks noGrp="1" noChangeAspect="1"/>
-          </p:cNvPicPr>
-          <p:nvPr>
-            <p:ph type="pic" sz="quarter" idx="12"/>
-          </p:nvPr>
-        </p:nvPicPr>
-        <p:blipFill>
-          <a:blip r:embed="rId2"/>
-          <a:srcRect t="3112" b="3112"/>
-          <a:stretch>
-            <a:fillRect/>
-          </a:stretch>
-        </p:blipFill>
-        <p:spPr/>
-      </p:pic>
-      <p:pic>
-        <p:nvPicPr>
           <p:cNvPr id="4" name="Picture 3" descr="cid:image003.png@01D31CC6.A08B1C50">
             <a:extLst>
               <a:ext uri="{FF2B5EF4-FFF2-40B4-BE49-F238E27FC236}">
@@ -18571,7 +18686,7 @@
           <p:nvPr/>
         </p:nvPicPr>
         <p:blipFill>
-          <a:blip r:embed="rId3">
+          <a:blip r:embed="rId2">
             <a:extLst>
               <a:ext uri="{28A0092B-C50C-407E-A947-70E740481C1C}">
                 <a14:useLocalDpi xmlns:a14="http://schemas.microsoft.com/office/drawing/2010/main" val="0"/>
@@ -18614,6 +18729,36 @@
               </a14:hiddenLine>
             </a:ext>
           </a:extLst>
+        </p:spPr>
+      </p:pic>
+      <p:pic>
+        <p:nvPicPr>
+          <p:cNvPr id="7" name="Illustration" descr="Example of an illustration" title="Illustration for title slide">
+            <a:extLst>
+              <a:ext uri="{FF2B5EF4-FFF2-40B4-BE49-F238E27FC236}">
+                <a16:creationId xmlns:a16="http://schemas.microsoft.com/office/drawing/2014/main" id="{6D7BE52F-C01D-4565-B661-6184ACBDECF8}"/>
+              </a:ext>
+            </a:extLst>
+          </p:cNvPr>
+          <p:cNvPicPr>
+            <a:picLocks noGrp="1" noChangeAspect="1"/>
+          </p:cNvPicPr>
+          <p:nvPr>
+            <p:ph type="pic" sz="quarter" idx="12"/>
+          </p:nvPr>
+        </p:nvPicPr>
+        <p:blipFill>
+          <a:blip r:embed="rId3"/>
+          <a:srcRect t="3112" b="3112"/>
+          <a:stretch>
+            <a:fillRect/>
+          </a:stretch>
+        </p:blipFill>
+        <p:spPr bwMode="gray">
+          <a:xfrm>
+            <a:off x="0" y="0"/>
+            <a:ext cx="12195174" cy="3430006"/>
+          </a:xfrm>
         </p:spPr>
       </p:pic>
     </p:spTree>
@@ -18824,95 +18969,9 @@
           <a:prstGeom prst="snip1Rect">
             <a:avLst/>
           </a:prstGeom>
-          <a:ln>
-            <a:headEnd/>
-            <a:tailEnd/>
-          </a:ln>
-        </p:spPr>
-        <p:style>
-          <a:lnRef idx="3">
-            <a:schemeClr val="lt1"/>
-          </a:lnRef>
-          <a:fillRef idx="1">
-            <a:schemeClr val="accent2"/>
-          </a:fillRef>
-          <a:effectRef idx="1">
-            <a:schemeClr val="accent2"/>
-          </a:effectRef>
-          <a:fontRef idx="minor">
-            <a:schemeClr val="lt1"/>
-          </a:fontRef>
-        </p:style>
-        <p:txBody>
-          <a:bodyPr lIns="90000" tIns="72000" rIns="90000" bIns="72000" rtlCol="0" anchor="ctr"/>
-          <a:lstStyle/>
-          <a:p>
-            <a:pPr marR="0" algn="ctr" defTabSz="914400" eaLnBrk="1" fontAlgn="base" latinLnBrk="0" hangingPunct="1">
-              <a:lnSpc>
-                <a:spcPct val="100000"/>
-              </a:lnSpc>
-              <a:spcBef>
-                <a:spcPct val="50000"/>
-              </a:spcBef>
-              <a:spcAft>
-                <a:spcPct val="0"/>
-              </a:spcAft>
-              <a:buClr>
-                <a:srgbClr val="F0AB00"/>
-              </a:buClr>
-              <a:buSzPct val="80000"/>
-              <a:tabLst/>
-            </a:pPr>
-            <a:r>
-              <a:rPr lang="en-US" sz="1800" kern="0" dirty="0">
-                <a:ea typeface="Arial Unicode MS" pitchFamily="34" charset="-128"/>
-                <a:cs typeface="Arial Unicode MS" pitchFamily="34" charset="-128"/>
-              </a:rPr>
-              <a:t>s</a:t>
-            </a:r>
-            <a:r>
-              <a:rPr kumimoji="0" lang="en-US" sz="1800" b="0" i="0" u="none" strike="noStrike" kern="0" cap="none" spc="0" normalizeH="0" baseline="0" noProof="0" dirty="0" err="1">
-                <a:ln>
-                  <a:noFill/>
-                </a:ln>
-                <a:effectLst/>
-                <a:uLnTx/>
-                <a:uFillTx/>
-                <a:ea typeface="Arial Unicode MS" pitchFamily="34" charset="-128"/>
-                <a:cs typeface="Arial Unicode MS" pitchFamily="34" charset="-128"/>
-              </a:rPr>
-              <a:t>ervice</a:t>
-            </a:r>
-            <a:r>
-              <a:rPr kumimoji="0" lang="en-US" sz="1800" b="0" i="0" u="none" strike="noStrike" kern="0" cap="none" spc="0" normalizeH="0" baseline="0" noProof="0" dirty="0">
-                <a:ln>
-                  <a:noFill/>
-                </a:ln>
-                <a:effectLst/>
-                <a:uLnTx/>
-                <a:uFillTx/>
-                <a:ea typeface="Arial Unicode MS" pitchFamily="34" charset="-128"/>
-                <a:cs typeface="Arial Unicode MS" pitchFamily="34" charset="-128"/>
-              </a:rPr>
-              <a:t>-a</a:t>
-            </a:r>
-          </a:p>
-        </p:txBody>
-      </p:sp>
-      <p:sp>
-        <p:nvSpPr>
-          <p:cNvPr id="5" name="Rectangle 4"/>
-          <p:cNvSpPr/>
-          <p:nvPr/>
-        </p:nvSpPr>
-        <p:spPr bwMode="gray">
-          <a:xfrm>
-            <a:off x="1552504" y="3074792"/>
-            <a:ext cx="1815338" cy="1160859"/>
-          </a:xfrm>
-          <a:prstGeom prst="rect">
-            <a:avLst/>
-          </a:prstGeom>
+          <a:solidFill>
+            <a:schemeClr val="tx2"/>
+          </a:solidFill>
           <a:ln>
             <a:headEnd/>
             <a:tailEnd/>
@@ -18938,10 +18997,7 @@
           <a:bodyPr lIns="90000" tIns="72000" rIns="90000" bIns="72000" rtlCol="0" anchor="ctr"/>
           <a:lstStyle/>
           <a:p>
-            <a:pPr marR="0" algn="ctr" defTabSz="914400" eaLnBrk="1" fontAlgn="base" latinLnBrk="0" hangingPunct="1">
-              <a:lnSpc>
-                <a:spcPct val="100000"/>
-              </a:lnSpc>
+            <a:pPr algn="ctr" defTabSz="914400" fontAlgn="base">
               <a:spcBef>
                 <a:spcPct val="50000"/>
               </a:spcBef>
@@ -18952,71 +19008,45 @@
                 <a:srgbClr val="F0AB00"/>
               </a:buClr>
               <a:buSzPct val="80000"/>
-              <a:tabLst/>
             </a:pPr>
-            <a:endParaRPr lang="de-DE" sz="1600" b="1" kern="0" noProof="0" dirty="0">
-              <a:ea typeface="Arial Unicode MS" pitchFamily="34" charset="-128"/>
-              <a:cs typeface="Arial Unicode MS" pitchFamily="34" charset="-128"/>
-            </a:endParaRPr>
-          </a:p>
-          <a:p>
-            <a:pPr marR="0" algn="ctr" defTabSz="914400" eaLnBrk="1" fontAlgn="base" latinLnBrk="0" hangingPunct="1">
-              <a:lnSpc>
-                <a:spcPct val="100000"/>
-              </a:lnSpc>
-              <a:spcBef>
-                <a:spcPct val="50000"/>
-              </a:spcBef>
-              <a:spcAft>
-                <a:spcPct val="0"/>
-              </a:spcAft>
-              <a:buClr>
-                <a:srgbClr val="F0AB00"/>
-              </a:buClr>
-              <a:buSzPct val="80000"/>
-              <a:tabLst/>
-            </a:pPr>
-            <a:r>
-              <a:rPr lang="de-DE" sz="1600" b="1" kern="0" noProof="0" dirty="0" err="1">
+            <a:r>
+              <a:rPr lang="en-US" sz="1600" b="1" kern="0">
+                <a:solidFill>
+                  <a:sysClr val="windowText" lastClr="000000"/>
+                </a:solidFill>
                 <a:ea typeface="Arial Unicode MS" pitchFamily="34" charset="-128"/>
-                <a:cs typeface="Arial Unicode MS" pitchFamily="34" charset="-128"/>
               </a:rPr>
-              <a:t>Pod</a:t>
-            </a:r>
-            <a:r>
-              <a:rPr lang="de-DE" sz="1600" b="1" kern="0" noProof="0" dirty="0">
+              <a:t>service</a:t>
+            </a:r>
+            <a:r>
+              <a:rPr lang="en-US" sz="1600" b="1" kern="0" dirty="0">
+                <a:solidFill>
+                  <a:sysClr val="windowText" lastClr="000000"/>
+                </a:solidFill>
                 <a:ea typeface="Arial Unicode MS" pitchFamily="34" charset="-128"/>
-                <a:cs typeface="Arial Unicode MS" pitchFamily="34" charset="-128"/>
               </a:rPr>
-              <a:t> A2</a:t>
-            </a:r>
-            <a:endParaRPr kumimoji="0" lang="de-DE" sz="1600" b="1" i="0" u="none" strike="noStrike" kern="0" cap="none" spc="0" normalizeH="0" baseline="0" noProof="0" dirty="0">
-              <a:ln>
-                <a:noFill/>
-              </a:ln>
-              <a:effectLst/>
-              <a:uLnTx/>
-              <a:uFillTx/>
-              <a:ea typeface="Arial Unicode MS" pitchFamily="34" charset="-128"/>
-              <a:cs typeface="Arial Unicode MS" pitchFamily="34" charset="-128"/>
-            </a:endParaRPr>
+              <a:t>-a</a:t>
+            </a:r>
           </a:p>
         </p:txBody>
       </p:sp>
       <p:sp>
         <p:nvSpPr>
-          <p:cNvPr id="6" name="Rectangle 5"/>
+          <p:cNvPr id="5" name="Rectangle 4"/>
           <p:cNvSpPr/>
           <p:nvPr/>
         </p:nvSpPr>
         <p:spPr bwMode="gray">
           <a:xfrm>
-            <a:off x="1552504" y="4394141"/>
+            <a:off x="1552504" y="3074792"/>
             <a:ext cx="1815338" cy="1160859"/>
           </a:xfrm>
           <a:prstGeom prst="rect">
             <a:avLst/>
           </a:prstGeom>
+          <a:solidFill>
+            <a:schemeClr val="tx2"/>
+          </a:solidFill>
           <a:ln>
             <a:headEnd/>
             <a:tailEnd/>
@@ -19042,10 +19072,7 @@
           <a:bodyPr lIns="90000" tIns="72000" rIns="90000" bIns="72000" rtlCol="0" anchor="ctr"/>
           <a:lstStyle/>
           <a:p>
-            <a:pPr marR="0" algn="ctr" defTabSz="914400" eaLnBrk="1" fontAlgn="base" latinLnBrk="0" hangingPunct="1">
-              <a:lnSpc>
-                <a:spcPct val="100000"/>
-              </a:lnSpc>
+            <a:pPr algn="ctr" defTabSz="914400" fontAlgn="base">
               <a:spcBef>
                 <a:spcPct val="50000"/>
               </a:spcBef>
@@ -19056,18 +19083,16 @@
                 <a:srgbClr val="F0AB00"/>
               </a:buClr>
               <a:buSzPct val="80000"/>
-              <a:tabLst/>
             </a:pPr>
-            <a:endParaRPr lang="de-DE" sz="1600" b="1" kern="0" noProof="0" dirty="0">
+            <a:endParaRPr lang="de-DE" sz="1600" b="1" kern="0" dirty="0">
+              <a:solidFill>
+                <a:sysClr val="windowText" lastClr="000000"/>
+              </a:solidFill>
               <a:ea typeface="Arial Unicode MS" pitchFamily="34" charset="-128"/>
-              <a:cs typeface="Arial Unicode MS" pitchFamily="34" charset="-128"/>
             </a:endParaRPr>
           </a:p>
           <a:p>
-            <a:pPr marR="0" algn="ctr" defTabSz="914400" eaLnBrk="1" fontAlgn="base" latinLnBrk="0" hangingPunct="1">
-              <a:lnSpc>
-                <a:spcPct val="100000"/>
-              </a:lnSpc>
+            <a:pPr algn="ctr" defTabSz="914400" fontAlgn="base">
               <a:spcBef>
                 <a:spcPct val="50000"/>
               </a:spcBef>
@@ -19078,49 +19103,45 @@
                 <a:srgbClr val="F0AB00"/>
               </a:buClr>
               <a:buSzPct val="80000"/>
-              <a:tabLst/>
             </a:pPr>
             <a:r>
-              <a:rPr lang="de-DE" sz="1600" b="1" kern="0" noProof="0" dirty="0" err="1">
+              <a:rPr lang="de-DE" sz="1600" b="1" kern="0" dirty="0" err="1">
+                <a:solidFill>
+                  <a:sysClr val="windowText" lastClr="000000"/>
+                </a:solidFill>
                 <a:ea typeface="Arial Unicode MS" pitchFamily="34" charset="-128"/>
-                <a:cs typeface="Arial Unicode MS" pitchFamily="34" charset="-128"/>
               </a:rPr>
               <a:t>Pod</a:t>
             </a:r>
             <a:r>
-              <a:rPr lang="de-DE" sz="1600" b="1" kern="0" noProof="0" dirty="0">
+              <a:rPr lang="de-DE" sz="1600" b="1" kern="0" dirty="0">
+                <a:solidFill>
+                  <a:sysClr val="windowText" lastClr="000000"/>
+                </a:solidFill>
                 <a:ea typeface="Arial Unicode MS" pitchFamily="34" charset="-128"/>
-                <a:cs typeface="Arial Unicode MS" pitchFamily="34" charset="-128"/>
               </a:rPr>
-              <a:t> A3</a:t>
-            </a:r>
-            <a:endParaRPr kumimoji="0" lang="de-DE" sz="1600" b="1" i="0" u="none" strike="noStrike" kern="0" cap="none" spc="0" normalizeH="0" baseline="0" noProof="0" dirty="0">
-              <a:ln>
-                <a:noFill/>
-              </a:ln>
-              <a:effectLst/>
-              <a:uLnTx/>
-              <a:uFillTx/>
-              <a:ea typeface="Arial Unicode MS" pitchFamily="34" charset="-128"/>
-              <a:cs typeface="Arial Unicode MS" pitchFamily="34" charset="-128"/>
-            </a:endParaRPr>
+              <a:t> A2</a:t>
+            </a:r>
           </a:p>
         </p:txBody>
       </p:sp>
       <p:sp>
         <p:nvSpPr>
-          <p:cNvPr id="7" name="Rectangle 6"/>
+          <p:cNvPr id="6" name="Rectangle 5"/>
           <p:cNvSpPr/>
           <p:nvPr/>
         </p:nvSpPr>
         <p:spPr bwMode="gray">
           <a:xfrm>
-            <a:off x="1552504" y="1755443"/>
+            <a:off x="1552504" y="4394141"/>
             <a:ext cx="1815338" cy="1160859"/>
           </a:xfrm>
           <a:prstGeom prst="rect">
             <a:avLst/>
           </a:prstGeom>
+          <a:solidFill>
+            <a:schemeClr val="tx2"/>
+          </a:solidFill>
           <a:ln>
             <a:headEnd/>
             <a:tailEnd/>
@@ -19146,10 +19167,7 @@
           <a:bodyPr lIns="90000" tIns="72000" rIns="90000" bIns="72000" rtlCol="0" anchor="ctr"/>
           <a:lstStyle/>
           <a:p>
-            <a:pPr marR="0" algn="ctr" defTabSz="914400" eaLnBrk="1" fontAlgn="base" latinLnBrk="0" hangingPunct="1">
-              <a:lnSpc>
-                <a:spcPct val="100000"/>
-              </a:lnSpc>
+            <a:pPr algn="ctr" defTabSz="914400" fontAlgn="base">
               <a:spcBef>
                 <a:spcPct val="50000"/>
               </a:spcBef>
@@ -19160,18 +19178,16 @@
                 <a:srgbClr val="F0AB00"/>
               </a:buClr>
               <a:buSzPct val="80000"/>
-              <a:tabLst/>
             </a:pPr>
-            <a:endParaRPr lang="de-DE" sz="1600" b="1" kern="0" noProof="0" dirty="0">
+            <a:endParaRPr lang="de-DE" sz="1600" b="1" kern="0" dirty="0">
+              <a:solidFill>
+                <a:sysClr val="windowText" lastClr="000000"/>
+              </a:solidFill>
               <a:ea typeface="Arial Unicode MS" pitchFamily="34" charset="-128"/>
-              <a:cs typeface="Arial Unicode MS" pitchFamily="34" charset="-128"/>
             </a:endParaRPr>
           </a:p>
           <a:p>
-            <a:pPr marR="0" algn="ctr" defTabSz="914400" eaLnBrk="1" fontAlgn="base" latinLnBrk="0" hangingPunct="1">
-              <a:lnSpc>
-                <a:spcPct val="100000"/>
-              </a:lnSpc>
+            <a:pPr algn="ctr" defTabSz="914400" fontAlgn="base">
               <a:spcBef>
                 <a:spcPct val="50000"/>
               </a:spcBef>
@@ -19182,49 +19198,45 @@
                 <a:srgbClr val="F0AB00"/>
               </a:buClr>
               <a:buSzPct val="80000"/>
-              <a:tabLst/>
             </a:pPr>
             <a:r>
-              <a:rPr lang="de-DE" sz="1600" b="1" kern="0" noProof="0" dirty="0" err="1">
+              <a:rPr lang="de-DE" sz="1600" b="1" kern="0" dirty="0" err="1">
+                <a:solidFill>
+                  <a:sysClr val="windowText" lastClr="000000"/>
+                </a:solidFill>
                 <a:ea typeface="Arial Unicode MS" pitchFamily="34" charset="-128"/>
-                <a:cs typeface="Arial Unicode MS" pitchFamily="34" charset="-128"/>
               </a:rPr>
               <a:t>Pod</a:t>
             </a:r>
             <a:r>
-              <a:rPr lang="de-DE" sz="1600" b="1" kern="0" noProof="0" dirty="0">
+              <a:rPr lang="de-DE" sz="1600" b="1" kern="0" dirty="0">
+                <a:solidFill>
+                  <a:sysClr val="windowText" lastClr="000000"/>
+                </a:solidFill>
                 <a:ea typeface="Arial Unicode MS" pitchFamily="34" charset="-128"/>
-                <a:cs typeface="Arial Unicode MS" pitchFamily="34" charset="-128"/>
               </a:rPr>
-              <a:t> A1</a:t>
-            </a:r>
-            <a:endParaRPr kumimoji="0" lang="de-DE" sz="1600" b="1" i="0" u="none" strike="noStrike" kern="0" cap="none" spc="0" normalizeH="0" baseline="0" noProof="0" dirty="0">
-              <a:ln>
-                <a:noFill/>
-              </a:ln>
-              <a:effectLst/>
-              <a:uLnTx/>
-              <a:uFillTx/>
-              <a:ea typeface="Arial Unicode MS" pitchFamily="34" charset="-128"/>
-              <a:cs typeface="Arial Unicode MS" pitchFamily="34" charset="-128"/>
-            </a:endParaRPr>
+              <a:t> A3</a:t>
+            </a:r>
           </a:p>
         </p:txBody>
       </p:sp>
       <p:sp>
         <p:nvSpPr>
-          <p:cNvPr id="8" name="Rectangle 7"/>
+          <p:cNvPr id="7" name="Rectangle 6"/>
           <p:cNvSpPr/>
           <p:nvPr/>
         </p:nvSpPr>
         <p:spPr bwMode="gray">
           <a:xfrm>
-            <a:off x="8716880" y="3085645"/>
+            <a:off x="1552504" y="1755443"/>
             <a:ext cx="1815338" cy="1160859"/>
           </a:xfrm>
           <a:prstGeom prst="rect">
             <a:avLst/>
           </a:prstGeom>
+          <a:solidFill>
+            <a:schemeClr val="tx2"/>
+          </a:solidFill>
           <a:ln>
             <a:headEnd/>
             <a:tailEnd/>
@@ -19250,10 +19262,7 @@
           <a:bodyPr lIns="90000" tIns="72000" rIns="90000" bIns="72000" rtlCol="0" anchor="ctr"/>
           <a:lstStyle/>
           <a:p>
-            <a:pPr marR="0" algn="ctr" defTabSz="914400" eaLnBrk="1" fontAlgn="base" latinLnBrk="0" hangingPunct="1">
-              <a:lnSpc>
-                <a:spcPct val="100000"/>
-              </a:lnSpc>
+            <a:pPr algn="ctr" defTabSz="914400" fontAlgn="base">
               <a:spcBef>
                 <a:spcPct val="50000"/>
               </a:spcBef>
@@ -19264,18 +19273,16 @@
                 <a:srgbClr val="F0AB00"/>
               </a:buClr>
               <a:buSzPct val="80000"/>
-              <a:tabLst/>
             </a:pPr>
-            <a:endParaRPr lang="de-DE" sz="1600" b="1" kern="0" noProof="0" dirty="0">
+            <a:endParaRPr lang="de-DE" sz="1600" b="1" kern="0" dirty="0">
+              <a:solidFill>
+                <a:sysClr val="windowText" lastClr="000000"/>
+              </a:solidFill>
               <a:ea typeface="Arial Unicode MS" pitchFamily="34" charset="-128"/>
-              <a:cs typeface="Arial Unicode MS" pitchFamily="34" charset="-128"/>
             </a:endParaRPr>
           </a:p>
           <a:p>
-            <a:pPr marR="0" algn="ctr" defTabSz="914400" eaLnBrk="1" fontAlgn="base" latinLnBrk="0" hangingPunct="1">
-              <a:lnSpc>
-                <a:spcPct val="100000"/>
-              </a:lnSpc>
+            <a:pPr algn="ctr" defTabSz="914400" fontAlgn="base">
               <a:spcBef>
                 <a:spcPct val="50000"/>
               </a:spcBef>
@@ -19286,32 +19293,120 @@
                 <a:srgbClr val="F0AB00"/>
               </a:buClr>
               <a:buSzPct val="80000"/>
-              <a:tabLst/>
             </a:pPr>
             <a:r>
-              <a:rPr lang="de-DE" sz="1600" b="1" kern="0" noProof="0" dirty="0" err="1">
+              <a:rPr lang="de-DE" sz="1600" b="1" kern="0" dirty="0" err="1">
+                <a:solidFill>
+                  <a:sysClr val="windowText" lastClr="000000"/>
+                </a:solidFill>
                 <a:ea typeface="Arial Unicode MS" pitchFamily="34" charset="-128"/>
-                <a:cs typeface="Arial Unicode MS" pitchFamily="34" charset="-128"/>
               </a:rPr>
               <a:t>Pod</a:t>
             </a:r>
             <a:r>
-              <a:rPr lang="de-DE" sz="1600" b="1" kern="0" noProof="0" dirty="0">
+              <a:rPr lang="de-DE" sz="1600" b="1" kern="0" dirty="0">
+                <a:solidFill>
+                  <a:sysClr val="windowText" lastClr="000000"/>
+                </a:solidFill>
                 <a:ea typeface="Arial Unicode MS" pitchFamily="34" charset="-128"/>
-                <a:cs typeface="Arial Unicode MS" pitchFamily="34" charset="-128"/>
+              </a:rPr>
+              <a:t> A1</a:t>
+            </a:r>
+          </a:p>
+        </p:txBody>
+      </p:sp>
+      <p:sp>
+        <p:nvSpPr>
+          <p:cNvPr id="8" name="Rectangle 7"/>
+          <p:cNvSpPr/>
+          <p:nvPr/>
+        </p:nvSpPr>
+        <p:spPr bwMode="gray">
+          <a:xfrm>
+            <a:off x="8716880" y="3085645"/>
+            <a:ext cx="1815338" cy="1160859"/>
+          </a:xfrm>
+          <a:prstGeom prst="rect">
+            <a:avLst/>
+          </a:prstGeom>
+          <a:solidFill>
+            <a:schemeClr val="tx2"/>
+          </a:solidFill>
+          <a:ln>
+            <a:headEnd/>
+            <a:tailEnd/>
+          </a:ln>
+        </p:spPr>
+        <p:style>
+          <a:lnRef idx="2">
+            <a:schemeClr val="accent2">
+              <a:shade val="50000"/>
+            </a:schemeClr>
+          </a:lnRef>
+          <a:fillRef idx="1">
+            <a:schemeClr val="accent2"/>
+          </a:fillRef>
+          <a:effectRef idx="0">
+            <a:schemeClr val="accent2"/>
+          </a:effectRef>
+          <a:fontRef idx="minor">
+            <a:schemeClr val="lt1"/>
+          </a:fontRef>
+        </p:style>
+        <p:txBody>
+          <a:bodyPr lIns="90000" tIns="72000" rIns="90000" bIns="72000" rtlCol="0" anchor="ctr"/>
+          <a:lstStyle/>
+          <a:p>
+            <a:pPr algn="ctr" defTabSz="914400" fontAlgn="base">
+              <a:spcBef>
+                <a:spcPct val="50000"/>
+              </a:spcBef>
+              <a:spcAft>
+                <a:spcPct val="0"/>
+              </a:spcAft>
+              <a:buClr>
+                <a:srgbClr val="F0AB00"/>
+              </a:buClr>
+              <a:buSzPct val="80000"/>
+            </a:pPr>
+            <a:endParaRPr lang="de-DE" sz="1600" b="1" kern="0" dirty="0">
+              <a:solidFill>
+                <a:sysClr val="windowText" lastClr="000000"/>
+              </a:solidFill>
+              <a:ea typeface="Arial Unicode MS" pitchFamily="34" charset="-128"/>
+            </a:endParaRPr>
+          </a:p>
+          <a:p>
+            <a:pPr algn="ctr" defTabSz="914400" fontAlgn="base">
+              <a:spcBef>
+                <a:spcPct val="50000"/>
+              </a:spcBef>
+              <a:spcAft>
+                <a:spcPct val="0"/>
+              </a:spcAft>
+              <a:buClr>
+                <a:srgbClr val="F0AB00"/>
+              </a:buClr>
+              <a:buSzPct val="80000"/>
+            </a:pPr>
+            <a:r>
+              <a:rPr lang="de-DE" sz="1600" b="1" kern="0" dirty="0" err="1">
+                <a:solidFill>
+                  <a:sysClr val="windowText" lastClr="000000"/>
+                </a:solidFill>
+                <a:ea typeface="Arial Unicode MS" pitchFamily="34" charset="-128"/>
+              </a:rPr>
+              <a:t>Pod</a:t>
+            </a:r>
+            <a:r>
+              <a:rPr lang="de-DE" sz="1600" b="1" kern="0" dirty="0">
+                <a:solidFill>
+                  <a:sysClr val="windowText" lastClr="000000"/>
+                </a:solidFill>
+                <a:ea typeface="Arial Unicode MS" pitchFamily="34" charset="-128"/>
               </a:rPr>
               <a:t> B1</a:t>
             </a:r>
-            <a:endParaRPr kumimoji="0" lang="de-DE" sz="1600" b="1" i="0" u="none" strike="noStrike" kern="0" cap="none" spc="0" normalizeH="0" baseline="0" noProof="0" dirty="0">
-              <a:ln>
-                <a:noFill/>
-              </a:ln>
-              <a:effectLst/>
-              <a:uLnTx/>
-              <a:uFillTx/>
-              <a:ea typeface="Arial Unicode MS" pitchFamily="34" charset="-128"/>
-              <a:cs typeface="Arial Unicode MS" pitchFamily="34" charset="-128"/>
-            </a:endParaRPr>
           </a:p>
         </p:txBody>
       </p:sp>
@@ -20023,7 +20118,7 @@
             <a:r>
               <a:rPr lang="en-US" sz="1600" b="1" kern="0" noProof="0" dirty="0">
                 <a:solidFill>
-                  <a:schemeClr val="lt1"/>
+                  <a:sysClr val="windowText" lastClr="000000"/>
                 </a:solidFill>
                 <a:ea typeface="Arial Unicode MS" pitchFamily="34" charset="-128"/>
                 <a:cs typeface="Arial Unicode MS" pitchFamily="34" charset="-128"/>
@@ -20034,6 +20129,9 @@
               <a:ln>
                 <a:noFill/>
               </a:ln>
+              <a:solidFill>
+                <a:sysClr val="windowText" lastClr="000000"/>
+              </a:solidFill>
               <a:effectLst/>
               <a:uLnTx/>
               <a:uFillTx/>
@@ -20494,10 +20592,10 @@
       </p:sp>
       <p:pic>
         <p:nvPicPr>
-          <p:cNvPr id="4" name="Picture 3">
+          <p:cNvPr id="5" name="Picture 4">
             <a:extLst>
               <a:ext uri="{FF2B5EF4-FFF2-40B4-BE49-F238E27FC236}">
-                <a16:creationId xmlns:a16="http://schemas.microsoft.com/office/drawing/2014/main" id="{667C7630-D1BA-44ED-BD0C-E0F24DE56B91}"/>
+                <a16:creationId xmlns:a16="http://schemas.microsoft.com/office/drawing/2014/main" id="{69ED53B1-9319-4DFD-92E7-ECC7199FB4FC}"/>
               </a:ext>
             </a:extLst>
           </p:cNvPr>
@@ -20514,8 +20612,8 @@
         </p:blipFill>
         <p:spPr>
           <a:xfrm>
-            <a:off x="3849419" y="1181180"/>
-            <a:ext cx="4495640" cy="4495640"/>
+            <a:off x="3645157" y="976918"/>
+            <a:ext cx="4904163" cy="4904163"/>
           </a:xfrm>
           <a:prstGeom prst="rect">
             <a:avLst/>
@@ -20726,6 +20824,9 @@
           <a:prstGeom prst="rect">
             <a:avLst/>
           </a:prstGeom>
+          <a:solidFill>
+            <a:schemeClr val="tx2"/>
+          </a:solidFill>
           <a:ln>
             <a:headEnd/>
             <a:tailEnd/>
@@ -20769,6 +20870,9 @@
             </a:pPr>
             <a:r>
               <a:rPr lang="de-DE" sz="1600" b="1" kern="0" noProof="0" dirty="0" err="1">
+                <a:solidFill>
+                  <a:sysClr val="windowText" lastClr="000000"/>
+                </a:solidFill>
                 <a:ea typeface="Arial Unicode MS" pitchFamily="34" charset="-128"/>
                 <a:cs typeface="Arial Unicode MS" pitchFamily="34" charset="-128"/>
               </a:rPr>
@@ -20778,6 +20882,9 @@
               <a:ln>
                 <a:noFill/>
               </a:ln>
+              <a:solidFill>
+                <a:sysClr val="windowText" lastClr="000000"/>
+              </a:solidFill>
               <a:effectLst/>
               <a:uLnTx/>
               <a:uFillTx/>
@@ -20975,6 +21082,9 @@
           <a:prstGeom prst="rect">
             <a:avLst/>
           </a:prstGeom>
+          <a:solidFill>
+            <a:schemeClr val="tx2"/>
+          </a:solidFill>
           <a:ln>
             <a:headEnd/>
             <a:tailEnd/>
@@ -21018,6 +21128,9 @@
             </a:pPr>
             <a:r>
               <a:rPr lang="de-DE" sz="1600" b="1" kern="0" noProof="0" dirty="0" err="1">
+                <a:solidFill>
+                  <a:sysClr val="windowText" lastClr="000000"/>
+                </a:solidFill>
                 <a:ea typeface="Arial Unicode MS" pitchFamily="34" charset="-128"/>
                 <a:cs typeface="Arial Unicode MS" pitchFamily="34" charset="-128"/>
               </a:rPr>
@@ -21027,6 +21140,9 @@
               <a:ln>
                 <a:noFill/>
               </a:ln>
+              <a:solidFill>
+                <a:sysClr val="windowText" lastClr="000000"/>
+              </a:solidFill>
               <a:effectLst/>
               <a:uLnTx/>
               <a:uFillTx/>
@@ -21785,6 +21901,9 @@
           <a:prstGeom prst="snip1Rect">
             <a:avLst/>
           </a:prstGeom>
+          <a:solidFill>
+            <a:schemeClr val="tx2"/>
+          </a:solidFill>
           <a:ln w="38100" cmpd="sng">
             <a:headEnd/>
             <a:tailEnd/>
@@ -21833,6 +21952,9 @@
                 <a:ln>
                   <a:noFill/>
                 </a:ln>
+                <a:solidFill>
+                  <a:sysClr val="windowText" lastClr="000000"/>
+                </a:solidFill>
                 <a:effectLst/>
                 <a:uLnTx/>
                 <a:uFillTx/>
@@ -21863,6 +21985,9 @@
             </a:pPr>
             <a:r>
               <a:rPr lang="en-US" sz="1600" kern="0" dirty="0">
+                <a:solidFill>
+                  <a:sysClr val="windowText" lastClr="000000"/>
+                </a:solidFill>
                 <a:ea typeface="Arial Unicode MS" pitchFamily="34" charset="-128"/>
                 <a:cs typeface="Arial Unicode MS" pitchFamily="34" charset="-128"/>
               </a:rPr>
@@ -21872,6 +21997,9 @@
               <a:ln>
                 <a:noFill/>
               </a:ln>
+              <a:solidFill>
+                <a:sysClr val="windowText" lastClr="000000"/>
+              </a:solidFill>
               <a:effectLst/>
               <a:uLnTx/>
               <a:uFillTx/>
@@ -21900,6 +22028,9 @@
             </a:pPr>
             <a:r>
               <a:rPr lang="en-US" sz="1600" kern="0" dirty="0">
+                <a:solidFill>
+                  <a:sysClr val="windowText" lastClr="000000"/>
+                </a:solidFill>
                 <a:ea typeface="Arial Unicode MS" pitchFamily="34" charset="-128"/>
                 <a:cs typeface="Arial Unicode MS" pitchFamily="34" charset="-128"/>
               </a:rPr>
@@ -21927,6 +22058,9 @@
             </a:pPr>
             <a:r>
               <a:rPr lang="en-US" sz="1600" kern="0" dirty="0">
+                <a:solidFill>
+                  <a:sysClr val="windowText" lastClr="000000"/>
+                </a:solidFill>
                 <a:ea typeface="Arial Unicode MS" pitchFamily="34" charset="-128"/>
                 <a:cs typeface="Arial Unicode MS" pitchFamily="34" charset="-128"/>
               </a:rPr>
@@ -21957,6 +22091,9 @@
                 <a:ln>
                   <a:noFill/>
                 </a:ln>
+                <a:solidFill>
+                  <a:sysClr val="windowText" lastClr="000000"/>
+                </a:solidFill>
                 <a:effectLst/>
                 <a:uLnTx/>
                 <a:uFillTx/>
@@ -22097,10 +22234,10 @@
       </p:sp>
       <p:pic>
         <p:nvPicPr>
-          <p:cNvPr id="4" name="Picture 3">
+          <p:cNvPr id="5" name="Picture 4">
             <a:extLst>
               <a:ext uri="{FF2B5EF4-FFF2-40B4-BE49-F238E27FC236}">
-                <a16:creationId xmlns:a16="http://schemas.microsoft.com/office/drawing/2014/main" id="{667C7630-D1BA-44ED-BD0C-E0F24DE56B91}"/>
+                <a16:creationId xmlns:a16="http://schemas.microsoft.com/office/drawing/2014/main" id="{7EAD404B-E776-42D7-9A6B-DED20C111962}"/>
               </a:ext>
             </a:extLst>
           </p:cNvPr>
@@ -22117,8 +22254,8 @@
         </p:blipFill>
         <p:spPr>
           <a:xfrm>
-            <a:off x="3849419" y="1181180"/>
-            <a:ext cx="4495640" cy="4495640"/>
+            <a:off x="3645157" y="976918"/>
+            <a:ext cx="4904163" cy="4904163"/>
           </a:xfrm>
           <a:prstGeom prst="rect">
             <a:avLst/>
@@ -22329,6 +22466,9 @@
           <a:prstGeom prst="rect">
             <a:avLst/>
           </a:prstGeom>
+          <a:solidFill>
+            <a:schemeClr val="tx2"/>
+          </a:solidFill>
           <a:ln>
             <a:headEnd/>
             <a:tailEnd/>
@@ -22372,6 +22512,9 @@
             </a:pPr>
             <a:r>
               <a:rPr lang="de-DE" sz="1600" b="1" kern="0" noProof="0" dirty="0" err="1">
+                <a:solidFill>
+                  <a:sysClr val="windowText" lastClr="000000"/>
+                </a:solidFill>
                 <a:ea typeface="Arial Unicode MS" pitchFamily="34" charset="-128"/>
                 <a:cs typeface="Arial Unicode MS" pitchFamily="34" charset="-128"/>
               </a:rPr>
@@ -22381,6 +22524,9 @@
               <a:ln>
                 <a:noFill/>
               </a:ln>
+              <a:solidFill>
+                <a:sysClr val="windowText" lastClr="000000"/>
+              </a:solidFill>
               <a:effectLst/>
               <a:uLnTx/>
               <a:uFillTx/>
@@ -22578,6 +22724,9 @@
           <a:prstGeom prst="rect">
             <a:avLst/>
           </a:prstGeom>
+          <a:solidFill>
+            <a:schemeClr val="tx2"/>
+          </a:solidFill>
           <a:ln>
             <a:headEnd/>
             <a:tailEnd/>
@@ -22621,6 +22770,9 @@
             </a:pPr>
             <a:r>
               <a:rPr lang="de-DE" sz="1600" b="1" kern="0" noProof="0" dirty="0" err="1">
+                <a:solidFill>
+                  <a:sysClr val="windowText" lastClr="000000"/>
+                </a:solidFill>
                 <a:ea typeface="Arial Unicode MS" pitchFamily="34" charset="-128"/>
                 <a:cs typeface="Arial Unicode MS" pitchFamily="34" charset="-128"/>
               </a:rPr>
@@ -22630,6 +22782,9 @@
               <a:ln>
                 <a:noFill/>
               </a:ln>
+              <a:solidFill>
+                <a:sysClr val="windowText" lastClr="000000"/>
+              </a:solidFill>
               <a:effectLst/>
               <a:uLnTx/>
               <a:uFillTx/>
@@ -23360,6 +23515,12 @@
             <a:chOff x="3017896" y="1876370"/>
             <a:chExt cx="6052008" cy="821276"/>
           </a:xfrm>
+          <a:solidFill>
+            <a:schemeClr val="accent3">
+              <a:lumMod val="40000"/>
+              <a:lumOff val="60000"/>
+            </a:schemeClr>
+          </a:solidFill>
         </p:grpSpPr>
         <p:sp>
           <p:nvSpPr>
@@ -23381,9 +23542,7 @@
             <a:prstGeom prst="rect">
               <a:avLst/>
             </a:prstGeom>
-            <a:solidFill>
-              <a:srgbClr val="0070C0"/>
-            </a:solidFill>
+            <a:grpFill/>
             <a:ln w="6350" algn="ctr">
               <a:noFill/>
               <a:miter lim="800000"/>
@@ -23447,6 +23606,7 @@
             <a:prstGeom prst="rect">
               <a:avLst/>
             </a:prstGeom>
+            <a:grpFill/>
             <a:ln>
               <a:headEnd/>
               <a:tailEnd/>
@@ -23526,6 +23686,7 @@
             <a:prstGeom prst="rect">
               <a:avLst/>
             </a:prstGeom>
+            <a:grpFill/>
             <a:ln>
               <a:headEnd/>
               <a:tailEnd/>
@@ -23602,6 +23763,9 @@
           <a:prstGeom prst="snip1Rect">
             <a:avLst/>
           </a:prstGeom>
+          <a:solidFill>
+            <a:schemeClr val="tx2"/>
+          </a:solidFill>
           <a:ln w="38100" cmpd="sng">
             <a:headEnd/>
             <a:tailEnd/>
@@ -23650,6 +23814,9 @@
                 <a:ln>
                   <a:noFill/>
                 </a:ln>
+                <a:solidFill>
+                  <a:sysClr val="windowText" lastClr="000000"/>
+                </a:solidFill>
                 <a:effectLst/>
                 <a:uLnTx/>
                 <a:uFillTx/>
@@ -23680,6 +23847,9 @@
             </a:pPr>
             <a:r>
               <a:rPr lang="en-US" sz="1600" kern="0" dirty="0">
+                <a:solidFill>
+                  <a:sysClr val="windowText" lastClr="000000"/>
+                </a:solidFill>
                 <a:ea typeface="Arial Unicode MS" pitchFamily="34" charset="-128"/>
                 <a:cs typeface="Arial Unicode MS" pitchFamily="34" charset="-128"/>
               </a:rPr>
@@ -23689,6 +23859,9 @@
               <a:ln>
                 <a:noFill/>
               </a:ln>
+              <a:solidFill>
+                <a:sysClr val="windowText" lastClr="000000"/>
+              </a:solidFill>
               <a:effectLst/>
               <a:uLnTx/>
               <a:uFillTx/>
@@ -23717,6 +23890,9 @@
             </a:pPr>
             <a:r>
               <a:rPr lang="en-US" sz="1600" kern="0" dirty="0">
+                <a:solidFill>
+                  <a:sysClr val="windowText" lastClr="000000"/>
+                </a:solidFill>
                 <a:ea typeface="Arial Unicode MS" pitchFamily="34" charset="-128"/>
                 <a:cs typeface="Arial Unicode MS" pitchFamily="34" charset="-128"/>
               </a:rPr>
@@ -23744,6 +23920,9 @@
             </a:pPr>
             <a:r>
               <a:rPr lang="en-US" sz="1600" kern="0" dirty="0">
+                <a:solidFill>
+                  <a:sysClr val="windowText" lastClr="000000"/>
+                </a:solidFill>
                 <a:ea typeface="Arial Unicode MS" pitchFamily="34" charset="-128"/>
                 <a:cs typeface="Arial Unicode MS" pitchFamily="34" charset="-128"/>
               </a:rPr>
@@ -23774,6 +23953,9 @@
                 <a:ln>
                   <a:noFill/>
                 </a:ln>
+                <a:solidFill>
+                  <a:sysClr val="windowText" lastClr="000000"/>
+                </a:solidFill>
                 <a:effectLst/>
                 <a:uLnTx/>
                 <a:uFillTx/>
@@ -23996,10 +24178,10 @@
       </p:sp>
       <p:pic>
         <p:nvPicPr>
-          <p:cNvPr id="4" name="Picture 3">
+          <p:cNvPr id="5" name="Picture 4">
             <a:extLst>
               <a:ext uri="{FF2B5EF4-FFF2-40B4-BE49-F238E27FC236}">
-                <a16:creationId xmlns:a16="http://schemas.microsoft.com/office/drawing/2014/main" id="{667C7630-D1BA-44ED-BD0C-E0F24DE56B91}"/>
+                <a16:creationId xmlns:a16="http://schemas.microsoft.com/office/drawing/2014/main" id="{EF0BFC98-B737-4F20-BC1A-D30A78344285}"/>
               </a:ext>
             </a:extLst>
           </p:cNvPr>
@@ -24016,8 +24198,8 @@
         </p:blipFill>
         <p:spPr>
           <a:xfrm>
-            <a:off x="3849419" y="1181180"/>
-            <a:ext cx="4495640" cy="4495640"/>
+            <a:off x="3645157" y="976918"/>
+            <a:ext cx="4904163" cy="4904163"/>
           </a:xfrm>
           <a:prstGeom prst="rect">
             <a:avLst/>
@@ -24054,6 +24236,41 @@
           <a:chExt cx="0" cy="0"/>
         </a:xfrm>
       </p:grpSpPr>
+      <p:pic>
+        <p:nvPicPr>
+          <p:cNvPr id="26" name="Picture 25">
+            <a:extLst>
+              <a:ext uri="{FF2B5EF4-FFF2-40B4-BE49-F238E27FC236}">
+                <a16:creationId xmlns:a16="http://schemas.microsoft.com/office/drawing/2014/main" id="{B7515D22-FF30-4AC1-B6A2-F07B7FE970EE}"/>
+              </a:ext>
+            </a:extLst>
+          </p:cNvPr>
+          <p:cNvPicPr>
+            <a:picLocks noChangeAspect="1"/>
+          </p:cNvPicPr>
+          <p:nvPr/>
+        </p:nvPicPr>
+        <p:blipFill>
+          <a:blip r:embed="rId3"/>
+          <a:stretch>
+            <a:fillRect/>
+          </a:stretch>
+        </p:blipFill>
+        <p:spPr>
+          <a:xfrm>
+            <a:off x="504001" y="1315497"/>
+            <a:ext cx="2933333" cy="4380952"/>
+          </a:xfrm>
+          <a:prstGeom prst="rect">
+            <a:avLst/>
+          </a:prstGeom>
+          <a:ln>
+            <a:solidFill>
+              <a:schemeClr val="tx1"/>
+            </a:solidFill>
+          </a:ln>
+        </p:spPr>
+      </p:pic>
       <p:sp>
         <p:nvSpPr>
           <p:cNvPr id="21" name="Rectangle 20"/>
@@ -24167,6 +24384,9 @@
           <a:prstGeom prst="rect">
             <a:avLst/>
           </a:prstGeom>
+          <a:solidFill>
+            <a:schemeClr val="tx2"/>
+          </a:solidFill>
           <a:ln>
             <a:headEnd/>
             <a:tailEnd/>
@@ -24210,6 +24430,9 @@
             </a:pPr>
             <a:r>
               <a:rPr lang="de-DE" sz="1600" b="1" kern="0" noProof="0" dirty="0" err="1">
+                <a:solidFill>
+                  <a:sysClr val="windowText" lastClr="000000"/>
+                </a:solidFill>
                 <a:ea typeface="Arial Unicode MS" pitchFamily="34" charset="-128"/>
                 <a:cs typeface="Arial Unicode MS" pitchFamily="34" charset="-128"/>
               </a:rPr>
@@ -24219,6 +24442,9 @@
               <a:ln>
                 <a:noFill/>
               </a:ln>
+              <a:solidFill>
+                <a:sysClr val="windowText" lastClr="000000"/>
+              </a:solidFill>
               <a:effectLst/>
               <a:uLnTx/>
               <a:uFillTx/>
@@ -24589,7 +24815,10 @@
             <a:avLst/>
           </a:prstGeom>
           <a:solidFill>
-            <a:srgbClr val="0070C0"/>
+            <a:schemeClr val="accent3">
+              <a:lumMod val="40000"/>
+              <a:lumOff val="60000"/>
+            </a:schemeClr>
           </a:solidFill>
           <a:ln w="6350" algn="ctr">
             <a:noFill/>
@@ -24934,36 +25163,6 @@
           </a:p>
         </p:txBody>
       </p:sp>
-      <p:pic>
-        <p:nvPicPr>
-          <p:cNvPr id="29" name="Picture 28">
-            <a:extLst>
-              <a:ext uri="{FF2B5EF4-FFF2-40B4-BE49-F238E27FC236}">
-                <a16:creationId xmlns:a16="http://schemas.microsoft.com/office/drawing/2014/main" id="{F08B04CC-B4D7-438C-9B05-EE0BDB5E902C}"/>
-              </a:ext>
-            </a:extLst>
-          </p:cNvPr>
-          <p:cNvPicPr>
-            <a:picLocks noChangeAspect="1"/>
-          </p:cNvPicPr>
-          <p:nvPr/>
-        </p:nvPicPr>
-        <p:blipFill>
-          <a:blip r:embed="rId3"/>
-          <a:stretch>
-            <a:fillRect/>
-          </a:stretch>
-        </p:blipFill>
-        <p:spPr>
-          <a:xfrm>
-            <a:off x="790680" y="1226795"/>
-            <a:ext cx="2580189" cy="4585699"/>
-          </a:xfrm>
-          <a:prstGeom prst="rect">
-            <a:avLst/>
-          </a:prstGeom>
-        </p:spPr>
-      </p:pic>
       <p:cxnSp>
         <p:nvCxnSpPr>
           <p:cNvPr id="37" name="Connector: Elbow 36">
@@ -25102,6 +25301,9 @@
           <a:prstGeom prst="snip1Rect">
             <a:avLst/>
           </a:prstGeom>
+          <a:solidFill>
+            <a:schemeClr val="tx2"/>
+          </a:solidFill>
           <a:ln w="38100" cmpd="sng">
             <a:headEnd/>
             <a:tailEnd/>
@@ -25150,6 +25352,9 @@
                 <a:ln>
                   <a:noFill/>
                 </a:ln>
+                <a:solidFill>
+                  <a:sysClr val="windowText" lastClr="000000"/>
+                </a:solidFill>
                 <a:effectLst/>
                 <a:uLnTx/>
                 <a:uFillTx/>
@@ -25180,6 +25385,9 @@
             </a:pPr>
             <a:r>
               <a:rPr lang="en-US" sz="1600" kern="0" dirty="0">
+                <a:solidFill>
+                  <a:sysClr val="windowText" lastClr="000000"/>
+                </a:solidFill>
                 <a:ea typeface="Arial Unicode MS" pitchFamily="34" charset="-128"/>
                 <a:cs typeface="Arial Unicode MS" pitchFamily="34" charset="-128"/>
               </a:rPr>
@@ -25210,6 +25418,9 @@
                 <a:ln>
                   <a:noFill/>
                 </a:ln>
+                <a:solidFill>
+                  <a:sysClr val="windowText" lastClr="000000"/>
+                </a:solidFill>
                 <a:effectLst/>
                 <a:uLnTx/>
                 <a:uFillTx/>
@@ -25240,6 +25451,9 @@
             </a:pPr>
             <a:r>
               <a:rPr lang="en-US" sz="1600" kern="0" dirty="0">
+                <a:solidFill>
+                  <a:sysClr val="windowText" lastClr="000000"/>
+                </a:solidFill>
                 <a:ea typeface="Arial Unicode MS" pitchFamily="34" charset="-128"/>
                 <a:cs typeface="Arial Unicode MS" pitchFamily="34" charset="-128"/>
               </a:rPr>
@@ -25270,6 +25484,9 @@
                 <a:ln>
                   <a:noFill/>
                 </a:ln>
+                <a:solidFill>
+                  <a:sysClr val="windowText" lastClr="000000"/>
+                </a:solidFill>
                 <a:effectLst/>
                 <a:uLnTx/>
                 <a:uFillTx/>
@@ -26540,6 +26757,84 @@
           </a:p>
         </p:txBody>
       </p:sp>
+      <p:sp>
+        <p:nvSpPr>
+          <p:cNvPr id="19" name="Speech Bubble: Rectangle 18">
+            <a:extLst>
+              <a:ext uri="{FF2B5EF4-FFF2-40B4-BE49-F238E27FC236}">
+                <a16:creationId xmlns:a16="http://schemas.microsoft.com/office/drawing/2014/main" id="{BB097883-2309-4829-AD93-2FB63E489689}"/>
+              </a:ext>
+            </a:extLst>
+          </p:cNvPr>
+          <p:cNvSpPr/>
+          <p:nvPr/>
+        </p:nvSpPr>
+        <p:spPr bwMode="gray">
+          <a:xfrm>
+            <a:off x="591671" y="1787021"/>
+            <a:ext cx="2535294" cy="915844"/>
+          </a:xfrm>
+          <a:prstGeom prst="wedgeRectCallout">
+            <a:avLst>
+              <a:gd name="adj1" fmla="val 78596"/>
+              <a:gd name="adj2" fmla="val -54206"/>
+            </a:avLst>
+          </a:prstGeom>
+          <a:ln>
+            <a:headEnd/>
+            <a:tailEnd/>
+          </a:ln>
+        </p:spPr>
+        <p:style>
+          <a:lnRef idx="2">
+            <a:schemeClr val="accent5"/>
+          </a:lnRef>
+          <a:fillRef idx="1">
+            <a:schemeClr val="lt1"/>
+          </a:fillRef>
+          <a:effectRef idx="0">
+            <a:schemeClr val="accent5"/>
+          </a:effectRef>
+          <a:fontRef idx="minor">
+            <a:schemeClr val="dk1"/>
+          </a:fontRef>
+        </p:style>
+        <p:txBody>
+          <a:bodyPr lIns="90000" tIns="72000" rIns="90000" bIns="72000" rtlCol="0" anchor="ctr"/>
+          <a:lstStyle/>
+          <a:p>
+            <a:pPr marR="0" algn="ctr" defTabSz="914400" eaLnBrk="1" fontAlgn="base" latinLnBrk="0" hangingPunct="1">
+              <a:lnSpc>
+                <a:spcPct val="100000"/>
+              </a:lnSpc>
+              <a:spcBef>
+                <a:spcPct val="50000"/>
+              </a:spcBef>
+              <a:spcAft>
+                <a:spcPct val="0"/>
+              </a:spcAft>
+              <a:buClr>
+                <a:srgbClr val="F0AB00"/>
+              </a:buClr>
+              <a:buSzPct val="80000"/>
+              <a:tabLst/>
+            </a:pPr>
+            <a:r>
+              <a:rPr kumimoji="0" lang="en-US" sz="1800" b="0" i="0" u="none" strike="noStrike" kern="0" cap="none" spc="0" normalizeH="0" baseline="0" noProof="0" dirty="0">
+                <a:ln>
+                  <a:noFill/>
+                </a:ln>
+                <a:effectLst/>
+                <a:uLnTx/>
+                <a:uFillTx/>
+                <a:ea typeface="Arial Unicode MS" pitchFamily="34" charset="-128"/>
+                <a:cs typeface="Arial Unicode MS" pitchFamily="34" charset="-128"/>
+              </a:rPr>
+              <a:t>Make your pods available via a service</a:t>
+            </a:r>
+          </a:p>
+        </p:txBody>
+      </p:sp>
     </p:spTree>
     <p:extLst>
       <p:ext uri="{BB962C8B-B14F-4D97-AF65-F5344CB8AC3E}">
@@ -26637,7 +26932,7 @@
           <p:nvPr>
             <p:extLst>
               <p:ext uri="{D42A27DB-BD31-4B8C-83A1-F6EECF244321}">
-                <p14:modId xmlns:p14="http://schemas.microsoft.com/office/powerpoint/2010/main" val="2303761192"/>
+                <p14:modId xmlns:p14="http://schemas.microsoft.com/office/powerpoint/2010/main" val="2006732341"/>
               </p:ext>
             </p:extLst>
           </p:nvPr>
@@ -26763,7 +27058,7 @@
           <p:nvPr>
             <p:extLst>
               <p:ext uri="{D42A27DB-BD31-4B8C-83A1-F6EECF244321}">
-                <p14:modId xmlns:p14="http://schemas.microsoft.com/office/powerpoint/2010/main" val="3030601165"/>
+                <p14:modId xmlns:p14="http://schemas.microsoft.com/office/powerpoint/2010/main" val="3443690342"/>
               </p:ext>
             </p:extLst>
           </p:nvPr>
@@ -26986,6 +27281,9 @@
             <a:chOff x="2386981" y="4488375"/>
             <a:chExt cx="6271481" cy="773906"/>
           </a:xfrm>
+          <a:solidFill>
+            <a:schemeClr val="bg2"/>
+          </a:solidFill>
         </p:grpSpPr>
         <p:sp>
           <p:nvSpPr>
@@ -27001,6 +27299,9 @@
             <a:prstGeom prst="rect">
               <a:avLst/>
             </a:prstGeom>
+            <a:solidFill>
+              <a:schemeClr val="tx2"/>
+            </a:solidFill>
             <a:ln>
               <a:headEnd/>
               <a:tailEnd/>
@@ -27026,10 +27327,7 @@
             <a:bodyPr lIns="90000" tIns="72000" rIns="90000" bIns="72000" rtlCol="0" anchor="ctr"/>
             <a:lstStyle/>
             <a:p>
-              <a:pPr marR="0" algn="ctr" defTabSz="914400" eaLnBrk="1" fontAlgn="base" latinLnBrk="0" hangingPunct="1">
-                <a:lnSpc>
-                  <a:spcPct val="100000"/>
-                </a:lnSpc>
+              <a:pPr algn="ctr" defTabSz="914400" fontAlgn="base">
                 <a:spcBef>
                   <a:spcPct val="50000"/>
                 </a:spcBef>
@@ -27040,24 +27338,21 @@
                   <a:srgbClr val="F0AB00"/>
                 </a:buClr>
                 <a:buSzPct val="80000"/>
-                <a:tabLst/>
               </a:pPr>
               <a:r>
-                <a:rPr lang="de-DE" sz="1600" b="1" kern="0" noProof="0" dirty="0" err="1">
+                <a:rPr lang="de-DE" sz="1600" b="1" kern="0" dirty="0" err="1">
+                  <a:solidFill>
+                    <a:sysClr val="windowText" lastClr="000000"/>
+                  </a:solidFill>
                   <a:ea typeface="Arial Unicode MS" pitchFamily="34" charset="-128"/>
-                  <a:cs typeface="Arial Unicode MS" pitchFamily="34" charset="-128"/>
                 </a:rPr>
                 <a:t>Pod</a:t>
               </a:r>
-              <a:endParaRPr kumimoji="0" lang="de-DE" sz="1600" b="1" i="0" u="none" strike="noStrike" kern="0" cap="none" spc="0" normalizeH="0" baseline="0" noProof="0" dirty="0">
-                <a:ln>
-                  <a:noFill/>
-                </a:ln>
-                <a:effectLst/>
-                <a:uLnTx/>
-                <a:uFillTx/>
+              <a:endParaRPr lang="de-DE" sz="1600" b="1" kern="0" dirty="0">
+                <a:solidFill>
+                  <a:sysClr val="windowText" lastClr="000000"/>
+                </a:solidFill>
                 <a:ea typeface="Arial Unicode MS" pitchFamily="34" charset="-128"/>
-                <a:cs typeface="Arial Unicode MS" pitchFamily="34" charset="-128"/>
               </a:endParaRPr>
             </a:p>
           </p:txBody>
@@ -27076,6 +27371,9 @@
             <a:prstGeom prst="rect">
               <a:avLst/>
             </a:prstGeom>
+            <a:solidFill>
+              <a:schemeClr val="tx2"/>
+            </a:solidFill>
             <a:ln>
               <a:headEnd/>
               <a:tailEnd/>
@@ -27101,10 +27399,7 @@
             <a:bodyPr lIns="90000" tIns="72000" rIns="90000" bIns="72000" rtlCol="0" anchor="ctr"/>
             <a:lstStyle/>
             <a:p>
-              <a:pPr marR="0" algn="ctr" defTabSz="914400" eaLnBrk="1" fontAlgn="base" latinLnBrk="0" hangingPunct="1">
-                <a:lnSpc>
-                  <a:spcPct val="100000"/>
-                </a:lnSpc>
+              <a:pPr algn="ctr" defTabSz="914400" fontAlgn="base">
                 <a:spcBef>
                   <a:spcPct val="50000"/>
                 </a:spcBef>
@@ -27115,24 +27410,21 @@
                   <a:srgbClr val="F0AB00"/>
                 </a:buClr>
                 <a:buSzPct val="80000"/>
-                <a:tabLst/>
               </a:pPr>
               <a:r>
-                <a:rPr lang="de-DE" sz="1600" b="1" kern="0" noProof="0" dirty="0" err="1">
+                <a:rPr lang="de-DE" sz="1600" b="1" kern="0" dirty="0" err="1">
+                  <a:solidFill>
+                    <a:sysClr val="windowText" lastClr="000000"/>
+                  </a:solidFill>
                   <a:ea typeface="Arial Unicode MS" pitchFamily="34" charset="-128"/>
-                  <a:cs typeface="Arial Unicode MS" pitchFamily="34" charset="-128"/>
                 </a:rPr>
                 <a:t>Pod</a:t>
               </a:r>
-              <a:endParaRPr kumimoji="0" lang="de-DE" sz="1600" b="1" i="0" u="none" strike="noStrike" kern="0" cap="none" spc="0" normalizeH="0" baseline="0" noProof="0" dirty="0">
-                <a:ln>
-                  <a:noFill/>
-                </a:ln>
-                <a:effectLst/>
-                <a:uLnTx/>
-                <a:uFillTx/>
+              <a:endParaRPr lang="de-DE" sz="1600" b="1" kern="0" dirty="0">
+                <a:solidFill>
+                  <a:sysClr val="windowText" lastClr="000000"/>
+                </a:solidFill>
                 <a:ea typeface="Arial Unicode MS" pitchFamily="34" charset="-128"/>
-                <a:cs typeface="Arial Unicode MS" pitchFamily="34" charset="-128"/>
               </a:endParaRPr>
             </a:p>
           </p:txBody>
@@ -27151,6 +27443,9 @@
             <a:prstGeom prst="rect">
               <a:avLst/>
             </a:prstGeom>
+            <a:solidFill>
+              <a:schemeClr val="tx2"/>
+            </a:solidFill>
             <a:ln>
               <a:headEnd/>
               <a:tailEnd/>
@@ -27176,10 +27471,7 @@
             <a:bodyPr lIns="90000" tIns="72000" rIns="90000" bIns="72000" rtlCol="0" anchor="ctr"/>
             <a:lstStyle/>
             <a:p>
-              <a:pPr marR="0" algn="ctr" defTabSz="914400" eaLnBrk="1" fontAlgn="base" latinLnBrk="0" hangingPunct="1">
-                <a:lnSpc>
-                  <a:spcPct val="100000"/>
-                </a:lnSpc>
+              <a:pPr algn="ctr" defTabSz="914400" fontAlgn="base">
                 <a:spcBef>
                   <a:spcPct val="50000"/>
                 </a:spcBef>
@@ -27190,24 +27482,21 @@
                   <a:srgbClr val="F0AB00"/>
                 </a:buClr>
                 <a:buSzPct val="80000"/>
-                <a:tabLst/>
               </a:pPr>
               <a:r>
-                <a:rPr lang="de-DE" sz="1600" b="1" kern="0" noProof="0" dirty="0" err="1">
+                <a:rPr lang="de-DE" sz="1600" b="1" kern="0" dirty="0" err="1">
+                  <a:solidFill>
+                    <a:sysClr val="windowText" lastClr="000000"/>
+                  </a:solidFill>
                   <a:ea typeface="Arial Unicode MS" pitchFamily="34" charset="-128"/>
-                  <a:cs typeface="Arial Unicode MS" pitchFamily="34" charset="-128"/>
                 </a:rPr>
                 <a:t>Pod</a:t>
               </a:r>
-              <a:endParaRPr kumimoji="0" lang="de-DE" sz="1600" b="1" i="0" u="none" strike="noStrike" kern="0" cap="none" spc="0" normalizeH="0" baseline="0" noProof="0" dirty="0">
-                <a:ln>
-                  <a:noFill/>
-                </a:ln>
-                <a:effectLst/>
-                <a:uLnTx/>
-                <a:uFillTx/>
+              <a:endParaRPr lang="de-DE" sz="1600" b="1" kern="0" dirty="0">
+                <a:solidFill>
+                  <a:sysClr val="windowText" lastClr="000000"/>
+                </a:solidFill>
                 <a:ea typeface="Arial Unicode MS" pitchFamily="34" charset="-128"/>
-                <a:cs typeface="Arial Unicode MS" pitchFamily="34" charset="-128"/>
               </a:endParaRPr>
             </a:p>
           </p:txBody>
@@ -28037,30 +28326,6 @@
           </a:p>
         </p:txBody>
       </p:sp>
-      <p:pic>
-        <p:nvPicPr>
-          <p:cNvPr id="4" name="Picture 3"/>
-          <p:cNvPicPr>
-            <a:picLocks noChangeAspect="1"/>
-          </p:cNvPicPr>
-          <p:nvPr/>
-        </p:nvPicPr>
-        <p:blipFill>
-          <a:blip r:embed="rId3"/>
-          <a:stretch>
-            <a:fillRect/>
-          </a:stretch>
-        </p:blipFill>
-        <p:spPr>
-          <a:xfrm>
-            <a:off x="956846" y="1549677"/>
-            <a:ext cx="2095238" cy="3723809"/>
-          </a:xfrm>
-          <a:prstGeom prst="rect">
-            <a:avLst/>
-          </a:prstGeom>
-        </p:spPr>
-      </p:pic>
       <p:sp>
         <p:nvSpPr>
           <p:cNvPr id="6" name="Rectangle 5"/>
@@ -28197,6 +28462,41 @@
           </a:p>
         </p:txBody>
       </p:sp>
+      <p:pic>
+        <p:nvPicPr>
+          <p:cNvPr id="3" name="Picture 2">
+            <a:extLst>
+              <a:ext uri="{FF2B5EF4-FFF2-40B4-BE49-F238E27FC236}">
+                <a16:creationId xmlns:a16="http://schemas.microsoft.com/office/drawing/2014/main" id="{0CC4C4F6-88DE-472F-82B2-C293FBADDA3F}"/>
+              </a:ext>
+            </a:extLst>
+          </p:cNvPr>
+          <p:cNvPicPr>
+            <a:picLocks noChangeAspect="1"/>
+          </p:cNvPicPr>
+          <p:nvPr/>
+        </p:nvPicPr>
+        <p:blipFill>
+          <a:blip r:embed="rId3"/>
+          <a:stretch>
+            <a:fillRect/>
+          </a:stretch>
+        </p:blipFill>
+        <p:spPr>
+          <a:xfrm>
+            <a:off x="499745" y="1238524"/>
+            <a:ext cx="2933333" cy="4380952"/>
+          </a:xfrm>
+          <a:prstGeom prst="rect">
+            <a:avLst/>
+          </a:prstGeom>
+          <a:ln>
+            <a:solidFill>
+              <a:schemeClr val="tx1"/>
+            </a:solidFill>
+          </a:ln>
+        </p:spPr>
+      </p:pic>
     </p:spTree>
     <p:extLst>
       <p:ext uri="{BB962C8B-B14F-4D97-AF65-F5344CB8AC3E}">
@@ -28637,6 +28937,9 @@
             <a:prstGeom prst="rect">
               <a:avLst/>
             </a:prstGeom>
+            <a:solidFill>
+              <a:schemeClr val="tx2"/>
+            </a:solidFill>
             <a:ln>
               <a:headEnd/>
               <a:tailEnd/>
@@ -28662,10 +28965,7 @@
             <a:bodyPr lIns="90000" tIns="72000" rIns="90000" bIns="72000" rtlCol="0" anchor="ctr"/>
             <a:lstStyle/>
             <a:p>
-              <a:pPr marR="0" algn="ctr" defTabSz="914400" eaLnBrk="1" fontAlgn="base" latinLnBrk="0" hangingPunct="1">
-                <a:lnSpc>
-                  <a:spcPct val="100000"/>
-                </a:lnSpc>
+              <a:pPr algn="ctr" defTabSz="914400" fontAlgn="base">
                 <a:spcBef>
                   <a:spcPct val="50000"/>
                 </a:spcBef>
@@ -28676,24 +28976,21 @@
                   <a:srgbClr val="F0AB00"/>
                 </a:buClr>
                 <a:buSzPct val="80000"/>
-                <a:tabLst/>
               </a:pPr>
               <a:r>
-                <a:rPr lang="de-DE" sz="1600" b="1" kern="0" noProof="0" dirty="0" err="1">
+                <a:rPr lang="de-DE" sz="1600" b="1" kern="0" dirty="0" err="1">
+                  <a:solidFill>
+                    <a:sysClr val="windowText" lastClr="000000"/>
+                  </a:solidFill>
                   <a:ea typeface="Arial Unicode MS" pitchFamily="34" charset="-128"/>
-                  <a:cs typeface="Arial Unicode MS" pitchFamily="34" charset="-128"/>
                 </a:rPr>
                 <a:t>Pod</a:t>
               </a:r>
-              <a:endParaRPr kumimoji="0" lang="de-DE" sz="1600" b="1" i="0" u="none" strike="noStrike" kern="0" cap="none" spc="0" normalizeH="0" baseline="0" noProof="0" dirty="0">
-                <a:ln>
-                  <a:noFill/>
-                </a:ln>
-                <a:effectLst/>
-                <a:uLnTx/>
-                <a:uFillTx/>
+              <a:endParaRPr lang="de-DE" sz="1600" b="1" kern="0" dirty="0">
+                <a:solidFill>
+                  <a:sysClr val="windowText" lastClr="000000"/>
+                </a:solidFill>
                 <a:ea typeface="Arial Unicode MS" pitchFamily="34" charset="-128"/>
-                <a:cs typeface="Arial Unicode MS" pitchFamily="34" charset="-128"/>
               </a:endParaRPr>
             </a:p>
           </p:txBody>
@@ -29038,6 +29335,9 @@
             <a:prstGeom prst="rect">
               <a:avLst/>
             </a:prstGeom>
+            <a:solidFill>
+              <a:schemeClr val="tx2"/>
+            </a:solidFill>
             <a:ln>
               <a:headEnd/>
               <a:tailEnd/>
@@ -29081,6 +29381,9 @@
               </a:pPr>
               <a:r>
                 <a:rPr lang="de-DE" sz="1600" b="1" kern="0" noProof="0" dirty="0" err="1">
+                  <a:solidFill>
+                    <a:sysClr val="windowText" lastClr="000000"/>
+                  </a:solidFill>
                   <a:ea typeface="Arial Unicode MS" pitchFamily="34" charset="-128"/>
                   <a:cs typeface="Arial Unicode MS" pitchFamily="34" charset="-128"/>
                 </a:rPr>
@@ -29090,6 +29393,9 @@
                 <a:ln>
                   <a:noFill/>
                 </a:ln>
+                <a:solidFill>
+                  <a:sysClr val="windowText" lastClr="000000"/>
+                </a:solidFill>
                 <a:effectLst/>
                 <a:uLnTx/>
                 <a:uFillTx/>

--- a/kubernetes/04_networking_services.pptx
+++ b/kubernetes/04_networking_services.pptx
@@ -19792,7 +19792,7 @@
                 <a:ea typeface="Arial Unicode MS" pitchFamily="34" charset="-128"/>
                 <a:cs typeface="Arial Unicode MS" pitchFamily="34" charset="-128"/>
               </a:rPr>
-              <a:t>IP: 10.10.10.3</a:t>
+              <a:t>IP: 10.10.20.1</a:t>
             </a:r>
           </a:p>
         </p:txBody>
@@ -19861,7 +19861,7 @@
                 <a:ea typeface="Arial Unicode MS" pitchFamily="34" charset="-128"/>
                 <a:cs typeface="Arial Unicode MS" pitchFamily="34" charset="-128"/>
               </a:rPr>
-              <a:t>IP: 10.10.24.1</a:t>
+              <a:t>IP: 10.10.20.2</a:t>
             </a:r>
           </a:p>
         </p:txBody>
@@ -19930,7 +19930,7 @@
                 <a:ea typeface="Arial Unicode MS" pitchFamily="34" charset="-128"/>
                 <a:cs typeface="Arial Unicode MS" pitchFamily="34" charset="-128"/>
               </a:rPr>
-              <a:t>IP: 10.10.10.4</a:t>
+              <a:t>IP: 10.20.10.1</a:t>
             </a:r>
           </a:p>
         </p:txBody>
@@ -21461,7 +21461,7 @@
                 <a:ea typeface="Arial Unicode MS" pitchFamily="34" charset="-128"/>
                 <a:cs typeface="Arial Unicode MS" pitchFamily="34" charset="-128"/>
               </a:rPr>
-              <a:t>IP: 10.10.10.3</a:t>
+              <a:t>IP: 10.10.20.1</a:t>
             </a:r>
           </a:p>
         </p:txBody>
@@ -22175,7 +22175,7 @@
                 <a:ea typeface="Arial Unicode MS" pitchFamily="34" charset="-128"/>
                 <a:cs typeface="Arial Unicode MS" pitchFamily="34" charset="-128"/>
               </a:rPr>
-              <a:t>IP: 10.10.10.4</a:t>
+              <a:t>IP: 10.20.10.1</a:t>
             </a:r>
           </a:p>
         </p:txBody>
@@ -23103,7 +23103,7 @@
                 <a:ea typeface="Arial Unicode MS" pitchFamily="34" charset="-128"/>
                 <a:cs typeface="Arial Unicode MS" pitchFamily="34" charset="-128"/>
               </a:rPr>
-              <a:t>IP: 10.10.10.3</a:t>
+              <a:t>IP: 10.10.20.1</a:t>
             </a:r>
           </a:p>
         </p:txBody>
@@ -24119,7 +24119,7 @@
                 <a:ea typeface="Arial Unicode MS" pitchFamily="34" charset="-128"/>
                 <a:cs typeface="Arial Unicode MS" pitchFamily="34" charset="-128"/>
               </a:rPr>
-              <a:t>IP: 10.10.10.4</a:t>
+              <a:t>IP: 10.20.10.1</a:t>
             </a:r>
           </a:p>
         </p:txBody>
@@ -24591,7 +24591,7 @@
                 <a:ea typeface="Arial Unicode MS" pitchFamily="34" charset="-128"/>
                 <a:cs typeface="Arial Unicode MS" pitchFamily="34" charset="-128"/>
               </a:rPr>
-              <a:t>IP: 10.10.10.3</a:t>
+              <a:t>IP: 10.10.10.1</a:t>
             </a:r>
           </a:p>
         </p:txBody>
@@ -27889,7 +27889,7 @@
                 <a:ea typeface="Arial Unicode MS" pitchFamily="34" charset="-128"/>
                 <a:cs typeface="Arial Unicode MS" pitchFamily="34" charset="-128"/>
               </a:rPr>
-              <a:t>IP: 10.10.10.3</a:t>
+              <a:t>IP: 10.10.20.1</a:t>
             </a:r>
           </a:p>
         </p:txBody>

--- a/kubernetes/04_networking_services.pptx
+++ b/kubernetes/04_networking_services.pptx
@@ -22347,8 +22347,25 @@
                 <a:ea typeface="Arial Unicode MS" pitchFamily="34" charset="-128"/>
                 <a:cs typeface="Arial Unicode MS" pitchFamily="34" charset="-128"/>
               </a:rPr>
-              <a:t>Type: LoadBalancer</a:t>
-            </a:r>
+              <a:t>Type: </a:t>
+            </a:r>
+            <a:r>
+              <a:rPr lang="en-US" sz="1600" kern="0" dirty="0" err="1">
+                <a:solidFill>
+                  <a:sysClr val="windowText" lastClr="000000"/>
+                </a:solidFill>
+                <a:ea typeface="Arial Unicode MS" pitchFamily="34" charset="-128"/>
+                <a:cs typeface="Arial Unicode MS" pitchFamily="34" charset="-128"/>
+              </a:rPr>
+              <a:t>NodePort</a:t>
+            </a:r>
+            <a:endParaRPr lang="en-US" sz="1600" kern="0" dirty="0">
+              <a:solidFill>
+                <a:sysClr val="windowText" lastClr="000000"/>
+              </a:solidFill>
+              <a:ea typeface="Arial Unicode MS" pitchFamily="34" charset="-128"/>
+              <a:cs typeface="Arial Unicode MS" pitchFamily="34" charset="-128"/>
+            </a:endParaRPr>
           </a:p>
           <a:p>
             <a:pPr marL="285750" marR="0" indent="-285750" defTabSz="914400" eaLnBrk="1" fontAlgn="base" latinLnBrk="0" hangingPunct="1">
@@ -32132,10 +32149,10 @@
       </p:sp>
       <p:pic>
         <p:nvPicPr>
-          <p:cNvPr id="5" name="Picture 4">
+          <p:cNvPr id="3" name="Picture 2">
             <a:extLst>
               <a:ext uri="{FF2B5EF4-FFF2-40B4-BE49-F238E27FC236}">
-                <a16:creationId xmlns:a16="http://schemas.microsoft.com/office/drawing/2014/main" id="{29FE5BB1-D9E2-4E2D-BDFC-83D1496E8B0A}"/>
+                <a16:creationId xmlns:a16="http://schemas.microsoft.com/office/drawing/2014/main" id="{1B8C0222-D7FB-43CC-AB2E-555FEA651E3D}"/>
               </a:ext>
             </a:extLst>
           </p:cNvPr>
@@ -32152,8 +32169,8 @@
         </p:blipFill>
         <p:spPr>
           <a:xfrm>
-            <a:off x="504001" y="1381598"/>
-            <a:ext cx="2938320" cy="4383129"/>
+            <a:off x="504001" y="1301734"/>
+            <a:ext cx="3000000" cy="4542857"/>
           </a:xfrm>
           <a:prstGeom prst="rect">
             <a:avLst/>

--- a/kubernetes/04_networking_services.pptx
+++ b/kubernetes/04_networking_services.pptx
@@ -21175,8 +21175,13 @@
           <a:p>
             <a:r>
               <a:rPr lang="en-US" dirty="0"/>
-              <a:t>Introducing LoadBalancers</a:t>
-            </a:r>
+              <a:t>Introducing </a:t>
+            </a:r>
+            <a:r>
+              <a:rPr lang="en-US" dirty="0" err="1"/>
+              <a:t>NodePorts</a:t>
+            </a:r>
+            <a:endParaRPr lang="en-US" dirty="0"/>
           </a:p>
         </p:txBody>
       </p:sp>
